--- a/Bootcamp-ContinuousDelivery.pptx
+++ b/Bootcamp-ContinuousDelivery.pptx
@@ -1085,13 +1085,6 @@
         </dgm:presLayoutVars>
       </dgm:prSet>
       <dgm:spPr/>
-      <dgm:t>
-        <a:bodyPr/>
-        <a:lstStyle/>
-        <a:p>
-          <a:endParaRPr lang="en-US"/>
-        </a:p>
-      </dgm:t>
     </dgm:pt>
     <dgm:pt modelId="{FC542BF3-5C1C-42C5-B5E5-6321BB8EB7F9}" type="pres">
       <dgm:prSet presAssocID="{C66579FF-178F-4EB3-A619-EB6244DBF190}" presName="node" presStyleLbl="node1" presStyleIdx="0" presStyleCnt="5">
@@ -1100,35 +1093,14 @@
         </dgm:presLayoutVars>
       </dgm:prSet>
       <dgm:spPr/>
-      <dgm:t>
-        <a:bodyPr/>
-        <a:lstStyle/>
-        <a:p>
-          <a:endParaRPr lang="en-US"/>
-        </a:p>
-      </dgm:t>
     </dgm:pt>
     <dgm:pt modelId="{FA7B59B5-FC02-4344-AC79-BB949A239074}" type="pres">
       <dgm:prSet presAssocID="{9CDC3CEF-BEFB-4641-BD78-1C7053AE5D85}" presName="sibTrans" presStyleLbl="sibTrans2D1" presStyleIdx="0" presStyleCnt="5"/>
       <dgm:spPr/>
-      <dgm:t>
-        <a:bodyPr/>
-        <a:lstStyle/>
-        <a:p>
-          <a:endParaRPr lang="en-US"/>
-        </a:p>
-      </dgm:t>
     </dgm:pt>
     <dgm:pt modelId="{A70BC138-62CC-44F9-9D81-A0D94D618821}" type="pres">
       <dgm:prSet presAssocID="{9CDC3CEF-BEFB-4641-BD78-1C7053AE5D85}" presName="connectorText" presStyleLbl="sibTrans2D1" presStyleIdx="0" presStyleCnt="5"/>
       <dgm:spPr/>
-      <dgm:t>
-        <a:bodyPr/>
-        <a:lstStyle/>
-        <a:p>
-          <a:endParaRPr lang="en-US"/>
-        </a:p>
-      </dgm:t>
     </dgm:pt>
     <dgm:pt modelId="{26E82A5F-C42E-46BE-BC85-BF125D7B11DF}" type="pres">
       <dgm:prSet presAssocID="{2C8B1AAE-4F3F-4ECF-9149-8D0B38858342}" presName="node" presStyleLbl="node1" presStyleIdx="1" presStyleCnt="5">
@@ -1137,35 +1109,14 @@
         </dgm:presLayoutVars>
       </dgm:prSet>
       <dgm:spPr/>
-      <dgm:t>
-        <a:bodyPr/>
-        <a:lstStyle/>
-        <a:p>
-          <a:endParaRPr lang="en-US"/>
-        </a:p>
-      </dgm:t>
     </dgm:pt>
     <dgm:pt modelId="{3872CCD2-0516-45C4-AD48-9C6A7CA90B7D}" type="pres">
       <dgm:prSet presAssocID="{42FEEE84-07F4-4179-9CF4-34A821DA5FE7}" presName="sibTrans" presStyleLbl="sibTrans2D1" presStyleIdx="1" presStyleCnt="5"/>
       <dgm:spPr/>
-      <dgm:t>
-        <a:bodyPr/>
-        <a:lstStyle/>
-        <a:p>
-          <a:endParaRPr lang="en-US"/>
-        </a:p>
-      </dgm:t>
     </dgm:pt>
     <dgm:pt modelId="{36AA703D-7D87-4520-ADB7-200A3B1C3073}" type="pres">
       <dgm:prSet presAssocID="{42FEEE84-07F4-4179-9CF4-34A821DA5FE7}" presName="connectorText" presStyleLbl="sibTrans2D1" presStyleIdx="1" presStyleCnt="5"/>
       <dgm:spPr/>
-      <dgm:t>
-        <a:bodyPr/>
-        <a:lstStyle/>
-        <a:p>
-          <a:endParaRPr lang="en-US"/>
-        </a:p>
-      </dgm:t>
     </dgm:pt>
     <dgm:pt modelId="{573E983B-764A-4772-B1A2-F269F4179211}" type="pres">
       <dgm:prSet presAssocID="{C5569C4E-117B-44A4-A5C3-2514A629D92D}" presName="node" presStyleLbl="node1" presStyleIdx="2" presStyleCnt="5">
@@ -1174,35 +1125,14 @@
         </dgm:presLayoutVars>
       </dgm:prSet>
       <dgm:spPr/>
-      <dgm:t>
-        <a:bodyPr/>
-        <a:lstStyle/>
-        <a:p>
-          <a:endParaRPr lang="en-US"/>
-        </a:p>
-      </dgm:t>
     </dgm:pt>
     <dgm:pt modelId="{8778FFBA-6EAF-4AE4-9CDD-8111001477BA}" type="pres">
       <dgm:prSet presAssocID="{B9A8C14C-2FA3-4AD2-B689-F8EC4AC3E915}" presName="sibTrans" presStyleLbl="sibTrans2D1" presStyleIdx="2" presStyleCnt="5"/>
       <dgm:spPr/>
-      <dgm:t>
-        <a:bodyPr/>
-        <a:lstStyle/>
-        <a:p>
-          <a:endParaRPr lang="en-US"/>
-        </a:p>
-      </dgm:t>
     </dgm:pt>
     <dgm:pt modelId="{CDD0D33F-26A1-4611-A42E-7467613F6B93}" type="pres">
       <dgm:prSet presAssocID="{B9A8C14C-2FA3-4AD2-B689-F8EC4AC3E915}" presName="connectorText" presStyleLbl="sibTrans2D1" presStyleIdx="2" presStyleCnt="5"/>
       <dgm:spPr/>
-      <dgm:t>
-        <a:bodyPr/>
-        <a:lstStyle/>
-        <a:p>
-          <a:endParaRPr lang="en-US"/>
-        </a:p>
-      </dgm:t>
     </dgm:pt>
     <dgm:pt modelId="{FFE636CC-1D68-4F03-9766-767ACA791844}" type="pres">
       <dgm:prSet presAssocID="{B04ABEBF-BF63-467B-9B88-F60E6947C5A0}" presName="node" presStyleLbl="node1" presStyleIdx="3" presStyleCnt="5">
@@ -1211,35 +1141,14 @@
         </dgm:presLayoutVars>
       </dgm:prSet>
       <dgm:spPr/>
-      <dgm:t>
-        <a:bodyPr/>
-        <a:lstStyle/>
-        <a:p>
-          <a:endParaRPr lang="en-US"/>
-        </a:p>
-      </dgm:t>
     </dgm:pt>
     <dgm:pt modelId="{7C4001D0-B375-4EC6-B48A-30B7EF199C1D}" type="pres">
       <dgm:prSet presAssocID="{DC418283-A530-43EC-8A1C-46857DA00D49}" presName="sibTrans" presStyleLbl="sibTrans2D1" presStyleIdx="3" presStyleCnt="5"/>
       <dgm:spPr/>
-      <dgm:t>
-        <a:bodyPr/>
-        <a:lstStyle/>
-        <a:p>
-          <a:endParaRPr lang="en-US"/>
-        </a:p>
-      </dgm:t>
     </dgm:pt>
     <dgm:pt modelId="{0B7F95E8-029B-4078-A29A-04C184A53BC1}" type="pres">
       <dgm:prSet presAssocID="{DC418283-A530-43EC-8A1C-46857DA00D49}" presName="connectorText" presStyleLbl="sibTrans2D1" presStyleIdx="3" presStyleCnt="5"/>
       <dgm:spPr/>
-      <dgm:t>
-        <a:bodyPr/>
-        <a:lstStyle/>
-        <a:p>
-          <a:endParaRPr lang="en-US"/>
-        </a:p>
-      </dgm:t>
     </dgm:pt>
     <dgm:pt modelId="{7F83799A-03F8-4762-8C61-0C4EB7BC8AE0}" type="pres">
       <dgm:prSet presAssocID="{DCBB36FC-F725-433E-8305-D4586A98D64E}" presName="node" presStyleLbl="node1" presStyleIdx="4" presStyleCnt="5">
@@ -1248,59 +1157,38 @@
         </dgm:presLayoutVars>
       </dgm:prSet>
       <dgm:spPr/>
-      <dgm:t>
-        <a:bodyPr/>
-        <a:lstStyle/>
-        <a:p>
-          <a:endParaRPr lang="en-US"/>
-        </a:p>
-      </dgm:t>
     </dgm:pt>
     <dgm:pt modelId="{051F7C30-9F90-4A4C-BF5D-5FFA9564171A}" type="pres">
       <dgm:prSet presAssocID="{F428EFD7-7586-4CF0-BEE0-9BE2754D41A4}" presName="sibTrans" presStyleLbl="sibTrans2D1" presStyleIdx="4" presStyleCnt="5"/>
       <dgm:spPr/>
-      <dgm:t>
-        <a:bodyPr/>
-        <a:lstStyle/>
-        <a:p>
-          <a:endParaRPr lang="en-US"/>
-        </a:p>
-      </dgm:t>
     </dgm:pt>
     <dgm:pt modelId="{67D912B2-D21C-4181-936F-8DD7A0047903}" type="pres">
       <dgm:prSet presAssocID="{F428EFD7-7586-4CF0-BEE0-9BE2754D41A4}" presName="connectorText" presStyleLbl="sibTrans2D1" presStyleIdx="4" presStyleCnt="5"/>
       <dgm:spPr/>
-      <dgm:t>
-        <a:bodyPr/>
-        <a:lstStyle/>
-        <a:p>
-          <a:endParaRPr lang="en-US"/>
-        </a:p>
-      </dgm:t>
     </dgm:pt>
   </dgm:ptLst>
   <dgm:cxnLst>
-    <dgm:cxn modelId="{50F1D490-FE37-4A89-9D15-17F721E90C0A}" srcId="{88072AEC-04DF-449A-B70B-4F458BD9276A}" destId="{2C8B1AAE-4F3F-4ECF-9149-8D0B38858342}" srcOrd="1" destOrd="0" parTransId="{99B51D7F-9A01-46F8-9643-9FA051F00F32}" sibTransId="{42FEEE84-07F4-4179-9CF4-34A821DA5FE7}"/>
-    <dgm:cxn modelId="{F32B0D7C-741E-49C1-8C51-A981ED96746C}" type="presOf" srcId="{DC418283-A530-43EC-8A1C-46857DA00D49}" destId="{0B7F95E8-029B-4078-A29A-04C184A53BC1}" srcOrd="1" destOrd="0" presId="urn:microsoft.com/office/officeart/2005/8/layout/cycle2"/>
+    <dgm:cxn modelId="{FCC6AA0E-B4DA-43E0-96F5-5D9A12F95753}" type="presOf" srcId="{2C8B1AAE-4F3F-4ECF-9149-8D0B38858342}" destId="{26E82A5F-C42E-46BE-BC85-BF125D7B11DF}" srcOrd="0" destOrd="0" presId="urn:microsoft.com/office/officeart/2005/8/layout/cycle2"/>
+    <dgm:cxn modelId="{975C7129-EF52-4A06-93E6-C7E4062DBDE0}" type="presOf" srcId="{42FEEE84-07F4-4179-9CF4-34A821DA5FE7}" destId="{3872CCD2-0516-45C4-AD48-9C6A7CA90B7D}" srcOrd="0" destOrd="0" presId="urn:microsoft.com/office/officeart/2005/8/layout/cycle2"/>
+    <dgm:cxn modelId="{9665205D-660F-4DE5-AA56-6642D4251254}" type="presOf" srcId="{9CDC3CEF-BEFB-4641-BD78-1C7053AE5D85}" destId="{A70BC138-62CC-44F9-9D81-A0D94D618821}" srcOrd="1" destOrd="0" presId="urn:microsoft.com/office/officeart/2005/8/layout/cycle2"/>
+    <dgm:cxn modelId="{85D7E867-EA90-46FD-B64E-E4843F1A4F29}" type="presOf" srcId="{88072AEC-04DF-449A-B70B-4F458BD9276A}" destId="{0CF3F3A6-A8C0-4943-BFC3-EE75978EB55C}" srcOrd="0" destOrd="0" presId="urn:microsoft.com/office/officeart/2005/8/layout/cycle2"/>
+    <dgm:cxn modelId="{57208A68-EDA3-4C02-A071-C6627F705981}" srcId="{88072AEC-04DF-449A-B70B-4F458BD9276A}" destId="{B04ABEBF-BF63-467B-9B88-F60E6947C5A0}" srcOrd="3" destOrd="0" parTransId="{AD9E29E4-47E5-485C-BE8C-3F14FB393D03}" sibTransId="{DC418283-A530-43EC-8A1C-46857DA00D49}"/>
+    <dgm:cxn modelId="{B3F9896B-9FF0-40A9-9C69-5E91E241EADD}" type="presOf" srcId="{DC418283-A530-43EC-8A1C-46857DA00D49}" destId="{7C4001D0-B375-4EC6-B48A-30B7EF199C1D}" srcOrd="0" destOrd="0" presId="urn:microsoft.com/office/officeart/2005/8/layout/cycle2"/>
     <dgm:cxn modelId="{27C7396C-2F0F-4444-AC76-A8D9A6E0F367}" type="presOf" srcId="{B04ABEBF-BF63-467B-9B88-F60E6947C5A0}" destId="{FFE636CC-1D68-4F03-9766-767ACA791844}" srcOrd="0" destOrd="0" presId="urn:microsoft.com/office/officeart/2005/8/layout/cycle2"/>
-    <dgm:cxn modelId="{9665205D-660F-4DE5-AA56-6642D4251254}" type="presOf" srcId="{9CDC3CEF-BEFB-4641-BD78-1C7053AE5D85}" destId="{A70BC138-62CC-44F9-9D81-A0D94D618821}" srcOrd="1" destOrd="0" presId="urn:microsoft.com/office/officeart/2005/8/layout/cycle2"/>
-    <dgm:cxn modelId="{F6C087BB-7F68-4771-8139-16DADB8C62C9}" type="presOf" srcId="{9CDC3CEF-BEFB-4641-BD78-1C7053AE5D85}" destId="{FA7B59B5-FC02-4344-AC79-BB949A239074}" srcOrd="0" destOrd="0" presId="urn:microsoft.com/office/officeart/2005/8/layout/cycle2"/>
-    <dgm:cxn modelId="{975C7129-EF52-4A06-93E6-C7E4062DBDE0}" type="presOf" srcId="{42FEEE84-07F4-4179-9CF4-34A821DA5FE7}" destId="{3872CCD2-0516-45C4-AD48-9C6A7CA90B7D}" srcOrd="0" destOrd="0" presId="urn:microsoft.com/office/officeart/2005/8/layout/cycle2"/>
-    <dgm:cxn modelId="{344D5C57-22DF-445A-92CE-3BFD21DB1C86}" type="presOf" srcId="{F428EFD7-7586-4CF0-BEE0-9BE2754D41A4}" destId="{051F7C30-9F90-4A4C-BF5D-5FFA9564171A}" srcOrd="0" destOrd="0" presId="urn:microsoft.com/office/officeart/2005/8/layout/cycle2"/>
-    <dgm:cxn modelId="{6ABD4C55-7352-420A-AF8E-D9849FF588AA}" type="presOf" srcId="{F428EFD7-7586-4CF0-BEE0-9BE2754D41A4}" destId="{67D912B2-D21C-4181-936F-8DD7A0047903}" srcOrd="1" destOrd="0" presId="urn:microsoft.com/office/officeart/2005/8/layout/cycle2"/>
-    <dgm:cxn modelId="{A0A04899-E0B7-4F95-8C62-37E9DCC41685}" type="presOf" srcId="{DCBB36FC-F725-433E-8305-D4586A98D64E}" destId="{7F83799A-03F8-4762-8C61-0C4EB7BC8AE0}" srcOrd="0" destOrd="0" presId="urn:microsoft.com/office/officeart/2005/8/layout/cycle2"/>
+    <dgm:cxn modelId="{FCF98070-D19E-4156-9833-35294DF17073}" type="presOf" srcId="{B9A8C14C-2FA3-4AD2-B689-F8EC4AC3E915}" destId="{8778FFBA-6EAF-4AE4-9CDD-8111001477BA}" srcOrd="0" destOrd="0" presId="urn:microsoft.com/office/officeart/2005/8/layout/cycle2"/>
     <dgm:cxn modelId="{515C8151-BB14-4869-891A-5AB9603FCEE3}" type="presOf" srcId="{42FEEE84-07F4-4179-9CF4-34A821DA5FE7}" destId="{36AA703D-7D87-4520-ADB7-200A3B1C3073}" srcOrd="1" destOrd="0" presId="urn:microsoft.com/office/officeart/2005/8/layout/cycle2"/>
     <dgm:cxn modelId="{6581E753-1CB6-469C-AD26-3EF3FCD614AE}" type="presOf" srcId="{B9A8C14C-2FA3-4AD2-B689-F8EC4AC3E915}" destId="{CDD0D33F-26A1-4611-A42E-7467613F6B93}" srcOrd="1" destOrd="0" presId="urn:microsoft.com/office/officeart/2005/8/layout/cycle2"/>
+    <dgm:cxn modelId="{6ABD4C55-7352-420A-AF8E-D9849FF588AA}" type="presOf" srcId="{F428EFD7-7586-4CF0-BEE0-9BE2754D41A4}" destId="{67D912B2-D21C-4181-936F-8DD7A0047903}" srcOrd="1" destOrd="0" presId="urn:microsoft.com/office/officeart/2005/8/layout/cycle2"/>
+    <dgm:cxn modelId="{344D5C57-22DF-445A-92CE-3BFD21DB1C86}" type="presOf" srcId="{F428EFD7-7586-4CF0-BEE0-9BE2754D41A4}" destId="{051F7C30-9F90-4A4C-BF5D-5FFA9564171A}" srcOrd="0" destOrd="0" presId="urn:microsoft.com/office/officeart/2005/8/layout/cycle2"/>
+    <dgm:cxn modelId="{F32B0D7C-741E-49C1-8C51-A981ED96746C}" type="presOf" srcId="{DC418283-A530-43EC-8A1C-46857DA00D49}" destId="{0B7F95E8-029B-4078-A29A-04C184A53BC1}" srcOrd="1" destOrd="0" presId="urn:microsoft.com/office/officeart/2005/8/layout/cycle2"/>
+    <dgm:cxn modelId="{72EAAC8A-FA76-41AC-AF30-8141E160D38E}" srcId="{88072AEC-04DF-449A-B70B-4F458BD9276A}" destId="{C66579FF-178F-4EB3-A619-EB6244DBF190}" srcOrd="0" destOrd="0" parTransId="{5C95DE5E-2979-4625-A5C4-E94DD6ECBA0A}" sibTransId="{9CDC3CEF-BEFB-4641-BD78-1C7053AE5D85}"/>
+    <dgm:cxn modelId="{50F1D490-FE37-4A89-9D15-17F721E90C0A}" srcId="{88072AEC-04DF-449A-B70B-4F458BD9276A}" destId="{2C8B1AAE-4F3F-4ECF-9149-8D0B38858342}" srcOrd="1" destOrd="0" parTransId="{99B51D7F-9A01-46F8-9643-9FA051F00F32}" sibTransId="{42FEEE84-07F4-4179-9CF4-34A821DA5FE7}"/>
+    <dgm:cxn modelId="{A0A04899-E0B7-4F95-8C62-37E9DCC41685}" type="presOf" srcId="{DCBB36FC-F725-433E-8305-D4586A98D64E}" destId="{7F83799A-03F8-4762-8C61-0C4EB7BC8AE0}" srcOrd="0" destOrd="0" presId="urn:microsoft.com/office/officeart/2005/8/layout/cycle2"/>
+    <dgm:cxn modelId="{F6C087BB-7F68-4771-8139-16DADB8C62C9}" type="presOf" srcId="{9CDC3CEF-BEFB-4641-BD78-1C7053AE5D85}" destId="{FA7B59B5-FC02-4344-AC79-BB949A239074}" srcOrd="0" destOrd="0" presId="urn:microsoft.com/office/officeart/2005/8/layout/cycle2"/>
     <dgm:cxn modelId="{AAB963BE-FED9-4C21-ACDD-A39DE0813FC0}" type="presOf" srcId="{C66579FF-178F-4EB3-A619-EB6244DBF190}" destId="{FC542BF3-5C1C-42C5-B5E5-6321BB8EB7F9}" srcOrd="0" destOrd="0" presId="urn:microsoft.com/office/officeart/2005/8/layout/cycle2"/>
+    <dgm:cxn modelId="{DD1E91D7-9C29-488E-B038-681D9E576D89}" type="presOf" srcId="{C5569C4E-117B-44A4-A5C3-2514A629D92D}" destId="{573E983B-764A-4772-B1A2-F269F4179211}" srcOrd="0" destOrd="0" presId="urn:microsoft.com/office/officeart/2005/8/layout/cycle2"/>
     <dgm:cxn modelId="{1DA041DE-23CE-41A5-AE48-9F58EA68B919}" srcId="{88072AEC-04DF-449A-B70B-4F458BD9276A}" destId="{C5569C4E-117B-44A4-A5C3-2514A629D92D}" srcOrd="2" destOrd="0" parTransId="{4022B1F5-8577-4801-8EFE-BB302604F7E3}" sibTransId="{B9A8C14C-2FA3-4AD2-B689-F8EC4AC3E915}"/>
-    <dgm:cxn modelId="{72EAAC8A-FA76-41AC-AF30-8141E160D38E}" srcId="{88072AEC-04DF-449A-B70B-4F458BD9276A}" destId="{C66579FF-178F-4EB3-A619-EB6244DBF190}" srcOrd="0" destOrd="0" parTransId="{5C95DE5E-2979-4625-A5C4-E94DD6ECBA0A}" sibTransId="{9CDC3CEF-BEFB-4641-BD78-1C7053AE5D85}"/>
-    <dgm:cxn modelId="{57208A68-EDA3-4C02-A071-C6627F705981}" srcId="{88072AEC-04DF-449A-B70B-4F458BD9276A}" destId="{B04ABEBF-BF63-467B-9B88-F60E6947C5A0}" srcOrd="3" destOrd="0" parTransId="{AD9E29E4-47E5-485C-BE8C-3F14FB393D03}" sibTransId="{DC418283-A530-43EC-8A1C-46857DA00D49}"/>
-    <dgm:cxn modelId="{85D7E867-EA90-46FD-B64E-E4843F1A4F29}" type="presOf" srcId="{88072AEC-04DF-449A-B70B-4F458BD9276A}" destId="{0CF3F3A6-A8C0-4943-BFC3-EE75978EB55C}" srcOrd="0" destOrd="0" presId="urn:microsoft.com/office/officeart/2005/8/layout/cycle2"/>
     <dgm:cxn modelId="{1D4C2EE6-F1BA-48EB-A562-A98A1429BF3B}" srcId="{88072AEC-04DF-449A-B70B-4F458BD9276A}" destId="{DCBB36FC-F725-433E-8305-D4586A98D64E}" srcOrd="4" destOrd="0" parTransId="{118A1B07-4471-43C8-A265-3FDB6015B904}" sibTransId="{F428EFD7-7586-4CF0-BEE0-9BE2754D41A4}"/>
-    <dgm:cxn modelId="{FCF98070-D19E-4156-9833-35294DF17073}" type="presOf" srcId="{B9A8C14C-2FA3-4AD2-B689-F8EC4AC3E915}" destId="{8778FFBA-6EAF-4AE4-9CDD-8111001477BA}" srcOrd="0" destOrd="0" presId="urn:microsoft.com/office/officeart/2005/8/layout/cycle2"/>
-    <dgm:cxn modelId="{DD1E91D7-9C29-488E-B038-681D9E576D89}" type="presOf" srcId="{C5569C4E-117B-44A4-A5C3-2514A629D92D}" destId="{573E983B-764A-4772-B1A2-F269F4179211}" srcOrd="0" destOrd="0" presId="urn:microsoft.com/office/officeart/2005/8/layout/cycle2"/>
-    <dgm:cxn modelId="{FCC6AA0E-B4DA-43E0-96F5-5D9A12F95753}" type="presOf" srcId="{2C8B1AAE-4F3F-4ECF-9149-8D0B38858342}" destId="{26E82A5F-C42E-46BE-BC85-BF125D7B11DF}" srcOrd="0" destOrd="0" presId="urn:microsoft.com/office/officeart/2005/8/layout/cycle2"/>
-    <dgm:cxn modelId="{B3F9896B-9FF0-40A9-9C69-5E91E241EADD}" type="presOf" srcId="{DC418283-A530-43EC-8A1C-46857DA00D49}" destId="{7C4001D0-B375-4EC6-B48A-30B7EF199C1D}" srcOrd="0" destOrd="0" presId="urn:microsoft.com/office/officeart/2005/8/layout/cycle2"/>
     <dgm:cxn modelId="{C7473F77-F1AC-41FE-B508-061A8A1E6F5D}" type="presParOf" srcId="{0CF3F3A6-A8C0-4943-BFC3-EE75978EB55C}" destId="{FC542BF3-5C1C-42C5-B5E5-6321BB8EB7F9}" srcOrd="0" destOrd="0" presId="urn:microsoft.com/office/officeart/2005/8/layout/cycle2"/>
     <dgm:cxn modelId="{97FDE106-5571-4FC5-85CF-1BD6D4110310}" type="presParOf" srcId="{0CF3F3A6-A8C0-4943-BFC3-EE75978EB55C}" destId="{FA7B59B5-FC02-4344-AC79-BB949A239074}" srcOrd="1" destOrd="0" presId="urn:microsoft.com/office/officeart/2005/8/layout/cycle2"/>
     <dgm:cxn modelId="{13650439-FD84-4329-AA0B-863212BEB5D1}" type="presParOf" srcId="{FA7B59B5-FC02-4344-AC79-BB949A239074}" destId="{A70BC138-62CC-44F9-9D81-A0D94D618821}" srcOrd="0" destOrd="0" presId="urn:microsoft.com/office/officeart/2005/8/layout/cycle2"/>
@@ -1389,7 +1277,7 @@
         </a:bodyPr>
         <a:lstStyle/>
         <a:p>
-          <a:pPr lvl="0" algn="ctr" defTabSz="488950">
+          <a:pPr marL="0" lvl="0" indent="0" algn="ctr" defTabSz="488950">
             <a:lnSpc>
               <a:spcPct val="90000"/>
             </a:lnSpc>
@@ -1399,6 +1287,7 @@
             <a:spcAft>
               <a:spcPct val="35000"/>
             </a:spcAft>
+            <a:buNone/>
           </a:pPr>
           <a:r>
             <a:rPr lang="en-US" sz="1100" kern="1200" dirty="0"/>
@@ -1461,7 +1350,7 @@
         </a:bodyPr>
         <a:lstStyle/>
         <a:p>
-          <a:pPr lvl="0" algn="ctr" defTabSz="400050">
+          <a:pPr marL="0" lvl="0" indent="0" algn="ctr" defTabSz="400050">
             <a:lnSpc>
               <a:spcPct val="90000"/>
             </a:lnSpc>
@@ -1471,6 +1360,7 @@
             <a:spcAft>
               <a:spcPct val="35000"/>
             </a:spcAft>
+            <a:buNone/>
           </a:pPr>
           <a:endParaRPr lang="en-US" sz="900" kern="1200"/>
         </a:p>
@@ -1534,7 +1424,7 @@
         </a:bodyPr>
         <a:lstStyle/>
         <a:p>
-          <a:pPr lvl="0" algn="ctr" defTabSz="488950">
+          <a:pPr marL="0" lvl="0" indent="0" algn="ctr" defTabSz="488950">
             <a:lnSpc>
               <a:spcPct val="90000"/>
             </a:lnSpc>
@@ -1544,6 +1434,7 @@
             <a:spcAft>
               <a:spcPct val="35000"/>
             </a:spcAft>
+            <a:buNone/>
           </a:pPr>
           <a:r>
             <a:rPr lang="en-US" sz="1100" kern="1200" dirty="0"/>
@@ -1606,7 +1497,7 @@
         </a:bodyPr>
         <a:lstStyle/>
         <a:p>
-          <a:pPr lvl="0" algn="ctr" defTabSz="400050">
+          <a:pPr marL="0" lvl="0" indent="0" algn="ctr" defTabSz="400050">
             <a:lnSpc>
               <a:spcPct val="90000"/>
             </a:lnSpc>
@@ -1616,6 +1507,7 @@
             <a:spcAft>
               <a:spcPct val="35000"/>
             </a:spcAft>
+            <a:buNone/>
           </a:pPr>
           <a:endParaRPr lang="en-US" sz="900" kern="1200"/>
         </a:p>
@@ -1679,7 +1571,7 @@
         </a:bodyPr>
         <a:lstStyle/>
         <a:p>
-          <a:pPr lvl="0" algn="ctr" defTabSz="488950">
+          <a:pPr marL="0" lvl="0" indent="0" algn="ctr" defTabSz="488950">
             <a:lnSpc>
               <a:spcPct val="90000"/>
             </a:lnSpc>
@@ -1689,6 +1581,7 @@
             <a:spcAft>
               <a:spcPct val="35000"/>
             </a:spcAft>
+            <a:buNone/>
           </a:pPr>
           <a:r>
             <a:rPr lang="en-US" sz="1100" kern="1200" dirty="0"/>
@@ -1751,7 +1644,7 @@
         </a:bodyPr>
         <a:lstStyle/>
         <a:p>
-          <a:pPr lvl="0" algn="ctr" defTabSz="400050">
+          <a:pPr marL="0" lvl="0" indent="0" algn="ctr" defTabSz="400050">
             <a:lnSpc>
               <a:spcPct val="90000"/>
             </a:lnSpc>
@@ -1761,6 +1654,7 @@
             <a:spcAft>
               <a:spcPct val="35000"/>
             </a:spcAft>
+            <a:buNone/>
           </a:pPr>
           <a:endParaRPr lang="en-US" sz="900" kern="1200"/>
         </a:p>
@@ -1824,7 +1718,7 @@
         </a:bodyPr>
         <a:lstStyle/>
         <a:p>
-          <a:pPr lvl="0" algn="ctr" defTabSz="488950">
+          <a:pPr marL="0" lvl="0" indent="0" algn="ctr" defTabSz="488950">
             <a:lnSpc>
               <a:spcPct val="90000"/>
             </a:lnSpc>
@@ -1834,6 +1728,7 @@
             <a:spcAft>
               <a:spcPct val="35000"/>
             </a:spcAft>
+            <a:buNone/>
           </a:pPr>
           <a:r>
             <a:rPr lang="en-US" sz="1100" kern="1200" dirty="0"/>
@@ -1896,7 +1791,7 @@
         </a:bodyPr>
         <a:lstStyle/>
         <a:p>
-          <a:pPr lvl="0" algn="ctr" defTabSz="400050">
+          <a:pPr marL="0" lvl="0" indent="0" algn="ctr" defTabSz="400050">
             <a:lnSpc>
               <a:spcPct val="90000"/>
             </a:lnSpc>
@@ -1906,6 +1801,7 @@
             <a:spcAft>
               <a:spcPct val="35000"/>
             </a:spcAft>
+            <a:buNone/>
           </a:pPr>
           <a:endParaRPr lang="en-US" sz="900" kern="1200"/>
         </a:p>
@@ -1969,7 +1865,7 @@
         </a:bodyPr>
         <a:lstStyle/>
         <a:p>
-          <a:pPr lvl="0" algn="ctr" defTabSz="488950">
+          <a:pPr marL="0" lvl="0" indent="0" algn="ctr" defTabSz="488950">
             <a:lnSpc>
               <a:spcPct val="90000"/>
             </a:lnSpc>
@@ -1979,6 +1875,7 @@
             <a:spcAft>
               <a:spcPct val="35000"/>
             </a:spcAft>
+            <a:buNone/>
           </a:pPr>
           <a:r>
             <a:rPr lang="en-US" sz="1100" kern="1200" dirty="0"/>
@@ -2041,7 +1938,7 @@
         </a:bodyPr>
         <a:lstStyle/>
         <a:p>
-          <a:pPr lvl="0" algn="ctr" defTabSz="400050">
+          <a:pPr marL="0" lvl="0" indent="0" algn="ctr" defTabSz="400050">
             <a:lnSpc>
               <a:spcPct val="90000"/>
             </a:lnSpc>
@@ -2051,6 +1948,7 @@
             <a:spcAft>
               <a:spcPct val="35000"/>
             </a:spcAft>
+            <a:buNone/>
           </a:pPr>
           <a:endParaRPr lang="en-US" sz="900" kern="1200"/>
         </a:p>
@@ -3391,7 +3289,7 @@
           <a:p>
             <a:fld id="{E24AA05B-9E20-4E9A-9BAD-CB7BC27F0CA9}" type="datetimeFigureOut">
               <a:rPr lang="en-GB" smtClean="0"/>
-              <a:t>15/09/2017</a:t>
+              <a:t>16/09/2017</a:t>
             </a:fld>
             <a:endParaRPr lang="en-GB"/>
           </a:p>
@@ -3867,11 +3765,7 @@
             </a:pPr>
             <a:r>
               <a:rPr lang="en-GB" dirty="0"/>
-              <a:t>Eternal business complaint: IT is </a:t>
-            </a:r>
-            <a:r>
-              <a:rPr lang="en-GB" dirty="0" smtClean="0"/>
-              <a:t>slow</a:t>
+              <a:t>Eternal business complaint: IT is slow</a:t>
             </a:r>
           </a:p>
           <a:p>
@@ -3893,19 +3787,19 @@
               <a:defRPr/>
             </a:pPr>
             <a:r>
-              <a:rPr lang="en-GB" dirty="0" smtClean="0"/>
+              <a:rPr lang="en-GB" dirty="0"/>
               <a:t>Customers</a:t>
             </a:r>
             <a:r>
-              <a:rPr lang="en-GB" baseline="0" dirty="0" smtClean="0"/>
+              <a:rPr lang="en-GB" baseline="0" dirty="0"/>
               <a:t> not necessarily end-users: example of our client -&gt; </a:t>
             </a:r>
             <a:r>
-              <a:rPr lang="en-GB" baseline="0" dirty="0" err="1" smtClean="0"/>
+              <a:rPr lang="en-GB" baseline="0" dirty="0" err="1"/>
               <a:t>MyAccount</a:t>
             </a:r>
             <a:r>
-              <a:rPr lang="en-GB" baseline="0" dirty="0" smtClean="0"/>
+              <a:rPr lang="en-GB" baseline="0" dirty="0"/>
               <a:t> team</a:t>
             </a:r>
             <a:endParaRPr lang="en-GB" dirty="0"/>
@@ -3973,23 +3867,7 @@
             </a:pPr>
             <a:r>
               <a:rPr lang="en-GB" dirty="0"/>
-              <a:t>Work out what the smallest possible amount of work you can do </a:t>
-            </a:r>
-            <a:r>
-              <a:rPr lang="en-GB" dirty="0" smtClean="0"/>
-              <a:t>to test </a:t>
-            </a:r>
-            <a:r>
-              <a:rPr lang="en-GB" dirty="0"/>
-              <a:t>your </a:t>
-            </a:r>
-            <a:r>
-              <a:rPr lang="en-GB" dirty="0" smtClean="0"/>
-              <a:t>idea, </a:t>
-            </a:r>
-            <a:r>
-              <a:rPr lang="en-GB" dirty="0"/>
-              <a:t>prove your point, get feedback, and... repeat</a:t>
+              <a:t>Work out what the smallest possible amount of work you can do to test your idea, prove your point, get feedback, and... repeat</a:t>
             </a:r>
           </a:p>
           <a:p>
@@ -4156,6 +4034,12 @@
             </a:pPr>
             <a:endParaRPr lang="en-GB" b="1" dirty="0"/>
           </a:p>
+          <a:p>
+            <a:pPr marL="0" indent="0">
+              <a:buNone/>
+            </a:pPr>
+            <a:endParaRPr lang="en-GB" b="1" dirty="0"/>
+          </a:p>
         </p:txBody>
       </p:sp>
       <p:sp>
@@ -4238,6 +4122,66 @@
           <a:bodyPr/>
           <a:lstStyle/>
           <a:p>
+            <a:r>
+              <a:rPr lang="en-GB" sz="1200" b="1" i="0" kern="1200" dirty="0">
+                <a:solidFill>
+                  <a:schemeClr val="tx1"/>
+                </a:solidFill>
+                <a:effectLst/>
+                <a:latin typeface="+mn-lt"/>
+                <a:ea typeface="+mn-ea"/>
+                <a:cs typeface="+mn-cs"/>
+              </a:rPr>
+              <a:t>Continuous Delivery</a:t>
+            </a:r>
+            <a:r>
+              <a:rPr lang="en-GB" sz="1200" b="0" i="0" kern="1200" dirty="0">
+                <a:solidFill>
+                  <a:schemeClr val="tx1"/>
+                </a:solidFill>
+                <a:effectLst/>
+                <a:latin typeface="+mn-lt"/>
+                <a:ea typeface="+mn-ea"/>
+                <a:cs typeface="+mn-cs"/>
+              </a:rPr>
+              <a:t> takes </a:t>
+            </a:r>
+            <a:r>
+              <a:rPr lang="en-GB" sz="1200" b="1" i="0" kern="1200" dirty="0">
+                <a:solidFill>
+                  <a:schemeClr val="tx1"/>
+                </a:solidFill>
+                <a:effectLst/>
+                <a:latin typeface="+mn-lt"/>
+                <a:ea typeface="+mn-ea"/>
+                <a:cs typeface="+mn-cs"/>
+              </a:rPr>
+              <a:t>Agile</a:t>
+            </a:r>
+            <a:r>
+              <a:rPr lang="en-GB" sz="1200" b="0" i="0" kern="1200" dirty="0">
+                <a:solidFill>
+                  <a:schemeClr val="tx1"/>
+                </a:solidFill>
+                <a:effectLst/>
+                <a:latin typeface="+mn-lt"/>
+                <a:ea typeface="+mn-ea"/>
+                <a:cs typeface="+mn-cs"/>
+              </a:rPr>
+              <a:t> to its logical conclusion, creating software that is always </a:t>
+            </a:r>
+            <a:r>
+              <a:rPr lang="en-GB" sz="1200" b="1" i="0" kern="1200" dirty="0">
+                <a:solidFill>
+                  <a:schemeClr val="tx1"/>
+                </a:solidFill>
+                <a:effectLst/>
+                <a:latin typeface="+mn-lt"/>
+                <a:ea typeface="+mn-ea"/>
+                <a:cs typeface="+mn-cs"/>
+              </a:rPr>
+              <a:t>ready to release</a:t>
+            </a:r>
             <a:endParaRPr lang="en-GB" dirty="0"/>
           </a:p>
         </p:txBody>
@@ -4322,6 +4266,154 @@
           <a:bodyPr/>
           <a:lstStyle/>
           <a:p>
+            <a:r>
+              <a:rPr lang="en-GB" sz="1200" b="1" i="0" kern="1200" dirty="0">
+                <a:solidFill>
+                  <a:schemeClr val="tx1"/>
+                </a:solidFill>
+                <a:effectLst/>
+                <a:latin typeface="+mn-lt"/>
+                <a:ea typeface="+mn-ea"/>
+                <a:cs typeface="+mn-cs"/>
+              </a:rPr>
+              <a:t>Continuous Integration</a:t>
+            </a:r>
+            <a:r>
+              <a:rPr lang="en-GB" sz="1200" b="0" i="0" kern="1200" dirty="0">
+                <a:solidFill>
+                  <a:schemeClr val="tx1"/>
+                </a:solidFill>
+                <a:effectLst/>
+                <a:latin typeface="+mn-lt"/>
+                <a:ea typeface="+mn-ea"/>
+                <a:cs typeface="+mn-cs"/>
+              </a:rPr>
+              <a:t> (CI) is a development practice that requires developers to </a:t>
+            </a:r>
+            <a:r>
+              <a:rPr lang="en-GB" sz="1200" b="1" i="0" kern="1200" dirty="0">
+                <a:solidFill>
+                  <a:schemeClr val="tx1"/>
+                </a:solidFill>
+                <a:effectLst/>
+                <a:latin typeface="+mn-lt"/>
+                <a:ea typeface="+mn-ea"/>
+                <a:cs typeface="+mn-cs"/>
+              </a:rPr>
+              <a:t>integrate</a:t>
+            </a:r>
+            <a:r>
+              <a:rPr lang="en-GB" sz="1200" b="0" i="0" kern="1200" dirty="0">
+                <a:solidFill>
+                  <a:schemeClr val="tx1"/>
+                </a:solidFill>
+                <a:effectLst/>
+                <a:latin typeface="+mn-lt"/>
+                <a:ea typeface="+mn-ea"/>
+                <a:cs typeface="+mn-cs"/>
+              </a:rPr>
+              <a:t> code into a shared repository </a:t>
+            </a:r>
+          </a:p>
+          <a:p>
+            <a:r>
+              <a:rPr lang="en-GB" sz="1200" b="0" i="0" kern="1200" dirty="0">
+                <a:solidFill>
+                  <a:schemeClr val="tx1"/>
+                </a:solidFill>
+                <a:effectLst/>
+                <a:latin typeface="+mn-lt"/>
+                <a:ea typeface="+mn-ea"/>
+                <a:cs typeface="+mn-cs"/>
+              </a:rPr>
+              <a:t>several times a day. </a:t>
+            </a:r>
+          </a:p>
+          <a:p>
+            <a:r>
+              <a:rPr lang="en-GB" sz="1200" b="0" i="0" kern="1200" dirty="0">
+                <a:solidFill>
+                  <a:schemeClr val="tx1"/>
+                </a:solidFill>
+                <a:effectLst/>
+                <a:latin typeface="+mn-lt"/>
+                <a:ea typeface="+mn-ea"/>
+                <a:cs typeface="+mn-cs"/>
+              </a:rPr>
+              <a:t>Each check-in or commit is then </a:t>
+            </a:r>
+            <a:r>
+              <a:rPr lang="en-GB" sz="1200" b="1" i="0" kern="1200" dirty="0">
+                <a:solidFill>
+                  <a:schemeClr val="tx1"/>
+                </a:solidFill>
+                <a:effectLst/>
+                <a:latin typeface="+mn-lt"/>
+                <a:ea typeface="+mn-ea"/>
+                <a:cs typeface="+mn-cs"/>
+              </a:rPr>
+              <a:t>verified</a:t>
+            </a:r>
+            <a:r>
+              <a:rPr lang="en-GB" sz="1200" b="0" i="0" kern="1200" dirty="0">
+                <a:solidFill>
+                  <a:schemeClr val="tx1"/>
+                </a:solidFill>
+                <a:effectLst/>
+                <a:latin typeface="+mn-lt"/>
+                <a:ea typeface="+mn-ea"/>
+                <a:cs typeface="+mn-cs"/>
+              </a:rPr>
+              <a:t> by an automated process, called “</a:t>
+            </a:r>
+            <a:r>
+              <a:rPr lang="en-GB" sz="1200" b="1" i="0" kern="1200" dirty="0">
+                <a:solidFill>
+                  <a:schemeClr val="tx1"/>
+                </a:solidFill>
+                <a:effectLst/>
+                <a:latin typeface="+mn-lt"/>
+                <a:ea typeface="+mn-ea"/>
+                <a:cs typeface="+mn-cs"/>
+              </a:rPr>
+              <a:t>build”</a:t>
+            </a:r>
+            <a:r>
+              <a:rPr lang="en-GB" sz="1200" b="0" i="0" kern="1200" dirty="0">
+                <a:solidFill>
+                  <a:schemeClr val="tx1"/>
+                </a:solidFill>
+                <a:effectLst/>
+                <a:latin typeface="+mn-lt"/>
+                <a:ea typeface="+mn-ea"/>
+                <a:cs typeface="+mn-cs"/>
+              </a:rPr>
+              <a:t>, that confirms whether the commit is </a:t>
+            </a:r>
+            <a:r>
+              <a:rPr lang="en-GB" sz="1200" b="1" i="0" kern="1200" dirty="0">
+                <a:solidFill>
+                  <a:schemeClr val="tx1"/>
+                </a:solidFill>
+                <a:effectLst/>
+                <a:latin typeface="+mn-lt"/>
+                <a:ea typeface="+mn-ea"/>
+                <a:cs typeface="+mn-cs"/>
+              </a:rPr>
+              <a:t>OK or not</a:t>
+            </a:r>
+            <a:r>
+              <a:rPr lang="en-GB" sz="1200" b="0" i="0" kern="1200" dirty="0">
+                <a:solidFill>
+                  <a:schemeClr val="tx1"/>
+                </a:solidFill>
+                <a:effectLst/>
+                <a:latin typeface="+mn-lt"/>
+                <a:ea typeface="+mn-ea"/>
+                <a:cs typeface="+mn-cs"/>
+              </a:rPr>
+              <a:t>, allowing teams to detect problems early and react to them</a:t>
+            </a:r>
             <a:endParaRPr lang="en-GB" dirty="0"/>
           </a:p>
         </p:txBody>
@@ -4899,11 +4991,11 @@
           <a:lstStyle/>
           <a:p>
             <a:r>
-              <a:rPr lang="en-GB" dirty="0" smtClean="0"/>
+              <a:rPr lang="en-GB" dirty="0"/>
               <a:t>Traditional</a:t>
             </a:r>
             <a:r>
-              <a:rPr lang="en-GB" baseline="0" dirty="0" smtClean="0"/>
+              <a:rPr lang="en-GB" baseline="0" dirty="0"/>
               <a:t> lifecycle of a feature/product</a:t>
             </a:r>
             <a:endParaRPr lang="en-GB" dirty="0"/>
@@ -5004,11 +5096,7 @@
             </a:r>
             <a:r>
               <a:rPr lang="en-GB" dirty="0"/>
-              <a:t>iterate, yes… to some </a:t>
-            </a:r>
-            <a:r>
-              <a:rPr lang="en-GB" dirty="0" smtClean="0"/>
-              <a:t>extent</a:t>
+              <a:t>iterate, yes… to some extent</a:t>
             </a:r>
           </a:p>
         </p:txBody>
@@ -5098,15 +5186,15 @@
               <a:t>But problems usually arise </a:t>
             </a:r>
             <a:r>
-              <a:rPr lang="en-GB" b="1" dirty="0" smtClean="0"/>
+              <a:rPr lang="en-GB" b="1" dirty="0"/>
               <a:t>here. </a:t>
             </a:r>
             <a:r>
-              <a:rPr lang="en-GB" b="0" dirty="0" smtClean="0"/>
+              <a:rPr lang="en-GB" b="0" dirty="0"/>
               <a:t>Operations</a:t>
             </a:r>
             <a:r>
-              <a:rPr lang="en-GB" b="0" baseline="0" dirty="0" smtClean="0"/>
+              <a:rPr lang="en-GB" b="0" baseline="0" dirty="0"/>
               <a:t> hasn’t developed the code, they struggle to support it</a:t>
             </a:r>
             <a:endParaRPr lang="en-GB" b="1" dirty="0"/>
@@ -5126,27 +5214,19 @@
           </a:p>
           <a:p>
             <a:r>
-              <a:rPr lang="en-GB" b="0" dirty="0" smtClean="0"/>
-              <a:t>It’s </a:t>
-            </a:r>
-            <a:r>
               <a:rPr lang="en-GB" b="0" dirty="0"/>
-              <a:t>accessible to nobody, and we don’t know if it actually works where we want it to work: </a:t>
-            </a:r>
-            <a:r>
-              <a:rPr lang="en-GB" b="0" dirty="0" smtClean="0"/>
-              <a:t>th</a:t>
-            </a:r>
-            <a:r>
-              <a:rPr lang="en-GB" b="0" baseline="0" dirty="0" smtClean="0"/>
+              <a:t>It’s accessible to nobody, and we don’t know if it actually works where we want it to work: th</a:t>
+            </a:r>
+            <a:r>
+              <a:rPr lang="en-GB" b="0" baseline="0" dirty="0"/>
               <a:t>e </a:t>
             </a:r>
             <a:r>
-              <a:rPr lang="en-GB" b="1" dirty="0" smtClean="0"/>
+              <a:rPr lang="en-GB" b="1" dirty="0"/>
               <a:t>Production </a:t>
             </a:r>
             <a:r>
-              <a:rPr lang="en-GB" b="0" dirty="0" smtClean="0"/>
+              <a:rPr lang="en-GB" b="0" dirty="0"/>
               <a:t>environment</a:t>
             </a:r>
             <a:endParaRPr lang="en-GB" b="1" dirty="0"/>
@@ -5664,7 +5744,7 @@
           <a:p>
             <a:fld id="{69D89977-0975-47F9-BD5E-FA2A8586144A}" type="datetimeFigureOut">
               <a:rPr lang="en-GB" smtClean="0"/>
-              <a:t>15/09/2017</a:t>
+              <a:t>16/09/2017</a:t>
             </a:fld>
             <a:endParaRPr lang="en-GB"/>
           </a:p>
@@ -5834,7 +5914,7 @@
           <a:p>
             <a:fld id="{69D89977-0975-47F9-BD5E-FA2A8586144A}" type="datetimeFigureOut">
               <a:rPr lang="en-GB" smtClean="0"/>
-              <a:t>15/09/2017</a:t>
+              <a:t>16/09/2017</a:t>
             </a:fld>
             <a:endParaRPr lang="en-GB"/>
           </a:p>
@@ -6014,7 +6094,7 @@
           <a:p>
             <a:fld id="{69D89977-0975-47F9-BD5E-FA2A8586144A}" type="datetimeFigureOut">
               <a:rPr lang="en-GB" smtClean="0"/>
-              <a:t>15/09/2017</a:t>
+              <a:t>16/09/2017</a:t>
             </a:fld>
             <a:endParaRPr lang="en-GB"/>
           </a:p>
@@ -6184,7 +6264,7 @@
           <a:p>
             <a:fld id="{69D89977-0975-47F9-BD5E-FA2A8586144A}" type="datetimeFigureOut">
               <a:rPr lang="en-GB" smtClean="0"/>
-              <a:t>15/09/2017</a:t>
+              <a:t>16/09/2017</a:t>
             </a:fld>
             <a:endParaRPr lang="en-GB"/>
           </a:p>
@@ -6442,7 +6522,7 @@
           <a:p>
             <a:fld id="{69D89977-0975-47F9-BD5E-FA2A8586144A}" type="datetimeFigureOut">
               <a:rPr lang="en-GB" smtClean="0"/>
-              <a:t>15/09/2017</a:t>
+              <a:t>16/09/2017</a:t>
             </a:fld>
             <a:endParaRPr lang="en-GB"/>
           </a:p>
@@ -6730,7 +6810,7 @@
           <a:p>
             <a:fld id="{69D89977-0975-47F9-BD5E-FA2A8586144A}" type="datetimeFigureOut">
               <a:rPr lang="en-GB" smtClean="0"/>
-              <a:t>15/09/2017</a:t>
+              <a:t>16/09/2017</a:t>
             </a:fld>
             <a:endParaRPr lang="en-GB"/>
           </a:p>
@@ -7172,7 +7252,7 @@
           <a:p>
             <a:fld id="{69D89977-0975-47F9-BD5E-FA2A8586144A}" type="datetimeFigureOut">
               <a:rPr lang="en-GB" smtClean="0"/>
-              <a:t>15/09/2017</a:t>
+              <a:t>16/09/2017</a:t>
             </a:fld>
             <a:endParaRPr lang="en-GB"/>
           </a:p>
@@ -7290,7 +7370,7 @@
           <a:p>
             <a:fld id="{69D89977-0975-47F9-BD5E-FA2A8586144A}" type="datetimeFigureOut">
               <a:rPr lang="en-GB" smtClean="0"/>
-              <a:t>15/09/2017</a:t>
+              <a:t>16/09/2017</a:t>
             </a:fld>
             <a:endParaRPr lang="en-GB"/>
           </a:p>
@@ -7385,7 +7465,7 @@
           <a:p>
             <a:fld id="{69D89977-0975-47F9-BD5E-FA2A8586144A}" type="datetimeFigureOut">
               <a:rPr lang="en-GB" smtClean="0"/>
-              <a:t>15/09/2017</a:t>
+              <a:t>16/09/2017</a:t>
             </a:fld>
             <a:endParaRPr lang="en-GB"/>
           </a:p>
@@ -7673,7 +7753,7 @@
           <a:p>
             <a:fld id="{69D89977-0975-47F9-BD5E-FA2A8586144A}" type="datetimeFigureOut">
               <a:rPr lang="en-GB" smtClean="0"/>
-              <a:t>15/09/2017</a:t>
+              <a:t>16/09/2017</a:t>
             </a:fld>
             <a:endParaRPr lang="en-GB"/>
           </a:p>
@@ -7946,7 +8026,7 @@
           <a:p>
             <a:fld id="{69D89977-0975-47F9-BD5E-FA2A8586144A}" type="datetimeFigureOut">
               <a:rPr lang="en-GB" smtClean="0"/>
-              <a:t>15/09/2017</a:t>
+              <a:t>16/09/2017</a:t>
             </a:fld>
             <a:endParaRPr lang="en-GB"/>
           </a:p>
@@ -8243,7 +8323,7 @@
           <a:p>
             <a:fld id="{69D89977-0975-47F9-BD5E-FA2A8586144A}" type="datetimeFigureOut">
               <a:rPr lang="en-GB" smtClean="0"/>
-              <a:t>15/09/2017</a:t>
+              <a:t>16/09/2017</a:t>
             </a:fld>
             <a:endParaRPr lang="en-GB"/>
           </a:p>
@@ -8791,13 +8871,6 @@
   <p:clrMapOvr>
     <a:masterClrMapping/>
   </p:clrMapOvr>
-  <p:timing>
-    <p:tnLst>
-      <p:par>
-        <p:cTn id="1" dur="indefinite" restart="never" nodeType="tmRoot"/>
-      </p:par>
-    </p:tnLst>
-  </p:timing>
 </p:sld>
 </file>
 
@@ -9668,13 +9741,6 @@
   <p:clrMapOvr>
     <a:masterClrMapping/>
   </p:clrMapOvr>
-  <p:timing>
-    <p:tnLst>
-      <p:par>
-        <p:cTn id="1" dur="indefinite" restart="never" nodeType="tmRoot"/>
-      </p:par>
-    </p:tnLst>
-  </p:timing>
 </p:sld>
 </file>
 
@@ -9990,13 +10056,8 @@
             </a:r>
             <a:r>
               <a:rPr lang="en-US" i="1" dirty="0"/>
-              <a:t> over following a </a:t>
-            </a:r>
-            <a:r>
-              <a:rPr lang="en-US" i="1" dirty="0" smtClean="0"/>
-              <a:t>plan</a:t>
-            </a:r>
-            <a:endParaRPr lang="en-US" i="1" dirty="0"/>
+              <a:t> over following a plan</a:t>
+            </a:r>
           </a:p>
         </p:txBody>
       </p:sp>
@@ -10010,13 +10071,6 @@
   <p:clrMapOvr>
     <a:masterClrMapping/>
   </p:clrMapOvr>
-  <p:timing>
-    <p:tnLst>
-      <p:par>
-        <p:cTn id="1" dur="indefinite" restart="never" nodeType="tmRoot"/>
-      </p:par>
-    </p:tnLst>
-  </p:timing>
 </p:sld>
 </file>
 
@@ -10179,15 +10233,7 @@
           <a:p>
             <a:r>
               <a:rPr lang="en-GB" dirty="0"/>
-              <a:t>Work out what the smallest possible amount of work you can </a:t>
-            </a:r>
-            <a:r>
-              <a:rPr lang="en-GB" dirty="0" smtClean="0"/>
-              <a:t>do to </a:t>
-            </a:r>
-            <a:r>
-              <a:rPr lang="en-GB" dirty="0"/>
-              <a:t>test your idea, get feedback, and... repeat</a:t>
+              <a:t>Work out what the smallest possible amount of work you can do to test your idea, get feedback, and... repeat</a:t>
             </a:r>
           </a:p>
         </p:txBody>
@@ -10202,13 +10248,6 @@
   <p:clrMapOvr>
     <a:masterClrMapping/>
   </p:clrMapOvr>
-  <p:timing>
-    <p:tnLst>
-      <p:par>
-        <p:cTn id="1" dur="indefinite" restart="never" nodeType="tmRoot"/>
-      </p:par>
-    </p:tnLst>
-  </p:timing>
 </p:sld>
 </file>
 
@@ -10494,13 +10533,6 @@
   <p:clrMapOvr>
     <a:masterClrMapping/>
   </p:clrMapOvr>
-  <p:timing>
-    <p:tnLst>
-      <p:par>
-        <p:cTn id="1" dur="indefinite" restart="never" nodeType="tmRoot"/>
-      </p:par>
-    </p:tnLst>
-  </p:timing>
 </p:sld>
 </file>
 
@@ -10563,13 +10595,6 @@
   <p:clrMapOvr>
     <a:masterClrMapping/>
   </p:clrMapOvr>
-  <p:timing>
-    <p:tnLst>
-      <p:par>
-        <p:cTn id="1" dur="indefinite" restart="never" nodeType="tmRoot"/>
-      </p:par>
-    </p:tnLst>
-  </p:timing>
 </p:sld>
 </file>
 
@@ -10643,7 +10668,7 @@
               <a:buNone/>
             </a:pPr>
             <a:r>
-              <a:rPr lang="en-GB" dirty="0"/>
+              <a:rPr lang="en-GB" i="1" dirty="0"/>
               <a:t>We want…</a:t>
             </a:r>
           </a:p>
@@ -10688,8 +10713,20 @@
               <a:buNone/>
             </a:pPr>
             <a:r>
-              <a:rPr lang="en-GB" dirty="0"/>
-              <a:t>Deploy N times</a:t>
+              <a:rPr lang="en-GB" b="1" dirty="0">
+                <a:solidFill>
+                  <a:schemeClr val="accent1"/>
+                </a:solidFill>
+              </a:rPr>
+              <a:t>Deploy</a:t>
+            </a:r>
+            <a:r>
+              <a:rPr lang="en-GB" dirty="0">
+                <a:solidFill>
+                  <a:schemeClr val="accent1"/>
+                </a:solidFill>
+              </a:rPr>
+              <a:t> N times</a:t>
             </a:r>
           </a:p>
           <a:p>
@@ -10697,8 +10734,20 @@
               <a:buNone/>
             </a:pPr>
             <a:r>
-              <a:rPr lang="en-GB" dirty="0"/>
-              <a:t>Release by “enabling a flag”</a:t>
+              <a:rPr lang="en-GB" b="1" dirty="0">
+                <a:solidFill>
+                  <a:schemeClr val="accent1"/>
+                </a:solidFill>
+              </a:rPr>
+              <a:t>Release</a:t>
+            </a:r>
+            <a:r>
+              <a:rPr lang="en-GB" dirty="0">
+                <a:solidFill>
+                  <a:schemeClr val="accent1"/>
+                </a:solidFill>
+              </a:rPr>
+              <a:t> by simply “enabling a flag”</a:t>
             </a:r>
           </a:p>
           <a:p>
@@ -10719,13 +10768,6 @@
   <p:clrMapOvr>
     <a:masterClrMapping/>
   </p:clrMapOvr>
-  <p:timing>
-    <p:tnLst>
-      <p:par>
-        <p:cTn id="1" dur="indefinite" restart="never" nodeType="tmRoot"/>
-      </p:par>
-    </p:tnLst>
-  </p:timing>
 </p:sld>
 </file>
 
@@ -10762,7 +10804,12 @@
             <p:ph type="title"/>
           </p:nvPr>
         </p:nvSpPr>
-        <p:spPr/>
+        <p:spPr>
+          <a:xfrm>
+            <a:off x="252919" y="1123837"/>
+            <a:ext cx="2947482" cy="4601183"/>
+          </a:xfrm>
+        </p:spPr>
         <p:txBody>
           <a:bodyPr/>
           <a:lstStyle/>
@@ -10771,64 +10818,62 @@
               <a:rPr lang="en-GB" dirty="0"/>
               <a:t>Practices	</a:t>
             </a:r>
-          </a:p>
-        </p:txBody>
-      </p:sp>
-      <p:sp>
-        <p:nvSpPr>
-          <p:cNvPr id="3" name="Content Placeholder 2">
+            <a:br>
+              <a:rPr lang="en-GB" dirty="0"/>
+            </a:br>
+            <a:r>
+              <a:rPr lang="en-GB" sz="2000" dirty="0"/>
+              <a:t>Continuous Integration</a:t>
+            </a:r>
+            <a:endParaRPr lang="en-GB" dirty="0"/>
+          </a:p>
+        </p:txBody>
+      </p:sp>
+      <p:pic>
+        <p:nvPicPr>
+          <p:cNvPr id="16" name="Picture 2" descr="https://devopscube.com/wp-content/uploads/2016/10/continuous-integration-in-devops.jpg">
             <a:extLst>
               <a:ext uri="{FF2B5EF4-FFF2-40B4-BE49-F238E27FC236}">
-                <a16:creationId xmlns:a16="http://schemas.microsoft.com/office/drawing/2014/main" id="{5D144876-B2BC-41EA-A7F9-FD3346DAB54E}"/>
+                <a16:creationId xmlns:a16="http://schemas.microsoft.com/office/drawing/2014/main" id="{826A376A-ABC3-4A04-800F-0C222CE5B97E}"/>
               </a:ext>
             </a:extLst>
           </p:cNvPr>
-          <p:cNvSpPr>
-            <a:spLocks noGrp="1"/>
-          </p:cNvSpPr>
-          <p:nvPr>
-            <p:ph idx="1"/>
-          </p:nvPr>
-        </p:nvSpPr>
-        <p:spPr/>
-        <p:txBody>
-          <a:bodyPr/>
-          <a:lstStyle/>
-          <a:p>
-            <a:pPr marL="0" indent="0">
-              <a:buNone/>
-            </a:pPr>
-            <a:r>
-              <a:rPr lang="en-GB" dirty="0"/>
-              <a:t>Continuous integration</a:t>
-            </a:r>
-          </a:p>
-          <a:p>
-            <a:pPr marL="0" indent="0">
-              <a:buNone/>
-            </a:pPr>
-            <a:r>
-              <a:rPr lang="en-GB" dirty="0"/>
-              <a:t>Automation</a:t>
-            </a:r>
-          </a:p>
-          <a:p>
-            <a:pPr marL="0" indent="0">
-              <a:buNone/>
-            </a:pPr>
-            <a:r>
-              <a:rPr lang="en-GB" dirty="0"/>
-              <a:t>Deployment pipeline</a:t>
-            </a:r>
-          </a:p>
-          <a:p>
-            <a:pPr marL="0" indent="0">
-              <a:buNone/>
-            </a:pPr>
-            <a:endParaRPr lang="en-GB" dirty="0"/>
-          </a:p>
-        </p:txBody>
-      </p:sp>
+          <p:cNvPicPr>
+            <a:picLocks noChangeAspect="1" noChangeArrowheads="1"/>
+          </p:cNvPicPr>
+          <p:nvPr/>
+        </p:nvPicPr>
+        <p:blipFill rotWithShape="1">
+          <a:blip r:embed="rId3">
+            <a:extLst>
+              <a:ext uri="{28A0092B-C50C-407E-A947-70E740481C1C}">
+                <a14:useLocalDpi xmlns:a14="http://schemas.microsoft.com/office/drawing/2010/main" val="0"/>
+              </a:ext>
+            </a:extLst>
+          </a:blip>
+          <a:srcRect l="3079" t="5847" r="2892" b="7281"/>
+          <a:stretch/>
+        </p:blipFill>
+        <p:spPr bwMode="auto">
+          <a:xfrm>
+            <a:off x="3645725" y="951139"/>
+            <a:ext cx="7980218" cy="4773881"/>
+          </a:xfrm>
+          <a:prstGeom prst="rect">
+            <a:avLst/>
+          </a:prstGeom>
+          <a:noFill/>
+          <a:extLst>
+            <a:ext uri="{909E8E84-426E-40DD-AFC4-6F175D3DCCD1}">
+              <a14:hiddenFill xmlns:a14="http://schemas.microsoft.com/office/drawing/2010/main">
+                <a:solidFill>
+                  <a:srgbClr val="FFFFFF"/>
+                </a:solidFill>
+              </a14:hiddenFill>
+            </a:ext>
+          </a:extLst>
+        </p:spPr>
+      </p:pic>
     </p:spTree>
     <p:extLst>
       <p:ext uri="{BB962C8B-B14F-4D97-AF65-F5344CB8AC3E}">
@@ -10839,13 +10884,6 @@
   <p:clrMapOvr>
     <a:masterClrMapping/>
   </p:clrMapOvr>
-  <p:timing>
-    <p:tnLst>
-      <p:par>
-        <p:cTn id="1" dur="indefinite" restart="never" nodeType="tmRoot"/>
-      </p:par>
-    </p:tnLst>
-  </p:timing>
 </p:sld>
 </file>
 
@@ -10866,9 +10904,9 @@
           <a:chExt cx="0" cy="0"/>
         </a:xfrm>
       </p:grpSpPr>
-      <p:sp>
-        <p:nvSpPr>
-          <p:cNvPr id="9" name="Rectangle 8"/>
+      <p:sp useBgFill="1">
+        <p:nvSpPr>
+          <p:cNvPr id="17" name="Rectangle 9"/>
           <p:cNvSpPr>
             <a:spLocks noGrp="1" noRot="1" noChangeAspect="1" noMove="1" noResize="1" noEditPoints="1" noAdjustHandles="1" noChangeArrowheads="1" noChangeShapeType="1" noTextEdit="1"/>
           </p:cNvSpPr>
@@ -10880,7 +10918,7 @@
             </p:extLst>
           </p:nvPr>
         </p:nvSpPr>
-        <p:spPr bwMode="white">
+        <p:spPr>
           <a:xfrm>
             <a:off x="0" y="0"/>
             <a:ext cx="12192000" cy="6858000"/>
@@ -10888,37 +10926,331 @@
           <a:prstGeom prst="rect">
             <a:avLst/>
           </a:prstGeom>
+          <a:ln>
+            <a:noFill/>
+          </a:ln>
+        </p:spPr>
+        <p:style>
+          <a:lnRef idx="2">
+            <a:schemeClr val="accent1">
+              <a:shade val="50000"/>
+            </a:schemeClr>
+          </a:lnRef>
+          <a:fillRef idx="1">
+            <a:schemeClr val="accent1"/>
+          </a:fillRef>
+          <a:effectRef idx="0">
+            <a:schemeClr val="accent1"/>
+          </a:effectRef>
+          <a:fontRef idx="minor">
+            <a:schemeClr val="lt1"/>
+          </a:fontRef>
+        </p:style>
+        <p:txBody>
+          <a:bodyPr rtlCol="0" anchor="ctr"/>
+          <a:lstStyle/>
+          <a:p>
+            <a:pPr algn="ctr"/>
+            <a:endParaRPr lang="en-US" dirty="0"/>
+          </a:p>
+        </p:txBody>
+      </p:sp>
+      <p:cxnSp>
+        <p:nvCxnSpPr>
+          <p:cNvPr id="18" name="Straight Connector 11">
+            <a:extLst/>
+          </p:cNvPr>
+          <p:cNvCxnSpPr>
+            <a:cxnSpLocks noGrp="1" noRot="1" noChangeAspect="1" noMove="1" noResize="1" noEditPoints="1" noAdjustHandles="1" noChangeArrowheads="1" noChangeShapeType="1"/>
+          </p:cNvCxnSpPr>
+          <p:nvPr>
+            <p:extLst>
+              <p:ext uri="{386F3935-93C4-4BCD-93E2-E3B085C9AB24}">
+                <p16:designElem xmlns:p16="http://schemas.microsoft.com/office/powerpoint/2015/main" val="1"/>
+              </p:ext>
+            </p:extLst>
+          </p:nvPr>
+        </p:nvCxnSpPr>
+        <p:spPr>
+          <a:xfrm>
+            <a:off x="7534656" y="2085681"/>
+            <a:ext cx="0" cy="2686639"/>
+          </a:xfrm>
+          <a:prstGeom prst="line">
+            <a:avLst/>
+          </a:prstGeom>
+          <a:ln w="12700">
+            <a:solidFill>
+              <a:schemeClr val="tx1">
+                <a:lumMod val="50000"/>
+                <a:lumOff val="50000"/>
+              </a:schemeClr>
+            </a:solidFill>
+          </a:ln>
+        </p:spPr>
+        <p:style>
+          <a:lnRef idx="1">
+            <a:schemeClr val="accent1"/>
+          </a:lnRef>
+          <a:fillRef idx="0">
+            <a:schemeClr val="accent1"/>
+          </a:fillRef>
+          <a:effectRef idx="0">
+            <a:schemeClr val="accent1"/>
+          </a:effectRef>
+          <a:fontRef idx="minor">
+            <a:schemeClr val="tx1"/>
+          </a:fontRef>
+        </p:style>
+      </p:cxnSp>
+      <p:sp>
+        <p:nvSpPr>
+          <p:cNvPr id="19" name="Rectangle 13"/>
+          <p:cNvSpPr>
+            <a:spLocks noGrp="1" noRot="1" noChangeAspect="1" noMove="1" noResize="1" noEditPoints="1" noAdjustHandles="1" noChangeArrowheads="1" noChangeShapeType="1" noTextEdit="1"/>
+          </p:cNvSpPr>
+          <p:nvPr>
+            <p:extLst>
+              <p:ext uri="{386F3935-93C4-4BCD-93E2-E3B085C9AB24}">
+                <p16:designElem xmlns:p16="http://schemas.microsoft.com/office/powerpoint/2015/main" val="1"/>
+              </p:ext>
+            </p:extLst>
+          </p:nvPr>
+        </p:nvSpPr>
+        <p:spPr>
+          <a:xfrm>
+            <a:off x="0" y="761999"/>
+            <a:ext cx="1286934" cy="5334001"/>
+          </a:xfrm>
+          <a:prstGeom prst="rect">
+            <a:avLst/>
+          </a:prstGeom>
           <a:solidFill>
-            <a:schemeClr val="bg1"/>
+            <a:schemeClr val="accent1"/>
           </a:solidFill>
           <a:ln>
             <a:noFill/>
           </a:ln>
-          <a:effectLst/>
         </p:spPr>
+        <p:style>
+          <a:lnRef idx="2">
+            <a:schemeClr val="accent1">
+              <a:shade val="50000"/>
+            </a:schemeClr>
+          </a:lnRef>
+          <a:fillRef idx="1">
+            <a:schemeClr val="accent1"/>
+          </a:fillRef>
+          <a:effectRef idx="0">
+            <a:schemeClr val="accent1"/>
+          </a:effectRef>
+          <a:fontRef idx="minor">
+            <a:schemeClr val="lt1"/>
+          </a:fontRef>
+        </p:style>
+      </p:sp>
+      <p:sp>
+        <p:nvSpPr>
+          <p:cNvPr id="16" name="Rectangle 15"/>
+          <p:cNvSpPr>
+            <a:spLocks noGrp="1" noRot="1" noChangeAspect="1" noMove="1" noResize="1" noEditPoints="1" noAdjustHandles="1" noChangeArrowheads="1" noChangeShapeType="1" noTextEdit="1"/>
+          </p:cNvSpPr>
+          <p:nvPr>
+            <p:extLst>
+              <p:ext uri="{386F3935-93C4-4BCD-93E2-E3B085C9AB24}">
+                <p16:designElem xmlns:p16="http://schemas.microsoft.com/office/powerpoint/2015/main" val="1"/>
+              </p:ext>
+            </p:extLst>
+          </p:nvPr>
+        </p:nvSpPr>
+        <p:spPr>
+          <a:xfrm>
+            <a:off x="11685778" y="767825"/>
+            <a:ext cx="508012" cy="5328173"/>
+          </a:xfrm>
+          <a:prstGeom prst="rect">
+            <a:avLst/>
+          </a:prstGeom>
+          <a:solidFill>
+            <a:srgbClr val="C8C8C8">
+              <a:alpha val="50000"/>
+            </a:srgbClr>
+          </a:solidFill>
+          <a:ln>
+            <a:noFill/>
+          </a:ln>
+        </p:spPr>
+        <p:style>
+          <a:lnRef idx="2">
+            <a:schemeClr val="accent1">
+              <a:shade val="50000"/>
+            </a:schemeClr>
+          </a:lnRef>
+          <a:fillRef idx="1">
+            <a:schemeClr val="accent1"/>
+          </a:fillRef>
+          <a:effectRef idx="0">
+            <a:schemeClr val="accent1"/>
+          </a:effectRef>
+          <a:fontRef idx="minor">
+            <a:schemeClr val="lt1"/>
+          </a:fontRef>
+        </p:style>
+        <p:txBody>
+          <a:bodyPr rtlCol="0" anchor="ctr"/>
+          <a:lstStyle/>
+          <a:p>
+            <a:pPr algn="ctr"/>
+            <a:endParaRPr lang="en-US"/>
+          </a:p>
+        </p:txBody>
+      </p:sp>
+      <p:sp>
+        <p:nvSpPr>
+          <p:cNvPr id="3" name="Title 2">
+            <a:extLst>
+              <a:ext uri="{FF2B5EF4-FFF2-40B4-BE49-F238E27FC236}">
+                <a16:creationId xmlns:a16="http://schemas.microsoft.com/office/drawing/2014/main" id="{4A5665C2-CF24-4FDD-8E12-177E5A331057}"/>
+              </a:ext>
+            </a:extLst>
+          </p:cNvPr>
+          <p:cNvSpPr>
+            <a:spLocks noGrp="1"/>
+          </p:cNvSpPr>
+          <p:nvPr>
+            <p:ph type="ctrTitle"/>
+          </p:nvPr>
+        </p:nvSpPr>
+        <p:spPr>
+          <a:xfrm>
+            <a:off x="2439553" y="1083732"/>
+            <a:ext cx="5509628" cy="4690534"/>
+          </a:xfrm>
+        </p:spPr>
+        <p:txBody>
+          <a:bodyPr anchor="ctr">
+            <a:normAutofit/>
+          </a:bodyPr>
+          <a:lstStyle/>
+          <a:p>
+            <a:pPr algn="r"/>
+            <a:r>
+              <a:rPr lang="en-GB" sz="7200" dirty="0">
+                <a:solidFill>
+                  <a:schemeClr val="tx1">
+                    <a:lumMod val="75000"/>
+                    <a:lumOff val="25000"/>
+                  </a:schemeClr>
+                </a:solidFill>
+              </a:rPr>
+              <a:t>   &amp; demo		</a:t>
+            </a:r>
+          </a:p>
+        </p:txBody>
+      </p:sp>
+      <p:sp>
+        <p:nvSpPr>
+          <p:cNvPr id="5" name="Subtitle 4">
+            <a:extLst>
+              <a:ext uri="{FF2B5EF4-FFF2-40B4-BE49-F238E27FC236}">
+                <a16:creationId xmlns:a16="http://schemas.microsoft.com/office/drawing/2014/main" id="{F2B8D1D6-6B10-4E3F-8851-D9CEDDB13C4C}"/>
+              </a:ext>
+            </a:extLst>
+          </p:cNvPr>
+          <p:cNvSpPr>
+            <a:spLocks noGrp="1"/>
+          </p:cNvSpPr>
+          <p:nvPr>
+            <p:ph type="subTitle" idx="1"/>
+          </p:nvPr>
+        </p:nvSpPr>
+        <p:spPr>
+          <a:xfrm>
+            <a:off x="7856389" y="1083732"/>
+            <a:ext cx="3507654" cy="4690534"/>
+          </a:xfrm>
+        </p:spPr>
+        <p:txBody>
+          <a:bodyPr anchor="ctr">
+            <a:normAutofit/>
+          </a:bodyPr>
+          <a:lstStyle/>
+          <a:p>
+            <a:r>
+              <a:rPr lang="en-GB" sz="2800" dirty="0">
+                <a:solidFill>
+                  <a:schemeClr val="tx1">
+                    <a:lumMod val="75000"/>
+                    <a:lumOff val="25000"/>
+                  </a:schemeClr>
+                </a:solidFill>
+              </a:rPr>
+              <a:t>Continuous Integration with Team City</a:t>
+            </a:r>
+          </a:p>
+        </p:txBody>
       </p:sp>
       <p:pic>
         <p:nvPicPr>
-          <p:cNvPr id="4" name="Picture 3" descr="A screenshot of a video game&#10;&#10;Description generated with high confidence"/>
+          <p:cNvPr id="1028" name="Picture 4" descr="https://cdn3.iconfinder.com/data/icons/food-drink/512/Coffee_B-512.png">
+            <a:extLst>
+              <a:ext uri="{FF2B5EF4-FFF2-40B4-BE49-F238E27FC236}">
+                <a16:creationId xmlns:a16="http://schemas.microsoft.com/office/drawing/2014/main" id="{1370659D-323D-4EEB-8EE7-66FACF1EE34E}"/>
+              </a:ext>
+            </a:extLst>
+          </p:cNvPr>
           <p:cNvPicPr>
-            <a:picLocks noChangeAspect="1"/>
+            <a:picLocks noChangeAspect="1" noChangeArrowheads="1"/>
           </p:cNvPicPr>
           <p:nvPr/>
         </p:nvPicPr>
         <p:blipFill>
-          <a:blip r:embed="rId3"/>
+          <a:blip r:embed="rId3" cstate="print">
+            <a:duotone>
+              <a:prstClr val="black"/>
+              <a:schemeClr val="accent3">
+                <a:tint val="45000"/>
+                <a:satMod val="400000"/>
+              </a:schemeClr>
+            </a:duotone>
+            <a:extLst>
+              <a:ext uri="{BEBA8EAE-BF5A-486C-A8C5-ECC9F3942E4B}">
+                <a14:imgProps xmlns:a14="http://schemas.microsoft.com/office/drawing/2010/main">
+                  <a14:imgLayer r:embed="rId4">
+                    <a14:imgEffect>
+                      <a14:saturation sat="0"/>
+                    </a14:imgEffect>
+                  </a14:imgLayer>
+                </a14:imgProps>
+              </a:ext>
+              <a:ext uri="{28A0092B-C50C-407E-A947-70E740481C1C}">
+                <a14:useLocalDpi xmlns:a14="http://schemas.microsoft.com/office/drawing/2010/main" val="0"/>
+              </a:ext>
+            </a:extLst>
+          </a:blip>
+          <a:srcRect/>
           <a:stretch>
             <a:fillRect/>
           </a:stretch>
         </p:blipFill>
-        <p:spPr>
+        <p:spPr bwMode="auto">
           <a:xfrm>
-            <a:off x="2186480" y="643467"/>
-            <a:ext cx="7819040" cy="5571066"/>
+            <a:off x="2454583" y="2681210"/>
+            <a:ext cx="1096136" cy="1096136"/>
           </a:xfrm>
           <a:prstGeom prst="rect">
             <a:avLst/>
           </a:prstGeom>
+          <a:noFill/>
+          <a:extLst>
+            <a:ext uri="{909E8E84-426E-40DD-AFC4-6F175D3DCCD1}">
+              <a14:hiddenFill xmlns:a14="http://schemas.microsoft.com/office/drawing/2010/main">
+                <a:solidFill>
+                  <a:srgbClr val="FFFFFF"/>
+                </a:solidFill>
+              </a14:hiddenFill>
+            </a:ext>
+          </a:extLst>
         </p:spPr>
       </p:pic>
     </p:spTree>
@@ -10931,13 +11263,6 @@
   <p:clrMapOvr>
     <a:masterClrMapping/>
   </p:clrMapOvr>
-  <p:timing>
-    <p:tnLst>
-      <p:par>
-        <p:cTn id="1" dur="indefinite" restart="never" nodeType="tmRoot"/>
-      </p:par>
-    </p:tnLst>
-  </p:timing>
 </p:sld>
 </file>
 
@@ -11872,13 +12197,6 @@
   <p:clrMapOvr>
     <a:masterClrMapping/>
   </p:clrMapOvr>
-  <p:timing>
-    <p:tnLst>
-      <p:par>
-        <p:cTn id="1" dur="indefinite" restart="never" nodeType="tmRoot"/>
-      </p:par>
-    </p:tnLst>
-  </p:timing>
 </p:sld>
 </file>
 
@@ -11982,13 +12300,6 @@
   <p:clrMapOvr>
     <a:masterClrMapping/>
   </p:clrMapOvr>
-  <p:timing>
-    <p:tnLst>
-      <p:par>
-        <p:cTn id="1" dur="indefinite" restart="never" nodeType="tmRoot"/>
-      </p:par>
-    </p:tnLst>
-  </p:timing>
 </p:sld>
 </file>
 
@@ -12068,13 +12379,6 @@
   <p:clrMapOvr>
     <a:masterClrMapping/>
   </p:clrMapOvr>
-  <p:timing>
-    <p:tnLst>
-      <p:par>
-        <p:cTn id="1" dur="indefinite" restart="never" nodeType="tmRoot"/>
-      </p:par>
-    </p:tnLst>
-  </p:timing>
 </p:sld>
 </file>
 
@@ -12342,13 +12646,6 @@
   <p:clrMapOvr>
     <a:masterClrMapping/>
   </p:clrMapOvr>
-  <p:timing>
-    <p:tnLst>
-      <p:par>
-        <p:cTn id="1" dur="indefinite" restart="never" nodeType="tmRoot"/>
-      </p:par>
-    </p:tnLst>
-  </p:timing>
 </p:sld>
 </file>
 
@@ -12614,13 +12911,6 @@
   <p:clrMapOvr>
     <a:masterClrMapping/>
   </p:clrMapOvr>
-  <p:timing>
-    <p:tnLst>
-      <p:par>
-        <p:cTn id="1" dur="indefinite" restart="never" nodeType="tmRoot"/>
-      </p:par>
-    </p:tnLst>
-  </p:timing>
 </p:sld>
 </file>
 
@@ -12722,13 +13012,6 @@
   <p:clrMapOvr>
     <a:masterClrMapping/>
   </p:clrMapOvr>
-  <p:timing>
-    <p:tnLst>
-      <p:par>
-        <p:cTn id="1" dur="indefinite" restart="never" nodeType="tmRoot"/>
-      </p:par>
-    </p:tnLst>
-  </p:timing>
 </p:sld>
 </file>
 
@@ -13029,13 +13312,6 @@
   <p:clrMapOvr>
     <a:masterClrMapping/>
   </p:clrMapOvr>
-  <p:timing>
-    <p:tnLst>
-      <p:par>
-        <p:cTn id="1" dur="indefinite" restart="never" nodeType="tmRoot"/>
-      </p:par>
-    </p:tnLst>
-  </p:timing>
 </p:sld>
 </file>
 
@@ -13388,13 +13664,6 @@
   <p:clrMapOvr>
     <a:masterClrMapping/>
   </p:clrMapOvr>
-  <p:timing>
-    <p:tnLst>
-      <p:par>
-        <p:cTn id="1" dur="indefinite" restart="never" nodeType="tmRoot"/>
-      </p:par>
-    </p:tnLst>
-  </p:timing>
 </p:sld>
 </file>
 

--- a/Bootcamp-ContinuousDelivery.pptx
+++ b/Bootcamp-ContinuousDelivery.pptx
@@ -18379,7 +18379,7 @@
           <a:p>
             <a:fld id="{E24AA05B-9E20-4E9A-9BAD-CB7BC27F0CA9}" type="datetimeFigureOut">
               <a:rPr lang="en-GB" smtClean="0"/>
-              <a:t>16/09/2017</a:t>
+              <a:t>17/09/2017</a:t>
             </a:fld>
             <a:endParaRPr lang="en-GB"/>
           </a:p>
@@ -18691,39 +18691,78 @@
           <a:bodyPr/>
           <a:lstStyle/>
           <a:p>
+            <a:pPr marL="0" marR="0" lvl="0" indent="0" algn="l" defTabSz="914400" rtl="0" eaLnBrk="1" fontAlgn="auto" latinLnBrk="0" hangingPunct="1">
+              <a:lnSpc>
+                <a:spcPct val="100000"/>
+              </a:lnSpc>
+              <a:spcBef>
+                <a:spcPts val="0"/>
+              </a:spcBef>
+              <a:spcAft>
+                <a:spcPts val="0"/>
+              </a:spcAft>
+              <a:buClrTx/>
+              <a:buSzTx/>
+              <a:buFontTx/>
+              <a:buNone/>
+              <a:tabLst/>
+              <a:defRPr/>
+            </a:pPr>
             <a:r>
               <a:rPr lang="en-GB" dirty="0"/>
-              <a:t>Platform orchestrating the lifecycle of an order</a:t>
-            </a:r>
-          </a:p>
-          <a:p>
+              <a:t>We are in charge of the services that form part of the platform orchestrating the lifecycle of an order, from the moment and orders is “</a:t>
+            </a:r>
+            <a:r>
+              <a:rPr lang="en-GB" b="0" dirty="0"/>
+              <a:t>placed</a:t>
+            </a:r>
+            <a:r>
+              <a:rPr lang="en-GB" dirty="0"/>
+              <a:t>” from the checkout to the point where it’s dispatched to the warehouse systems.</a:t>
+            </a:r>
+          </a:p>
+          <a:p>
+            <a:pPr marL="0" marR="0" lvl="0" indent="0" algn="l" defTabSz="914400" rtl="0" eaLnBrk="1" fontAlgn="auto" latinLnBrk="0" hangingPunct="1">
+              <a:lnSpc>
+                <a:spcPct val="100000"/>
+              </a:lnSpc>
+              <a:spcBef>
+                <a:spcPts val="0"/>
+              </a:spcBef>
+              <a:spcAft>
+                <a:spcPts val="0"/>
+              </a:spcAft>
+              <a:buClrTx/>
+              <a:buSzTx/>
+              <a:buFontTx/>
+              <a:buNone/>
+              <a:tabLst/>
+              <a:defRPr/>
+            </a:pPr>
             <a:endParaRPr lang="en-GB" dirty="0"/>
           </a:p>
           <a:p>
             <a:r>
               <a:rPr lang="en-GB" dirty="0"/>
-              <a:t>We are in charge of the services that conform this “</a:t>
+              <a:t>Our team is quite unusual in </a:t>
+            </a:r>
+            <a:r>
+              <a:rPr lang="en-GB" dirty="0" err="1"/>
+              <a:t>Asos</a:t>
+            </a:r>
+            <a:r>
+              <a:rPr lang="en-GB" dirty="0"/>
+              <a:t>:</a:t>
+            </a:r>
+          </a:p>
+          <a:p>
+            <a:r>
+              <a:rPr lang="en-GB" dirty="0"/>
+              <a:t>20 members in one single team, 20+ micro services, </a:t>
             </a:r>
             <a:r>
               <a:rPr lang="en-GB" b="0" dirty="0"/>
-              <a:t>monster</a:t>
-            </a:r>
-            <a:r>
-              <a:rPr lang="en-GB" dirty="0"/>
-              <a:t>”</a:t>
-            </a:r>
-          </a:p>
-          <a:p>
-            <a:endParaRPr lang="en-GB" dirty="0"/>
-          </a:p>
-          <a:p>
-            <a:r>
-              <a:rPr lang="en-GB" dirty="0"/>
-              <a:t>Some numbers: 20+ members in the team, 20+ micro services, </a:t>
-            </a:r>
-            <a:r>
-              <a:rPr lang="en-GB" b="1" dirty="0"/>
-              <a:t>???</a:t>
+              <a:t>30+</a:t>
             </a:r>
             <a:r>
               <a:rPr lang="en-GB" dirty="0"/>
@@ -18735,7 +18774,16 @@
             </a:r>
             <a:r>
               <a:rPr lang="en-GB" dirty="0"/>
-              <a:t>)</a:t>
+              <a:t>), several releases to Production per week</a:t>
+            </a:r>
+          </a:p>
+          <a:p>
+            <a:endParaRPr lang="en-GB" dirty="0"/>
+          </a:p>
+          <a:p>
+            <a:r>
+              <a:rPr lang="en-GB" dirty="0"/>
+              <a:t>If we weren’t following the continuous delivery principles, none of this would be possible</a:t>
             </a:r>
           </a:p>
         </p:txBody>
@@ -20820,6 +20868,19 @@
         <p:txBody>
           <a:bodyPr/>
           <a:lstStyle/>
+          <a:p>
+            <a:r>
+              <a:rPr lang="en-GB" dirty="0"/>
+              <a:t>First of all, let’s start with the </a:t>
+            </a:r>
+            <a:r>
+              <a:rPr lang="en-GB" b="1" dirty="0"/>
+              <a:t>problem</a:t>
+            </a:r>
+          </a:p>
+          <a:p>
+            <a:endParaRPr lang="en-GB" dirty="0"/>
+          </a:p>
           <a:p>
             <a:r>
               <a:rPr lang="en-GB" dirty="0"/>
@@ -22775,7 +22836,7 @@
           <a:p>
             <a:fld id="{69D89977-0975-47F9-BD5E-FA2A8586144A}" type="datetimeFigureOut">
               <a:rPr lang="en-GB" smtClean="0"/>
-              <a:t>16/09/2017</a:t>
+              <a:t>17/09/2017</a:t>
             </a:fld>
             <a:endParaRPr lang="en-GB"/>
           </a:p>
@@ -22945,7 +23006,7 @@
           <a:p>
             <a:fld id="{69D89977-0975-47F9-BD5E-FA2A8586144A}" type="datetimeFigureOut">
               <a:rPr lang="en-GB" smtClean="0"/>
-              <a:t>16/09/2017</a:t>
+              <a:t>17/09/2017</a:t>
             </a:fld>
             <a:endParaRPr lang="en-GB"/>
           </a:p>
@@ -23125,7 +23186,7 @@
           <a:p>
             <a:fld id="{69D89977-0975-47F9-BD5E-FA2A8586144A}" type="datetimeFigureOut">
               <a:rPr lang="en-GB" smtClean="0"/>
-              <a:t>16/09/2017</a:t>
+              <a:t>17/09/2017</a:t>
             </a:fld>
             <a:endParaRPr lang="en-GB"/>
           </a:p>
@@ -23295,7 +23356,7 @@
           <a:p>
             <a:fld id="{69D89977-0975-47F9-BD5E-FA2A8586144A}" type="datetimeFigureOut">
               <a:rPr lang="en-GB" smtClean="0"/>
-              <a:t>16/09/2017</a:t>
+              <a:t>17/09/2017</a:t>
             </a:fld>
             <a:endParaRPr lang="en-GB"/>
           </a:p>
@@ -23553,7 +23614,7 @@
           <a:p>
             <a:fld id="{69D89977-0975-47F9-BD5E-FA2A8586144A}" type="datetimeFigureOut">
               <a:rPr lang="en-GB" smtClean="0"/>
-              <a:t>16/09/2017</a:t>
+              <a:t>17/09/2017</a:t>
             </a:fld>
             <a:endParaRPr lang="en-GB"/>
           </a:p>
@@ -23841,7 +23902,7 @@
           <a:p>
             <a:fld id="{69D89977-0975-47F9-BD5E-FA2A8586144A}" type="datetimeFigureOut">
               <a:rPr lang="en-GB" smtClean="0"/>
-              <a:t>16/09/2017</a:t>
+              <a:t>17/09/2017</a:t>
             </a:fld>
             <a:endParaRPr lang="en-GB"/>
           </a:p>
@@ -24283,7 +24344,7 @@
           <a:p>
             <a:fld id="{69D89977-0975-47F9-BD5E-FA2A8586144A}" type="datetimeFigureOut">
               <a:rPr lang="en-GB" smtClean="0"/>
-              <a:t>16/09/2017</a:t>
+              <a:t>17/09/2017</a:t>
             </a:fld>
             <a:endParaRPr lang="en-GB"/>
           </a:p>
@@ -24401,7 +24462,7 @@
           <a:p>
             <a:fld id="{69D89977-0975-47F9-BD5E-FA2A8586144A}" type="datetimeFigureOut">
               <a:rPr lang="en-GB" smtClean="0"/>
-              <a:t>16/09/2017</a:t>
+              <a:t>17/09/2017</a:t>
             </a:fld>
             <a:endParaRPr lang="en-GB"/>
           </a:p>
@@ -24496,7 +24557,7 @@
           <a:p>
             <a:fld id="{69D89977-0975-47F9-BD5E-FA2A8586144A}" type="datetimeFigureOut">
               <a:rPr lang="en-GB" smtClean="0"/>
-              <a:t>16/09/2017</a:t>
+              <a:t>17/09/2017</a:t>
             </a:fld>
             <a:endParaRPr lang="en-GB"/>
           </a:p>
@@ -24784,7 +24845,7 @@
           <a:p>
             <a:fld id="{69D89977-0975-47F9-BD5E-FA2A8586144A}" type="datetimeFigureOut">
               <a:rPr lang="en-GB" smtClean="0"/>
-              <a:t>16/09/2017</a:t>
+              <a:t>17/09/2017</a:t>
             </a:fld>
             <a:endParaRPr lang="en-GB"/>
           </a:p>
@@ -25057,7 +25118,7 @@
           <a:p>
             <a:fld id="{69D89977-0975-47F9-BD5E-FA2A8586144A}" type="datetimeFigureOut">
               <a:rPr lang="en-GB" smtClean="0"/>
-              <a:t>16/09/2017</a:t>
+              <a:t>17/09/2017</a:t>
             </a:fld>
             <a:endParaRPr lang="en-GB"/>
           </a:p>
@@ -25354,7 +25415,7 @@
           <a:p>
             <a:fld id="{69D89977-0975-47F9-BD5E-FA2A8586144A}" type="datetimeFigureOut">
               <a:rPr lang="en-GB" smtClean="0"/>
-              <a:t>16/09/2017</a:t>
+              <a:t>17/09/2017</a:t>
             </a:fld>
             <a:endParaRPr lang="en-GB"/>
           </a:p>

--- a/Bootcamp-ContinuousDelivery.pptx
+++ b/Bootcamp-ContinuousDelivery.pptx
@@ -5,7 +5,7 @@
     <p:sldMasterId id="2147483840" r:id="rId1"/>
   </p:sldMasterIdLst>
   <p:notesMasterIdLst>
-    <p:notesMasterId r:id="rId41"/>
+    <p:notesMasterId r:id="rId39"/>
   </p:notesMasterIdLst>
   <p:sldIdLst>
     <p:sldId id="267" r:id="rId2"/>
@@ -36,17 +36,15 @@
     <p:sldId id="257" r:id="rId27"/>
     <p:sldId id="262" r:id="rId28"/>
     <p:sldId id="286" r:id="rId29"/>
-    <p:sldId id="285" r:id="rId30"/>
-    <p:sldId id="259" r:id="rId31"/>
-    <p:sldId id="287" r:id="rId32"/>
-    <p:sldId id="283" r:id="rId33"/>
-    <p:sldId id="277" r:id="rId34"/>
-    <p:sldId id="279" r:id="rId35"/>
-    <p:sldId id="280" r:id="rId36"/>
-    <p:sldId id="281" r:id="rId37"/>
-    <p:sldId id="282" r:id="rId38"/>
-    <p:sldId id="284" r:id="rId39"/>
-    <p:sldId id="263" r:id="rId40"/>
+    <p:sldId id="287" r:id="rId30"/>
+    <p:sldId id="283" r:id="rId31"/>
+    <p:sldId id="277" r:id="rId32"/>
+    <p:sldId id="279" r:id="rId33"/>
+    <p:sldId id="280" r:id="rId34"/>
+    <p:sldId id="281" r:id="rId35"/>
+    <p:sldId id="282" r:id="rId36"/>
+    <p:sldId id="284" r:id="rId37"/>
+    <p:sldId id="263" r:id="rId38"/>
   </p:sldIdLst>
   <p:sldSz cx="12192000" cy="6858000"/>
   <p:notesSz cx="6858000" cy="9144000"/>
@@ -905,15 +903,27 @@
 </file>
 
 <file path=ppt/diagrams/colors2.xml><?xml version="1.0" encoding="utf-8"?>
-<dgm:colorsDef xmlns:dgm="http://schemas.openxmlformats.org/drawingml/2006/diagram" xmlns:a="http://schemas.openxmlformats.org/drawingml/2006/main" uniqueId="urn:microsoft.com/office/officeart/2005/8/colors/accent1_2">
+<dgm:colorsDef xmlns:dgm="http://schemas.openxmlformats.org/drawingml/2006/diagram" xmlns:a="http://schemas.openxmlformats.org/drawingml/2006/main" uniqueId="urn:microsoft.com/office/officeart/2005/8/colors/accent2_2">
   <dgm:title val=""/>
   <dgm:desc val=""/>
   <dgm:catLst>
-    <dgm:cat type="accent1" pri="11200"/>
+    <dgm:cat type="accent2" pri="11200"/>
   </dgm:catLst>
   <dgm:styleLbl name="node0">
     <dgm:fillClrLst meth="repeat">
-      <a:schemeClr val="accent1"/>
+      <a:schemeClr val="accent2"/>
+    </dgm:fillClrLst>
+    <dgm:linClrLst meth="repeat">
+      <a:schemeClr val="lt1"/>
+    </dgm:linClrLst>
+    <dgm:effectClrLst/>
+    <dgm:txLinClrLst/>
+    <dgm:txFillClrLst/>
+    <dgm:txEffectClrLst/>
+  </dgm:styleLbl>
+  <dgm:styleLbl name="node1">
+    <dgm:fillClrLst meth="repeat">
+      <a:schemeClr val="accent2"/>
     </dgm:fillClrLst>
     <dgm:linClrLst meth="repeat">
       <a:schemeClr val="lt1"/>
@@ -925,22 +935,10 @@
   </dgm:styleLbl>
   <dgm:styleLbl name="alignNode1">
     <dgm:fillClrLst meth="repeat">
-      <a:schemeClr val="accent1"/>
+      <a:schemeClr val="accent2"/>
     </dgm:fillClrLst>
     <dgm:linClrLst meth="repeat">
-      <a:schemeClr val="accent1"/>
-    </dgm:linClrLst>
-    <dgm:effectClrLst/>
-    <dgm:txLinClrLst/>
-    <dgm:txFillClrLst/>
-    <dgm:txEffectClrLst/>
-  </dgm:styleLbl>
-  <dgm:styleLbl name="node1">
-    <dgm:fillClrLst meth="repeat">
-      <a:schemeClr val="accent1"/>
-    </dgm:fillClrLst>
-    <dgm:linClrLst meth="repeat">
-      <a:schemeClr val="lt1"/>
+      <a:schemeClr val="accent2"/>
     </dgm:linClrLst>
     <dgm:effectClrLst/>
     <dgm:txLinClrLst/>
@@ -949,7 +947,7 @@
   </dgm:styleLbl>
   <dgm:styleLbl name="lnNode1">
     <dgm:fillClrLst meth="repeat">
-      <a:schemeClr val="accent1"/>
+      <a:schemeClr val="accent2"/>
     </dgm:fillClrLst>
     <dgm:linClrLst meth="repeat">
       <a:schemeClr val="lt1"/>
@@ -961,7 +959,7 @@
   </dgm:styleLbl>
   <dgm:styleLbl name="vennNode1">
     <dgm:fillClrLst meth="repeat">
-      <a:schemeClr val="accent1">
+      <a:schemeClr val="accent2">
         <a:alpha val="50000"/>
       </a:schemeClr>
     </dgm:fillClrLst>
@@ -975,7 +973,7 @@
   </dgm:styleLbl>
   <dgm:styleLbl name="node2">
     <dgm:fillClrLst meth="repeat">
-      <a:schemeClr val="accent1"/>
+      <a:schemeClr val="accent2"/>
     </dgm:fillClrLst>
     <dgm:linClrLst meth="repeat">
       <a:schemeClr val="lt1"/>
@@ -987,7 +985,7 @@
   </dgm:styleLbl>
   <dgm:styleLbl name="node3">
     <dgm:fillClrLst meth="repeat">
-      <a:schemeClr val="accent1"/>
+      <a:schemeClr val="accent2"/>
     </dgm:fillClrLst>
     <dgm:linClrLst meth="repeat">
       <a:schemeClr val="lt1"/>
@@ -999,7 +997,7 @@
   </dgm:styleLbl>
   <dgm:styleLbl name="node4">
     <dgm:fillClrLst meth="repeat">
-      <a:schemeClr val="accent1"/>
+      <a:schemeClr val="accent2"/>
     </dgm:fillClrLst>
     <dgm:linClrLst meth="repeat">
       <a:schemeClr val="lt1"/>
@@ -1011,7 +1009,7 @@
   </dgm:styleLbl>
   <dgm:styleLbl name="fgImgPlace1">
     <dgm:fillClrLst meth="repeat">
-      <a:schemeClr val="accent1">
+      <a:schemeClr val="accent2">
         <a:tint val="50000"/>
       </a:schemeClr>
     </dgm:fillClrLst>
@@ -1027,7 +1025,7 @@
   </dgm:styleLbl>
   <dgm:styleLbl name="alignImgPlace1">
     <dgm:fillClrLst meth="repeat">
-      <a:schemeClr val="accent1">
+      <a:schemeClr val="accent2">
         <a:tint val="50000"/>
       </a:schemeClr>
     </dgm:fillClrLst>
@@ -1043,7 +1041,7 @@
   </dgm:styleLbl>
   <dgm:styleLbl name="bgImgPlace1">
     <dgm:fillClrLst meth="repeat">
-      <a:schemeClr val="accent1">
+      <a:schemeClr val="accent2">
         <a:tint val="50000"/>
       </a:schemeClr>
     </dgm:fillClrLst>
@@ -1059,12 +1057,12 @@
   </dgm:styleLbl>
   <dgm:styleLbl name="sibTrans2D1">
     <dgm:fillClrLst meth="repeat">
-      <a:schemeClr val="accent1">
+      <a:schemeClr val="accent2">
         <a:tint val="60000"/>
       </a:schemeClr>
     </dgm:fillClrLst>
     <dgm:linClrLst meth="repeat">
-      <a:schemeClr val="accent1">
+      <a:schemeClr val="accent2">
         <a:tint val="60000"/>
       </a:schemeClr>
     </dgm:linClrLst>
@@ -1075,12 +1073,12 @@
   </dgm:styleLbl>
   <dgm:styleLbl name="fgSibTrans2D1">
     <dgm:fillClrLst meth="repeat">
-      <a:schemeClr val="accent1">
+      <a:schemeClr val="accent2">
         <a:tint val="60000"/>
       </a:schemeClr>
     </dgm:fillClrLst>
     <dgm:linClrLst meth="repeat">
-      <a:schemeClr val="accent1">
+      <a:schemeClr val="accent2">
         <a:tint val="60000"/>
       </a:schemeClr>
     </dgm:linClrLst>
@@ -1091,12 +1089,12 @@
   </dgm:styleLbl>
   <dgm:styleLbl name="bgSibTrans2D1">
     <dgm:fillClrLst meth="repeat">
-      <a:schemeClr val="accent1">
+      <a:schemeClr val="accent2">
         <a:tint val="60000"/>
       </a:schemeClr>
     </dgm:fillClrLst>
     <dgm:linClrLst meth="repeat">
-      <a:schemeClr val="accent1">
+      <a:schemeClr val="accent2">
         <a:tint val="60000"/>
       </a:schemeClr>
     </dgm:linClrLst>
@@ -1107,10 +1105,10 @@
   </dgm:styleLbl>
   <dgm:styleLbl name="sibTrans1D1">
     <dgm:fillClrLst meth="repeat">
-      <a:schemeClr val="accent1"/>
+      <a:schemeClr val="accent2"/>
     </dgm:fillClrLst>
     <dgm:linClrLst meth="repeat">
-      <a:schemeClr val="accent1"/>
+      <a:schemeClr val="accent2"/>
     </dgm:linClrLst>
     <dgm:effectClrLst/>
     <dgm:txLinClrLst/>
@@ -1121,10 +1119,10 @@
   </dgm:styleLbl>
   <dgm:styleLbl name="callout">
     <dgm:fillClrLst meth="repeat">
-      <a:schemeClr val="accent1"/>
+      <a:schemeClr val="accent2"/>
     </dgm:fillClrLst>
     <dgm:linClrLst meth="repeat">
-      <a:schemeClr val="accent1">
+      <a:schemeClr val="accent2">
         <a:tint val="50000"/>
       </a:schemeClr>
     </dgm:linClrLst>
@@ -1137,7 +1135,7 @@
   </dgm:styleLbl>
   <dgm:styleLbl name="asst0">
     <dgm:fillClrLst meth="repeat">
-      <a:schemeClr val="accent1"/>
+      <a:schemeClr val="accent2"/>
     </dgm:fillClrLst>
     <dgm:linClrLst meth="repeat">
       <a:schemeClr val="lt1"/>
@@ -1149,7 +1147,7 @@
   </dgm:styleLbl>
   <dgm:styleLbl name="asst1">
     <dgm:fillClrLst meth="repeat">
-      <a:schemeClr val="accent1"/>
+      <a:schemeClr val="accent2"/>
     </dgm:fillClrLst>
     <dgm:linClrLst meth="repeat">
       <a:schemeClr val="lt1"/>
@@ -1161,7 +1159,7 @@
   </dgm:styleLbl>
   <dgm:styleLbl name="asst2">
     <dgm:fillClrLst meth="repeat">
-      <a:schemeClr val="accent1"/>
+      <a:schemeClr val="accent2"/>
     </dgm:fillClrLst>
     <dgm:linClrLst meth="repeat">
       <a:schemeClr val="lt1"/>
@@ -1173,7 +1171,7 @@
   </dgm:styleLbl>
   <dgm:styleLbl name="asst3">
     <dgm:fillClrLst meth="repeat">
-      <a:schemeClr val="accent1"/>
+      <a:schemeClr val="accent2"/>
     </dgm:fillClrLst>
     <dgm:linClrLst meth="repeat">
       <a:schemeClr val="lt1"/>
@@ -1185,7 +1183,7 @@
   </dgm:styleLbl>
   <dgm:styleLbl name="asst4">
     <dgm:fillClrLst meth="repeat">
-      <a:schemeClr val="accent1"/>
+      <a:schemeClr val="accent2"/>
     </dgm:fillClrLst>
     <dgm:linClrLst meth="repeat">
       <a:schemeClr val="lt1"/>
@@ -1197,12 +1195,12 @@
   </dgm:styleLbl>
   <dgm:styleLbl name="parChTrans2D1">
     <dgm:fillClrLst meth="repeat">
-      <a:schemeClr val="accent1">
+      <a:schemeClr val="accent2">
         <a:tint val="60000"/>
       </a:schemeClr>
     </dgm:fillClrLst>
     <dgm:linClrLst meth="repeat">
-      <a:schemeClr val="accent1">
+      <a:schemeClr val="accent2">
         <a:tint val="60000"/>
       </a:schemeClr>
     </dgm:linClrLst>
@@ -1215,10 +1213,10 @@
   </dgm:styleLbl>
   <dgm:styleLbl name="parChTrans2D2">
     <dgm:fillClrLst meth="repeat">
-      <a:schemeClr val="accent1"/>
+      <a:schemeClr val="accent2"/>
     </dgm:fillClrLst>
     <dgm:linClrLst meth="repeat">
-      <a:schemeClr val="accent1"/>
+      <a:schemeClr val="accent2"/>
     </dgm:linClrLst>
     <dgm:effectClrLst/>
     <dgm:txLinClrLst/>
@@ -1229,10 +1227,10 @@
   </dgm:styleLbl>
   <dgm:styleLbl name="parChTrans2D3">
     <dgm:fillClrLst meth="repeat">
-      <a:schemeClr val="accent1"/>
+      <a:schemeClr val="accent2"/>
     </dgm:fillClrLst>
     <dgm:linClrLst meth="repeat">
-      <a:schemeClr val="accent1"/>
+      <a:schemeClr val="accent2"/>
     </dgm:linClrLst>
     <dgm:effectClrLst/>
     <dgm:txLinClrLst/>
@@ -1243,10 +1241,10 @@
   </dgm:styleLbl>
   <dgm:styleLbl name="parChTrans2D4">
     <dgm:fillClrLst meth="repeat">
-      <a:schemeClr val="accent1"/>
+      <a:schemeClr val="accent2"/>
     </dgm:fillClrLst>
     <dgm:linClrLst meth="repeat">
-      <a:schemeClr val="accent1"/>
+      <a:schemeClr val="accent2"/>
     </dgm:linClrLst>
     <dgm:effectClrLst/>
     <dgm:txLinClrLst/>
@@ -1257,10 +1255,10 @@
   </dgm:styleLbl>
   <dgm:styleLbl name="parChTrans1D1">
     <dgm:fillClrLst meth="repeat">
-      <a:schemeClr val="accent1"/>
+      <a:schemeClr val="accent2"/>
     </dgm:fillClrLst>
     <dgm:linClrLst meth="repeat">
-      <a:schemeClr val="accent1">
+      <a:schemeClr val="accent2">
         <a:shade val="60000"/>
       </a:schemeClr>
     </dgm:linClrLst>
@@ -1273,10 +1271,10 @@
   </dgm:styleLbl>
   <dgm:styleLbl name="parChTrans1D2">
     <dgm:fillClrLst meth="repeat">
-      <a:schemeClr val="accent1"/>
+      <a:schemeClr val="accent2"/>
     </dgm:fillClrLst>
     <dgm:linClrLst meth="repeat">
-      <a:schemeClr val="accent1">
+      <a:schemeClr val="accent2">
         <a:shade val="60000"/>
       </a:schemeClr>
     </dgm:linClrLst>
@@ -1289,10 +1287,10 @@
   </dgm:styleLbl>
   <dgm:styleLbl name="parChTrans1D3">
     <dgm:fillClrLst meth="repeat">
-      <a:schemeClr val="accent1"/>
+      <a:schemeClr val="accent2"/>
     </dgm:fillClrLst>
     <dgm:linClrLst meth="repeat">
-      <a:schemeClr val="accent1">
+      <a:schemeClr val="accent2">
         <a:shade val="80000"/>
       </a:schemeClr>
     </dgm:linClrLst>
@@ -1305,10 +1303,10 @@
   </dgm:styleLbl>
   <dgm:styleLbl name="parChTrans1D4">
     <dgm:fillClrLst meth="repeat">
-      <a:schemeClr val="accent1"/>
+      <a:schemeClr val="accent2"/>
     </dgm:fillClrLst>
     <dgm:linClrLst meth="repeat">
-      <a:schemeClr val="accent1">
+      <a:schemeClr val="accent2">
         <a:shade val="80000"/>
       </a:schemeClr>
     </dgm:linClrLst>
@@ -1326,7 +1324,7 @@
       </a:schemeClr>
     </dgm:fillClrLst>
     <dgm:linClrLst meth="repeat">
-      <a:schemeClr val="accent1"/>
+      <a:schemeClr val="accent2"/>
     </dgm:linClrLst>
     <dgm:effectClrLst/>
     <dgm:txLinClrLst/>
@@ -1342,7 +1340,7 @@
       </a:schemeClr>
     </dgm:fillClrLst>
     <dgm:linClrLst meth="repeat">
-      <a:schemeClr val="accent1"/>
+      <a:schemeClr val="accent2"/>
     </dgm:linClrLst>
     <dgm:effectClrLst/>
     <dgm:txLinClrLst/>
@@ -1358,7 +1356,7 @@
       </a:schemeClr>
     </dgm:fillClrLst>
     <dgm:linClrLst meth="repeat">
-      <a:schemeClr val="accent1"/>
+      <a:schemeClr val="accent2"/>
     </dgm:linClrLst>
     <dgm:effectClrLst/>
     <dgm:txLinClrLst/>
@@ -1374,7 +1372,7 @@
       </a:schemeClr>
     </dgm:fillClrLst>
     <dgm:linClrLst meth="repeat">
-      <a:schemeClr val="accent1"/>
+      <a:schemeClr val="accent2"/>
     </dgm:linClrLst>
     <dgm:effectClrLst/>
     <dgm:txLinClrLst/>
@@ -1390,7 +1388,7 @@
       </a:schemeClr>
     </dgm:fillClrLst>
     <dgm:linClrLst meth="repeat">
-      <a:schemeClr val="accent1"/>
+      <a:schemeClr val="accent2"/>
     </dgm:linClrLst>
     <dgm:effectClrLst/>
     <dgm:txLinClrLst/>
@@ -1404,7 +1402,7 @@
       <a:schemeClr val="lt1"/>
     </dgm:fillClrLst>
     <dgm:linClrLst meth="repeat">
-      <a:schemeClr val="accent1"/>
+      <a:schemeClr val="accent2"/>
     </dgm:linClrLst>
     <dgm:effectClrLst/>
     <dgm:txLinClrLst/>
@@ -1418,7 +1416,7 @@
       <a:schemeClr val="lt1"/>
     </dgm:fillClrLst>
     <dgm:linClrLst meth="repeat">
-      <a:schemeClr val="accent1"/>
+      <a:schemeClr val="accent2"/>
     </dgm:linClrLst>
     <dgm:effectClrLst/>
     <dgm:txLinClrLst/>
@@ -1432,7 +1430,7 @@
       <a:schemeClr val="lt1"/>
     </dgm:fillClrLst>
     <dgm:linClrLst meth="repeat">
-      <a:schemeClr val="accent1"/>
+      <a:schemeClr val="accent2"/>
     </dgm:linClrLst>
     <dgm:effectClrLst/>
     <dgm:txLinClrLst/>
@@ -1443,13 +1441,13 @@
   </dgm:styleLbl>
   <dgm:styleLbl name="fgAccFollowNode1">
     <dgm:fillClrLst meth="repeat">
-      <a:schemeClr val="accent1">
+      <a:schemeClr val="accent2">
         <a:alpha val="90000"/>
         <a:tint val="40000"/>
       </a:schemeClr>
     </dgm:fillClrLst>
     <dgm:linClrLst meth="repeat">
-      <a:schemeClr val="accent1">
+      <a:schemeClr val="accent2">
         <a:alpha val="90000"/>
         <a:tint val="40000"/>
       </a:schemeClr>
@@ -1463,13 +1461,13 @@
   </dgm:styleLbl>
   <dgm:styleLbl name="alignAccFollowNode1">
     <dgm:fillClrLst meth="repeat">
-      <a:schemeClr val="accent1">
+      <a:schemeClr val="accent2">
         <a:alpha val="90000"/>
         <a:tint val="40000"/>
       </a:schemeClr>
     </dgm:fillClrLst>
     <dgm:linClrLst meth="repeat">
-      <a:schemeClr val="accent1">
+      <a:schemeClr val="accent2">
         <a:alpha val="90000"/>
         <a:tint val="40000"/>
       </a:schemeClr>
@@ -1483,13 +1481,13 @@
   </dgm:styleLbl>
   <dgm:styleLbl name="bgAccFollowNode1">
     <dgm:fillClrLst meth="repeat">
-      <a:schemeClr val="accent1">
+      <a:schemeClr val="accent2">
         <a:alpha val="90000"/>
         <a:tint val="40000"/>
       </a:schemeClr>
     </dgm:fillClrLst>
     <dgm:linClrLst meth="repeat">
-      <a:schemeClr val="accent1">
+      <a:schemeClr val="accent2">
         <a:alpha val="90000"/>
         <a:tint val="40000"/>
       </a:schemeClr>
@@ -1508,7 +1506,7 @@
       </a:schemeClr>
     </dgm:fillClrLst>
     <dgm:linClrLst meth="repeat">
-      <a:schemeClr val="accent1"/>
+      <a:schemeClr val="accent2"/>
     </dgm:linClrLst>
     <dgm:effectClrLst/>
     <dgm:txLinClrLst/>
@@ -1524,7 +1522,7 @@
       </a:schemeClr>
     </dgm:fillClrLst>
     <dgm:linClrLst meth="repeat">
-      <a:schemeClr val="accent1"/>
+      <a:schemeClr val="accent2"/>
     </dgm:linClrLst>
     <dgm:effectClrLst/>
     <dgm:txLinClrLst/>
@@ -1540,7 +1538,7 @@
       </a:schemeClr>
     </dgm:fillClrLst>
     <dgm:linClrLst meth="repeat">
-      <a:schemeClr val="accent1"/>
+      <a:schemeClr val="accent2"/>
     </dgm:linClrLst>
     <dgm:effectClrLst/>
     <dgm:txLinClrLst/>
@@ -1556,7 +1554,7 @@
       </a:schemeClr>
     </dgm:fillClrLst>
     <dgm:linClrLst meth="repeat">
-      <a:schemeClr val="accent1"/>
+      <a:schemeClr val="accent2"/>
     </dgm:linClrLst>
     <dgm:effectClrLst/>
     <dgm:txLinClrLst/>
@@ -1567,12 +1565,12 @@
   </dgm:styleLbl>
   <dgm:styleLbl name="bgShp">
     <dgm:fillClrLst meth="repeat">
-      <a:schemeClr val="accent1">
+      <a:schemeClr val="accent2">
         <a:tint val="40000"/>
       </a:schemeClr>
     </dgm:fillClrLst>
     <dgm:linClrLst meth="repeat">
-      <a:schemeClr val="accent1"/>
+      <a:schemeClr val="accent2"/>
     </dgm:linClrLst>
     <dgm:effectClrLst/>
     <dgm:txLinClrLst/>
@@ -1583,12 +1581,12 @@
   </dgm:styleLbl>
   <dgm:styleLbl name="dkBgShp">
     <dgm:fillClrLst meth="repeat">
-      <a:schemeClr val="accent1">
+      <a:schemeClr val="accent2">
         <a:shade val="80000"/>
       </a:schemeClr>
     </dgm:fillClrLst>
     <dgm:linClrLst meth="repeat">
-      <a:schemeClr val="accent1"/>
+      <a:schemeClr val="accent2"/>
     </dgm:linClrLst>
     <dgm:effectClrLst/>
     <dgm:txLinClrLst/>
@@ -1599,13 +1597,13 @@
   </dgm:styleLbl>
   <dgm:styleLbl name="trBgShp">
     <dgm:fillClrLst meth="repeat">
-      <a:schemeClr val="accent1">
+      <a:schemeClr val="accent2">
         <a:tint val="50000"/>
         <a:alpha val="40000"/>
       </a:schemeClr>
     </dgm:fillClrLst>
     <dgm:linClrLst meth="repeat">
-      <a:schemeClr val="accent1"/>
+      <a:schemeClr val="accent2"/>
     </dgm:linClrLst>
     <dgm:effectClrLst/>
     <dgm:txLinClrLst/>
@@ -1616,7 +1614,7 @@
   </dgm:styleLbl>
   <dgm:styleLbl name="fgShp">
     <dgm:fillClrLst meth="repeat">
-      <a:schemeClr val="accent1">
+      <a:schemeClr val="accent2">
         <a:tint val="60000"/>
       </a:schemeClr>
     </dgm:fillClrLst>
@@ -3146,753 +3144,6 @@
 </file>
 
 <file path=ppt/diagrams/colors5.xml><?xml version="1.0" encoding="utf-8"?>
-<dgm:colorsDef xmlns:dgm="http://schemas.openxmlformats.org/drawingml/2006/diagram" xmlns:a="http://schemas.openxmlformats.org/drawingml/2006/main" uniqueId="urn:microsoft.com/office/officeart/2005/8/colors/accent2_2">
-  <dgm:title val=""/>
-  <dgm:desc val=""/>
-  <dgm:catLst>
-    <dgm:cat type="accent2" pri="11200"/>
-  </dgm:catLst>
-  <dgm:styleLbl name="node0">
-    <dgm:fillClrLst meth="repeat">
-      <a:schemeClr val="accent2"/>
-    </dgm:fillClrLst>
-    <dgm:linClrLst meth="repeat">
-      <a:schemeClr val="lt1"/>
-    </dgm:linClrLst>
-    <dgm:effectClrLst/>
-    <dgm:txLinClrLst/>
-    <dgm:txFillClrLst/>
-    <dgm:txEffectClrLst/>
-  </dgm:styleLbl>
-  <dgm:styleLbl name="node1">
-    <dgm:fillClrLst meth="repeat">
-      <a:schemeClr val="accent2"/>
-    </dgm:fillClrLst>
-    <dgm:linClrLst meth="repeat">
-      <a:schemeClr val="lt1"/>
-    </dgm:linClrLst>
-    <dgm:effectClrLst/>
-    <dgm:txLinClrLst/>
-    <dgm:txFillClrLst/>
-    <dgm:txEffectClrLst/>
-  </dgm:styleLbl>
-  <dgm:styleLbl name="alignNode1">
-    <dgm:fillClrLst meth="repeat">
-      <a:schemeClr val="accent2"/>
-    </dgm:fillClrLst>
-    <dgm:linClrLst meth="repeat">
-      <a:schemeClr val="accent2"/>
-    </dgm:linClrLst>
-    <dgm:effectClrLst/>
-    <dgm:txLinClrLst/>
-    <dgm:txFillClrLst/>
-    <dgm:txEffectClrLst/>
-  </dgm:styleLbl>
-  <dgm:styleLbl name="lnNode1">
-    <dgm:fillClrLst meth="repeat">
-      <a:schemeClr val="accent2"/>
-    </dgm:fillClrLst>
-    <dgm:linClrLst meth="repeat">
-      <a:schemeClr val="lt1"/>
-    </dgm:linClrLst>
-    <dgm:effectClrLst/>
-    <dgm:txLinClrLst/>
-    <dgm:txFillClrLst/>
-    <dgm:txEffectClrLst/>
-  </dgm:styleLbl>
-  <dgm:styleLbl name="vennNode1">
-    <dgm:fillClrLst meth="repeat">
-      <a:schemeClr val="accent2">
-        <a:alpha val="50000"/>
-      </a:schemeClr>
-    </dgm:fillClrLst>
-    <dgm:linClrLst meth="repeat">
-      <a:schemeClr val="lt1"/>
-    </dgm:linClrLst>
-    <dgm:effectClrLst/>
-    <dgm:txLinClrLst/>
-    <dgm:txFillClrLst/>
-    <dgm:txEffectClrLst/>
-  </dgm:styleLbl>
-  <dgm:styleLbl name="node2">
-    <dgm:fillClrLst meth="repeat">
-      <a:schemeClr val="accent2"/>
-    </dgm:fillClrLst>
-    <dgm:linClrLst meth="repeat">
-      <a:schemeClr val="lt1"/>
-    </dgm:linClrLst>
-    <dgm:effectClrLst/>
-    <dgm:txLinClrLst/>
-    <dgm:txFillClrLst/>
-    <dgm:txEffectClrLst/>
-  </dgm:styleLbl>
-  <dgm:styleLbl name="node3">
-    <dgm:fillClrLst meth="repeat">
-      <a:schemeClr val="accent2"/>
-    </dgm:fillClrLst>
-    <dgm:linClrLst meth="repeat">
-      <a:schemeClr val="lt1"/>
-    </dgm:linClrLst>
-    <dgm:effectClrLst/>
-    <dgm:txLinClrLst/>
-    <dgm:txFillClrLst/>
-    <dgm:txEffectClrLst/>
-  </dgm:styleLbl>
-  <dgm:styleLbl name="node4">
-    <dgm:fillClrLst meth="repeat">
-      <a:schemeClr val="accent2"/>
-    </dgm:fillClrLst>
-    <dgm:linClrLst meth="repeat">
-      <a:schemeClr val="lt1"/>
-    </dgm:linClrLst>
-    <dgm:effectClrLst/>
-    <dgm:txLinClrLst/>
-    <dgm:txFillClrLst/>
-    <dgm:txEffectClrLst/>
-  </dgm:styleLbl>
-  <dgm:styleLbl name="fgImgPlace1">
-    <dgm:fillClrLst meth="repeat">
-      <a:schemeClr val="accent2">
-        <a:tint val="50000"/>
-      </a:schemeClr>
-    </dgm:fillClrLst>
-    <dgm:linClrLst meth="repeat">
-      <a:schemeClr val="lt1"/>
-    </dgm:linClrLst>
-    <dgm:effectClrLst/>
-    <dgm:txLinClrLst/>
-    <dgm:txFillClrLst meth="repeat">
-      <a:schemeClr val="lt1"/>
-    </dgm:txFillClrLst>
-    <dgm:txEffectClrLst/>
-  </dgm:styleLbl>
-  <dgm:styleLbl name="alignImgPlace1">
-    <dgm:fillClrLst meth="repeat">
-      <a:schemeClr val="accent2">
-        <a:tint val="50000"/>
-      </a:schemeClr>
-    </dgm:fillClrLst>
-    <dgm:linClrLst meth="repeat">
-      <a:schemeClr val="lt1"/>
-    </dgm:linClrLst>
-    <dgm:effectClrLst/>
-    <dgm:txLinClrLst/>
-    <dgm:txFillClrLst meth="repeat">
-      <a:schemeClr val="lt1"/>
-    </dgm:txFillClrLst>
-    <dgm:txEffectClrLst/>
-  </dgm:styleLbl>
-  <dgm:styleLbl name="bgImgPlace1">
-    <dgm:fillClrLst meth="repeat">
-      <a:schemeClr val="accent2">
-        <a:tint val="50000"/>
-      </a:schemeClr>
-    </dgm:fillClrLst>
-    <dgm:linClrLst meth="repeat">
-      <a:schemeClr val="lt1"/>
-    </dgm:linClrLst>
-    <dgm:effectClrLst/>
-    <dgm:txLinClrLst/>
-    <dgm:txFillClrLst meth="repeat">
-      <a:schemeClr val="lt1"/>
-    </dgm:txFillClrLst>
-    <dgm:txEffectClrLst/>
-  </dgm:styleLbl>
-  <dgm:styleLbl name="sibTrans2D1">
-    <dgm:fillClrLst meth="repeat">
-      <a:schemeClr val="accent2">
-        <a:tint val="60000"/>
-      </a:schemeClr>
-    </dgm:fillClrLst>
-    <dgm:linClrLst meth="repeat">
-      <a:schemeClr val="accent2">
-        <a:tint val="60000"/>
-      </a:schemeClr>
-    </dgm:linClrLst>
-    <dgm:effectClrLst/>
-    <dgm:txLinClrLst/>
-    <dgm:txFillClrLst/>
-    <dgm:txEffectClrLst/>
-  </dgm:styleLbl>
-  <dgm:styleLbl name="fgSibTrans2D1">
-    <dgm:fillClrLst meth="repeat">
-      <a:schemeClr val="accent2">
-        <a:tint val="60000"/>
-      </a:schemeClr>
-    </dgm:fillClrLst>
-    <dgm:linClrLst meth="repeat">
-      <a:schemeClr val="accent2">
-        <a:tint val="60000"/>
-      </a:schemeClr>
-    </dgm:linClrLst>
-    <dgm:effectClrLst/>
-    <dgm:txLinClrLst/>
-    <dgm:txFillClrLst/>
-    <dgm:txEffectClrLst/>
-  </dgm:styleLbl>
-  <dgm:styleLbl name="bgSibTrans2D1">
-    <dgm:fillClrLst meth="repeat">
-      <a:schemeClr val="accent2">
-        <a:tint val="60000"/>
-      </a:schemeClr>
-    </dgm:fillClrLst>
-    <dgm:linClrLst meth="repeat">
-      <a:schemeClr val="accent2">
-        <a:tint val="60000"/>
-      </a:schemeClr>
-    </dgm:linClrLst>
-    <dgm:effectClrLst/>
-    <dgm:txLinClrLst/>
-    <dgm:txFillClrLst/>
-    <dgm:txEffectClrLst/>
-  </dgm:styleLbl>
-  <dgm:styleLbl name="sibTrans1D1">
-    <dgm:fillClrLst meth="repeat">
-      <a:schemeClr val="accent2"/>
-    </dgm:fillClrLst>
-    <dgm:linClrLst meth="repeat">
-      <a:schemeClr val="accent2"/>
-    </dgm:linClrLst>
-    <dgm:effectClrLst/>
-    <dgm:txLinClrLst/>
-    <dgm:txFillClrLst meth="repeat">
-      <a:schemeClr val="tx1"/>
-    </dgm:txFillClrLst>
-    <dgm:txEffectClrLst/>
-  </dgm:styleLbl>
-  <dgm:styleLbl name="callout">
-    <dgm:fillClrLst meth="repeat">
-      <a:schemeClr val="accent2"/>
-    </dgm:fillClrLst>
-    <dgm:linClrLst meth="repeat">
-      <a:schemeClr val="accent2">
-        <a:tint val="50000"/>
-      </a:schemeClr>
-    </dgm:linClrLst>
-    <dgm:effectClrLst/>
-    <dgm:txLinClrLst/>
-    <dgm:txFillClrLst meth="repeat">
-      <a:schemeClr val="tx1"/>
-    </dgm:txFillClrLst>
-    <dgm:txEffectClrLst/>
-  </dgm:styleLbl>
-  <dgm:styleLbl name="asst0">
-    <dgm:fillClrLst meth="repeat">
-      <a:schemeClr val="accent2"/>
-    </dgm:fillClrLst>
-    <dgm:linClrLst meth="repeat">
-      <a:schemeClr val="lt1"/>
-    </dgm:linClrLst>
-    <dgm:effectClrLst/>
-    <dgm:txLinClrLst/>
-    <dgm:txFillClrLst/>
-    <dgm:txEffectClrLst/>
-  </dgm:styleLbl>
-  <dgm:styleLbl name="asst1">
-    <dgm:fillClrLst meth="repeat">
-      <a:schemeClr val="accent2"/>
-    </dgm:fillClrLst>
-    <dgm:linClrLst meth="repeat">
-      <a:schemeClr val="lt1"/>
-    </dgm:linClrLst>
-    <dgm:effectClrLst/>
-    <dgm:txLinClrLst/>
-    <dgm:txFillClrLst/>
-    <dgm:txEffectClrLst/>
-  </dgm:styleLbl>
-  <dgm:styleLbl name="asst2">
-    <dgm:fillClrLst meth="repeat">
-      <a:schemeClr val="accent2"/>
-    </dgm:fillClrLst>
-    <dgm:linClrLst meth="repeat">
-      <a:schemeClr val="lt1"/>
-    </dgm:linClrLst>
-    <dgm:effectClrLst/>
-    <dgm:txLinClrLst/>
-    <dgm:txFillClrLst/>
-    <dgm:txEffectClrLst/>
-  </dgm:styleLbl>
-  <dgm:styleLbl name="asst3">
-    <dgm:fillClrLst meth="repeat">
-      <a:schemeClr val="accent2"/>
-    </dgm:fillClrLst>
-    <dgm:linClrLst meth="repeat">
-      <a:schemeClr val="lt1"/>
-    </dgm:linClrLst>
-    <dgm:effectClrLst/>
-    <dgm:txLinClrLst/>
-    <dgm:txFillClrLst/>
-    <dgm:txEffectClrLst/>
-  </dgm:styleLbl>
-  <dgm:styleLbl name="asst4">
-    <dgm:fillClrLst meth="repeat">
-      <a:schemeClr val="accent2"/>
-    </dgm:fillClrLst>
-    <dgm:linClrLst meth="repeat">
-      <a:schemeClr val="lt1"/>
-    </dgm:linClrLst>
-    <dgm:effectClrLst/>
-    <dgm:txLinClrLst/>
-    <dgm:txFillClrLst/>
-    <dgm:txEffectClrLst/>
-  </dgm:styleLbl>
-  <dgm:styleLbl name="parChTrans2D1">
-    <dgm:fillClrLst meth="repeat">
-      <a:schemeClr val="accent2">
-        <a:tint val="60000"/>
-      </a:schemeClr>
-    </dgm:fillClrLst>
-    <dgm:linClrLst meth="repeat">
-      <a:schemeClr val="accent2">
-        <a:tint val="60000"/>
-      </a:schemeClr>
-    </dgm:linClrLst>
-    <dgm:effectClrLst/>
-    <dgm:txLinClrLst/>
-    <dgm:txFillClrLst meth="repeat">
-      <a:schemeClr val="lt1"/>
-    </dgm:txFillClrLst>
-    <dgm:txEffectClrLst/>
-  </dgm:styleLbl>
-  <dgm:styleLbl name="parChTrans2D2">
-    <dgm:fillClrLst meth="repeat">
-      <a:schemeClr val="accent2"/>
-    </dgm:fillClrLst>
-    <dgm:linClrLst meth="repeat">
-      <a:schemeClr val="accent2"/>
-    </dgm:linClrLst>
-    <dgm:effectClrLst/>
-    <dgm:txLinClrLst/>
-    <dgm:txFillClrLst meth="repeat">
-      <a:schemeClr val="lt1"/>
-    </dgm:txFillClrLst>
-    <dgm:txEffectClrLst/>
-  </dgm:styleLbl>
-  <dgm:styleLbl name="parChTrans2D3">
-    <dgm:fillClrLst meth="repeat">
-      <a:schemeClr val="accent2"/>
-    </dgm:fillClrLst>
-    <dgm:linClrLst meth="repeat">
-      <a:schemeClr val="accent2"/>
-    </dgm:linClrLst>
-    <dgm:effectClrLst/>
-    <dgm:txLinClrLst/>
-    <dgm:txFillClrLst meth="repeat">
-      <a:schemeClr val="lt1"/>
-    </dgm:txFillClrLst>
-    <dgm:txEffectClrLst/>
-  </dgm:styleLbl>
-  <dgm:styleLbl name="parChTrans2D4">
-    <dgm:fillClrLst meth="repeat">
-      <a:schemeClr val="accent2"/>
-    </dgm:fillClrLst>
-    <dgm:linClrLst meth="repeat">
-      <a:schemeClr val="accent2"/>
-    </dgm:linClrLst>
-    <dgm:effectClrLst/>
-    <dgm:txLinClrLst/>
-    <dgm:txFillClrLst meth="repeat">
-      <a:schemeClr val="lt1"/>
-    </dgm:txFillClrLst>
-    <dgm:txEffectClrLst/>
-  </dgm:styleLbl>
-  <dgm:styleLbl name="parChTrans1D1">
-    <dgm:fillClrLst meth="repeat">
-      <a:schemeClr val="accent2"/>
-    </dgm:fillClrLst>
-    <dgm:linClrLst meth="repeat">
-      <a:schemeClr val="accent2">
-        <a:shade val="60000"/>
-      </a:schemeClr>
-    </dgm:linClrLst>
-    <dgm:effectClrLst/>
-    <dgm:txLinClrLst/>
-    <dgm:txFillClrLst meth="repeat">
-      <a:schemeClr val="tx1"/>
-    </dgm:txFillClrLst>
-    <dgm:txEffectClrLst/>
-  </dgm:styleLbl>
-  <dgm:styleLbl name="parChTrans1D2">
-    <dgm:fillClrLst meth="repeat">
-      <a:schemeClr val="accent2"/>
-    </dgm:fillClrLst>
-    <dgm:linClrLst meth="repeat">
-      <a:schemeClr val="accent2">
-        <a:shade val="60000"/>
-      </a:schemeClr>
-    </dgm:linClrLst>
-    <dgm:effectClrLst/>
-    <dgm:txLinClrLst/>
-    <dgm:txFillClrLst meth="repeat">
-      <a:schemeClr val="tx1"/>
-    </dgm:txFillClrLst>
-    <dgm:txEffectClrLst/>
-  </dgm:styleLbl>
-  <dgm:styleLbl name="parChTrans1D3">
-    <dgm:fillClrLst meth="repeat">
-      <a:schemeClr val="accent2"/>
-    </dgm:fillClrLst>
-    <dgm:linClrLst meth="repeat">
-      <a:schemeClr val="accent2">
-        <a:shade val="80000"/>
-      </a:schemeClr>
-    </dgm:linClrLst>
-    <dgm:effectClrLst/>
-    <dgm:txLinClrLst/>
-    <dgm:txFillClrLst meth="repeat">
-      <a:schemeClr val="tx1"/>
-    </dgm:txFillClrLst>
-    <dgm:txEffectClrLst/>
-  </dgm:styleLbl>
-  <dgm:styleLbl name="parChTrans1D4">
-    <dgm:fillClrLst meth="repeat">
-      <a:schemeClr val="accent2"/>
-    </dgm:fillClrLst>
-    <dgm:linClrLst meth="repeat">
-      <a:schemeClr val="accent2">
-        <a:shade val="80000"/>
-      </a:schemeClr>
-    </dgm:linClrLst>
-    <dgm:effectClrLst/>
-    <dgm:txLinClrLst/>
-    <dgm:txFillClrLst meth="repeat">
-      <a:schemeClr val="tx1"/>
-    </dgm:txFillClrLst>
-    <dgm:txEffectClrLst/>
-  </dgm:styleLbl>
-  <dgm:styleLbl name="fgAcc1">
-    <dgm:fillClrLst meth="repeat">
-      <a:schemeClr val="lt1">
-        <a:alpha val="90000"/>
-      </a:schemeClr>
-    </dgm:fillClrLst>
-    <dgm:linClrLst meth="repeat">
-      <a:schemeClr val="accent2"/>
-    </dgm:linClrLst>
-    <dgm:effectClrLst/>
-    <dgm:txLinClrLst/>
-    <dgm:txFillClrLst meth="repeat">
-      <a:schemeClr val="dk1"/>
-    </dgm:txFillClrLst>
-    <dgm:txEffectClrLst/>
-  </dgm:styleLbl>
-  <dgm:styleLbl name="conFgAcc1">
-    <dgm:fillClrLst meth="repeat">
-      <a:schemeClr val="lt1">
-        <a:alpha val="90000"/>
-      </a:schemeClr>
-    </dgm:fillClrLst>
-    <dgm:linClrLst meth="repeat">
-      <a:schemeClr val="accent2"/>
-    </dgm:linClrLst>
-    <dgm:effectClrLst/>
-    <dgm:txLinClrLst/>
-    <dgm:txFillClrLst meth="repeat">
-      <a:schemeClr val="dk1"/>
-    </dgm:txFillClrLst>
-    <dgm:txEffectClrLst/>
-  </dgm:styleLbl>
-  <dgm:styleLbl name="alignAcc1">
-    <dgm:fillClrLst meth="repeat">
-      <a:schemeClr val="lt1">
-        <a:alpha val="90000"/>
-      </a:schemeClr>
-    </dgm:fillClrLst>
-    <dgm:linClrLst meth="repeat">
-      <a:schemeClr val="accent2"/>
-    </dgm:linClrLst>
-    <dgm:effectClrLst/>
-    <dgm:txLinClrLst/>
-    <dgm:txFillClrLst meth="repeat">
-      <a:schemeClr val="dk1"/>
-    </dgm:txFillClrLst>
-    <dgm:txEffectClrLst/>
-  </dgm:styleLbl>
-  <dgm:styleLbl name="trAlignAcc1">
-    <dgm:fillClrLst meth="repeat">
-      <a:schemeClr val="lt1">
-        <a:alpha val="40000"/>
-      </a:schemeClr>
-    </dgm:fillClrLst>
-    <dgm:linClrLst meth="repeat">
-      <a:schemeClr val="accent2"/>
-    </dgm:linClrLst>
-    <dgm:effectClrLst/>
-    <dgm:txLinClrLst/>
-    <dgm:txFillClrLst meth="repeat">
-      <a:schemeClr val="dk1"/>
-    </dgm:txFillClrLst>
-    <dgm:txEffectClrLst/>
-  </dgm:styleLbl>
-  <dgm:styleLbl name="bgAcc1">
-    <dgm:fillClrLst meth="repeat">
-      <a:schemeClr val="lt1">
-        <a:alpha val="90000"/>
-      </a:schemeClr>
-    </dgm:fillClrLst>
-    <dgm:linClrLst meth="repeat">
-      <a:schemeClr val="accent2"/>
-    </dgm:linClrLst>
-    <dgm:effectClrLst/>
-    <dgm:txLinClrLst/>
-    <dgm:txFillClrLst meth="repeat">
-      <a:schemeClr val="dk1"/>
-    </dgm:txFillClrLst>
-    <dgm:txEffectClrLst/>
-  </dgm:styleLbl>
-  <dgm:styleLbl name="solidFgAcc1">
-    <dgm:fillClrLst meth="repeat">
-      <a:schemeClr val="lt1"/>
-    </dgm:fillClrLst>
-    <dgm:linClrLst meth="repeat">
-      <a:schemeClr val="accent2"/>
-    </dgm:linClrLst>
-    <dgm:effectClrLst/>
-    <dgm:txLinClrLst/>
-    <dgm:txFillClrLst meth="repeat">
-      <a:schemeClr val="dk1"/>
-    </dgm:txFillClrLst>
-    <dgm:txEffectClrLst/>
-  </dgm:styleLbl>
-  <dgm:styleLbl name="solidAlignAcc1">
-    <dgm:fillClrLst meth="repeat">
-      <a:schemeClr val="lt1"/>
-    </dgm:fillClrLst>
-    <dgm:linClrLst meth="repeat">
-      <a:schemeClr val="accent2"/>
-    </dgm:linClrLst>
-    <dgm:effectClrLst/>
-    <dgm:txLinClrLst/>
-    <dgm:txFillClrLst meth="repeat">
-      <a:schemeClr val="dk1"/>
-    </dgm:txFillClrLst>
-    <dgm:txEffectClrLst/>
-  </dgm:styleLbl>
-  <dgm:styleLbl name="solidBgAcc1">
-    <dgm:fillClrLst meth="repeat">
-      <a:schemeClr val="lt1"/>
-    </dgm:fillClrLst>
-    <dgm:linClrLst meth="repeat">
-      <a:schemeClr val="accent2"/>
-    </dgm:linClrLst>
-    <dgm:effectClrLst/>
-    <dgm:txLinClrLst/>
-    <dgm:txFillClrLst meth="repeat">
-      <a:schemeClr val="dk1"/>
-    </dgm:txFillClrLst>
-    <dgm:txEffectClrLst/>
-  </dgm:styleLbl>
-  <dgm:styleLbl name="fgAccFollowNode1">
-    <dgm:fillClrLst meth="repeat">
-      <a:schemeClr val="accent2">
-        <a:alpha val="90000"/>
-        <a:tint val="40000"/>
-      </a:schemeClr>
-    </dgm:fillClrLst>
-    <dgm:linClrLst meth="repeat">
-      <a:schemeClr val="accent2">
-        <a:alpha val="90000"/>
-        <a:tint val="40000"/>
-      </a:schemeClr>
-    </dgm:linClrLst>
-    <dgm:effectClrLst/>
-    <dgm:txLinClrLst/>
-    <dgm:txFillClrLst meth="repeat">
-      <a:schemeClr val="dk1"/>
-    </dgm:txFillClrLst>
-    <dgm:txEffectClrLst/>
-  </dgm:styleLbl>
-  <dgm:styleLbl name="alignAccFollowNode1">
-    <dgm:fillClrLst meth="repeat">
-      <a:schemeClr val="accent2">
-        <a:alpha val="90000"/>
-        <a:tint val="40000"/>
-      </a:schemeClr>
-    </dgm:fillClrLst>
-    <dgm:linClrLst meth="repeat">
-      <a:schemeClr val="accent2">
-        <a:alpha val="90000"/>
-        <a:tint val="40000"/>
-      </a:schemeClr>
-    </dgm:linClrLst>
-    <dgm:effectClrLst/>
-    <dgm:txLinClrLst/>
-    <dgm:txFillClrLst meth="repeat">
-      <a:schemeClr val="dk1"/>
-    </dgm:txFillClrLst>
-    <dgm:txEffectClrLst/>
-  </dgm:styleLbl>
-  <dgm:styleLbl name="bgAccFollowNode1">
-    <dgm:fillClrLst meth="repeat">
-      <a:schemeClr val="accent2">
-        <a:alpha val="90000"/>
-        <a:tint val="40000"/>
-      </a:schemeClr>
-    </dgm:fillClrLst>
-    <dgm:linClrLst meth="repeat">
-      <a:schemeClr val="accent2">
-        <a:alpha val="90000"/>
-        <a:tint val="40000"/>
-      </a:schemeClr>
-    </dgm:linClrLst>
-    <dgm:effectClrLst/>
-    <dgm:txLinClrLst/>
-    <dgm:txFillClrLst meth="repeat">
-      <a:schemeClr val="dk1"/>
-    </dgm:txFillClrLst>
-    <dgm:txEffectClrLst/>
-  </dgm:styleLbl>
-  <dgm:styleLbl name="fgAcc0">
-    <dgm:fillClrLst meth="repeat">
-      <a:schemeClr val="lt1">
-        <a:alpha val="90000"/>
-      </a:schemeClr>
-    </dgm:fillClrLst>
-    <dgm:linClrLst meth="repeat">
-      <a:schemeClr val="accent2"/>
-    </dgm:linClrLst>
-    <dgm:effectClrLst/>
-    <dgm:txLinClrLst/>
-    <dgm:txFillClrLst meth="repeat">
-      <a:schemeClr val="dk1"/>
-    </dgm:txFillClrLst>
-    <dgm:txEffectClrLst/>
-  </dgm:styleLbl>
-  <dgm:styleLbl name="fgAcc2">
-    <dgm:fillClrLst meth="repeat">
-      <a:schemeClr val="lt1">
-        <a:alpha val="90000"/>
-      </a:schemeClr>
-    </dgm:fillClrLst>
-    <dgm:linClrLst meth="repeat">
-      <a:schemeClr val="accent2"/>
-    </dgm:linClrLst>
-    <dgm:effectClrLst/>
-    <dgm:txLinClrLst/>
-    <dgm:txFillClrLst meth="repeat">
-      <a:schemeClr val="dk1"/>
-    </dgm:txFillClrLst>
-    <dgm:txEffectClrLst/>
-  </dgm:styleLbl>
-  <dgm:styleLbl name="fgAcc3">
-    <dgm:fillClrLst meth="repeat">
-      <a:schemeClr val="lt1">
-        <a:alpha val="90000"/>
-      </a:schemeClr>
-    </dgm:fillClrLst>
-    <dgm:linClrLst meth="repeat">
-      <a:schemeClr val="accent2"/>
-    </dgm:linClrLst>
-    <dgm:effectClrLst/>
-    <dgm:txLinClrLst/>
-    <dgm:txFillClrLst meth="repeat">
-      <a:schemeClr val="dk1"/>
-    </dgm:txFillClrLst>
-    <dgm:txEffectClrLst/>
-  </dgm:styleLbl>
-  <dgm:styleLbl name="fgAcc4">
-    <dgm:fillClrLst meth="repeat">
-      <a:schemeClr val="lt1">
-        <a:alpha val="90000"/>
-      </a:schemeClr>
-    </dgm:fillClrLst>
-    <dgm:linClrLst meth="repeat">
-      <a:schemeClr val="accent2"/>
-    </dgm:linClrLst>
-    <dgm:effectClrLst/>
-    <dgm:txLinClrLst/>
-    <dgm:txFillClrLst meth="repeat">
-      <a:schemeClr val="dk1"/>
-    </dgm:txFillClrLst>
-    <dgm:txEffectClrLst/>
-  </dgm:styleLbl>
-  <dgm:styleLbl name="bgShp">
-    <dgm:fillClrLst meth="repeat">
-      <a:schemeClr val="accent2">
-        <a:tint val="40000"/>
-      </a:schemeClr>
-    </dgm:fillClrLst>
-    <dgm:linClrLst meth="repeat">
-      <a:schemeClr val="accent2"/>
-    </dgm:linClrLst>
-    <dgm:effectClrLst/>
-    <dgm:txLinClrLst/>
-    <dgm:txFillClrLst meth="repeat">
-      <a:schemeClr val="dk1"/>
-    </dgm:txFillClrLst>
-    <dgm:txEffectClrLst/>
-  </dgm:styleLbl>
-  <dgm:styleLbl name="dkBgShp">
-    <dgm:fillClrLst meth="repeat">
-      <a:schemeClr val="accent2">
-        <a:shade val="80000"/>
-      </a:schemeClr>
-    </dgm:fillClrLst>
-    <dgm:linClrLst meth="repeat">
-      <a:schemeClr val="accent2"/>
-    </dgm:linClrLst>
-    <dgm:effectClrLst/>
-    <dgm:txLinClrLst/>
-    <dgm:txFillClrLst meth="repeat">
-      <a:schemeClr val="lt1"/>
-    </dgm:txFillClrLst>
-    <dgm:txEffectClrLst/>
-  </dgm:styleLbl>
-  <dgm:styleLbl name="trBgShp">
-    <dgm:fillClrLst meth="repeat">
-      <a:schemeClr val="accent2">
-        <a:tint val="50000"/>
-        <a:alpha val="40000"/>
-      </a:schemeClr>
-    </dgm:fillClrLst>
-    <dgm:linClrLst meth="repeat">
-      <a:schemeClr val="accent2"/>
-    </dgm:linClrLst>
-    <dgm:effectClrLst/>
-    <dgm:txLinClrLst/>
-    <dgm:txFillClrLst meth="repeat">
-      <a:schemeClr val="lt1"/>
-    </dgm:txFillClrLst>
-    <dgm:txEffectClrLst/>
-  </dgm:styleLbl>
-  <dgm:styleLbl name="fgShp">
-    <dgm:fillClrLst meth="repeat">
-      <a:schemeClr val="accent2">
-        <a:tint val="60000"/>
-      </a:schemeClr>
-    </dgm:fillClrLst>
-    <dgm:linClrLst meth="repeat">
-      <a:schemeClr val="lt1"/>
-    </dgm:linClrLst>
-    <dgm:effectClrLst/>
-    <dgm:txLinClrLst/>
-    <dgm:txFillClrLst meth="repeat">
-      <a:schemeClr val="dk1"/>
-    </dgm:txFillClrLst>
-    <dgm:txEffectClrLst/>
-  </dgm:styleLbl>
-  <dgm:styleLbl name="revTx">
-    <dgm:fillClrLst meth="repeat">
-      <a:schemeClr val="lt1">
-        <a:alpha val="0"/>
-      </a:schemeClr>
-    </dgm:fillClrLst>
-    <dgm:linClrLst meth="repeat">
-      <a:schemeClr val="dk1">
-        <a:alpha val="0"/>
-      </a:schemeClr>
-    </dgm:linClrLst>
-    <dgm:effectClrLst/>
-    <dgm:txLinClrLst/>
-    <dgm:txFillClrLst meth="repeat">
-      <a:schemeClr val="tx1"/>
-    </dgm:txFillClrLst>
-    <dgm:txEffectClrLst/>
-  </dgm:styleLbl>
-</dgm:colorsDef>
-</file>
-
-<file path=ppt/diagrams/colors6.xml><?xml version="1.0" encoding="utf-8"?>
 <dgm:colorsDef xmlns:dgm="http://schemas.openxmlformats.org/drawingml/2006/diagram" xmlns:a="http://schemas.openxmlformats.org/drawingml/2006/main" uniqueId="urn:microsoft.com/office/officeart/2005/8/colors/colorful1">
   <dgm:title val=""/>
   <dgm:desc val=""/>
@@ -5137,345 +4388,13 @@
   <dgm:whole/>
   <dgm:extLst>
     <a:ext uri="http://schemas.microsoft.com/office/drawing/2008/diagram">
-      <dsp:dataModelExt xmlns:dsp="http://schemas.microsoft.com/office/drawing/2008/diagram" relId="rId8" minVer="http://schemas.openxmlformats.org/drawingml/2006/diagram"/>
+      <dsp:dataModelExt xmlns:dsp="http://schemas.microsoft.com/office/drawing/2008/diagram" relId="rId7" minVer="http://schemas.openxmlformats.org/drawingml/2006/diagram"/>
     </a:ext>
   </dgm:extLst>
 </dgm:dataModel>
 </file>
 
 <file path=ppt/diagrams/data2.xml><?xml version="1.0" encoding="utf-8"?>
-<dgm:dataModel xmlns:dgm="http://schemas.openxmlformats.org/drawingml/2006/diagram" xmlns:a="http://schemas.openxmlformats.org/drawingml/2006/main">
-  <dgm:ptLst>
-    <dgm:pt modelId="{88072AEC-04DF-449A-B70B-4F458BD9276A}" type="doc">
-      <dgm:prSet loTypeId="urn:microsoft.com/office/officeart/2005/8/layout/cycle2" loCatId="cycle" qsTypeId="urn:microsoft.com/office/officeart/2005/8/quickstyle/simple1" qsCatId="simple" csTypeId="urn:microsoft.com/office/officeart/2005/8/colors/accent1_2" csCatId="accent1" phldr="1"/>
-      <dgm:spPr/>
-      <dgm:t>
-        <a:bodyPr/>
-        <a:lstStyle/>
-        <a:p>
-          <a:endParaRPr lang="en-US"/>
-        </a:p>
-      </dgm:t>
-    </dgm:pt>
-    <dgm:pt modelId="{C66579FF-178F-4EB3-A619-EB6244DBF190}">
-      <dgm:prSet phldrT="[Text]"/>
-      <dgm:spPr/>
-      <dgm:t>
-        <a:bodyPr/>
-        <a:lstStyle/>
-        <a:p>
-          <a:r>
-            <a:rPr lang="en-US" dirty="0"/>
-            <a:t>Build</a:t>
-          </a:r>
-        </a:p>
-      </dgm:t>
-    </dgm:pt>
-    <dgm:pt modelId="{5C95DE5E-2979-4625-A5C4-E94DD6ECBA0A}" type="parTrans" cxnId="{72EAAC8A-FA76-41AC-AF30-8141E160D38E}">
-      <dgm:prSet/>
-      <dgm:spPr/>
-      <dgm:t>
-        <a:bodyPr/>
-        <a:lstStyle/>
-        <a:p>
-          <a:endParaRPr lang="en-US"/>
-        </a:p>
-      </dgm:t>
-    </dgm:pt>
-    <dgm:pt modelId="{9CDC3CEF-BEFB-4641-BD78-1C7053AE5D85}" type="sibTrans" cxnId="{72EAAC8A-FA76-41AC-AF30-8141E160D38E}">
-      <dgm:prSet/>
-      <dgm:spPr/>
-      <dgm:t>
-        <a:bodyPr/>
-        <a:lstStyle/>
-        <a:p>
-          <a:endParaRPr lang="en-US"/>
-        </a:p>
-      </dgm:t>
-    </dgm:pt>
-    <dgm:pt modelId="{2C8B1AAE-4F3F-4ECF-9149-8D0B38858342}">
-      <dgm:prSet phldrT="[Text]"/>
-      <dgm:spPr/>
-      <dgm:t>
-        <a:bodyPr/>
-        <a:lstStyle/>
-        <a:p>
-          <a:r>
-            <a:rPr lang="en-US" dirty="0"/>
-            <a:t>Test</a:t>
-          </a:r>
-        </a:p>
-      </dgm:t>
-    </dgm:pt>
-    <dgm:pt modelId="{99B51D7F-9A01-46F8-9643-9FA051F00F32}" type="parTrans" cxnId="{50F1D490-FE37-4A89-9D15-17F721E90C0A}">
-      <dgm:prSet/>
-      <dgm:spPr/>
-      <dgm:t>
-        <a:bodyPr/>
-        <a:lstStyle/>
-        <a:p>
-          <a:endParaRPr lang="en-US"/>
-        </a:p>
-      </dgm:t>
-    </dgm:pt>
-    <dgm:pt modelId="{42FEEE84-07F4-4179-9CF4-34A821DA5FE7}" type="sibTrans" cxnId="{50F1D490-FE37-4A89-9D15-17F721E90C0A}">
-      <dgm:prSet/>
-      <dgm:spPr/>
-      <dgm:t>
-        <a:bodyPr/>
-        <a:lstStyle/>
-        <a:p>
-          <a:endParaRPr lang="en-US"/>
-        </a:p>
-      </dgm:t>
-    </dgm:pt>
-    <dgm:pt modelId="{C5569C4E-117B-44A4-A5C3-2514A629D92D}">
-      <dgm:prSet phldrT="[Text]"/>
-      <dgm:spPr/>
-      <dgm:t>
-        <a:bodyPr/>
-        <a:lstStyle/>
-        <a:p>
-          <a:r>
-            <a:rPr lang="en-US" dirty="0"/>
-            <a:t>Release</a:t>
-          </a:r>
-        </a:p>
-      </dgm:t>
-    </dgm:pt>
-    <dgm:pt modelId="{4022B1F5-8577-4801-8EFE-BB302604F7E3}" type="parTrans" cxnId="{1DA041DE-23CE-41A5-AE48-9F58EA68B919}">
-      <dgm:prSet/>
-      <dgm:spPr/>
-      <dgm:t>
-        <a:bodyPr/>
-        <a:lstStyle/>
-        <a:p>
-          <a:endParaRPr lang="en-US"/>
-        </a:p>
-      </dgm:t>
-    </dgm:pt>
-    <dgm:pt modelId="{B9A8C14C-2FA3-4AD2-B689-F8EC4AC3E915}" type="sibTrans" cxnId="{1DA041DE-23CE-41A5-AE48-9F58EA68B919}">
-      <dgm:prSet/>
-      <dgm:spPr/>
-      <dgm:t>
-        <a:bodyPr/>
-        <a:lstStyle/>
-        <a:p>
-          <a:endParaRPr lang="en-US"/>
-        </a:p>
-      </dgm:t>
-    </dgm:pt>
-    <dgm:pt modelId="{B04ABEBF-BF63-467B-9B88-F60E6947C5A0}">
-      <dgm:prSet phldrT="[Text]"/>
-      <dgm:spPr/>
-      <dgm:t>
-        <a:bodyPr/>
-        <a:lstStyle/>
-        <a:p>
-          <a:r>
-            <a:rPr lang="en-US" dirty="0"/>
-            <a:t>Measure</a:t>
-          </a:r>
-        </a:p>
-      </dgm:t>
-    </dgm:pt>
-    <dgm:pt modelId="{AD9E29E4-47E5-485C-BE8C-3F14FB393D03}" type="parTrans" cxnId="{57208A68-EDA3-4C02-A071-C6627F705981}">
-      <dgm:prSet/>
-      <dgm:spPr/>
-      <dgm:t>
-        <a:bodyPr/>
-        <a:lstStyle/>
-        <a:p>
-          <a:endParaRPr lang="en-US"/>
-        </a:p>
-      </dgm:t>
-    </dgm:pt>
-    <dgm:pt modelId="{DC418283-A530-43EC-8A1C-46857DA00D49}" type="sibTrans" cxnId="{57208A68-EDA3-4C02-A071-C6627F705981}">
-      <dgm:prSet/>
-      <dgm:spPr/>
-      <dgm:t>
-        <a:bodyPr/>
-        <a:lstStyle/>
-        <a:p>
-          <a:endParaRPr lang="en-US"/>
-        </a:p>
-      </dgm:t>
-    </dgm:pt>
-    <dgm:pt modelId="{DCBB36FC-F725-433E-8305-D4586A98D64E}">
-      <dgm:prSet phldrT="[Text]"/>
-      <dgm:spPr/>
-      <dgm:t>
-        <a:bodyPr/>
-        <a:lstStyle/>
-        <a:p>
-          <a:r>
-            <a:rPr lang="en-US" dirty="0"/>
-            <a:t>Adapt</a:t>
-          </a:r>
-        </a:p>
-      </dgm:t>
-    </dgm:pt>
-    <dgm:pt modelId="{118A1B07-4471-43C8-A265-3FDB6015B904}" type="parTrans" cxnId="{1D4C2EE6-F1BA-48EB-A562-A98A1429BF3B}">
-      <dgm:prSet/>
-      <dgm:spPr/>
-      <dgm:t>
-        <a:bodyPr/>
-        <a:lstStyle/>
-        <a:p>
-          <a:endParaRPr lang="en-US"/>
-        </a:p>
-      </dgm:t>
-    </dgm:pt>
-    <dgm:pt modelId="{F428EFD7-7586-4CF0-BEE0-9BE2754D41A4}" type="sibTrans" cxnId="{1D4C2EE6-F1BA-48EB-A562-A98A1429BF3B}">
-      <dgm:prSet/>
-      <dgm:spPr/>
-      <dgm:t>
-        <a:bodyPr/>
-        <a:lstStyle/>
-        <a:p>
-          <a:endParaRPr lang="en-US"/>
-        </a:p>
-      </dgm:t>
-    </dgm:pt>
-    <dgm:pt modelId="{0CF3F3A6-A8C0-4943-BFC3-EE75978EB55C}" type="pres">
-      <dgm:prSet presAssocID="{88072AEC-04DF-449A-B70B-4F458BD9276A}" presName="cycle" presStyleCnt="0">
-        <dgm:presLayoutVars>
-          <dgm:dir/>
-          <dgm:resizeHandles val="exact"/>
-        </dgm:presLayoutVars>
-      </dgm:prSet>
-      <dgm:spPr/>
-    </dgm:pt>
-    <dgm:pt modelId="{FC542BF3-5C1C-42C5-B5E5-6321BB8EB7F9}" type="pres">
-      <dgm:prSet presAssocID="{C66579FF-178F-4EB3-A619-EB6244DBF190}" presName="node" presStyleLbl="node1" presStyleIdx="0" presStyleCnt="5">
-        <dgm:presLayoutVars>
-          <dgm:bulletEnabled val="1"/>
-        </dgm:presLayoutVars>
-      </dgm:prSet>
-      <dgm:spPr/>
-    </dgm:pt>
-    <dgm:pt modelId="{FA7B59B5-FC02-4344-AC79-BB949A239074}" type="pres">
-      <dgm:prSet presAssocID="{9CDC3CEF-BEFB-4641-BD78-1C7053AE5D85}" presName="sibTrans" presStyleLbl="sibTrans2D1" presStyleIdx="0" presStyleCnt="5"/>
-      <dgm:spPr/>
-    </dgm:pt>
-    <dgm:pt modelId="{A70BC138-62CC-44F9-9D81-A0D94D618821}" type="pres">
-      <dgm:prSet presAssocID="{9CDC3CEF-BEFB-4641-BD78-1C7053AE5D85}" presName="connectorText" presStyleLbl="sibTrans2D1" presStyleIdx="0" presStyleCnt="5"/>
-      <dgm:spPr/>
-    </dgm:pt>
-    <dgm:pt modelId="{26E82A5F-C42E-46BE-BC85-BF125D7B11DF}" type="pres">
-      <dgm:prSet presAssocID="{2C8B1AAE-4F3F-4ECF-9149-8D0B38858342}" presName="node" presStyleLbl="node1" presStyleIdx="1" presStyleCnt="5">
-        <dgm:presLayoutVars>
-          <dgm:bulletEnabled val="1"/>
-        </dgm:presLayoutVars>
-      </dgm:prSet>
-      <dgm:spPr/>
-    </dgm:pt>
-    <dgm:pt modelId="{3872CCD2-0516-45C4-AD48-9C6A7CA90B7D}" type="pres">
-      <dgm:prSet presAssocID="{42FEEE84-07F4-4179-9CF4-34A821DA5FE7}" presName="sibTrans" presStyleLbl="sibTrans2D1" presStyleIdx="1" presStyleCnt="5"/>
-      <dgm:spPr/>
-    </dgm:pt>
-    <dgm:pt modelId="{36AA703D-7D87-4520-ADB7-200A3B1C3073}" type="pres">
-      <dgm:prSet presAssocID="{42FEEE84-07F4-4179-9CF4-34A821DA5FE7}" presName="connectorText" presStyleLbl="sibTrans2D1" presStyleIdx="1" presStyleCnt="5"/>
-      <dgm:spPr/>
-    </dgm:pt>
-    <dgm:pt modelId="{573E983B-764A-4772-B1A2-F269F4179211}" type="pres">
-      <dgm:prSet presAssocID="{C5569C4E-117B-44A4-A5C3-2514A629D92D}" presName="node" presStyleLbl="node1" presStyleIdx="2" presStyleCnt="5">
-        <dgm:presLayoutVars>
-          <dgm:bulletEnabled val="1"/>
-        </dgm:presLayoutVars>
-      </dgm:prSet>
-      <dgm:spPr/>
-    </dgm:pt>
-    <dgm:pt modelId="{8778FFBA-6EAF-4AE4-9CDD-8111001477BA}" type="pres">
-      <dgm:prSet presAssocID="{B9A8C14C-2FA3-4AD2-B689-F8EC4AC3E915}" presName="sibTrans" presStyleLbl="sibTrans2D1" presStyleIdx="2" presStyleCnt="5"/>
-      <dgm:spPr/>
-    </dgm:pt>
-    <dgm:pt modelId="{CDD0D33F-26A1-4611-A42E-7467613F6B93}" type="pres">
-      <dgm:prSet presAssocID="{B9A8C14C-2FA3-4AD2-B689-F8EC4AC3E915}" presName="connectorText" presStyleLbl="sibTrans2D1" presStyleIdx="2" presStyleCnt="5"/>
-      <dgm:spPr/>
-    </dgm:pt>
-    <dgm:pt modelId="{FFE636CC-1D68-4F03-9766-767ACA791844}" type="pres">
-      <dgm:prSet presAssocID="{B04ABEBF-BF63-467B-9B88-F60E6947C5A0}" presName="node" presStyleLbl="node1" presStyleIdx="3" presStyleCnt="5">
-        <dgm:presLayoutVars>
-          <dgm:bulletEnabled val="1"/>
-        </dgm:presLayoutVars>
-      </dgm:prSet>
-      <dgm:spPr/>
-    </dgm:pt>
-    <dgm:pt modelId="{7C4001D0-B375-4EC6-B48A-30B7EF199C1D}" type="pres">
-      <dgm:prSet presAssocID="{DC418283-A530-43EC-8A1C-46857DA00D49}" presName="sibTrans" presStyleLbl="sibTrans2D1" presStyleIdx="3" presStyleCnt="5"/>
-      <dgm:spPr/>
-    </dgm:pt>
-    <dgm:pt modelId="{0B7F95E8-029B-4078-A29A-04C184A53BC1}" type="pres">
-      <dgm:prSet presAssocID="{DC418283-A530-43EC-8A1C-46857DA00D49}" presName="connectorText" presStyleLbl="sibTrans2D1" presStyleIdx="3" presStyleCnt="5"/>
-      <dgm:spPr/>
-    </dgm:pt>
-    <dgm:pt modelId="{7F83799A-03F8-4762-8C61-0C4EB7BC8AE0}" type="pres">
-      <dgm:prSet presAssocID="{DCBB36FC-F725-433E-8305-D4586A98D64E}" presName="node" presStyleLbl="node1" presStyleIdx="4" presStyleCnt="5">
-        <dgm:presLayoutVars>
-          <dgm:bulletEnabled val="1"/>
-        </dgm:presLayoutVars>
-      </dgm:prSet>
-      <dgm:spPr/>
-    </dgm:pt>
-    <dgm:pt modelId="{051F7C30-9F90-4A4C-BF5D-5FFA9564171A}" type="pres">
-      <dgm:prSet presAssocID="{F428EFD7-7586-4CF0-BEE0-9BE2754D41A4}" presName="sibTrans" presStyleLbl="sibTrans2D1" presStyleIdx="4" presStyleCnt="5"/>
-      <dgm:spPr/>
-    </dgm:pt>
-    <dgm:pt modelId="{67D912B2-D21C-4181-936F-8DD7A0047903}" type="pres">
-      <dgm:prSet presAssocID="{F428EFD7-7586-4CF0-BEE0-9BE2754D41A4}" presName="connectorText" presStyleLbl="sibTrans2D1" presStyleIdx="4" presStyleCnt="5"/>
-      <dgm:spPr/>
-    </dgm:pt>
-  </dgm:ptLst>
-  <dgm:cxnLst>
-    <dgm:cxn modelId="{FCC6AA0E-B4DA-43E0-96F5-5D9A12F95753}" type="presOf" srcId="{2C8B1AAE-4F3F-4ECF-9149-8D0B38858342}" destId="{26E82A5F-C42E-46BE-BC85-BF125D7B11DF}" srcOrd="0" destOrd="0" presId="urn:microsoft.com/office/officeart/2005/8/layout/cycle2"/>
-    <dgm:cxn modelId="{975C7129-EF52-4A06-93E6-C7E4062DBDE0}" type="presOf" srcId="{42FEEE84-07F4-4179-9CF4-34A821DA5FE7}" destId="{3872CCD2-0516-45C4-AD48-9C6A7CA90B7D}" srcOrd="0" destOrd="0" presId="urn:microsoft.com/office/officeart/2005/8/layout/cycle2"/>
-    <dgm:cxn modelId="{9665205D-660F-4DE5-AA56-6642D4251254}" type="presOf" srcId="{9CDC3CEF-BEFB-4641-BD78-1C7053AE5D85}" destId="{A70BC138-62CC-44F9-9D81-A0D94D618821}" srcOrd="1" destOrd="0" presId="urn:microsoft.com/office/officeart/2005/8/layout/cycle2"/>
-    <dgm:cxn modelId="{85D7E867-EA90-46FD-B64E-E4843F1A4F29}" type="presOf" srcId="{88072AEC-04DF-449A-B70B-4F458BD9276A}" destId="{0CF3F3A6-A8C0-4943-BFC3-EE75978EB55C}" srcOrd="0" destOrd="0" presId="urn:microsoft.com/office/officeart/2005/8/layout/cycle2"/>
-    <dgm:cxn modelId="{57208A68-EDA3-4C02-A071-C6627F705981}" srcId="{88072AEC-04DF-449A-B70B-4F458BD9276A}" destId="{B04ABEBF-BF63-467B-9B88-F60E6947C5A0}" srcOrd="3" destOrd="0" parTransId="{AD9E29E4-47E5-485C-BE8C-3F14FB393D03}" sibTransId="{DC418283-A530-43EC-8A1C-46857DA00D49}"/>
-    <dgm:cxn modelId="{B3F9896B-9FF0-40A9-9C69-5E91E241EADD}" type="presOf" srcId="{DC418283-A530-43EC-8A1C-46857DA00D49}" destId="{7C4001D0-B375-4EC6-B48A-30B7EF199C1D}" srcOrd="0" destOrd="0" presId="urn:microsoft.com/office/officeart/2005/8/layout/cycle2"/>
-    <dgm:cxn modelId="{27C7396C-2F0F-4444-AC76-A8D9A6E0F367}" type="presOf" srcId="{B04ABEBF-BF63-467B-9B88-F60E6947C5A0}" destId="{FFE636CC-1D68-4F03-9766-767ACA791844}" srcOrd="0" destOrd="0" presId="urn:microsoft.com/office/officeart/2005/8/layout/cycle2"/>
-    <dgm:cxn modelId="{FCF98070-D19E-4156-9833-35294DF17073}" type="presOf" srcId="{B9A8C14C-2FA3-4AD2-B689-F8EC4AC3E915}" destId="{8778FFBA-6EAF-4AE4-9CDD-8111001477BA}" srcOrd="0" destOrd="0" presId="urn:microsoft.com/office/officeart/2005/8/layout/cycle2"/>
-    <dgm:cxn modelId="{515C8151-BB14-4869-891A-5AB9603FCEE3}" type="presOf" srcId="{42FEEE84-07F4-4179-9CF4-34A821DA5FE7}" destId="{36AA703D-7D87-4520-ADB7-200A3B1C3073}" srcOrd="1" destOrd="0" presId="urn:microsoft.com/office/officeart/2005/8/layout/cycle2"/>
-    <dgm:cxn modelId="{6581E753-1CB6-469C-AD26-3EF3FCD614AE}" type="presOf" srcId="{B9A8C14C-2FA3-4AD2-B689-F8EC4AC3E915}" destId="{CDD0D33F-26A1-4611-A42E-7467613F6B93}" srcOrd="1" destOrd="0" presId="urn:microsoft.com/office/officeart/2005/8/layout/cycle2"/>
-    <dgm:cxn modelId="{6ABD4C55-7352-420A-AF8E-D9849FF588AA}" type="presOf" srcId="{F428EFD7-7586-4CF0-BEE0-9BE2754D41A4}" destId="{67D912B2-D21C-4181-936F-8DD7A0047903}" srcOrd="1" destOrd="0" presId="urn:microsoft.com/office/officeart/2005/8/layout/cycle2"/>
-    <dgm:cxn modelId="{344D5C57-22DF-445A-92CE-3BFD21DB1C86}" type="presOf" srcId="{F428EFD7-7586-4CF0-BEE0-9BE2754D41A4}" destId="{051F7C30-9F90-4A4C-BF5D-5FFA9564171A}" srcOrd="0" destOrd="0" presId="urn:microsoft.com/office/officeart/2005/8/layout/cycle2"/>
-    <dgm:cxn modelId="{F32B0D7C-741E-49C1-8C51-A981ED96746C}" type="presOf" srcId="{DC418283-A530-43EC-8A1C-46857DA00D49}" destId="{0B7F95E8-029B-4078-A29A-04C184A53BC1}" srcOrd="1" destOrd="0" presId="urn:microsoft.com/office/officeart/2005/8/layout/cycle2"/>
-    <dgm:cxn modelId="{72EAAC8A-FA76-41AC-AF30-8141E160D38E}" srcId="{88072AEC-04DF-449A-B70B-4F458BD9276A}" destId="{C66579FF-178F-4EB3-A619-EB6244DBF190}" srcOrd="0" destOrd="0" parTransId="{5C95DE5E-2979-4625-A5C4-E94DD6ECBA0A}" sibTransId="{9CDC3CEF-BEFB-4641-BD78-1C7053AE5D85}"/>
-    <dgm:cxn modelId="{50F1D490-FE37-4A89-9D15-17F721E90C0A}" srcId="{88072AEC-04DF-449A-B70B-4F458BD9276A}" destId="{2C8B1AAE-4F3F-4ECF-9149-8D0B38858342}" srcOrd="1" destOrd="0" parTransId="{99B51D7F-9A01-46F8-9643-9FA051F00F32}" sibTransId="{42FEEE84-07F4-4179-9CF4-34A821DA5FE7}"/>
-    <dgm:cxn modelId="{A0A04899-E0B7-4F95-8C62-37E9DCC41685}" type="presOf" srcId="{DCBB36FC-F725-433E-8305-D4586A98D64E}" destId="{7F83799A-03F8-4762-8C61-0C4EB7BC8AE0}" srcOrd="0" destOrd="0" presId="urn:microsoft.com/office/officeart/2005/8/layout/cycle2"/>
-    <dgm:cxn modelId="{F6C087BB-7F68-4771-8139-16DADB8C62C9}" type="presOf" srcId="{9CDC3CEF-BEFB-4641-BD78-1C7053AE5D85}" destId="{FA7B59B5-FC02-4344-AC79-BB949A239074}" srcOrd="0" destOrd="0" presId="urn:microsoft.com/office/officeart/2005/8/layout/cycle2"/>
-    <dgm:cxn modelId="{AAB963BE-FED9-4C21-ACDD-A39DE0813FC0}" type="presOf" srcId="{C66579FF-178F-4EB3-A619-EB6244DBF190}" destId="{FC542BF3-5C1C-42C5-B5E5-6321BB8EB7F9}" srcOrd="0" destOrd="0" presId="urn:microsoft.com/office/officeart/2005/8/layout/cycle2"/>
-    <dgm:cxn modelId="{DD1E91D7-9C29-488E-B038-681D9E576D89}" type="presOf" srcId="{C5569C4E-117B-44A4-A5C3-2514A629D92D}" destId="{573E983B-764A-4772-B1A2-F269F4179211}" srcOrd="0" destOrd="0" presId="urn:microsoft.com/office/officeart/2005/8/layout/cycle2"/>
-    <dgm:cxn modelId="{1DA041DE-23CE-41A5-AE48-9F58EA68B919}" srcId="{88072AEC-04DF-449A-B70B-4F458BD9276A}" destId="{C5569C4E-117B-44A4-A5C3-2514A629D92D}" srcOrd="2" destOrd="0" parTransId="{4022B1F5-8577-4801-8EFE-BB302604F7E3}" sibTransId="{B9A8C14C-2FA3-4AD2-B689-F8EC4AC3E915}"/>
-    <dgm:cxn modelId="{1D4C2EE6-F1BA-48EB-A562-A98A1429BF3B}" srcId="{88072AEC-04DF-449A-B70B-4F458BD9276A}" destId="{DCBB36FC-F725-433E-8305-D4586A98D64E}" srcOrd="4" destOrd="0" parTransId="{118A1B07-4471-43C8-A265-3FDB6015B904}" sibTransId="{F428EFD7-7586-4CF0-BEE0-9BE2754D41A4}"/>
-    <dgm:cxn modelId="{C7473F77-F1AC-41FE-B508-061A8A1E6F5D}" type="presParOf" srcId="{0CF3F3A6-A8C0-4943-BFC3-EE75978EB55C}" destId="{FC542BF3-5C1C-42C5-B5E5-6321BB8EB7F9}" srcOrd="0" destOrd="0" presId="urn:microsoft.com/office/officeart/2005/8/layout/cycle2"/>
-    <dgm:cxn modelId="{97FDE106-5571-4FC5-85CF-1BD6D4110310}" type="presParOf" srcId="{0CF3F3A6-A8C0-4943-BFC3-EE75978EB55C}" destId="{FA7B59B5-FC02-4344-AC79-BB949A239074}" srcOrd="1" destOrd="0" presId="urn:microsoft.com/office/officeart/2005/8/layout/cycle2"/>
-    <dgm:cxn modelId="{13650439-FD84-4329-AA0B-863212BEB5D1}" type="presParOf" srcId="{FA7B59B5-FC02-4344-AC79-BB949A239074}" destId="{A70BC138-62CC-44F9-9D81-A0D94D618821}" srcOrd="0" destOrd="0" presId="urn:microsoft.com/office/officeart/2005/8/layout/cycle2"/>
-    <dgm:cxn modelId="{4FC913C4-E948-427F-819A-6D28C6D1B438}" type="presParOf" srcId="{0CF3F3A6-A8C0-4943-BFC3-EE75978EB55C}" destId="{26E82A5F-C42E-46BE-BC85-BF125D7B11DF}" srcOrd="2" destOrd="0" presId="urn:microsoft.com/office/officeart/2005/8/layout/cycle2"/>
-    <dgm:cxn modelId="{598A0DE4-8123-4EAD-B559-1A0544BD1413}" type="presParOf" srcId="{0CF3F3A6-A8C0-4943-BFC3-EE75978EB55C}" destId="{3872CCD2-0516-45C4-AD48-9C6A7CA90B7D}" srcOrd="3" destOrd="0" presId="urn:microsoft.com/office/officeart/2005/8/layout/cycle2"/>
-    <dgm:cxn modelId="{CA2D6593-0862-4F23-9895-AB169BBA97F7}" type="presParOf" srcId="{3872CCD2-0516-45C4-AD48-9C6A7CA90B7D}" destId="{36AA703D-7D87-4520-ADB7-200A3B1C3073}" srcOrd="0" destOrd="0" presId="urn:microsoft.com/office/officeart/2005/8/layout/cycle2"/>
-    <dgm:cxn modelId="{BD111F34-4BBA-47F9-9C81-86E6904A6DB8}" type="presParOf" srcId="{0CF3F3A6-A8C0-4943-BFC3-EE75978EB55C}" destId="{573E983B-764A-4772-B1A2-F269F4179211}" srcOrd="4" destOrd="0" presId="urn:microsoft.com/office/officeart/2005/8/layout/cycle2"/>
-    <dgm:cxn modelId="{9956717C-7CCE-47C2-9AA2-F4F4F8B8A38C}" type="presParOf" srcId="{0CF3F3A6-A8C0-4943-BFC3-EE75978EB55C}" destId="{8778FFBA-6EAF-4AE4-9CDD-8111001477BA}" srcOrd="5" destOrd="0" presId="urn:microsoft.com/office/officeart/2005/8/layout/cycle2"/>
-    <dgm:cxn modelId="{59584102-C751-427C-AA2F-4636F72A2CF6}" type="presParOf" srcId="{8778FFBA-6EAF-4AE4-9CDD-8111001477BA}" destId="{CDD0D33F-26A1-4611-A42E-7467613F6B93}" srcOrd="0" destOrd="0" presId="urn:microsoft.com/office/officeart/2005/8/layout/cycle2"/>
-    <dgm:cxn modelId="{11852A63-0635-49B2-9319-3A8407174E8F}" type="presParOf" srcId="{0CF3F3A6-A8C0-4943-BFC3-EE75978EB55C}" destId="{FFE636CC-1D68-4F03-9766-767ACA791844}" srcOrd="6" destOrd="0" presId="urn:microsoft.com/office/officeart/2005/8/layout/cycle2"/>
-    <dgm:cxn modelId="{F0B29E74-CE01-4013-850C-BBBBE5BBBB40}" type="presParOf" srcId="{0CF3F3A6-A8C0-4943-BFC3-EE75978EB55C}" destId="{7C4001D0-B375-4EC6-B48A-30B7EF199C1D}" srcOrd="7" destOrd="0" presId="urn:microsoft.com/office/officeart/2005/8/layout/cycle2"/>
-    <dgm:cxn modelId="{D0C294D4-FB36-44EB-BBF6-D0FBEEE0B42C}" type="presParOf" srcId="{7C4001D0-B375-4EC6-B48A-30B7EF199C1D}" destId="{0B7F95E8-029B-4078-A29A-04C184A53BC1}" srcOrd="0" destOrd="0" presId="urn:microsoft.com/office/officeart/2005/8/layout/cycle2"/>
-    <dgm:cxn modelId="{94E806F5-432A-4FA6-82D3-ADEB9415AD5B}" type="presParOf" srcId="{0CF3F3A6-A8C0-4943-BFC3-EE75978EB55C}" destId="{7F83799A-03F8-4762-8C61-0C4EB7BC8AE0}" srcOrd="8" destOrd="0" presId="urn:microsoft.com/office/officeart/2005/8/layout/cycle2"/>
-    <dgm:cxn modelId="{C6246922-E180-4584-959B-C7892B04F3F7}" type="presParOf" srcId="{0CF3F3A6-A8C0-4943-BFC3-EE75978EB55C}" destId="{051F7C30-9F90-4A4C-BF5D-5FFA9564171A}" srcOrd="9" destOrd="0" presId="urn:microsoft.com/office/officeart/2005/8/layout/cycle2"/>
-    <dgm:cxn modelId="{60E066FA-1385-44C7-962E-9C0324C71098}" type="presParOf" srcId="{051F7C30-9F90-4A4C-BF5D-5FFA9564171A}" destId="{67D912B2-D21C-4181-936F-8DD7A0047903}" srcOrd="0" destOrd="0" presId="urn:microsoft.com/office/officeart/2005/8/layout/cycle2"/>
-  </dgm:cxnLst>
-  <dgm:bg/>
-  <dgm:whole/>
-  <dgm:extLst>
-    <a:ext uri="http://schemas.microsoft.com/office/drawing/2008/diagram">
-      <dsp:dataModelExt xmlns:dsp="http://schemas.microsoft.com/office/drawing/2008/diagram" relId="rId9" minVer="http://schemas.openxmlformats.org/drawingml/2006/diagram"/>
-    </a:ext>
-  </dgm:extLst>
-</dgm:dataModel>
-</file>
-
-<file path=ppt/diagrams/data3.xml><?xml version="1.0" encoding="utf-8"?>
 <dgm:dataModel xmlns:dgm="http://schemas.openxmlformats.org/drawingml/2006/diagram" xmlns:a="http://schemas.openxmlformats.org/drawingml/2006/main">
   <dgm:ptLst>
     <dgm:pt modelId="{FCECD4AB-C83E-4D95-9E77-00B1FDC07FE3}" type="doc">
@@ -5820,7 +4739,7 @@
 </dgm:dataModel>
 </file>
 
-<file path=ppt/diagrams/data4.xml><?xml version="1.0" encoding="utf-8"?>
+<file path=ppt/diagrams/data3.xml><?xml version="1.0" encoding="utf-8"?>
 <dgm:dataModel xmlns:dgm="http://schemas.openxmlformats.org/drawingml/2006/diagram" xmlns:a="http://schemas.openxmlformats.org/drawingml/2006/main">
   <dgm:ptLst>
     <dgm:pt modelId="{FCECD4AB-C83E-4D95-9E77-00B1FDC07FE3}" type="doc">
@@ -6252,7 +5171,7 @@
 </dgm:dataModel>
 </file>
 
-<file path=ppt/diagrams/data5.xml><?xml version="1.0" encoding="utf-8"?>
+<file path=ppt/diagrams/data4.xml><?xml version="1.0" encoding="utf-8"?>
 <dgm:dataModel xmlns:dgm="http://schemas.openxmlformats.org/drawingml/2006/diagram" xmlns:a="http://schemas.openxmlformats.org/drawingml/2006/main">
   <dgm:ptLst>
     <dgm:pt modelId="{FCECD4AB-C83E-4D95-9E77-00B1FDC07FE3}" type="doc">
@@ -6705,7 +5624,7 @@
 </dgm:dataModel>
 </file>
 
-<file path=ppt/diagrams/data6.xml><?xml version="1.0" encoding="utf-8"?>
+<file path=ppt/diagrams/data5.xml><?xml version="1.0" encoding="utf-8"?>
 <dgm:dataModel xmlns:dgm="http://schemas.openxmlformats.org/drawingml/2006/diagram" xmlns:a="http://schemas.openxmlformats.org/drawingml/2006/main">
   <dgm:ptLst>
     <dgm:pt modelId="{AC038087-AFA0-4BAC-B721-841C2811DE0E}" type="doc">
@@ -7893,753 +6812,6 @@
       <dsp:cNvGrpSpPr/>
     </dsp:nvGrpSpPr>
     <dsp:grpSpPr/>
-    <dsp:sp modelId="{FC542BF3-5C1C-42C5-B5E5-6321BB8EB7F9}">
-      <dsp:nvSpPr>
-        <dsp:cNvPr id="0" name=""/>
-        <dsp:cNvSpPr/>
-      </dsp:nvSpPr>
-      <dsp:spPr>
-        <a:xfrm>
-          <a:off x="779039" y="526"/>
-          <a:ext cx="609683" cy="609683"/>
-        </a:xfrm>
-        <a:prstGeom prst="ellipse">
-          <a:avLst/>
-        </a:prstGeom>
-        <a:solidFill>
-          <a:schemeClr val="accent1">
-            <a:hueOff val="0"/>
-            <a:satOff val="0"/>
-            <a:lumOff val="0"/>
-            <a:alphaOff val="0"/>
-          </a:schemeClr>
-        </a:solidFill>
-        <a:ln w="10795" cap="flat" cmpd="sng" algn="ctr">
-          <a:solidFill>
-            <a:schemeClr val="lt1">
-              <a:hueOff val="0"/>
-              <a:satOff val="0"/>
-              <a:lumOff val="0"/>
-              <a:alphaOff val="0"/>
-            </a:schemeClr>
-          </a:solidFill>
-          <a:prstDash val="solid"/>
-        </a:ln>
-        <a:effectLst/>
-      </dsp:spPr>
-      <dsp:style>
-        <a:lnRef idx="2">
-          <a:scrgbClr r="0" g="0" b="0"/>
-        </a:lnRef>
-        <a:fillRef idx="1">
-          <a:scrgbClr r="0" g="0" b="0"/>
-        </a:fillRef>
-        <a:effectRef idx="0">
-          <a:scrgbClr r="0" g="0" b="0"/>
-        </a:effectRef>
-        <a:fontRef idx="minor">
-          <a:schemeClr val="lt1"/>
-        </a:fontRef>
-      </dsp:style>
-      <dsp:txBody>
-        <a:bodyPr spcFirstLastPara="0" vert="horz" wrap="square" lIns="11430" tIns="11430" rIns="11430" bIns="11430" numCol="1" spcCol="1270" anchor="ctr" anchorCtr="0">
-          <a:noAutofit/>
-        </a:bodyPr>
-        <a:lstStyle/>
-        <a:p>
-          <a:pPr marL="0" lvl="0" indent="0" algn="ctr" defTabSz="400050">
-            <a:lnSpc>
-              <a:spcPct val="90000"/>
-            </a:lnSpc>
-            <a:spcBef>
-              <a:spcPct val="0"/>
-            </a:spcBef>
-            <a:spcAft>
-              <a:spcPct val="35000"/>
-            </a:spcAft>
-            <a:buNone/>
-          </a:pPr>
-          <a:r>
-            <a:rPr lang="en-US" sz="900" kern="1200" dirty="0"/>
-            <a:t>Build</a:t>
-          </a:r>
-        </a:p>
-      </dsp:txBody>
-      <dsp:txXfrm>
-        <a:off x="868325" y="89812"/>
-        <a:ext cx="431111" cy="431111"/>
-      </dsp:txXfrm>
-    </dsp:sp>
-    <dsp:sp modelId="{FA7B59B5-FC02-4344-AC79-BB949A239074}">
-      <dsp:nvSpPr>
-        <dsp:cNvPr id="0" name=""/>
-        <dsp:cNvSpPr/>
-      </dsp:nvSpPr>
-      <dsp:spPr>
-        <a:xfrm rot="2160000">
-          <a:off x="1369579" y="469122"/>
-          <a:ext cx="162596" cy="205768"/>
-        </a:xfrm>
-        <a:prstGeom prst="rightArrow">
-          <a:avLst>
-            <a:gd name="adj1" fmla="val 60000"/>
-            <a:gd name="adj2" fmla="val 50000"/>
-          </a:avLst>
-        </a:prstGeom>
-        <a:solidFill>
-          <a:schemeClr val="accent1">
-            <a:tint val="60000"/>
-            <a:hueOff val="0"/>
-            <a:satOff val="0"/>
-            <a:lumOff val="0"/>
-            <a:alphaOff val="0"/>
-          </a:schemeClr>
-        </a:solidFill>
-        <a:ln>
-          <a:noFill/>
-        </a:ln>
-        <a:effectLst/>
-      </dsp:spPr>
-      <dsp:style>
-        <a:lnRef idx="0">
-          <a:scrgbClr r="0" g="0" b="0"/>
-        </a:lnRef>
-        <a:fillRef idx="1">
-          <a:scrgbClr r="0" g="0" b="0"/>
-        </a:fillRef>
-        <a:effectRef idx="0">
-          <a:scrgbClr r="0" g="0" b="0"/>
-        </a:effectRef>
-        <a:fontRef idx="minor">
-          <a:schemeClr val="lt1"/>
-        </a:fontRef>
-      </dsp:style>
-      <dsp:txBody>
-        <a:bodyPr spcFirstLastPara="0" vert="horz" wrap="square" lIns="0" tIns="0" rIns="0" bIns="0" numCol="1" spcCol="1270" anchor="ctr" anchorCtr="0">
-          <a:noAutofit/>
-        </a:bodyPr>
-        <a:lstStyle/>
-        <a:p>
-          <a:pPr marL="0" lvl="0" indent="0" algn="ctr" defTabSz="311150">
-            <a:lnSpc>
-              <a:spcPct val="90000"/>
-            </a:lnSpc>
-            <a:spcBef>
-              <a:spcPct val="0"/>
-            </a:spcBef>
-            <a:spcAft>
-              <a:spcPct val="35000"/>
-            </a:spcAft>
-            <a:buNone/>
-          </a:pPr>
-          <a:endParaRPr lang="en-US" sz="700" kern="1200"/>
-        </a:p>
-      </dsp:txBody>
-      <dsp:txXfrm>
-        <a:off x="1374237" y="495940"/>
-        <a:ext cx="113817" cy="123460"/>
-      </dsp:txXfrm>
-    </dsp:sp>
-    <dsp:sp modelId="{26E82A5F-C42E-46BE-BC85-BF125D7B11DF}">
-      <dsp:nvSpPr>
-        <dsp:cNvPr id="0" name=""/>
-        <dsp:cNvSpPr/>
-      </dsp:nvSpPr>
-      <dsp:spPr>
-        <a:xfrm>
-          <a:off x="1520479" y="539213"/>
-          <a:ext cx="609683" cy="609683"/>
-        </a:xfrm>
-        <a:prstGeom prst="ellipse">
-          <a:avLst/>
-        </a:prstGeom>
-        <a:solidFill>
-          <a:schemeClr val="accent1">
-            <a:hueOff val="0"/>
-            <a:satOff val="0"/>
-            <a:lumOff val="0"/>
-            <a:alphaOff val="0"/>
-          </a:schemeClr>
-        </a:solidFill>
-        <a:ln w="10795" cap="flat" cmpd="sng" algn="ctr">
-          <a:solidFill>
-            <a:schemeClr val="lt1">
-              <a:hueOff val="0"/>
-              <a:satOff val="0"/>
-              <a:lumOff val="0"/>
-              <a:alphaOff val="0"/>
-            </a:schemeClr>
-          </a:solidFill>
-          <a:prstDash val="solid"/>
-        </a:ln>
-        <a:effectLst/>
-      </dsp:spPr>
-      <dsp:style>
-        <a:lnRef idx="2">
-          <a:scrgbClr r="0" g="0" b="0"/>
-        </a:lnRef>
-        <a:fillRef idx="1">
-          <a:scrgbClr r="0" g="0" b="0"/>
-        </a:fillRef>
-        <a:effectRef idx="0">
-          <a:scrgbClr r="0" g="0" b="0"/>
-        </a:effectRef>
-        <a:fontRef idx="minor">
-          <a:schemeClr val="lt1"/>
-        </a:fontRef>
-      </dsp:style>
-      <dsp:txBody>
-        <a:bodyPr spcFirstLastPara="0" vert="horz" wrap="square" lIns="11430" tIns="11430" rIns="11430" bIns="11430" numCol="1" spcCol="1270" anchor="ctr" anchorCtr="0">
-          <a:noAutofit/>
-        </a:bodyPr>
-        <a:lstStyle/>
-        <a:p>
-          <a:pPr marL="0" lvl="0" indent="0" algn="ctr" defTabSz="400050">
-            <a:lnSpc>
-              <a:spcPct val="90000"/>
-            </a:lnSpc>
-            <a:spcBef>
-              <a:spcPct val="0"/>
-            </a:spcBef>
-            <a:spcAft>
-              <a:spcPct val="35000"/>
-            </a:spcAft>
-            <a:buNone/>
-          </a:pPr>
-          <a:r>
-            <a:rPr lang="en-US" sz="900" kern="1200" dirty="0"/>
-            <a:t>Test</a:t>
-          </a:r>
-        </a:p>
-      </dsp:txBody>
-      <dsp:txXfrm>
-        <a:off x="1609765" y="628499"/>
-        <a:ext cx="431111" cy="431111"/>
-      </dsp:txXfrm>
-    </dsp:sp>
-    <dsp:sp modelId="{3872CCD2-0516-45C4-AD48-9C6A7CA90B7D}">
-      <dsp:nvSpPr>
-        <dsp:cNvPr id="0" name=""/>
-        <dsp:cNvSpPr/>
-      </dsp:nvSpPr>
-      <dsp:spPr>
-        <a:xfrm rot="6480000">
-          <a:off x="1603842" y="1172602"/>
-          <a:ext cx="162596" cy="205768"/>
-        </a:xfrm>
-        <a:prstGeom prst="rightArrow">
-          <a:avLst>
-            <a:gd name="adj1" fmla="val 60000"/>
-            <a:gd name="adj2" fmla="val 50000"/>
-          </a:avLst>
-        </a:prstGeom>
-        <a:solidFill>
-          <a:schemeClr val="accent1">
-            <a:tint val="60000"/>
-            <a:hueOff val="0"/>
-            <a:satOff val="0"/>
-            <a:lumOff val="0"/>
-            <a:alphaOff val="0"/>
-          </a:schemeClr>
-        </a:solidFill>
-        <a:ln>
-          <a:noFill/>
-        </a:ln>
-        <a:effectLst/>
-      </dsp:spPr>
-      <dsp:style>
-        <a:lnRef idx="0">
-          <a:scrgbClr r="0" g="0" b="0"/>
-        </a:lnRef>
-        <a:fillRef idx="1">
-          <a:scrgbClr r="0" g="0" b="0"/>
-        </a:fillRef>
-        <a:effectRef idx="0">
-          <a:scrgbClr r="0" g="0" b="0"/>
-        </a:effectRef>
-        <a:fontRef idx="minor">
-          <a:schemeClr val="lt1"/>
-        </a:fontRef>
-      </dsp:style>
-      <dsp:txBody>
-        <a:bodyPr spcFirstLastPara="0" vert="horz" wrap="square" lIns="0" tIns="0" rIns="0" bIns="0" numCol="1" spcCol="1270" anchor="ctr" anchorCtr="0">
-          <a:noAutofit/>
-        </a:bodyPr>
-        <a:lstStyle/>
-        <a:p>
-          <a:pPr marL="0" lvl="0" indent="0" algn="ctr" defTabSz="311150">
-            <a:lnSpc>
-              <a:spcPct val="90000"/>
-            </a:lnSpc>
-            <a:spcBef>
-              <a:spcPct val="0"/>
-            </a:spcBef>
-            <a:spcAft>
-              <a:spcPct val="35000"/>
-            </a:spcAft>
-            <a:buNone/>
-          </a:pPr>
-          <a:endParaRPr lang="en-US" sz="700" kern="1200"/>
-        </a:p>
-      </dsp:txBody>
-      <dsp:txXfrm rot="10800000">
-        <a:off x="1635768" y="1190560"/>
-        <a:ext cx="113817" cy="123460"/>
-      </dsp:txXfrm>
-    </dsp:sp>
-    <dsp:sp modelId="{573E983B-764A-4772-B1A2-F269F4179211}">
-      <dsp:nvSpPr>
-        <dsp:cNvPr id="0" name=""/>
-        <dsp:cNvSpPr/>
-      </dsp:nvSpPr>
-      <dsp:spPr>
-        <a:xfrm>
-          <a:off x="1237274" y="1410828"/>
-          <a:ext cx="609683" cy="609683"/>
-        </a:xfrm>
-        <a:prstGeom prst="ellipse">
-          <a:avLst/>
-        </a:prstGeom>
-        <a:solidFill>
-          <a:schemeClr val="accent1">
-            <a:hueOff val="0"/>
-            <a:satOff val="0"/>
-            <a:lumOff val="0"/>
-            <a:alphaOff val="0"/>
-          </a:schemeClr>
-        </a:solidFill>
-        <a:ln w="10795" cap="flat" cmpd="sng" algn="ctr">
-          <a:solidFill>
-            <a:schemeClr val="lt1">
-              <a:hueOff val="0"/>
-              <a:satOff val="0"/>
-              <a:lumOff val="0"/>
-              <a:alphaOff val="0"/>
-            </a:schemeClr>
-          </a:solidFill>
-          <a:prstDash val="solid"/>
-        </a:ln>
-        <a:effectLst/>
-      </dsp:spPr>
-      <dsp:style>
-        <a:lnRef idx="2">
-          <a:scrgbClr r="0" g="0" b="0"/>
-        </a:lnRef>
-        <a:fillRef idx="1">
-          <a:scrgbClr r="0" g="0" b="0"/>
-        </a:fillRef>
-        <a:effectRef idx="0">
-          <a:scrgbClr r="0" g="0" b="0"/>
-        </a:effectRef>
-        <a:fontRef idx="minor">
-          <a:schemeClr val="lt1"/>
-        </a:fontRef>
-      </dsp:style>
-      <dsp:txBody>
-        <a:bodyPr spcFirstLastPara="0" vert="horz" wrap="square" lIns="11430" tIns="11430" rIns="11430" bIns="11430" numCol="1" spcCol="1270" anchor="ctr" anchorCtr="0">
-          <a:noAutofit/>
-        </a:bodyPr>
-        <a:lstStyle/>
-        <a:p>
-          <a:pPr marL="0" lvl="0" indent="0" algn="ctr" defTabSz="400050">
-            <a:lnSpc>
-              <a:spcPct val="90000"/>
-            </a:lnSpc>
-            <a:spcBef>
-              <a:spcPct val="0"/>
-            </a:spcBef>
-            <a:spcAft>
-              <a:spcPct val="35000"/>
-            </a:spcAft>
-            <a:buNone/>
-          </a:pPr>
-          <a:r>
-            <a:rPr lang="en-US" sz="900" kern="1200" dirty="0"/>
-            <a:t>Release</a:t>
-          </a:r>
-        </a:p>
-      </dsp:txBody>
-      <dsp:txXfrm>
-        <a:off x="1326560" y="1500114"/>
-        <a:ext cx="431111" cy="431111"/>
-      </dsp:txXfrm>
-    </dsp:sp>
-    <dsp:sp modelId="{8778FFBA-6EAF-4AE4-9CDD-8111001477BA}">
-      <dsp:nvSpPr>
-        <dsp:cNvPr id="0" name=""/>
-        <dsp:cNvSpPr/>
-      </dsp:nvSpPr>
-      <dsp:spPr>
-        <a:xfrm rot="10800000">
-          <a:off x="1007184" y="1612785"/>
-          <a:ext cx="162596" cy="205768"/>
-        </a:xfrm>
-        <a:prstGeom prst="rightArrow">
-          <a:avLst>
-            <a:gd name="adj1" fmla="val 60000"/>
-            <a:gd name="adj2" fmla="val 50000"/>
-          </a:avLst>
-        </a:prstGeom>
-        <a:solidFill>
-          <a:schemeClr val="accent1">
-            <a:tint val="60000"/>
-            <a:hueOff val="0"/>
-            <a:satOff val="0"/>
-            <a:lumOff val="0"/>
-            <a:alphaOff val="0"/>
-          </a:schemeClr>
-        </a:solidFill>
-        <a:ln>
-          <a:noFill/>
-        </a:ln>
-        <a:effectLst/>
-      </dsp:spPr>
-      <dsp:style>
-        <a:lnRef idx="0">
-          <a:scrgbClr r="0" g="0" b="0"/>
-        </a:lnRef>
-        <a:fillRef idx="1">
-          <a:scrgbClr r="0" g="0" b="0"/>
-        </a:fillRef>
-        <a:effectRef idx="0">
-          <a:scrgbClr r="0" g="0" b="0"/>
-        </a:effectRef>
-        <a:fontRef idx="minor">
-          <a:schemeClr val="lt1"/>
-        </a:fontRef>
-      </dsp:style>
-      <dsp:txBody>
-        <a:bodyPr spcFirstLastPara="0" vert="horz" wrap="square" lIns="0" tIns="0" rIns="0" bIns="0" numCol="1" spcCol="1270" anchor="ctr" anchorCtr="0">
-          <a:noAutofit/>
-        </a:bodyPr>
-        <a:lstStyle/>
-        <a:p>
-          <a:pPr marL="0" lvl="0" indent="0" algn="ctr" defTabSz="311150">
-            <a:lnSpc>
-              <a:spcPct val="90000"/>
-            </a:lnSpc>
-            <a:spcBef>
-              <a:spcPct val="0"/>
-            </a:spcBef>
-            <a:spcAft>
-              <a:spcPct val="35000"/>
-            </a:spcAft>
-            <a:buNone/>
-          </a:pPr>
-          <a:endParaRPr lang="en-US" sz="700" kern="1200"/>
-        </a:p>
-      </dsp:txBody>
-      <dsp:txXfrm rot="10800000">
-        <a:off x="1055963" y="1653939"/>
-        <a:ext cx="113817" cy="123460"/>
-      </dsp:txXfrm>
-    </dsp:sp>
-    <dsp:sp modelId="{FFE636CC-1D68-4F03-9766-767ACA791844}">
-      <dsp:nvSpPr>
-        <dsp:cNvPr id="0" name=""/>
-        <dsp:cNvSpPr/>
-      </dsp:nvSpPr>
-      <dsp:spPr>
-        <a:xfrm>
-          <a:off x="320804" y="1410828"/>
-          <a:ext cx="609683" cy="609683"/>
-        </a:xfrm>
-        <a:prstGeom prst="ellipse">
-          <a:avLst/>
-        </a:prstGeom>
-        <a:solidFill>
-          <a:schemeClr val="accent1">
-            <a:hueOff val="0"/>
-            <a:satOff val="0"/>
-            <a:lumOff val="0"/>
-            <a:alphaOff val="0"/>
-          </a:schemeClr>
-        </a:solidFill>
-        <a:ln w="10795" cap="flat" cmpd="sng" algn="ctr">
-          <a:solidFill>
-            <a:schemeClr val="lt1">
-              <a:hueOff val="0"/>
-              <a:satOff val="0"/>
-              <a:lumOff val="0"/>
-              <a:alphaOff val="0"/>
-            </a:schemeClr>
-          </a:solidFill>
-          <a:prstDash val="solid"/>
-        </a:ln>
-        <a:effectLst/>
-      </dsp:spPr>
-      <dsp:style>
-        <a:lnRef idx="2">
-          <a:scrgbClr r="0" g="0" b="0"/>
-        </a:lnRef>
-        <a:fillRef idx="1">
-          <a:scrgbClr r="0" g="0" b="0"/>
-        </a:fillRef>
-        <a:effectRef idx="0">
-          <a:scrgbClr r="0" g="0" b="0"/>
-        </a:effectRef>
-        <a:fontRef idx="minor">
-          <a:schemeClr val="lt1"/>
-        </a:fontRef>
-      </dsp:style>
-      <dsp:txBody>
-        <a:bodyPr spcFirstLastPara="0" vert="horz" wrap="square" lIns="11430" tIns="11430" rIns="11430" bIns="11430" numCol="1" spcCol="1270" anchor="ctr" anchorCtr="0">
-          <a:noAutofit/>
-        </a:bodyPr>
-        <a:lstStyle/>
-        <a:p>
-          <a:pPr marL="0" lvl="0" indent="0" algn="ctr" defTabSz="400050">
-            <a:lnSpc>
-              <a:spcPct val="90000"/>
-            </a:lnSpc>
-            <a:spcBef>
-              <a:spcPct val="0"/>
-            </a:spcBef>
-            <a:spcAft>
-              <a:spcPct val="35000"/>
-            </a:spcAft>
-            <a:buNone/>
-          </a:pPr>
-          <a:r>
-            <a:rPr lang="en-US" sz="900" kern="1200" dirty="0"/>
-            <a:t>Measure</a:t>
-          </a:r>
-        </a:p>
-      </dsp:txBody>
-      <dsp:txXfrm>
-        <a:off x="410090" y="1500114"/>
-        <a:ext cx="431111" cy="431111"/>
-      </dsp:txXfrm>
-    </dsp:sp>
-    <dsp:sp modelId="{7C4001D0-B375-4EC6-B48A-30B7EF199C1D}">
-      <dsp:nvSpPr>
-        <dsp:cNvPr id="0" name=""/>
-        <dsp:cNvSpPr/>
-      </dsp:nvSpPr>
-      <dsp:spPr>
-        <a:xfrm rot="15120000">
-          <a:off x="404167" y="1181355"/>
-          <a:ext cx="162596" cy="205768"/>
-        </a:xfrm>
-        <a:prstGeom prst="rightArrow">
-          <a:avLst>
-            <a:gd name="adj1" fmla="val 60000"/>
-            <a:gd name="adj2" fmla="val 50000"/>
-          </a:avLst>
-        </a:prstGeom>
-        <a:solidFill>
-          <a:schemeClr val="accent1">
-            <a:tint val="60000"/>
-            <a:hueOff val="0"/>
-            <a:satOff val="0"/>
-            <a:lumOff val="0"/>
-            <a:alphaOff val="0"/>
-          </a:schemeClr>
-        </a:solidFill>
-        <a:ln>
-          <a:noFill/>
-        </a:ln>
-        <a:effectLst/>
-      </dsp:spPr>
-      <dsp:style>
-        <a:lnRef idx="0">
-          <a:scrgbClr r="0" g="0" b="0"/>
-        </a:lnRef>
-        <a:fillRef idx="1">
-          <a:scrgbClr r="0" g="0" b="0"/>
-        </a:fillRef>
-        <a:effectRef idx="0">
-          <a:scrgbClr r="0" g="0" b="0"/>
-        </a:effectRef>
-        <a:fontRef idx="minor">
-          <a:schemeClr val="lt1"/>
-        </a:fontRef>
-      </dsp:style>
-      <dsp:txBody>
-        <a:bodyPr spcFirstLastPara="0" vert="horz" wrap="square" lIns="0" tIns="0" rIns="0" bIns="0" numCol="1" spcCol="1270" anchor="ctr" anchorCtr="0">
-          <a:noAutofit/>
-        </a:bodyPr>
-        <a:lstStyle/>
-        <a:p>
-          <a:pPr marL="0" lvl="0" indent="0" algn="ctr" defTabSz="311150">
-            <a:lnSpc>
-              <a:spcPct val="90000"/>
-            </a:lnSpc>
-            <a:spcBef>
-              <a:spcPct val="0"/>
-            </a:spcBef>
-            <a:spcAft>
-              <a:spcPct val="35000"/>
-            </a:spcAft>
-            <a:buNone/>
-          </a:pPr>
-          <a:endParaRPr lang="en-US" sz="700" kern="1200"/>
-        </a:p>
-      </dsp:txBody>
-      <dsp:txXfrm rot="10800000">
-        <a:off x="436093" y="1245705"/>
-        <a:ext cx="113817" cy="123460"/>
-      </dsp:txXfrm>
-    </dsp:sp>
-    <dsp:sp modelId="{7F83799A-03F8-4762-8C61-0C4EB7BC8AE0}">
-      <dsp:nvSpPr>
-        <dsp:cNvPr id="0" name=""/>
-        <dsp:cNvSpPr/>
-      </dsp:nvSpPr>
-      <dsp:spPr>
-        <a:xfrm>
-          <a:off x="37600" y="539213"/>
-          <a:ext cx="609683" cy="609683"/>
-        </a:xfrm>
-        <a:prstGeom prst="ellipse">
-          <a:avLst/>
-        </a:prstGeom>
-        <a:solidFill>
-          <a:schemeClr val="accent1">
-            <a:hueOff val="0"/>
-            <a:satOff val="0"/>
-            <a:lumOff val="0"/>
-            <a:alphaOff val="0"/>
-          </a:schemeClr>
-        </a:solidFill>
-        <a:ln w="10795" cap="flat" cmpd="sng" algn="ctr">
-          <a:solidFill>
-            <a:schemeClr val="lt1">
-              <a:hueOff val="0"/>
-              <a:satOff val="0"/>
-              <a:lumOff val="0"/>
-              <a:alphaOff val="0"/>
-            </a:schemeClr>
-          </a:solidFill>
-          <a:prstDash val="solid"/>
-        </a:ln>
-        <a:effectLst/>
-      </dsp:spPr>
-      <dsp:style>
-        <a:lnRef idx="2">
-          <a:scrgbClr r="0" g="0" b="0"/>
-        </a:lnRef>
-        <a:fillRef idx="1">
-          <a:scrgbClr r="0" g="0" b="0"/>
-        </a:fillRef>
-        <a:effectRef idx="0">
-          <a:scrgbClr r="0" g="0" b="0"/>
-        </a:effectRef>
-        <a:fontRef idx="minor">
-          <a:schemeClr val="lt1"/>
-        </a:fontRef>
-      </dsp:style>
-      <dsp:txBody>
-        <a:bodyPr spcFirstLastPara="0" vert="horz" wrap="square" lIns="11430" tIns="11430" rIns="11430" bIns="11430" numCol="1" spcCol="1270" anchor="ctr" anchorCtr="0">
-          <a:noAutofit/>
-        </a:bodyPr>
-        <a:lstStyle/>
-        <a:p>
-          <a:pPr marL="0" lvl="0" indent="0" algn="ctr" defTabSz="400050">
-            <a:lnSpc>
-              <a:spcPct val="90000"/>
-            </a:lnSpc>
-            <a:spcBef>
-              <a:spcPct val="0"/>
-            </a:spcBef>
-            <a:spcAft>
-              <a:spcPct val="35000"/>
-            </a:spcAft>
-            <a:buNone/>
-          </a:pPr>
-          <a:r>
-            <a:rPr lang="en-US" sz="900" kern="1200" dirty="0"/>
-            <a:t>Adapt</a:t>
-          </a:r>
-        </a:p>
-      </dsp:txBody>
-      <dsp:txXfrm>
-        <a:off x="126886" y="628499"/>
-        <a:ext cx="431111" cy="431111"/>
-      </dsp:txXfrm>
-    </dsp:sp>
-    <dsp:sp modelId="{051F7C30-9F90-4A4C-BF5D-5FFA9564171A}">
-      <dsp:nvSpPr>
-        <dsp:cNvPr id="0" name=""/>
-        <dsp:cNvSpPr/>
-      </dsp:nvSpPr>
-      <dsp:spPr>
-        <a:xfrm rot="19440000">
-          <a:off x="628140" y="474532"/>
-          <a:ext cx="162596" cy="205768"/>
-        </a:xfrm>
-        <a:prstGeom prst="rightArrow">
-          <a:avLst>
-            <a:gd name="adj1" fmla="val 60000"/>
-            <a:gd name="adj2" fmla="val 50000"/>
-          </a:avLst>
-        </a:prstGeom>
-        <a:solidFill>
-          <a:schemeClr val="accent1">
-            <a:tint val="60000"/>
-            <a:hueOff val="0"/>
-            <a:satOff val="0"/>
-            <a:lumOff val="0"/>
-            <a:alphaOff val="0"/>
-          </a:schemeClr>
-        </a:solidFill>
-        <a:ln>
-          <a:noFill/>
-        </a:ln>
-        <a:effectLst/>
-      </dsp:spPr>
-      <dsp:style>
-        <a:lnRef idx="0">
-          <a:scrgbClr r="0" g="0" b="0"/>
-        </a:lnRef>
-        <a:fillRef idx="1">
-          <a:scrgbClr r="0" g="0" b="0"/>
-        </a:fillRef>
-        <a:effectRef idx="0">
-          <a:scrgbClr r="0" g="0" b="0"/>
-        </a:effectRef>
-        <a:fontRef idx="minor">
-          <a:schemeClr val="lt1"/>
-        </a:fontRef>
-      </dsp:style>
-      <dsp:txBody>
-        <a:bodyPr spcFirstLastPara="0" vert="horz" wrap="square" lIns="0" tIns="0" rIns="0" bIns="0" numCol="1" spcCol="1270" anchor="ctr" anchorCtr="0">
-          <a:noAutofit/>
-        </a:bodyPr>
-        <a:lstStyle/>
-        <a:p>
-          <a:pPr marL="0" lvl="0" indent="0" algn="ctr" defTabSz="311150">
-            <a:lnSpc>
-              <a:spcPct val="90000"/>
-            </a:lnSpc>
-            <a:spcBef>
-              <a:spcPct val="0"/>
-            </a:spcBef>
-            <a:spcAft>
-              <a:spcPct val="35000"/>
-            </a:spcAft>
-            <a:buNone/>
-          </a:pPr>
-          <a:endParaRPr lang="en-US" sz="700" kern="1200"/>
-        </a:p>
-      </dsp:txBody>
-      <dsp:txXfrm>
-        <a:off x="632798" y="530022"/>
-        <a:ext cx="113817" cy="123460"/>
-      </dsp:txXfrm>
-    </dsp:sp>
-  </dsp:spTree>
-</dsp:drawing>
-</file>
-
-<file path=ppt/diagrams/drawing3.xml><?xml version="1.0" encoding="utf-8"?>
-<dsp:drawing xmlns:dgm="http://schemas.openxmlformats.org/drawingml/2006/diagram" xmlns:dsp="http://schemas.microsoft.com/office/drawing/2008/diagram" xmlns:a="http://schemas.openxmlformats.org/drawingml/2006/main">
-  <dsp:spTree>
-    <dsp:nvGrpSpPr>
-      <dsp:cNvPr id="0" name=""/>
-      <dsp:cNvGrpSpPr/>
-    </dsp:nvGrpSpPr>
-    <dsp:grpSpPr/>
     <dsp:sp modelId="{E03C1520-5773-492E-8149-D54D5D566348}">
       <dsp:nvSpPr>
         <dsp:cNvPr id="0" name=""/>
@@ -9097,7 +7269,7 @@
 </dsp:drawing>
 </file>
 
-<file path=ppt/diagrams/drawing4.xml><?xml version="1.0" encoding="utf-8"?>
+<file path=ppt/diagrams/drawing3.xml><?xml version="1.0" encoding="utf-8"?>
 <dsp:drawing xmlns:dgm="http://schemas.openxmlformats.org/drawingml/2006/diagram" xmlns:dsp="http://schemas.microsoft.com/office/drawing/2008/diagram" xmlns:a="http://schemas.openxmlformats.org/drawingml/2006/main">
   <dsp:spTree>
     <dsp:nvGrpSpPr>
@@ -9560,7 +7732,7 @@
 </dsp:drawing>
 </file>
 
-<file path=ppt/diagrams/drawing5.xml><?xml version="1.0" encoding="utf-8"?>
+<file path=ppt/diagrams/drawing4.xml><?xml version="1.0" encoding="utf-8"?>
 <dsp:drawing xmlns:dgm="http://schemas.openxmlformats.org/drawingml/2006/diagram" xmlns:dsp="http://schemas.microsoft.com/office/drawing/2008/diagram" xmlns:a="http://schemas.openxmlformats.org/drawingml/2006/main">
   <dsp:spTree>
     <dsp:nvGrpSpPr>
@@ -10016,7 +8188,7 @@
 </dsp:drawing>
 </file>
 
-<file path=ppt/diagrams/drawing6.xml><?xml version="1.0" encoding="utf-8"?>
+<file path=ppt/diagrams/drawing5.xml><?xml version="1.0" encoding="utf-8"?>
 <dsp:drawing xmlns:dgm="http://schemas.openxmlformats.org/drawingml/2006/diagram" xmlns:dsp="http://schemas.microsoft.com/office/drawing/2008/diagram" xmlns:a="http://schemas.openxmlformats.org/drawingml/2006/main">
   <dsp:spTree>
     <dsp:nvGrpSpPr>
@@ -10983,12 +9155,13 @@
 </file>
 
 <file path=ppt/diagrams/layout2.xml><?xml version="1.0" encoding="utf-8"?>
-<dgm:layoutDef xmlns:dgm="http://schemas.openxmlformats.org/drawingml/2006/diagram" xmlns:a="http://schemas.openxmlformats.org/drawingml/2006/main" uniqueId="urn:microsoft.com/office/officeart/2005/8/layout/cycle2">
+<dgm:layoutDef xmlns:dgm="http://schemas.openxmlformats.org/drawingml/2006/diagram" xmlns:a="http://schemas.openxmlformats.org/drawingml/2006/main" uniqueId="urn:microsoft.com/office/officeart/2005/8/layout/chevron2">
   <dgm:title val=""/>
   <dgm:desc val=""/>
   <dgm:catLst>
-    <dgm:cat type="cycle" pri="1000"/>
-    <dgm:cat type="convert" pri="10000"/>
+    <dgm:cat type="process" pri="12000"/>
+    <dgm:cat type="list" pri="16000"/>
+    <dgm:cat type="convert" pri="11000"/>
   </dgm:catLst>
   <dgm:sampData>
     <dgm:dataModel>
@@ -10997,25 +9170,41 @@
         <dgm:pt modelId="1">
           <dgm:prSet phldr="1"/>
         </dgm:pt>
+        <dgm:pt modelId="11">
+          <dgm:prSet phldr="1"/>
+        </dgm:pt>
+        <dgm:pt modelId="12">
+          <dgm:prSet phldr="1"/>
+        </dgm:pt>
         <dgm:pt modelId="2">
+          <dgm:prSet phldr="1"/>
+        </dgm:pt>
+        <dgm:pt modelId="21">
+          <dgm:prSet phldr="1"/>
+        </dgm:pt>
+        <dgm:pt modelId="22">
           <dgm:prSet phldr="1"/>
         </dgm:pt>
         <dgm:pt modelId="3">
           <dgm:prSet phldr="1"/>
         </dgm:pt>
-        <dgm:pt modelId="4">
+        <dgm:pt modelId="31">
           <dgm:prSet phldr="1"/>
         </dgm:pt>
-        <dgm:pt modelId="5">
+        <dgm:pt modelId="32">
           <dgm:prSet phldr="1"/>
         </dgm:pt>
       </dgm:ptLst>
       <dgm:cxnLst>
-        <dgm:cxn modelId="6" srcId="0" destId="1" srcOrd="0" destOrd="0"/>
-        <dgm:cxn modelId="7" srcId="0" destId="2" srcOrd="1" destOrd="0"/>
-        <dgm:cxn modelId="8" srcId="0" destId="3" srcOrd="2" destOrd="0"/>
-        <dgm:cxn modelId="9" srcId="0" destId="4" srcOrd="3" destOrd="0"/>
-        <dgm:cxn modelId="10" srcId="0" destId="5" srcOrd="4" destOrd="0"/>
+        <dgm:cxn modelId="4" srcId="0" destId="1" srcOrd="0" destOrd="0"/>
+        <dgm:cxn modelId="5" srcId="0" destId="2" srcOrd="1" destOrd="0"/>
+        <dgm:cxn modelId="6" srcId="0" destId="3" srcOrd="2" destOrd="0"/>
+        <dgm:cxn modelId="13" srcId="1" destId="11" srcOrd="0" destOrd="0"/>
+        <dgm:cxn modelId="14" srcId="1" destId="12" srcOrd="1" destOrd="0"/>
+        <dgm:cxn modelId="23" srcId="2" destId="21" srcOrd="0" destOrd="0"/>
+        <dgm:cxn modelId="24" srcId="2" destId="22" srcOrd="1" destOrd="0"/>
+        <dgm:cxn modelId="33" srcId="3" destId="31" srcOrd="0" destOrd="0"/>
+        <dgm:cxn modelId="34" srcId="3" destId="32" srcOrd="1" destOrd="0"/>
       </dgm:cxnLst>
       <dgm:bg/>
       <dgm:whole/>
@@ -11026,13 +9215,9 @@
       <dgm:ptLst>
         <dgm:pt modelId="0" type="doc"/>
         <dgm:pt modelId="1"/>
-        <dgm:pt modelId="2"/>
-        <dgm:pt modelId="3"/>
       </dgm:ptLst>
       <dgm:cxnLst>
         <dgm:cxn modelId="4" srcId="0" destId="1" srcOrd="0" destOrd="0"/>
-        <dgm:cxn modelId="5" srcId="0" destId="2" srcOrd="1" destOrd="0"/>
-        <dgm:cxn modelId="6" srcId="0" destId="3" srcOrd="2" destOrd="0"/>
       </dgm:cxnLst>
       <dgm:bg/>
       <dgm:whole/>
@@ -11043,151 +9228,183 @@
       <dgm:ptLst>
         <dgm:pt modelId="0" type="doc"/>
         <dgm:pt modelId="1"/>
+        <dgm:pt modelId="11"/>
         <dgm:pt modelId="2"/>
+        <dgm:pt modelId="21"/>
         <dgm:pt modelId="3"/>
+        <dgm:pt modelId="31"/>
         <dgm:pt modelId="4"/>
-        <dgm:pt modelId="5"/>
-        <dgm:pt modelId="6"/>
+        <dgm:pt modelId="41"/>
       </dgm:ptLst>
       <dgm:cxnLst>
-        <dgm:cxn modelId="7" srcId="0" destId="1" srcOrd="0" destOrd="0"/>
-        <dgm:cxn modelId="8" srcId="0" destId="2" srcOrd="1" destOrd="0"/>
-        <dgm:cxn modelId="9" srcId="0" destId="3" srcOrd="2" destOrd="0"/>
-        <dgm:cxn modelId="10" srcId="0" destId="4" srcOrd="3" destOrd="0"/>
-        <dgm:cxn modelId="11" srcId="0" destId="5" srcOrd="4" destOrd="0"/>
-        <dgm:cxn modelId="12" srcId="0" destId="6" srcOrd="5" destOrd="0"/>
+        <dgm:cxn modelId="5" srcId="0" destId="1" srcOrd="0" destOrd="0"/>
+        <dgm:cxn modelId="6" srcId="0" destId="2" srcOrd="1" destOrd="0"/>
+        <dgm:cxn modelId="7" srcId="0" destId="3" srcOrd="2" destOrd="0"/>
+        <dgm:cxn modelId="8" srcId="0" destId="4" srcOrd="3" destOrd="0"/>
+        <dgm:cxn modelId="13" srcId="1" destId="11" srcOrd="0" destOrd="0"/>
+        <dgm:cxn modelId="23" srcId="2" destId="21" srcOrd="0" destOrd="0"/>
+        <dgm:cxn modelId="33" srcId="3" destId="31" srcOrd="0" destOrd="0"/>
+        <dgm:cxn modelId="43" srcId="4" destId="41" srcOrd="0" destOrd="0"/>
       </dgm:cxnLst>
       <dgm:bg/>
       <dgm:whole/>
     </dgm:dataModel>
   </dgm:clrData>
-  <dgm:layoutNode name="cycle">
+  <dgm:layoutNode name="linearFlow">
     <dgm:varLst>
       <dgm:dir/>
+      <dgm:animLvl val="lvl"/>
       <dgm:resizeHandles val="exact"/>
     </dgm:varLst>
-    <dgm:choose name="Name0">
-      <dgm:if name="Name1" func="var" arg="dir" op="equ" val="norm">
-        <dgm:choose name="Name2">
-          <dgm:if name="Name3" axis="ch" ptType="node" func="cnt" op="gt" val="2">
-            <dgm:alg type="cycle">
-              <dgm:param type="stAng" val="0"/>
-              <dgm:param type="spanAng" val="360"/>
-            </dgm:alg>
-          </dgm:if>
-          <dgm:else name="Name4">
-            <dgm:alg type="cycle">
-              <dgm:param type="stAng" val="-90"/>
-              <dgm:param type="spanAng" val="360"/>
-            </dgm:alg>
-          </dgm:else>
-        </dgm:choose>
-      </dgm:if>
-      <dgm:else name="Name5">
-        <dgm:choose name="Name6">
-          <dgm:if name="Name7" axis="ch" ptType="node" func="cnt" op="gt" val="2">
-            <dgm:alg type="cycle">
-              <dgm:param type="stAng" val="0"/>
-              <dgm:param type="spanAng" val="-360"/>
-            </dgm:alg>
-          </dgm:if>
-          <dgm:else name="Name8">
-            <dgm:alg type="cycle">
-              <dgm:param type="stAng" val="90"/>
-              <dgm:param type="spanAng" val="-360"/>
-            </dgm:alg>
-          </dgm:else>
-        </dgm:choose>
-      </dgm:else>
-    </dgm:choose>
+    <dgm:alg type="lin">
+      <dgm:param type="linDir" val="fromT"/>
+      <dgm:param type="nodeHorzAlign" val="l"/>
+    </dgm:alg>
     <dgm:shape xmlns:r="http://schemas.openxmlformats.org/officeDocument/2006/relationships" r:blip="">
       <dgm:adjLst/>
     </dgm:shape>
     <dgm:presOf/>
     <dgm:constrLst>
-      <dgm:constr type="w" for="ch" ptType="node" refType="w"/>
-      <dgm:constr type="w" for="ch" ptType="sibTrans" refType="w" refFor="ch" refPtType="node" op="equ" fact="0.25"/>
-      <dgm:constr type="sibSp" refType="w" refFor="ch" refPtType="node" fact="0.5"/>
-      <dgm:constr type="primFontSz" for="ch" ptType="node" op="equ" val="65"/>
-      <dgm:constr type="primFontSz" for="des" forName="connectorText" op="equ" val="55"/>
-      <dgm:constr type="primFontSz" for="des" forName="connectorText" refType="primFontSz" refFor="ch" refPtType="node" op="lte" fact="0.8"/>
+      <dgm:constr type="h" for="ch" forName="composite" refType="h"/>
+      <dgm:constr type="w" for="ch" forName="composite" refType="w"/>
+      <dgm:constr type="h" for="des" forName="parentText" op="equ"/>
+      <dgm:constr type="h" for="ch" forName="sp" val="-14.88"/>
+      <dgm:constr type="h" for="ch" forName="sp" refType="w" refFor="des" refForName="parentText" op="gte" fact="-0.3"/>
+      <dgm:constr type="primFontSz" for="des" forName="parentText" op="equ" val="65"/>
+      <dgm:constr type="primFontSz" for="des" forName="descendantText" op="equ" val="65"/>
     </dgm:constrLst>
     <dgm:ruleLst/>
-    <dgm:forEach name="nodesForEach" axis="ch" ptType="node">
-      <dgm:layoutNode name="node">
-        <dgm:varLst>
-          <dgm:bulletEnabled val="1"/>
-        </dgm:varLst>
-        <dgm:alg type="tx">
-          <dgm:param type="txAnchorVertCh" val="mid"/>
-        </dgm:alg>
-        <dgm:shape xmlns:r="http://schemas.openxmlformats.org/officeDocument/2006/relationships" type="ellipse" r:blip="">
+    <dgm:forEach name="Name0" axis="ch" ptType="node">
+      <dgm:layoutNode name="composite">
+        <dgm:alg type="composite"/>
+        <dgm:shape xmlns:r="http://schemas.openxmlformats.org/officeDocument/2006/relationships" r:blip="">
           <dgm:adjLst/>
         </dgm:shape>
-        <dgm:presOf axis="desOrSelf" ptType="node"/>
-        <dgm:constrLst>
-          <dgm:constr type="h" refType="w"/>
-          <dgm:constr type="lMarg" refType="primFontSz" fact="0.1"/>
-          <dgm:constr type="rMarg" refType="primFontSz" fact="0.1"/>
-          <dgm:constr type="tMarg" refType="primFontSz" fact="0.1"/>
-          <dgm:constr type="bMarg" refType="primFontSz" fact="0.1"/>
-        </dgm:constrLst>
-        <dgm:ruleLst>
-          <dgm:rule type="primFontSz" val="5" fact="NaN" max="NaN"/>
-        </dgm:ruleLst>
-      </dgm:layoutNode>
-      <dgm:choose name="Name9">
-        <dgm:if name="Name10" axis="par ch" ptType="doc node" func="cnt" op="gt" val="1">
-          <dgm:forEach name="sibTransForEach" axis="followSib" ptType="sibTrans" hideLastTrans="0" cnt="1">
-            <dgm:layoutNode name="sibTrans">
-              <dgm:choose name="Name11">
-                <dgm:if name="Name12" axis="par ch" ptType="doc node" func="cnt" op="lt" val="3">
-                  <dgm:alg type="conn">
-                    <dgm:param type="begPts" val="radial"/>
-                    <dgm:param type="endPts" val="radial"/>
-                  </dgm:alg>
-                </dgm:if>
-                <dgm:else name="Name13">
-                  <dgm:alg type="conn">
-                    <dgm:param type="begPts" val="auto"/>
-                    <dgm:param type="endPts" val="auto"/>
-                  </dgm:alg>
-                </dgm:else>
-              </dgm:choose>
-              <dgm:shape xmlns:r="http://schemas.openxmlformats.org/officeDocument/2006/relationships" type="conn" r:blip="">
+        <dgm:presOf/>
+        <dgm:choose name="Name1">
+          <dgm:if name="Name2" func="var" arg="dir" op="equ" val="norm">
+            <dgm:constrLst>
+              <dgm:constr type="t" for="ch" forName="parentText"/>
+              <dgm:constr type="l" for="ch" forName="parentText"/>
+              <dgm:constr type="w" for="ch" forName="parentText" refType="w" fact="0.4"/>
+              <dgm:constr type="h" for="ch" forName="parentText" refType="h"/>
+              <dgm:constr type="w" for="ch" forName="parentText" refType="w" op="lte" fact="0.5"/>
+              <dgm:constr type="w" for="ch" forName="parentText" refType="h" refFor="ch" refForName="parentText" op="lte" fact="0.7"/>
+              <dgm:constr type="h" for="ch" forName="parentText" refType="w" refFor="ch" refForName="parentText" op="lte" fact="3"/>
+              <dgm:constr type="l" for="ch" forName="descendantText" refType="w" refFor="ch" refForName="parentText"/>
+              <dgm:constr type="w" for="ch" forName="descendantText" refType="w"/>
+              <dgm:constr type="wOff" for="ch" forName="descendantText" refType="w" refFor="ch" refForName="parentText" fact="-1"/>
+              <dgm:constr type="t" for="ch" forName="descendantText"/>
+              <dgm:constr type="b" for="ch" forName="descendantText" refType="h" refFor="ch" refForName="parentText"/>
+              <dgm:constr type="bOff" for="ch" forName="descendantText" refType="w" refFor="ch" refForName="parentText" fact="-0.5"/>
+            </dgm:constrLst>
+          </dgm:if>
+          <dgm:else name="Name3">
+            <dgm:constrLst>
+              <dgm:constr type="t" for="ch" forName="parentText"/>
+              <dgm:constr type="r" for="ch" forName="parentText" refType="w"/>
+              <dgm:constr type="w" for="ch" forName="parentText" refType="w" fact="0.4"/>
+              <dgm:constr type="h" for="ch" forName="parentText" refType="h"/>
+              <dgm:constr type="w" for="ch" forName="parentText" refType="w" op="lte" fact="0.5"/>
+              <dgm:constr type="w" for="ch" forName="parentText" refType="h" refFor="ch" refForName="parentText" op="lte" fact="0.7"/>
+              <dgm:constr type="h" for="ch" forName="parentText" refType="w" refFor="ch" refForName="parentText" op="lte" fact="3"/>
+              <dgm:constr type="l" for="ch" forName="descendantText"/>
+              <dgm:constr type="w" for="ch" forName="descendantText" refType="w"/>
+              <dgm:constr type="wOff" for="ch" forName="descendantText" refType="w" refFor="ch" refForName="parentText" fact="-1"/>
+              <dgm:constr type="t" for="ch" forName="descendantText"/>
+              <dgm:constr type="b" for="ch" forName="descendantText" refType="h" refFor="ch" refForName="parentText"/>
+              <dgm:constr type="bOff" for="ch" forName="descendantText" refType="w" refFor="ch" refForName="parentText" fact="-0.5"/>
+            </dgm:constrLst>
+          </dgm:else>
+        </dgm:choose>
+        <dgm:ruleLst/>
+        <dgm:layoutNode name="parentText" styleLbl="alignNode1">
+          <dgm:varLst>
+            <dgm:chMax val="1"/>
+            <dgm:bulletEnabled val="1"/>
+          </dgm:varLst>
+          <dgm:alg type="tx"/>
+          <dgm:shape xmlns:r="http://schemas.openxmlformats.org/officeDocument/2006/relationships" rot="90" type="chevron" r:blip="">
+            <dgm:adjLst/>
+          </dgm:shape>
+          <dgm:presOf axis="self" ptType="node"/>
+          <dgm:constrLst>
+            <dgm:constr type="lMarg" refType="primFontSz" fact="0.05"/>
+            <dgm:constr type="rMarg" refType="primFontSz" fact="0.05"/>
+            <dgm:constr type="tMarg" refType="primFontSz" fact="0.05"/>
+            <dgm:constr type="bMarg" refType="primFontSz" fact="0.05"/>
+          </dgm:constrLst>
+          <dgm:ruleLst>
+            <dgm:rule type="h" val="100" fact="NaN" max="NaN"/>
+            <dgm:rule type="primFontSz" val="24" fact="NaN" max="NaN"/>
+            <dgm:rule type="h" val="110" fact="NaN" max="NaN"/>
+            <dgm:rule type="primFontSz" val="18" fact="NaN" max="NaN"/>
+            <dgm:rule type="h" val="INF" fact="NaN" max="NaN"/>
+            <dgm:rule type="primFontSz" val="5" fact="NaN" max="NaN"/>
+          </dgm:ruleLst>
+        </dgm:layoutNode>
+        <dgm:layoutNode name="descendantText" styleLbl="alignAcc1">
+          <dgm:varLst>
+            <dgm:bulletEnabled val="1"/>
+          </dgm:varLst>
+          <dgm:choose name="Name4">
+            <dgm:if name="Name5" func="var" arg="dir" op="equ" val="norm">
+              <dgm:alg type="tx">
+                <dgm:param type="stBulletLvl" val="1"/>
+                <dgm:param type="txAnchorVertCh" val="mid"/>
+              </dgm:alg>
+              <dgm:shape xmlns:r="http://schemas.openxmlformats.org/officeDocument/2006/relationships" rot="90" type="round2SameRect" r:blip="">
                 <dgm:adjLst/>
               </dgm:shape>
-              <dgm:presOf axis="self"/>
+            </dgm:if>
+            <dgm:else name="Name6">
+              <dgm:alg type="tx">
+                <dgm:param type="stBulletLvl" val="1"/>
+                <dgm:param type="txAnchorVertCh" val="mid"/>
+              </dgm:alg>
+              <dgm:shape xmlns:r="http://schemas.openxmlformats.org/officeDocument/2006/relationships" rot="-90" type="round2SameRect" r:blip="">
+                <dgm:adjLst/>
+              </dgm:shape>
+            </dgm:else>
+          </dgm:choose>
+          <dgm:presOf axis="des" ptType="node"/>
+          <dgm:choose name="Name7">
+            <dgm:if name="Name8" func="var" arg="dir" op="equ" val="norm">
               <dgm:constrLst>
-                <dgm:constr type="h" refType="w" fact="1.35"/>
-                <dgm:constr type="connDist"/>
-                <dgm:constr type="w" for="ch" refType="connDist" fact="0.45"/>
-                <dgm:constr type="h" for="ch" refType="h"/>
+                <dgm:constr type="secFontSz" refType="primFontSz"/>
+                <dgm:constr type="tMarg" refType="primFontSz" fact="0.05"/>
+                <dgm:constr type="bMarg" refType="primFontSz" fact="0.05"/>
+                <dgm:constr type="rMarg" refType="primFontSz" fact="0.05"/>
               </dgm:constrLst>
-              <dgm:ruleLst/>
-              <dgm:layoutNode name="connectorText">
-                <dgm:alg type="tx">
-                  <dgm:param type="autoTxRot" val="grav"/>
-                </dgm:alg>
-                <dgm:shape xmlns:r="http://schemas.openxmlformats.org/officeDocument/2006/relationships" type="conn" r:blip="" hideGeom="1">
-                  <dgm:adjLst/>
-                </dgm:shape>
-                <dgm:presOf axis="self"/>
-                <dgm:constrLst>
-                  <dgm:constr type="lMarg"/>
-                  <dgm:constr type="rMarg"/>
-                  <dgm:constr type="tMarg"/>
-                  <dgm:constr type="bMarg"/>
-                </dgm:constrLst>
-                <dgm:ruleLst>
-                  <dgm:rule type="primFontSz" val="5" fact="NaN" max="NaN"/>
-                </dgm:ruleLst>
-              </dgm:layoutNode>
-            </dgm:layoutNode>
-          </dgm:forEach>
-        </dgm:if>
-        <dgm:else name="Name14"/>
-      </dgm:choose>
+            </dgm:if>
+            <dgm:else name="Name9">
+              <dgm:constrLst>
+                <dgm:constr type="secFontSz" refType="primFontSz"/>
+                <dgm:constr type="tMarg" refType="primFontSz" fact="0.05"/>
+                <dgm:constr type="bMarg" refType="primFontSz" fact="0.05"/>
+                <dgm:constr type="lMarg" refType="primFontSz" fact="0.05"/>
+              </dgm:constrLst>
+            </dgm:else>
+          </dgm:choose>
+          <dgm:ruleLst>
+            <dgm:rule type="primFontSz" val="5" fact="NaN" max="NaN"/>
+          </dgm:ruleLst>
+        </dgm:layoutNode>
+      </dgm:layoutNode>
+      <dgm:forEach name="Name10" axis="followSib" ptType="sibTrans" cnt="1">
+        <dgm:layoutNode name="sp">
+          <dgm:alg type="sp"/>
+          <dgm:shape xmlns:r="http://schemas.openxmlformats.org/officeDocument/2006/relationships" r:blip="">
+            <dgm:adjLst/>
+          </dgm:shape>
+          <dgm:presOf axis="self"/>
+          <dgm:constrLst>
+            <dgm:constr type="w" val="1"/>
+            <dgm:constr type="h" val="37.5"/>
+          </dgm:constrLst>
+          <dgm:ruleLst/>
+        </dgm:layoutNode>
+      </dgm:forEach>
     </dgm:forEach>
   </dgm:layoutNode>
 </dgm:layoutDef>
@@ -11706,262 +9923,6 @@
 </file>
 
 <file path=ppt/diagrams/layout5.xml><?xml version="1.0" encoding="utf-8"?>
-<dgm:layoutDef xmlns:dgm="http://schemas.openxmlformats.org/drawingml/2006/diagram" xmlns:a="http://schemas.openxmlformats.org/drawingml/2006/main" uniqueId="urn:microsoft.com/office/officeart/2005/8/layout/chevron2">
-  <dgm:title val=""/>
-  <dgm:desc val=""/>
-  <dgm:catLst>
-    <dgm:cat type="process" pri="12000"/>
-    <dgm:cat type="list" pri="16000"/>
-    <dgm:cat type="convert" pri="11000"/>
-  </dgm:catLst>
-  <dgm:sampData>
-    <dgm:dataModel>
-      <dgm:ptLst>
-        <dgm:pt modelId="0" type="doc"/>
-        <dgm:pt modelId="1">
-          <dgm:prSet phldr="1"/>
-        </dgm:pt>
-        <dgm:pt modelId="11">
-          <dgm:prSet phldr="1"/>
-        </dgm:pt>
-        <dgm:pt modelId="12">
-          <dgm:prSet phldr="1"/>
-        </dgm:pt>
-        <dgm:pt modelId="2">
-          <dgm:prSet phldr="1"/>
-        </dgm:pt>
-        <dgm:pt modelId="21">
-          <dgm:prSet phldr="1"/>
-        </dgm:pt>
-        <dgm:pt modelId="22">
-          <dgm:prSet phldr="1"/>
-        </dgm:pt>
-        <dgm:pt modelId="3">
-          <dgm:prSet phldr="1"/>
-        </dgm:pt>
-        <dgm:pt modelId="31">
-          <dgm:prSet phldr="1"/>
-        </dgm:pt>
-        <dgm:pt modelId="32">
-          <dgm:prSet phldr="1"/>
-        </dgm:pt>
-      </dgm:ptLst>
-      <dgm:cxnLst>
-        <dgm:cxn modelId="4" srcId="0" destId="1" srcOrd="0" destOrd="0"/>
-        <dgm:cxn modelId="5" srcId="0" destId="2" srcOrd="1" destOrd="0"/>
-        <dgm:cxn modelId="6" srcId="0" destId="3" srcOrd="2" destOrd="0"/>
-        <dgm:cxn modelId="13" srcId="1" destId="11" srcOrd="0" destOrd="0"/>
-        <dgm:cxn modelId="14" srcId="1" destId="12" srcOrd="1" destOrd="0"/>
-        <dgm:cxn modelId="23" srcId="2" destId="21" srcOrd="0" destOrd="0"/>
-        <dgm:cxn modelId="24" srcId="2" destId="22" srcOrd="1" destOrd="0"/>
-        <dgm:cxn modelId="33" srcId="3" destId="31" srcOrd="0" destOrd="0"/>
-        <dgm:cxn modelId="34" srcId="3" destId="32" srcOrd="1" destOrd="0"/>
-      </dgm:cxnLst>
-      <dgm:bg/>
-      <dgm:whole/>
-    </dgm:dataModel>
-  </dgm:sampData>
-  <dgm:styleData>
-    <dgm:dataModel>
-      <dgm:ptLst>
-        <dgm:pt modelId="0" type="doc"/>
-        <dgm:pt modelId="1"/>
-      </dgm:ptLst>
-      <dgm:cxnLst>
-        <dgm:cxn modelId="4" srcId="0" destId="1" srcOrd="0" destOrd="0"/>
-      </dgm:cxnLst>
-      <dgm:bg/>
-      <dgm:whole/>
-    </dgm:dataModel>
-  </dgm:styleData>
-  <dgm:clrData>
-    <dgm:dataModel>
-      <dgm:ptLst>
-        <dgm:pt modelId="0" type="doc"/>
-        <dgm:pt modelId="1"/>
-        <dgm:pt modelId="11"/>
-        <dgm:pt modelId="2"/>
-        <dgm:pt modelId="21"/>
-        <dgm:pt modelId="3"/>
-        <dgm:pt modelId="31"/>
-        <dgm:pt modelId="4"/>
-        <dgm:pt modelId="41"/>
-      </dgm:ptLst>
-      <dgm:cxnLst>
-        <dgm:cxn modelId="5" srcId="0" destId="1" srcOrd="0" destOrd="0"/>
-        <dgm:cxn modelId="6" srcId="0" destId="2" srcOrd="1" destOrd="0"/>
-        <dgm:cxn modelId="7" srcId="0" destId="3" srcOrd="2" destOrd="0"/>
-        <dgm:cxn modelId="8" srcId="0" destId="4" srcOrd="3" destOrd="0"/>
-        <dgm:cxn modelId="13" srcId="1" destId="11" srcOrd="0" destOrd="0"/>
-        <dgm:cxn modelId="23" srcId="2" destId="21" srcOrd="0" destOrd="0"/>
-        <dgm:cxn modelId="33" srcId="3" destId="31" srcOrd="0" destOrd="0"/>
-        <dgm:cxn modelId="43" srcId="4" destId="41" srcOrd="0" destOrd="0"/>
-      </dgm:cxnLst>
-      <dgm:bg/>
-      <dgm:whole/>
-    </dgm:dataModel>
-  </dgm:clrData>
-  <dgm:layoutNode name="linearFlow">
-    <dgm:varLst>
-      <dgm:dir/>
-      <dgm:animLvl val="lvl"/>
-      <dgm:resizeHandles val="exact"/>
-    </dgm:varLst>
-    <dgm:alg type="lin">
-      <dgm:param type="linDir" val="fromT"/>
-      <dgm:param type="nodeHorzAlign" val="l"/>
-    </dgm:alg>
-    <dgm:shape xmlns:r="http://schemas.openxmlformats.org/officeDocument/2006/relationships" r:blip="">
-      <dgm:adjLst/>
-    </dgm:shape>
-    <dgm:presOf/>
-    <dgm:constrLst>
-      <dgm:constr type="h" for="ch" forName="composite" refType="h"/>
-      <dgm:constr type="w" for="ch" forName="composite" refType="w"/>
-      <dgm:constr type="h" for="des" forName="parentText" op="equ"/>
-      <dgm:constr type="h" for="ch" forName="sp" val="-14.88"/>
-      <dgm:constr type="h" for="ch" forName="sp" refType="w" refFor="des" refForName="parentText" op="gte" fact="-0.3"/>
-      <dgm:constr type="primFontSz" for="des" forName="parentText" op="equ" val="65"/>
-      <dgm:constr type="primFontSz" for="des" forName="descendantText" op="equ" val="65"/>
-    </dgm:constrLst>
-    <dgm:ruleLst/>
-    <dgm:forEach name="Name0" axis="ch" ptType="node">
-      <dgm:layoutNode name="composite">
-        <dgm:alg type="composite"/>
-        <dgm:shape xmlns:r="http://schemas.openxmlformats.org/officeDocument/2006/relationships" r:blip="">
-          <dgm:adjLst/>
-        </dgm:shape>
-        <dgm:presOf/>
-        <dgm:choose name="Name1">
-          <dgm:if name="Name2" func="var" arg="dir" op="equ" val="norm">
-            <dgm:constrLst>
-              <dgm:constr type="t" for="ch" forName="parentText"/>
-              <dgm:constr type="l" for="ch" forName="parentText"/>
-              <dgm:constr type="w" for="ch" forName="parentText" refType="w" fact="0.4"/>
-              <dgm:constr type="h" for="ch" forName="parentText" refType="h"/>
-              <dgm:constr type="w" for="ch" forName="parentText" refType="w" op="lte" fact="0.5"/>
-              <dgm:constr type="w" for="ch" forName="parentText" refType="h" refFor="ch" refForName="parentText" op="lte" fact="0.7"/>
-              <dgm:constr type="h" for="ch" forName="parentText" refType="w" refFor="ch" refForName="parentText" op="lte" fact="3"/>
-              <dgm:constr type="l" for="ch" forName="descendantText" refType="w" refFor="ch" refForName="parentText"/>
-              <dgm:constr type="w" for="ch" forName="descendantText" refType="w"/>
-              <dgm:constr type="wOff" for="ch" forName="descendantText" refType="w" refFor="ch" refForName="parentText" fact="-1"/>
-              <dgm:constr type="t" for="ch" forName="descendantText"/>
-              <dgm:constr type="b" for="ch" forName="descendantText" refType="h" refFor="ch" refForName="parentText"/>
-              <dgm:constr type="bOff" for="ch" forName="descendantText" refType="w" refFor="ch" refForName="parentText" fact="-0.5"/>
-            </dgm:constrLst>
-          </dgm:if>
-          <dgm:else name="Name3">
-            <dgm:constrLst>
-              <dgm:constr type="t" for="ch" forName="parentText"/>
-              <dgm:constr type="r" for="ch" forName="parentText" refType="w"/>
-              <dgm:constr type="w" for="ch" forName="parentText" refType="w" fact="0.4"/>
-              <dgm:constr type="h" for="ch" forName="parentText" refType="h"/>
-              <dgm:constr type="w" for="ch" forName="parentText" refType="w" op="lte" fact="0.5"/>
-              <dgm:constr type="w" for="ch" forName="parentText" refType="h" refFor="ch" refForName="parentText" op="lte" fact="0.7"/>
-              <dgm:constr type="h" for="ch" forName="parentText" refType="w" refFor="ch" refForName="parentText" op="lte" fact="3"/>
-              <dgm:constr type="l" for="ch" forName="descendantText"/>
-              <dgm:constr type="w" for="ch" forName="descendantText" refType="w"/>
-              <dgm:constr type="wOff" for="ch" forName="descendantText" refType="w" refFor="ch" refForName="parentText" fact="-1"/>
-              <dgm:constr type="t" for="ch" forName="descendantText"/>
-              <dgm:constr type="b" for="ch" forName="descendantText" refType="h" refFor="ch" refForName="parentText"/>
-              <dgm:constr type="bOff" for="ch" forName="descendantText" refType="w" refFor="ch" refForName="parentText" fact="-0.5"/>
-            </dgm:constrLst>
-          </dgm:else>
-        </dgm:choose>
-        <dgm:ruleLst/>
-        <dgm:layoutNode name="parentText" styleLbl="alignNode1">
-          <dgm:varLst>
-            <dgm:chMax val="1"/>
-            <dgm:bulletEnabled val="1"/>
-          </dgm:varLst>
-          <dgm:alg type="tx"/>
-          <dgm:shape xmlns:r="http://schemas.openxmlformats.org/officeDocument/2006/relationships" rot="90" type="chevron" r:blip="">
-            <dgm:adjLst/>
-          </dgm:shape>
-          <dgm:presOf axis="self" ptType="node"/>
-          <dgm:constrLst>
-            <dgm:constr type="lMarg" refType="primFontSz" fact="0.05"/>
-            <dgm:constr type="rMarg" refType="primFontSz" fact="0.05"/>
-            <dgm:constr type="tMarg" refType="primFontSz" fact="0.05"/>
-            <dgm:constr type="bMarg" refType="primFontSz" fact="0.05"/>
-          </dgm:constrLst>
-          <dgm:ruleLst>
-            <dgm:rule type="h" val="100" fact="NaN" max="NaN"/>
-            <dgm:rule type="primFontSz" val="24" fact="NaN" max="NaN"/>
-            <dgm:rule type="h" val="110" fact="NaN" max="NaN"/>
-            <dgm:rule type="primFontSz" val="18" fact="NaN" max="NaN"/>
-            <dgm:rule type="h" val="INF" fact="NaN" max="NaN"/>
-            <dgm:rule type="primFontSz" val="5" fact="NaN" max="NaN"/>
-          </dgm:ruleLst>
-        </dgm:layoutNode>
-        <dgm:layoutNode name="descendantText" styleLbl="alignAcc1">
-          <dgm:varLst>
-            <dgm:bulletEnabled val="1"/>
-          </dgm:varLst>
-          <dgm:choose name="Name4">
-            <dgm:if name="Name5" func="var" arg="dir" op="equ" val="norm">
-              <dgm:alg type="tx">
-                <dgm:param type="stBulletLvl" val="1"/>
-                <dgm:param type="txAnchorVertCh" val="mid"/>
-              </dgm:alg>
-              <dgm:shape xmlns:r="http://schemas.openxmlformats.org/officeDocument/2006/relationships" rot="90" type="round2SameRect" r:blip="">
-                <dgm:adjLst/>
-              </dgm:shape>
-            </dgm:if>
-            <dgm:else name="Name6">
-              <dgm:alg type="tx">
-                <dgm:param type="stBulletLvl" val="1"/>
-                <dgm:param type="txAnchorVertCh" val="mid"/>
-              </dgm:alg>
-              <dgm:shape xmlns:r="http://schemas.openxmlformats.org/officeDocument/2006/relationships" rot="-90" type="round2SameRect" r:blip="">
-                <dgm:adjLst/>
-              </dgm:shape>
-            </dgm:else>
-          </dgm:choose>
-          <dgm:presOf axis="des" ptType="node"/>
-          <dgm:choose name="Name7">
-            <dgm:if name="Name8" func="var" arg="dir" op="equ" val="norm">
-              <dgm:constrLst>
-                <dgm:constr type="secFontSz" refType="primFontSz"/>
-                <dgm:constr type="tMarg" refType="primFontSz" fact="0.05"/>
-                <dgm:constr type="bMarg" refType="primFontSz" fact="0.05"/>
-                <dgm:constr type="rMarg" refType="primFontSz" fact="0.05"/>
-              </dgm:constrLst>
-            </dgm:if>
-            <dgm:else name="Name9">
-              <dgm:constrLst>
-                <dgm:constr type="secFontSz" refType="primFontSz"/>
-                <dgm:constr type="tMarg" refType="primFontSz" fact="0.05"/>
-                <dgm:constr type="bMarg" refType="primFontSz" fact="0.05"/>
-                <dgm:constr type="lMarg" refType="primFontSz" fact="0.05"/>
-              </dgm:constrLst>
-            </dgm:else>
-          </dgm:choose>
-          <dgm:ruleLst>
-            <dgm:rule type="primFontSz" val="5" fact="NaN" max="NaN"/>
-          </dgm:ruleLst>
-        </dgm:layoutNode>
-      </dgm:layoutNode>
-      <dgm:forEach name="Name10" axis="followSib" ptType="sibTrans" cnt="1">
-        <dgm:layoutNode name="sp">
-          <dgm:alg type="sp"/>
-          <dgm:shape xmlns:r="http://schemas.openxmlformats.org/officeDocument/2006/relationships" r:blip="">
-            <dgm:adjLst/>
-          </dgm:shape>
-          <dgm:presOf axis="self"/>
-          <dgm:constrLst>
-            <dgm:constr type="w" val="1"/>
-            <dgm:constr type="h" val="37.5"/>
-          </dgm:constrLst>
-          <dgm:ruleLst/>
-        </dgm:layoutNode>
-      </dgm:forEach>
-    </dgm:forEach>
-  </dgm:layoutNode>
-</dgm:layoutDef>
-</file>
-
-<file path=ppt/diagrams/layout6.xml><?xml version="1.0" encoding="utf-8"?>
 <dgm:layoutDef xmlns:dgm="http://schemas.openxmlformats.org/drawingml/2006/diagram" xmlns:a="http://schemas.openxmlformats.org/drawingml/2006/main" uniqueId="urn:microsoft.com/office/officeart/2005/8/layout/process1">
   <dgm:title val=""/>
   <dgm:desc val=""/>
@@ -17277,1040 +15238,6 @@
 </dgm:styleDef>
 </file>
 
-<file path=ppt/diagrams/quickStyle6.xml><?xml version="1.0" encoding="utf-8"?>
-<dgm:styleDef xmlns:dgm="http://schemas.openxmlformats.org/drawingml/2006/diagram" xmlns:a="http://schemas.openxmlformats.org/drawingml/2006/main" uniqueId="urn:microsoft.com/office/officeart/2005/8/quickstyle/simple1">
-  <dgm:title val=""/>
-  <dgm:desc val=""/>
-  <dgm:catLst>
-    <dgm:cat type="simple" pri="10100"/>
-  </dgm:catLst>
-  <dgm:scene3d>
-    <a:camera prst="orthographicFront"/>
-    <a:lightRig rig="threePt" dir="t"/>
-  </dgm:scene3d>
-  <dgm:styleLbl name="node0">
-    <dgm:scene3d>
-      <a:camera prst="orthographicFront"/>
-      <a:lightRig rig="threePt" dir="t"/>
-    </dgm:scene3d>
-    <dgm:sp3d/>
-    <dgm:txPr/>
-    <dgm:style>
-      <a:lnRef idx="2">
-        <a:scrgbClr r="0" g="0" b="0"/>
-      </a:lnRef>
-      <a:fillRef idx="1">
-        <a:scrgbClr r="0" g="0" b="0"/>
-      </a:fillRef>
-      <a:effectRef idx="0">
-        <a:scrgbClr r="0" g="0" b="0"/>
-      </a:effectRef>
-      <a:fontRef idx="minor">
-        <a:schemeClr val="lt1"/>
-      </a:fontRef>
-    </dgm:style>
-  </dgm:styleLbl>
-  <dgm:styleLbl name="lnNode1">
-    <dgm:scene3d>
-      <a:camera prst="orthographicFront"/>
-      <a:lightRig rig="threePt" dir="t"/>
-    </dgm:scene3d>
-    <dgm:sp3d/>
-    <dgm:txPr/>
-    <dgm:style>
-      <a:lnRef idx="2">
-        <a:scrgbClr r="0" g="0" b="0"/>
-      </a:lnRef>
-      <a:fillRef idx="1">
-        <a:scrgbClr r="0" g="0" b="0"/>
-      </a:fillRef>
-      <a:effectRef idx="0">
-        <a:scrgbClr r="0" g="0" b="0"/>
-      </a:effectRef>
-      <a:fontRef idx="minor">
-        <a:schemeClr val="lt1"/>
-      </a:fontRef>
-    </dgm:style>
-  </dgm:styleLbl>
-  <dgm:styleLbl name="vennNode1">
-    <dgm:scene3d>
-      <a:camera prst="orthographicFront"/>
-      <a:lightRig rig="threePt" dir="t"/>
-    </dgm:scene3d>
-    <dgm:sp3d/>
-    <dgm:txPr/>
-    <dgm:style>
-      <a:lnRef idx="2">
-        <a:scrgbClr r="0" g="0" b="0"/>
-      </a:lnRef>
-      <a:fillRef idx="1">
-        <a:scrgbClr r="0" g="0" b="0"/>
-      </a:fillRef>
-      <a:effectRef idx="0">
-        <a:scrgbClr r="0" g="0" b="0"/>
-      </a:effectRef>
-      <a:fontRef idx="minor">
-        <a:schemeClr val="tx1"/>
-      </a:fontRef>
-    </dgm:style>
-  </dgm:styleLbl>
-  <dgm:styleLbl name="alignNode1">
-    <dgm:scene3d>
-      <a:camera prst="orthographicFront"/>
-      <a:lightRig rig="threePt" dir="t"/>
-    </dgm:scene3d>
-    <dgm:sp3d/>
-    <dgm:txPr/>
-    <dgm:style>
-      <a:lnRef idx="2">
-        <a:scrgbClr r="0" g="0" b="0"/>
-      </a:lnRef>
-      <a:fillRef idx="1">
-        <a:scrgbClr r="0" g="0" b="0"/>
-      </a:fillRef>
-      <a:effectRef idx="0">
-        <a:scrgbClr r="0" g="0" b="0"/>
-      </a:effectRef>
-      <a:fontRef idx="minor">
-        <a:schemeClr val="lt1"/>
-      </a:fontRef>
-    </dgm:style>
-  </dgm:styleLbl>
-  <dgm:styleLbl name="node1">
-    <dgm:scene3d>
-      <a:camera prst="orthographicFront"/>
-      <a:lightRig rig="threePt" dir="t"/>
-    </dgm:scene3d>
-    <dgm:sp3d/>
-    <dgm:txPr/>
-    <dgm:style>
-      <a:lnRef idx="2">
-        <a:scrgbClr r="0" g="0" b="0"/>
-      </a:lnRef>
-      <a:fillRef idx="1">
-        <a:scrgbClr r="0" g="0" b="0"/>
-      </a:fillRef>
-      <a:effectRef idx="0">
-        <a:scrgbClr r="0" g="0" b="0"/>
-      </a:effectRef>
-      <a:fontRef idx="minor">
-        <a:schemeClr val="lt1"/>
-      </a:fontRef>
-    </dgm:style>
-  </dgm:styleLbl>
-  <dgm:styleLbl name="node2">
-    <dgm:scene3d>
-      <a:camera prst="orthographicFront"/>
-      <a:lightRig rig="threePt" dir="t"/>
-    </dgm:scene3d>
-    <dgm:sp3d/>
-    <dgm:txPr/>
-    <dgm:style>
-      <a:lnRef idx="2">
-        <a:scrgbClr r="0" g="0" b="0"/>
-      </a:lnRef>
-      <a:fillRef idx="1">
-        <a:scrgbClr r="0" g="0" b="0"/>
-      </a:fillRef>
-      <a:effectRef idx="0">
-        <a:scrgbClr r="0" g="0" b="0"/>
-      </a:effectRef>
-      <a:fontRef idx="minor">
-        <a:schemeClr val="lt1"/>
-      </a:fontRef>
-    </dgm:style>
-  </dgm:styleLbl>
-  <dgm:styleLbl name="node3">
-    <dgm:scene3d>
-      <a:camera prst="orthographicFront"/>
-      <a:lightRig rig="threePt" dir="t"/>
-    </dgm:scene3d>
-    <dgm:sp3d/>
-    <dgm:txPr/>
-    <dgm:style>
-      <a:lnRef idx="2">
-        <a:scrgbClr r="0" g="0" b="0"/>
-      </a:lnRef>
-      <a:fillRef idx="1">
-        <a:scrgbClr r="0" g="0" b="0"/>
-      </a:fillRef>
-      <a:effectRef idx="0">
-        <a:scrgbClr r="0" g="0" b="0"/>
-      </a:effectRef>
-      <a:fontRef idx="minor">
-        <a:schemeClr val="lt1"/>
-      </a:fontRef>
-    </dgm:style>
-  </dgm:styleLbl>
-  <dgm:styleLbl name="node4">
-    <dgm:scene3d>
-      <a:camera prst="orthographicFront"/>
-      <a:lightRig rig="threePt" dir="t"/>
-    </dgm:scene3d>
-    <dgm:sp3d/>
-    <dgm:txPr/>
-    <dgm:style>
-      <a:lnRef idx="2">
-        <a:scrgbClr r="0" g="0" b="0"/>
-      </a:lnRef>
-      <a:fillRef idx="1">
-        <a:scrgbClr r="0" g="0" b="0"/>
-      </a:fillRef>
-      <a:effectRef idx="0">
-        <a:scrgbClr r="0" g="0" b="0"/>
-      </a:effectRef>
-      <a:fontRef idx="minor">
-        <a:schemeClr val="lt1"/>
-      </a:fontRef>
-    </dgm:style>
-  </dgm:styleLbl>
-  <dgm:styleLbl name="fgImgPlace1">
-    <dgm:scene3d>
-      <a:camera prst="orthographicFront"/>
-      <a:lightRig rig="threePt" dir="t"/>
-    </dgm:scene3d>
-    <dgm:sp3d/>
-    <dgm:txPr/>
-    <dgm:style>
-      <a:lnRef idx="2">
-        <a:scrgbClr r="0" g="0" b="0"/>
-      </a:lnRef>
-      <a:fillRef idx="1">
-        <a:scrgbClr r="0" g="0" b="0"/>
-      </a:fillRef>
-      <a:effectRef idx="0">
-        <a:scrgbClr r="0" g="0" b="0"/>
-      </a:effectRef>
-      <a:fontRef idx="minor"/>
-    </dgm:style>
-  </dgm:styleLbl>
-  <dgm:styleLbl name="alignImgPlace1">
-    <dgm:scene3d>
-      <a:camera prst="orthographicFront"/>
-      <a:lightRig rig="threePt" dir="t"/>
-    </dgm:scene3d>
-    <dgm:sp3d/>
-    <dgm:txPr/>
-    <dgm:style>
-      <a:lnRef idx="2">
-        <a:scrgbClr r="0" g="0" b="0"/>
-      </a:lnRef>
-      <a:fillRef idx="1">
-        <a:scrgbClr r="0" g="0" b="0"/>
-      </a:fillRef>
-      <a:effectRef idx="0">
-        <a:scrgbClr r="0" g="0" b="0"/>
-      </a:effectRef>
-      <a:fontRef idx="minor"/>
-    </dgm:style>
-  </dgm:styleLbl>
-  <dgm:styleLbl name="bgImgPlace1">
-    <dgm:scene3d>
-      <a:camera prst="orthographicFront"/>
-      <a:lightRig rig="threePt" dir="t"/>
-    </dgm:scene3d>
-    <dgm:sp3d/>
-    <dgm:txPr/>
-    <dgm:style>
-      <a:lnRef idx="2">
-        <a:scrgbClr r="0" g="0" b="0"/>
-      </a:lnRef>
-      <a:fillRef idx="1">
-        <a:scrgbClr r="0" g="0" b="0"/>
-      </a:fillRef>
-      <a:effectRef idx="0">
-        <a:scrgbClr r="0" g="0" b="0"/>
-      </a:effectRef>
-      <a:fontRef idx="minor"/>
-    </dgm:style>
-  </dgm:styleLbl>
-  <dgm:styleLbl name="sibTrans2D1">
-    <dgm:scene3d>
-      <a:camera prst="orthographicFront"/>
-      <a:lightRig rig="threePt" dir="t"/>
-    </dgm:scene3d>
-    <dgm:sp3d/>
-    <dgm:txPr/>
-    <dgm:style>
-      <a:lnRef idx="0">
-        <a:scrgbClr r="0" g="0" b="0"/>
-      </a:lnRef>
-      <a:fillRef idx="1">
-        <a:scrgbClr r="0" g="0" b="0"/>
-      </a:fillRef>
-      <a:effectRef idx="0">
-        <a:scrgbClr r="0" g="0" b="0"/>
-      </a:effectRef>
-      <a:fontRef idx="minor">
-        <a:schemeClr val="lt1"/>
-      </a:fontRef>
-    </dgm:style>
-  </dgm:styleLbl>
-  <dgm:styleLbl name="fgSibTrans2D1">
-    <dgm:scene3d>
-      <a:camera prst="orthographicFront"/>
-      <a:lightRig rig="threePt" dir="t"/>
-    </dgm:scene3d>
-    <dgm:sp3d/>
-    <dgm:txPr/>
-    <dgm:style>
-      <a:lnRef idx="0">
-        <a:scrgbClr r="0" g="0" b="0"/>
-      </a:lnRef>
-      <a:fillRef idx="1">
-        <a:scrgbClr r="0" g="0" b="0"/>
-      </a:fillRef>
-      <a:effectRef idx="0">
-        <a:scrgbClr r="0" g="0" b="0"/>
-      </a:effectRef>
-      <a:fontRef idx="minor">
-        <a:schemeClr val="lt1"/>
-      </a:fontRef>
-    </dgm:style>
-  </dgm:styleLbl>
-  <dgm:styleLbl name="bgSibTrans2D1">
-    <dgm:scene3d>
-      <a:camera prst="orthographicFront"/>
-      <a:lightRig rig="threePt" dir="t"/>
-    </dgm:scene3d>
-    <dgm:sp3d/>
-    <dgm:txPr/>
-    <dgm:style>
-      <a:lnRef idx="0">
-        <a:scrgbClr r="0" g="0" b="0"/>
-      </a:lnRef>
-      <a:fillRef idx="1">
-        <a:scrgbClr r="0" g="0" b="0"/>
-      </a:fillRef>
-      <a:effectRef idx="0">
-        <a:scrgbClr r="0" g="0" b="0"/>
-      </a:effectRef>
-      <a:fontRef idx="minor">
-        <a:schemeClr val="lt1"/>
-      </a:fontRef>
-    </dgm:style>
-  </dgm:styleLbl>
-  <dgm:styleLbl name="sibTrans1D1">
-    <dgm:scene3d>
-      <a:camera prst="orthographicFront"/>
-      <a:lightRig rig="threePt" dir="t"/>
-    </dgm:scene3d>
-    <dgm:sp3d/>
-    <dgm:txPr/>
-    <dgm:style>
-      <a:lnRef idx="1">
-        <a:scrgbClr r="0" g="0" b="0"/>
-      </a:lnRef>
-      <a:fillRef idx="0">
-        <a:scrgbClr r="0" g="0" b="0"/>
-      </a:fillRef>
-      <a:effectRef idx="0">
-        <a:scrgbClr r="0" g="0" b="0"/>
-      </a:effectRef>
-      <a:fontRef idx="minor"/>
-    </dgm:style>
-  </dgm:styleLbl>
-  <dgm:styleLbl name="callout">
-    <dgm:scene3d>
-      <a:camera prst="orthographicFront"/>
-      <a:lightRig rig="threePt" dir="t"/>
-    </dgm:scene3d>
-    <dgm:sp3d/>
-    <dgm:txPr/>
-    <dgm:style>
-      <a:lnRef idx="2">
-        <a:scrgbClr r="0" g="0" b="0"/>
-      </a:lnRef>
-      <a:fillRef idx="1">
-        <a:scrgbClr r="0" g="0" b="0"/>
-      </a:fillRef>
-      <a:effectRef idx="0">
-        <a:scrgbClr r="0" g="0" b="0"/>
-      </a:effectRef>
-      <a:fontRef idx="minor"/>
-    </dgm:style>
-  </dgm:styleLbl>
-  <dgm:styleLbl name="asst0">
-    <dgm:scene3d>
-      <a:camera prst="orthographicFront"/>
-      <a:lightRig rig="threePt" dir="t"/>
-    </dgm:scene3d>
-    <dgm:sp3d/>
-    <dgm:txPr/>
-    <dgm:style>
-      <a:lnRef idx="2">
-        <a:scrgbClr r="0" g="0" b="0"/>
-      </a:lnRef>
-      <a:fillRef idx="1">
-        <a:scrgbClr r="0" g="0" b="0"/>
-      </a:fillRef>
-      <a:effectRef idx="0">
-        <a:scrgbClr r="0" g="0" b="0"/>
-      </a:effectRef>
-      <a:fontRef idx="minor">
-        <a:schemeClr val="lt1"/>
-      </a:fontRef>
-    </dgm:style>
-  </dgm:styleLbl>
-  <dgm:styleLbl name="asst1">
-    <dgm:scene3d>
-      <a:camera prst="orthographicFront"/>
-      <a:lightRig rig="threePt" dir="t"/>
-    </dgm:scene3d>
-    <dgm:sp3d/>
-    <dgm:txPr/>
-    <dgm:style>
-      <a:lnRef idx="2">
-        <a:scrgbClr r="0" g="0" b="0"/>
-      </a:lnRef>
-      <a:fillRef idx="1">
-        <a:scrgbClr r="0" g="0" b="0"/>
-      </a:fillRef>
-      <a:effectRef idx="0">
-        <a:scrgbClr r="0" g="0" b="0"/>
-      </a:effectRef>
-      <a:fontRef idx="minor">
-        <a:schemeClr val="lt1"/>
-      </a:fontRef>
-    </dgm:style>
-  </dgm:styleLbl>
-  <dgm:styleLbl name="asst2">
-    <dgm:scene3d>
-      <a:camera prst="orthographicFront"/>
-      <a:lightRig rig="threePt" dir="t"/>
-    </dgm:scene3d>
-    <dgm:sp3d/>
-    <dgm:txPr/>
-    <dgm:style>
-      <a:lnRef idx="2">
-        <a:scrgbClr r="0" g="0" b="0"/>
-      </a:lnRef>
-      <a:fillRef idx="1">
-        <a:scrgbClr r="0" g="0" b="0"/>
-      </a:fillRef>
-      <a:effectRef idx="0">
-        <a:scrgbClr r="0" g="0" b="0"/>
-      </a:effectRef>
-      <a:fontRef idx="minor">
-        <a:schemeClr val="lt1"/>
-      </a:fontRef>
-    </dgm:style>
-  </dgm:styleLbl>
-  <dgm:styleLbl name="asst3">
-    <dgm:scene3d>
-      <a:camera prst="orthographicFront"/>
-      <a:lightRig rig="threePt" dir="t"/>
-    </dgm:scene3d>
-    <dgm:sp3d/>
-    <dgm:txPr/>
-    <dgm:style>
-      <a:lnRef idx="2">
-        <a:scrgbClr r="0" g="0" b="0"/>
-      </a:lnRef>
-      <a:fillRef idx="1">
-        <a:scrgbClr r="0" g="0" b="0"/>
-      </a:fillRef>
-      <a:effectRef idx="0">
-        <a:scrgbClr r="0" g="0" b="0"/>
-      </a:effectRef>
-      <a:fontRef idx="minor">
-        <a:schemeClr val="lt1"/>
-      </a:fontRef>
-    </dgm:style>
-  </dgm:styleLbl>
-  <dgm:styleLbl name="asst4">
-    <dgm:scene3d>
-      <a:camera prst="orthographicFront"/>
-      <a:lightRig rig="threePt" dir="t"/>
-    </dgm:scene3d>
-    <dgm:sp3d/>
-    <dgm:txPr/>
-    <dgm:style>
-      <a:lnRef idx="2">
-        <a:scrgbClr r="0" g="0" b="0"/>
-      </a:lnRef>
-      <a:fillRef idx="1">
-        <a:scrgbClr r="0" g="0" b="0"/>
-      </a:fillRef>
-      <a:effectRef idx="0">
-        <a:scrgbClr r="0" g="0" b="0"/>
-      </a:effectRef>
-      <a:fontRef idx="minor">
-        <a:schemeClr val="lt1"/>
-      </a:fontRef>
-    </dgm:style>
-  </dgm:styleLbl>
-  <dgm:styleLbl name="parChTrans2D1">
-    <dgm:scene3d>
-      <a:camera prst="orthographicFront"/>
-      <a:lightRig rig="threePt" dir="t"/>
-    </dgm:scene3d>
-    <dgm:sp3d/>
-    <dgm:txPr/>
-    <dgm:style>
-      <a:lnRef idx="2">
-        <a:scrgbClr r="0" g="0" b="0"/>
-      </a:lnRef>
-      <a:fillRef idx="1">
-        <a:scrgbClr r="0" g="0" b="0"/>
-      </a:fillRef>
-      <a:effectRef idx="0">
-        <a:scrgbClr r="0" g="0" b="0"/>
-      </a:effectRef>
-      <a:fontRef idx="minor">
-        <a:schemeClr val="lt1"/>
-      </a:fontRef>
-    </dgm:style>
-  </dgm:styleLbl>
-  <dgm:styleLbl name="parChTrans2D2">
-    <dgm:scene3d>
-      <a:camera prst="orthographicFront"/>
-      <a:lightRig rig="threePt" dir="t"/>
-    </dgm:scene3d>
-    <dgm:sp3d/>
-    <dgm:txPr/>
-    <dgm:style>
-      <a:lnRef idx="2">
-        <a:scrgbClr r="0" g="0" b="0"/>
-      </a:lnRef>
-      <a:fillRef idx="1">
-        <a:scrgbClr r="0" g="0" b="0"/>
-      </a:fillRef>
-      <a:effectRef idx="0">
-        <a:scrgbClr r="0" g="0" b="0"/>
-      </a:effectRef>
-      <a:fontRef idx="minor">
-        <a:schemeClr val="lt1"/>
-      </a:fontRef>
-    </dgm:style>
-  </dgm:styleLbl>
-  <dgm:styleLbl name="parChTrans2D3">
-    <dgm:scene3d>
-      <a:camera prst="orthographicFront"/>
-      <a:lightRig rig="threePt" dir="t"/>
-    </dgm:scene3d>
-    <dgm:sp3d/>
-    <dgm:txPr/>
-    <dgm:style>
-      <a:lnRef idx="2">
-        <a:scrgbClr r="0" g="0" b="0"/>
-      </a:lnRef>
-      <a:fillRef idx="1">
-        <a:scrgbClr r="0" g="0" b="0"/>
-      </a:fillRef>
-      <a:effectRef idx="0">
-        <a:scrgbClr r="0" g="0" b="0"/>
-      </a:effectRef>
-      <a:fontRef idx="minor">
-        <a:schemeClr val="lt1"/>
-      </a:fontRef>
-    </dgm:style>
-  </dgm:styleLbl>
-  <dgm:styleLbl name="parChTrans2D4">
-    <dgm:scene3d>
-      <a:camera prst="orthographicFront"/>
-      <a:lightRig rig="threePt" dir="t"/>
-    </dgm:scene3d>
-    <dgm:sp3d/>
-    <dgm:txPr/>
-    <dgm:style>
-      <a:lnRef idx="2">
-        <a:scrgbClr r="0" g="0" b="0"/>
-      </a:lnRef>
-      <a:fillRef idx="1">
-        <a:scrgbClr r="0" g="0" b="0"/>
-      </a:fillRef>
-      <a:effectRef idx="0">
-        <a:scrgbClr r="0" g="0" b="0"/>
-      </a:effectRef>
-      <a:fontRef idx="minor">
-        <a:schemeClr val="lt1"/>
-      </a:fontRef>
-    </dgm:style>
-  </dgm:styleLbl>
-  <dgm:styleLbl name="parChTrans1D1">
-    <dgm:scene3d>
-      <a:camera prst="orthographicFront"/>
-      <a:lightRig rig="threePt" dir="t"/>
-    </dgm:scene3d>
-    <dgm:sp3d/>
-    <dgm:txPr/>
-    <dgm:style>
-      <a:lnRef idx="2">
-        <a:scrgbClr r="0" g="0" b="0"/>
-      </a:lnRef>
-      <a:fillRef idx="0">
-        <a:scrgbClr r="0" g="0" b="0"/>
-      </a:fillRef>
-      <a:effectRef idx="0">
-        <a:scrgbClr r="0" g="0" b="0"/>
-      </a:effectRef>
-      <a:fontRef idx="minor"/>
-    </dgm:style>
-  </dgm:styleLbl>
-  <dgm:styleLbl name="parChTrans1D2">
-    <dgm:scene3d>
-      <a:camera prst="orthographicFront"/>
-      <a:lightRig rig="threePt" dir="t"/>
-    </dgm:scene3d>
-    <dgm:sp3d/>
-    <dgm:txPr/>
-    <dgm:style>
-      <a:lnRef idx="2">
-        <a:scrgbClr r="0" g="0" b="0"/>
-      </a:lnRef>
-      <a:fillRef idx="0">
-        <a:scrgbClr r="0" g="0" b="0"/>
-      </a:fillRef>
-      <a:effectRef idx="0">
-        <a:scrgbClr r="0" g="0" b="0"/>
-      </a:effectRef>
-      <a:fontRef idx="minor"/>
-    </dgm:style>
-  </dgm:styleLbl>
-  <dgm:styleLbl name="parChTrans1D3">
-    <dgm:scene3d>
-      <a:camera prst="orthographicFront"/>
-      <a:lightRig rig="threePt" dir="t"/>
-    </dgm:scene3d>
-    <dgm:sp3d/>
-    <dgm:txPr/>
-    <dgm:style>
-      <a:lnRef idx="2">
-        <a:scrgbClr r="0" g="0" b="0"/>
-      </a:lnRef>
-      <a:fillRef idx="0">
-        <a:scrgbClr r="0" g="0" b="0"/>
-      </a:fillRef>
-      <a:effectRef idx="0">
-        <a:scrgbClr r="0" g="0" b="0"/>
-      </a:effectRef>
-      <a:fontRef idx="minor"/>
-    </dgm:style>
-  </dgm:styleLbl>
-  <dgm:styleLbl name="parChTrans1D4">
-    <dgm:scene3d>
-      <a:camera prst="orthographicFront"/>
-      <a:lightRig rig="threePt" dir="t"/>
-    </dgm:scene3d>
-    <dgm:sp3d/>
-    <dgm:txPr/>
-    <dgm:style>
-      <a:lnRef idx="2">
-        <a:scrgbClr r="0" g="0" b="0"/>
-      </a:lnRef>
-      <a:fillRef idx="0">
-        <a:scrgbClr r="0" g="0" b="0"/>
-      </a:fillRef>
-      <a:effectRef idx="0">
-        <a:scrgbClr r="0" g="0" b="0"/>
-      </a:effectRef>
-      <a:fontRef idx="minor"/>
-    </dgm:style>
-  </dgm:styleLbl>
-  <dgm:styleLbl name="fgAcc1">
-    <dgm:scene3d>
-      <a:camera prst="orthographicFront"/>
-      <a:lightRig rig="threePt" dir="t"/>
-    </dgm:scene3d>
-    <dgm:sp3d/>
-    <dgm:txPr/>
-    <dgm:style>
-      <a:lnRef idx="2">
-        <a:scrgbClr r="0" g="0" b="0"/>
-      </a:lnRef>
-      <a:fillRef idx="1">
-        <a:scrgbClr r="0" g="0" b="0"/>
-      </a:fillRef>
-      <a:effectRef idx="0">
-        <a:scrgbClr r="0" g="0" b="0"/>
-      </a:effectRef>
-      <a:fontRef idx="minor"/>
-    </dgm:style>
-  </dgm:styleLbl>
-  <dgm:styleLbl name="conFgAcc1">
-    <dgm:scene3d>
-      <a:camera prst="orthographicFront"/>
-      <a:lightRig rig="threePt" dir="t"/>
-    </dgm:scene3d>
-    <dgm:sp3d/>
-    <dgm:txPr/>
-    <dgm:style>
-      <a:lnRef idx="2">
-        <a:scrgbClr r="0" g="0" b="0"/>
-      </a:lnRef>
-      <a:fillRef idx="1">
-        <a:scrgbClr r="0" g="0" b="0"/>
-      </a:fillRef>
-      <a:effectRef idx="0">
-        <a:scrgbClr r="0" g="0" b="0"/>
-      </a:effectRef>
-      <a:fontRef idx="minor"/>
-    </dgm:style>
-  </dgm:styleLbl>
-  <dgm:styleLbl name="alignAcc1">
-    <dgm:scene3d>
-      <a:camera prst="orthographicFront"/>
-      <a:lightRig rig="threePt" dir="t"/>
-    </dgm:scene3d>
-    <dgm:sp3d/>
-    <dgm:txPr/>
-    <dgm:style>
-      <a:lnRef idx="2">
-        <a:scrgbClr r="0" g="0" b="0"/>
-      </a:lnRef>
-      <a:fillRef idx="1">
-        <a:scrgbClr r="0" g="0" b="0"/>
-      </a:fillRef>
-      <a:effectRef idx="0">
-        <a:scrgbClr r="0" g="0" b="0"/>
-      </a:effectRef>
-      <a:fontRef idx="minor"/>
-    </dgm:style>
-  </dgm:styleLbl>
-  <dgm:styleLbl name="trAlignAcc1">
-    <dgm:scene3d>
-      <a:camera prst="orthographicFront"/>
-      <a:lightRig rig="threePt" dir="t"/>
-    </dgm:scene3d>
-    <dgm:sp3d/>
-    <dgm:txPr/>
-    <dgm:style>
-      <a:lnRef idx="1">
-        <a:scrgbClr r="0" g="0" b="0"/>
-      </a:lnRef>
-      <a:fillRef idx="1">
-        <a:scrgbClr r="0" g="0" b="0"/>
-      </a:fillRef>
-      <a:effectRef idx="0">
-        <a:scrgbClr r="0" g="0" b="0"/>
-      </a:effectRef>
-      <a:fontRef idx="minor"/>
-    </dgm:style>
-  </dgm:styleLbl>
-  <dgm:styleLbl name="bgAcc1">
-    <dgm:scene3d>
-      <a:camera prst="orthographicFront"/>
-      <a:lightRig rig="threePt" dir="t"/>
-    </dgm:scene3d>
-    <dgm:sp3d/>
-    <dgm:txPr/>
-    <dgm:style>
-      <a:lnRef idx="2">
-        <a:scrgbClr r="0" g="0" b="0"/>
-      </a:lnRef>
-      <a:fillRef idx="1">
-        <a:scrgbClr r="0" g="0" b="0"/>
-      </a:fillRef>
-      <a:effectRef idx="0">
-        <a:scrgbClr r="0" g="0" b="0"/>
-      </a:effectRef>
-      <a:fontRef idx="minor"/>
-    </dgm:style>
-  </dgm:styleLbl>
-  <dgm:styleLbl name="solidFgAcc1">
-    <dgm:scene3d>
-      <a:camera prst="orthographicFront"/>
-      <a:lightRig rig="threePt" dir="t"/>
-    </dgm:scene3d>
-    <dgm:sp3d/>
-    <dgm:txPr/>
-    <dgm:style>
-      <a:lnRef idx="2">
-        <a:scrgbClr r="0" g="0" b="0"/>
-      </a:lnRef>
-      <a:fillRef idx="1">
-        <a:scrgbClr r="0" g="0" b="0"/>
-      </a:fillRef>
-      <a:effectRef idx="0">
-        <a:scrgbClr r="0" g="0" b="0"/>
-      </a:effectRef>
-      <a:fontRef idx="minor"/>
-    </dgm:style>
-  </dgm:styleLbl>
-  <dgm:styleLbl name="solidAlignAcc1">
-    <dgm:scene3d>
-      <a:camera prst="orthographicFront"/>
-      <a:lightRig rig="threePt" dir="t"/>
-    </dgm:scene3d>
-    <dgm:sp3d/>
-    <dgm:txPr/>
-    <dgm:style>
-      <a:lnRef idx="2">
-        <a:scrgbClr r="0" g="0" b="0"/>
-      </a:lnRef>
-      <a:fillRef idx="1">
-        <a:scrgbClr r="0" g="0" b="0"/>
-      </a:fillRef>
-      <a:effectRef idx="0">
-        <a:scrgbClr r="0" g="0" b="0"/>
-      </a:effectRef>
-      <a:fontRef idx="minor"/>
-    </dgm:style>
-  </dgm:styleLbl>
-  <dgm:styleLbl name="solidBgAcc1">
-    <dgm:scene3d>
-      <a:camera prst="orthographicFront"/>
-      <a:lightRig rig="threePt" dir="t"/>
-    </dgm:scene3d>
-    <dgm:sp3d/>
-    <dgm:txPr/>
-    <dgm:style>
-      <a:lnRef idx="2">
-        <a:scrgbClr r="0" g="0" b="0"/>
-      </a:lnRef>
-      <a:fillRef idx="1">
-        <a:scrgbClr r="0" g="0" b="0"/>
-      </a:fillRef>
-      <a:effectRef idx="0">
-        <a:scrgbClr r="0" g="0" b="0"/>
-      </a:effectRef>
-      <a:fontRef idx="minor"/>
-    </dgm:style>
-  </dgm:styleLbl>
-  <dgm:styleLbl name="fgAccFollowNode1">
-    <dgm:scene3d>
-      <a:camera prst="orthographicFront"/>
-      <a:lightRig rig="threePt" dir="t"/>
-    </dgm:scene3d>
-    <dgm:sp3d/>
-    <dgm:txPr/>
-    <dgm:style>
-      <a:lnRef idx="2">
-        <a:scrgbClr r="0" g="0" b="0"/>
-      </a:lnRef>
-      <a:fillRef idx="1">
-        <a:scrgbClr r="0" g="0" b="0"/>
-      </a:fillRef>
-      <a:effectRef idx="0">
-        <a:scrgbClr r="0" g="0" b="0"/>
-      </a:effectRef>
-      <a:fontRef idx="minor"/>
-    </dgm:style>
-  </dgm:styleLbl>
-  <dgm:styleLbl name="alignAccFollowNode1">
-    <dgm:scene3d>
-      <a:camera prst="orthographicFront"/>
-      <a:lightRig rig="threePt" dir="t"/>
-    </dgm:scene3d>
-    <dgm:sp3d/>
-    <dgm:txPr/>
-    <dgm:style>
-      <a:lnRef idx="2">
-        <a:scrgbClr r="0" g="0" b="0"/>
-      </a:lnRef>
-      <a:fillRef idx="1">
-        <a:scrgbClr r="0" g="0" b="0"/>
-      </a:fillRef>
-      <a:effectRef idx="0">
-        <a:scrgbClr r="0" g="0" b="0"/>
-      </a:effectRef>
-      <a:fontRef idx="minor"/>
-    </dgm:style>
-  </dgm:styleLbl>
-  <dgm:styleLbl name="bgAccFollowNode1">
-    <dgm:scene3d>
-      <a:camera prst="orthographicFront"/>
-      <a:lightRig rig="threePt" dir="t"/>
-    </dgm:scene3d>
-    <dgm:sp3d/>
-    <dgm:txPr/>
-    <dgm:style>
-      <a:lnRef idx="2">
-        <a:scrgbClr r="0" g="0" b="0"/>
-      </a:lnRef>
-      <a:fillRef idx="1">
-        <a:scrgbClr r="0" g="0" b="0"/>
-      </a:fillRef>
-      <a:effectRef idx="0">
-        <a:scrgbClr r="0" g="0" b="0"/>
-      </a:effectRef>
-      <a:fontRef idx="minor"/>
-    </dgm:style>
-  </dgm:styleLbl>
-  <dgm:styleLbl name="fgAcc0">
-    <dgm:scene3d>
-      <a:camera prst="orthographicFront"/>
-      <a:lightRig rig="threePt" dir="t"/>
-    </dgm:scene3d>
-    <dgm:sp3d/>
-    <dgm:txPr/>
-    <dgm:style>
-      <a:lnRef idx="2">
-        <a:scrgbClr r="0" g="0" b="0"/>
-      </a:lnRef>
-      <a:fillRef idx="1">
-        <a:scrgbClr r="0" g="0" b="0"/>
-      </a:fillRef>
-      <a:effectRef idx="0">
-        <a:scrgbClr r="0" g="0" b="0"/>
-      </a:effectRef>
-      <a:fontRef idx="minor"/>
-    </dgm:style>
-  </dgm:styleLbl>
-  <dgm:styleLbl name="fgAcc2">
-    <dgm:scene3d>
-      <a:camera prst="orthographicFront"/>
-      <a:lightRig rig="threePt" dir="t"/>
-    </dgm:scene3d>
-    <dgm:sp3d/>
-    <dgm:txPr/>
-    <dgm:style>
-      <a:lnRef idx="2">
-        <a:scrgbClr r="0" g="0" b="0"/>
-      </a:lnRef>
-      <a:fillRef idx="1">
-        <a:scrgbClr r="0" g="0" b="0"/>
-      </a:fillRef>
-      <a:effectRef idx="0">
-        <a:scrgbClr r="0" g="0" b="0"/>
-      </a:effectRef>
-      <a:fontRef idx="minor"/>
-    </dgm:style>
-  </dgm:styleLbl>
-  <dgm:styleLbl name="fgAcc3">
-    <dgm:scene3d>
-      <a:camera prst="orthographicFront"/>
-      <a:lightRig rig="threePt" dir="t"/>
-    </dgm:scene3d>
-    <dgm:sp3d/>
-    <dgm:txPr/>
-    <dgm:style>
-      <a:lnRef idx="2">
-        <a:scrgbClr r="0" g="0" b="0"/>
-      </a:lnRef>
-      <a:fillRef idx="1">
-        <a:scrgbClr r="0" g="0" b="0"/>
-      </a:fillRef>
-      <a:effectRef idx="0">
-        <a:scrgbClr r="0" g="0" b="0"/>
-      </a:effectRef>
-      <a:fontRef idx="minor"/>
-    </dgm:style>
-  </dgm:styleLbl>
-  <dgm:styleLbl name="fgAcc4">
-    <dgm:scene3d>
-      <a:camera prst="orthographicFront"/>
-      <a:lightRig rig="threePt" dir="t"/>
-    </dgm:scene3d>
-    <dgm:sp3d/>
-    <dgm:txPr/>
-    <dgm:style>
-      <a:lnRef idx="2">
-        <a:scrgbClr r="0" g="0" b="0"/>
-      </a:lnRef>
-      <a:fillRef idx="1">
-        <a:scrgbClr r="0" g="0" b="0"/>
-      </a:fillRef>
-      <a:effectRef idx="0">
-        <a:scrgbClr r="0" g="0" b="0"/>
-      </a:effectRef>
-      <a:fontRef idx="minor"/>
-    </dgm:style>
-  </dgm:styleLbl>
-  <dgm:styleLbl name="bgShp">
-    <dgm:scene3d>
-      <a:camera prst="orthographicFront"/>
-      <a:lightRig rig="threePt" dir="t"/>
-    </dgm:scene3d>
-    <dgm:sp3d/>
-    <dgm:txPr/>
-    <dgm:style>
-      <a:lnRef idx="0">
-        <a:scrgbClr r="0" g="0" b="0"/>
-      </a:lnRef>
-      <a:fillRef idx="1">
-        <a:scrgbClr r="0" g="0" b="0"/>
-      </a:fillRef>
-      <a:effectRef idx="0">
-        <a:scrgbClr r="0" g="0" b="0"/>
-      </a:effectRef>
-      <a:fontRef idx="minor"/>
-    </dgm:style>
-  </dgm:styleLbl>
-  <dgm:styleLbl name="dkBgShp">
-    <dgm:scene3d>
-      <a:camera prst="orthographicFront"/>
-      <a:lightRig rig="threePt" dir="t"/>
-    </dgm:scene3d>
-    <dgm:sp3d/>
-    <dgm:txPr/>
-    <dgm:style>
-      <a:lnRef idx="0">
-        <a:scrgbClr r="0" g="0" b="0"/>
-      </a:lnRef>
-      <a:fillRef idx="1">
-        <a:scrgbClr r="0" g="0" b="0"/>
-      </a:fillRef>
-      <a:effectRef idx="0">
-        <a:scrgbClr r="0" g="0" b="0"/>
-      </a:effectRef>
-      <a:fontRef idx="minor"/>
-    </dgm:style>
-  </dgm:styleLbl>
-  <dgm:styleLbl name="trBgShp">
-    <dgm:scene3d>
-      <a:camera prst="orthographicFront"/>
-      <a:lightRig rig="threePt" dir="t"/>
-    </dgm:scene3d>
-    <dgm:sp3d/>
-    <dgm:txPr/>
-    <dgm:style>
-      <a:lnRef idx="0">
-        <a:scrgbClr r="0" g="0" b="0"/>
-      </a:lnRef>
-      <a:fillRef idx="1">
-        <a:scrgbClr r="0" g="0" b="0"/>
-      </a:fillRef>
-      <a:effectRef idx="0">
-        <a:scrgbClr r="0" g="0" b="0"/>
-      </a:effectRef>
-      <a:fontRef idx="minor"/>
-    </dgm:style>
-  </dgm:styleLbl>
-  <dgm:styleLbl name="fgShp">
-    <dgm:scene3d>
-      <a:camera prst="orthographicFront"/>
-      <a:lightRig rig="threePt" dir="t"/>
-    </dgm:scene3d>
-    <dgm:sp3d/>
-    <dgm:txPr/>
-    <dgm:style>
-      <a:lnRef idx="2">
-        <a:scrgbClr r="0" g="0" b="0"/>
-      </a:lnRef>
-      <a:fillRef idx="1">
-        <a:scrgbClr r="0" g="0" b="0"/>
-      </a:fillRef>
-      <a:effectRef idx="0">
-        <a:scrgbClr r="0" g="0" b="0"/>
-      </a:effectRef>
-      <a:fontRef idx="minor"/>
-    </dgm:style>
-  </dgm:styleLbl>
-  <dgm:styleLbl name="revTx">
-    <dgm:scene3d>
-      <a:camera prst="orthographicFront"/>
-      <a:lightRig rig="threePt" dir="t"/>
-    </dgm:scene3d>
-    <dgm:sp3d/>
-    <dgm:txPr/>
-    <dgm:style>
-      <a:lnRef idx="0">
-        <a:scrgbClr r="0" g="0" b="0"/>
-      </a:lnRef>
-      <a:fillRef idx="0">
-        <a:scrgbClr r="0" g="0" b="0"/>
-      </a:fillRef>
-      <a:effectRef idx="0">
-        <a:scrgbClr r="0" g="0" b="0"/>
-      </a:effectRef>
-      <a:fontRef idx="minor"/>
-    </dgm:style>
-  </dgm:styleLbl>
-</dgm:styleDef>
-</file>
-
 <file path=ppt/notesMasters/notesMaster1.xml><?xml version="1.0" encoding="utf-8"?>
 <p:notesMaster xmlns:a="http://schemas.openxmlformats.org/drawingml/2006/main" xmlns:r="http://schemas.openxmlformats.org/officeDocument/2006/relationships" xmlns:p="http://schemas.openxmlformats.org/presentationml/2006/main">
   <p:cSld>
@@ -18758,15 +15685,7 @@
           <a:p>
             <a:r>
               <a:rPr lang="en-GB" dirty="0"/>
-              <a:t>Our team is quite unusual in </a:t>
-            </a:r>
-            <a:r>
-              <a:rPr lang="en-GB" dirty="0" err="1"/>
-              <a:t>Asos</a:t>
-            </a:r>
-            <a:r>
-              <a:rPr lang="en-GB" dirty="0"/>
-              <a:t>:</a:t>
+              <a:t>Our team:</a:t>
             </a:r>
           </a:p>
           <a:p>
@@ -21251,183 +18170,6 @@
 </file>
 
 <file path=ppt/notesSlides/notesSlide25.xml><?xml version="1.0" encoding="utf-8"?>
-<p:notes xmlns:a="http://schemas.openxmlformats.org/drawingml/2006/main" xmlns:r="http://schemas.openxmlformats.org/officeDocument/2006/relationships" xmlns:p="http://schemas.openxmlformats.org/presentationml/2006/main">
-  <p:cSld>
-    <p:spTree>
-      <p:nvGrpSpPr>
-        <p:cNvPr id="1" name=""/>
-        <p:cNvGrpSpPr/>
-        <p:nvPr/>
-      </p:nvGrpSpPr>
-      <p:grpSpPr>
-        <a:xfrm>
-          <a:off x="0" y="0"/>
-          <a:ext cx="0" cy="0"/>
-          <a:chOff x="0" y="0"/>
-          <a:chExt cx="0" cy="0"/>
-        </a:xfrm>
-      </p:grpSpPr>
-      <p:sp>
-        <p:nvSpPr>
-          <p:cNvPr id="2" name="Slide Image Placeholder 1"/>
-          <p:cNvSpPr>
-            <a:spLocks noGrp="1" noRot="1" noChangeAspect="1"/>
-          </p:cNvSpPr>
-          <p:nvPr>
-            <p:ph type="sldImg"/>
-          </p:nvPr>
-        </p:nvSpPr>
-        <p:spPr/>
-      </p:sp>
-      <p:sp>
-        <p:nvSpPr>
-          <p:cNvPr id="3" name="Notes Placeholder 2"/>
-          <p:cNvSpPr>
-            <a:spLocks noGrp="1"/>
-          </p:cNvSpPr>
-          <p:nvPr>
-            <p:ph type="body" idx="1"/>
-          </p:nvPr>
-        </p:nvSpPr>
-        <p:spPr/>
-        <p:txBody>
-          <a:bodyPr/>
-          <a:lstStyle/>
-          <a:p>
-            <a:pPr marL="0" marR="0" lvl="0" indent="0" algn="l" defTabSz="914400" rtl="0" eaLnBrk="1" fontAlgn="auto" latinLnBrk="0" hangingPunct="1">
-              <a:lnSpc>
-                <a:spcPct val="100000"/>
-              </a:lnSpc>
-              <a:spcBef>
-                <a:spcPts val="0"/>
-              </a:spcBef>
-              <a:spcAft>
-                <a:spcPts val="0"/>
-              </a:spcAft>
-              <a:buClrTx/>
-              <a:buSzTx/>
-              <a:buFontTx/>
-              <a:buNone/>
-              <a:tabLst/>
-              <a:defRPr/>
-            </a:pPr>
-            <a:r>
-              <a:rPr lang="en-GB" dirty="0"/>
-              <a:t>When planning the work, what</a:t>
-            </a:r>
-          </a:p>
-          <a:p>
-            <a:pPr marL="0" marR="0" lvl="0" indent="0" algn="l" defTabSz="914400" rtl="0" eaLnBrk="1" fontAlgn="auto" latinLnBrk="0" hangingPunct="1">
-              <a:lnSpc>
-                <a:spcPct val="100000"/>
-              </a:lnSpc>
-              <a:spcBef>
-                <a:spcPts val="0"/>
-              </a:spcBef>
-              <a:spcAft>
-                <a:spcPts val="0"/>
-              </a:spcAft>
-              <a:buClrTx/>
-              <a:buSzTx/>
-              <a:buFontTx/>
-              <a:buNone/>
-              <a:tabLst/>
-              <a:defRPr/>
-            </a:pPr>
-            <a:endParaRPr lang="en-GB" dirty="0"/>
-          </a:p>
-          <a:p>
-            <a:pPr marL="0" marR="0" lvl="0" indent="0" algn="l" defTabSz="914400" rtl="0" eaLnBrk="1" fontAlgn="auto" latinLnBrk="0" hangingPunct="1">
-              <a:lnSpc>
-                <a:spcPct val="100000"/>
-              </a:lnSpc>
-              <a:spcBef>
-                <a:spcPts val="0"/>
-              </a:spcBef>
-              <a:spcAft>
-                <a:spcPts val="0"/>
-              </a:spcAft>
-              <a:buClrTx/>
-              <a:buSzTx/>
-              <a:buFontTx/>
-              <a:buNone/>
-              <a:tabLst/>
-              <a:defRPr/>
-            </a:pPr>
-            <a:r>
-              <a:rPr lang="en-GB" b="1" dirty="0"/>
-              <a:t>MVP</a:t>
-            </a:r>
-            <a:r>
-              <a:rPr lang="en-GB" dirty="0"/>
-              <a:t>:</a:t>
-            </a:r>
-          </a:p>
-          <a:p>
-            <a:pPr marL="0" marR="0" lvl="0" indent="0" algn="l" defTabSz="914400" rtl="0" eaLnBrk="1" fontAlgn="auto" latinLnBrk="0" hangingPunct="1">
-              <a:lnSpc>
-                <a:spcPct val="100000"/>
-              </a:lnSpc>
-              <a:spcBef>
-                <a:spcPts val="0"/>
-              </a:spcBef>
-              <a:spcAft>
-                <a:spcPts val="0"/>
-              </a:spcAft>
-              <a:buClrTx/>
-              <a:buSzTx/>
-              <a:buFontTx/>
-              <a:buNone/>
-              <a:tabLst/>
-              <a:defRPr/>
-            </a:pPr>
-            <a:r>
-              <a:rPr lang="en-GB" dirty="0"/>
-              <a:t>Work out what the smallest possible amount of work you can do to test your idea, prove your point, get feedback, and... repeat</a:t>
-            </a:r>
-          </a:p>
-          <a:p>
-            <a:endParaRPr lang="en-GB" dirty="0"/>
-          </a:p>
-        </p:txBody>
-      </p:sp>
-      <p:sp>
-        <p:nvSpPr>
-          <p:cNvPr id="4" name="Slide Number Placeholder 3"/>
-          <p:cNvSpPr>
-            <a:spLocks noGrp="1"/>
-          </p:cNvSpPr>
-          <p:nvPr>
-            <p:ph type="sldNum" sz="quarter" idx="10"/>
-          </p:nvPr>
-        </p:nvSpPr>
-        <p:spPr/>
-        <p:txBody>
-          <a:bodyPr/>
-          <a:lstStyle/>
-          <a:p>
-            <a:fld id="{CD07EBF8-396F-4315-AE4D-1B4415FB8D2D}" type="slidenum">
-              <a:rPr lang="en-GB" smtClean="0"/>
-              <a:t>29</a:t>
-            </a:fld>
-            <a:endParaRPr lang="en-GB"/>
-          </a:p>
-        </p:txBody>
-      </p:sp>
-    </p:spTree>
-    <p:extLst>
-      <p:ext uri="{BB962C8B-B14F-4D97-AF65-F5344CB8AC3E}">
-        <p14:creationId xmlns:p14="http://schemas.microsoft.com/office/powerpoint/2010/main" val="2868047373"/>
-      </p:ext>
-    </p:extLst>
-  </p:cSld>
-  <p:clrMapOvr>
-    <a:masterClrMapping/>
-  </p:clrMapOvr>
-</p:notes>
-</file>
-
-<file path=ppt/notesSlides/notesSlide26.xml><?xml version="1.0" encoding="utf-8"?>
 <p:notes xmlns:a="http://schemas.openxmlformats.org/drawingml/2006/main" xmlns:r="http://schemas.openxmlformats.org/officeDocument/2006/relationships" xmlns:p="http://schemas.openxmlformats.org/presentationml/2006/main">
   <p:cSld>
     <p:spTree>
@@ -21555,7 +18297,7 @@
           <a:p>
             <a:fld id="{CD07EBF8-396F-4315-AE4D-1B4415FB8D2D}" type="slidenum">
               <a:rPr lang="en-GB" smtClean="0"/>
-              <a:t>31</a:t>
+              <a:t>29</a:t>
             </a:fld>
             <a:endParaRPr lang="en-GB"/>
           </a:p>
@@ -21565,6 +18307,93 @@
     <p:extLst>
       <p:ext uri="{BB962C8B-B14F-4D97-AF65-F5344CB8AC3E}">
         <p14:creationId xmlns:p14="http://schemas.microsoft.com/office/powerpoint/2010/main" val="3305511814"/>
+      </p:ext>
+    </p:extLst>
+  </p:cSld>
+  <p:clrMapOvr>
+    <a:masterClrMapping/>
+  </p:clrMapOvr>
+</p:notes>
+</file>
+
+<file path=ppt/notesSlides/notesSlide26.xml><?xml version="1.0" encoding="utf-8"?>
+<p:notes xmlns:a="http://schemas.openxmlformats.org/drawingml/2006/main" xmlns:r="http://schemas.openxmlformats.org/officeDocument/2006/relationships" xmlns:p="http://schemas.openxmlformats.org/presentationml/2006/main">
+  <p:cSld>
+    <p:spTree>
+      <p:nvGrpSpPr>
+        <p:cNvPr id="1" name=""/>
+        <p:cNvGrpSpPr/>
+        <p:nvPr/>
+      </p:nvGrpSpPr>
+      <p:grpSpPr>
+        <a:xfrm>
+          <a:off x="0" y="0"/>
+          <a:ext cx="0" cy="0"/>
+          <a:chOff x="0" y="0"/>
+          <a:chExt cx="0" cy="0"/>
+        </a:xfrm>
+      </p:grpSpPr>
+      <p:sp>
+        <p:nvSpPr>
+          <p:cNvPr id="2" name="Slide Image Placeholder 1"/>
+          <p:cNvSpPr>
+            <a:spLocks noGrp="1" noRot="1" noChangeAspect="1"/>
+          </p:cNvSpPr>
+          <p:nvPr>
+            <p:ph type="sldImg"/>
+          </p:nvPr>
+        </p:nvSpPr>
+        <p:spPr/>
+      </p:sp>
+      <p:sp>
+        <p:nvSpPr>
+          <p:cNvPr id="3" name="Notes Placeholder 2"/>
+          <p:cNvSpPr>
+            <a:spLocks noGrp="1"/>
+          </p:cNvSpPr>
+          <p:nvPr>
+            <p:ph type="body" idx="1"/>
+          </p:nvPr>
+        </p:nvSpPr>
+        <p:spPr/>
+        <p:txBody>
+          <a:bodyPr/>
+          <a:lstStyle/>
+          <a:p>
+            <a:r>
+              <a:rPr lang="en-GB" dirty="0"/>
+              <a:t>So how do we do all this?</a:t>
+            </a:r>
+          </a:p>
+        </p:txBody>
+      </p:sp>
+      <p:sp>
+        <p:nvSpPr>
+          <p:cNvPr id="4" name="Slide Number Placeholder 3"/>
+          <p:cNvSpPr>
+            <a:spLocks noGrp="1"/>
+          </p:cNvSpPr>
+          <p:nvPr>
+            <p:ph type="sldNum" sz="quarter" idx="10"/>
+          </p:nvPr>
+        </p:nvSpPr>
+        <p:spPr/>
+        <p:txBody>
+          <a:bodyPr/>
+          <a:lstStyle/>
+          <a:p>
+            <a:fld id="{CD07EBF8-396F-4315-AE4D-1B4415FB8D2D}" type="slidenum">
+              <a:rPr lang="en-GB" smtClean="0"/>
+              <a:t>30</a:t>
+            </a:fld>
+            <a:endParaRPr lang="en-GB"/>
+          </a:p>
+        </p:txBody>
+      </p:sp>
+    </p:spTree>
+    <p:extLst>
+      <p:ext uri="{BB962C8B-B14F-4D97-AF65-F5344CB8AC3E}">
+        <p14:creationId xmlns:p14="http://schemas.microsoft.com/office/powerpoint/2010/main" val="1191449557"/>
       </p:ext>
     </p:extLst>
   </p:cSld>
@@ -21619,8 +18448,66 @@
           <a:lstStyle/>
           <a:p>
             <a:r>
-              <a:rPr lang="en-GB" dirty="0"/>
-              <a:t>So how do we do all this?</a:t>
+              <a:rPr lang="en-GB" sz="1200" b="1" i="0" kern="1200" dirty="0">
+                <a:solidFill>
+                  <a:schemeClr val="tx1"/>
+                </a:solidFill>
+                <a:effectLst/>
+                <a:latin typeface="+mn-lt"/>
+                <a:ea typeface="+mn-ea"/>
+                <a:cs typeface="+mn-cs"/>
+              </a:rPr>
+              <a:t>Continuous Integration</a:t>
+            </a:r>
+            <a:r>
+              <a:rPr lang="en-GB" sz="1200" b="0" i="0" kern="1200" dirty="0">
+                <a:solidFill>
+                  <a:schemeClr val="tx1"/>
+                </a:solidFill>
+                <a:effectLst/>
+                <a:latin typeface="+mn-lt"/>
+                <a:ea typeface="+mn-ea"/>
+                <a:cs typeface="+mn-cs"/>
+              </a:rPr>
+              <a:t> (CI) is a development practice that requires developers to </a:t>
+            </a:r>
+            <a:r>
+              <a:rPr lang="en-GB" sz="1200" b="1" i="0" kern="1200" dirty="0">
+                <a:solidFill>
+                  <a:schemeClr val="tx1"/>
+                </a:solidFill>
+                <a:effectLst/>
+                <a:latin typeface="+mn-lt"/>
+                <a:ea typeface="+mn-ea"/>
+                <a:cs typeface="+mn-cs"/>
+              </a:rPr>
+              <a:t>integrate</a:t>
+            </a:r>
+            <a:r>
+              <a:rPr lang="en-GB" sz="1200" b="0" i="0" kern="1200" dirty="0">
+                <a:solidFill>
+                  <a:schemeClr val="tx1"/>
+                </a:solidFill>
+                <a:effectLst/>
+                <a:latin typeface="+mn-lt"/>
+                <a:ea typeface="+mn-ea"/>
+                <a:cs typeface="+mn-cs"/>
+              </a:rPr>
+              <a:t> code into a shared repository (like git -&gt; the remote server, not the local one)</a:t>
+            </a:r>
+          </a:p>
+          <a:p>
+            <a:r>
+              <a:rPr lang="en-GB" sz="1200" b="0" i="0" kern="1200" dirty="0">
+                <a:solidFill>
+                  <a:schemeClr val="tx1"/>
+                </a:solidFill>
+                <a:effectLst/>
+                <a:latin typeface="+mn-lt"/>
+                <a:ea typeface="+mn-ea"/>
+                <a:cs typeface="+mn-cs"/>
+              </a:rPr>
+              <a:t>several times a day. </a:t>
             </a:r>
           </a:p>
         </p:txBody>
@@ -21642,7 +18529,7 @@
           <a:p>
             <a:fld id="{CD07EBF8-396F-4315-AE4D-1B4415FB8D2D}" type="slidenum">
               <a:rPr lang="en-GB" smtClean="0"/>
-              <a:t>32</a:t>
+              <a:t>31</a:t>
             </a:fld>
             <a:endParaRPr lang="en-GB"/>
           </a:p>
@@ -21651,7 +18538,7 @@
     </p:spTree>
     <p:extLst>
       <p:ext uri="{BB962C8B-B14F-4D97-AF65-F5344CB8AC3E}">
-        <p14:creationId xmlns:p14="http://schemas.microsoft.com/office/powerpoint/2010/main" val="1191449557"/>
+        <p14:creationId xmlns:p14="http://schemas.microsoft.com/office/powerpoint/2010/main" val="117246581"/>
       </p:ext>
     </p:extLst>
   </p:cSld>
@@ -21706,6 +18593,18 @@
           <a:lstStyle/>
           <a:p>
             <a:r>
+              <a:rPr lang="en-GB" sz="1200" b="0" i="0" kern="1200" dirty="0">
+                <a:solidFill>
+                  <a:schemeClr val="tx1"/>
+                </a:solidFill>
+                <a:effectLst/>
+                <a:latin typeface="+mn-lt"/>
+                <a:ea typeface="+mn-ea"/>
+                <a:cs typeface="+mn-cs"/>
+              </a:rPr>
+              <a:t>Each check-in or </a:t>
+            </a:r>
+            <a:r>
               <a:rPr lang="en-GB" sz="1200" b="1" i="0" kern="1200" dirty="0">
                 <a:solidFill>
                   <a:schemeClr val="tx1"/>
@@ -21715,7 +18614,7 @@
                 <a:ea typeface="+mn-ea"/>
                 <a:cs typeface="+mn-cs"/>
               </a:rPr>
-              <a:t>Continuous Integration</a:t>
+              <a:t>commit </a:t>
             </a:r>
             <a:r>
               <a:rPr lang="en-GB" sz="1200" b="0" i="0" kern="1200" dirty="0">
@@ -21727,20 +18626,21 @@
                 <a:ea typeface="+mn-ea"/>
                 <a:cs typeface="+mn-cs"/>
               </a:rPr>
-              <a:t> (CI) is a development practice that requires developers to </a:t>
+              <a:t>is then captured by a CI server connected to the source control</a:t>
             </a:r>
-            <a:r>
-              <a:rPr lang="en-GB" sz="1200" b="1" i="0" kern="1200" dirty="0">
-                <a:solidFill>
-                  <a:schemeClr val="tx1"/>
-                </a:solidFill>
-                <a:effectLst/>
-                <a:latin typeface="+mn-lt"/>
-                <a:ea typeface="+mn-ea"/>
-                <a:cs typeface="+mn-cs"/>
-              </a:rPr>
-              <a:t>integrate</a:t>
-            </a:r>
+          </a:p>
+          <a:p>
+            <a:endParaRPr lang="en-GB" sz="1200" b="0" i="0" kern="1200" dirty="0">
+              <a:solidFill>
+                <a:schemeClr val="tx1"/>
+              </a:solidFill>
+              <a:effectLst/>
+              <a:latin typeface="+mn-lt"/>
+              <a:ea typeface="+mn-ea"/>
+              <a:cs typeface="+mn-cs"/>
+            </a:endParaRPr>
+          </a:p>
+          <a:p>
             <a:r>
               <a:rPr lang="en-GB" sz="1200" b="0" i="0" kern="1200" dirty="0">
                 <a:solidFill>
@@ -21751,8 +18651,19 @@
                 <a:ea typeface="+mn-ea"/>
                 <a:cs typeface="+mn-cs"/>
               </a:rPr>
-              <a:t> code into a shared repository (like git -&gt; the remote server, not the local one)</a:t>
+              <a:t>In the case of ASOS, the CI server is Team City</a:t>
             </a:r>
+          </a:p>
+          <a:p>
+            <a:endParaRPr lang="en-GB" sz="1200" b="0" i="0" kern="1200" dirty="0">
+              <a:solidFill>
+                <a:schemeClr val="tx1"/>
+              </a:solidFill>
+              <a:effectLst/>
+              <a:latin typeface="+mn-lt"/>
+              <a:ea typeface="+mn-ea"/>
+              <a:cs typeface="+mn-cs"/>
+            </a:endParaRPr>
           </a:p>
           <a:p>
             <a:r>
@@ -21765,8 +18676,9 @@
                 <a:ea typeface="+mn-ea"/>
                 <a:cs typeface="+mn-cs"/>
               </a:rPr>
-              <a:t>several times a day. </a:t>
+              <a:t>The CI server fetches the contents of the commit</a:t>
             </a:r>
+            <a:endParaRPr lang="en-GB" dirty="0"/>
           </a:p>
         </p:txBody>
       </p:sp>
@@ -21787,7 +18699,7 @@
           <a:p>
             <a:fld id="{CD07EBF8-396F-4315-AE4D-1B4415FB8D2D}" type="slidenum">
               <a:rPr lang="en-GB" smtClean="0"/>
-              <a:t>33</a:t>
+              <a:t>32</a:t>
             </a:fld>
             <a:endParaRPr lang="en-GB"/>
           </a:p>
@@ -21796,7 +18708,7 @@
     </p:spTree>
     <p:extLst>
       <p:ext uri="{BB962C8B-B14F-4D97-AF65-F5344CB8AC3E}">
-        <p14:creationId xmlns:p14="http://schemas.microsoft.com/office/powerpoint/2010/main" val="117246581"/>
+        <p14:creationId xmlns:p14="http://schemas.microsoft.com/office/powerpoint/2010/main" val="3027935257"/>
       </p:ext>
     </p:extLst>
   </p:cSld>
@@ -21860,284 +18772,7 @@
                 <a:ea typeface="+mn-ea"/>
                 <a:cs typeface="+mn-cs"/>
               </a:rPr>
-              <a:t>Each check-in or </a:t>
-            </a:r>
-            <a:r>
-              <a:rPr lang="en-GB" sz="1200" b="1" i="0" kern="1200" dirty="0">
-                <a:solidFill>
-                  <a:schemeClr val="tx1"/>
-                </a:solidFill>
-                <a:effectLst/>
-                <a:latin typeface="+mn-lt"/>
-                <a:ea typeface="+mn-ea"/>
-                <a:cs typeface="+mn-cs"/>
-              </a:rPr>
-              <a:t>commit </a:t>
-            </a:r>
-            <a:r>
-              <a:rPr lang="en-GB" sz="1200" b="0" i="0" kern="1200" dirty="0">
-                <a:solidFill>
-                  <a:schemeClr val="tx1"/>
-                </a:solidFill>
-                <a:effectLst/>
-                <a:latin typeface="+mn-lt"/>
-                <a:ea typeface="+mn-ea"/>
-                <a:cs typeface="+mn-cs"/>
-              </a:rPr>
-              <a:t>is then captured by a CI server connected to the source control</a:t>
-            </a:r>
-          </a:p>
-          <a:p>
-            <a:endParaRPr lang="en-GB" sz="1200" b="0" i="0" kern="1200" dirty="0">
-              <a:solidFill>
-                <a:schemeClr val="tx1"/>
-              </a:solidFill>
-              <a:effectLst/>
-              <a:latin typeface="+mn-lt"/>
-              <a:ea typeface="+mn-ea"/>
-              <a:cs typeface="+mn-cs"/>
-            </a:endParaRPr>
-          </a:p>
-          <a:p>
-            <a:r>
-              <a:rPr lang="en-GB" sz="1200" b="0" i="0" kern="1200" dirty="0">
-                <a:solidFill>
-                  <a:schemeClr val="tx1"/>
-                </a:solidFill>
-                <a:effectLst/>
-                <a:latin typeface="+mn-lt"/>
-                <a:ea typeface="+mn-ea"/>
-                <a:cs typeface="+mn-cs"/>
-              </a:rPr>
-              <a:t>In the case of ASOS, the CI server is Team City</a:t>
-            </a:r>
-          </a:p>
-          <a:p>
-            <a:endParaRPr lang="en-GB" sz="1200" b="0" i="0" kern="1200" dirty="0">
-              <a:solidFill>
-                <a:schemeClr val="tx1"/>
-              </a:solidFill>
-              <a:effectLst/>
-              <a:latin typeface="+mn-lt"/>
-              <a:ea typeface="+mn-ea"/>
-              <a:cs typeface="+mn-cs"/>
-            </a:endParaRPr>
-          </a:p>
-          <a:p>
-            <a:r>
-              <a:rPr lang="en-GB" sz="1200" b="0" i="0" kern="1200" dirty="0">
-                <a:solidFill>
-                  <a:schemeClr val="tx1"/>
-                </a:solidFill>
-                <a:effectLst/>
-                <a:latin typeface="+mn-lt"/>
-                <a:ea typeface="+mn-ea"/>
-                <a:cs typeface="+mn-cs"/>
-              </a:rPr>
-              <a:t>The CI server fetches the contents of the commit</a:t>
-            </a:r>
-            <a:endParaRPr lang="en-GB" dirty="0"/>
-          </a:p>
-        </p:txBody>
-      </p:sp>
-      <p:sp>
-        <p:nvSpPr>
-          <p:cNvPr id="4" name="Slide Number Placeholder 3"/>
-          <p:cNvSpPr>
-            <a:spLocks noGrp="1"/>
-          </p:cNvSpPr>
-          <p:nvPr>
-            <p:ph type="sldNum" sz="quarter" idx="10"/>
-          </p:nvPr>
-        </p:nvSpPr>
-        <p:spPr/>
-        <p:txBody>
-          <a:bodyPr/>
-          <a:lstStyle/>
-          <a:p>
-            <a:fld id="{CD07EBF8-396F-4315-AE4D-1B4415FB8D2D}" type="slidenum">
-              <a:rPr lang="en-GB" smtClean="0"/>
-              <a:t>34</a:t>
-            </a:fld>
-            <a:endParaRPr lang="en-GB"/>
-          </a:p>
-        </p:txBody>
-      </p:sp>
-    </p:spTree>
-    <p:extLst>
-      <p:ext uri="{BB962C8B-B14F-4D97-AF65-F5344CB8AC3E}">
-        <p14:creationId xmlns:p14="http://schemas.microsoft.com/office/powerpoint/2010/main" val="3027935257"/>
-      </p:ext>
-    </p:extLst>
-  </p:cSld>
-  <p:clrMapOvr>
-    <a:masterClrMapping/>
-  </p:clrMapOvr>
-</p:notes>
-</file>
-
-<file path=ppt/notesSlides/notesSlide3.xml><?xml version="1.0" encoding="utf-8"?>
-<p:notes xmlns:a="http://schemas.openxmlformats.org/drawingml/2006/main" xmlns:r="http://schemas.openxmlformats.org/officeDocument/2006/relationships" xmlns:p="http://schemas.openxmlformats.org/presentationml/2006/main">
-  <p:cSld>
-    <p:spTree>
-      <p:nvGrpSpPr>
-        <p:cNvPr id="1" name=""/>
-        <p:cNvGrpSpPr/>
-        <p:nvPr/>
-      </p:nvGrpSpPr>
-      <p:grpSpPr>
-        <a:xfrm>
-          <a:off x="0" y="0"/>
-          <a:ext cx="0" cy="0"/>
-          <a:chOff x="0" y="0"/>
-          <a:chExt cx="0" cy="0"/>
-        </a:xfrm>
-      </p:grpSpPr>
-      <p:sp>
-        <p:nvSpPr>
-          <p:cNvPr id="2" name="Slide Image Placeholder 1"/>
-          <p:cNvSpPr>
-            <a:spLocks noGrp="1" noRot="1" noChangeAspect="1"/>
-          </p:cNvSpPr>
-          <p:nvPr>
-            <p:ph type="sldImg"/>
-          </p:nvPr>
-        </p:nvSpPr>
-        <p:spPr/>
-      </p:sp>
-      <p:sp>
-        <p:nvSpPr>
-          <p:cNvPr id="3" name="Notes Placeholder 2"/>
-          <p:cNvSpPr>
-            <a:spLocks noGrp="1"/>
-          </p:cNvSpPr>
-          <p:nvPr>
-            <p:ph type="body" idx="1"/>
-          </p:nvPr>
-        </p:nvSpPr>
-        <p:spPr/>
-        <p:txBody>
-          <a:bodyPr/>
-          <a:lstStyle/>
-          <a:p>
-            <a:r>
-              <a:rPr lang="en-GB" dirty="0"/>
-              <a:t>PROBLEMS:</a:t>
-            </a:r>
-          </a:p>
-          <a:p>
-            <a:pPr marL="171450" indent="-171450">
-              <a:buFontTx/>
-              <a:buChar char="-"/>
-            </a:pPr>
-            <a:r>
-              <a:rPr lang="en-GB" dirty="0"/>
-              <a:t>No backups</a:t>
-            </a:r>
-          </a:p>
-          <a:p>
-            <a:pPr marL="171450" indent="-171450">
-              <a:buFontTx/>
-              <a:buChar char="-"/>
-            </a:pPr>
-            <a:r>
-              <a:rPr lang="en-GB" dirty="0"/>
-              <a:t>No versioning</a:t>
-            </a:r>
-          </a:p>
-        </p:txBody>
-      </p:sp>
-      <p:sp>
-        <p:nvSpPr>
-          <p:cNvPr id="4" name="Slide Number Placeholder 3"/>
-          <p:cNvSpPr>
-            <a:spLocks noGrp="1"/>
-          </p:cNvSpPr>
-          <p:nvPr>
-            <p:ph type="sldNum" sz="quarter" idx="10"/>
-          </p:nvPr>
-        </p:nvSpPr>
-        <p:spPr/>
-        <p:txBody>
-          <a:bodyPr/>
-          <a:lstStyle/>
-          <a:p>
-            <a:fld id="{CD07EBF8-396F-4315-AE4D-1B4415FB8D2D}" type="slidenum">
-              <a:rPr lang="en-GB" smtClean="0"/>
-              <a:t>5</a:t>
-            </a:fld>
-            <a:endParaRPr lang="en-GB"/>
-          </a:p>
-        </p:txBody>
-      </p:sp>
-    </p:spTree>
-    <p:extLst>
-      <p:ext uri="{BB962C8B-B14F-4D97-AF65-F5344CB8AC3E}">
-        <p14:creationId xmlns:p14="http://schemas.microsoft.com/office/powerpoint/2010/main" val="1282574151"/>
-      </p:ext>
-    </p:extLst>
-  </p:cSld>
-  <p:clrMapOvr>
-    <a:masterClrMapping/>
-  </p:clrMapOvr>
-</p:notes>
-</file>
-
-<file path=ppt/notesSlides/notesSlide30.xml><?xml version="1.0" encoding="utf-8"?>
-<p:notes xmlns:a="http://schemas.openxmlformats.org/drawingml/2006/main" xmlns:r="http://schemas.openxmlformats.org/officeDocument/2006/relationships" xmlns:p="http://schemas.openxmlformats.org/presentationml/2006/main">
-  <p:cSld>
-    <p:spTree>
-      <p:nvGrpSpPr>
-        <p:cNvPr id="1" name=""/>
-        <p:cNvGrpSpPr/>
-        <p:nvPr/>
-      </p:nvGrpSpPr>
-      <p:grpSpPr>
-        <a:xfrm>
-          <a:off x="0" y="0"/>
-          <a:ext cx="0" cy="0"/>
-          <a:chOff x="0" y="0"/>
-          <a:chExt cx="0" cy="0"/>
-        </a:xfrm>
-      </p:grpSpPr>
-      <p:sp>
-        <p:nvSpPr>
-          <p:cNvPr id="2" name="Slide Image Placeholder 1"/>
-          <p:cNvSpPr>
-            <a:spLocks noGrp="1" noRot="1" noChangeAspect="1"/>
-          </p:cNvSpPr>
-          <p:nvPr>
-            <p:ph type="sldImg"/>
-          </p:nvPr>
-        </p:nvSpPr>
-        <p:spPr/>
-      </p:sp>
-      <p:sp>
-        <p:nvSpPr>
-          <p:cNvPr id="3" name="Notes Placeholder 2"/>
-          <p:cNvSpPr>
-            <a:spLocks noGrp="1"/>
-          </p:cNvSpPr>
-          <p:nvPr>
-            <p:ph type="body" idx="1"/>
-          </p:nvPr>
-        </p:nvSpPr>
-        <p:spPr/>
-        <p:txBody>
-          <a:bodyPr/>
-          <a:lstStyle/>
-          <a:p>
-            <a:r>
-              <a:rPr lang="en-GB" sz="1200" b="0" i="0" kern="1200" dirty="0">
-                <a:solidFill>
-                  <a:schemeClr val="tx1"/>
-                </a:solidFill>
-                <a:effectLst/>
-                <a:latin typeface="+mn-lt"/>
-                <a:ea typeface="+mn-ea"/>
-                <a:cs typeface="+mn-cs"/>
-              </a:rPr>
-              <a:t>That automatically triggers on the CI server a process called </a:t>
+              <a:t>That automatically triggers a process called </a:t>
             </a:r>
             <a:r>
               <a:rPr lang="en-GB" sz="1200" b="1" i="0" kern="1200" dirty="0">
@@ -22151,6 +18786,27 @@
               </a:rPr>
               <a:t>“build”</a:t>
             </a:r>
+            <a:r>
+              <a:rPr lang="en-GB" sz="1200" b="0" i="0" kern="1200" dirty="0">
+                <a:solidFill>
+                  <a:schemeClr val="tx1"/>
+                </a:solidFill>
+                <a:effectLst/>
+                <a:latin typeface="+mn-lt"/>
+                <a:ea typeface="+mn-ea"/>
+                <a:cs typeface="+mn-cs"/>
+              </a:rPr>
+              <a:t> on the CI server</a:t>
+            </a:r>
+            <a:endParaRPr lang="en-GB" sz="1200" b="1" i="0" kern="1200" dirty="0">
+              <a:solidFill>
+                <a:schemeClr val="tx1"/>
+              </a:solidFill>
+              <a:effectLst/>
+              <a:latin typeface="+mn-lt"/>
+              <a:ea typeface="+mn-ea"/>
+              <a:cs typeface="+mn-cs"/>
+            </a:endParaRPr>
           </a:p>
           <a:p>
             <a:endParaRPr lang="en-GB" sz="1200" b="1" i="0" kern="1200" dirty="0">
@@ -22472,7 +19128,31 @@
                 <a:ea typeface="+mn-ea"/>
                 <a:cs typeface="+mn-cs"/>
               </a:rPr>
-              <a:t> version of the application </a:t>
+              <a:t> version of the application, minify the files (</a:t>
+            </a:r>
+            <a:r>
+              <a:rPr lang="en-GB" sz="1200" b="0" i="0" kern="1200" dirty="0" err="1">
+                <a:solidFill>
+                  <a:schemeClr val="tx1"/>
+                </a:solidFill>
+                <a:effectLst/>
+                <a:latin typeface="+mn-lt"/>
+                <a:ea typeface="+mn-ea"/>
+                <a:cs typeface="+mn-cs"/>
+              </a:rPr>
+              <a:t>javascript</a:t>
+            </a:r>
+            <a:r>
+              <a:rPr lang="en-GB" sz="1200" b="0" i="0" kern="1200" dirty="0">
+                <a:solidFill>
+                  <a:schemeClr val="tx1"/>
+                </a:solidFill>
+                <a:effectLst/>
+                <a:latin typeface="+mn-lt"/>
+                <a:ea typeface="+mn-ea"/>
+                <a:cs typeface="+mn-cs"/>
+              </a:rPr>
+              <a:t>)</a:t>
             </a:r>
           </a:p>
           <a:p>
@@ -22525,7 +19205,7 @@
           <a:p>
             <a:fld id="{CD07EBF8-396F-4315-AE4D-1B4415FB8D2D}" type="slidenum">
               <a:rPr lang="en-GB" smtClean="0"/>
-              <a:t>35</a:t>
+              <a:t>33</a:t>
             </a:fld>
             <a:endParaRPr lang="en-GB"/>
           </a:p>
@@ -22535,6 +19215,249 @@
     <p:extLst>
       <p:ext uri="{BB962C8B-B14F-4D97-AF65-F5344CB8AC3E}">
         <p14:creationId xmlns:p14="http://schemas.microsoft.com/office/powerpoint/2010/main" val="3479167027"/>
+      </p:ext>
+    </p:extLst>
+  </p:cSld>
+  <p:clrMapOvr>
+    <a:masterClrMapping/>
+  </p:clrMapOvr>
+</p:notes>
+</file>
+
+<file path=ppt/notesSlides/notesSlide3.xml><?xml version="1.0" encoding="utf-8"?>
+<p:notes xmlns:a="http://schemas.openxmlformats.org/drawingml/2006/main" xmlns:r="http://schemas.openxmlformats.org/officeDocument/2006/relationships" xmlns:p="http://schemas.openxmlformats.org/presentationml/2006/main">
+  <p:cSld>
+    <p:spTree>
+      <p:nvGrpSpPr>
+        <p:cNvPr id="1" name=""/>
+        <p:cNvGrpSpPr/>
+        <p:nvPr/>
+      </p:nvGrpSpPr>
+      <p:grpSpPr>
+        <a:xfrm>
+          <a:off x="0" y="0"/>
+          <a:ext cx="0" cy="0"/>
+          <a:chOff x="0" y="0"/>
+          <a:chExt cx="0" cy="0"/>
+        </a:xfrm>
+      </p:grpSpPr>
+      <p:sp>
+        <p:nvSpPr>
+          <p:cNvPr id="2" name="Slide Image Placeholder 1"/>
+          <p:cNvSpPr>
+            <a:spLocks noGrp="1" noRot="1" noChangeAspect="1"/>
+          </p:cNvSpPr>
+          <p:nvPr>
+            <p:ph type="sldImg"/>
+          </p:nvPr>
+        </p:nvSpPr>
+        <p:spPr/>
+      </p:sp>
+      <p:sp>
+        <p:nvSpPr>
+          <p:cNvPr id="3" name="Notes Placeholder 2"/>
+          <p:cNvSpPr>
+            <a:spLocks noGrp="1"/>
+          </p:cNvSpPr>
+          <p:nvPr>
+            <p:ph type="body" idx="1"/>
+          </p:nvPr>
+        </p:nvSpPr>
+        <p:spPr/>
+        <p:txBody>
+          <a:bodyPr/>
+          <a:lstStyle/>
+          <a:p>
+            <a:r>
+              <a:rPr lang="en-GB" dirty="0"/>
+              <a:t>PROBLEMS:</a:t>
+            </a:r>
+          </a:p>
+          <a:p>
+            <a:pPr marL="171450" indent="-171450">
+              <a:buFontTx/>
+              <a:buChar char="-"/>
+            </a:pPr>
+            <a:r>
+              <a:rPr lang="en-GB" dirty="0"/>
+              <a:t>No backups</a:t>
+            </a:r>
+          </a:p>
+          <a:p>
+            <a:pPr marL="171450" indent="-171450">
+              <a:buFontTx/>
+              <a:buChar char="-"/>
+            </a:pPr>
+            <a:r>
+              <a:rPr lang="en-GB" dirty="0"/>
+              <a:t>No versioning</a:t>
+            </a:r>
+          </a:p>
+        </p:txBody>
+      </p:sp>
+      <p:sp>
+        <p:nvSpPr>
+          <p:cNvPr id="4" name="Slide Number Placeholder 3"/>
+          <p:cNvSpPr>
+            <a:spLocks noGrp="1"/>
+          </p:cNvSpPr>
+          <p:nvPr>
+            <p:ph type="sldNum" sz="quarter" idx="10"/>
+          </p:nvPr>
+        </p:nvSpPr>
+        <p:spPr/>
+        <p:txBody>
+          <a:bodyPr/>
+          <a:lstStyle/>
+          <a:p>
+            <a:fld id="{CD07EBF8-396F-4315-AE4D-1B4415FB8D2D}" type="slidenum">
+              <a:rPr lang="en-GB" smtClean="0"/>
+              <a:t>5</a:t>
+            </a:fld>
+            <a:endParaRPr lang="en-GB"/>
+          </a:p>
+        </p:txBody>
+      </p:sp>
+    </p:spTree>
+    <p:extLst>
+      <p:ext uri="{BB962C8B-B14F-4D97-AF65-F5344CB8AC3E}">
+        <p14:creationId xmlns:p14="http://schemas.microsoft.com/office/powerpoint/2010/main" val="1282574151"/>
+      </p:ext>
+    </p:extLst>
+  </p:cSld>
+  <p:clrMapOvr>
+    <a:masterClrMapping/>
+  </p:clrMapOvr>
+</p:notes>
+</file>
+
+<file path=ppt/notesSlides/notesSlide30.xml><?xml version="1.0" encoding="utf-8"?>
+<p:notes xmlns:a="http://schemas.openxmlformats.org/drawingml/2006/main" xmlns:r="http://schemas.openxmlformats.org/officeDocument/2006/relationships" xmlns:p="http://schemas.openxmlformats.org/presentationml/2006/main">
+  <p:cSld>
+    <p:spTree>
+      <p:nvGrpSpPr>
+        <p:cNvPr id="1" name=""/>
+        <p:cNvGrpSpPr/>
+        <p:nvPr/>
+      </p:nvGrpSpPr>
+      <p:grpSpPr>
+        <a:xfrm>
+          <a:off x="0" y="0"/>
+          <a:ext cx="0" cy="0"/>
+          <a:chOff x="0" y="0"/>
+          <a:chExt cx="0" cy="0"/>
+        </a:xfrm>
+      </p:grpSpPr>
+      <p:sp>
+        <p:nvSpPr>
+          <p:cNvPr id="2" name="Slide Image Placeholder 1"/>
+          <p:cNvSpPr>
+            <a:spLocks noGrp="1" noRot="1" noChangeAspect="1"/>
+          </p:cNvSpPr>
+          <p:nvPr>
+            <p:ph type="sldImg"/>
+          </p:nvPr>
+        </p:nvSpPr>
+        <p:spPr/>
+      </p:sp>
+      <p:sp>
+        <p:nvSpPr>
+          <p:cNvPr id="3" name="Notes Placeholder 2"/>
+          <p:cNvSpPr>
+            <a:spLocks noGrp="1"/>
+          </p:cNvSpPr>
+          <p:nvPr>
+            <p:ph type="body" idx="1"/>
+          </p:nvPr>
+        </p:nvSpPr>
+        <p:spPr/>
+        <p:txBody>
+          <a:bodyPr/>
+          <a:lstStyle/>
+          <a:p>
+            <a:r>
+              <a:rPr lang="en-GB" dirty="0"/>
+              <a:t>Let’s imagine that the Unit Tests pass, but the Integration Tests fail, because there’s something wrong with the way we communicate with the DB in the code</a:t>
+            </a:r>
+          </a:p>
+          <a:p>
+            <a:endParaRPr lang="en-GB" dirty="0"/>
+          </a:p>
+          <a:p>
+            <a:r>
+              <a:rPr lang="en-GB" dirty="0"/>
+              <a:t>The Acceptance Tests won’t even execute, there’s no point in doing it</a:t>
+            </a:r>
+          </a:p>
+          <a:p>
+            <a:endParaRPr lang="en-GB" dirty="0"/>
+          </a:p>
+          <a:p>
+            <a:r>
+              <a:rPr lang="en-GB" dirty="0"/>
+              <a:t>At this point all the team is notified that the build is </a:t>
+            </a:r>
+            <a:r>
+              <a:rPr lang="en-GB" b="1" dirty="0"/>
+              <a:t>“broken”</a:t>
+            </a:r>
+            <a:r>
+              <a:rPr lang="en-GB" b="0" dirty="0"/>
+              <a:t>, and what they need to do </a:t>
+            </a:r>
+            <a:r>
+              <a:rPr lang="en-GB" b="1" dirty="0"/>
+              <a:t>asap</a:t>
+            </a:r>
+            <a:r>
+              <a:rPr lang="en-GB" b="0" dirty="0"/>
+              <a:t> is </a:t>
+            </a:r>
+            <a:r>
+              <a:rPr lang="en-GB" b="1" dirty="0"/>
+              <a:t>fix it</a:t>
+            </a:r>
+            <a:r>
+              <a:rPr lang="en-GB" b="0" dirty="0"/>
+              <a:t>. </a:t>
+            </a:r>
+          </a:p>
+          <a:p>
+            <a:r>
+              <a:rPr lang="en-GB" b="0" dirty="0"/>
+              <a:t>IMPORTANT: You don’t commit anything on a broken build (it only makes the problem harder to fix)</a:t>
+            </a:r>
+            <a:endParaRPr lang="en-GB" b="1" dirty="0"/>
+          </a:p>
+        </p:txBody>
+      </p:sp>
+      <p:sp>
+        <p:nvSpPr>
+          <p:cNvPr id="4" name="Slide Number Placeholder 3"/>
+          <p:cNvSpPr>
+            <a:spLocks noGrp="1"/>
+          </p:cNvSpPr>
+          <p:nvPr>
+            <p:ph type="sldNum" sz="quarter" idx="10"/>
+          </p:nvPr>
+        </p:nvSpPr>
+        <p:spPr/>
+        <p:txBody>
+          <a:bodyPr/>
+          <a:lstStyle/>
+          <a:p>
+            <a:fld id="{CD07EBF8-396F-4315-AE4D-1B4415FB8D2D}" type="slidenum">
+              <a:rPr lang="en-GB" smtClean="0"/>
+              <a:t>34</a:t>
+            </a:fld>
+            <a:endParaRPr lang="en-GB"/>
+          </a:p>
+        </p:txBody>
+      </p:sp>
+    </p:spTree>
+    <p:extLst>
+      <p:ext uri="{BB962C8B-B14F-4D97-AF65-F5344CB8AC3E}">
+        <p14:creationId xmlns:p14="http://schemas.microsoft.com/office/powerpoint/2010/main" val="2968933578"/>
       </p:ext>
     </p:extLst>
   </p:cSld>
@@ -22588,59 +19511,120 @@
           <a:bodyPr/>
           <a:lstStyle/>
           <a:p>
+            <a:pPr marL="228600" indent="-228600">
+              <a:buFont typeface="+mj-lt"/>
+              <a:buAutoNum type="arabicPeriod"/>
+            </a:pPr>
             <a:r>
-              <a:rPr lang="en-GB" dirty="0"/>
-              <a:t>Let’s imagine that the Unit Tests pass, but the Integration Tests fail, because there’s something wrong with the way we communicate with the DB in the code</a:t>
+              <a:rPr lang="en-GB" sz="1200" b="0" i="0" kern="1200" dirty="0">
+                <a:solidFill>
+                  <a:schemeClr val="tx1"/>
+                </a:solidFill>
+                <a:effectLst/>
+                <a:latin typeface="+mn-lt"/>
+                <a:ea typeface="+mn-ea"/>
+                <a:cs typeface="+mn-cs"/>
+              </a:rPr>
+              <a:t>We fix the problem in the code</a:t>
             </a:r>
           </a:p>
           <a:p>
+            <a:pPr marL="228600" indent="-228600">
+              <a:buFont typeface="+mj-lt"/>
+              <a:buAutoNum type="arabicPeriod"/>
+            </a:pPr>
+            <a:r>
+              <a:rPr lang="en-GB" sz="1200" b="0" i="0" kern="1200" dirty="0">
+                <a:solidFill>
+                  <a:schemeClr val="tx1"/>
+                </a:solidFill>
+                <a:effectLst/>
+                <a:latin typeface="+mn-lt"/>
+                <a:ea typeface="+mn-ea"/>
+                <a:cs typeface="+mn-cs"/>
+              </a:rPr>
+              <a:t>Make the tests pass locally and commit them</a:t>
+            </a:r>
+          </a:p>
+          <a:p>
+            <a:pPr marL="228600" indent="-228600">
+              <a:buFont typeface="+mj-lt"/>
+              <a:buAutoNum type="arabicPeriod"/>
+            </a:pPr>
+            <a:r>
+              <a:rPr lang="en-GB" sz="1200" b="0" i="0" kern="1200" dirty="0">
+                <a:solidFill>
+                  <a:schemeClr val="tx1"/>
+                </a:solidFill>
+                <a:effectLst/>
+                <a:latin typeface="+mn-lt"/>
+                <a:ea typeface="+mn-ea"/>
+                <a:cs typeface="+mn-cs"/>
+              </a:rPr>
+              <a:t>Push the code the git remote</a:t>
+            </a:r>
+          </a:p>
+          <a:p>
+            <a:pPr marL="228600" indent="-228600">
+              <a:buFont typeface="+mj-lt"/>
+              <a:buAutoNum type="arabicPeriod"/>
+            </a:pPr>
+            <a:r>
+              <a:rPr lang="en-GB" sz="1200" b="0" i="0" kern="1200" dirty="0">
+                <a:solidFill>
+                  <a:schemeClr val="tx1"/>
+                </a:solidFill>
+                <a:effectLst/>
+                <a:latin typeface="+mn-lt"/>
+                <a:ea typeface="+mn-ea"/>
+                <a:cs typeface="+mn-cs"/>
+              </a:rPr>
+              <a:t>A new version is created: #1.0.2</a:t>
+            </a:r>
+          </a:p>
+          <a:p>
+            <a:pPr marL="228600" indent="-228600">
+              <a:buFont typeface="+mj-lt"/>
+              <a:buAutoNum type="arabicPeriod"/>
+            </a:pPr>
+            <a:r>
+              <a:rPr lang="en-GB" sz="1200" b="0" i="0" kern="1200" dirty="0">
+                <a:solidFill>
+                  <a:schemeClr val="tx1"/>
+                </a:solidFill>
+                <a:effectLst/>
+                <a:latin typeface="+mn-lt"/>
+                <a:ea typeface="+mn-ea"/>
+                <a:cs typeface="+mn-cs"/>
+              </a:rPr>
+              <a:t>The tests pass on the build now, and the CI server confirm everybody that there’s a new version ready to deploy</a:t>
+            </a:r>
+          </a:p>
+          <a:p>
+            <a:endParaRPr lang="en-GB" sz="1200" b="0" i="0" kern="1200" dirty="0">
+              <a:solidFill>
+                <a:schemeClr val="tx1"/>
+              </a:solidFill>
+              <a:effectLst/>
+              <a:latin typeface="+mn-lt"/>
+              <a:ea typeface="+mn-ea"/>
+              <a:cs typeface="+mn-cs"/>
+            </a:endParaRPr>
+          </a:p>
+          <a:p>
+            <a:r>
+              <a:rPr lang="en-GB" sz="1200" b="0" i="0" kern="1200" dirty="0">
+                <a:solidFill>
+                  <a:schemeClr val="tx1"/>
+                </a:solidFill>
+                <a:effectLst/>
+                <a:latin typeface="+mn-lt"/>
+                <a:ea typeface="+mn-ea"/>
+                <a:cs typeface="+mn-cs"/>
+              </a:rPr>
+              <a:t>And that’s is essentially what we mean by “continuous integration”</a:t>
+            </a:r>
             <a:endParaRPr lang="en-GB" dirty="0"/>
-          </a:p>
-          <a:p>
-            <a:r>
-              <a:rPr lang="en-GB" dirty="0"/>
-              <a:t>The Acceptance Tests won’t even execute, there’s no point in doing it</a:t>
-            </a:r>
-          </a:p>
-          <a:p>
-            <a:endParaRPr lang="en-GB" dirty="0"/>
-          </a:p>
-          <a:p>
-            <a:r>
-              <a:rPr lang="en-GB" dirty="0"/>
-              <a:t>At this point all the team is notified that the build is </a:t>
-            </a:r>
-            <a:r>
-              <a:rPr lang="en-GB" b="1" dirty="0"/>
-              <a:t>“broken”</a:t>
-            </a:r>
-            <a:r>
-              <a:rPr lang="en-GB" b="0" dirty="0"/>
-              <a:t>, and what they need to do </a:t>
-            </a:r>
-            <a:r>
-              <a:rPr lang="en-GB" b="1" dirty="0"/>
-              <a:t>asap</a:t>
-            </a:r>
-            <a:r>
-              <a:rPr lang="en-GB" b="0" dirty="0"/>
-              <a:t> is </a:t>
-            </a:r>
-            <a:r>
-              <a:rPr lang="en-GB" b="1" dirty="0"/>
-              <a:t>fix it</a:t>
-            </a:r>
-            <a:r>
-              <a:rPr lang="en-GB" b="0" dirty="0"/>
-              <a:t>. </a:t>
-            </a:r>
-          </a:p>
-          <a:p>
-            <a:r>
-              <a:rPr lang="en-GB" b="0" dirty="0"/>
-              <a:t>IMPORTANT: You don’t commit anything on a broken build (it only makes the problem harder to fix)</a:t>
-            </a:r>
-            <a:endParaRPr lang="en-GB" b="1" dirty="0"/>
           </a:p>
         </p:txBody>
       </p:sp>
@@ -22661,204 +19645,7 @@
           <a:p>
             <a:fld id="{CD07EBF8-396F-4315-AE4D-1B4415FB8D2D}" type="slidenum">
               <a:rPr lang="en-GB" smtClean="0"/>
-              <a:t>36</a:t>
-            </a:fld>
-            <a:endParaRPr lang="en-GB"/>
-          </a:p>
-        </p:txBody>
-      </p:sp>
-    </p:spTree>
-    <p:extLst>
-      <p:ext uri="{BB962C8B-B14F-4D97-AF65-F5344CB8AC3E}">
-        <p14:creationId xmlns:p14="http://schemas.microsoft.com/office/powerpoint/2010/main" val="2968933578"/>
-      </p:ext>
-    </p:extLst>
-  </p:cSld>
-  <p:clrMapOvr>
-    <a:masterClrMapping/>
-  </p:clrMapOvr>
-</p:notes>
-</file>
-
-<file path=ppt/notesSlides/notesSlide32.xml><?xml version="1.0" encoding="utf-8"?>
-<p:notes xmlns:a="http://schemas.openxmlformats.org/drawingml/2006/main" xmlns:r="http://schemas.openxmlformats.org/officeDocument/2006/relationships" xmlns:p="http://schemas.openxmlformats.org/presentationml/2006/main">
-  <p:cSld>
-    <p:spTree>
-      <p:nvGrpSpPr>
-        <p:cNvPr id="1" name=""/>
-        <p:cNvGrpSpPr/>
-        <p:nvPr/>
-      </p:nvGrpSpPr>
-      <p:grpSpPr>
-        <a:xfrm>
-          <a:off x="0" y="0"/>
-          <a:ext cx="0" cy="0"/>
-          <a:chOff x="0" y="0"/>
-          <a:chExt cx="0" cy="0"/>
-        </a:xfrm>
-      </p:grpSpPr>
-      <p:sp>
-        <p:nvSpPr>
-          <p:cNvPr id="2" name="Slide Image Placeholder 1"/>
-          <p:cNvSpPr>
-            <a:spLocks noGrp="1" noRot="1" noChangeAspect="1"/>
-          </p:cNvSpPr>
-          <p:nvPr>
-            <p:ph type="sldImg"/>
-          </p:nvPr>
-        </p:nvSpPr>
-        <p:spPr/>
-      </p:sp>
-      <p:sp>
-        <p:nvSpPr>
-          <p:cNvPr id="3" name="Notes Placeholder 2"/>
-          <p:cNvSpPr>
-            <a:spLocks noGrp="1"/>
-          </p:cNvSpPr>
-          <p:nvPr>
-            <p:ph type="body" idx="1"/>
-          </p:nvPr>
-        </p:nvSpPr>
-        <p:spPr/>
-        <p:txBody>
-          <a:bodyPr/>
-          <a:lstStyle/>
-          <a:p>
-            <a:pPr marL="228600" indent="-228600">
-              <a:buFont typeface="+mj-lt"/>
-              <a:buAutoNum type="arabicPeriod"/>
-            </a:pPr>
-            <a:r>
-              <a:rPr lang="en-GB" sz="1200" b="0" i="0" kern="1200" dirty="0">
-                <a:solidFill>
-                  <a:schemeClr val="tx1"/>
-                </a:solidFill>
-                <a:effectLst/>
-                <a:latin typeface="+mn-lt"/>
-                <a:ea typeface="+mn-ea"/>
-                <a:cs typeface="+mn-cs"/>
-              </a:rPr>
-              <a:t>We fix the problem in the code</a:t>
-            </a:r>
-          </a:p>
-          <a:p>
-            <a:pPr marL="228600" indent="-228600">
-              <a:buFont typeface="+mj-lt"/>
-              <a:buAutoNum type="arabicPeriod"/>
-            </a:pPr>
-            <a:r>
-              <a:rPr lang="en-GB" sz="1200" b="0" i="0" kern="1200" dirty="0">
-                <a:solidFill>
-                  <a:schemeClr val="tx1"/>
-                </a:solidFill>
-                <a:effectLst/>
-                <a:latin typeface="+mn-lt"/>
-                <a:ea typeface="+mn-ea"/>
-                <a:cs typeface="+mn-cs"/>
-              </a:rPr>
-              <a:t>Make the tests pass locally and commit them</a:t>
-            </a:r>
-          </a:p>
-          <a:p>
-            <a:pPr marL="228600" indent="-228600">
-              <a:buFont typeface="+mj-lt"/>
-              <a:buAutoNum type="arabicPeriod"/>
-            </a:pPr>
-            <a:r>
-              <a:rPr lang="en-GB" sz="1200" b="0" i="0" kern="1200" dirty="0">
-                <a:solidFill>
-                  <a:schemeClr val="tx1"/>
-                </a:solidFill>
-                <a:effectLst/>
-                <a:latin typeface="+mn-lt"/>
-                <a:ea typeface="+mn-ea"/>
-                <a:cs typeface="+mn-cs"/>
-              </a:rPr>
-              <a:t>Push the code the git remote</a:t>
-            </a:r>
-          </a:p>
-          <a:p>
-            <a:pPr marL="228600" indent="-228600">
-              <a:buFont typeface="+mj-lt"/>
-              <a:buAutoNum type="arabicPeriod"/>
-            </a:pPr>
-            <a:r>
-              <a:rPr lang="en-GB" sz="1200" b="0" i="0" kern="1200" dirty="0">
-                <a:solidFill>
-                  <a:schemeClr val="tx1"/>
-                </a:solidFill>
-                <a:effectLst/>
-                <a:latin typeface="+mn-lt"/>
-                <a:ea typeface="+mn-ea"/>
-                <a:cs typeface="+mn-cs"/>
-              </a:rPr>
-              <a:t>A new version is created: #1.0.2</a:t>
-            </a:r>
-          </a:p>
-          <a:p>
-            <a:pPr marL="228600" indent="-228600">
-              <a:buFont typeface="+mj-lt"/>
-              <a:buAutoNum type="arabicPeriod"/>
-            </a:pPr>
-            <a:r>
-              <a:rPr lang="en-GB" sz="1200" b="0" i="0" kern="1200" dirty="0">
-                <a:solidFill>
-                  <a:schemeClr val="tx1"/>
-                </a:solidFill>
-                <a:effectLst/>
-                <a:latin typeface="+mn-lt"/>
-                <a:ea typeface="+mn-ea"/>
-                <a:cs typeface="+mn-cs"/>
-              </a:rPr>
-              <a:t>The tests pass on the build now, and the CI server confirm everybody that there’s a new version ready to deploy</a:t>
-            </a:r>
-          </a:p>
-          <a:p>
-            <a:endParaRPr lang="en-GB" sz="1200" b="0" i="0" kern="1200" dirty="0">
-              <a:solidFill>
-                <a:schemeClr val="tx1"/>
-              </a:solidFill>
-              <a:effectLst/>
-              <a:latin typeface="+mn-lt"/>
-              <a:ea typeface="+mn-ea"/>
-              <a:cs typeface="+mn-cs"/>
-            </a:endParaRPr>
-          </a:p>
-          <a:p>
-            <a:r>
-              <a:rPr lang="en-GB" sz="1200" b="0" i="0" kern="1200" dirty="0">
-                <a:solidFill>
-                  <a:schemeClr val="tx1"/>
-                </a:solidFill>
-                <a:effectLst/>
-                <a:latin typeface="+mn-lt"/>
-                <a:ea typeface="+mn-ea"/>
-                <a:cs typeface="+mn-cs"/>
-              </a:rPr>
-              <a:t>And that’s is essentially what we mean by “continuous integration”</a:t>
-            </a:r>
-            <a:endParaRPr lang="en-GB" dirty="0"/>
-          </a:p>
-        </p:txBody>
-      </p:sp>
-      <p:sp>
-        <p:nvSpPr>
-          <p:cNvPr id="4" name="Slide Number Placeholder 3"/>
-          <p:cNvSpPr>
-            <a:spLocks noGrp="1"/>
-          </p:cNvSpPr>
-          <p:nvPr>
-            <p:ph type="sldNum" sz="quarter" idx="10"/>
-          </p:nvPr>
-        </p:nvSpPr>
-        <p:spPr/>
-        <p:txBody>
-          <a:bodyPr/>
-          <a:lstStyle/>
-          <a:p>
-            <a:fld id="{CD07EBF8-396F-4315-AE4D-1B4415FB8D2D}" type="slidenum">
-              <a:rPr lang="en-GB" smtClean="0"/>
-              <a:t>37</a:t>
+              <a:t>35</a:t>
             </a:fld>
             <a:endParaRPr lang="en-GB"/>
           </a:p>
@@ -22877,7 +19664,7 @@
 </p:notes>
 </file>
 
-<file path=ppt/notesSlides/notesSlide33.xml><?xml version="1.0" encoding="utf-8"?>
+<file path=ppt/notesSlides/notesSlide32.xml><?xml version="1.0" encoding="utf-8"?>
 <p:notes xmlns:a="http://schemas.openxmlformats.org/drawingml/2006/main" xmlns:r="http://schemas.openxmlformats.org/officeDocument/2006/relationships" xmlns:p="http://schemas.openxmlformats.org/presentationml/2006/main">
   <p:cSld>
     <p:spTree>
@@ -23260,7 +20047,7 @@
           <a:p>
             <a:fld id="{CD07EBF8-396F-4315-AE4D-1B4415FB8D2D}" type="slidenum">
               <a:rPr lang="en-GB" smtClean="0"/>
-              <a:t>38</a:t>
+              <a:t>36</a:t>
             </a:fld>
             <a:endParaRPr lang="en-GB"/>
           </a:p>
@@ -23279,7 +20066,7 @@
 </p:notes>
 </file>
 
-<file path=ppt/notesSlides/notesSlide34.xml><?xml version="1.0" encoding="utf-8"?>
+<file path=ppt/notesSlides/notesSlide33.xml><?xml version="1.0" encoding="utf-8"?>
 <p:notes xmlns:a="http://schemas.openxmlformats.org/drawingml/2006/main" xmlns:r="http://schemas.openxmlformats.org/officeDocument/2006/relationships" xmlns:p="http://schemas.openxmlformats.org/presentationml/2006/main">
   <p:cSld>
     <p:spTree>
@@ -23344,7 +20131,7 @@
           <a:p>
             <a:fld id="{CD07EBF8-396F-4315-AE4D-1B4415FB8D2D}" type="slidenum">
               <a:rPr lang="en-GB" smtClean="0"/>
-              <a:t>39</a:t>
+              <a:t>37</a:t>
             </a:fld>
             <a:endParaRPr lang="en-GB"/>
           </a:p>
@@ -49691,8 +46478,8 @@
         </p:nvGrpSpPr>
         <p:grpSpPr>
           <a:xfrm>
-            <a:off x="3855333" y="1419601"/>
-            <a:ext cx="4274882" cy="1538488"/>
+            <a:off x="4314551" y="1686296"/>
+            <a:ext cx="6107602" cy="2198066"/>
             <a:chOff x="2659950" y="1669767"/>
             <a:chExt cx="6736842" cy="2424523"/>
           </a:xfrm>
@@ -49871,8 +46658,8 @@
         </p:nvSpPr>
         <p:spPr>
           <a:xfrm>
-            <a:off x="3855333" y="2659831"/>
-            <a:ext cx="4235354" cy="521519"/>
+            <a:off x="4331495" y="3494176"/>
+            <a:ext cx="6051130" cy="613448"/>
           </a:xfrm>
           <a:prstGeom prst="leftRightArrow">
             <a:avLst/>
@@ -50096,12 +46883,88 @@
           </a:p>
         </p:txBody>
       </p:sp>
+      <p:graphicFrame>
+        <p:nvGraphicFramePr>
+          <p:cNvPr id="13" name="Diagram 12">
+            <a:extLst>
+              <a:ext uri="{FF2B5EF4-FFF2-40B4-BE49-F238E27FC236}">
+                <a16:creationId xmlns:a16="http://schemas.microsoft.com/office/drawing/2014/main" id="{02483D70-0171-450D-884E-AFDB13B3F69E}"/>
+              </a:ext>
+            </a:extLst>
+          </p:cNvPr>
+          <p:cNvGraphicFramePr/>
+          <p:nvPr>
+            <p:extLst>
+              <p:ext uri="{D42A27DB-BD31-4B8C-83A1-F6EECF244321}">
+                <p14:modId xmlns:p14="http://schemas.microsoft.com/office/powerpoint/2010/main" val="428179945"/>
+              </p:ext>
+            </p:extLst>
+          </p:nvPr>
+        </p:nvGraphicFramePr>
+        <p:xfrm>
+          <a:off x="6401057" y="4169968"/>
+          <a:ext cx="2167763" cy="2021038"/>
+        </p:xfrm>
+        <a:graphic>
+          <a:graphicData uri="http://schemas.openxmlformats.org/drawingml/2006/diagram">
+            <dgm:relIds xmlns:dgm="http://schemas.openxmlformats.org/drawingml/2006/diagram" xmlns:r="http://schemas.openxmlformats.org/officeDocument/2006/relationships" r:dm="rId3" r:lo="rId4" r:qs="rId5" r:cs="rId6"/>
+          </a:graphicData>
+        </a:graphic>
+      </p:graphicFrame>
+      <p:sp>
+        <p:nvSpPr>
+          <p:cNvPr id="14" name="TextBox 13">
+            <a:extLst>
+              <a:ext uri="{FF2B5EF4-FFF2-40B4-BE49-F238E27FC236}">
+                <a16:creationId xmlns:a16="http://schemas.microsoft.com/office/drawing/2014/main" id="{DA14D2ED-BA3C-46C1-B331-E561C8C0620D}"/>
+              </a:ext>
+            </a:extLst>
+          </p:cNvPr>
+          <p:cNvSpPr txBox="1"/>
+          <p:nvPr/>
+        </p:nvSpPr>
+        <p:spPr>
+          <a:xfrm>
+            <a:off x="5799652" y="3463377"/>
+            <a:ext cx="3368000" cy="584775"/>
+          </a:xfrm>
+          <a:prstGeom prst="rect">
+            <a:avLst/>
+          </a:prstGeom>
+          <a:noFill/>
+        </p:spPr>
+        <p:txBody>
+          <a:bodyPr wrap="square" rtlCol="0">
+            <a:spAutoFit/>
+          </a:bodyPr>
+          <a:lstStyle/>
+          <a:p>
+            <a:pPr algn="ctr"/>
+            <a:r>
+              <a:rPr lang="en-GB" sz="1600" dirty="0">
+                <a:solidFill>
+                  <a:srgbClr val="0070C0"/>
+                </a:solidFill>
+              </a:rPr>
+              <a:t>Make the whole cycle an iteration </a:t>
+            </a:r>
+            <a:r>
+              <a:rPr lang="en-GB" sz="1600" b="1" dirty="0">
+                <a:solidFill>
+                  <a:srgbClr val="0070C0"/>
+                </a:solidFill>
+              </a:rPr>
+              <a:t>feedback loop</a:t>
+            </a:r>
+          </a:p>
+        </p:txBody>
+      </p:sp>
       <p:grpSp>
         <p:nvGrpSpPr>
-          <p:cNvPr id="6" name="Group 5">
+          <p:cNvPr id="22" name="Group 21">
             <a:extLst>
               <a:ext uri="{FF2B5EF4-FFF2-40B4-BE49-F238E27FC236}">
-                <a16:creationId xmlns:a16="http://schemas.microsoft.com/office/drawing/2014/main" id="{AB47BDC9-5300-49FF-8FC9-D82AE99B9AAF}"/>
+                <a16:creationId xmlns:a16="http://schemas.microsoft.com/office/drawing/2014/main" id="{F474D5CD-387C-4427-A62A-20AF7BFEEE2B}"/>
               </a:ext>
             </a:extLst>
           </p:cNvPr>
@@ -50110,18 +46973,18 @@
         </p:nvGrpSpPr>
         <p:grpSpPr>
           <a:xfrm>
-            <a:off x="3855333" y="1419601"/>
-            <a:ext cx="4274882" cy="1538488"/>
+            <a:off x="4373929" y="725260"/>
+            <a:ext cx="6107602" cy="2198066"/>
             <a:chOff x="2659950" y="1669767"/>
             <a:chExt cx="6736842" cy="2424523"/>
           </a:xfrm>
         </p:grpSpPr>
         <p:grpSp>
           <p:nvGrpSpPr>
-            <p:cNvPr id="7" name="Group 6">
+            <p:cNvPr id="23" name="Group 22">
               <a:extLst>
                 <a:ext uri="{FF2B5EF4-FFF2-40B4-BE49-F238E27FC236}">
-                  <a16:creationId xmlns:a16="http://schemas.microsoft.com/office/drawing/2014/main" id="{B54666F2-D270-46D9-A999-533706FB2CF5}"/>
+                  <a16:creationId xmlns:a16="http://schemas.microsoft.com/office/drawing/2014/main" id="{4B2C0B1C-96E7-42A4-B840-01A2000FC66C}"/>
                 </a:ext>
               </a:extLst>
             </p:cNvPr>
@@ -50138,10 +47001,10 @@
           </p:grpSpPr>
           <p:pic>
             <p:nvPicPr>
-              <p:cNvPr id="11" name="Picture 10">
+              <p:cNvPr id="25" name="Picture 24">
                 <a:extLst>
                   <a:ext uri="{FF2B5EF4-FFF2-40B4-BE49-F238E27FC236}">
-                    <a16:creationId xmlns:a16="http://schemas.microsoft.com/office/drawing/2014/main" id="{5B82C0F8-6DD6-4320-B3A9-E3BB9B21E0C3}"/>
+                    <a16:creationId xmlns:a16="http://schemas.microsoft.com/office/drawing/2014/main" id="{338DF68E-6059-4FE6-9E38-80743002EA10}"/>
                   </a:ext>
                 </a:extLst>
               </p:cNvPr>
@@ -50151,7 +47014,7 @@
               <p:nvPr/>
             </p:nvPicPr>
             <p:blipFill>
-              <a:blip r:embed="rId3"/>
+              <a:blip r:embed="rId8"/>
               <a:stretch>
                 <a:fillRect/>
               </a:stretch>
@@ -50168,10 +47031,10 @@
           </p:pic>
           <p:sp>
             <p:nvSpPr>
-              <p:cNvPr id="12" name="Rectangle 11">
+              <p:cNvPr id="26" name="Rectangle 25">
                 <a:extLst>
                   <a:ext uri="{FF2B5EF4-FFF2-40B4-BE49-F238E27FC236}">
-                    <a16:creationId xmlns:a16="http://schemas.microsoft.com/office/drawing/2014/main" id="{B123EE9C-0E44-48E8-96F5-2876D62EA850}"/>
+                    <a16:creationId xmlns:a16="http://schemas.microsoft.com/office/drawing/2014/main" id="{76F4D86B-7F1E-4CDF-ACA4-2C4641AEE540}"/>
                   </a:ext>
                 </a:extLst>
               </p:cNvPr>
@@ -50223,10 +47086,10 @@
         </p:grpSp>
         <p:sp>
           <p:nvSpPr>
-            <p:cNvPr id="10" name="Rectangle 9">
+            <p:cNvPr id="24" name="Rectangle 23">
               <a:extLst>
                 <a:ext uri="{FF2B5EF4-FFF2-40B4-BE49-F238E27FC236}">
-                  <a16:creationId xmlns:a16="http://schemas.microsoft.com/office/drawing/2014/main" id="{A8332434-B645-4214-BD1F-E0920798169E}"/>
+                  <a16:creationId xmlns:a16="http://schemas.microsoft.com/office/drawing/2014/main" id="{79FA8513-4329-40C4-955E-6717CBBBF0A9}"/>
                 </a:ext>
               </a:extLst>
             </p:cNvPr>
@@ -50276,84 +47139,12 @@
           </p:txBody>
         </p:sp>
       </p:grpSp>
-      <p:graphicFrame>
-        <p:nvGraphicFramePr>
-          <p:cNvPr id="13" name="Diagram 12">
+      <p:sp>
+        <p:nvSpPr>
+          <p:cNvPr id="27" name="Arrow: Left-Right 26">
             <a:extLst>
               <a:ext uri="{FF2B5EF4-FFF2-40B4-BE49-F238E27FC236}">
-                <a16:creationId xmlns:a16="http://schemas.microsoft.com/office/drawing/2014/main" id="{02483D70-0171-450D-884E-AFDB13B3F69E}"/>
-              </a:ext>
-            </a:extLst>
-          </p:cNvPr>
-          <p:cNvGraphicFramePr/>
-          <p:nvPr>
-            <p:extLst/>
-          </p:nvPr>
-        </p:nvGraphicFramePr>
-        <p:xfrm>
-          <a:off x="8894875" y="1342338"/>
-          <a:ext cx="2167763" cy="2021038"/>
-        </p:xfrm>
-        <a:graphic>
-          <a:graphicData uri="http://schemas.openxmlformats.org/drawingml/2006/diagram">
-            <dgm:relIds xmlns:dgm="http://schemas.openxmlformats.org/drawingml/2006/diagram" xmlns:r="http://schemas.openxmlformats.org/officeDocument/2006/relationships" r:dm="rId4" r:lo="rId5" r:qs="rId6" r:cs="rId7"/>
-          </a:graphicData>
-        </a:graphic>
-      </p:graphicFrame>
-      <p:sp>
-        <p:nvSpPr>
-          <p:cNvPr id="14" name="TextBox 13">
-            <a:extLst>
-              <a:ext uri="{FF2B5EF4-FFF2-40B4-BE49-F238E27FC236}">
-                <a16:creationId xmlns:a16="http://schemas.microsoft.com/office/drawing/2014/main" id="{DA14D2ED-BA3C-46C1-B331-E561C8C0620D}"/>
-              </a:ext>
-            </a:extLst>
-          </p:cNvPr>
-          <p:cNvSpPr txBox="1"/>
-          <p:nvPr/>
-        </p:nvSpPr>
-        <p:spPr>
-          <a:xfrm>
-            <a:off x="8293470" y="635747"/>
-            <a:ext cx="3368000" cy="584775"/>
-          </a:xfrm>
-          <a:prstGeom prst="rect">
-            <a:avLst/>
-          </a:prstGeom>
-          <a:noFill/>
-        </p:spPr>
-        <p:txBody>
-          <a:bodyPr wrap="square" rtlCol="0">
-            <a:spAutoFit/>
-          </a:bodyPr>
-          <a:lstStyle/>
-          <a:p>
-            <a:pPr algn="ctr"/>
-            <a:r>
-              <a:rPr lang="en-GB" sz="1600" dirty="0">
-                <a:solidFill>
-                  <a:srgbClr val="0070C0"/>
-                </a:solidFill>
-              </a:rPr>
-              <a:t>Make the whole cycle an iteration </a:t>
-            </a:r>
-            <a:r>
-              <a:rPr lang="en-GB" sz="1600" b="1" dirty="0">
-                <a:solidFill>
-                  <a:srgbClr val="0070C0"/>
-                </a:solidFill>
-              </a:rPr>
-              <a:t>feedback loop</a:t>
-            </a:r>
-          </a:p>
-        </p:txBody>
-      </p:sp>
-      <p:sp>
-        <p:nvSpPr>
-          <p:cNvPr id="3" name="Arrow: Right 2">
-            <a:extLst>
-              <a:ext uri="{FF2B5EF4-FFF2-40B4-BE49-F238E27FC236}">
-                <a16:creationId xmlns:a16="http://schemas.microsoft.com/office/drawing/2014/main" id="{F3863008-CA6E-49E5-B821-9071946B946D}"/>
+                <a16:creationId xmlns:a16="http://schemas.microsoft.com/office/drawing/2014/main" id="{EFD45FD6-1A92-4B1B-8405-15F9F3CE658D}"/>
               </a:ext>
             </a:extLst>
           </p:cNvPr>
@@ -50362,54 +47153,8 @@
         </p:nvSpPr>
         <p:spPr>
           <a:xfrm>
-            <a:off x="8293470" y="2151654"/>
-            <a:ext cx="438150" cy="402406"/>
-          </a:xfrm>
-          <a:prstGeom prst="rightArrow">
-            <a:avLst/>
-          </a:prstGeom>
-        </p:spPr>
-        <p:style>
-          <a:lnRef idx="2">
-            <a:schemeClr val="accent1">
-              <a:shade val="50000"/>
-            </a:schemeClr>
-          </a:lnRef>
-          <a:fillRef idx="1">
-            <a:schemeClr val="accent1"/>
-          </a:fillRef>
-          <a:effectRef idx="0">
-            <a:schemeClr val="accent1"/>
-          </a:effectRef>
-          <a:fontRef idx="minor">
-            <a:schemeClr val="lt1"/>
-          </a:fontRef>
-        </p:style>
-        <p:txBody>
-          <a:bodyPr rtlCol="0" anchor="ctr"/>
-          <a:lstStyle/>
-          <a:p>
-            <a:pPr algn="ctr"/>
-            <a:endParaRPr lang="en-GB"/>
-          </a:p>
-        </p:txBody>
-      </p:sp>
-      <p:sp>
-        <p:nvSpPr>
-          <p:cNvPr id="15" name="Arrow: Left-Right 14">
-            <a:extLst>
-              <a:ext uri="{FF2B5EF4-FFF2-40B4-BE49-F238E27FC236}">
-                <a16:creationId xmlns:a16="http://schemas.microsoft.com/office/drawing/2014/main" id="{06193BBE-E207-4381-91C9-A5AD128529D5}"/>
-              </a:ext>
-            </a:extLst>
-          </p:cNvPr>
-          <p:cNvSpPr/>
-          <p:nvPr/>
-        </p:nvSpPr>
-        <p:spPr>
-          <a:xfrm>
-            <a:off x="3855333" y="2659831"/>
-            <a:ext cx="4235354" cy="521519"/>
+            <a:off x="4390873" y="2533140"/>
+            <a:ext cx="6051130" cy="613448"/>
           </a:xfrm>
           <a:prstGeom prst="leftRightArrow">
             <a:avLst/>
@@ -50418,11 +47163,7 @@
             <a:schemeClr val="accent6"/>
           </a:solidFill>
           <a:ln>
-            <a:solidFill>
-              <a:schemeClr val="accent6">
-                <a:lumMod val="75000"/>
-              </a:schemeClr>
-            </a:solidFill>
+            <a:noFill/>
           </a:ln>
         </p:spPr>
         <p:style>
@@ -50505,7 +47246,7 @@
                                           </p:stCondLst>
                                         </p:cTn>
                                         <p:tgtEl>
-                                          <p:spTgt spid="15"/>
+                                          <p:spTgt spid="27"/>
                                         </p:tgtEl>
                                         <p:attrNameLst>
                                           <p:attrName>style.visibility</p:attrName>
@@ -50546,7 +47287,7 @@
       </p:par>
     </p:tnLst>
     <p:bldLst>
-      <p:bldP spid="15" grpId="0" animBg="1"/>
+      <p:bldP spid="27" grpId="0" animBg="1"/>
     </p:bldLst>
   </p:timing>
 </p:sld>
@@ -50586,15 +47327,7 @@
           <a:p>
             <a:r>
               <a:rPr lang="en-GB" dirty="0"/>
-              <a:t>Continuous delivery (</a:t>
-            </a:r>
-            <a:r>
-              <a:rPr lang="en-GB" dirty="0" err="1"/>
-              <a:t>i</a:t>
-            </a:r>
-            <a:r>
-              <a:rPr lang="en-GB" dirty="0"/>
-              <a:t>)</a:t>
+              <a:t>Continuous delivery (ii)</a:t>
             </a:r>
           </a:p>
         </p:txBody>
@@ -50629,7 +47362,34 @@
               <a:rPr lang="en-GB" dirty="0">
                 <a:latin typeface="CamingoDosPro-Regular"/>
               </a:rPr>
-              <a:t>Shorten lead time</a:t>
+              <a:t>Software always </a:t>
+            </a:r>
+            <a:r>
+              <a:rPr lang="en-GB" b="1" dirty="0">
+                <a:latin typeface="CamingoDosPro-Regular"/>
+              </a:rPr>
+              <a:t>production ready</a:t>
+            </a:r>
+          </a:p>
+          <a:p>
+            <a:endParaRPr lang="en-GB" b="1" dirty="0">
+              <a:latin typeface="CamingoDosPro-Regular"/>
+            </a:endParaRPr>
+          </a:p>
+          <a:p>
+            <a:r>
+              <a:rPr lang="en-GB" dirty="0">
+                <a:latin typeface="CamingoDosPro-Regular"/>
+              </a:rPr>
+              <a:t>Releases tied to business needs, not</a:t>
+            </a:r>
+          </a:p>
+          <a:p>
+            <a:r>
+              <a:rPr lang="en-GB" dirty="0">
+                <a:latin typeface="CamingoDosPro-Regular"/>
+              </a:rPr>
+              <a:t>operational constraints</a:t>
             </a:r>
             <a:endParaRPr lang="en-GB" dirty="0"/>
           </a:p>
@@ -50638,73 +47398,87 @@
           </a:p>
         </p:txBody>
       </p:sp>
-      <p:pic>
-        <p:nvPicPr>
-          <p:cNvPr id="5" name="Picture 4"/>
-          <p:cNvPicPr>
-            <a:picLocks noChangeAspect="1"/>
-          </p:cNvPicPr>
-          <p:nvPr/>
-        </p:nvPicPr>
-        <p:blipFill>
-          <a:blip r:embed="rId3"/>
-          <a:stretch>
-            <a:fillRect/>
-          </a:stretch>
-        </p:blipFill>
-        <p:spPr>
-          <a:xfrm>
-            <a:off x="4671210" y="3792610"/>
-            <a:ext cx="5826320" cy="1036300"/>
-          </a:xfrm>
-          <a:prstGeom prst="rect">
-            <a:avLst/>
-          </a:prstGeom>
-        </p:spPr>
-      </p:pic>
       <p:sp>
         <p:nvSpPr>
-          <p:cNvPr id="9" name="TextBox 8">
+          <p:cNvPr id="16" name="Content Placeholder 2">
             <a:extLst>
               <a:ext uri="{FF2B5EF4-FFF2-40B4-BE49-F238E27FC236}">
-                <a16:creationId xmlns:a16="http://schemas.microsoft.com/office/drawing/2014/main" id="{4F59F386-1E5C-4536-8EA2-59845C621A48}"/>
+                <a16:creationId xmlns:a16="http://schemas.microsoft.com/office/drawing/2014/main" id="{544998FD-9E59-4A3B-A063-DEDAEEBDA017}"/>
               </a:ext>
             </a:extLst>
           </p:cNvPr>
-          <p:cNvSpPr txBox="1"/>
-          <p:nvPr/>
+          <p:cNvSpPr>
+            <a:spLocks noGrp="1"/>
+          </p:cNvSpPr>
+          <p:nvPr>
+            <p:ph idx="1"/>
+          </p:nvPr>
         </p:nvSpPr>
         <p:spPr>
           <a:xfrm>
-            <a:off x="4807833" y="4795708"/>
-            <a:ext cx="5553075" cy="646331"/>
+            <a:off x="3869268" y="864108"/>
+            <a:ext cx="7315200" cy="5120640"/>
           </a:xfrm>
-          <a:prstGeom prst="rect">
-            <a:avLst/>
-          </a:prstGeom>
-          <a:noFill/>
         </p:spPr>
         <p:txBody>
-          <a:bodyPr wrap="square" rtlCol="0">
-            <a:spAutoFit/>
-          </a:bodyPr>
+          <a:bodyPr/>
           <a:lstStyle/>
           <a:p>
+            <a:pPr marL="0" indent="0">
+              <a:buNone/>
+            </a:pPr>
             <a:r>
-              <a:rPr lang="en-GB" dirty="0">
-                <a:solidFill>
-                  <a:schemeClr val="accent1"/>
-                </a:solidFill>
-              </a:rPr>
-              <a:t>Work out the smallest possible amount of work to </a:t>
+              <a:rPr lang="en-GB" i="1" dirty="0"/>
+              <a:t>We want…</a:t>
             </a:r>
+          </a:p>
+          <a:p>
+            <a:pPr marL="0" indent="0">
+              <a:buNone/>
+            </a:pPr>
+            <a:endParaRPr lang="en-GB" dirty="0"/>
+          </a:p>
+          <a:p>
+            <a:pPr marL="0" indent="0">
+              <a:buNone/>
+            </a:pPr>
+            <a:r>
+              <a:rPr lang="en-GB" dirty="0"/>
+              <a:t>Fast, automated feedback on the production readiness of the applications every time there is a change in:</a:t>
+            </a:r>
+          </a:p>
+          <a:p>
+            <a:r>
+              <a:rPr lang="en-GB" dirty="0"/>
+              <a:t>Code</a:t>
+            </a:r>
+          </a:p>
+          <a:p>
+            <a:r>
+              <a:rPr lang="en-GB" dirty="0"/>
+              <a:t>Infrastructure</a:t>
+            </a:r>
+          </a:p>
+          <a:p>
+            <a:r>
+              <a:rPr lang="en-GB" dirty="0"/>
+              <a:t>Configuration</a:t>
+            </a:r>
+          </a:p>
+          <a:p>
+            <a:endParaRPr lang="en-GB" dirty="0"/>
+          </a:p>
+          <a:p>
+            <a:pPr marL="0" indent="0">
+              <a:buNone/>
+            </a:pPr>
             <a:r>
               <a:rPr lang="en-GB" b="1" dirty="0">
                 <a:solidFill>
                   <a:schemeClr val="accent1"/>
                 </a:solidFill>
               </a:rPr>
-              <a:t>test your idea</a:t>
+              <a:t>Deploy</a:t>
             </a:r>
             <a:r>
               <a:rPr lang="en-GB" dirty="0">
@@ -50712,15 +47486,20 @@
                   <a:schemeClr val="accent1"/>
                 </a:solidFill>
               </a:rPr>
-              <a:t>, </a:t>
+              <a:t> N times</a:t>
             </a:r>
+          </a:p>
+          <a:p>
+            <a:pPr marL="0" indent="0">
+              <a:buNone/>
+            </a:pPr>
             <a:r>
               <a:rPr lang="en-GB" b="1" dirty="0">
                 <a:solidFill>
                   <a:schemeClr val="accent1"/>
                 </a:solidFill>
               </a:rPr>
-              <a:t>get feedback</a:t>
+              <a:t>Release</a:t>
             </a:r>
             <a:r>
               <a:rPr lang="en-GB" dirty="0">
@@ -50728,472 +47507,27 @@
                   <a:schemeClr val="accent1"/>
                 </a:solidFill>
               </a:rPr>
-              <a:t>, and... </a:t>
+              <a:t> by simply “enabling a flag”</a:t>
             </a:r>
-            <a:r>
-              <a:rPr lang="en-GB" b="1" dirty="0">
-                <a:solidFill>
-                  <a:schemeClr val="accent1"/>
-                </a:solidFill>
-              </a:rPr>
-              <a:t>repeat</a:t>
-            </a:r>
-          </a:p>
-        </p:txBody>
-      </p:sp>
-      <p:grpSp>
-        <p:nvGrpSpPr>
-          <p:cNvPr id="6" name="Group 5">
-            <a:extLst>
-              <a:ext uri="{FF2B5EF4-FFF2-40B4-BE49-F238E27FC236}">
-                <a16:creationId xmlns:a16="http://schemas.microsoft.com/office/drawing/2014/main" id="{AB47BDC9-5300-49FF-8FC9-D82AE99B9AAF}"/>
-              </a:ext>
-            </a:extLst>
-          </p:cNvPr>
-          <p:cNvGrpSpPr/>
-          <p:nvPr/>
-        </p:nvGrpSpPr>
-        <p:grpSpPr>
-          <a:xfrm>
-            <a:off x="3855333" y="1419601"/>
-            <a:ext cx="4274882" cy="1538488"/>
-            <a:chOff x="2659950" y="1669767"/>
-            <a:chExt cx="6736842" cy="2424523"/>
-          </a:xfrm>
-        </p:grpSpPr>
-        <p:grpSp>
-          <p:nvGrpSpPr>
-            <p:cNvPr id="7" name="Group 6">
-              <a:extLst>
-                <a:ext uri="{FF2B5EF4-FFF2-40B4-BE49-F238E27FC236}">
-                  <a16:creationId xmlns:a16="http://schemas.microsoft.com/office/drawing/2014/main" id="{B54666F2-D270-46D9-A999-533706FB2CF5}"/>
-                </a:ext>
-              </a:extLst>
-            </p:cNvPr>
-            <p:cNvGrpSpPr/>
-            <p:nvPr/>
-          </p:nvGrpSpPr>
-          <p:grpSpPr>
-            <a:xfrm>
-              <a:off x="2659950" y="1669767"/>
-              <a:ext cx="6736842" cy="2424523"/>
-              <a:chOff x="4498275" y="2974692"/>
-              <a:chExt cx="6736842" cy="2424523"/>
-            </a:xfrm>
-          </p:grpSpPr>
-          <p:pic>
-            <p:nvPicPr>
-              <p:cNvPr id="11" name="Picture 10">
-                <a:extLst>
-                  <a:ext uri="{FF2B5EF4-FFF2-40B4-BE49-F238E27FC236}">
-                    <a16:creationId xmlns:a16="http://schemas.microsoft.com/office/drawing/2014/main" id="{5B82C0F8-6DD6-4320-B3A9-E3BB9B21E0C3}"/>
-                  </a:ext>
-                </a:extLst>
-              </p:cNvPr>
-              <p:cNvPicPr>
-                <a:picLocks noChangeAspect="1"/>
-              </p:cNvPicPr>
-              <p:nvPr/>
-            </p:nvPicPr>
-            <p:blipFill>
-              <a:blip r:embed="rId4"/>
-              <a:stretch>
-                <a:fillRect/>
-              </a:stretch>
-            </p:blipFill>
-            <p:spPr>
-              <a:xfrm>
-                <a:off x="4498275" y="2974692"/>
-                <a:ext cx="6736842" cy="2424523"/>
-              </a:xfrm>
-              <a:prstGeom prst="rect">
-                <a:avLst/>
-              </a:prstGeom>
-            </p:spPr>
-          </p:pic>
-          <p:sp>
-            <p:nvSpPr>
-              <p:cNvPr id="12" name="Rectangle 11">
-                <a:extLst>
-                  <a:ext uri="{FF2B5EF4-FFF2-40B4-BE49-F238E27FC236}">
-                    <a16:creationId xmlns:a16="http://schemas.microsoft.com/office/drawing/2014/main" id="{B123EE9C-0E44-48E8-96F5-2876D62EA850}"/>
-                  </a:ext>
-                </a:extLst>
-              </p:cNvPr>
-              <p:cNvSpPr/>
-              <p:nvPr/>
-            </p:nvSpPr>
-            <p:spPr>
-              <a:xfrm>
-                <a:off x="7772400" y="4762500"/>
-                <a:ext cx="3400425" cy="276225"/>
-              </a:xfrm>
-              <a:prstGeom prst="rect">
-                <a:avLst/>
-              </a:prstGeom>
-              <a:solidFill>
-                <a:schemeClr val="bg1"/>
-              </a:solidFill>
-              <a:ln>
-                <a:solidFill>
-                  <a:schemeClr val="bg1"/>
-                </a:solidFill>
-              </a:ln>
-            </p:spPr>
-            <p:style>
-              <a:lnRef idx="2">
-                <a:schemeClr val="accent1">
-                  <a:shade val="50000"/>
-                </a:schemeClr>
-              </a:lnRef>
-              <a:fillRef idx="1">
-                <a:schemeClr val="accent1"/>
-              </a:fillRef>
-              <a:effectRef idx="0">
-                <a:schemeClr val="accent1"/>
-              </a:effectRef>
-              <a:fontRef idx="minor">
-                <a:schemeClr val="lt1"/>
-              </a:fontRef>
-            </p:style>
-            <p:txBody>
-              <a:bodyPr rtlCol="0" anchor="ctr"/>
-              <a:lstStyle/>
-              <a:p>
-                <a:pPr algn="ctr"/>
-                <a:endParaRPr lang="en-GB"/>
-              </a:p>
-            </p:txBody>
-          </p:sp>
-        </p:grpSp>
-        <p:sp>
-          <p:nvSpPr>
-            <p:cNvPr id="10" name="Rectangle 9">
-              <a:extLst>
-                <a:ext uri="{FF2B5EF4-FFF2-40B4-BE49-F238E27FC236}">
-                  <a16:creationId xmlns:a16="http://schemas.microsoft.com/office/drawing/2014/main" id="{A8332434-B645-4214-BD1F-E0920798169E}"/>
-                </a:ext>
-              </a:extLst>
-            </p:cNvPr>
-            <p:cNvSpPr/>
-            <p:nvPr/>
-          </p:nvSpPr>
-          <p:spPr>
-            <a:xfrm>
-              <a:off x="3276600" y="3486150"/>
-              <a:ext cx="3400425" cy="276225"/>
-            </a:xfrm>
-            <a:prstGeom prst="rect">
-              <a:avLst/>
-            </a:prstGeom>
-            <a:solidFill>
-              <a:schemeClr val="bg1"/>
-            </a:solidFill>
-            <a:ln>
-              <a:solidFill>
-                <a:schemeClr val="bg1"/>
-              </a:solidFill>
-            </a:ln>
-          </p:spPr>
-          <p:style>
-            <a:lnRef idx="2">
-              <a:schemeClr val="accent1">
-                <a:shade val="50000"/>
-              </a:schemeClr>
-            </a:lnRef>
-            <a:fillRef idx="1">
-              <a:schemeClr val="accent1"/>
-            </a:fillRef>
-            <a:effectRef idx="0">
-              <a:schemeClr val="accent1"/>
-            </a:effectRef>
-            <a:fontRef idx="minor">
-              <a:schemeClr val="lt1"/>
-            </a:fontRef>
-          </p:style>
-          <p:txBody>
-            <a:bodyPr rtlCol="0" anchor="ctr"/>
-            <a:lstStyle/>
-            <a:p>
-              <a:pPr algn="ctr"/>
-              <a:endParaRPr lang="en-GB"/>
-            </a:p>
-          </p:txBody>
-        </p:sp>
-      </p:grpSp>
-      <p:graphicFrame>
-        <p:nvGraphicFramePr>
-          <p:cNvPr id="13" name="Diagram 12">
-            <a:extLst>
-              <a:ext uri="{FF2B5EF4-FFF2-40B4-BE49-F238E27FC236}">
-                <a16:creationId xmlns:a16="http://schemas.microsoft.com/office/drawing/2014/main" id="{02483D70-0171-450D-884E-AFDB13B3F69E}"/>
-              </a:ext>
-            </a:extLst>
-          </p:cNvPr>
-          <p:cNvGraphicFramePr/>
-          <p:nvPr>
-            <p:extLst/>
-          </p:nvPr>
-        </p:nvGraphicFramePr>
-        <p:xfrm>
-          <a:off x="8894875" y="1342338"/>
-          <a:ext cx="2167763" cy="2021038"/>
-        </p:xfrm>
-        <a:graphic>
-          <a:graphicData uri="http://schemas.openxmlformats.org/drawingml/2006/diagram">
-            <dgm:relIds xmlns:dgm="http://schemas.openxmlformats.org/drawingml/2006/diagram" xmlns:r="http://schemas.openxmlformats.org/officeDocument/2006/relationships" r:dm="rId5" r:lo="rId6" r:qs="rId7" r:cs="rId8"/>
-          </a:graphicData>
-        </a:graphic>
-      </p:graphicFrame>
-      <p:sp>
-        <p:nvSpPr>
-          <p:cNvPr id="14" name="TextBox 13">
-            <a:extLst>
-              <a:ext uri="{FF2B5EF4-FFF2-40B4-BE49-F238E27FC236}">
-                <a16:creationId xmlns:a16="http://schemas.microsoft.com/office/drawing/2014/main" id="{DA14D2ED-BA3C-46C1-B331-E561C8C0620D}"/>
-              </a:ext>
-            </a:extLst>
-          </p:cNvPr>
-          <p:cNvSpPr txBox="1"/>
-          <p:nvPr/>
-        </p:nvSpPr>
-        <p:spPr>
-          <a:xfrm>
-            <a:off x="8293470" y="635747"/>
-            <a:ext cx="3368000" cy="584775"/>
-          </a:xfrm>
-          <a:prstGeom prst="rect">
-            <a:avLst/>
-          </a:prstGeom>
-          <a:noFill/>
-        </p:spPr>
-        <p:txBody>
-          <a:bodyPr wrap="square" rtlCol="0">
-            <a:spAutoFit/>
-          </a:bodyPr>
-          <a:lstStyle/>
-          <a:p>
-            <a:pPr algn="ctr"/>
-            <a:r>
-              <a:rPr lang="en-GB" sz="1600" dirty="0">
-                <a:solidFill>
-                  <a:srgbClr val="0070C0"/>
-                </a:solidFill>
-              </a:rPr>
-              <a:t>Make the whole cycle an iteration </a:t>
-            </a:r>
-            <a:r>
-              <a:rPr lang="en-GB" sz="1600" b="1" dirty="0">
-                <a:solidFill>
-                  <a:srgbClr val="0070C0"/>
-                </a:solidFill>
-              </a:rPr>
-              <a:t>feedback loop</a:t>
-            </a:r>
-          </a:p>
-        </p:txBody>
-      </p:sp>
-      <p:sp>
-        <p:nvSpPr>
-          <p:cNvPr id="3" name="Arrow: Right 2">
-            <a:extLst>
-              <a:ext uri="{FF2B5EF4-FFF2-40B4-BE49-F238E27FC236}">
-                <a16:creationId xmlns:a16="http://schemas.microsoft.com/office/drawing/2014/main" id="{F3863008-CA6E-49E5-B821-9071946B946D}"/>
-              </a:ext>
-            </a:extLst>
-          </p:cNvPr>
-          <p:cNvSpPr/>
-          <p:nvPr/>
-        </p:nvSpPr>
-        <p:spPr>
-          <a:xfrm>
-            <a:off x="8293470" y="2151654"/>
-            <a:ext cx="438150" cy="402406"/>
-          </a:xfrm>
-          <a:prstGeom prst="rightArrow">
-            <a:avLst/>
-          </a:prstGeom>
-        </p:spPr>
-        <p:style>
-          <a:lnRef idx="2">
-            <a:schemeClr val="accent1">
-              <a:shade val="50000"/>
-            </a:schemeClr>
-          </a:lnRef>
-          <a:fillRef idx="1">
-            <a:schemeClr val="accent1"/>
-          </a:fillRef>
-          <a:effectRef idx="0">
-            <a:schemeClr val="accent1"/>
-          </a:effectRef>
-          <a:fontRef idx="minor">
-            <a:schemeClr val="lt1"/>
-          </a:fontRef>
-        </p:style>
-        <p:txBody>
-          <a:bodyPr rtlCol="0" anchor="ctr"/>
-          <a:lstStyle/>
-          <a:p>
-            <a:pPr algn="ctr"/>
-            <a:endParaRPr lang="en-GB"/>
-          </a:p>
-        </p:txBody>
-      </p:sp>
-      <p:sp>
-        <p:nvSpPr>
-          <p:cNvPr id="15" name="Arrow: Left-Right 14">
-            <a:extLst>
-              <a:ext uri="{FF2B5EF4-FFF2-40B4-BE49-F238E27FC236}">
-                <a16:creationId xmlns:a16="http://schemas.microsoft.com/office/drawing/2014/main" id="{938EAC06-9414-440E-9236-6F5285F0F3FA}"/>
-              </a:ext>
-            </a:extLst>
-          </p:cNvPr>
-          <p:cNvSpPr/>
-          <p:nvPr/>
-        </p:nvSpPr>
-        <p:spPr>
-          <a:xfrm>
-            <a:off x="3855333" y="2659831"/>
-            <a:ext cx="4235354" cy="521519"/>
-          </a:xfrm>
-          <a:prstGeom prst="leftRightArrow">
-            <a:avLst/>
-          </a:prstGeom>
-          <a:solidFill>
-            <a:schemeClr val="accent6"/>
-          </a:solidFill>
-          <a:ln>
-            <a:solidFill>
-              <a:schemeClr val="accent6">
-                <a:lumMod val="75000"/>
-              </a:schemeClr>
-            </a:solidFill>
-          </a:ln>
-        </p:spPr>
-        <p:style>
-          <a:lnRef idx="2">
-            <a:schemeClr val="accent1">
-              <a:shade val="50000"/>
-            </a:schemeClr>
-          </a:lnRef>
-          <a:fillRef idx="1">
-            <a:schemeClr val="accent1"/>
-          </a:fillRef>
-          <a:effectRef idx="0">
-            <a:schemeClr val="accent1"/>
-          </a:effectRef>
-          <a:fontRef idx="minor">
-            <a:schemeClr val="lt1"/>
-          </a:fontRef>
-        </p:style>
-        <p:txBody>
-          <a:bodyPr rtlCol="0" anchor="ctr"/>
-          <a:lstStyle/>
-          <a:p>
-            <a:pPr algn="ctr"/>
-            <a:r>
-              <a:rPr lang="en-GB" dirty="0">
-                <a:effectLst>
-                  <a:outerShdw blurRad="38100" dist="38100" dir="2700000" algn="tl">
-                    <a:srgbClr val="000000">
-                      <a:alpha val="43137"/>
-                    </a:srgbClr>
-                  </a:outerShdw>
-                </a:effectLst>
-              </a:rPr>
-              <a:t>&lt; 1 week</a:t>
-            </a:r>
+          </a:p>
+          <a:p>
+            <a:pPr marL="0" indent="0">
+              <a:buNone/>
+            </a:pPr>
+            <a:endParaRPr lang="en-GB" dirty="0"/>
           </a:p>
         </p:txBody>
       </p:sp>
     </p:spTree>
     <p:extLst>
       <p:ext uri="{BB962C8B-B14F-4D97-AF65-F5344CB8AC3E}">
-        <p14:creationId xmlns:p14="http://schemas.microsoft.com/office/powerpoint/2010/main" val="1822664416"/>
+        <p14:creationId xmlns:p14="http://schemas.microsoft.com/office/powerpoint/2010/main" val="85691741"/>
       </p:ext>
     </p:extLst>
   </p:cSld>
   <p:clrMapOvr>
     <a:masterClrMapping/>
   </p:clrMapOvr>
-  <p:timing>
-    <p:tnLst>
-      <p:par>
-        <p:cTn id="1" dur="indefinite" restart="never" nodeType="tmRoot">
-          <p:childTnLst>
-            <p:seq concurrent="1" nextAc="seek">
-              <p:cTn id="2" dur="indefinite" nodeType="mainSeq">
-                <p:childTnLst>
-                  <p:par>
-                    <p:cTn id="3" fill="hold">
-                      <p:stCondLst>
-                        <p:cond delay="indefinite"/>
-                      </p:stCondLst>
-                      <p:childTnLst>
-                        <p:par>
-                          <p:cTn id="4" fill="hold">
-                            <p:stCondLst>
-                              <p:cond delay="0"/>
-                            </p:stCondLst>
-                            <p:childTnLst>
-                              <p:par>
-                                <p:cTn id="5" presetID="1" presetClass="entr" presetSubtype="0" fill="hold" grpId="0" nodeType="clickEffect">
-                                  <p:stCondLst>
-                                    <p:cond delay="0"/>
-                                  </p:stCondLst>
-                                  <p:childTnLst>
-                                    <p:set>
-                                      <p:cBhvr>
-                                        <p:cTn id="6" dur="1" fill="hold">
-                                          <p:stCondLst>
-                                            <p:cond delay="0"/>
-                                          </p:stCondLst>
-                                        </p:cTn>
-                                        <p:tgtEl>
-                                          <p:spTgt spid="15"/>
-                                        </p:tgtEl>
-                                        <p:attrNameLst>
-                                          <p:attrName>style.visibility</p:attrName>
-                                        </p:attrNameLst>
-                                      </p:cBhvr>
-                                      <p:to>
-                                        <p:strVal val="visible"/>
-                                      </p:to>
-                                    </p:set>
-                                  </p:childTnLst>
-                                </p:cTn>
-                              </p:par>
-                            </p:childTnLst>
-                          </p:cTn>
-                        </p:par>
-                      </p:childTnLst>
-                    </p:cTn>
-                  </p:par>
-                </p:childTnLst>
-              </p:cTn>
-              <p:prevCondLst>
-                <p:cond evt="onPrev" delay="0">
-                  <p:tgtEl>
-                    <p:sldTgt/>
-                  </p:tgtEl>
-                </p:cond>
-              </p:prevCondLst>
-              <p:nextCondLst>
-                <p:cond evt="onNext" delay="0">
-                  <p:tgtEl>
-                    <p:sldTgt/>
-                  </p:tgtEl>
-                </p:cond>
-              </p:nextCondLst>
-            </p:seq>
-          </p:childTnLst>
-        </p:cTn>
-      </p:par>
-    </p:tnLst>
-    <p:bldLst>
-      <p:bldP spid="15" grpId="0" animBg="1"/>
-    </p:bldLst>
-  </p:timing>
 </p:sld>
 </file>
 
@@ -51301,306 +47635,6 @@
 </file>
 
 <file path=ppt/slides/slide30.xml><?xml version="1.0" encoding="utf-8"?>
-<p:sld xmlns:a="http://schemas.openxmlformats.org/drawingml/2006/main" xmlns:r="http://schemas.openxmlformats.org/officeDocument/2006/relationships" xmlns:p="http://schemas.openxmlformats.org/presentationml/2006/main">
-  <p:cSld>
-    <p:spTree>
-      <p:nvGrpSpPr>
-        <p:cNvPr id="1" name=""/>
-        <p:cNvGrpSpPr/>
-        <p:nvPr/>
-      </p:nvGrpSpPr>
-      <p:grpSpPr>
-        <a:xfrm>
-          <a:off x="0" y="0"/>
-          <a:ext cx="0" cy="0"/>
-          <a:chOff x="0" y="0"/>
-          <a:chExt cx="0" cy="0"/>
-        </a:xfrm>
-      </p:grpSpPr>
-      <p:sp>
-        <p:nvSpPr>
-          <p:cNvPr id="3" name="Content Placeholder 2"/>
-          <p:cNvSpPr>
-            <a:spLocks noGrp="1"/>
-          </p:cNvSpPr>
-          <p:nvPr>
-            <p:ph idx="4294967295"/>
-          </p:nvPr>
-        </p:nvSpPr>
-        <p:spPr>
-          <a:xfrm>
-            <a:off x="2857499" y="749300"/>
-            <a:ext cx="6848475" cy="5121275"/>
-          </a:xfrm>
-        </p:spPr>
-        <p:txBody>
-          <a:bodyPr>
-            <a:normAutofit/>
-          </a:bodyPr>
-          <a:lstStyle/>
-          <a:p>
-            <a:pPr marL="0" indent="0" algn="ctr">
-              <a:buNone/>
-            </a:pPr>
-            <a:r>
-              <a:rPr lang="en-GB" sz="2800" dirty="0"/>
-              <a:t>How long would it take your company to deploy a change that involved just one single line of code? </a:t>
-            </a:r>
-          </a:p>
-        </p:txBody>
-      </p:sp>
-    </p:spTree>
-    <p:extLst>
-      <p:ext uri="{BB962C8B-B14F-4D97-AF65-F5344CB8AC3E}">
-        <p14:creationId xmlns:p14="http://schemas.microsoft.com/office/powerpoint/2010/main" val="1583618427"/>
-      </p:ext>
-    </p:extLst>
-  </p:cSld>
-  <p:clrMapOvr>
-    <a:masterClrMapping/>
-  </p:clrMapOvr>
-</p:sld>
-</file>
-
-<file path=ppt/slides/slide31.xml><?xml version="1.0" encoding="utf-8"?>
-<p:sld xmlns:a="http://schemas.openxmlformats.org/drawingml/2006/main" xmlns:r="http://schemas.openxmlformats.org/officeDocument/2006/relationships" xmlns:p="http://schemas.openxmlformats.org/presentationml/2006/main">
-  <p:cSld>
-    <p:spTree>
-      <p:nvGrpSpPr>
-        <p:cNvPr id="1" name=""/>
-        <p:cNvGrpSpPr/>
-        <p:nvPr/>
-      </p:nvGrpSpPr>
-      <p:grpSpPr>
-        <a:xfrm>
-          <a:off x="0" y="0"/>
-          <a:ext cx="0" cy="0"/>
-          <a:chOff x="0" y="0"/>
-          <a:chExt cx="0" cy="0"/>
-        </a:xfrm>
-      </p:grpSpPr>
-      <p:sp>
-        <p:nvSpPr>
-          <p:cNvPr id="2" name="Title 1"/>
-          <p:cNvSpPr>
-            <a:spLocks noGrp="1"/>
-          </p:cNvSpPr>
-          <p:nvPr>
-            <p:ph type="title"/>
-          </p:nvPr>
-        </p:nvSpPr>
-        <p:spPr/>
-        <p:txBody>
-          <a:bodyPr/>
-          <a:lstStyle/>
-          <a:p>
-            <a:r>
-              <a:rPr lang="en-GB" dirty="0"/>
-              <a:t>Continuous delivery (ii)</a:t>
-            </a:r>
-          </a:p>
-        </p:txBody>
-      </p:sp>
-      <p:sp>
-        <p:nvSpPr>
-          <p:cNvPr id="8" name="Text Placeholder 7">
-            <a:extLst>
-              <a:ext uri="{FF2B5EF4-FFF2-40B4-BE49-F238E27FC236}">
-                <a16:creationId xmlns:a16="http://schemas.microsoft.com/office/drawing/2014/main" id="{72FF4E8F-2A05-4704-A724-BE2932E4FDEF}"/>
-              </a:ext>
-            </a:extLst>
-          </p:cNvPr>
-          <p:cNvSpPr>
-            <a:spLocks noGrp="1"/>
-          </p:cNvSpPr>
-          <p:nvPr>
-            <p:ph type="body" sz="half" idx="2"/>
-          </p:nvPr>
-        </p:nvSpPr>
-        <p:spPr/>
-        <p:txBody>
-          <a:bodyPr/>
-          <a:lstStyle/>
-          <a:p>
-            <a:endParaRPr lang="en-GB" dirty="0">
-              <a:latin typeface="CamingoDosPro-Regular"/>
-            </a:endParaRPr>
-          </a:p>
-          <a:p>
-            <a:r>
-              <a:rPr lang="en-GB" dirty="0">
-                <a:latin typeface="CamingoDosPro-Regular"/>
-              </a:rPr>
-              <a:t>Software always </a:t>
-            </a:r>
-            <a:r>
-              <a:rPr lang="en-GB" b="1" dirty="0">
-                <a:latin typeface="CamingoDosPro-Regular"/>
-              </a:rPr>
-              <a:t>production ready</a:t>
-            </a:r>
-          </a:p>
-          <a:p>
-            <a:endParaRPr lang="en-GB" b="1" dirty="0">
-              <a:latin typeface="CamingoDosPro-Regular"/>
-            </a:endParaRPr>
-          </a:p>
-          <a:p>
-            <a:r>
-              <a:rPr lang="en-GB" dirty="0">
-                <a:latin typeface="CamingoDosPro-Regular"/>
-              </a:rPr>
-              <a:t>Releases tied to business needs, not</a:t>
-            </a:r>
-          </a:p>
-          <a:p>
-            <a:r>
-              <a:rPr lang="en-GB" dirty="0">
-                <a:latin typeface="CamingoDosPro-Regular"/>
-              </a:rPr>
-              <a:t>operational constraints</a:t>
-            </a:r>
-            <a:endParaRPr lang="en-GB" dirty="0"/>
-          </a:p>
-          <a:p>
-            <a:endParaRPr lang="en-GB" dirty="0"/>
-          </a:p>
-        </p:txBody>
-      </p:sp>
-      <p:sp>
-        <p:nvSpPr>
-          <p:cNvPr id="16" name="Content Placeholder 2">
-            <a:extLst>
-              <a:ext uri="{FF2B5EF4-FFF2-40B4-BE49-F238E27FC236}">
-                <a16:creationId xmlns:a16="http://schemas.microsoft.com/office/drawing/2014/main" id="{544998FD-9E59-4A3B-A063-DEDAEEBDA017}"/>
-              </a:ext>
-            </a:extLst>
-          </p:cNvPr>
-          <p:cNvSpPr>
-            <a:spLocks noGrp="1"/>
-          </p:cNvSpPr>
-          <p:nvPr>
-            <p:ph idx="1"/>
-          </p:nvPr>
-        </p:nvSpPr>
-        <p:spPr>
-          <a:xfrm>
-            <a:off x="3869268" y="864108"/>
-            <a:ext cx="7315200" cy="5120640"/>
-          </a:xfrm>
-        </p:spPr>
-        <p:txBody>
-          <a:bodyPr/>
-          <a:lstStyle/>
-          <a:p>
-            <a:pPr marL="0" indent="0">
-              <a:buNone/>
-            </a:pPr>
-            <a:r>
-              <a:rPr lang="en-GB" i="1" dirty="0"/>
-              <a:t>We want…</a:t>
-            </a:r>
-          </a:p>
-          <a:p>
-            <a:pPr marL="0" indent="0">
-              <a:buNone/>
-            </a:pPr>
-            <a:endParaRPr lang="en-GB" dirty="0"/>
-          </a:p>
-          <a:p>
-            <a:pPr marL="0" indent="0">
-              <a:buNone/>
-            </a:pPr>
-            <a:r>
-              <a:rPr lang="en-GB" dirty="0"/>
-              <a:t>Fast, automated feedback on the production readiness of the applications every time there is a change in:</a:t>
-            </a:r>
-          </a:p>
-          <a:p>
-            <a:r>
-              <a:rPr lang="en-GB" dirty="0"/>
-              <a:t>Code</a:t>
-            </a:r>
-          </a:p>
-          <a:p>
-            <a:r>
-              <a:rPr lang="en-GB" dirty="0"/>
-              <a:t>Infrastructure</a:t>
-            </a:r>
-          </a:p>
-          <a:p>
-            <a:r>
-              <a:rPr lang="en-GB" dirty="0"/>
-              <a:t>Configuration</a:t>
-            </a:r>
-          </a:p>
-          <a:p>
-            <a:endParaRPr lang="en-GB" dirty="0"/>
-          </a:p>
-          <a:p>
-            <a:pPr marL="0" indent="0">
-              <a:buNone/>
-            </a:pPr>
-            <a:r>
-              <a:rPr lang="en-GB" b="1" dirty="0">
-                <a:solidFill>
-                  <a:schemeClr val="accent1"/>
-                </a:solidFill>
-              </a:rPr>
-              <a:t>Deploy</a:t>
-            </a:r>
-            <a:r>
-              <a:rPr lang="en-GB" dirty="0">
-                <a:solidFill>
-                  <a:schemeClr val="accent1"/>
-                </a:solidFill>
-              </a:rPr>
-              <a:t> N times</a:t>
-            </a:r>
-          </a:p>
-          <a:p>
-            <a:pPr marL="0" indent="0">
-              <a:buNone/>
-            </a:pPr>
-            <a:r>
-              <a:rPr lang="en-GB" b="1" dirty="0">
-                <a:solidFill>
-                  <a:schemeClr val="accent1"/>
-                </a:solidFill>
-              </a:rPr>
-              <a:t>Release</a:t>
-            </a:r>
-            <a:r>
-              <a:rPr lang="en-GB" dirty="0">
-                <a:solidFill>
-                  <a:schemeClr val="accent1"/>
-                </a:solidFill>
-              </a:rPr>
-              <a:t> by simply “enabling a flag”</a:t>
-            </a:r>
-          </a:p>
-          <a:p>
-            <a:pPr marL="0" indent="0">
-              <a:buNone/>
-            </a:pPr>
-            <a:endParaRPr lang="en-GB" dirty="0"/>
-          </a:p>
-        </p:txBody>
-      </p:sp>
-    </p:spTree>
-    <p:extLst>
-      <p:ext uri="{BB962C8B-B14F-4D97-AF65-F5344CB8AC3E}">
-        <p14:creationId xmlns:p14="http://schemas.microsoft.com/office/powerpoint/2010/main" val="85691741"/>
-      </p:ext>
-    </p:extLst>
-  </p:cSld>
-  <p:clrMapOvr>
-    <a:masterClrMapping/>
-  </p:clrMapOvr>
-</p:sld>
-</file>
-
-<file path=ppt/slides/slide32.xml><?xml version="1.0" encoding="utf-8"?>
 <p:sld xmlns:a="http://schemas.openxmlformats.org/drawingml/2006/main" xmlns:r="http://schemas.openxmlformats.org/officeDocument/2006/relationships" xmlns:p="http://schemas.openxmlformats.org/presentationml/2006/main">
   <p:cSld>
     <p:spTree>
@@ -51677,7 +47711,7 @@
 </p:sld>
 </file>
 
-<file path=ppt/slides/slide33.xml><?xml version="1.0" encoding="utf-8"?>
+<file path=ppt/slides/slide31.xml><?xml version="1.0" encoding="utf-8"?>
 <p:sld xmlns:a="http://schemas.openxmlformats.org/drawingml/2006/main" xmlns:r="http://schemas.openxmlformats.org/officeDocument/2006/relationships" xmlns:p="http://schemas.openxmlformats.org/presentationml/2006/main">
   <p:cSld>
     <p:spTree>
@@ -51983,7 +48017,7 @@
 </p:sld>
 </file>
 
-<file path=ppt/slides/slide34.xml><?xml version="1.0" encoding="utf-8"?>
+<file path=ppt/slides/slide32.xml><?xml version="1.0" encoding="utf-8"?>
 <p:sld xmlns:a="http://schemas.openxmlformats.org/drawingml/2006/main" xmlns:r="http://schemas.openxmlformats.org/officeDocument/2006/relationships" xmlns:p="http://schemas.openxmlformats.org/presentationml/2006/main">
   <p:cSld>
     <p:spTree>
@@ -52554,7 +48588,7 @@
 </p:sld>
 </file>
 
-<file path=ppt/slides/slide35.xml><?xml version="1.0" encoding="utf-8"?>
+<file path=ppt/slides/slide33.xml><?xml version="1.0" encoding="utf-8"?>
 <p:sld xmlns:a="http://schemas.openxmlformats.org/drawingml/2006/main" xmlns:r="http://schemas.openxmlformats.org/officeDocument/2006/relationships" xmlns:p="http://schemas.openxmlformats.org/presentationml/2006/main">
   <p:cSld>
     <p:spTree>
@@ -53039,7 +49073,7 @@
 </p:sld>
 </file>
 
-<file path=ppt/slides/slide36.xml><?xml version="1.0" encoding="utf-8"?>
+<file path=ppt/slides/slide34.xml><?xml version="1.0" encoding="utf-8"?>
 <p:sld xmlns:a="http://schemas.openxmlformats.org/drawingml/2006/main" xmlns:r="http://schemas.openxmlformats.org/officeDocument/2006/relationships" xmlns:p="http://schemas.openxmlformats.org/presentationml/2006/main">
   <p:cSld>
     <p:spTree>
@@ -53402,7 +49436,7 @@
 </p:sld>
 </file>
 
-<file path=ppt/slides/slide37.xml><?xml version="1.0" encoding="utf-8"?>
+<file path=ppt/slides/slide35.xml><?xml version="1.0" encoding="utf-8"?>
 <p:sld xmlns:a="http://schemas.openxmlformats.org/drawingml/2006/main" xmlns:r="http://schemas.openxmlformats.org/officeDocument/2006/relationships" xmlns:p="http://schemas.openxmlformats.org/presentationml/2006/main">
   <p:cSld>
     <p:spTree>
@@ -53817,7 +49851,7 @@
 </p:sld>
 </file>
 
-<file path=ppt/slides/slide38.xml><?xml version="1.0" encoding="utf-8"?>
+<file path=ppt/slides/slide36.xml><?xml version="1.0" encoding="utf-8"?>
 <p:sld xmlns:a="http://schemas.openxmlformats.org/drawingml/2006/main" xmlns:r="http://schemas.openxmlformats.org/officeDocument/2006/relationships" xmlns:p="http://schemas.openxmlformats.org/presentationml/2006/main">
   <p:cSld>
     <p:spTree>
@@ -54029,7 +50063,7 @@
 </p:sld>
 </file>
 
-<file path=ppt/slides/slide39.xml><?xml version="1.0" encoding="utf-8"?>
+<file path=ppt/slides/slide37.xml><?xml version="1.0" encoding="utf-8"?>
 <p:sld xmlns:a="http://schemas.openxmlformats.org/drawingml/2006/main" xmlns:r="http://schemas.openxmlformats.org/officeDocument/2006/relationships" xmlns:p="http://schemas.openxmlformats.org/presentationml/2006/main">
   <p:cSld>
     <p:spTree>
@@ -54692,7 +50726,7 @@
           <a:p>
             <a:r>
               <a:rPr lang="en-GB" sz="2000" dirty="0"/>
-              <a:t>local folder</a:t>
+              <a:t>1 local folder</a:t>
             </a:r>
           </a:p>
           <a:p>
@@ -54946,6 +50980,53 @@
           </p:txBody>
         </p:sp>
       </p:grpSp>
+      <p:pic>
+        <p:nvPicPr>
+          <p:cNvPr id="11266" name="Picture 2" descr="http://www.corpstore.in/img/com.png">
+            <a:extLst>
+              <a:ext uri="{FF2B5EF4-FFF2-40B4-BE49-F238E27FC236}">
+                <a16:creationId xmlns:a16="http://schemas.microsoft.com/office/drawing/2014/main" id="{01BE6B10-137C-44CF-B5D7-DEC4DE86C92A}"/>
+              </a:ext>
+            </a:extLst>
+          </p:cNvPr>
+          <p:cNvPicPr>
+            <a:picLocks noChangeAspect="1" noChangeArrowheads="1"/>
+          </p:cNvPicPr>
+          <p:nvPr/>
+        </p:nvPicPr>
+        <p:blipFill>
+          <a:blip r:embed="rId6">
+            <a:extLst>
+              <a:ext uri="{28A0092B-C50C-407E-A947-70E740481C1C}">
+                <a14:useLocalDpi xmlns:a14="http://schemas.microsoft.com/office/drawing/2010/main" val="0"/>
+              </a:ext>
+            </a:extLst>
+          </a:blip>
+          <a:srcRect/>
+          <a:stretch>
+            <a:fillRect/>
+          </a:stretch>
+        </p:blipFill>
+        <p:spPr bwMode="auto">
+          <a:xfrm>
+            <a:off x="7853248" y="4014787"/>
+            <a:ext cx="3810000" cy="2381250"/>
+          </a:xfrm>
+          <a:prstGeom prst="rect">
+            <a:avLst/>
+          </a:prstGeom>
+          <a:noFill/>
+          <a:extLst>
+            <a:ext uri="{909E8E84-426E-40DD-AFC4-6F175D3DCCD1}">
+              <a14:hiddenFill xmlns:a14="http://schemas.microsoft.com/office/drawing/2010/main">
+                <a:solidFill>
+                  <a:srgbClr val="FFFFFF"/>
+                </a:solidFill>
+              </a14:hiddenFill>
+            </a:ext>
+          </a:extLst>
+        </p:spPr>
+      </p:pic>
     </p:spTree>
     <p:extLst>
       <p:ext uri="{BB962C8B-B14F-4D97-AF65-F5344CB8AC3E}">

--- a/Bootcamp-ContinuousDelivery.pptx
+++ b/Bootcamp-ContinuousDelivery.pptx
@@ -5,46 +5,48 @@
     <p:sldMasterId id="2147483840" r:id="rId1"/>
   </p:sldMasterIdLst>
   <p:notesMasterIdLst>
-    <p:notesMasterId r:id="rId39"/>
+    <p:notesMasterId r:id="rId41"/>
   </p:notesMasterIdLst>
   <p:sldIdLst>
     <p:sldId id="267" r:id="rId2"/>
     <p:sldId id="268" r:id="rId3"/>
     <p:sldId id="266" r:id="rId4"/>
     <p:sldId id="270" r:id="rId5"/>
-    <p:sldId id="288" r:id="rId6"/>
-    <p:sldId id="290" r:id="rId7"/>
-    <p:sldId id="291" r:id="rId8"/>
-    <p:sldId id="292" r:id="rId9"/>
-    <p:sldId id="293" r:id="rId10"/>
-    <p:sldId id="294" r:id="rId11"/>
-    <p:sldId id="296" r:id="rId12"/>
-    <p:sldId id="297" r:id="rId13"/>
-    <p:sldId id="298" r:id="rId14"/>
-    <p:sldId id="299" r:id="rId15"/>
-    <p:sldId id="300" r:id="rId16"/>
-    <p:sldId id="301" r:id="rId17"/>
-    <p:sldId id="302" r:id="rId18"/>
-    <p:sldId id="303" r:id="rId19"/>
-    <p:sldId id="304" r:id="rId20"/>
-    <p:sldId id="258" r:id="rId21"/>
-    <p:sldId id="265" r:id="rId22"/>
-    <p:sldId id="272" r:id="rId23"/>
-    <p:sldId id="273" r:id="rId24"/>
-    <p:sldId id="274" r:id="rId25"/>
-    <p:sldId id="256" r:id="rId26"/>
-    <p:sldId id="257" r:id="rId27"/>
-    <p:sldId id="262" r:id="rId28"/>
-    <p:sldId id="286" r:id="rId29"/>
-    <p:sldId id="287" r:id="rId30"/>
-    <p:sldId id="283" r:id="rId31"/>
-    <p:sldId id="277" r:id="rId32"/>
-    <p:sldId id="279" r:id="rId33"/>
-    <p:sldId id="280" r:id="rId34"/>
-    <p:sldId id="281" r:id="rId35"/>
-    <p:sldId id="282" r:id="rId36"/>
-    <p:sldId id="284" r:id="rId37"/>
-    <p:sldId id="263" r:id="rId38"/>
+    <p:sldId id="305" r:id="rId6"/>
+    <p:sldId id="288" r:id="rId7"/>
+    <p:sldId id="290" r:id="rId8"/>
+    <p:sldId id="291" r:id="rId9"/>
+    <p:sldId id="292" r:id="rId10"/>
+    <p:sldId id="293" r:id="rId11"/>
+    <p:sldId id="294" r:id="rId12"/>
+    <p:sldId id="296" r:id="rId13"/>
+    <p:sldId id="297" r:id="rId14"/>
+    <p:sldId id="298" r:id="rId15"/>
+    <p:sldId id="299" r:id="rId16"/>
+    <p:sldId id="300" r:id="rId17"/>
+    <p:sldId id="301" r:id="rId18"/>
+    <p:sldId id="302" r:id="rId19"/>
+    <p:sldId id="303" r:id="rId20"/>
+    <p:sldId id="304" r:id="rId21"/>
+    <p:sldId id="258" r:id="rId22"/>
+    <p:sldId id="265" r:id="rId23"/>
+    <p:sldId id="272" r:id="rId24"/>
+    <p:sldId id="273" r:id="rId25"/>
+    <p:sldId id="274" r:id="rId26"/>
+    <p:sldId id="256" r:id="rId27"/>
+    <p:sldId id="257" r:id="rId28"/>
+    <p:sldId id="262" r:id="rId29"/>
+    <p:sldId id="286" r:id="rId30"/>
+    <p:sldId id="287" r:id="rId31"/>
+    <p:sldId id="283" r:id="rId32"/>
+    <p:sldId id="277" r:id="rId33"/>
+    <p:sldId id="279" r:id="rId34"/>
+    <p:sldId id="280" r:id="rId35"/>
+    <p:sldId id="281" r:id="rId36"/>
+    <p:sldId id="282" r:id="rId37"/>
+    <p:sldId id="284" r:id="rId38"/>
+    <p:sldId id="263" r:id="rId39"/>
+    <p:sldId id="306" r:id="rId40"/>
   </p:sldIdLst>
   <p:sldSz cx="12192000" cy="6858000"/>
   <p:notesSz cx="6858000" cy="9144000"/>
@@ -15632,91 +15634,34 @@
           <a:bodyPr/>
           <a:lstStyle/>
           <a:p>
-            <a:pPr marL="0" marR="0" lvl="0" indent="0" algn="l" defTabSz="914400" rtl="0" eaLnBrk="1" fontAlgn="auto" latinLnBrk="0" hangingPunct="1">
-              <a:lnSpc>
-                <a:spcPct val="100000"/>
-              </a:lnSpc>
-              <a:spcBef>
-                <a:spcPts val="0"/>
-              </a:spcBef>
-              <a:spcAft>
-                <a:spcPts val="0"/>
-              </a:spcAft>
-              <a:buClrTx/>
-              <a:buSzTx/>
+            <a:r>
+              <a:rPr lang="en-GB" dirty="0"/>
+              <a:t>We are going to talk about continuous delivery</a:t>
+            </a:r>
+          </a:p>
+          <a:p>
+            <a:endParaRPr lang="en-GB" dirty="0"/>
+          </a:p>
+          <a:p>
+            <a:r>
+              <a:rPr lang="en-GB" dirty="0"/>
+              <a:t>We are going to split the topic into 2 sessions: one today, and another one next Friday </a:t>
+            </a:r>
+          </a:p>
+          <a:p>
+            <a:r>
+              <a:rPr lang="en-GB" dirty="0"/>
+              <a:t>-   Today we’ll start with some theory now</a:t>
+            </a:r>
+          </a:p>
+          <a:p>
+            <a:pPr marL="171450" indent="-171450">
               <a:buFontTx/>
-              <a:buNone/>
-              <a:tabLst/>
-              <a:defRPr/>
+              <a:buChar char="-"/>
             </a:pPr>
             <a:r>
               <a:rPr lang="en-GB" dirty="0"/>
-              <a:t>We are in charge of the services that form part of the platform orchestrating the lifecycle of an order, from the moment and orders is “</a:t>
-            </a:r>
-            <a:r>
-              <a:rPr lang="en-GB" b="0" dirty="0"/>
-              <a:t>placed</a:t>
-            </a:r>
-            <a:r>
-              <a:rPr lang="en-GB" dirty="0"/>
-              <a:t>” from the checkout to the point where it’s dispatched to the warehouse systems.</a:t>
-            </a:r>
-          </a:p>
-          <a:p>
-            <a:pPr marL="0" marR="0" lvl="0" indent="0" algn="l" defTabSz="914400" rtl="0" eaLnBrk="1" fontAlgn="auto" latinLnBrk="0" hangingPunct="1">
-              <a:lnSpc>
-                <a:spcPct val="100000"/>
-              </a:lnSpc>
-              <a:spcBef>
-                <a:spcPts val="0"/>
-              </a:spcBef>
-              <a:spcAft>
-                <a:spcPts val="0"/>
-              </a:spcAft>
-              <a:buClrTx/>
-              <a:buSzTx/>
-              <a:buFontTx/>
-              <a:buNone/>
-              <a:tabLst/>
-              <a:defRPr/>
-            </a:pPr>
-            <a:endParaRPr lang="en-GB" dirty="0"/>
-          </a:p>
-          <a:p>
-            <a:r>
-              <a:rPr lang="en-GB" dirty="0"/>
-              <a:t>Our team:</a:t>
-            </a:r>
-          </a:p>
-          <a:p>
-            <a:r>
-              <a:rPr lang="en-GB" dirty="0"/>
-              <a:t>20 members in one single team, 20+ micro services, </a:t>
-            </a:r>
-            <a:r>
-              <a:rPr lang="en-GB" b="0" dirty="0"/>
-              <a:t>30+</a:t>
-            </a:r>
-            <a:r>
-              <a:rPr lang="en-GB" dirty="0"/>
-              <a:t> deployments per day (any </a:t>
-            </a:r>
-            <a:r>
-              <a:rPr lang="en-GB" dirty="0" err="1"/>
-              <a:t>env</a:t>
-            </a:r>
-            <a:r>
-              <a:rPr lang="en-GB" dirty="0"/>
-              <a:t>), several releases to Production per week</a:t>
-            </a:r>
-          </a:p>
-          <a:p>
-            <a:endParaRPr lang="en-GB" dirty="0"/>
-          </a:p>
-          <a:p>
-            <a:r>
-              <a:rPr lang="en-GB" dirty="0"/>
-              <a:t>If we weren’t following the continuous delivery principles, none of this would be possible</a:t>
+              <a:t>Then a break and a hands-on session</a:t>
             </a:r>
           </a:p>
         </p:txBody>
@@ -15738,7 +15683,7 @@
           <a:p>
             <a:fld id="{CD07EBF8-396F-4315-AE4D-1B4415FB8D2D}" type="slidenum">
               <a:rPr lang="en-GB" smtClean="0"/>
-              <a:t>2</a:t>
+              <a:t>1</a:t>
             </a:fld>
             <a:endParaRPr lang="en-GB"/>
           </a:p>
@@ -15747,7 +15692,7 @@
     </p:spTree>
     <p:extLst>
       <p:ext uri="{BB962C8B-B14F-4D97-AF65-F5344CB8AC3E}">
-        <p14:creationId xmlns:p14="http://schemas.microsoft.com/office/powerpoint/2010/main" val="942833329"/>
+        <p14:creationId xmlns:p14="http://schemas.microsoft.com/office/powerpoint/2010/main" val="1552721364"/>
       </p:ext>
     </p:extLst>
   </p:cSld>
@@ -15803,41 +15748,8 @@
           <a:p>
             <a:r>
               <a:rPr lang="en-GB" dirty="0"/>
-              <a:t>Read team introduce a change in the system that clashes with what the other team has</a:t>
+              <a:t>Red and green team want to try out new things with the server (the only one) without affecting each other</a:t>
             </a:r>
-          </a:p>
-          <a:p>
-            <a:endParaRPr lang="en-GB" dirty="0"/>
-          </a:p>
-          <a:p>
-            <a:r>
-              <a:rPr lang="en-GB" dirty="0"/>
-              <a:t>The earliest integration point between both teams is Production, so this is the environment that blows up</a:t>
-            </a:r>
-          </a:p>
-          <a:p>
-            <a:endParaRPr lang="en-GB" dirty="0"/>
-          </a:p>
-          <a:p>
-            <a:r>
-              <a:rPr lang="en-GB" dirty="0"/>
-              <a:t>Since the configuration and the deployment process is handled manually, reverting to a previous stable point is very costly and time consuming</a:t>
-            </a:r>
-          </a:p>
-          <a:p>
-            <a:endParaRPr lang="en-GB" dirty="0"/>
-          </a:p>
-          <a:p>
-            <a:r>
-              <a:rPr lang="en-GB" dirty="0"/>
-              <a:t>Downtime for the company, and pain for both teams to fix the mess</a:t>
-            </a:r>
-          </a:p>
-          <a:p>
-            <a:endParaRPr lang="en-GB" dirty="0"/>
-          </a:p>
-          <a:p>
-            <a:endParaRPr lang="en-GB" dirty="0"/>
           </a:p>
         </p:txBody>
       </p:sp>
@@ -15858,7 +15770,7 @@
           <a:p>
             <a:fld id="{CD07EBF8-396F-4315-AE4D-1B4415FB8D2D}" type="slidenum">
               <a:rPr lang="en-GB" smtClean="0"/>
-              <a:t>12</a:t>
+              <a:t>10</a:t>
             </a:fld>
             <a:endParaRPr lang="en-GB"/>
           </a:p>
@@ -15867,7 +15779,7 @@
     </p:spTree>
     <p:extLst>
       <p:ext uri="{BB962C8B-B14F-4D97-AF65-F5344CB8AC3E}">
-        <p14:creationId xmlns:p14="http://schemas.microsoft.com/office/powerpoint/2010/main" val="1188701240"/>
+        <p14:creationId xmlns:p14="http://schemas.microsoft.com/office/powerpoint/2010/main" val="3593528188"/>
       </p:ext>
     </p:extLst>
   </p:cSld>
@@ -15921,48 +15833,7 @@
           <a:bodyPr/>
           <a:lstStyle/>
           <a:p>
-            <a:r>
-              <a:rPr lang="en-GB" dirty="0"/>
-              <a:t>So after a long weekend working until late in the night the company decides that they need </a:t>
-            </a:r>
-            <a:r>
-              <a:rPr lang="en-GB" b="1" dirty="0"/>
-              <a:t>stability</a:t>
-            </a:r>
-          </a:p>
-          <a:p>
-            <a:endParaRPr lang="en-GB" b="1" dirty="0"/>
-          </a:p>
-          <a:p>
-            <a:r>
-              <a:rPr lang="en-GB" b="0" dirty="0"/>
-              <a:t>So they </a:t>
-            </a:r>
-            <a:r>
-              <a:rPr lang="en-GB" b="1" dirty="0"/>
-              <a:t>hire “operations</a:t>
-            </a:r>
-            <a:r>
-              <a:rPr lang="en-GB" b="0" dirty="0"/>
-              <a:t>” people, to be in charge of the deployments to production</a:t>
-            </a:r>
-          </a:p>
-          <a:p>
-            <a:endParaRPr lang="en-GB" b="0" dirty="0"/>
-          </a:p>
-          <a:p>
-            <a:r>
-              <a:rPr lang="en-GB" b="0" dirty="0"/>
-              <a:t>And they </a:t>
-            </a:r>
-            <a:r>
-              <a:rPr lang="en-GB" b="1" dirty="0"/>
-              <a:t>block the access to Production </a:t>
-            </a:r>
-            <a:r>
-              <a:rPr lang="en-GB" b="0" dirty="0"/>
-              <a:t>to everybody but “Ops”</a:t>
-            </a:r>
+            <a:endParaRPr lang="en-GB" dirty="0"/>
           </a:p>
         </p:txBody>
       </p:sp>
@@ -15983,7 +15854,7 @@
           <a:p>
             <a:fld id="{CD07EBF8-396F-4315-AE4D-1B4415FB8D2D}" type="slidenum">
               <a:rPr lang="en-GB" smtClean="0"/>
-              <a:t>13</a:t>
+              <a:t>11</a:t>
             </a:fld>
             <a:endParaRPr lang="en-GB"/>
           </a:p>
@@ -15992,7 +15863,7 @@
     </p:spTree>
     <p:extLst>
       <p:ext uri="{BB962C8B-B14F-4D97-AF65-F5344CB8AC3E}">
-        <p14:creationId xmlns:p14="http://schemas.microsoft.com/office/powerpoint/2010/main" val="1287091486"/>
+        <p14:creationId xmlns:p14="http://schemas.microsoft.com/office/powerpoint/2010/main" val="3070261817"/>
       </p:ext>
     </p:extLst>
   </p:cSld>
@@ -16048,15 +15919,110 @@
           <a:p>
             <a:r>
               <a:rPr lang="en-GB" dirty="0"/>
-              <a:t>Stability is restored, but now the process is way </a:t>
+              <a:t>Both teams are making changes in the configuration of the environments manually</a:t>
+            </a:r>
+          </a:p>
+          <a:p>
+            <a:pPr marL="171450" indent="-171450">
+              <a:buFontTx/>
+              <a:buChar char="-"/>
+            </a:pPr>
+            <a:r>
+              <a:rPr lang="en-GB" dirty="0"/>
+              <a:t>Environments start to differ</a:t>
+            </a:r>
+          </a:p>
+          <a:p>
+            <a:pPr marL="171450" indent="-171450">
+              <a:buFontTx/>
+              <a:buChar char="-"/>
+            </a:pPr>
+            <a:r>
+              <a:rPr lang="en-GB" dirty="0"/>
+              <a:t>If the process is not automatic people forgets to do it</a:t>
+            </a:r>
+          </a:p>
+          <a:p>
+            <a:pPr marL="171450" indent="-171450">
+              <a:buFontTx/>
+              <a:buChar char="-"/>
+            </a:pPr>
+            <a:endParaRPr lang="en-GB" dirty="0"/>
+          </a:p>
+          <a:p>
+            <a:r>
+              <a:rPr lang="en-GB" dirty="0"/>
+              <a:t>The deployment process is manual:</a:t>
+            </a:r>
+          </a:p>
+          <a:p>
+            <a:pPr marL="171450" indent="-171450">
+              <a:buFontTx/>
+              <a:buChar char="-"/>
+            </a:pPr>
+            <a:r>
+              <a:rPr lang="en-GB" dirty="0"/>
+              <a:t>Error prone</a:t>
+            </a:r>
+          </a:p>
+          <a:p>
+            <a:pPr marL="171450" indent="-171450">
+              <a:buFontTx/>
+              <a:buChar char="-"/>
+            </a:pPr>
+            <a:r>
+              <a:rPr lang="en-GB" dirty="0"/>
+              <a:t>Not easily reproducible</a:t>
+            </a:r>
+          </a:p>
+          <a:p>
+            <a:pPr marL="0" indent="0">
+              <a:buFontTx/>
+              <a:buNone/>
+            </a:pPr>
+            <a:endParaRPr lang="en-GB" dirty="0"/>
+          </a:p>
+          <a:p>
+            <a:pPr marL="0" indent="0">
+              <a:buFontTx/>
+              <a:buNone/>
+            </a:pPr>
+            <a:r>
+              <a:rPr lang="en-GB" dirty="0"/>
+              <a:t>The teams only test their changes in a production-like environment… when they get to production</a:t>
+            </a:r>
+          </a:p>
+          <a:p>
+            <a:pPr marL="0" indent="0">
+              <a:buFontTx/>
+              <a:buNone/>
+            </a:pPr>
+            <a:endParaRPr lang="en-GB" dirty="0"/>
+          </a:p>
+          <a:p>
+            <a:pPr marL="0" indent="0">
+              <a:buFontTx/>
+              <a:buNone/>
+            </a:pPr>
+            <a:r>
+              <a:rPr lang="en-GB" dirty="0"/>
+              <a:t>“This </a:t>
             </a:r>
             <a:r>
-              <a:rPr lang="en-GB" b="1" dirty="0"/>
-              <a:t>slower</a:t>
+              <a:rPr lang="en-GB" dirty="0" err="1"/>
+              <a:t>ain’t</a:t>
             </a:r>
             <a:r>
               <a:rPr lang="en-GB" dirty="0"/>
-              <a:t> than before</a:t>
+              <a:t> </a:t>
+            </a:r>
+            <a:r>
+              <a:rPr lang="en-GB" dirty="0" err="1"/>
+              <a:t>gonna</a:t>
+            </a:r>
+            <a:r>
+              <a:rPr lang="en-GB" dirty="0"/>
+              <a:t> end well…”</a:t>
             </a:r>
           </a:p>
         </p:txBody>
@@ -16078,7 +16044,7 @@
           <a:p>
             <a:fld id="{CD07EBF8-396F-4315-AE4D-1B4415FB8D2D}" type="slidenum">
               <a:rPr lang="en-GB" smtClean="0"/>
-              <a:t>14</a:t>
+              <a:t>12</a:t>
             </a:fld>
             <a:endParaRPr lang="en-GB"/>
           </a:p>
@@ -16087,7 +16053,7 @@
     </p:spTree>
     <p:extLst>
       <p:ext uri="{BB962C8B-B14F-4D97-AF65-F5344CB8AC3E}">
-        <p14:creationId xmlns:p14="http://schemas.microsoft.com/office/powerpoint/2010/main" val="271435543"/>
+        <p14:creationId xmlns:p14="http://schemas.microsoft.com/office/powerpoint/2010/main" val="1803340507"/>
       </p:ext>
     </p:extLst>
   </p:cSld>
@@ -16143,7 +16109,7 @@
           <a:p>
             <a:r>
               <a:rPr lang="en-GB" dirty="0"/>
-              <a:t>The solution the companies find is always the same… throw more people. Problem solved. Right?</a:t>
+              <a:t>Read team introduce a change in the system that clashes with what the other team has</a:t>
             </a:r>
           </a:p>
           <a:p>
@@ -16152,7 +16118,7 @@
           <a:p>
             <a:r>
               <a:rPr lang="en-GB" dirty="0"/>
-              <a:t>Problem, the more people, the bigger and more complex the platform, the codebase and the deployment process</a:t>
+              <a:t>The earliest integration point between both teams is Production, so this is the environment that blows up</a:t>
             </a:r>
           </a:p>
           <a:p>
@@ -16161,8 +16127,20 @@
           <a:p>
             <a:r>
               <a:rPr lang="en-GB" dirty="0"/>
-              <a:t>Remember that all these environments are still being manually configured, so the differences between what each team has are becoming nearly impossible to manually handle</a:t>
+              <a:t>Since the configuration and the deployment process is handled manually, reverting to a previous stable point is very costly and time consuming</a:t>
             </a:r>
+          </a:p>
+          <a:p>
+            <a:endParaRPr lang="en-GB" dirty="0"/>
+          </a:p>
+          <a:p>
+            <a:r>
+              <a:rPr lang="en-GB" dirty="0"/>
+              <a:t>Downtime for the company, and pain for both teams to fix the mess</a:t>
+            </a:r>
+          </a:p>
+          <a:p>
+            <a:endParaRPr lang="en-GB" dirty="0"/>
           </a:p>
           <a:p>
             <a:endParaRPr lang="en-GB" dirty="0"/>
@@ -16186,7 +16164,7 @@
           <a:p>
             <a:fld id="{CD07EBF8-396F-4315-AE4D-1B4415FB8D2D}" type="slidenum">
               <a:rPr lang="en-GB" smtClean="0"/>
-              <a:t>15</a:t>
+              <a:t>13</a:t>
             </a:fld>
             <a:endParaRPr lang="en-GB"/>
           </a:p>
@@ -16195,7 +16173,7 @@
     </p:spTree>
     <p:extLst>
       <p:ext uri="{BB962C8B-B14F-4D97-AF65-F5344CB8AC3E}">
-        <p14:creationId xmlns:p14="http://schemas.microsoft.com/office/powerpoint/2010/main" val="2004931664"/>
+        <p14:creationId xmlns:p14="http://schemas.microsoft.com/office/powerpoint/2010/main" val="1188701240"/>
       </p:ext>
     </p:extLst>
   </p:cSld>
@@ -16251,25 +16229,45 @@
           <a:p>
             <a:r>
               <a:rPr lang="en-GB" dirty="0"/>
-              <a:t>Ops people miss one of the steps in the, now long, deployment process. </a:t>
+              <a:t>So after a long weekend working until late in the night the company decides that they need </a:t>
             </a:r>
-          </a:p>
-          <a:p>
-            <a:endParaRPr lang="en-GB" dirty="0"/>
-          </a:p>
-          <a:p>
             <a:r>
-              <a:rPr lang="en-GB" dirty="0"/>
-              <a:t>Or there were two changes from 2 teams, in the batch of 10 changes to release today, that clashed</a:t>
+              <a:rPr lang="en-GB" b="1" dirty="0"/>
+              <a:t>stability</a:t>
             </a:r>
           </a:p>
           <a:p>
-            <a:endParaRPr lang="en-GB" dirty="0"/>
+            <a:endParaRPr lang="en-GB" b="1" dirty="0"/>
           </a:p>
           <a:p>
             <a:r>
-              <a:rPr lang="en-GB" dirty="0"/>
-              <a:t>Now the consequences and the downtime are even worse</a:t>
+              <a:rPr lang="en-GB" b="0" dirty="0"/>
+              <a:t>So they </a:t>
+            </a:r>
+            <a:r>
+              <a:rPr lang="en-GB" b="1" dirty="0"/>
+              <a:t>hire “operations</a:t>
+            </a:r>
+            <a:r>
+              <a:rPr lang="en-GB" b="0" dirty="0"/>
+              <a:t>” people, to be in charge of the deployments to production</a:t>
+            </a:r>
+          </a:p>
+          <a:p>
+            <a:endParaRPr lang="en-GB" b="0" dirty="0"/>
+          </a:p>
+          <a:p>
+            <a:r>
+              <a:rPr lang="en-GB" b="0" dirty="0"/>
+              <a:t>And they </a:t>
+            </a:r>
+            <a:r>
+              <a:rPr lang="en-GB" b="1" dirty="0"/>
+              <a:t>block the access to Production </a:t>
+            </a:r>
+            <a:r>
+              <a:rPr lang="en-GB" b="0" dirty="0"/>
+              <a:t>to everybody but “Ops”</a:t>
             </a:r>
           </a:p>
         </p:txBody>
@@ -16291,7 +16289,7 @@
           <a:p>
             <a:fld id="{CD07EBF8-396F-4315-AE4D-1B4415FB8D2D}" type="slidenum">
               <a:rPr lang="en-GB" smtClean="0"/>
-              <a:t>16</a:t>
+              <a:t>14</a:t>
             </a:fld>
             <a:endParaRPr lang="en-GB"/>
           </a:p>
@@ -16300,7 +16298,7 @@
     </p:spTree>
     <p:extLst>
       <p:ext uri="{BB962C8B-B14F-4D97-AF65-F5344CB8AC3E}">
-        <p14:creationId xmlns:p14="http://schemas.microsoft.com/office/powerpoint/2010/main" val="1286391402"/>
+        <p14:creationId xmlns:p14="http://schemas.microsoft.com/office/powerpoint/2010/main" val="1287091486"/>
       </p:ext>
     </p:extLst>
   </p:cSld>
@@ -16356,16 +16354,15 @@
           <a:p>
             <a:r>
               <a:rPr lang="en-GB" dirty="0"/>
-              <a:t>So the company hires Release Managers, to coordinate the releases and the dependencies between them</a:t>
+              <a:t>Stability is restored, but now the process is way </a:t>
             </a:r>
-          </a:p>
-          <a:p>
-            <a:endParaRPr lang="en-GB" dirty="0"/>
-          </a:p>
-          <a:p>
+            <a:r>
+              <a:rPr lang="en-GB" b="1" dirty="0"/>
+              <a:t>slower</a:t>
+            </a:r>
             <a:r>
               <a:rPr lang="en-GB" dirty="0"/>
-              <a:t>This makes the process slower again</a:t>
+              <a:t> than before</a:t>
             </a:r>
           </a:p>
         </p:txBody>
@@ -16387,7 +16384,7 @@
           <a:p>
             <a:fld id="{CD07EBF8-396F-4315-AE4D-1B4415FB8D2D}" type="slidenum">
               <a:rPr lang="en-GB" smtClean="0"/>
-              <a:t>17</a:t>
+              <a:t>15</a:t>
             </a:fld>
             <a:endParaRPr lang="en-GB"/>
           </a:p>
@@ -16396,7 +16393,7 @@
     </p:spTree>
     <p:extLst>
       <p:ext uri="{BB962C8B-B14F-4D97-AF65-F5344CB8AC3E}">
-        <p14:creationId xmlns:p14="http://schemas.microsoft.com/office/powerpoint/2010/main" val="253592038"/>
+        <p14:creationId xmlns:p14="http://schemas.microsoft.com/office/powerpoint/2010/main" val="271435543"/>
       </p:ext>
     </p:extLst>
   </p:cSld>
@@ -16452,7 +16449,7 @@
           <a:p>
             <a:r>
               <a:rPr lang="en-GB" dirty="0"/>
-              <a:t>So what does the company to go faster?</a:t>
+              <a:t>The solution the companies find is always the same… throw more people. Problem solved. Right?</a:t>
             </a:r>
           </a:p>
           <a:p>
@@ -16461,7 +16458,7 @@
           <a:p>
             <a:r>
               <a:rPr lang="en-GB" dirty="0"/>
-              <a:t>Again, throw more people at the problem</a:t>
+              <a:t>Problem, the more people, the bigger and more complex the platform, the codebase and the deployment process</a:t>
             </a:r>
           </a:p>
           <a:p>
@@ -16470,25 +16467,11 @@
           <a:p>
             <a:r>
               <a:rPr lang="en-GB" dirty="0"/>
-              <a:t>The result? The codebase is now huge, also the differences between environments, the deployment process has now many </a:t>
+              <a:t>Remember that all these environments are still being manually configured, so the differences between what each team has are becoming nearly impossible to manually handle</a:t>
             </a:r>
-            <a:r>
-              <a:rPr lang="en-GB" dirty="0" err="1"/>
-              <a:t>many</a:t>
-            </a:r>
-            <a:r>
-              <a:rPr lang="en-GB" dirty="0"/>
-              <a:t> steps that have to be done in rigorous order…</a:t>
-            </a:r>
           </a:p>
           <a:p>
             <a:endParaRPr lang="en-GB" dirty="0"/>
-          </a:p>
-          <a:p>
-            <a:r>
-              <a:rPr lang="en-GB" dirty="0"/>
-              <a:t>Release managers try to deal with the risk, but as dependencies get bigger, the slots to go to Prod with a release become more strict</a:t>
-            </a:r>
           </a:p>
         </p:txBody>
       </p:sp>
@@ -16509,7 +16492,7 @@
           <a:p>
             <a:fld id="{CD07EBF8-396F-4315-AE4D-1B4415FB8D2D}" type="slidenum">
               <a:rPr lang="en-GB" smtClean="0"/>
-              <a:t>18</a:t>
+              <a:t>16</a:t>
             </a:fld>
             <a:endParaRPr lang="en-GB"/>
           </a:p>
@@ -16518,7 +16501,7 @@
     </p:spTree>
     <p:extLst>
       <p:ext uri="{BB962C8B-B14F-4D97-AF65-F5344CB8AC3E}">
-        <p14:creationId xmlns:p14="http://schemas.microsoft.com/office/powerpoint/2010/main" val="797312656"/>
+        <p14:creationId xmlns:p14="http://schemas.microsoft.com/office/powerpoint/2010/main" val="2004931664"/>
       </p:ext>
     </p:extLst>
   </p:cSld>
@@ -16572,336 +16555,28 @@
           <a:bodyPr/>
           <a:lstStyle/>
           <a:p>
-            <a:pPr marL="0" marR="0" lvl="0" indent="0" algn="l" defTabSz="914400" rtl="0" eaLnBrk="1" fontAlgn="auto" latinLnBrk="0" hangingPunct="1">
-              <a:lnSpc>
-                <a:spcPct val="100000"/>
-              </a:lnSpc>
-              <a:spcBef>
-                <a:spcPts val="0"/>
-              </a:spcBef>
-              <a:spcAft>
-                <a:spcPts val="0"/>
-              </a:spcAft>
-              <a:buClrTx/>
-              <a:buSzTx/>
-              <a:buFontTx/>
-              <a:buNone/>
-              <a:tabLst/>
-              <a:defRPr/>
-            </a:pPr>
             <a:r>
               <a:rPr lang="en-GB" dirty="0"/>
-              <a:t>Now, let’s talk about agile…</a:t>
+              <a:t>Ops people miss one of the steps in the, now long, deployment process. </a:t>
             </a:r>
           </a:p>
           <a:p>
-            <a:pPr marL="0" marR="0" lvl="0" indent="0" algn="l" defTabSz="914400" rtl="0" eaLnBrk="1" fontAlgn="auto" latinLnBrk="0" hangingPunct="1">
-              <a:lnSpc>
-                <a:spcPct val="100000"/>
-              </a:lnSpc>
-              <a:spcBef>
-                <a:spcPts val="0"/>
-              </a:spcBef>
-              <a:spcAft>
-                <a:spcPts val="0"/>
-              </a:spcAft>
-              <a:buClrTx/>
-              <a:buSzTx/>
-              <a:buFontTx/>
-              <a:buNone/>
-              <a:tabLst/>
-              <a:defRPr/>
-            </a:pPr>
             <a:endParaRPr lang="en-GB" dirty="0"/>
           </a:p>
           <a:p>
-            <a:pPr marL="0" marR="0" lvl="0" indent="0" algn="l" defTabSz="914400" rtl="0" eaLnBrk="1" fontAlgn="auto" latinLnBrk="0" hangingPunct="1">
-              <a:lnSpc>
-                <a:spcPct val="100000"/>
-              </a:lnSpc>
-              <a:spcBef>
-                <a:spcPts val="0"/>
-              </a:spcBef>
-              <a:spcAft>
-                <a:spcPts val="0"/>
-              </a:spcAft>
-              <a:buClrTx/>
-              <a:buSzTx/>
-              <a:buFontTx/>
-              <a:buNone/>
-              <a:tabLst/>
-              <a:defRPr/>
-            </a:pPr>
             <a:r>
               <a:rPr lang="en-GB" dirty="0"/>
-              <a:t>You’ve been taught many agile techniques these days: how to coordinate in teams, how to plan the work, how to build a healthy team culture…</a:t>
+              <a:t>Or there were two changes from 2 teams, in the batch of 10 changes to release today, that clashed</a:t>
             </a:r>
           </a:p>
           <a:p>
-            <a:pPr marL="0" marR="0" lvl="0" indent="0" algn="l" defTabSz="914400" rtl="0" eaLnBrk="1" fontAlgn="auto" latinLnBrk="0" hangingPunct="1">
-              <a:lnSpc>
-                <a:spcPct val="100000"/>
-              </a:lnSpc>
-              <a:spcBef>
-                <a:spcPts val="0"/>
-              </a:spcBef>
-              <a:spcAft>
-                <a:spcPts val="0"/>
-              </a:spcAft>
-              <a:buClrTx/>
-              <a:buSzTx/>
-              <a:buFontTx/>
-              <a:buNone/>
-              <a:tabLst/>
-              <a:defRPr/>
-            </a:pPr>
             <a:endParaRPr lang="en-GB" dirty="0"/>
           </a:p>
           <a:p>
-            <a:pPr marL="0" marR="0" lvl="0" indent="0" algn="l" defTabSz="914400" rtl="0" eaLnBrk="1" fontAlgn="auto" latinLnBrk="0" hangingPunct="1">
-              <a:lnSpc>
-                <a:spcPct val="100000"/>
-              </a:lnSpc>
-              <a:spcBef>
-                <a:spcPts val="0"/>
-              </a:spcBef>
-              <a:spcAft>
-                <a:spcPts val="0"/>
-              </a:spcAft>
-              <a:buClrTx/>
-              <a:buSzTx/>
-              <a:buFontTx/>
-              <a:buNone/>
-              <a:tabLst/>
-              <a:defRPr/>
-            </a:pPr>
             <a:r>
               <a:rPr lang="en-GB" dirty="0"/>
-              <a:t>But without the continuous delivery ideas and techniques, you are missing a piece of the puzzle.</a:t>
+              <a:t>Now the consequences and the downtime are even worse</a:t>
             </a:r>
-          </a:p>
-          <a:p>
-            <a:pPr marL="0" marR="0" lvl="0" indent="0" algn="l" defTabSz="914400" rtl="0" eaLnBrk="1" fontAlgn="auto" latinLnBrk="0" hangingPunct="1">
-              <a:lnSpc>
-                <a:spcPct val="100000"/>
-              </a:lnSpc>
-              <a:spcBef>
-                <a:spcPts val="0"/>
-              </a:spcBef>
-              <a:spcAft>
-                <a:spcPts val="0"/>
-              </a:spcAft>
-              <a:buClrTx/>
-              <a:buSzTx/>
-              <a:buFontTx/>
-              <a:buNone/>
-              <a:tabLst/>
-              <a:defRPr/>
-            </a:pPr>
-            <a:endParaRPr lang="en-GB" dirty="0"/>
-          </a:p>
-          <a:p>
-            <a:pPr marL="0" marR="0" lvl="0" indent="0" algn="l" defTabSz="914400" rtl="0" eaLnBrk="1" fontAlgn="auto" latinLnBrk="0" hangingPunct="1">
-              <a:lnSpc>
-                <a:spcPct val="100000"/>
-              </a:lnSpc>
-              <a:spcBef>
-                <a:spcPts val="0"/>
-              </a:spcBef>
-              <a:spcAft>
-                <a:spcPts val="0"/>
-              </a:spcAft>
-              <a:buClrTx/>
-              <a:buSzTx/>
-              <a:buFontTx/>
-              <a:buNone/>
-              <a:tabLst/>
-              <a:defRPr/>
-            </a:pPr>
-            <a:r>
-              <a:rPr lang="en-GB" dirty="0"/>
-              <a:t>The agile manifesto says:</a:t>
-            </a:r>
-          </a:p>
-          <a:p>
-            <a:pPr marL="0" marR="0" lvl="0" indent="0" algn="l" defTabSz="914400" rtl="0" eaLnBrk="1" fontAlgn="auto" latinLnBrk="0" hangingPunct="1">
-              <a:lnSpc>
-                <a:spcPct val="100000"/>
-              </a:lnSpc>
-              <a:spcBef>
-                <a:spcPts val="0"/>
-              </a:spcBef>
-              <a:spcAft>
-                <a:spcPts val="0"/>
-              </a:spcAft>
-              <a:buClrTx/>
-              <a:buSzTx/>
-              <a:buFontTx/>
-              <a:buNone/>
-              <a:tabLst/>
-              <a:defRPr/>
-            </a:pPr>
-            <a:r>
-              <a:rPr lang="en-GB" b="1" i="1" dirty="0"/>
-              <a:t>Customer collaboration </a:t>
-            </a:r>
-            <a:r>
-              <a:rPr lang="en-GB" i="1" dirty="0"/>
-              <a:t>over contract negotiation</a:t>
-            </a:r>
-          </a:p>
-          <a:p>
-            <a:pPr marL="0" marR="0" lvl="0" indent="0" algn="l" defTabSz="914400" rtl="0" eaLnBrk="1" fontAlgn="auto" latinLnBrk="0" hangingPunct="1">
-              <a:lnSpc>
-                <a:spcPct val="100000"/>
-              </a:lnSpc>
-              <a:spcBef>
-                <a:spcPts val="0"/>
-              </a:spcBef>
-              <a:spcAft>
-                <a:spcPts val="0"/>
-              </a:spcAft>
-              <a:buClrTx/>
-              <a:buSzTx/>
-              <a:buFontTx/>
-              <a:buNone/>
-              <a:tabLst/>
-              <a:defRPr/>
-            </a:pPr>
-            <a:r>
-              <a:rPr lang="en-US" b="1" i="1" dirty="0"/>
-              <a:t>Responding to change</a:t>
-            </a:r>
-            <a:r>
-              <a:rPr lang="en-US" b="0" i="1" dirty="0"/>
-              <a:t> over following a plan</a:t>
-            </a:r>
-          </a:p>
-          <a:p>
-            <a:pPr marL="0" marR="0" lvl="0" indent="0" algn="l" defTabSz="914400" rtl="0" eaLnBrk="1" fontAlgn="auto" latinLnBrk="0" hangingPunct="1">
-              <a:lnSpc>
-                <a:spcPct val="100000"/>
-              </a:lnSpc>
-              <a:spcBef>
-                <a:spcPts val="0"/>
-              </a:spcBef>
-              <a:spcAft>
-                <a:spcPts val="0"/>
-              </a:spcAft>
-              <a:buClrTx/>
-              <a:buSzTx/>
-              <a:buFontTx/>
-              <a:buNone/>
-              <a:tabLst/>
-              <a:defRPr/>
-            </a:pPr>
-            <a:endParaRPr lang="en-US" b="0" i="1" dirty="0"/>
-          </a:p>
-          <a:p>
-            <a:pPr marL="0" marR="0" lvl="0" indent="0" algn="l" defTabSz="914400" rtl="0" eaLnBrk="1" fontAlgn="auto" latinLnBrk="0" hangingPunct="1">
-              <a:lnSpc>
-                <a:spcPct val="100000"/>
-              </a:lnSpc>
-              <a:spcBef>
-                <a:spcPts val="0"/>
-              </a:spcBef>
-              <a:spcAft>
-                <a:spcPts val="0"/>
-              </a:spcAft>
-              <a:buClrTx/>
-              <a:buSzTx/>
-              <a:buFontTx/>
-              <a:buNone/>
-              <a:tabLst/>
-              <a:defRPr/>
-            </a:pPr>
-            <a:r>
-              <a:rPr lang="en-US" b="0" i="0" dirty="0"/>
-              <a:t>To do that I need to be able to release my software in the shortest time possible, and very frequently. </a:t>
-            </a:r>
-          </a:p>
-          <a:p>
-            <a:pPr marL="0" marR="0" lvl="0" indent="0" algn="l" defTabSz="914400" rtl="0" eaLnBrk="1" fontAlgn="auto" latinLnBrk="0" hangingPunct="1">
-              <a:lnSpc>
-                <a:spcPct val="100000"/>
-              </a:lnSpc>
-              <a:spcBef>
-                <a:spcPts val="0"/>
-              </a:spcBef>
-              <a:spcAft>
-                <a:spcPts val="0"/>
-              </a:spcAft>
-              <a:buClrTx/>
-              <a:buSzTx/>
-              <a:buFontTx/>
-              <a:buNone/>
-              <a:tabLst/>
-              <a:defRPr/>
-            </a:pPr>
-            <a:endParaRPr lang="en-US" b="0" i="0" dirty="0"/>
-          </a:p>
-          <a:p>
-            <a:pPr marL="0" marR="0" lvl="0" indent="0" algn="l" defTabSz="914400" rtl="0" eaLnBrk="1" fontAlgn="auto" latinLnBrk="0" hangingPunct="1">
-              <a:lnSpc>
-                <a:spcPct val="100000"/>
-              </a:lnSpc>
-              <a:spcBef>
-                <a:spcPts val="0"/>
-              </a:spcBef>
-              <a:spcAft>
-                <a:spcPts val="0"/>
-              </a:spcAft>
-              <a:buClrTx/>
-              <a:buSzTx/>
-              <a:buFontTx/>
-              <a:buNone/>
-              <a:tabLst/>
-              <a:defRPr/>
-            </a:pPr>
-            <a:r>
-              <a:rPr lang="en-US" b="0" i="0" dirty="0"/>
-              <a:t>How to “technically” do it is what we’ll see in these sessions</a:t>
-            </a:r>
-          </a:p>
-          <a:p>
-            <a:pPr marL="0" marR="0" lvl="0" indent="0" algn="l" defTabSz="914400" rtl="0" eaLnBrk="1" fontAlgn="auto" latinLnBrk="0" hangingPunct="1">
-              <a:lnSpc>
-                <a:spcPct val="100000"/>
-              </a:lnSpc>
-              <a:spcBef>
-                <a:spcPts val="0"/>
-              </a:spcBef>
-              <a:spcAft>
-                <a:spcPts val="0"/>
-              </a:spcAft>
-              <a:buClrTx/>
-              <a:buSzTx/>
-              <a:buFontTx/>
-              <a:buNone/>
-              <a:tabLst/>
-              <a:defRPr/>
-            </a:pPr>
-            <a:endParaRPr lang="en-GB" dirty="0"/>
-          </a:p>
-          <a:p>
-            <a:pPr marL="0" marR="0" lvl="0" indent="0" algn="l" defTabSz="914400" rtl="0" eaLnBrk="1" fontAlgn="auto" latinLnBrk="0" hangingPunct="1">
-              <a:lnSpc>
-                <a:spcPct val="100000"/>
-              </a:lnSpc>
-              <a:spcBef>
-                <a:spcPts val="0"/>
-              </a:spcBef>
-              <a:spcAft>
-                <a:spcPts val="0"/>
-              </a:spcAft>
-              <a:buClrTx/>
-              <a:buSzTx/>
-              <a:buFontTx/>
-              <a:buNone/>
-              <a:tabLst/>
-              <a:defRPr/>
-            </a:pPr>
-            <a:endParaRPr lang="en-GB" dirty="0"/>
           </a:p>
         </p:txBody>
       </p:sp>
@@ -16922,7 +16597,7 @@
           <a:p>
             <a:fld id="{CD07EBF8-396F-4315-AE4D-1B4415FB8D2D}" type="slidenum">
               <a:rPr lang="en-GB" smtClean="0"/>
-              <a:t>20</a:t>
+              <a:t>17</a:t>
             </a:fld>
             <a:endParaRPr lang="en-GB"/>
           </a:p>
@@ -16931,7 +16606,7 @@
     </p:spTree>
     <p:extLst>
       <p:ext uri="{BB962C8B-B14F-4D97-AF65-F5344CB8AC3E}">
-        <p14:creationId xmlns:p14="http://schemas.microsoft.com/office/powerpoint/2010/main" val="2419398935"/>
+        <p14:creationId xmlns:p14="http://schemas.microsoft.com/office/powerpoint/2010/main" val="1286391402"/>
       </p:ext>
     </p:extLst>
   </p:cSld>
@@ -16987,13 +16662,17 @@
           <a:p>
             <a:r>
               <a:rPr lang="en-GB" dirty="0"/>
-              <a:t>Traditional</a:t>
+              <a:t>So the company hires Release Managers, to coordinate the releases and the dependencies between them</a:t>
             </a:r>
+          </a:p>
+          <a:p>
+            <a:endParaRPr lang="en-GB" dirty="0"/>
+          </a:p>
+          <a:p>
             <a:r>
-              <a:rPr lang="en-GB" baseline="0" dirty="0"/>
-              <a:t> lifecycle of a feature/product</a:t>
+              <a:rPr lang="en-GB" dirty="0"/>
+              <a:t>This makes the process slower again</a:t>
             </a:r>
-            <a:endParaRPr lang="en-GB" dirty="0"/>
           </a:p>
         </p:txBody>
       </p:sp>
@@ -17014,7 +16693,7 @@
           <a:p>
             <a:fld id="{CD07EBF8-396F-4315-AE4D-1B4415FB8D2D}" type="slidenum">
               <a:rPr lang="en-GB" smtClean="0"/>
-              <a:t>21</a:t>
+              <a:t>18</a:t>
             </a:fld>
             <a:endParaRPr lang="en-GB"/>
           </a:p>
@@ -17023,7 +16702,7 @@
     </p:spTree>
     <p:extLst>
       <p:ext uri="{BB962C8B-B14F-4D97-AF65-F5344CB8AC3E}">
-        <p14:creationId xmlns:p14="http://schemas.microsoft.com/office/powerpoint/2010/main" val="2156506370"/>
+        <p14:creationId xmlns:p14="http://schemas.microsoft.com/office/powerpoint/2010/main" val="253592038"/>
       </p:ext>
     </p:extLst>
   </p:cSld>
@@ -17079,19 +16758,42 @@
           <a:p>
             <a:r>
               <a:rPr lang="en-GB" dirty="0"/>
-              <a:t>Agile methodologies applied </a:t>
+              <a:t>So what does the company to go faster?</a:t>
+            </a:r>
+          </a:p>
+          <a:p>
+            <a:endParaRPr lang="en-GB" dirty="0"/>
+          </a:p>
+          <a:p>
+            <a:r>
+              <a:rPr lang="en-GB" dirty="0"/>
+              <a:t>Again, throw more people at the problem</a:t>
+            </a:r>
+          </a:p>
+          <a:p>
+            <a:endParaRPr lang="en-GB" dirty="0"/>
+          </a:p>
+          <a:p>
+            <a:r>
+              <a:rPr lang="en-GB" dirty="0"/>
+              <a:t>The result? The codebase is now huge, also the differences between environments, the deployment process has now many </a:t>
             </a:r>
             <a:r>
-              <a:rPr lang="en-GB" b="1" dirty="0"/>
-              <a:t>only </a:t>
-            </a:r>
-            <a:r>
-              <a:rPr lang="en-GB" b="0" dirty="0"/>
-              <a:t>to the development phase result in that we </a:t>
+              <a:rPr lang="en-GB" dirty="0" err="1"/>
+              <a:t>many</a:t>
             </a:r>
             <a:r>
               <a:rPr lang="en-GB" dirty="0"/>
-              <a:t>iterate, yes… to some extent</a:t>
+              <a:t> steps that have to be done in rigorous order…</a:t>
+            </a:r>
+          </a:p>
+          <a:p>
+            <a:endParaRPr lang="en-GB" dirty="0"/>
+          </a:p>
+          <a:p>
+            <a:r>
+              <a:rPr lang="en-GB" dirty="0"/>
+              <a:t>Release managers try to deal with the risk, but as dependencies get bigger, the slots to go to Prod with a release become more strict</a:t>
             </a:r>
           </a:p>
         </p:txBody>
@@ -17113,7 +16815,7 @@
           <a:p>
             <a:fld id="{CD07EBF8-396F-4315-AE4D-1B4415FB8D2D}" type="slidenum">
               <a:rPr lang="en-GB" smtClean="0"/>
-              <a:t>23</a:t>
+              <a:t>19</a:t>
             </a:fld>
             <a:endParaRPr lang="en-GB"/>
           </a:p>
@@ -17122,7 +16824,7 @@
     </p:spTree>
     <p:extLst>
       <p:ext uri="{BB962C8B-B14F-4D97-AF65-F5344CB8AC3E}">
-        <p14:creationId xmlns:p14="http://schemas.microsoft.com/office/powerpoint/2010/main" val="1992259821"/>
+        <p14:creationId xmlns:p14="http://schemas.microsoft.com/office/powerpoint/2010/main" val="797312656"/>
       </p:ext>
     </p:extLst>
   </p:cSld>
@@ -17176,95 +16878,140 @@
           <a:bodyPr/>
           <a:lstStyle/>
           <a:p>
-            <a:r>
-              <a:rPr lang="en-GB" dirty="0"/>
-              <a:t>First of all, let’s start with the </a:t>
-            </a:r>
-            <a:r>
-              <a:rPr lang="en-GB" b="1" dirty="0"/>
-              <a:t>problem</a:t>
-            </a:r>
-          </a:p>
-          <a:p>
-            <a:endParaRPr lang="en-GB" dirty="0"/>
-          </a:p>
-          <a:p>
-            <a:r>
-              <a:rPr lang="en-GB" dirty="0"/>
-              <a:t>Until now you’ve heard about:</a:t>
-            </a:r>
-          </a:p>
-          <a:p>
-            <a:pPr marL="171450" indent="-171450">
+            <a:pPr marL="0" marR="0" lvl="0" indent="0" algn="l" defTabSz="914400" rtl="0" eaLnBrk="1" fontAlgn="auto" latinLnBrk="0" hangingPunct="1">
+              <a:lnSpc>
+                <a:spcPct val="100000"/>
+              </a:lnSpc>
+              <a:spcBef>
+                <a:spcPts val="0"/>
+              </a:spcBef>
+              <a:spcAft>
+                <a:spcPts val="0"/>
+              </a:spcAft>
+              <a:buClrTx/>
+              <a:buSzTx/>
               <a:buFontTx/>
-              <a:buChar char="-"/>
+              <a:buNone/>
+              <a:tabLst/>
+              <a:defRPr/>
             </a:pPr>
             <a:r>
               <a:rPr lang="en-GB" dirty="0"/>
-              <a:t>Design patterns and architectures</a:t>
+              <a:t>First of all, the introduction</a:t>
             </a:r>
           </a:p>
           <a:p>
-            <a:pPr marL="171450" indent="-171450">
+            <a:pPr marL="0" marR="0" lvl="0" indent="0" algn="l" defTabSz="914400" rtl="0" eaLnBrk="1" fontAlgn="auto" latinLnBrk="0" hangingPunct="1">
+              <a:lnSpc>
+                <a:spcPct val="100000"/>
+              </a:lnSpc>
+              <a:spcBef>
+                <a:spcPts val="0"/>
+              </a:spcBef>
+              <a:spcAft>
+                <a:spcPts val="0"/>
+              </a:spcAft>
+              <a:buClrTx/>
+              <a:buSzTx/>
               <a:buFontTx/>
-              <a:buChar char="-"/>
+              <a:buNone/>
+              <a:tabLst/>
+              <a:defRPr/>
+            </a:pPr>
+            <a:endParaRPr lang="en-GB" dirty="0"/>
+          </a:p>
+          <a:p>
+            <a:pPr marL="0" marR="0" lvl="0" indent="0" algn="l" defTabSz="914400" rtl="0" eaLnBrk="1" fontAlgn="auto" latinLnBrk="0" hangingPunct="1">
+              <a:lnSpc>
+                <a:spcPct val="100000"/>
+              </a:lnSpc>
+              <a:spcBef>
+                <a:spcPts val="0"/>
+              </a:spcBef>
+              <a:spcAft>
+                <a:spcPts val="0"/>
+              </a:spcAft>
+              <a:buClrTx/>
+              <a:buSzTx/>
+              <a:buFontTx/>
+              <a:buNone/>
+              <a:tabLst/>
+              <a:defRPr/>
             </a:pPr>
             <a:r>
               <a:rPr lang="en-GB" dirty="0"/>
-              <a:t>Testing strategies</a:t>
+              <a:t>We are in charge of the services that form part of the platform orchestrating the lifecycle of an order, from the moment an orders is “</a:t>
             </a:r>
-          </a:p>
-          <a:p>
-            <a:pPr marL="171450" indent="-171450">
-              <a:buFontTx/>
-              <a:buChar char="-"/>
-            </a:pPr>
+            <a:r>
+              <a:rPr lang="en-GB" b="0" dirty="0"/>
+              <a:t>placed</a:t>
+            </a:r>
             <a:r>
               <a:rPr lang="en-GB" dirty="0"/>
-              <a:t>Agile methodologies and techniques</a:t>
+              <a:t>” from the checkout to the point where it’s dispatched to the warehouse systems.</a:t>
             </a:r>
           </a:p>
           <a:p>
-            <a:pPr marL="171450" indent="-171450">
+            <a:pPr marL="0" marR="0" lvl="0" indent="0" algn="l" defTabSz="914400" rtl="0" eaLnBrk="1" fontAlgn="auto" latinLnBrk="0" hangingPunct="1">
+              <a:lnSpc>
+                <a:spcPct val="100000"/>
+              </a:lnSpc>
+              <a:spcBef>
+                <a:spcPts val="0"/>
+              </a:spcBef>
+              <a:spcAft>
+                <a:spcPts val="0"/>
+              </a:spcAft>
+              <a:buClrTx/>
+              <a:buSzTx/>
               <a:buFontTx/>
-              <a:buChar char="-"/>
+              <a:buNone/>
+              <a:tabLst/>
+              <a:defRPr/>
             </a:pPr>
             <a:endParaRPr lang="en-GB" dirty="0"/>
           </a:p>
           <a:p>
-            <a:pPr marL="0" indent="0">
-              <a:buFontTx/>
-              <a:buNone/>
-            </a:pPr>
             <a:r>
               <a:rPr lang="en-GB" dirty="0"/>
-              <a:t>But…</a:t>
+              <a:t>Our team in numbers:</a:t>
             </a:r>
-          </a:p>
-          <a:p>
-            <a:endParaRPr lang="en-GB" dirty="0"/>
           </a:p>
           <a:p>
             <a:r>
               <a:rPr lang="en-GB" dirty="0"/>
-              <a:t>What happens once requirements are identified, solutions designed, developed, and tested? </a:t>
+              <a:t>20 members in one single team, 20+ micro services, </a:t>
             </a:r>
-          </a:p>
-          <a:p>
-            <a:endParaRPr lang="en-GB" dirty="0"/>
-          </a:p>
-          <a:p>
+            <a:r>
+              <a:rPr lang="en-GB" b="0" dirty="0"/>
+              <a:t>30+</a:t>
+            </a:r>
             <a:r>
               <a:rPr lang="en-GB" dirty="0"/>
-              <a:t>How do we join everything, and everybody (</a:t>
+              <a:t> deployments per day (any </a:t>
             </a:r>
             <a:r>
               <a:rPr lang="en-GB" dirty="0" err="1"/>
-              <a:t>devs</a:t>
+              <a:t>env</a:t>
             </a:r>
             <a:r>
               <a:rPr lang="en-GB" dirty="0"/>
-              <a:t>, QAs, ops) to work together effectively</a:t>
+              <a:t>), several releases to Production per week</a:t>
+            </a:r>
+          </a:p>
+          <a:p>
+            <a:endParaRPr lang="en-GB" dirty="0"/>
+          </a:p>
+          <a:p>
+            <a:r>
+              <a:rPr lang="en-GB" dirty="0"/>
+              <a:t>Why are we here telling you about continuous delivery? </a:t>
+            </a:r>
+          </a:p>
+          <a:p>
+            <a:r>
+              <a:rPr lang="en-GB" dirty="0"/>
+              <a:t>Because If we weren’t following the continuous delivery principles, none of this would be possible</a:t>
             </a:r>
           </a:p>
         </p:txBody>
@@ -17286,7 +17033,7 @@
           <a:p>
             <a:fld id="{CD07EBF8-396F-4315-AE4D-1B4415FB8D2D}" type="slidenum">
               <a:rPr lang="en-GB" smtClean="0"/>
-              <a:t>3</a:t>
+              <a:t>2</a:t>
             </a:fld>
             <a:endParaRPr lang="en-GB"/>
           </a:p>
@@ -17295,7 +17042,7 @@
     </p:spTree>
     <p:extLst>
       <p:ext uri="{BB962C8B-B14F-4D97-AF65-F5344CB8AC3E}">
-        <p14:creationId xmlns:p14="http://schemas.microsoft.com/office/powerpoint/2010/main" val="3821268491"/>
+        <p14:creationId xmlns:p14="http://schemas.microsoft.com/office/powerpoint/2010/main" val="942833329"/>
       </p:ext>
     </p:extLst>
   </p:cSld>
@@ -17349,107 +17096,335 @@
           <a:bodyPr/>
           <a:lstStyle/>
           <a:p>
+            <a:pPr marL="0" marR="0" lvl="0" indent="0" algn="l" defTabSz="914400" rtl="0" eaLnBrk="1" fontAlgn="auto" latinLnBrk="0" hangingPunct="1">
+              <a:lnSpc>
+                <a:spcPct val="100000"/>
+              </a:lnSpc>
+              <a:spcBef>
+                <a:spcPts val="0"/>
+              </a:spcBef>
+              <a:spcAft>
+                <a:spcPts val="0"/>
+              </a:spcAft>
+              <a:buClrTx/>
+              <a:buSzTx/>
+              <a:buFontTx/>
+              <a:buNone/>
+              <a:tabLst/>
+              <a:defRPr/>
+            </a:pPr>
             <a:r>
               <a:rPr lang="en-GB" dirty="0"/>
-              <a:t>But problems usually arise </a:t>
+              <a:t>Now, let’s talk about agile…</a:t>
+            </a:r>
+          </a:p>
+          <a:p>
+            <a:pPr marL="0" marR="0" lvl="0" indent="0" algn="l" defTabSz="914400" rtl="0" eaLnBrk="1" fontAlgn="auto" latinLnBrk="0" hangingPunct="1">
+              <a:lnSpc>
+                <a:spcPct val="100000"/>
+              </a:lnSpc>
+              <a:spcBef>
+                <a:spcPts val="0"/>
+              </a:spcBef>
+              <a:spcAft>
+                <a:spcPts val="0"/>
+              </a:spcAft>
+              <a:buClrTx/>
+              <a:buSzTx/>
+              <a:buFontTx/>
+              <a:buNone/>
+              <a:tabLst/>
+              <a:defRPr/>
+            </a:pPr>
+            <a:endParaRPr lang="en-GB" dirty="0"/>
+          </a:p>
+          <a:p>
+            <a:pPr marL="0" marR="0" lvl="0" indent="0" algn="l" defTabSz="914400" rtl="0" eaLnBrk="1" fontAlgn="auto" latinLnBrk="0" hangingPunct="1">
+              <a:lnSpc>
+                <a:spcPct val="100000"/>
+              </a:lnSpc>
+              <a:spcBef>
+                <a:spcPts val="0"/>
+              </a:spcBef>
+              <a:spcAft>
+                <a:spcPts val="0"/>
+              </a:spcAft>
+              <a:buClrTx/>
+              <a:buSzTx/>
+              <a:buFontTx/>
+              <a:buNone/>
+              <a:tabLst/>
+              <a:defRPr/>
+            </a:pPr>
+            <a:r>
+              <a:rPr lang="en-GB" dirty="0"/>
+              <a:t>You’ve been taught many agile techniques these days: how to coordinate in teams, how to plan the work, how to build a healthy team culture…</a:t>
+            </a:r>
+          </a:p>
+          <a:p>
+            <a:pPr marL="0" marR="0" lvl="0" indent="0" algn="l" defTabSz="914400" rtl="0" eaLnBrk="1" fontAlgn="auto" latinLnBrk="0" hangingPunct="1">
+              <a:lnSpc>
+                <a:spcPct val="100000"/>
+              </a:lnSpc>
+              <a:spcBef>
+                <a:spcPts val="0"/>
+              </a:spcBef>
+              <a:spcAft>
+                <a:spcPts val="0"/>
+              </a:spcAft>
+              <a:buClrTx/>
+              <a:buSzTx/>
+              <a:buFontTx/>
+              <a:buNone/>
+              <a:tabLst/>
+              <a:defRPr/>
+            </a:pPr>
+            <a:endParaRPr lang="en-GB" dirty="0"/>
+          </a:p>
+          <a:p>
+            <a:pPr marL="0" marR="0" lvl="0" indent="0" algn="l" defTabSz="914400" rtl="0" eaLnBrk="1" fontAlgn="auto" latinLnBrk="0" hangingPunct="1">
+              <a:lnSpc>
+                <a:spcPct val="100000"/>
+              </a:lnSpc>
+              <a:spcBef>
+                <a:spcPts val="0"/>
+              </a:spcBef>
+              <a:spcAft>
+                <a:spcPts val="0"/>
+              </a:spcAft>
+              <a:buClrTx/>
+              <a:buSzTx/>
+              <a:buFontTx/>
+              <a:buNone/>
+              <a:tabLst/>
+              <a:defRPr/>
+            </a:pPr>
+            <a:r>
+              <a:rPr lang="en-GB" dirty="0"/>
+              <a:t>But without the continuous delivery ideas and techniques, you are missing a piece of the puzzle.</a:t>
+            </a:r>
+          </a:p>
+          <a:p>
+            <a:pPr marL="0" marR="0" lvl="0" indent="0" algn="l" defTabSz="914400" rtl="0" eaLnBrk="1" fontAlgn="auto" latinLnBrk="0" hangingPunct="1">
+              <a:lnSpc>
+                <a:spcPct val="100000"/>
+              </a:lnSpc>
+              <a:spcBef>
+                <a:spcPts val="0"/>
+              </a:spcBef>
+              <a:spcAft>
+                <a:spcPts val="0"/>
+              </a:spcAft>
+              <a:buClrTx/>
+              <a:buSzTx/>
+              <a:buFontTx/>
+              <a:buNone/>
+              <a:tabLst/>
+              <a:defRPr/>
+            </a:pPr>
+            <a:endParaRPr lang="en-GB" dirty="0"/>
+          </a:p>
+          <a:p>
+            <a:pPr marL="0" marR="0" lvl="0" indent="0" algn="l" defTabSz="914400" rtl="0" eaLnBrk="1" fontAlgn="auto" latinLnBrk="0" hangingPunct="1">
+              <a:lnSpc>
+                <a:spcPct val="100000"/>
+              </a:lnSpc>
+              <a:spcBef>
+                <a:spcPts val="0"/>
+              </a:spcBef>
+              <a:spcAft>
+                <a:spcPts val="0"/>
+              </a:spcAft>
+              <a:buClrTx/>
+              <a:buSzTx/>
+              <a:buFontTx/>
+              <a:buNone/>
+              <a:tabLst/>
+              <a:defRPr/>
+            </a:pPr>
+            <a:r>
+              <a:rPr lang="en-GB" dirty="0"/>
+              <a:t>The agile manifesto says:</a:t>
+            </a:r>
+          </a:p>
+          <a:p>
+            <a:pPr marL="0" marR="0" lvl="0" indent="0" algn="l" defTabSz="914400" rtl="0" eaLnBrk="1" fontAlgn="auto" latinLnBrk="0" hangingPunct="1">
+              <a:lnSpc>
+                <a:spcPct val="100000"/>
+              </a:lnSpc>
+              <a:spcBef>
+                <a:spcPts val="0"/>
+              </a:spcBef>
+              <a:spcAft>
+                <a:spcPts val="0"/>
+              </a:spcAft>
+              <a:buClrTx/>
+              <a:buSzTx/>
+              <a:buFontTx/>
+              <a:buNone/>
+              <a:tabLst/>
+              <a:defRPr/>
+            </a:pPr>
+            <a:r>
+              <a:rPr lang="en-GB" b="1" i="1" dirty="0"/>
+              <a:t>Customer collaboration </a:t>
             </a:r>
             <a:r>
-              <a:rPr lang="en-GB" b="1" dirty="0"/>
-              <a:t>here. </a:t>
+              <a:rPr lang="en-GB" i="1" dirty="0"/>
+              <a:t>over contract negotiation</a:t>
+            </a:r>
+          </a:p>
+          <a:p>
+            <a:pPr marL="0" marR="0" lvl="0" indent="0" algn="l" defTabSz="914400" rtl="0" eaLnBrk="1" fontAlgn="auto" latinLnBrk="0" hangingPunct="1">
+              <a:lnSpc>
+                <a:spcPct val="100000"/>
+              </a:lnSpc>
+              <a:spcBef>
+                <a:spcPts val="0"/>
+              </a:spcBef>
+              <a:spcAft>
+                <a:spcPts val="0"/>
+              </a:spcAft>
+              <a:buClrTx/>
+              <a:buSzTx/>
+              <a:buFontTx/>
+              <a:buNone/>
+              <a:tabLst/>
+              <a:defRPr/>
+            </a:pPr>
+            <a:r>
+              <a:rPr lang="en-US" b="1" i="1" dirty="0"/>
+              <a:t>Responding to change</a:t>
             </a:r>
             <a:r>
-              <a:rPr lang="en-GB" b="0" dirty="0"/>
-              <a:t>Operations</a:t>
+              <a:rPr lang="en-US" b="0" i="1" dirty="0"/>
+              <a:t> over following a plan</a:t>
             </a:r>
+          </a:p>
+          <a:p>
+            <a:pPr marL="0" marR="0" lvl="0" indent="0" algn="l" defTabSz="914400" rtl="0" eaLnBrk="1" fontAlgn="auto" latinLnBrk="0" hangingPunct="1">
+              <a:lnSpc>
+                <a:spcPct val="100000"/>
+              </a:lnSpc>
+              <a:spcBef>
+                <a:spcPts val="0"/>
+              </a:spcBef>
+              <a:spcAft>
+                <a:spcPts val="0"/>
+              </a:spcAft>
+              <a:buClrTx/>
+              <a:buSzTx/>
+              <a:buFontTx/>
+              <a:buNone/>
+              <a:tabLst/>
+              <a:defRPr/>
+            </a:pPr>
+            <a:endParaRPr lang="en-US" b="0" i="1" dirty="0"/>
+          </a:p>
+          <a:p>
+            <a:pPr marL="0" marR="0" lvl="0" indent="0" algn="l" defTabSz="914400" rtl="0" eaLnBrk="1" fontAlgn="auto" latinLnBrk="0" hangingPunct="1">
+              <a:lnSpc>
+                <a:spcPct val="100000"/>
+              </a:lnSpc>
+              <a:spcBef>
+                <a:spcPts val="0"/>
+              </a:spcBef>
+              <a:spcAft>
+                <a:spcPts val="0"/>
+              </a:spcAft>
+              <a:buClrTx/>
+              <a:buSzTx/>
+              <a:buFontTx/>
+              <a:buNone/>
+              <a:tabLst/>
+              <a:defRPr/>
+            </a:pPr>
             <a:r>
-              <a:rPr lang="en-GB" b="0" baseline="0" dirty="0"/>
-              <a:t> hasn’t developed the code, they struggle to support it</a:t>
+              <a:rPr lang="en-US" b="0" i="0" dirty="0"/>
+              <a:t>To do that I need to be able to release my software in the shortest time possible, and very frequently. </a:t>
             </a:r>
-            <a:endParaRPr lang="en-GB" b="1" dirty="0"/>
-          </a:p>
-          <a:p>
+          </a:p>
+          <a:p>
+            <a:pPr marL="0" marR="0" lvl="0" indent="0" algn="l" defTabSz="914400" rtl="0" eaLnBrk="1" fontAlgn="auto" latinLnBrk="0" hangingPunct="1">
+              <a:lnSpc>
+                <a:spcPct val="100000"/>
+              </a:lnSpc>
+              <a:spcBef>
+                <a:spcPts val="0"/>
+              </a:spcBef>
+              <a:spcAft>
+                <a:spcPts val="0"/>
+              </a:spcAft>
+              <a:buClrTx/>
+              <a:buSzTx/>
+              <a:buFontTx/>
+              <a:buNone/>
+              <a:tabLst/>
+              <a:defRPr/>
+            </a:pPr>
+            <a:endParaRPr lang="en-US" b="0" i="0" dirty="0"/>
+          </a:p>
+          <a:p>
+            <a:pPr marL="0" marR="0" lvl="0" indent="0" algn="l" defTabSz="914400" rtl="0" eaLnBrk="1" fontAlgn="auto" latinLnBrk="0" hangingPunct="1">
+              <a:lnSpc>
+                <a:spcPct val="100000"/>
+              </a:lnSpc>
+              <a:spcBef>
+                <a:spcPts val="0"/>
+              </a:spcBef>
+              <a:spcAft>
+                <a:spcPts val="0"/>
+              </a:spcAft>
+              <a:buClrTx/>
+              <a:buSzTx/>
+              <a:buFontTx/>
+              <a:buNone/>
+              <a:tabLst/>
+              <a:defRPr/>
+            </a:pPr>
+            <a:r>
+              <a:rPr lang="en-US" b="0" i="0" dirty="0"/>
+              <a:t>How to “technically” do it is what we’ll see in these sessions</a:t>
+            </a:r>
+          </a:p>
+          <a:p>
+            <a:pPr marL="0" marR="0" lvl="0" indent="0" algn="l" defTabSz="914400" rtl="0" eaLnBrk="1" fontAlgn="auto" latinLnBrk="0" hangingPunct="1">
+              <a:lnSpc>
+                <a:spcPct val="100000"/>
+              </a:lnSpc>
+              <a:spcBef>
+                <a:spcPts val="0"/>
+              </a:spcBef>
+              <a:spcAft>
+                <a:spcPts val="0"/>
+              </a:spcAft>
+              <a:buClrTx/>
+              <a:buSzTx/>
+              <a:buFontTx/>
+              <a:buNone/>
+              <a:tabLst/>
+              <a:defRPr/>
+            </a:pPr>
             <a:endParaRPr lang="en-GB" dirty="0"/>
           </a:p>
           <a:p>
-            <a:r>
-              <a:rPr lang="en-GB" dirty="0"/>
-              <a:t>Until the code is deployed, we have provided </a:t>
-            </a:r>
-            <a:r>
-              <a:rPr lang="en-GB" b="1" dirty="0"/>
-              <a:t>NO value</a:t>
-            </a:r>
-          </a:p>
-          <a:p>
-            <a:r>
-              <a:rPr lang="en-GB" b="0" dirty="0"/>
-              <a:t>It’s accessible to nobody, and we don’t know if it actually works where we want it to work: th</a:t>
-            </a:r>
-            <a:r>
-              <a:rPr lang="en-GB" b="0" baseline="0" dirty="0"/>
-              <a:t>e </a:t>
-            </a:r>
-            <a:r>
-              <a:rPr lang="en-GB" b="1" dirty="0"/>
-              <a:t>Production </a:t>
-            </a:r>
-            <a:r>
-              <a:rPr lang="en-GB" b="0" dirty="0"/>
-              <a:t>environment</a:t>
-            </a:r>
-            <a:endParaRPr lang="en-GB" b="1" dirty="0"/>
-          </a:p>
-          <a:p>
-            <a:r>
-              <a:rPr lang="en-GB" b="0" dirty="0"/>
-              <a:t> - Heavy load</a:t>
-            </a:r>
-          </a:p>
-          <a:p>
-            <a:r>
-              <a:rPr lang="en-GB" b="0" dirty="0"/>
-              <a:t> - Restrictive conditions</a:t>
-            </a:r>
-          </a:p>
-          <a:p>
-            <a:r>
-              <a:rPr lang="en-GB" b="0" dirty="0"/>
-              <a:t> - Real customers interacting with it</a:t>
-            </a:r>
-          </a:p>
-          <a:p>
-            <a:r>
-              <a:rPr lang="en-GB" b="0" dirty="0"/>
-              <a:t> - 3</a:t>
-            </a:r>
-            <a:r>
-              <a:rPr lang="en-GB" b="0" baseline="30000" dirty="0"/>
-              <a:t>rd</a:t>
-            </a:r>
-            <a:r>
-              <a:rPr lang="en-GB" b="0" dirty="0"/>
-              <a:t> party dependencies</a:t>
-            </a:r>
-          </a:p>
-          <a:p>
-            <a:r>
-              <a:rPr lang="en-GB" dirty="0"/>
-              <a:t> </a:t>
-            </a:r>
-          </a:p>
-          <a:p>
-            <a:r>
-              <a:rPr lang="en-GB" dirty="0"/>
-              <a:t>The life of the product/feature </a:t>
-            </a:r>
-            <a:r>
-              <a:rPr lang="en-GB" b="1" dirty="0"/>
-              <a:t>starts</a:t>
-            </a:r>
-            <a:r>
-              <a:rPr lang="en-GB" b="0" dirty="0"/>
-              <a:t> at this point, it doesn’t end here</a:t>
-            </a:r>
+            <a:pPr marL="0" marR="0" lvl="0" indent="0" algn="l" defTabSz="914400" rtl="0" eaLnBrk="1" fontAlgn="auto" latinLnBrk="0" hangingPunct="1">
+              <a:lnSpc>
+                <a:spcPct val="100000"/>
+              </a:lnSpc>
+              <a:spcBef>
+                <a:spcPts val="0"/>
+              </a:spcBef>
+              <a:spcAft>
+                <a:spcPts val="0"/>
+              </a:spcAft>
+              <a:buClrTx/>
+              <a:buSzTx/>
+              <a:buFontTx/>
+              <a:buNone/>
+              <a:tabLst/>
+              <a:defRPr/>
+            </a:pPr>
             <a:endParaRPr lang="en-GB" dirty="0"/>
           </a:p>
         </p:txBody>
@@ -17471,7 +17446,7 @@
           <a:p>
             <a:fld id="{CD07EBF8-396F-4315-AE4D-1B4415FB8D2D}" type="slidenum">
               <a:rPr lang="en-GB" smtClean="0"/>
-              <a:t>24</a:t>
+              <a:t>21</a:t>
             </a:fld>
             <a:endParaRPr lang="en-GB"/>
           </a:p>
@@ -17480,7 +17455,7 @@
     </p:spTree>
     <p:extLst>
       <p:ext uri="{BB962C8B-B14F-4D97-AF65-F5344CB8AC3E}">
-        <p14:creationId xmlns:p14="http://schemas.microsoft.com/office/powerpoint/2010/main" val="2457008700"/>
+        <p14:creationId xmlns:p14="http://schemas.microsoft.com/office/powerpoint/2010/main" val="2419398935"/>
       </p:ext>
     </p:extLst>
   </p:cSld>
@@ -17536,34 +17511,12 @@
           <a:p>
             <a:r>
               <a:rPr lang="en-GB" dirty="0"/>
-              <a:t>What’s less risky? </a:t>
+              <a:t>Traditional</a:t>
             </a:r>
-          </a:p>
-          <a:p>
             <a:r>
-              <a:rPr lang="en-GB" dirty="0"/>
-              <a:t>A deployment every 2 months with 200 commits with code changes</a:t>
+              <a:rPr lang="en-GB" baseline="0" dirty="0"/>
+              <a:t> lifecycle of a feature/product</a:t>
             </a:r>
-          </a:p>
-          <a:p>
-            <a:r>
-              <a:rPr lang="en-GB" dirty="0"/>
-              <a:t>A deployment every hour with 1 commit with code changes</a:t>
-            </a:r>
-          </a:p>
-          <a:p>
-            <a:endParaRPr lang="en-GB" dirty="0"/>
-          </a:p>
-          <a:p>
-            <a:r>
-              <a:rPr lang="en-GB" dirty="0"/>
-              <a:t>In case there’s a problem: technical or operational, in which one we’ll be able to spot where the problem is and revert it or apply a solution</a:t>
-            </a:r>
-          </a:p>
-          <a:p>
-            <a:endParaRPr lang="en-GB" dirty="0"/>
-          </a:p>
-          <a:p>
             <a:endParaRPr lang="en-GB" dirty="0"/>
           </a:p>
         </p:txBody>
@@ -17585,7 +17538,7 @@
           <a:p>
             <a:fld id="{CD07EBF8-396F-4315-AE4D-1B4415FB8D2D}" type="slidenum">
               <a:rPr lang="en-GB" smtClean="0"/>
-              <a:t>25</a:t>
+              <a:t>22</a:t>
             </a:fld>
             <a:endParaRPr lang="en-GB"/>
           </a:p>
@@ -17594,7 +17547,7 @@
     </p:spTree>
     <p:extLst>
       <p:ext uri="{BB962C8B-B14F-4D97-AF65-F5344CB8AC3E}">
-        <p14:creationId xmlns:p14="http://schemas.microsoft.com/office/powerpoint/2010/main" val="3269436878"/>
+        <p14:creationId xmlns:p14="http://schemas.microsoft.com/office/powerpoint/2010/main" val="2156506370"/>
       </p:ext>
     </p:extLst>
   </p:cSld>
@@ -17648,7 +17601,22 @@
           <a:bodyPr/>
           <a:lstStyle/>
           <a:p>
-            <a:endParaRPr lang="en-GB" dirty="0"/>
+            <a:r>
+              <a:rPr lang="en-GB" dirty="0"/>
+              <a:t>Agile methodologies applied </a:t>
+            </a:r>
+            <a:r>
+              <a:rPr lang="en-GB" b="1" dirty="0"/>
+              <a:t>only </a:t>
+            </a:r>
+            <a:r>
+              <a:rPr lang="en-GB" b="0" dirty="0"/>
+              <a:t>to the development phase result in that we </a:t>
+            </a:r>
+            <a:r>
+              <a:rPr lang="en-GB" dirty="0"/>
+              <a:t>iterate, yes… to some extent</a:t>
+            </a:r>
           </a:p>
         </p:txBody>
       </p:sp>
@@ -17669,7 +17637,7 @@
           <a:p>
             <a:fld id="{CD07EBF8-396F-4315-AE4D-1B4415FB8D2D}" type="slidenum">
               <a:rPr lang="en-GB" smtClean="0"/>
-              <a:t>26</a:t>
+              <a:t>24</a:t>
             </a:fld>
             <a:endParaRPr lang="en-GB"/>
           </a:p>
@@ -17678,7 +17646,7 @@
     </p:spTree>
     <p:extLst>
       <p:ext uri="{BB962C8B-B14F-4D97-AF65-F5344CB8AC3E}">
-        <p14:creationId xmlns:p14="http://schemas.microsoft.com/office/powerpoint/2010/main" val="3247085236"/>
+        <p14:creationId xmlns:p14="http://schemas.microsoft.com/office/powerpoint/2010/main" val="1992259821"/>
       </p:ext>
     </p:extLst>
   </p:cSld>
@@ -17732,112 +17700,31 @@
           <a:bodyPr/>
           <a:lstStyle/>
           <a:p>
-            <a:pPr marL="0" marR="0" lvl="0" indent="0" algn="l" defTabSz="914400" rtl="0" eaLnBrk="1" fontAlgn="auto" latinLnBrk="0" hangingPunct="1">
-              <a:lnSpc>
-                <a:spcPct val="100000"/>
-              </a:lnSpc>
-              <a:spcBef>
-                <a:spcPts val="0"/>
-              </a:spcBef>
-              <a:spcAft>
-                <a:spcPts val="0"/>
-              </a:spcAft>
-              <a:buClrTx/>
-              <a:buSzTx/>
-              <a:buFontTx/>
-              <a:buNone/>
-              <a:tabLst/>
-              <a:defRPr/>
-            </a:pPr>
             <a:r>
               <a:rPr lang="en-GB" dirty="0"/>
-              <a:t>Eternal business complaint: IT is slow</a:t>
+              <a:t>But problems usually arise </a:t>
             </a:r>
-          </a:p>
-          <a:p>
-            <a:pPr marL="0" marR="0" lvl="0" indent="0" algn="l" defTabSz="914400" rtl="0" eaLnBrk="1" fontAlgn="auto" latinLnBrk="0" hangingPunct="1">
-              <a:lnSpc>
-                <a:spcPct val="100000"/>
-              </a:lnSpc>
-              <a:spcBef>
-                <a:spcPts val="0"/>
-              </a:spcBef>
-              <a:spcAft>
-                <a:spcPts val="0"/>
-              </a:spcAft>
-              <a:buClrTx/>
-              <a:buSzTx/>
-              <a:buFontTx/>
-              <a:buNone/>
-              <a:tabLst/>
-              <a:defRPr/>
-            </a:pPr>
+            <a:r>
+              <a:rPr lang="en-GB" b="1" dirty="0"/>
+              <a:t>here. </a:t>
+            </a:r>
+            <a:r>
+              <a:rPr lang="en-GB" b="0" dirty="0"/>
+              <a:t>Operations</a:t>
+            </a:r>
+            <a:r>
+              <a:rPr lang="en-GB" b="0" baseline="0" dirty="0"/>
+              <a:t> hasn’t developed the code, they struggle to support it</a:t>
+            </a:r>
+            <a:endParaRPr lang="en-GB" b="1" dirty="0"/>
+          </a:p>
+          <a:p>
+            <a:endParaRPr lang="en-GB" dirty="0"/>
+          </a:p>
+          <a:p>
             <a:r>
               <a:rPr lang="en-GB" dirty="0"/>
-              <a:t>Customers</a:t>
-            </a:r>
-            <a:r>
-              <a:rPr lang="en-GB" baseline="0" dirty="0"/>
-              <a:t> not necessarily end-users: example of our client -&gt; </a:t>
-            </a:r>
-            <a:r>
-              <a:rPr lang="en-GB" baseline="0" dirty="0" err="1"/>
-              <a:t>MyAccount</a:t>
-            </a:r>
-            <a:r>
-              <a:rPr lang="en-GB" baseline="0" dirty="0"/>
-              <a:t> team</a:t>
-            </a:r>
-          </a:p>
-          <a:p>
-            <a:pPr marL="0" marR="0" lvl="0" indent="0" algn="l" defTabSz="914400" rtl="0" eaLnBrk="1" fontAlgn="auto" latinLnBrk="0" hangingPunct="1">
-              <a:lnSpc>
-                <a:spcPct val="100000"/>
-              </a:lnSpc>
-              <a:spcBef>
-                <a:spcPts val="0"/>
-              </a:spcBef>
-              <a:spcAft>
-                <a:spcPts val="0"/>
-              </a:spcAft>
-              <a:buClrTx/>
-              <a:buSzTx/>
-              <a:buFontTx/>
-              <a:buNone/>
-              <a:tabLst/>
-              <a:defRPr/>
-            </a:pPr>
-            <a:endParaRPr lang="en-GB" baseline="0" dirty="0"/>
-          </a:p>
-          <a:p>
-            <a:pPr marL="0" marR="0" lvl="0" indent="0" algn="l" defTabSz="914400" rtl="0" eaLnBrk="1" fontAlgn="auto" latinLnBrk="0" hangingPunct="1">
-              <a:lnSpc>
-                <a:spcPct val="100000"/>
-              </a:lnSpc>
-              <a:spcBef>
-                <a:spcPts val="0"/>
-              </a:spcBef>
-              <a:spcAft>
-                <a:spcPts val="0"/>
-              </a:spcAft>
-              <a:buClrTx/>
-              <a:buSzTx/>
-              <a:buFontTx/>
-              <a:buNone/>
-              <a:tabLst/>
-              <a:defRPr/>
-            </a:pPr>
-            <a:r>
-              <a:rPr lang="en-GB" dirty="0"/>
-              <a:t>Remember that until the code is deployed to the Production </a:t>
-            </a:r>
-            <a:r>
-              <a:rPr lang="en-GB" dirty="0" err="1"/>
-              <a:t>environement</a:t>
-            </a:r>
-            <a:r>
-              <a:rPr lang="en-GB" dirty="0"/>
-              <a:t>, we have provided </a:t>
+              <a:t>Until the code is deployed, we have provided </a:t>
             </a:r>
             <a:r>
               <a:rPr lang="en-GB" b="1" dirty="0"/>
@@ -17845,45 +17732,75 @@
             </a:r>
           </a:p>
           <a:p>
-            <a:pPr marL="0" marR="0" lvl="0" indent="0" algn="l" defTabSz="914400" rtl="0" eaLnBrk="1" fontAlgn="auto" latinLnBrk="0" hangingPunct="1">
-              <a:lnSpc>
-                <a:spcPct val="100000"/>
-              </a:lnSpc>
-              <a:spcBef>
-                <a:spcPts val="0"/>
-              </a:spcBef>
-              <a:spcAft>
-                <a:spcPts val="0"/>
-              </a:spcAft>
-              <a:buClrTx/>
-              <a:buSzTx/>
-              <a:buFontTx/>
-              <a:buNone/>
-              <a:tabLst/>
-              <a:defRPr/>
-            </a:pPr>
             <a:r>
               <a:rPr lang="en-GB" b="0" dirty="0"/>
-              <a:t>The problem then is the </a:t>
+              <a:t>It’s accessible to nobody, and we don’t know if it actually works where we want it to work: th</a:t>
+            </a:r>
+            <a:r>
+              <a:rPr lang="en-GB" b="0" baseline="0" dirty="0"/>
+              <a:t>e </a:t>
             </a:r>
             <a:r>
               <a:rPr lang="en-GB" b="1" dirty="0"/>
-              <a:t>lead time </a:t>
+              <a:t>Production </a:t>
             </a:r>
             <a:r>
               <a:rPr lang="en-GB" b="0" dirty="0"/>
-              <a:t>(“</a:t>
+              <a:t>environment</a:t>
+            </a:r>
+            <a:endParaRPr lang="en-GB" b="1" dirty="0"/>
+          </a:p>
+          <a:p>
+            <a:r>
+              <a:rPr lang="en-GB" b="0" dirty="0"/>
+              <a:t> - Heavy load</a:t>
+            </a:r>
+          </a:p>
+          <a:p>
+            <a:r>
+              <a:rPr lang="en-GB" b="0" dirty="0"/>
+              <a:t> - Restrictive conditions</a:t>
+            </a:r>
+          </a:p>
+          <a:p>
+            <a:r>
+              <a:rPr lang="en-GB" b="0" dirty="0"/>
+              <a:t> - Real customers interacting with it</a:t>
+            </a:r>
+          </a:p>
+          <a:p>
+            <a:r>
+              <a:rPr lang="en-GB" b="0" dirty="0"/>
+              <a:t> - 3</a:t>
+            </a:r>
+            <a:r>
+              <a:rPr lang="en-GB" b="0" baseline="30000" dirty="0"/>
+              <a:t>rd</a:t>
+            </a:r>
+            <a:r>
+              <a:rPr lang="en-GB" b="0" dirty="0"/>
+              <a:t> party dependencies</a:t>
+            </a:r>
+          </a:p>
+          <a:p>
+            <a:r>
+              <a:rPr lang="en-GB" dirty="0"/>
+              <a:t> </a:t>
+            </a:r>
+          </a:p>
+          <a:p>
+            <a:r>
+              <a:rPr lang="en-GB" dirty="0"/>
+              <a:t>The life of the product/feature </a:t>
             </a:r>
             <a:r>
               <a:rPr lang="en-GB" b="1" dirty="0"/>
-              <a:t>from concept to production”</a:t>
+              <a:t>starts</a:t>
             </a:r>
             <a:r>
               <a:rPr lang="en-GB" b="0" dirty="0"/>
-              <a:t>) is too big</a:t>
+              <a:t> at this point, it doesn’t end here</a:t>
             </a:r>
-          </a:p>
-          <a:p>
             <a:endParaRPr lang="en-GB" dirty="0"/>
           </a:p>
         </p:txBody>
@@ -17905,7 +17822,7 @@
           <a:p>
             <a:fld id="{CD07EBF8-396F-4315-AE4D-1B4415FB8D2D}" type="slidenum">
               <a:rPr lang="en-GB" smtClean="0"/>
-              <a:t>27</a:t>
+              <a:t>25</a:t>
             </a:fld>
             <a:endParaRPr lang="en-GB"/>
           </a:p>
@@ -17914,7 +17831,7 @@
     </p:spTree>
     <p:extLst>
       <p:ext uri="{BB962C8B-B14F-4D97-AF65-F5344CB8AC3E}">
-        <p14:creationId xmlns:p14="http://schemas.microsoft.com/office/powerpoint/2010/main" val="3796568599"/>
+        <p14:creationId xmlns:p14="http://schemas.microsoft.com/office/powerpoint/2010/main" val="2457008700"/>
       </p:ext>
     </p:extLst>
   </p:cSld>
@@ -17968,6 +17885,440 @@
           <a:bodyPr/>
           <a:lstStyle/>
           <a:p>
+            <a:r>
+              <a:rPr lang="en-GB" dirty="0"/>
+              <a:t>What’s less risky? </a:t>
+            </a:r>
+          </a:p>
+          <a:p>
+            <a:r>
+              <a:rPr lang="en-GB" dirty="0"/>
+              <a:t>A deployment every 2 months with 200 commits with code changes</a:t>
+            </a:r>
+          </a:p>
+          <a:p>
+            <a:r>
+              <a:rPr lang="en-GB" dirty="0"/>
+              <a:t>A deployment every hour with 1 commit with code changes</a:t>
+            </a:r>
+          </a:p>
+          <a:p>
+            <a:endParaRPr lang="en-GB" dirty="0"/>
+          </a:p>
+          <a:p>
+            <a:r>
+              <a:rPr lang="en-GB" dirty="0"/>
+              <a:t>In case there’s a problem: technical or operational, in which one we’ll be able to spot where the problem is and revert it or apply a solution</a:t>
+            </a:r>
+          </a:p>
+          <a:p>
+            <a:endParaRPr lang="en-GB" dirty="0"/>
+          </a:p>
+          <a:p>
+            <a:endParaRPr lang="en-GB" dirty="0"/>
+          </a:p>
+        </p:txBody>
+      </p:sp>
+      <p:sp>
+        <p:nvSpPr>
+          <p:cNvPr id="4" name="Slide Number Placeholder 3"/>
+          <p:cNvSpPr>
+            <a:spLocks noGrp="1"/>
+          </p:cNvSpPr>
+          <p:nvPr>
+            <p:ph type="sldNum" sz="quarter" idx="10"/>
+          </p:nvPr>
+        </p:nvSpPr>
+        <p:spPr/>
+        <p:txBody>
+          <a:bodyPr/>
+          <a:lstStyle/>
+          <a:p>
+            <a:fld id="{CD07EBF8-396F-4315-AE4D-1B4415FB8D2D}" type="slidenum">
+              <a:rPr lang="en-GB" smtClean="0"/>
+              <a:t>26</a:t>
+            </a:fld>
+            <a:endParaRPr lang="en-GB"/>
+          </a:p>
+        </p:txBody>
+      </p:sp>
+    </p:spTree>
+    <p:extLst>
+      <p:ext uri="{BB962C8B-B14F-4D97-AF65-F5344CB8AC3E}">
+        <p14:creationId xmlns:p14="http://schemas.microsoft.com/office/powerpoint/2010/main" val="3269436878"/>
+      </p:ext>
+    </p:extLst>
+  </p:cSld>
+  <p:clrMapOvr>
+    <a:masterClrMapping/>
+  </p:clrMapOvr>
+</p:notes>
+</file>
+
+<file path=ppt/notesSlides/notesSlide25.xml><?xml version="1.0" encoding="utf-8"?>
+<p:notes xmlns:a="http://schemas.openxmlformats.org/drawingml/2006/main" xmlns:r="http://schemas.openxmlformats.org/officeDocument/2006/relationships" xmlns:p="http://schemas.openxmlformats.org/presentationml/2006/main">
+  <p:cSld>
+    <p:spTree>
+      <p:nvGrpSpPr>
+        <p:cNvPr id="1" name=""/>
+        <p:cNvGrpSpPr/>
+        <p:nvPr/>
+      </p:nvGrpSpPr>
+      <p:grpSpPr>
+        <a:xfrm>
+          <a:off x="0" y="0"/>
+          <a:ext cx="0" cy="0"/>
+          <a:chOff x="0" y="0"/>
+          <a:chExt cx="0" cy="0"/>
+        </a:xfrm>
+      </p:grpSpPr>
+      <p:sp>
+        <p:nvSpPr>
+          <p:cNvPr id="2" name="Slide Image Placeholder 1"/>
+          <p:cNvSpPr>
+            <a:spLocks noGrp="1" noRot="1" noChangeAspect="1"/>
+          </p:cNvSpPr>
+          <p:nvPr>
+            <p:ph type="sldImg"/>
+          </p:nvPr>
+        </p:nvSpPr>
+        <p:spPr/>
+      </p:sp>
+      <p:sp>
+        <p:nvSpPr>
+          <p:cNvPr id="3" name="Notes Placeholder 2"/>
+          <p:cNvSpPr>
+            <a:spLocks noGrp="1"/>
+          </p:cNvSpPr>
+          <p:nvPr>
+            <p:ph type="body" idx="1"/>
+          </p:nvPr>
+        </p:nvSpPr>
+        <p:spPr/>
+        <p:txBody>
+          <a:bodyPr/>
+          <a:lstStyle/>
+          <a:p>
+            <a:endParaRPr lang="en-GB" dirty="0"/>
+          </a:p>
+        </p:txBody>
+      </p:sp>
+      <p:sp>
+        <p:nvSpPr>
+          <p:cNvPr id="4" name="Slide Number Placeholder 3"/>
+          <p:cNvSpPr>
+            <a:spLocks noGrp="1"/>
+          </p:cNvSpPr>
+          <p:nvPr>
+            <p:ph type="sldNum" sz="quarter" idx="10"/>
+          </p:nvPr>
+        </p:nvSpPr>
+        <p:spPr/>
+        <p:txBody>
+          <a:bodyPr/>
+          <a:lstStyle/>
+          <a:p>
+            <a:fld id="{CD07EBF8-396F-4315-AE4D-1B4415FB8D2D}" type="slidenum">
+              <a:rPr lang="en-GB" smtClean="0"/>
+              <a:t>27</a:t>
+            </a:fld>
+            <a:endParaRPr lang="en-GB"/>
+          </a:p>
+        </p:txBody>
+      </p:sp>
+    </p:spTree>
+    <p:extLst>
+      <p:ext uri="{BB962C8B-B14F-4D97-AF65-F5344CB8AC3E}">
+        <p14:creationId xmlns:p14="http://schemas.microsoft.com/office/powerpoint/2010/main" val="3247085236"/>
+      </p:ext>
+    </p:extLst>
+  </p:cSld>
+  <p:clrMapOvr>
+    <a:masterClrMapping/>
+  </p:clrMapOvr>
+</p:notes>
+</file>
+
+<file path=ppt/notesSlides/notesSlide26.xml><?xml version="1.0" encoding="utf-8"?>
+<p:notes xmlns:a="http://schemas.openxmlformats.org/drawingml/2006/main" xmlns:r="http://schemas.openxmlformats.org/officeDocument/2006/relationships" xmlns:p="http://schemas.openxmlformats.org/presentationml/2006/main">
+  <p:cSld>
+    <p:spTree>
+      <p:nvGrpSpPr>
+        <p:cNvPr id="1" name=""/>
+        <p:cNvGrpSpPr/>
+        <p:nvPr/>
+      </p:nvGrpSpPr>
+      <p:grpSpPr>
+        <a:xfrm>
+          <a:off x="0" y="0"/>
+          <a:ext cx="0" cy="0"/>
+          <a:chOff x="0" y="0"/>
+          <a:chExt cx="0" cy="0"/>
+        </a:xfrm>
+      </p:grpSpPr>
+      <p:sp>
+        <p:nvSpPr>
+          <p:cNvPr id="2" name="Slide Image Placeholder 1"/>
+          <p:cNvSpPr>
+            <a:spLocks noGrp="1" noRot="1" noChangeAspect="1"/>
+          </p:cNvSpPr>
+          <p:nvPr>
+            <p:ph type="sldImg"/>
+          </p:nvPr>
+        </p:nvSpPr>
+        <p:spPr/>
+      </p:sp>
+      <p:sp>
+        <p:nvSpPr>
+          <p:cNvPr id="3" name="Notes Placeholder 2"/>
+          <p:cNvSpPr>
+            <a:spLocks noGrp="1"/>
+          </p:cNvSpPr>
+          <p:nvPr>
+            <p:ph type="body" idx="1"/>
+          </p:nvPr>
+        </p:nvSpPr>
+        <p:spPr/>
+        <p:txBody>
+          <a:bodyPr/>
+          <a:lstStyle/>
+          <a:p>
+            <a:pPr marL="0" marR="0" lvl="0" indent="0" algn="l" defTabSz="914400" rtl="0" eaLnBrk="1" fontAlgn="auto" latinLnBrk="0" hangingPunct="1">
+              <a:lnSpc>
+                <a:spcPct val="100000"/>
+              </a:lnSpc>
+              <a:spcBef>
+                <a:spcPts val="0"/>
+              </a:spcBef>
+              <a:spcAft>
+                <a:spcPts val="0"/>
+              </a:spcAft>
+              <a:buClrTx/>
+              <a:buSzTx/>
+              <a:buFontTx/>
+              <a:buNone/>
+              <a:tabLst/>
+              <a:defRPr/>
+            </a:pPr>
+            <a:r>
+              <a:rPr lang="en-GB" dirty="0"/>
+              <a:t>Eternal business complaint: IT is slow</a:t>
+            </a:r>
+          </a:p>
+          <a:p>
+            <a:pPr marL="0" marR="0" lvl="0" indent="0" algn="l" defTabSz="914400" rtl="0" eaLnBrk="1" fontAlgn="auto" latinLnBrk="0" hangingPunct="1">
+              <a:lnSpc>
+                <a:spcPct val="100000"/>
+              </a:lnSpc>
+              <a:spcBef>
+                <a:spcPts val="0"/>
+              </a:spcBef>
+              <a:spcAft>
+                <a:spcPts val="0"/>
+              </a:spcAft>
+              <a:buClrTx/>
+              <a:buSzTx/>
+              <a:buFontTx/>
+              <a:buNone/>
+              <a:tabLst/>
+              <a:defRPr/>
+            </a:pPr>
+            <a:r>
+              <a:rPr lang="en-GB" dirty="0"/>
+              <a:t>Customers</a:t>
+            </a:r>
+            <a:r>
+              <a:rPr lang="en-GB" baseline="0" dirty="0"/>
+              <a:t> not necessarily end-users: example of our client -&gt; </a:t>
+            </a:r>
+            <a:r>
+              <a:rPr lang="en-GB" baseline="0" dirty="0" err="1"/>
+              <a:t>MyAccount</a:t>
+            </a:r>
+            <a:r>
+              <a:rPr lang="en-GB" baseline="0" dirty="0"/>
+              <a:t> team</a:t>
+            </a:r>
+          </a:p>
+          <a:p>
+            <a:pPr marL="0" marR="0" lvl="0" indent="0" algn="l" defTabSz="914400" rtl="0" eaLnBrk="1" fontAlgn="auto" latinLnBrk="0" hangingPunct="1">
+              <a:lnSpc>
+                <a:spcPct val="100000"/>
+              </a:lnSpc>
+              <a:spcBef>
+                <a:spcPts val="0"/>
+              </a:spcBef>
+              <a:spcAft>
+                <a:spcPts val="0"/>
+              </a:spcAft>
+              <a:buClrTx/>
+              <a:buSzTx/>
+              <a:buFontTx/>
+              <a:buNone/>
+              <a:tabLst/>
+              <a:defRPr/>
+            </a:pPr>
+            <a:endParaRPr lang="en-GB" baseline="0" dirty="0"/>
+          </a:p>
+          <a:p>
+            <a:pPr marL="0" marR="0" lvl="0" indent="0" algn="l" defTabSz="914400" rtl="0" eaLnBrk="1" fontAlgn="auto" latinLnBrk="0" hangingPunct="1">
+              <a:lnSpc>
+                <a:spcPct val="100000"/>
+              </a:lnSpc>
+              <a:spcBef>
+                <a:spcPts val="0"/>
+              </a:spcBef>
+              <a:spcAft>
+                <a:spcPts val="0"/>
+              </a:spcAft>
+              <a:buClrTx/>
+              <a:buSzTx/>
+              <a:buFontTx/>
+              <a:buNone/>
+              <a:tabLst/>
+              <a:defRPr/>
+            </a:pPr>
+            <a:r>
+              <a:rPr lang="en-GB" dirty="0"/>
+              <a:t>Remember that until the code is deployed to the Production </a:t>
+            </a:r>
+            <a:r>
+              <a:rPr lang="en-GB" dirty="0" err="1"/>
+              <a:t>environement</a:t>
+            </a:r>
+            <a:r>
+              <a:rPr lang="en-GB" dirty="0"/>
+              <a:t>, we have provided </a:t>
+            </a:r>
+            <a:r>
+              <a:rPr lang="en-GB" b="1" dirty="0"/>
+              <a:t>NO value</a:t>
+            </a:r>
+          </a:p>
+          <a:p>
+            <a:pPr marL="0" marR="0" lvl="0" indent="0" algn="l" defTabSz="914400" rtl="0" eaLnBrk="1" fontAlgn="auto" latinLnBrk="0" hangingPunct="1">
+              <a:lnSpc>
+                <a:spcPct val="100000"/>
+              </a:lnSpc>
+              <a:spcBef>
+                <a:spcPts val="0"/>
+              </a:spcBef>
+              <a:spcAft>
+                <a:spcPts val="0"/>
+              </a:spcAft>
+              <a:buClrTx/>
+              <a:buSzTx/>
+              <a:buFontTx/>
+              <a:buNone/>
+              <a:tabLst/>
+              <a:defRPr/>
+            </a:pPr>
+            <a:r>
+              <a:rPr lang="en-GB" b="0" dirty="0"/>
+              <a:t>The problem then is the </a:t>
+            </a:r>
+            <a:r>
+              <a:rPr lang="en-GB" b="1" dirty="0"/>
+              <a:t>lead time </a:t>
+            </a:r>
+            <a:r>
+              <a:rPr lang="en-GB" b="0" dirty="0"/>
+              <a:t>(“</a:t>
+            </a:r>
+            <a:r>
+              <a:rPr lang="en-GB" b="1" dirty="0"/>
+              <a:t>from concept to production”</a:t>
+            </a:r>
+            <a:r>
+              <a:rPr lang="en-GB" b="0" dirty="0"/>
+              <a:t>) is too big</a:t>
+            </a:r>
+          </a:p>
+          <a:p>
+            <a:endParaRPr lang="en-GB" dirty="0"/>
+          </a:p>
+        </p:txBody>
+      </p:sp>
+      <p:sp>
+        <p:nvSpPr>
+          <p:cNvPr id="4" name="Slide Number Placeholder 3"/>
+          <p:cNvSpPr>
+            <a:spLocks noGrp="1"/>
+          </p:cNvSpPr>
+          <p:nvPr>
+            <p:ph type="sldNum" sz="quarter" idx="10"/>
+          </p:nvPr>
+        </p:nvSpPr>
+        <p:spPr/>
+        <p:txBody>
+          <a:bodyPr/>
+          <a:lstStyle/>
+          <a:p>
+            <a:fld id="{CD07EBF8-396F-4315-AE4D-1B4415FB8D2D}" type="slidenum">
+              <a:rPr lang="en-GB" smtClean="0"/>
+              <a:t>28</a:t>
+            </a:fld>
+            <a:endParaRPr lang="en-GB"/>
+          </a:p>
+        </p:txBody>
+      </p:sp>
+    </p:spTree>
+    <p:extLst>
+      <p:ext uri="{BB962C8B-B14F-4D97-AF65-F5344CB8AC3E}">
+        <p14:creationId xmlns:p14="http://schemas.microsoft.com/office/powerpoint/2010/main" val="3796568599"/>
+      </p:ext>
+    </p:extLst>
+  </p:cSld>
+  <p:clrMapOvr>
+    <a:masterClrMapping/>
+  </p:clrMapOvr>
+</p:notes>
+</file>
+
+<file path=ppt/notesSlides/notesSlide27.xml><?xml version="1.0" encoding="utf-8"?>
+<p:notes xmlns:a="http://schemas.openxmlformats.org/drawingml/2006/main" xmlns:r="http://schemas.openxmlformats.org/officeDocument/2006/relationships" xmlns:p="http://schemas.openxmlformats.org/presentationml/2006/main">
+  <p:cSld>
+    <p:spTree>
+      <p:nvGrpSpPr>
+        <p:cNvPr id="1" name=""/>
+        <p:cNvGrpSpPr/>
+        <p:nvPr/>
+      </p:nvGrpSpPr>
+      <p:grpSpPr>
+        <a:xfrm>
+          <a:off x="0" y="0"/>
+          <a:ext cx="0" cy="0"/>
+          <a:chOff x="0" y="0"/>
+          <a:chExt cx="0" cy="0"/>
+        </a:xfrm>
+      </p:grpSpPr>
+      <p:sp>
+        <p:nvSpPr>
+          <p:cNvPr id="2" name="Slide Image Placeholder 1"/>
+          <p:cNvSpPr>
+            <a:spLocks noGrp="1" noRot="1" noChangeAspect="1"/>
+          </p:cNvSpPr>
+          <p:nvPr>
+            <p:ph type="sldImg"/>
+          </p:nvPr>
+        </p:nvSpPr>
+        <p:spPr/>
+      </p:sp>
+      <p:sp>
+        <p:nvSpPr>
+          <p:cNvPr id="3" name="Notes Placeholder 2"/>
+          <p:cNvSpPr>
+            <a:spLocks noGrp="1"/>
+          </p:cNvSpPr>
+          <p:nvPr>
+            <p:ph type="body" idx="1"/>
+          </p:nvPr>
+        </p:nvSpPr>
+        <p:spPr/>
+        <p:txBody>
+          <a:bodyPr/>
+          <a:lstStyle/>
+          <a:p>
             <a:pPr marL="0" marR="0" lvl="0" indent="0" algn="l" defTabSz="914400" rtl="0" eaLnBrk="1" fontAlgn="auto" latinLnBrk="0" hangingPunct="1">
               <a:lnSpc>
                 <a:spcPct val="100000"/>
@@ -18150,7 +18501,7 @@
           <a:p>
             <a:fld id="{CD07EBF8-396F-4315-AE4D-1B4415FB8D2D}" type="slidenum">
               <a:rPr lang="en-GB" smtClean="0"/>
-              <a:t>28</a:t>
+              <a:t>29</a:t>
             </a:fld>
             <a:endParaRPr lang="en-GB"/>
           </a:p>
@@ -18169,7 +18520,7 @@
 </p:notes>
 </file>
 
-<file path=ppt/notesSlides/notesSlide25.xml><?xml version="1.0" encoding="utf-8"?>
+<file path=ppt/notesSlides/notesSlide28.xml><?xml version="1.0" encoding="utf-8"?>
 <p:notes xmlns:a="http://schemas.openxmlformats.org/drawingml/2006/main" xmlns:r="http://schemas.openxmlformats.org/officeDocument/2006/relationships" xmlns:p="http://schemas.openxmlformats.org/presentationml/2006/main">
   <p:cSld>
     <p:spTree>
@@ -18297,7 +18648,7 @@
           <a:p>
             <a:fld id="{CD07EBF8-396F-4315-AE4D-1B4415FB8D2D}" type="slidenum">
               <a:rPr lang="en-GB" smtClean="0"/>
-              <a:t>29</a:t>
+              <a:t>30</a:t>
             </a:fld>
             <a:endParaRPr lang="en-GB"/>
           </a:p>
@@ -18316,7 +18667,7 @@
 </p:notes>
 </file>
 
-<file path=ppt/notesSlides/notesSlide26.xml><?xml version="1.0" encoding="utf-8"?>
+<file path=ppt/notesSlides/notesSlide29.xml><?xml version="1.0" encoding="utf-8"?>
 <p:notes xmlns:a="http://schemas.openxmlformats.org/drawingml/2006/main" xmlns:r="http://schemas.openxmlformats.org/officeDocument/2006/relationships" xmlns:p="http://schemas.openxmlformats.org/presentationml/2006/main">
   <p:cSld>
     <p:spTree>
@@ -18384,7 +18735,7 @@
           <a:p>
             <a:fld id="{CD07EBF8-396F-4315-AE4D-1B4415FB8D2D}" type="slidenum">
               <a:rPr lang="en-GB" smtClean="0"/>
-              <a:t>30</a:t>
+              <a:t>31</a:t>
             </a:fld>
             <a:endParaRPr lang="en-GB"/>
           </a:p>
@@ -18403,7 +18754,180 @@
 </p:notes>
 </file>
 
-<file path=ppt/notesSlides/notesSlide27.xml><?xml version="1.0" encoding="utf-8"?>
+<file path=ppt/notesSlides/notesSlide3.xml><?xml version="1.0" encoding="utf-8"?>
+<p:notes xmlns:a="http://schemas.openxmlformats.org/drawingml/2006/main" xmlns:r="http://schemas.openxmlformats.org/officeDocument/2006/relationships" xmlns:p="http://schemas.openxmlformats.org/presentationml/2006/main">
+  <p:cSld>
+    <p:spTree>
+      <p:nvGrpSpPr>
+        <p:cNvPr id="1" name=""/>
+        <p:cNvGrpSpPr/>
+        <p:nvPr/>
+      </p:nvGrpSpPr>
+      <p:grpSpPr>
+        <a:xfrm>
+          <a:off x="0" y="0"/>
+          <a:ext cx="0" cy="0"/>
+          <a:chOff x="0" y="0"/>
+          <a:chExt cx="0" cy="0"/>
+        </a:xfrm>
+      </p:grpSpPr>
+      <p:sp>
+        <p:nvSpPr>
+          <p:cNvPr id="2" name="Slide Image Placeholder 1"/>
+          <p:cNvSpPr>
+            <a:spLocks noGrp="1" noRot="1" noChangeAspect="1"/>
+          </p:cNvSpPr>
+          <p:nvPr>
+            <p:ph type="sldImg"/>
+          </p:nvPr>
+        </p:nvSpPr>
+        <p:spPr/>
+      </p:sp>
+      <p:sp>
+        <p:nvSpPr>
+          <p:cNvPr id="3" name="Notes Placeholder 2"/>
+          <p:cNvSpPr>
+            <a:spLocks noGrp="1"/>
+          </p:cNvSpPr>
+          <p:nvPr>
+            <p:ph type="body" idx="1"/>
+          </p:nvPr>
+        </p:nvSpPr>
+        <p:spPr/>
+        <p:txBody>
+          <a:bodyPr/>
+          <a:lstStyle/>
+          <a:p>
+            <a:r>
+              <a:rPr lang="en-GB" dirty="0"/>
+              <a:t>First of all, let’s start with the </a:t>
+            </a:r>
+            <a:r>
+              <a:rPr lang="en-GB" b="1" dirty="0"/>
+              <a:t>problem</a:t>
+            </a:r>
+          </a:p>
+          <a:p>
+            <a:endParaRPr lang="en-GB" dirty="0"/>
+          </a:p>
+          <a:p>
+            <a:r>
+              <a:rPr lang="en-GB" dirty="0"/>
+              <a:t>Until now you’ve heard about:</a:t>
+            </a:r>
+          </a:p>
+          <a:p>
+            <a:pPr marL="171450" indent="-171450">
+              <a:buFontTx/>
+              <a:buChar char="-"/>
+            </a:pPr>
+            <a:r>
+              <a:rPr lang="en-GB" dirty="0"/>
+              <a:t>Design patterns and architectures</a:t>
+            </a:r>
+          </a:p>
+          <a:p>
+            <a:pPr marL="171450" indent="-171450">
+              <a:buFontTx/>
+              <a:buChar char="-"/>
+            </a:pPr>
+            <a:r>
+              <a:rPr lang="en-GB" dirty="0"/>
+              <a:t>Testing strategies</a:t>
+            </a:r>
+          </a:p>
+          <a:p>
+            <a:pPr marL="171450" indent="-171450">
+              <a:buFontTx/>
+              <a:buChar char="-"/>
+            </a:pPr>
+            <a:r>
+              <a:rPr lang="en-GB" dirty="0"/>
+              <a:t>Agile methodologies and techniques</a:t>
+            </a:r>
+          </a:p>
+          <a:p>
+            <a:pPr marL="171450" indent="-171450">
+              <a:buFontTx/>
+              <a:buChar char="-"/>
+            </a:pPr>
+            <a:endParaRPr lang="en-GB" dirty="0"/>
+          </a:p>
+          <a:p>
+            <a:pPr marL="0" indent="0">
+              <a:buFontTx/>
+              <a:buNone/>
+            </a:pPr>
+            <a:r>
+              <a:rPr lang="en-GB" dirty="0"/>
+              <a:t>But…</a:t>
+            </a:r>
+          </a:p>
+          <a:p>
+            <a:endParaRPr lang="en-GB" dirty="0"/>
+          </a:p>
+          <a:p>
+            <a:r>
+              <a:rPr lang="en-GB" dirty="0"/>
+              <a:t>What happens once requirements are identified, solutions designed, developed, and tested? </a:t>
+            </a:r>
+          </a:p>
+          <a:p>
+            <a:endParaRPr lang="en-GB" dirty="0"/>
+          </a:p>
+          <a:p>
+            <a:r>
+              <a:rPr lang="en-GB" dirty="0"/>
+              <a:t>How do we join everything, and everybody (</a:t>
+            </a:r>
+            <a:r>
+              <a:rPr lang="en-GB" dirty="0" err="1"/>
+              <a:t>devs</a:t>
+            </a:r>
+            <a:r>
+              <a:rPr lang="en-GB" dirty="0"/>
+              <a:t>, QAs, ops) to work together effectively</a:t>
+            </a:r>
+          </a:p>
+        </p:txBody>
+      </p:sp>
+      <p:sp>
+        <p:nvSpPr>
+          <p:cNvPr id="4" name="Slide Number Placeholder 3"/>
+          <p:cNvSpPr>
+            <a:spLocks noGrp="1"/>
+          </p:cNvSpPr>
+          <p:nvPr>
+            <p:ph type="sldNum" sz="quarter" idx="10"/>
+          </p:nvPr>
+        </p:nvSpPr>
+        <p:spPr/>
+        <p:txBody>
+          <a:bodyPr/>
+          <a:lstStyle/>
+          <a:p>
+            <a:fld id="{CD07EBF8-396F-4315-AE4D-1B4415FB8D2D}" type="slidenum">
+              <a:rPr lang="en-GB" smtClean="0"/>
+              <a:t>3</a:t>
+            </a:fld>
+            <a:endParaRPr lang="en-GB"/>
+          </a:p>
+        </p:txBody>
+      </p:sp>
+    </p:spTree>
+    <p:extLst>
+      <p:ext uri="{BB962C8B-B14F-4D97-AF65-F5344CB8AC3E}">
+        <p14:creationId xmlns:p14="http://schemas.microsoft.com/office/powerpoint/2010/main" val="3821268491"/>
+      </p:ext>
+    </p:extLst>
+  </p:cSld>
+  <p:clrMapOvr>
+    <a:masterClrMapping/>
+  </p:clrMapOvr>
+</p:notes>
+</file>
+
+<file path=ppt/notesSlides/notesSlide30.xml><?xml version="1.0" encoding="utf-8"?>
 <p:notes xmlns:a="http://schemas.openxmlformats.org/drawingml/2006/main" xmlns:r="http://schemas.openxmlformats.org/officeDocument/2006/relationships" xmlns:p="http://schemas.openxmlformats.org/presentationml/2006/main">
   <p:cSld>
     <p:spTree>
@@ -18529,7 +19053,7 @@
           <a:p>
             <a:fld id="{CD07EBF8-396F-4315-AE4D-1B4415FB8D2D}" type="slidenum">
               <a:rPr lang="en-GB" smtClean="0"/>
-              <a:t>31</a:t>
+              <a:t>32</a:t>
             </a:fld>
             <a:endParaRPr lang="en-GB"/>
           </a:p>
@@ -18548,7 +19072,7 @@
 </p:notes>
 </file>
 
-<file path=ppt/notesSlides/notesSlide28.xml><?xml version="1.0" encoding="utf-8"?>
+<file path=ppt/notesSlides/notesSlide31.xml><?xml version="1.0" encoding="utf-8"?>
 <p:notes xmlns:a="http://schemas.openxmlformats.org/drawingml/2006/main" xmlns:r="http://schemas.openxmlformats.org/officeDocument/2006/relationships" xmlns:p="http://schemas.openxmlformats.org/presentationml/2006/main">
   <p:cSld>
     <p:spTree>
@@ -18699,7 +19223,7 @@
           <a:p>
             <a:fld id="{CD07EBF8-396F-4315-AE4D-1B4415FB8D2D}" type="slidenum">
               <a:rPr lang="en-GB" smtClean="0"/>
-              <a:t>32</a:t>
+              <a:t>33</a:t>
             </a:fld>
             <a:endParaRPr lang="en-GB"/>
           </a:p>
@@ -18718,7 +19242,7 @@
 </p:notes>
 </file>
 
-<file path=ppt/notesSlides/notesSlide29.xml><?xml version="1.0" encoding="utf-8"?>
+<file path=ppt/notesSlides/notesSlide32.xml><?xml version="1.0" encoding="utf-8"?>
 <p:notes xmlns:a="http://schemas.openxmlformats.org/drawingml/2006/main" xmlns:r="http://schemas.openxmlformats.org/officeDocument/2006/relationships" xmlns:p="http://schemas.openxmlformats.org/presentationml/2006/main">
   <p:cSld>
     <p:spTree>
@@ -19205,7 +19729,7 @@
           <a:p>
             <a:fld id="{CD07EBF8-396F-4315-AE4D-1B4415FB8D2D}" type="slidenum">
               <a:rPr lang="en-GB" smtClean="0"/>
-              <a:t>33</a:t>
+              <a:t>34</a:t>
             </a:fld>
             <a:endParaRPr lang="en-GB"/>
           </a:p>
@@ -19224,7 +19748,7 @@
 </p:notes>
 </file>
 
-<file path=ppt/notesSlides/notesSlide3.xml><?xml version="1.0" encoding="utf-8"?>
+<file path=ppt/notesSlides/notesSlide33.xml><?xml version="1.0" encoding="utf-8"?>
 <p:notes xmlns:a="http://schemas.openxmlformats.org/drawingml/2006/main" xmlns:r="http://schemas.openxmlformats.org/officeDocument/2006/relationships" xmlns:p="http://schemas.openxmlformats.org/presentationml/2006/main">
   <p:cSld>
     <p:spTree>
@@ -19270,28 +19794,57 @@
           <a:p>
             <a:r>
               <a:rPr lang="en-GB" dirty="0"/>
-              <a:t>PROBLEMS:</a:t>
+              <a:t>Let’s imagine that the Unit Tests pass, but the Integration Tests fail, because there’s something wrong with the way we communicate with the DB in the code</a:t>
             </a:r>
           </a:p>
           <a:p>
-            <a:pPr marL="171450" indent="-171450">
-              <a:buFontTx/>
-              <a:buChar char="-"/>
-            </a:pPr>
+            <a:endParaRPr lang="en-GB" dirty="0"/>
+          </a:p>
+          <a:p>
             <a:r>
               <a:rPr lang="en-GB" dirty="0"/>
-              <a:t>No backups</a:t>
+              <a:t>The Acceptance Tests won’t even execute, there’s no point in doing it</a:t>
             </a:r>
           </a:p>
           <a:p>
-            <a:pPr marL="171450" indent="-171450">
-              <a:buFontTx/>
-              <a:buChar char="-"/>
-            </a:pPr>
+            <a:endParaRPr lang="en-GB" dirty="0"/>
+          </a:p>
+          <a:p>
             <a:r>
               <a:rPr lang="en-GB" dirty="0"/>
-              <a:t>No versioning</a:t>
+              <a:t>At this point all the team is notified that the build is </a:t>
             </a:r>
+            <a:r>
+              <a:rPr lang="en-GB" b="1" dirty="0"/>
+              <a:t>“broken”</a:t>
+            </a:r>
+            <a:r>
+              <a:rPr lang="en-GB" b="0" dirty="0"/>
+              <a:t>, and what they need to do </a:t>
+            </a:r>
+            <a:r>
+              <a:rPr lang="en-GB" b="1" dirty="0"/>
+              <a:t>asap</a:t>
+            </a:r>
+            <a:r>
+              <a:rPr lang="en-GB" b="0" dirty="0"/>
+              <a:t> is </a:t>
+            </a:r>
+            <a:r>
+              <a:rPr lang="en-GB" b="1" dirty="0"/>
+              <a:t>fix it</a:t>
+            </a:r>
+            <a:r>
+              <a:rPr lang="en-GB" b="0" dirty="0"/>
+              <a:t>. </a:t>
+            </a:r>
+          </a:p>
+          <a:p>
+            <a:r>
+              <a:rPr lang="en-GB" b="0" dirty="0"/>
+              <a:t>IMPORTANT: You don’t commit anything on a broken build (it only makes the problem harder to fix)</a:t>
+            </a:r>
+            <a:endParaRPr lang="en-GB" b="1" dirty="0"/>
           </a:p>
         </p:txBody>
       </p:sp>
@@ -19312,7 +19865,7 @@
           <a:p>
             <a:fld id="{CD07EBF8-396F-4315-AE4D-1B4415FB8D2D}" type="slidenum">
               <a:rPr lang="en-GB" smtClean="0"/>
-              <a:t>5</a:t>
+              <a:t>35</a:t>
             </a:fld>
             <a:endParaRPr lang="en-GB"/>
           </a:p>
@@ -19321,7 +19874,7 @@
     </p:spTree>
     <p:extLst>
       <p:ext uri="{BB962C8B-B14F-4D97-AF65-F5344CB8AC3E}">
-        <p14:creationId xmlns:p14="http://schemas.microsoft.com/office/powerpoint/2010/main" val="1282574151"/>
+        <p14:creationId xmlns:p14="http://schemas.microsoft.com/office/powerpoint/2010/main" val="2968933578"/>
       </p:ext>
     </p:extLst>
   </p:cSld>
@@ -19331,7 +19884,7 @@
 </p:notes>
 </file>
 
-<file path=ppt/notesSlides/notesSlide30.xml><?xml version="1.0" encoding="utf-8"?>
+<file path=ppt/notesSlides/notesSlide34.xml><?xml version="1.0" encoding="utf-8"?>
 <p:notes xmlns:a="http://schemas.openxmlformats.org/drawingml/2006/main" xmlns:r="http://schemas.openxmlformats.org/officeDocument/2006/relationships" xmlns:p="http://schemas.openxmlformats.org/presentationml/2006/main">
   <p:cSld>
     <p:spTree>
@@ -19375,59 +19928,120 @@
           <a:bodyPr/>
           <a:lstStyle/>
           <a:p>
+            <a:pPr marL="228600" indent="-228600">
+              <a:buFont typeface="+mj-lt"/>
+              <a:buAutoNum type="arabicPeriod"/>
+            </a:pPr>
             <a:r>
-              <a:rPr lang="en-GB" dirty="0"/>
-              <a:t>Let’s imagine that the Unit Tests pass, but the Integration Tests fail, because there’s something wrong with the way we communicate with the DB in the code</a:t>
+              <a:rPr lang="en-GB" sz="1200" b="0" i="0" kern="1200" dirty="0">
+                <a:solidFill>
+                  <a:schemeClr val="tx1"/>
+                </a:solidFill>
+                <a:effectLst/>
+                <a:latin typeface="+mn-lt"/>
+                <a:ea typeface="+mn-ea"/>
+                <a:cs typeface="+mn-cs"/>
+              </a:rPr>
+              <a:t>We fix the problem in the code</a:t>
             </a:r>
           </a:p>
           <a:p>
+            <a:pPr marL="228600" indent="-228600">
+              <a:buFont typeface="+mj-lt"/>
+              <a:buAutoNum type="arabicPeriod"/>
+            </a:pPr>
+            <a:r>
+              <a:rPr lang="en-GB" sz="1200" b="0" i="0" kern="1200" dirty="0">
+                <a:solidFill>
+                  <a:schemeClr val="tx1"/>
+                </a:solidFill>
+                <a:effectLst/>
+                <a:latin typeface="+mn-lt"/>
+                <a:ea typeface="+mn-ea"/>
+                <a:cs typeface="+mn-cs"/>
+              </a:rPr>
+              <a:t>Make the tests pass locally and commit them</a:t>
+            </a:r>
+          </a:p>
+          <a:p>
+            <a:pPr marL="228600" indent="-228600">
+              <a:buFont typeface="+mj-lt"/>
+              <a:buAutoNum type="arabicPeriod"/>
+            </a:pPr>
+            <a:r>
+              <a:rPr lang="en-GB" sz="1200" b="0" i="0" kern="1200" dirty="0">
+                <a:solidFill>
+                  <a:schemeClr val="tx1"/>
+                </a:solidFill>
+                <a:effectLst/>
+                <a:latin typeface="+mn-lt"/>
+                <a:ea typeface="+mn-ea"/>
+                <a:cs typeface="+mn-cs"/>
+              </a:rPr>
+              <a:t>Push the code the git remote</a:t>
+            </a:r>
+          </a:p>
+          <a:p>
+            <a:pPr marL="228600" indent="-228600">
+              <a:buFont typeface="+mj-lt"/>
+              <a:buAutoNum type="arabicPeriod"/>
+            </a:pPr>
+            <a:r>
+              <a:rPr lang="en-GB" sz="1200" b="0" i="0" kern="1200" dirty="0">
+                <a:solidFill>
+                  <a:schemeClr val="tx1"/>
+                </a:solidFill>
+                <a:effectLst/>
+                <a:latin typeface="+mn-lt"/>
+                <a:ea typeface="+mn-ea"/>
+                <a:cs typeface="+mn-cs"/>
+              </a:rPr>
+              <a:t>A new version is created: #1.0.2</a:t>
+            </a:r>
+          </a:p>
+          <a:p>
+            <a:pPr marL="228600" indent="-228600">
+              <a:buFont typeface="+mj-lt"/>
+              <a:buAutoNum type="arabicPeriod"/>
+            </a:pPr>
+            <a:r>
+              <a:rPr lang="en-GB" sz="1200" b="0" i="0" kern="1200" dirty="0">
+                <a:solidFill>
+                  <a:schemeClr val="tx1"/>
+                </a:solidFill>
+                <a:effectLst/>
+                <a:latin typeface="+mn-lt"/>
+                <a:ea typeface="+mn-ea"/>
+                <a:cs typeface="+mn-cs"/>
+              </a:rPr>
+              <a:t>The tests pass on the build now, and the CI server confirm everybody that there’s a new version ready to deploy</a:t>
+            </a:r>
+          </a:p>
+          <a:p>
+            <a:endParaRPr lang="en-GB" sz="1200" b="0" i="0" kern="1200" dirty="0">
+              <a:solidFill>
+                <a:schemeClr val="tx1"/>
+              </a:solidFill>
+              <a:effectLst/>
+              <a:latin typeface="+mn-lt"/>
+              <a:ea typeface="+mn-ea"/>
+              <a:cs typeface="+mn-cs"/>
+            </a:endParaRPr>
+          </a:p>
+          <a:p>
+            <a:r>
+              <a:rPr lang="en-GB" sz="1200" b="0" i="0" kern="1200" dirty="0">
+                <a:solidFill>
+                  <a:schemeClr val="tx1"/>
+                </a:solidFill>
+                <a:effectLst/>
+                <a:latin typeface="+mn-lt"/>
+                <a:ea typeface="+mn-ea"/>
+                <a:cs typeface="+mn-cs"/>
+              </a:rPr>
+              <a:t>And that’s is essentially what we mean by “continuous integration”</a:t>
+            </a:r>
             <a:endParaRPr lang="en-GB" dirty="0"/>
-          </a:p>
-          <a:p>
-            <a:r>
-              <a:rPr lang="en-GB" dirty="0"/>
-              <a:t>The Acceptance Tests won’t even execute, there’s no point in doing it</a:t>
-            </a:r>
-          </a:p>
-          <a:p>
-            <a:endParaRPr lang="en-GB" dirty="0"/>
-          </a:p>
-          <a:p>
-            <a:r>
-              <a:rPr lang="en-GB" dirty="0"/>
-              <a:t>At this point all the team is notified that the build is </a:t>
-            </a:r>
-            <a:r>
-              <a:rPr lang="en-GB" b="1" dirty="0"/>
-              <a:t>“broken”</a:t>
-            </a:r>
-            <a:r>
-              <a:rPr lang="en-GB" b="0" dirty="0"/>
-              <a:t>, and what they need to do </a:t>
-            </a:r>
-            <a:r>
-              <a:rPr lang="en-GB" b="1" dirty="0"/>
-              <a:t>asap</a:t>
-            </a:r>
-            <a:r>
-              <a:rPr lang="en-GB" b="0" dirty="0"/>
-              <a:t> is </a:t>
-            </a:r>
-            <a:r>
-              <a:rPr lang="en-GB" b="1" dirty="0"/>
-              <a:t>fix it</a:t>
-            </a:r>
-            <a:r>
-              <a:rPr lang="en-GB" b="0" dirty="0"/>
-              <a:t>. </a:t>
-            </a:r>
-          </a:p>
-          <a:p>
-            <a:r>
-              <a:rPr lang="en-GB" b="0" dirty="0"/>
-              <a:t>IMPORTANT: You don’t commit anything on a broken build (it only makes the problem harder to fix)</a:t>
-            </a:r>
-            <a:endParaRPr lang="en-GB" b="1" dirty="0"/>
           </a:p>
         </p:txBody>
       </p:sp>
@@ -19448,204 +20062,7 @@
           <a:p>
             <a:fld id="{CD07EBF8-396F-4315-AE4D-1B4415FB8D2D}" type="slidenum">
               <a:rPr lang="en-GB" smtClean="0"/>
-              <a:t>34</a:t>
-            </a:fld>
-            <a:endParaRPr lang="en-GB"/>
-          </a:p>
-        </p:txBody>
-      </p:sp>
-    </p:spTree>
-    <p:extLst>
-      <p:ext uri="{BB962C8B-B14F-4D97-AF65-F5344CB8AC3E}">
-        <p14:creationId xmlns:p14="http://schemas.microsoft.com/office/powerpoint/2010/main" val="2968933578"/>
-      </p:ext>
-    </p:extLst>
-  </p:cSld>
-  <p:clrMapOvr>
-    <a:masterClrMapping/>
-  </p:clrMapOvr>
-</p:notes>
-</file>
-
-<file path=ppt/notesSlides/notesSlide31.xml><?xml version="1.0" encoding="utf-8"?>
-<p:notes xmlns:a="http://schemas.openxmlformats.org/drawingml/2006/main" xmlns:r="http://schemas.openxmlformats.org/officeDocument/2006/relationships" xmlns:p="http://schemas.openxmlformats.org/presentationml/2006/main">
-  <p:cSld>
-    <p:spTree>
-      <p:nvGrpSpPr>
-        <p:cNvPr id="1" name=""/>
-        <p:cNvGrpSpPr/>
-        <p:nvPr/>
-      </p:nvGrpSpPr>
-      <p:grpSpPr>
-        <a:xfrm>
-          <a:off x="0" y="0"/>
-          <a:ext cx="0" cy="0"/>
-          <a:chOff x="0" y="0"/>
-          <a:chExt cx="0" cy="0"/>
-        </a:xfrm>
-      </p:grpSpPr>
-      <p:sp>
-        <p:nvSpPr>
-          <p:cNvPr id="2" name="Slide Image Placeholder 1"/>
-          <p:cNvSpPr>
-            <a:spLocks noGrp="1" noRot="1" noChangeAspect="1"/>
-          </p:cNvSpPr>
-          <p:nvPr>
-            <p:ph type="sldImg"/>
-          </p:nvPr>
-        </p:nvSpPr>
-        <p:spPr/>
-      </p:sp>
-      <p:sp>
-        <p:nvSpPr>
-          <p:cNvPr id="3" name="Notes Placeholder 2"/>
-          <p:cNvSpPr>
-            <a:spLocks noGrp="1"/>
-          </p:cNvSpPr>
-          <p:nvPr>
-            <p:ph type="body" idx="1"/>
-          </p:nvPr>
-        </p:nvSpPr>
-        <p:spPr/>
-        <p:txBody>
-          <a:bodyPr/>
-          <a:lstStyle/>
-          <a:p>
-            <a:pPr marL="228600" indent="-228600">
-              <a:buFont typeface="+mj-lt"/>
-              <a:buAutoNum type="arabicPeriod"/>
-            </a:pPr>
-            <a:r>
-              <a:rPr lang="en-GB" sz="1200" b="0" i="0" kern="1200" dirty="0">
-                <a:solidFill>
-                  <a:schemeClr val="tx1"/>
-                </a:solidFill>
-                <a:effectLst/>
-                <a:latin typeface="+mn-lt"/>
-                <a:ea typeface="+mn-ea"/>
-                <a:cs typeface="+mn-cs"/>
-              </a:rPr>
-              <a:t>We fix the problem in the code</a:t>
-            </a:r>
-          </a:p>
-          <a:p>
-            <a:pPr marL="228600" indent="-228600">
-              <a:buFont typeface="+mj-lt"/>
-              <a:buAutoNum type="arabicPeriod"/>
-            </a:pPr>
-            <a:r>
-              <a:rPr lang="en-GB" sz="1200" b="0" i="0" kern="1200" dirty="0">
-                <a:solidFill>
-                  <a:schemeClr val="tx1"/>
-                </a:solidFill>
-                <a:effectLst/>
-                <a:latin typeface="+mn-lt"/>
-                <a:ea typeface="+mn-ea"/>
-                <a:cs typeface="+mn-cs"/>
-              </a:rPr>
-              <a:t>Make the tests pass locally and commit them</a:t>
-            </a:r>
-          </a:p>
-          <a:p>
-            <a:pPr marL="228600" indent="-228600">
-              <a:buFont typeface="+mj-lt"/>
-              <a:buAutoNum type="arabicPeriod"/>
-            </a:pPr>
-            <a:r>
-              <a:rPr lang="en-GB" sz="1200" b="0" i="0" kern="1200" dirty="0">
-                <a:solidFill>
-                  <a:schemeClr val="tx1"/>
-                </a:solidFill>
-                <a:effectLst/>
-                <a:latin typeface="+mn-lt"/>
-                <a:ea typeface="+mn-ea"/>
-                <a:cs typeface="+mn-cs"/>
-              </a:rPr>
-              <a:t>Push the code the git remote</a:t>
-            </a:r>
-          </a:p>
-          <a:p>
-            <a:pPr marL="228600" indent="-228600">
-              <a:buFont typeface="+mj-lt"/>
-              <a:buAutoNum type="arabicPeriod"/>
-            </a:pPr>
-            <a:r>
-              <a:rPr lang="en-GB" sz="1200" b="0" i="0" kern="1200" dirty="0">
-                <a:solidFill>
-                  <a:schemeClr val="tx1"/>
-                </a:solidFill>
-                <a:effectLst/>
-                <a:latin typeface="+mn-lt"/>
-                <a:ea typeface="+mn-ea"/>
-                <a:cs typeface="+mn-cs"/>
-              </a:rPr>
-              <a:t>A new version is created: #1.0.2</a:t>
-            </a:r>
-          </a:p>
-          <a:p>
-            <a:pPr marL="228600" indent="-228600">
-              <a:buFont typeface="+mj-lt"/>
-              <a:buAutoNum type="arabicPeriod"/>
-            </a:pPr>
-            <a:r>
-              <a:rPr lang="en-GB" sz="1200" b="0" i="0" kern="1200" dirty="0">
-                <a:solidFill>
-                  <a:schemeClr val="tx1"/>
-                </a:solidFill>
-                <a:effectLst/>
-                <a:latin typeface="+mn-lt"/>
-                <a:ea typeface="+mn-ea"/>
-                <a:cs typeface="+mn-cs"/>
-              </a:rPr>
-              <a:t>The tests pass on the build now, and the CI server confirm everybody that there’s a new version ready to deploy</a:t>
-            </a:r>
-          </a:p>
-          <a:p>
-            <a:endParaRPr lang="en-GB" sz="1200" b="0" i="0" kern="1200" dirty="0">
-              <a:solidFill>
-                <a:schemeClr val="tx1"/>
-              </a:solidFill>
-              <a:effectLst/>
-              <a:latin typeface="+mn-lt"/>
-              <a:ea typeface="+mn-ea"/>
-              <a:cs typeface="+mn-cs"/>
-            </a:endParaRPr>
-          </a:p>
-          <a:p>
-            <a:r>
-              <a:rPr lang="en-GB" sz="1200" b="0" i="0" kern="1200" dirty="0">
-                <a:solidFill>
-                  <a:schemeClr val="tx1"/>
-                </a:solidFill>
-                <a:effectLst/>
-                <a:latin typeface="+mn-lt"/>
-                <a:ea typeface="+mn-ea"/>
-                <a:cs typeface="+mn-cs"/>
-              </a:rPr>
-              <a:t>And that’s is essentially what we mean by “continuous integration”</a:t>
-            </a:r>
-            <a:endParaRPr lang="en-GB" dirty="0"/>
-          </a:p>
-        </p:txBody>
-      </p:sp>
-      <p:sp>
-        <p:nvSpPr>
-          <p:cNvPr id="4" name="Slide Number Placeholder 3"/>
-          <p:cNvSpPr>
-            <a:spLocks noGrp="1"/>
-          </p:cNvSpPr>
-          <p:nvPr>
-            <p:ph type="sldNum" sz="quarter" idx="10"/>
-          </p:nvPr>
-        </p:nvSpPr>
-        <p:spPr/>
-        <p:txBody>
-          <a:bodyPr/>
-          <a:lstStyle/>
-          <a:p>
-            <a:fld id="{CD07EBF8-396F-4315-AE4D-1B4415FB8D2D}" type="slidenum">
-              <a:rPr lang="en-GB" smtClean="0"/>
-              <a:t>35</a:t>
+              <a:t>36</a:t>
             </a:fld>
             <a:endParaRPr lang="en-GB"/>
           </a:p>
@@ -19664,7 +20081,7 @@
 </p:notes>
 </file>
 
-<file path=ppt/notesSlides/notesSlide32.xml><?xml version="1.0" encoding="utf-8"?>
+<file path=ppt/notesSlides/notesSlide35.xml><?xml version="1.0" encoding="utf-8"?>
 <p:notes xmlns:a="http://schemas.openxmlformats.org/drawingml/2006/main" xmlns:r="http://schemas.openxmlformats.org/officeDocument/2006/relationships" xmlns:p="http://schemas.openxmlformats.org/presentationml/2006/main">
   <p:cSld>
     <p:spTree>
@@ -20047,7 +20464,7 @@
           <a:p>
             <a:fld id="{CD07EBF8-396F-4315-AE4D-1B4415FB8D2D}" type="slidenum">
               <a:rPr lang="en-GB" smtClean="0"/>
-              <a:t>36</a:t>
+              <a:t>37</a:t>
             </a:fld>
             <a:endParaRPr lang="en-GB"/>
           </a:p>
@@ -20066,7 +20483,7 @@
 </p:notes>
 </file>
 
-<file path=ppt/notesSlides/notesSlide33.xml><?xml version="1.0" encoding="utf-8"?>
+<file path=ppt/notesSlides/notesSlide36.xml><?xml version="1.0" encoding="utf-8"?>
 <p:notes xmlns:a="http://schemas.openxmlformats.org/drawingml/2006/main" xmlns:r="http://schemas.openxmlformats.org/officeDocument/2006/relationships" xmlns:p="http://schemas.openxmlformats.org/presentationml/2006/main">
   <p:cSld>
     <p:spTree>
@@ -20131,7 +20548,7 @@
           <a:p>
             <a:fld id="{CD07EBF8-396F-4315-AE4D-1B4415FB8D2D}" type="slidenum">
               <a:rPr lang="en-GB" smtClean="0"/>
-              <a:t>37</a:t>
+              <a:t>38</a:t>
             </a:fld>
             <a:endParaRPr lang="en-GB"/>
           </a:p>
@@ -20196,17 +20613,7 @@
           <a:p>
             <a:r>
               <a:rPr lang="en-GB" dirty="0"/>
-              <a:t>PROBLEMS:</a:t>
-            </a:r>
-          </a:p>
-          <a:p>
-            <a:pPr marL="171450" indent="-171450">
-              <a:buFontTx/>
-              <a:buChar char="-"/>
-            </a:pPr>
-            <a:r>
-              <a:rPr lang="en-GB" dirty="0"/>
-              <a:t>More stuff to do, need more hands</a:t>
+              <a:t>To introduce you to the problem we are going to tell you a story first</a:t>
             </a:r>
           </a:p>
         </p:txBody>
@@ -20228,7 +20635,7 @@
           <a:p>
             <a:fld id="{CD07EBF8-396F-4315-AE4D-1B4415FB8D2D}" type="slidenum">
               <a:rPr lang="en-GB" smtClean="0"/>
-              <a:t>6</a:t>
+              <a:t>4</a:t>
             </a:fld>
             <a:endParaRPr lang="en-GB"/>
           </a:p>
@@ -20237,7 +20644,7 @@
     </p:spTree>
     <p:extLst>
       <p:ext uri="{BB962C8B-B14F-4D97-AF65-F5344CB8AC3E}">
-        <p14:creationId xmlns:p14="http://schemas.microsoft.com/office/powerpoint/2010/main" val="3929832013"/>
+        <p14:creationId xmlns:p14="http://schemas.microsoft.com/office/powerpoint/2010/main" val="3554752192"/>
       </p:ext>
     </p:extLst>
   </p:cSld>
@@ -20291,20 +20698,7 @@
           <a:bodyPr/>
           <a:lstStyle/>
           <a:p>
-            <a:r>
-              <a:rPr lang="en-GB" dirty="0"/>
-              <a:t>PROBLEMS:</a:t>
-            </a:r>
-          </a:p>
-          <a:p>
-            <a:pPr marL="171450" indent="-171450">
-              <a:buFontTx/>
-              <a:buChar char="-"/>
-            </a:pPr>
-            <a:r>
-              <a:rPr lang="en-GB" dirty="0"/>
-              <a:t>Lot’s of bugs</a:t>
-            </a:r>
+            <a:endParaRPr lang="en-GB" dirty="0"/>
           </a:p>
         </p:txBody>
       </p:sp>
@@ -20325,7 +20719,7 @@
           <a:p>
             <a:fld id="{CD07EBF8-396F-4315-AE4D-1B4415FB8D2D}" type="slidenum">
               <a:rPr lang="en-GB" smtClean="0"/>
-              <a:t>7</a:t>
+              <a:t>5</a:t>
             </a:fld>
             <a:endParaRPr lang="en-GB"/>
           </a:p>
@@ -20334,7 +20728,7 @@
     </p:spTree>
     <p:extLst>
       <p:ext uri="{BB962C8B-B14F-4D97-AF65-F5344CB8AC3E}">
-        <p14:creationId xmlns:p14="http://schemas.microsoft.com/office/powerpoint/2010/main" val="3274739384"/>
+        <p14:creationId xmlns:p14="http://schemas.microsoft.com/office/powerpoint/2010/main" val="1860865487"/>
       </p:ext>
     </p:extLst>
   </p:cSld>
@@ -20390,13 +20784,27 @@
           <a:p>
             <a:r>
               <a:rPr lang="en-GB" dirty="0"/>
-              <a:t>Bugs reduced</a:t>
+              <a:t>PROBLEMS:</a:t>
             </a:r>
           </a:p>
           <a:p>
+            <a:pPr marL="171450" indent="-171450">
+              <a:buFontTx/>
+              <a:buChar char="-"/>
+            </a:pPr>
             <a:r>
               <a:rPr lang="en-GB" dirty="0"/>
-              <a:t>But more stuff to do</a:t>
+              <a:t>No backups</a:t>
+            </a:r>
+          </a:p>
+          <a:p>
+            <a:pPr marL="171450" indent="-171450">
+              <a:buFontTx/>
+              <a:buChar char="-"/>
+            </a:pPr>
+            <a:r>
+              <a:rPr lang="en-GB" dirty="0"/>
+              <a:t>No versioning</a:t>
             </a:r>
           </a:p>
         </p:txBody>
@@ -20418,7 +20826,7 @@
           <a:p>
             <a:fld id="{CD07EBF8-396F-4315-AE4D-1B4415FB8D2D}" type="slidenum">
               <a:rPr lang="en-GB" smtClean="0"/>
-              <a:t>8</a:t>
+              <a:t>6</a:t>
             </a:fld>
             <a:endParaRPr lang="en-GB"/>
           </a:p>
@@ -20427,7 +20835,7 @@
     </p:spTree>
     <p:extLst>
       <p:ext uri="{BB962C8B-B14F-4D97-AF65-F5344CB8AC3E}">
-        <p14:creationId xmlns:p14="http://schemas.microsoft.com/office/powerpoint/2010/main" val="3551562402"/>
+        <p14:creationId xmlns:p14="http://schemas.microsoft.com/office/powerpoint/2010/main" val="1282574151"/>
       </p:ext>
     </p:extLst>
   </p:cSld>
@@ -20483,7 +20891,17 @@
           <a:p>
             <a:r>
               <a:rPr lang="en-GB" dirty="0"/>
-              <a:t>Red and green team want to try out new things with the server (the only one) without affecting each other</a:t>
+              <a:t>PROBLEMS:</a:t>
+            </a:r>
+          </a:p>
+          <a:p>
+            <a:pPr marL="171450" indent="-171450">
+              <a:buFontTx/>
+              <a:buChar char="-"/>
+            </a:pPr>
+            <a:r>
+              <a:rPr lang="en-GB" dirty="0"/>
+              <a:t>More stuff to do, need more hands</a:t>
             </a:r>
           </a:p>
         </p:txBody>
@@ -20505,7 +20923,7 @@
           <a:p>
             <a:fld id="{CD07EBF8-396F-4315-AE4D-1B4415FB8D2D}" type="slidenum">
               <a:rPr lang="en-GB" smtClean="0"/>
-              <a:t>9</a:t>
+              <a:t>7</a:t>
             </a:fld>
             <a:endParaRPr lang="en-GB"/>
           </a:p>
@@ -20514,7 +20932,7 @@
     </p:spTree>
     <p:extLst>
       <p:ext uri="{BB962C8B-B14F-4D97-AF65-F5344CB8AC3E}">
-        <p14:creationId xmlns:p14="http://schemas.microsoft.com/office/powerpoint/2010/main" val="3593528188"/>
+        <p14:creationId xmlns:p14="http://schemas.microsoft.com/office/powerpoint/2010/main" val="3929832013"/>
       </p:ext>
     </p:extLst>
   </p:cSld>
@@ -20568,7 +20986,20 @@
           <a:bodyPr/>
           <a:lstStyle/>
           <a:p>
-            <a:endParaRPr lang="en-GB" dirty="0"/>
+            <a:r>
+              <a:rPr lang="en-GB" dirty="0"/>
+              <a:t>PROBLEMS:</a:t>
+            </a:r>
+          </a:p>
+          <a:p>
+            <a:pPr marL="171450" indent="-171450">
+              <a:buFontTx/>
+              <a:buChar char="-"/>
+            </a:pPr>
+            <a:r>
+              <a:rPr lang="en-GB" dirty="0"/>
+              <a:t>They start having lot’s of bugs and they don’t know why…</a:t>
+            </a:r>
           </a:p>
         </p:txBody>
       </p:sp>
@@ -20589,7 +21020,7 @@
           <a:p>
             <a:fld id="{CD07EBF8-396F-4315-AE4D-1B4415FB8D2D}" type="slidenum">
               <a:rPr lang="en-GB" smtClean="0"/>
-              <a:t>10</a:t>
+              <a:t>8</a:t>
             </a:fld>
             <a:endParaRPr lang="en-GB"/>
           </a:p>
@@ -20598,7 +21029,7 @@
     </p:spTree>
     <p:extLst>
       <p:ext uri="{BB962C8B-B14F-4D97-AF65-F5344CB8AC3E}">
-        <p14:creationId xmlns:p14="http://schemas.microsoft.com/office/powerpoint/2010/main" val="3070261817"/>
+        <p14:creationId xmlns:p14="http://schemas.microsoft.com/office/powerpoint/2010/main" val="3274739384"/>
       </p:ext>
     </p:extLst>
   </p:cSld>
@@ -20654,111 +21085,74 @@
           <a:p>
             <a:r>
               <a:rPr lang="en-GB" dirty="0"/>
-              <a:t>Both teams are making changes in the configuration of the environments manually</a:t>
+              <a:t>So they get a QA to help them with the testing strategies</a:t>
             </a:r>
           </a:p>
           <a:p>
-            <a:pPr marL="171450" indent="-171450">
-              <a:buFontTx/>
-              <a:buChar char="-"/>
-            </a:pPr>
+            <a:endParaRPr lang="en-GB" dirty="0"/>
+          </a:p>
+          <a:p>
             <a:r>
               <a:rPr lang="en-GB" dirty="0"/>
-              <a:t>Environments start to differ</a:t>
-            </a:r>
-          </a:p>
-          <a:p>
-            <a:pPr marL="171450" indent="-171450">
-              <a:buFontTx/>
-              <a:buChar char="-"/>
-            </a:pPr>
-            <a:r>
-              <a:rPr lang="en-GB" dirty="0"/>
-              <a:t>If the process is not automatic people forgets to do it</a:t>
-            </a:r>
-          </a:p>
-          <a:p>
-            <a:pPr marL="171450" indent="-171450">
-              <a:buFontTx/>
-              <a:buChar char="-"/>
-            </a:pPr>
-            <a:endParaRPr lang="en-GB" dirty="0"/>
-          </a:p>
-          <a:p>
-            <a:r>
-              <a:rPr lang="en-GB" dirty="0"/>
-              <a:t>The deployment process is manual:</a:t>
-            </a:r>
-          </a:p>
-          <a:p>
-            <a:pPr marL="171450" indent="-171450">
-              <a:buFontTx/>
-              <a:buChar char="-"/>
-            </a:pPr>
-            <a:r>
-              <a:rPr lang="en-GB" dirty="0"/>
-              <a:t>Error prone</a:t>
-            </a:r>
-          </a:p>
-          <a:p>
-            <a:pPr marL="171450" indent="-171450">
-              <a:buFontTx/>
-              <a:buChar char="-"/>
-            </a:pPr>
-            <a:r>
-              <a:rPr lang="en-GB" dirty="0"/>
-              <a:t>Not easily reproducible</a:t>
-            </a:r>
-          </a:p>
-          <a:p>
-            <a:pPr marL="0" indent="0">
-              <a:buFontTx/>
-              <a:buNone/>
-            </a:pPr>
-            <a:endParaRPr lang="en-GB" dirty="0"/>
-          </a:p>
-          <a:p>
-            <a:pPr marL="0" indent="0">
-              <a:buFontTx/>
-              <a:buNone/>
-            </a:pPr>
-            <a:r>
-              <a:rPr lang="en-GB" dirty="0"/>
-              <a:t>The teams only test their changes in a production-like environment… when they get to production</a:t>
-            </a:r>
-          </a:p>
-          <a:p>
-            <a:pPr marL="0" indent="0">
-              <a:buFontTx/>
-              <a:buNone/>
-            </a:pPr>
-            <a:endParaRPr lang="en-GB" dirty="0"/>
-          </a:p>
-          <a:p>
-            <a:pPr marL="0" indent="0">
-              <a:buFontTx/>
-              <a:buNone/>
-            </a:pPr>
-            <a:r>
-              <a:rPr lang="en-GB" dirty="0"/>
-              <a:t>“This </a:t>
+              <a:t>And the QA brings with him the </a:t>
             </a:r>
             <a:r>
-              <a:rPr lang="en-GB" dirty="0" err="1"/>
-              <a:t>ain’t</a:t>
+              <a:rPr lang="en-GB" b="1" dirty="0"/>
+              <a:t>idea of a test environment</a:t>
+            </a:r>
+          </a:p>
+          <a:p>
+            <a:endParaRPr lang="en-GB" b="1" dirty="0"/>
+          </a:p>
+          <a:p>
+            <a:r>
+              <a:rPr lang="en-GB" b="0" dirty="0"/>
+              <a:t>So now we have the concept of “environments”. The server they were using all the time until now was </a:t>
+            </a:r>
+            <a:r>
+              <a:rPr lang="en-GB" b="1" dirty="0"/>
+              <a:t>“Production”</a:t>
+            </a:r>
+            <a:r>
+              <a:rPr lang="en-GB" b="0" dirty="0"/>
+              <a:t>, they just didn’t know</a:t>
+            </a:r>
+          </a:p>
+          <a:p>
+            <a:endParaRPr lang="en-GB" b="0" dirty="0"/>
+          </a:p>
+          <a:p>
+            <a:r>
+              <a:rPr lang="en-GB" b="0" dirty="0"/>
+              <a:t>And the QA says that before going to Prod, the release has to go to the test environment, where he’ll run some tests</a:t>
+            </a:r>
+          </a:p>
+          <a:p>
+            <a:endParaRPr lang="en-GB" b="0" dirty="0"/>
+          </a:p>
+          <a:p>
+            <a:r>
+              <a:rPr lang="en-GB" b="0" dirty="0"/>
+              <a:t>Now -&gt; Number of b</a:t>
             </a:r>
             <a:r>
               <a:rPr lang="en-GB" dirty="0"/>
-              <a:t> </a:t>
+              <a:t>ugs reduced</a:t>
+            </a:r>
+          </a:p>
+          <a:p>
+            <a:endParaRPr lang="en-GB" dirty="0"/>
+          </a:p>
+          <a:p>
+            <a:r>
+              <a:rPr lang="en-GB" dirty="0"/>
+              <a:t>But… there’s more stuff to do, they </a:t>
             </a:r>
             <a:r>
-              <a:rPr lang="en-GB" dirty="0" err="1"/>
-              <a:t>gonna</a:t>
+              <a:rPr lang="en-GB"/>
+              <a:t>need more hands</a:t>
             </a:r>
-            <a:r>
-              <a:rPr lang="en-GB" dirty="0"/>
-              <a:t> end well…”</a:t>
-            </a:r>
+            <a:endParaRPr lang="en-GB" dirty="0"/>
           </a:p>
         </p:txBody>
       </p:sp>
@@ -20779,7 +21173,7 @@
           <a:p>
             <a:fld id="{CD07EBF8-396F-4315-AE4D-1B4415FB8D2D}" type="slidenum">
               <a:rPr lang="en-GB" smtClean="0"/>
-              <a:t>11</a:t>
+              <a:t>9</a:t>
             </a:fld>
             <a:endParaRPr lang="en-GB"/>
           </a:p>
@@ -20788,7 +21182,7 @@
     </p:spTree>
     <p:extLst>
       <p:ext uri="{BB962C8B-B14F-4D97-AF65-F5344CB8AC3E}">
-        <p14:creationId xmlns:p14="http://schemas.microsoft.com/office/powerpoint/2010/main" val="1803340507"/>
+        <p14:creationId xmlns:p14="http://schemas.microsoft.com/office/powerpoint/2010/main" val="3551562402"/>
       </p:ext>
     </p:extLst>
   </p:cSld>
@@ -24153,6 +24547,1212 @@
 </file>
 
 <file path=ppt/slides/slide10.xml><?xml version="1.0" encoding="utf-8"?>
+<p:sld xmlns:a="http://schemas.openxmlformats.org/drawingml/2006/main" xmlns:r="http://schemas.openxmlformats.org/officeDocument/2006/relationships" xmlns:p="http://schemas.openxmlformats.org/presentationml/2006/main">
+  <p:cSld>
+    <p:spTree>
+      <p:nvGrpSpPr>
+        <p:cNvPr id="1" name=""/>
+        <p:cNvGrpSpPr/>
+        <p:nvPr/>
+      </p:nvGrpSpPr>
+      <p:grpSpPr>
+        <a:xfrm>
+          <a:off x="0" y="0"/>
+          <a:ext cx="0" cy="0"/>
+          <a:chOff x="0" y="0"/>
+          <a:chExt cx="0" cy="0"/>
+        </a:xfrm>
+      </p:grpSpPr>
+      <p:sp>
+        <p:nvSpPr>
+          <p:cNvPr id="8" name="Rectangle 7"/>
+          <p:cNvSpPr>
+            <a:spLocks noGrp="1" noRot="1" noChangeAspect="1" noMove="1" noResize="1" noEditPoints="1" noAdjustHandles="1" noChangeArrowheads="1" noChangeShapeType="1" noTextEdit="1"/>
+          </p:cNvSpPr>
+          <p:nvPr>
+            <p:extLst>
+              <p:ext uri="{386F3935-93C4-4BCD-93E2-E3B085C9AB24}">
+                <p16:designElem xmlns:p16="http://schemas.microsoft.com/office/powerpoint/2015/main" val="1"/>
+              </p:ext>
+            </p:extLst>
+          </p:nvPr>
+        </p:nvSpPr>
+        <p:spPr>
+          <a:xfrm>
+            <a:off x="1" y="758952"/>
+            <a:ext cx="3443590" cy="5330952"/>
+          </a:xfrm>
+          <a:prstGeom prst="rect">
+            <a:avLst/>
+          </a:prstGeom>
+          <a:solidFill>
+            <a:schemeClr val="accent1"/>
+          </a:solidFill>
+          <a:ln>
+            <a:noFill/>
+          </a:ln>
+        </p:spPr>
+        <p:style>
+          <a:lnRef idx="2">
+            <a:schemeClr val="accent1">
+              <a:shade val="50000"/>
+            </a:schemeClr>
+          </a:lnRef>
+          <a:fillRef idx="1">
+            <a:schemeClr val="accent1"/>
+          </a:fillRef>
+          <a:effectRef idx="0">
+            <a:schemeClr val="accent1"/>
+          </a:effectRef>
+          <a:fontRef idx="minor">
+            <a:schemeClr val="lt1"/>
+          </a:fontRef>
+        </p:style>
+      </p:sp>
+      <p:sp>
+        <p:nvSpPr>
+          <p:cNvPr id="10" name="Rectangle 9"/>
+          <p:cNvSpPr>
+            <a:spLocks noGrp="1" noRot="1" noChangeAspect="1" noMove="1" noResize="1" noEditPoints="1" noAdjustHandles="1" noChangeArrowheads="1" noChangeShapeType="1" noTextEdit="1"/>
+          </p:cNvSpPr>
+          <p:nvPr>
+            <p:extLst>
+              <p:ext uri="{386F3935-93C4-4BCD-93E2-E3B085C9AB24}">
+                <p16:designElem xmlns:p16="http://schemas.microsoft.com/office/powerpoint/2015/main" val="1"/>
+              </p:ext>
+            </p:extLst>
+          </p:nvPr>
+        </p:nvSpPr>
+        <p:spPr>
+          <a:xfrm>
+            <a:off x="11815864" y="758952"/>
+            <a:ext cx="384048" cy="5330952"/>
+          </a:xfrm>
+          <a:prstGeom prst="rect">
+            <a:avLst/>
+          </a:prstGeom>
+          <a:solidFill>
+            <a:srgbClr val="C8C8C8">
+              <a:alpha val="49804"/>
+            </a:srgbClr>
+          </a:solidFill>
+          <a:ln>
+            <a:noFill/>
+          </a:ln>
+        </p:spPr>
+        <p:style>
+          <a:lnRef idx="2">
+            <a:schemeClr val="accent1">
+              <a:shade val="50000"/>
+            </a:schemeClr>
+          </a:lnRef>
+          <a:fillRef idx="1">
+            <a:schemeClr val="accent1"/>
+          </a:fillRef>
+          <a:effectRef idx="0">
+            <a:schemeClr val="accent1"/>
+          </a:effectRef>
+          <a:fontRef idx="minor">
+            <a:schemeClr val="lt1"/>
+          </a:fontRef>
+        </p:style>
+      </p:sp>
+      <p:sp>
+        <p:nvSpPr>
+          <p:cNvPr id="9" name="Title 1">
+            <a:extLst>
+              <a:ext uri="{FF2B5EF4-FFF2-40B4-BE49-F238E27FC236}">
+                <a16:creationId xmlns:a16="http://schemas.microsoft.com/office/drawing/2014/main" id="{519F807E-5958-4995-A227-C4835B3B6E7D}"/>
+              </a:ext>
+            </a:extLst>
+          </p:cNvPr>
+          <p:cNvSpPr txBox="1">
+            <a:spLocks/>
+          </p:cNvSpPr>
+          <p:nvPr/>
+        </p:nvSpPr>
+        <p:spPr>
+          <a:xfrm>
+            <a:off x="252919" y="1123837"/>
+            <a:ext cx="2947482" cy="4601183"/>
+          </a:xfrm>
+          <a:prstGeom prst="rect">
+            <a:avLst/>
+          </a:prstGeom>
+        </p:spPr>
+        <p:txBody>
+          <a:bodyPr>
+            <a:normAutofit/>
+          </a:bodyPr>
+          <a:lstStyle>
+            <a:lvl1pPr algn="l" defTabSz="914400" rtl="0" eaLnBrk="1" latinLnBrk="0" hangingPunct="1">
+              <a:lnSpc>
+                <a:spcPct val="90000"/>
+              </a:lnSpc>
+              <a:spcBef>
+                <a:spcPct val="0"/>
+              </a:spcBef>
+              <a:buNone/>
+              <a:defRPr sz="3600" kern="1200" spc="-60" baseline="0">
+                <a:solidFill>
+                  <a:srgbClr val="FFFFFF"/>
+                </a:solidFill>
+                <a:latin typeface="+mj-lt"/>
+                <a:ea typeface="+mj-ea"/>
+                <a:cs typeface="+mj-cs"/>
+              </a:defRPr>
+            </a:lvl1pPr>
+          </a:lstStyle>
+          <a:p>
+            <a:endParaRPr lang="en-GB" sz="2000" dirty="0"/>
+          </a:p>
+          <a:p>
+            <a:endParaRPr lang="en-GB" sz="2000" dirty="0"/>
+          </a:p>
+          <a:p>
+            <a:endParaRPr lang="en-GB" sz="2000" dirty="0"/>
+          </a:p>
+          <a:p>
+            <a:endParaRPr lang="en-GB" sz="2000" dirty="0"/>
+          </a:p>
+          <a:p>
+            <a:pPr marL="342900" indent="-342900">
+              <a:buFont typeface="Arial" panose="020B0604020202020204" pitchFamily="34" charset="0"/>
+              <a:buChar char="•"/>
+            </a:pPr>
+            <a:endParaRPr lang="en-GB" sz="2000" dirty="0"/>
+          </a:p>
+          <a:p>
+            <a:r>
+              <a:rPr lang="en-GB" sz="2000" dirty="0"/>
+              <a:t>2 teams: red &amp; green</a:t>
+            </a:r>
+          </a:p>
+          <a:p>
+            <a:pPr marL="342900" indent="-342900">
+              <a:buFont typeface="Arial" panose="020B0604020202020204" pitchFamily="34" charset="0"/>
+              <a:buChar char="•"/>
+            </a:pPr>
+            <a:endParaRPr lang="en-GB" sz="2000" dirty="0"/>
+          </a:p>
+          <a:p>
+            <a:r>
+              <a:rPr lang="en-GB" sz="2000" dirty="0"/>
+              <a:t>1 prod server </a:t>
+            </a:r>
+          </a:p>
+          <a:p>
+            <a:r>
+              <a:rPr lang="en-GB" sz="2000" dirty="0"/>
+              <a:t>   (accessible to </a:t>
+            </a:r>
+            <a:r>
+              <a:rPr lang="en-GB" sz="2000" dirty="0" err="1"/>
+              <a:t>devs</a:t>
+            </a:r>
+            <a:r>
+              <a:rPr lang="en-GB" sz="2000" dirty="0"/>
+              <a:t>)</a:t>
+            </a:r>
+          </a:p>
+          <a:p>
+            <a:r>
+              <a:rPr lang="en-GB" sz="2000" dirty="0"/>
+              <a:t>1 test server</a:t>
+            </a:r>
+          </a:p>
+          <a:p>
+            <a:pPr marL="342900" indent="-342900">
+              <a:buFont typeface="Arial" panose="020B0604020202020204" pitchFamily="34" charset="0"/>
+              <a:buChar char="•"/>
+            </a:pPr>
+            <a:endParaRPr lang="en-GB" sz="2000" dirty="0"/>
+          </a:p>
+          <a:p>
+            <a:r>
+              <a:rPr lang="en-GB" sz="2000" dirty="0"/>
+              <a:t>1 source control</a:t>
+            </a:r>
+          </a:p>
+          <a:p>
+            <a:pPr marL="342900" indent="-342900">
+              <a:buFont typeface="Arial" panose="020B0604020202020204" pitchFamily="34" charset="0"/>
+              <a:buChar char="•"/>
+            </a:pPr>
+            <a:endParaRPr lang="en-GB" sz="2000" dirty="0"/>
+          </a:p>
+        </p:txBody>
+      </p:sp>
+      <p:grpSp>
+        <p:nvGrpSpPr>
+          <p:cNvPr id="6" name="Group 5">
+            <a:extLst>
+              <a:ext uri="{FF2B5EF4-FFF2-40B4-BE49-F238E27FC236}">
+                <a16:creationId xmlns:a16="http://schemas.microsoft.com/office/drawing/2014/main" id="{B1B203F3-BC9C-4BCA-98ED-F6C8DD644EA6}"/>
+              </a:ext>
+            </a:extLst>
+          </p:cNvPr>
+          <p:cNvGrpSpPr/>
+          <p:nvPr/>
+        </p:nvGrpSpPr>
+        <p:grpSpPr>
+          <a:xfrm>
+            <a:off x="4000500" y="952500"/>
+            <a:ext cx="5391150" cy="5137404"/>
+            <a:chOff x="4000500" y="952500"/>
+            <a:chExt cx="5391150" cy="5137404"/>
+          </a:xfrm>
+        </p:grpSpPr>
+        <p:pic>
+          <p:nvPicPr>
+            <p:cNvPr id="3076" name="Picture 4" descr="Image result for github icon">
+              <a:extLst>
+                <a:ext uri="{FF2B5EF4-FFF2-40B4-BE49-F238E27FC236}">
+                  <a16:creationId xmlns:a16="http://schemas.microsoft.com/office/drawing/2014/main" id="{60D83C29-A459-4599-905C-713F3437308E}"/>
+                </a:ext>
+              </a:extLst>
+            </p:cNvPr>
+            <p:cNvPicPr>
+              <a:picLocks noChangeAspect="1" noChangeArrowheads="1"/>
+            </p:cNvPicPr>
+            <p:nvPr/>
+          </p:nvPicPr>
+          <p:blipFill>
+            <a:blip r:embed="rId3" cstate="print">
+              <a:extLst>
+                <a:ext uri="{28A0092B-C50C-407E-A947-70E740481C1C}">
+                  <a14:useLocalDpi xmlns:a14="http://schemas.microsoft.com/office/drawing/2010/main" val="0"/>
+                </a:ext>
+              </a:extLst>
+            </a:blip>
+            <a:srcRect/>
+            <a:stretch>
+              <a:fillRect/>
+            </a:stretch>
+          </p:blipFill>
+          <p:spPr bwMode="auto">
+            <a:xfrm>
+              <a:off x="6380630" y="5547146"/>
+              <a:ext cx="542758" cy="542758"/>
+            </a:xfrm>
+            <a:prstGeom prst="rect">
+              <a:avLst/>
+            </a:prstGeom>
+            <a:noFill/>
+            <a:extLst>
+              <a:ext uri="{909E8E84-426E-40DD-AFC4-6F175D3DCCD1}">
+                <a14:hiddenFill xmlns:a14="http://schemas.microsoft.com/office/drawing/2010/main">
+                  <a:solidFill>
+                    <a:srgbClr val="FFFFFF"/>
+                  </a:solidFill>
+                </a14:hiddenFill>
+              </a:ext>
+            </a:extLst>
+          </p:spPr>
+        </p:pic>
+        <p:pic>
+          <p:nvPicPr>
+            <p:cNvPr id="3" name="Picture 2">
+              <a:extLst>
+                <a:ext uri="{FF2B5EF4-FFF2-40B4-BE49-F238E27FC236}">
+                  <a16:creationId xmlns:a16="http://schemas.microsoft.com/office/drawing/2014/main" id="{6FB08E16-8F40-48AA-98FD-37185E364268}"/>
+                </a:ext>
+              </a:extLst>
+            </p:cNvPr>
+            <p:cNvPicPr>
+              <a:picLocks noChangeAspect="1"/>
+            </p:cNvPicPr>
+            <p:nvPr/>
+          </p:nvPicPr>
+          <p:blipFill rotWithShape="1">
+            <a:blip r:embed="rId4">
+              <a:duotone>
+                <a:prstClr val="black"/>
+                <a:srgbClr val="FF0000">
+                  <a:tint val="45000"/>
+                  <a:satMod val="400000"/>
+                </a:srgbClr>
+              </a:duotone>
+              <a:extLst>
+                <a:ext uri="{28A0092B-C50C-407E-A947-70E740481C1C}">
+                  <a14:useLocalDpi xmlns:a14="http://schemas.microsoft.com/office/drawing/2010/main" val="0"/>
+                </a:ext>
+              </a:extLst>
+            </a:blip>
+            <a:srcRect l="29936" t="4876" r="64066" b="71646"/>
+            <a:stretch/>
+          </p:blipFill>
+          <p:spPr>
+            <a:xfrm>
+              <a:off x="4656684" y="3642017"/>
+              <a:ext cx="423864" cy="1028662"/>
+            </a:xfrm>
+            <a:prstGeom prst="rect">
+              <a:avLst/>
+            </a:prstGeom>
+          </p:spPr>
+        </p:pic>
+        <p:pic>
+          <p:nvPicPr>
+            <p:cNvPr id="1026" name="Picture 2" descr="http://www.clipartsfree.net/vector/medium/ServerCabinet_Clip_Art.png">
+              <a:extLst>
+                <a:ext uri="{FF2B5EF4-FFF2-40B4-BE49-F238E27FC236}">
+                  <a16:creationId xmlns:a16="http://schemas.microsoft.com/office/drawing/2014/main" id="{C47F773F-8CE8-4557-8618-0F1B2052791D}"/>
+                </a:ext>
+              </a:extLst>
+            </p:cNvPr>
+            <p:cNvPicPr>
+              <a:picLocks noChangeAspect="1" noChangeArrowheads="1"/>
+            </p:cNvPicPr>
+            <p:nvPr/>
+          </p:nvPicPr>
+          <p:blipFill>
+            <a:blip r:embed="rId5" cstate="print">
+              <a:extLst>
+                <a:ext uri="{28A0092B-C50C-407E-A947-70E740481C1C}">
+                  <a14:useLocalDpi xmlns:a14="http://schemas.microsoft.com/office/drawing/2010/main" val="0"/>
+                </a:ext>
+              </a:extLst>
+            </a:blip>
+            <a:srcRect/>
+            <a:stretch>
+              <a:fillRect/>
+            </a:stretch>
+          </p:blipFill>
+          <p:spPr bwMode="auto">
+            <a:xfrm>
+              <a:off x="6424041" y="952500"/>
+              <a:ext cx="491681" cy="847725"/>
+            </a:xfrm>
+            <a:prstGeom prst="rect">
+              <a:avLst/>
+            </a:prstGeom>
+            <a:noFill/>
+            <a:extLst>
+              <a:ext uri="{909E8E84-426E-40DD-AFC4-6F175D3DCCD1}">
+                <a14:hiddenFill xmlns:a14="http://schemas.microsoft.com/office/drawing/2010/main">
+                  <a:solidFill>
+                    <a:srgbClr val="FFFFFF"/>
+                  </a:solidFill>
+                </a14:hiddenFill>
+              </a:ext>
+            </a:extLst>
+          </p:spPr>
+        </p:pic>
+        <p:pic>
+          <p:nvPicPr>
+            <p:cNvPr id="11" name="Picture 10">
+              <a:extLst>
+                <a:ext uri="{FF2B5EF4-FFF2-40B4-BE49-F238E27FC236}">
+                  <a16:creationId xmlns:a16="http://schemas.microsoft.com/office/drawing/2014/main" id="{4F6083DD-422D-4276-9581-DBF80E5D6C36}"/>
+                </a:ext>
+              </a:extLst>
+            </p:cNvPr>
+            <p:cNvPicPr>
+              <a:picLocks noChangeAspect="1"/>
+            </p:cNvPicPr>
+            <p:nvPr/>
+          </p:nvPicPr>
+          <p:blipFill rotWithShape="1">
+            <a:blip r:embed="rId4">
+              <a:duotone>
+                <a:prstClr val="black"/>
+                <a:srgbClr val="FF0000">
+                  <a:tint val="45000"/>
+                  <a:satMod val="400000"/>
+                </a:srgbClr>
+              </a:duotone>
+              <a:extLst>
+                <a:ext uri="{28A0092B-C50C-407E-A947-70E740481C1C}">
+                  <a14:useLocalDpi xmlns:a14="http://schemas.microsoft.com/office/drawing/2010/main" val="0"/>
+                </a:ext>
+              </a:extLst>
+            </a:blip>
+            <a:srcRect l="53065" t="6374" r="41247" b="72099"/>
+            <a:stretch/>
+          </p:blipFill>
+          <p:spPr>
+            <a:xfrm>
+              <a:off x="5071023" y="3702196"/>
+              <a:ext cx="404811" cy="951527"/>
+            </a:xfrm>
+            <a:prstGeom prst="rect">
+              <a:avLst/>
+            </a:prstGeom>
+          </p:spPr>
+        </p:pic>
+        <p:pic>
+          <p:nvPicPr>
+            <p:cNvPr id="12" name="Picture 11">
+              <a:extLst>
+                <a:ext uri="{FF2B5EF4-FFF2-40B4-BE49-F238E27FC236}">
+                  <a16:creationId xmlns:a16="http://schemas.microsoft.com/office/drawing/2014/main" id="{5107AFEA-9D34-477F-BFD1-951C643E67CA}"/>
+                </a:ext>
+              </a:extLst>
+            </p:cNvPr>
+            <p:cNvPicPr>
+              <a:picLocks noChangeAspect="1"/>
+            </p:cNvPicPr>
+            <p:nvPr/>
+          </p:nvPicPr>
+          <p:blipFill rotWithShape="1">
+            <a:blip r:embed="rId4">
+              <a:duotone>
+                <a:prstClr val="black"/>
+                <a:srgbClr val="FF0000">
+                  <a:tint val="45000"/>
+                  <a:satMod val="400000"/>
+                </a:srgbClr>
+              </a:duotone>
+              <a:extLst>
+                <a:ext uri="{28A0092B-C50C-407E-A947-70E740481C1C}">
+                  <a14:useLocalDpi xmlns:a14="http://schemas.microsoft.com/office/drawing/2010/main" val="0"/>
+                </a:ext>
+              </a:extLst>
+            </a:blip>
+            <a:srcRect l="24352" t="29140" r="70270" b="50452"/>
+            <a:stretch/>
+          </p:blipFill>
+          <p:spPr>
+            <a:xfrm>
+              <a:off x="4249572" y="3812484"/>
+              <a:ext cx="376239" cy="886770"/>
+            </a:xfrm>
+            <a:prstGeom prst="rect">
+              <a:avLst/>
+            </a:prstGeom>
+          </p:spPr>
+        </p:pic>
+        <p:pic>
+          <p:nvPicPr>
+            <p:cNvPr id="13" name="Picture 12">
+              <a:extLst>
+                <a:ext uri="{FF2B5EF4-FFF2-40B4-BE49-F238E27FC236}">
+                  <a16:creationId xmlns:a16="http://schemas.microsoft.com/office/drawing/2014/main" id="{66A1D874-7B97-4808-97B8-402A46A5E9FC}"/>
+                </a:ext>
+              </a:extLst>
+            </p:cNvPr>
+            <p:cNvPicPr>
+              <a:picLocks noChangeAspect="1"/>
+            </p:cNvPicPr>
+            <p:nvPr/>
+          </p:nvPicPr>
+          <p:blipFill rotWithShape="1">
+            <a:blip r:embed="rId4">
+              <a:duotone>
+                <a:prstClr val="black"/>
+                <a:srgbClr val="FF0000">
+                  <a:tint val="45000"/>
+                  <a:satMod val="400000"/>
+                </a:srgbClr>
+              </a:duotone>
+              <a:extLst>
+                <a:ext uri="{28A0092B-C50C-407E-A947-70E740481C1C}">
+                  <a14:useLocalDpi xmlns:a14="http://schemas.microsoft.com/office/drawing/2010/main" val="0"/>
+                </a:ext>
+              </a:extLst>
+            </a:blip>
+            <a:srcRect l="69896" t="48548" r="23588" b="31327"/>
+            <a:stretch/>
+          </p:blipFill>
+          <p:spPr>
+            <a:xfrm>
+              <a:off x="4813684" y="4156348"/>
+              <a:ext cx="452931" cy="868908"/>
+            </a:xfrm>
+            <a:prstGeom prst="rect">
+              <a:avLst/>
+            </a:prstGeom>
+          </p:spPr>
+        </p:pic>
+        <p:pic>
+          <p:nvPicPr>
+            <p:cNvPr id="14" name="Picture 2" descr="http://www.clipartsfree.net/vector/medium/ServerCabinet_Clip_Art.png">
+              <a:extLst>
+                <a:ext uri="{FF2B5EF4-FFF2-40B4-BE49-F238E27FC236}">
+                  <a16:creationId xmlns:a16="http://schemas.microsoft.com/office/drawing/2014/main" id="{5A6666B4-D0A9-441C-95E1-55B336661432}"/>
+                </a:ext>
+              </a:extLst>
+            </p:cNvPr>
+            <p:cNvPicPr>
+              <a:picLocks noChangeAspect="1" noChangeArrowheads="1"/>
+            </p:cNvPicPr>
+            <p:nvPr/>
+          </p:nvPicPr>
+          <p:blipFill>
+            <a:blip r:embed="rId5" cstate="print">
+              <a:duotone>
+                <a:schemeClr val="accent4">
+                  <a:shade val="45000"/>
+                  <a:satMod val="135000"/>
+                </a:schemeClr>
+                <a:prstClr val="white"/>
+              </a:duotone>
+              <a:extLst>
+                <a:ext uri="{28A0092B-C50C-407E-A947-70E740481C1C}">
+                  <a14:useLocalDpi xmlns:a14="http://schemas.microsoft.com/office/drawing/2010/main" val="0"/>
+                </a:ext>
+              </a:extLst>
+            </a:blip>
+            <a:srcRect/>
+            <a:stretch>
+              <a:fillRect/>
+            </a:stretch>
+          </p:blipFill>
+          <p:spPr bwMode="auto">
+            <a:xfrm>
+              <a:off x="6424041" y="2356058"/>
+              <a:ext cx="491681" cy="847725"/>
+            </a:xfrm>
+            <a:prstGeom prst="rect">
+              <a:avLst/>
+            </a:prstGeom>
+            <a:noFill/>
+            <a:extLst>
+              <a:ext uri="{909E8E84-426E-40DD-AFC4-6F175D3DCCD1}">
+                <a14:hiddenFill xmlns:a14="http://schemas.microsoft.com/office/drawing/2010/main">
+                  <a:solidFill>
+                    <a:srgbClr val="FFFFFF"/>
+                  </a:solidFill>
+                </a14:hiddenFill>
+              </a:ext>
+            </a:extLst>
+          </p:spPr>
+        </p:pic>
+        <p:sp>
+          <p:nvSpPr>
+            <p:cNvPr id="2" name="Arrow: Up 1">
+              <a:extLst>
+                <a:ext uri="{FF2B5EF4-FFF2-40B4-BE49-F238E27FC236}">
+                  <a16:creationId xmlns:a16="http://schemas.microsoft.com/office/drawing/2014/main" id="{7A494C9E-03B9-47FF-B144-94E42122C5ED}"/>
+                </a:ext>
+              </a:extLst>
+            </p:cNvPr>
+            <p:cNvSpPr/>
+            <p:nvPr/>
+          </p:nvSpPr>
+          <p:spPr>
+            <a:xfrm>
+              <a:off x="6535491" y="1950108"/>
+              <a:ext cx="209550" cy="222123"/>
+            </a:xfrm>
+            <a:prstGeom prst="upArrow">
+              <a:avLst/>
+            </a:prstGeom>
+          </p:spPr>
+          <p:style>
+            <a:lnRef idx="2">
+              <a:schemeClr val="accent1">
+                <a:shade val="50000"/>
+              </a:schemeClr>
+            </a:lnRef>
+            <a:fillRef idx="1">
+              <a:schemeClr val="accent1"/>
+            </a:fillRef>
+            <a:effectRef idx="0">
+              <a:schemeClr val="accent1"/>
+            </a:effectRef>
+            <a:fontRef idx="minor">
+              <a:schemeClr val="lt1"/>
+            </a:fontRef>
+          </p:style>
+          <p:txBody>
+            <a:bodyPr rtlCol="0" anchor="ctr"/>
+            <a:lstStyle/>
+            <a:p>
+              <a:pPr algn="ctr"/>
+              <a:endParaRPr lang="en-GB"/>
+            </a:p>
+          </p:txBody>
+        </p:sp>
+        <p:sp>
+          <p:nvSpPr>
+            <p:cNvPr id="15" name="Arrow: Up 14">
+              <a:extLst>
+                <a:ext uri="{FF2B5EF4-FFF2-40B4-BE49-F238E27FC236}">
+                  <a16:creationId xmlns:a16="http://schemas.microsoft.com/office/drawing/2014/main" id="{5F4322E5-8A60-499B-9EB3-E7F3212D9EFB}"/>
+                </a:ext>
+              </a:extLst>
+            </p:cNvPr>
+            <p:cNvSpPr/>
+            <p:nvPr/>
+          </p:nvSpPr>
+          <p:spPr>
+            <a:xfrm>
+              <a:off x="6547234" y="3353666"/>
+              <a:ext cx="209550" cy="222123"/>
+            </a:xfrm>
+            <a:prstGeom prst="upArrow">
+              <a:avLst/>
+            </a:prstGeom>
+          </p:spPr>
+          <p:style>
+            <a:lnRef idx="2">
+              <a:schemeClr val="accent1">
+                <a:shade val="50000"/>
+              </a:schemeClr>
+            </a:lnRef>
+            <a:fillRef idx="1">
+              <a:schemeClr val="accent1"/>
+            </a:fillRef>
+            <a:effectRef idx="0">
+              <a:schemeClr val="accent1"/>
+            </a:effectRef>
+            <a:fontRef idx="minor">
+              <a:schemeClr val="lt1"/>
+            </a:fontRef>
+          </p:style>
+          <p:txBody>
+            <a:bodyPr rtlCol="0" anchor="ctr"/>
+            <a:lstStyle/>
+            <a:p>
+              <a:pPr algn="ctr"/>
+              <a:endParaRPr lang="en-GB"/>
+            </a:p>
+          </p:txBody>
+        </p:sp>
+        <p:sp>
+          <p:nvSpPr>
+            <p:cNvPr id="4" name="Arrow: Up-Down 3">
+              <a:extLst>
+                <a:ext uri="{FF2B5EF4-FFF2-40B4-BE49-F238E27FC236}">
+                  <a16:creationId xmlns:a16="http://schemas.microsoft.com/office/drawing/2014/main" id="{CE645A06-4630-4A09-B561-67003B5AFB89}"/>
+                </a:ext>
+              </a:extLst>
+            </p:cNvPr>
+            <p:cNvSpPr/>
+            <p:nvPr/>
+          </p:nvSpPr>
+          <p:spPr>
+            <a:xfrm>
+              <a:off x="6532916" y="5124831"/>
+              <a:ext cx="214700" cy="314325"/>
+            </a:xfrm>
+            <a:prstGeom prst="upDownArrow">
+              <a:avLst/>
+            </a:prstGeom>
+          </p:spPr>
+          <p:style>
+            <a:lnRef idx="2">
+              <a:schemeClr val="accent1">
+                <a:shade val="50000"/>
+              </a:schemeClr>
+            </a:lnRef>
+            <a:fillRef idx="1">
+              <a:schemeClr val="accent1"/>
+            </a:fillRef>
+            <a:effectRef idx="0">
+              <a:schemeClr val="accent1"/>
+            </a:effectRef>
+            <a:fontRef idx="minor">
+              <a:schemeClr val="lt1"/>
+            </a:fontRef>
+          </p:style>
+          <p:txBody>
+            <a:bodyPr rtlCol="0" anchor="ctr"/>
+            <a:lstStyle/>
+            <a:p>
+              <a:pPr algn="ctr"/>
+              <a:endParaRPr lang="en-GB"/>
+            </a:p>
+          </p:txBody>
+        </p:sp>
+        <p:pic>
+          <p:nvPicPr>
+            <p:cNvPr id="16" name="Picture 15">
+              <a:extLst>
+                <a:ext uri="{FF2B5EF4-FFF2-40B4-BE49-F238E27FC236}">
+                  <a16:creationId xmlns:a16="http://schemas.microsoft.com/office/drawing/2014/main" id="{889735D2-3C61-4999-894A-6D16CBB4D265}"/>
+                </a:ext>
+              </a:extLst>
+            </p:cNvPr>
+            <p:cNvPicPr>
+              <a:picLocks noChangeAspect="1"/>
+            </p:cNvPicPr>
+            <p:nvPr/>
+          </p:nvPicPr>
+          <p:blipFill rotWithShape="1">
+            <a:blip r:embed="rId4">
+              <a:duotone>
+                <a:prstClr val="black"/>
+                <a:srgbClr val="FF0000">
+                  <a:tint val="45000"/>
+                  <a:satMod val="400000"/>
+                </a:srgbClr>
+              </a:duotone>
+              <a:extLst>
+                <a:ext uri="{28A0092B-C50C-407E-A947-70E740481C1C}">
+                  <a14:useLocalDpi xmlns:a14="http://schemas.microsoft.com/office/drawing/2010/main" val="0"/>
+                </a:ext>
+              </a:extLst>
+            </a:blip>
+            <a:srcRect l="29936" t="4876" r="64066" b="71646"/>
+            <a:stretch/>
+          </p:blipFill>
+          <p:spPr>
+            <a:xfrm>
+              <a:off x="5475834" y="3642017"/>
+              <a:ext cx="423864" cy="1028662"/>
+            </a:xfrm>
+            <a:prstGeom prst="rect">
+              <a:avLst/>
+            </a:prstGeom>
+          </p:spPr>
+        </p:pic>
+        <p:pic>
+          <p:nvPicPr>
+            <p:cNvPr id="17" name="Picture 16">
+              <a:extLst>
+                <a:ext uri="{FF2B5EF4-FFF2-40B4-BE49-F238E27FC236}">
+                  <a16:creationId xmlns:a16="http://schemas.microsoft.com/office/drawing/2014/main" id="{FD99AF84-8CD9-4CFA-A79C-BF44DDEE746C}"/>
+                </a:ext>
+              </a:extLst>
+            </p:cNvPr>
+            <p:cNvPicPr>
+              <a:picLocks noChangeAspect="1"/>
+            </p:cNvPicPr>
+            <p:nvPr/>
+          </p:nvPicPr>
+          <p:blipFill rotWithShape="1">
+            <a:blip r:embed="rId4">
+              <a:duotone>
+                <a:prstClr val="black"/>
+                <a:srgbClr val="FF0000">
+                  <a:tint val="45000"/>
+                  <a:satMod val="400000"/>
+                </a:srgbClr>
+              </a:duotone>
+              <a:extLst>
+                <a:ext uri="{28A0092B-C50C-407E-A947-70E740481C1C}">
+                  <a14:useLocalDpi xmlns:a14="http://schemas.microsoft.com/office/drawing/2010/main" val="0"/>
+                </a:ext>
+              </a:extLst>
+            </a:blip>
+            <a:srcRect l="24352" t="29140" r="70270" b="50452"/>
+            <a:stretch/>
+          </p:blipFill>
+          <p:spPr>
+            <a:xfrm>
+              <a:off x="5270172" y="4127155"/>
+              <a:ext cx="376239" cy="886770"/>
+            </a:xfrm>
+            <a:prstGeom prst="rect">
+              <a:avLst/>
+            </a:prstGeom>
+          </p:spPr>
+        </p:pic>
+        <p:pic>
+          <p:nvPicPr>
+            <p:cNvPr id="18" name="Picture 17">
+              <a:extLst>
+                <a:ext uri="{FF2B5EF4-FFF2-40B4-BE49-F238E27FC236}">
+                  <a16:creationId xmlns:a16="http://schemas.microsoft.com/office/drawing/2014/main" id="{ECD5E561-73A9-43F2-AB70-4592557FE73B}"/>
+                </a:ext>
+              </a:extLst>
+            </p:cNvPr>
+            <p:cNvPicPr>
+              <a:picLocks noChangeAspect="1"/>
+            </p:cNvPicPr>
+            <p:nvPr/>
+          </p:nvPicPr>
+          <p:blipFill rotWithShape="1">
+            <a:blip r:embed="rId4">
+              <a:duotone>
+                <a:prstClr val="black"/>
+                <a:srgbClr val="FF0000">
+                  <a:tint val="45000"/>
+                  <a:satMod val="400000"/>
+                </a:srgbClr>
+              </a:duotone>
+              <a:extLst>
+                <a:ext uri="{28A0092B-C50C-407E-A947-70E740481C1C}">
+                  <a14:useLocalDpi xmlns:a14="http://schemas.microsoft.com/office/drawing/2010/main" val="0"/>
+                </a:ext>
+              </a:extLst>
+            </a:blip>
+            <a:srcRect l="53065" t="6374" r="41247" b="72099"/>
+            <a:stretch/>
+          </p:blipFill>
+          <p:spPr>
+            <a:xfrm>
+              <a:off x="4478745" y="4022337"/>
+              <a:ext cx="404811" cy="951527"/>
+            </a:xfrm>
+            <a:prstGeom prst="rect">
+              <a:avLst/>
+            </a:prstGeom>
+          </p:spPr>
+        </p:pic>
+        <p:pic>
+          <p:nvPicPr>
+            <p:cNvPr id="19" name="Picture 18">
+              <a:extLst>
+                <a:ext uri="{FF2B5EF4-FFF2-40B4-BE49-F238E27FC236}">
+                  <a16:creationId xmlns:a16="http://schemas.microsoft.com/office/drawing/2014/main" id="{D5EECA9C-AF40-4F40-A7F5-6C43BE6FEB7E}"/>
+                </a:ext>
+              </a:extLst>
+            </p:cNvPr>
+            <p:cNvPicPr>
+              <a:picLocks noChangeAspect="1"/>
+            </p:cNvPicPr>
+            <p:nvPr/>
+          </p:nvPicPr>
+          <p:blipFill rotWithShape="1">
+            <a:blip r:embed="rId4">
+              <a:duotone>
+                <a:prstClr val="black"/>
+                <a:schemeClr val="accent6">
+                  <a:lumMod val="60000"/>
+                  <a:lumOff val="40000"/>
+                  <a:tint val="45000"/>
+                  <a:satMod val="400000"/>
+                </a:schemeClr>
+              </a:duotone>
+              <a:extLst>
+                <a:ext uri="{28A0092B-C50C-407E-A947-70E740481C1C}">
+                  <a14:useLocalDpi xmlns:a14="http://schemas.microsoft.com/office/drawing/2010/main" val="0"/>
+                </a:ext>
+              </a:extLst>
+            </a:blip>
+            <a:srcRect l="29936" t="4876" r="64066" b="71646"/>
+            <a:stretch/>
+          </p:blipFill>
+          <p:spPr>
+            <a:xfrm>
+              <a:off x="7829520" y="3642017"/>
+              <a:ext cx="423864" cy="1028662"/>
+            </a:xfrm>
+            <a:prstGeom prst="rect">
+              <a:avLst/>
+            </a:prstGeom>
+          </p:spPr>
+        </p:pic>
+        <p:pic>
+          <p:nvPicPr>
+            <p:cNvPr id="20" name="Picture 19">
+              <a:extLst>
+                <a:ext uri="{FF2B5EF4-FFF2-40B4-BE49-F238E27FC236}">
+                  <a16:creationId xmlns:a16="http://schemas.microsoft.com/office/drawing/2014/main" id="{BA2D4956-59FA-4BB0-AC83-FBD5916DE624}"/>
+                </a:ext>
+              </a:extLst>
+            </p:cNvPr>
+            <p:cNvPicPr>
+              <a:picLocks noChangeAspect="1"/>
+            </p:cNvPicPr>
+            <p:nvPr/>
+          </p:nvPicPr>
+          <p:blipFill rotWithShape="1">
+            <a:blip r:embed="rId4">
+              <a:duotone>
+                <a:prstClr val="black"/>
+                <a:schemeClr val="accent6">
+                  <a:lumMod val="60000"/>
+                  <a:lumOff val="40000"/>
+                  <a:tint val="45000"/>
+                  <a:satMod val="400000"/>
+                </a:schemeClr>
+              </a:duotone>
+              <a:extLst>
+                <a:ext uri="{28A0092B-C50C-407E-A947-70E740481C1C}">
+                  <a14:useLocalDpi xmlns:a14="http://schemas.microsoft.com/office/drawing/2010/main" val="0"/>
+                </a:ext>
+              </a:extLst>
+            </a:blip>
+            <a:srcRect l="53065" t="6374" r="41247" b="72099"/>
+            <a:stretch/>
+          </p:blipFill>
+          <p:spPr>
+            <a:xfrm>
+              <a:off x="8243859" y="3702196"/>
+              <a:ext cx="404811" cy="951527"/>
+            </a:xfrm>
+            <a:prstGeom prst="rect">
+              <a:avLst/>
+            </a:prstGeom>
+          </p:spPr>
+        </p:pic>
+        <p:pic>
+          <p:nvPicPr>
+            <p:cNvPr id="21" name="Picture 20">
+              <a:extLst>
+                <a:ext uri="{FF2B5EF4-FFF2-40B4-BE49-F238E27FC236}">
+                  <a16:creationId xmlns:a16="http://schemas.microsoft.com/office/drawing/2014/main" id="{66C5A5D8-5F6D-4AAD-BB47-3CC0D6BC3A6A}"/>
+                </a:ext>
+              </a:extLst>
+            </p:cNvPr>
+            <p:cNvPicPr>
+              <a:picLocks noChangeAspect="1"/>
+            </p:cNvPicPr>
+            <p:nvPr/>
+          </p:nvPicPr>
+          <p:blipFill rotWithShape="1">
+            <a:blip r:embed="rId4">
+              <a:duotone>
+                <a:prstClr val="black"/>
+                <a:schemeClr val="accent6">
+                  <a:lumMod val="60000"/>
+                  <a:lumOff val="40000"/>
+                  <a:tint val="45000"/>
+                  <a:satMod val="400000"/>
+                </a:schemeClr>
+              </a:duotone>
+              <a:extLst>
+                <a:ext uri="{28A0092B-C50C-407E-A947-70E740481C1C}">
+                  <a14:useLocalDpi xmlns:a14="http://schemas.microsoft.com/office/drawing/2010/main" val="0"/>
+                </a:ext>
+              </a:extLst>
+            </a:blip>
+            <a:srcRect l="24352" t="29140" r="70270" b="50452"/>
+            <a:stretch/>
+          </p:blipFill>
+          <p:spPr>
+            <a:xfrm>
+              <a:off x="7422408" y="3812484"/>
+              <a:ext cx="376239" cy="886770"/>
+            </a:xfrm>
+            <a:prstGeom prst="rect">
+              <a:avLst/>
+            </a:prstGeom>
+          </p:spPr>
+        </p:pic>
+        <p:pic>
+          <p:nvPicPr>
+            <p:cNvPr id="22" name="Picture 21">
+              <a:extLst>
+                <a:ext uri="{FF2B5EF4-FFF2-40B4-BE49-F238E27FC236}">
+                  <a16:creationId xmlns:a16="http://schemas.microsoft.com/office/drawing/2014/main" id="{9AE1449F-E512-4B91-A061-A1A972CA1D19}"/>
+                </a:ext>
+              </a:extLst>
+            </p:cNvPr>
+            <p:cNvPicPr>
+              <a:picLocks noChangeAspect="1"/>
+            </p:cNvPicPr>
+            <p:nvPr/>
+          </p:nvPicPr>
+          <p:blipFill rotWithShape="1">
+            <a:blip r:embed="rId4">
+              <a:duotone>
+                <a:prstClr val="black"/>
+                <a:schemeClr val="accent6">
+                  <a:lumMod val="60000"/>
+                  <a:lumOff val="40000"/>
+                  <a:tint val="45000"/>
+                  <a:satMod val="400000"/>
+                </a:schemeClr>
+              </a:duotone>
+              <a:extLst>
+                <a:ext uri="{28A0092B-C50C-407E-A947-70E740481C1C}">
+                  <a14:useLocalDpi xmlns:a14="http://schemas.microsoft.com/office/drawing/2010/main" val="0"/>
+                </a:ext>
+              </a:extLst>
+            </a:blip>
+            <a:srcRect l="69896" t="48548" r="23588" b="31327"/>
+            <a:stretch/>
+          </p:blipFill>
+          <p:spPr>
+            <a:xfrm>
+              <a:off x="7986520" y="4156348"/>
+              <a:ext cx="452931" cy="868908"/>
+            </a:xfrm>
+            <a:prstGeom prst="rect">
+              <a:avLst/>
+            </a:prstGeom>
+          </p:spPr>
+        </p:pic>
+        <p:pic>
+          <p:nvPicPr>
+            <p:cNvPr id="23" name="Picture 22">
+              <a:extLst>
+                <a:ext uri="{FF2B5EF4-FFF2-40B4-BE49-F238E27FC236}">
+                  <a16:creationId xmlns:a16="http://schemas.microsoft.com/office/drawing/2014/main" id="{6177C58A-D87A-495A-8672-270402A2A4AA}"/>
+                </a:ext>
+              </a:extLst>
+            </p:cNvPr>
+            <p:cNvPicPr>
+              <a:picLocks noChangeAspect="1"/>
+            </p:cNvPicPr>
+            <p:nvPr/>
+          </p:nvPicPr>
+          <p:blipFill rotWithShape="1">
+            <a:blip r:embed="rId4">
+              <a:duotone>
+                <a:prstClr val="black"/>
+                <a:schemeClr val="accent6">
+                  <a:lumMod val="60000"/>
+                  <a:lumOff val="40000"/>
+                  <a:tint val="45000"/>
+                  <a:satMod val="400000"/>
+                </a:schemeClr>
+              </a:duotone>
+              <a:extLst>
+                <a:ext uri="{28A0092B-C50C-407E-A947-70E740481C1C}">
+                  <a14:useLocalDpi xmlns:a14="http://schemas.microsoft.com/office/drawing/2010/main" val="0"/>
+                </a:ext>
+              </a:extLst>
+            </a:blip>
+            <a:srcRect l="29936" t="4876" r="64066" b="71646"/>
+            <a:stretch/>
+          </p:blipFill>
+          <p:spPr>
+            <a:xfrm>
+              <a:off x="8648670" y="3642017"/>
+              <a:ext cx="423864" cy="1028662"/>
+            </a:xfrm>
+            <a:prstGeom prst="rect">
+              <a:avLst/>
+            </a:prstGeom>
+          </p:spPr>
+        </p:pic>
+        <p:pic>
+          <p:nvPicPr>
+            <p:cNvPr id="25" name="Picture 24">
+              <a:extLst>
+                <a:ext uri="{FF2B5EF4-FFF2-40B4-BE49-F238E27FC236}">
+                  <a16:creationId xmlns:a16="http://schemas.microsoft.com/office/drawing/2014/main" id="{35D38012-80A6-4062-AE39-A777B0BEC04B}"/>
+                </a:ext>
+              </a:extLst>
+            </p:cNvPr>
+            <p:cNvPicPr>
+              <a:picLocks noChangeAspect="1"/>
+            </p:cNvPicPr>
+            <p:nvPr/>
+          </p:nvPicPr>
+          <p:blipFill rotWithShape="1">
+            <a:blip r:embed="rId4">
+              <a:duotone>
+                <a:prstClr val="black"/>
+                <a:schemeClr val="accent6">
+                  <a:lumMod val="60000"/>
+                  <a:lumOff val="40000"/>
+                  <a:tint val="45000"/>
+                  <a:satMod val="400000"/>
+                </a:schemeClr>
+              </a:duotone>
+              <a:extLst>
+                <a:ext uri="{28A0092B-C50C-407E-A947-70E740481C1C}">
+                  <a14:useLocalDpi xmlns:a14="http://schemas.microsoft.com/office/drawing/2010/main" val="0"/>
+                </a:ext>
+              </a:extLst>
+            </a:blip>
+            <a:srcRect l="53065" t="6374" r="41247" b="72099"/>
+            <a:stretch/>
+          </p:blipFill>
+          <p:spPr>
+            <a:xfrm>
+              <a:off x="7651581" y="4022337"/>
+              <a:ext cx="404811" cy="951527"/>
+            </a:xfrm>
+            <a:prstGeom prst="rect">
+              <a:avLst/>
+            </a:prstGeom>
+          </p:spPr>
+        </p:pic>
+        <p:pic>
+          <p:nvPicPr>
+            <p:cNvPr id="26" name="Picture 25">
+              <a:extLst>
+                <a:ext uri="{FF2B5EF4-FFF2-40B4-BE49-F238E27FC236}">
+                  <a16:creationId xmlns:a16="http://schemas.microsoft.com/office/drawing/2014/main" id="{6EF34A72-C7F7-43BB-AEF0-DF1FFC738560}"/>
+                </a:ext>
+              </a:extLst>
+            </p:cNvPr>
+            <p:cNvPicPr>
+              <a:picLocks noChangeAspect="1"/>
+            </p:cNvPicPr>
+            <p:nvPr/>
+          </p:nvPicPr>
+          <p:blipFill rotWithShape="1">
+            <a:blip r:embed="rId4">
+              <a:duotone>
+                <a:prstClr val="black"/>
+                <a:schemeClr val="accent6">
+                  <a:lumMod val="60000"/>
+                  <a:lumOff val="40000"/>
+                  <a:tint val="45000"/>
+                  <a:satMod val="400000"/>
+                </a:schemeClr>
+              </a:duotone>
+              <a:extLst>
+                <a:ext uri="{28A0092B-C50C-407E-A947-70E740481C1C}">
+                  <a14:useLocalDpi xmlns:a14="http://schemas.microsoft.com/office/drawing/2010/main" val="0"/>
+                </a:ext>
+              </a:extLst>
+            </a:blip>
+            <a:srcRect l="53065" t="6374" r="41247" b="72099"/>
+            <a:stretch/>
+          </p:blipFill>
+          <p:spPr>
+            <a:xfrm>
+              <a:off x="8435732" y="4022337"/>
+              <a:ext cx="404811" cy="951527"/>
+            </a:xfrm>
+            <a:prstGeom prst="rect">
+              <a:avLst/>
+            </a:prstGeom>
+          </p:spPr>
+        </p:pic>
+        <p:sp>
+          <p:nvSpPr>
+            <p:cNvPr id="5" name="Rectangle 4">
+              <a:extLst>
+                <a:ext uri="{FF2B5EF4-FFF2-40B4-BE49-F238E27FC236}">
+                  <a16:creationId xmlns:a16="http://schemas.microsoft.com/office/drawing/2014/main" id="{D4CB9234-D470-4EE3-A8C6-8B01A65528B8}"/>
+                </a:ext>
+              </a:extLst>
+            </p:cNvPr>
+            <p:cNvSpPr/>
+            <p:nvPr/>
+          </p:nvSpPr>
+          <p:spPr>
+            <a:xfrm>
+              <a:off x="4000500" y="3642017"/>
+              <a:ext cx="5391150" cy="1383239"/>
+            </a:xfrm>
+            <a:prstGeom prst="rect">
+              <a:avLst/>
+            </a:prstGeom>
+            <a:noFill/>
+          </p:spPr>
+          <p:style>
+            <a:lnRef idx="2">
+              <a:schemeClr val="accent1">
+                <a:shade val="50000"/>
+              </a:schemeClr>
+            </a:lnRef>
+            <a:fillRef idx="1">
+              <a:schemeClr val="accent1"/>
+            </a:fillRef>
+            <a:effectRef idx="0">
+              <a:schemeClr val="accent1"/>
+            </a:effectRef>
+            <a:fontRef idx="minor">
+              <a:schemeClr val="lt1"/>
+            </a:fontRef>
+          </p:style>
+          <p:txBody>
+            <a:bodyPr rtlCol="0" anchor="ctr"/>
+            <a:lstStyle/>
+            <a:p>
+              <a:pPr algn="ctr"/>
+              <a:endParaRPr lang="en-GB"/>
+            </a:p>
+          </p:txBody>
+        </p:sp>
+      </p:grpSp>
+    </p:spTree>
+    <p:extLst>
+      <p:ext uri="{BB962C8B-B14F-4D97-AF65-F5344CB8AC3E}">
+        <p14:creationId xmlns:p14="http://schemas.microsoft.com/office/powerpoint/2010/main" val="829145627"/>
+      </p:ext>
+    </p:extLst>
+  </p:cSld>
+  <p:clrMapOvr>
+    <a:masterClrMapping/>
+  </p:clrMapOvr>
+</p:sld>
+</file>
+
+<file path=ppt/slides/slide11.xml><?xml version="1.0" encoding="utf-8"?>
 <p:sld xmlns:a="http://schemas.openxmlformats.org/drawingml/2006/main" xmlns:r="http://schemas.openxmlformats.org/officeDocument/2006/relationships" xmlns:p="http://schemas.openxmlformats.org/presentationml/2006/main">
   <p:cSld>
     <p:spTree>
@@ -25797,7 +27397,7 @@
 </p:sld>
 </file>
 
-<file path=ppt/slides/slide11.xml><?xml version="1.0" encoding="utf-8"?>
+<file path=ppt/slides/slide12.xml><?xml version="1.0" encoding="utf-8"?>
 <p:sld xmlns:a="http://schemas.openxmlformats.org/drawingml/2006/main" xmlns:r="http://schemas.openxmlformats.org/officeDocument/2006/relationships" xmlns:p="http://schemas.openxmlformats.org/presentationml/2006/main">
   <p:cSld>
     <p:spTree>
@@ -27813,7 +29413,7 @@
 </p:sld>
 </file>
 
-<file path=ppt/slides/slide12.xml><?xml version="1.0" encoding="utf-8"?>
+<file path=ppt/slides/slide13.xml><?xml version="1.0" encoding="utf-8"?>
 <p:sld xmlns:a="http://schemas.openxmlformats.org/drawingml/2006/main" xmlns:r="http://schemas.openxmlformats.org/officeDocument/2006/relationships" xmlns:p="http://schemas.openxmlformats.org/presentationml/2006/main">
   <p:cSld>
     <p:spTree>
@@ -29998,7 +31598,7 @@
 </p:sld>
 </file>
 
-<file path=ppt/slides/slide13.xml><?xml version="1.0" encoding="utf-8"?>
+<file path=ppt/slides/slide14.xml><?xml version="1.0" encoding="utf-8"?>
 <p:sld xmlns:a="http://schemas.openxmlformats.org/drawingml/2006/main" xmlns:r="http://schemas.openxmlformats.org/officeDocument/2006/relationships" xmlns:p="http://schemas.openxmlformats.org/presentationml/2006/main">
   <p:cSld>
     <p:spTree>
@@ -30075,7 +31675,7 @@
 </p:sld>
 </file>
 
-<file path=ppt/slides/slide14.xml><?xml version="1.0" encoding="utf-8"?>
+<file path=ppt/slides/slide15.xml><?xml version="1.0" encoding="utf-8"?>
 <p:sld xmlns:a="http://schemas.openxmlformats.org/drawingml/2006/main" xmlns:r="http://schemas.openxmlformats.org/officeDocument/2006/relationships" xmlns:p="http://schemas.openxmlformats.org/presentationml/2006/main">
   <p:cSld>
     <p:spTree>
@@ -31919,7 +33519,7 @@
 </p:sld>
 </file>
 
-<file path=ppt/slides/slide15.xml><?xml version="1.0" encoding="utf-8"?>
+<file path=ppt/slides/slide16.xml><?xml version="1.0" encoding="utf-8"?>
 <p:sld xmlns:a="http://schemas.openxmlformats.org/drawingml/2006/main" xmlns:r="http://schemas.openxmlformats.org/officeDocument/2006/relationships" xmlns:p="http://schemas.openxmlformats.org/presentationml/2006/main">
   <p:cSld>
     <p:spTree>
@@ -35312,7 +36912,7 @@
 </p:sld>
 </file>
 
-<file path=ppt/slides/slide16.xml><?xml version="1.0" encoding="utf-8"?>
+<file path=ppt/slides/slide17.xml><?xml version="1.0" encoding="utf-8"?>
 <p:sld xmlns:a="http://schemas.openxmlformats.org/drawingml/2006/main" xmlns:r="http://schemas.openxmlformats.org/officeDocument/2006/relationships" xmlns:p="http://schemas.openxmlformats.org/presentationml/2006/main">
   <p:cSld>
     <p:spTree>
@@ -35499,7 +37099,7 @@
 </p:sld>
 </file>
 
-<file path=ppt/slides/slide17.xml><?xml version="1.0" encoding="utf-8"?>
+<file path=ppt/slides/slide18.xml><?xml version="1.0" encoding="utf-8"?>
 <p:sld xmlns:a="http://schemas.openxmlformats.org/drawingml/2006/main" xmlns:r="http://schemas.openxmlformats.org/officeDocument/2006/relationships" xmlns:p="http://schemas.openxmlformats.org/presentationml/2006/main">
   <p:cSld>
     <p:spTree>
@@ -39302,7 +40902,7 @@
 </p:sld>
 </file>
 
-<file path=ppt/slides/slide18.xml><?xml version="1.0" encoding="utf-8"?>
+<file path=ppt/slides/slide19.xml><?xml version="1.0" encoding="utf-8"?>
 <p:sld xmlns:a="http://schemas.openxmlformats.org/drawingml/2006/main" xmlns:r="http://schemas.openxmlformats.org/officeDocument/2006/relationships" xmlns:p="http://schemas.openxmlformats.org/presentationml/2006/main">
   <p:cSld>
     <p:spTree>
@@ -43091,7 +44691,941 @@
 </p:sld>
 </file>
 
-<file path=ppt/slides/slide19.xml><?xml version="1.0" encoding="utf-8"?>
+<file path=ppt/slides/slide2.xml><?xml version="1.0" encoding="utf-8"?>
+<p:sld xmlns:a="http://schemas.openxmlformats.org/drawingml/2006/main" xmlns:r="http://schemas.openxmlformats.org/officeDocument/2006/relationships" xmlns:p="http://schemas.openxmlformats.org/presentationml/2006/main">
+  <p:cSld>
+    <p:spTree>
+      <p:nvGrpSpPr>
+        <p:cNvPr id="1" name=""/>
+        <p:cNvGrpSpPr/>
+        <p:nvPr/>
+      </p:nvGrpSpPr>
+      <p:grpSpPr>
+        <a:xfrm>
+          <a:off x="0" y="0"/>
+          <a:ext cx="0" cy="0"/>
+          <a:chOff x="0" y="0"/>
+          <a:chExt cx="0" cy="0"/>
+        </a:xfrm>
+      </p:grpSpPr>
+      <p:sp>
+        <p:nvSpPr>
+          <p:cNvPr id="13" name="Rectangle 12"/>
+          <p:cNvSpPr>
+            <a:spLocks noGrp="1" noRot="1" noChangeAspect="1" noMove="1" noResize="1" noEditPoints="1" noAdjustHandles="1" noChangeArrowheads="1" noChangeShapeType="1" noTextEdit="1"/>
+          </p:cNvSpPr>
+          <p:nvPr>
+            <p:extLst>
+              <p:ext uri="{386F3935-93C4-4BCD-93E2-E3B085C9AB24}">
+                <p16:designElem xmlns:p16="http://schemas.microsoft.com/office/powerpoint/2015/main" val="1"/>
+              </p:ext>
+            </p:extLst>
+          </p:nvPr>
+        </p:nvSpPr>
+        <p:spPr bwMode="white">
+          <a:xfrm>
+            <a:off x="0" y="0"/>
+            <a:ext cx="12192000" cy="6858000"/>
+          </a:xfrm>
+          <a:prstGeom prst="rect">
+            <a:avLst/>
+          </a:prstGeom>
+          <a:solidFill>
+            <a:schemeClr val="bg1"/>
+          </a:solidFill>
+          <a:ln>
+            <a:noFill/>
+          </a:ln>
+          <a:effectLst/>
+        </p:spPr>
+      </p:sp>
+      <p:sp>
+        <p:nvSpPr>
+          <p:cNvPr id="15" name="Rectangle 14"/>
+          <p:cNvSpPr>
+            <a:spLocks noGrp="1" noRot="1" noChangeAspect="1" noMove="1" noResize="1" noEditPoints="1" noAdjustHandles="1" noChangeArrowheads="1" noChangeShapeType="1" noTextEdit="1"/>
+          </p:cNvSpPr>
+          <p:nvPr>
+            <p:extLst>
+              <p:ext uri="{386F3935-93C4-4BCD-93E2-E3B085C9AB24}">
+                <p16:designElem xmlns:p16="http://schemas.microsoft.com/office/powerpoint/2015/main" val="1"/>
+              </p:ext>
+            </p:extLst>
+          </p:nvPr>
+        </p:nvSpPr>
+        <p:spPr>
+          <a:xfrm>
+            <a:off x="1" y="758952"/>
+            <a:ext cx="3443590" cy="5330952"/>
+          </a:xfrm>
+          <a:prstGeom prst="rect">
+            <a:avLst/>
+          </a:prstGeom>
+          <a:solidFill>
+            <a:schemeClr val="accent1"/>
+          </a:solidFill>
+          <a:ln>
+            <a:noFill/>
+          </a:ln>
+        </p:spPr>
+        <p:style>
+          <a:lnRef idx="2">
+            <a:schemeClr val="accent1">
+              <a:shade val="50000"/>
+            </a:schemeClr>
+          </a:lnRef>
+          <a:fillRef idx="1">
+            <a:schemeClr val="accent1"/>
+          </a:fillRef>
+          <a:effectRef idx="0">
+            <a:schemeClr val="accent1"/>
+          </a:effectRef>
+          <a:fontRef idx="minor">
+            <a:schemeClr val="lt1"/>
+          </a:fontRef>
+        </p:style>
+      </p:sp>
+      <p:sp>
+        <p:nvSpPr>
+          <p:cNvPr id="17" name="Rectangle 16"/>
+          <p:cNvSpPr>
+            <a:spLocks noGrp="1" noRot="1" noChangeAspect="1" noMove="1" noResize="1" noEditPoints="1" noAdjustHandles="1" noChangeArrowheads="1" noChangeShapeType="1" noTextEdit="1"/>
+          </p:cNvSpPr>
+          <p:nvPr>
+            <p:extLst>
+              <p:ext uri="{386F3935-93C4-4BCD-93E2-E3B085C9AB24}">
+                <p16:designElem xmlns:p16="http://schemas.microsoft.com/office/powerpoint/2015/main" val="1"/>
+              </p:ext>
+            </p:extLst>
+          </p:nvPr>
+        </p:nvSpPr>
+        <p:spPr>
+          <a:xfrm>
+            <a:off x="11815864" y="758952"/>
+            <a:ext cx="384048" cy="5330952"/>
+          </a:xfrm>
+          <a:prstGeom prst="rect">
+            <a:avLst/>
+          </a:prstGeom>
+          <a:solidFill>
+            <a:srgbClr val="C8C8C8">
+              <a:alpha val="49804"/>
+            </a:srgbClr>
+          </a:solidFill>
+          <a:ln>
+            <a:noFill/>
+          </a:ln>
+        </p:spPr>
+        <p:style>
+          <a:lnRef idx="2">
+            <a:schemeClr val="accent1">
+              <a:shade val="50000"/>
+            </a:schemeClr>
+          </a:lnRef>
+          <a:fillRef idx="1">
+            <a:schemeClr val="accent1"/>
+          </a:fillRef>
+          <a:effectRef idx="0">
+            <a:schemeClr val="accent1"/>
+          </a:effectRef>
+          <a:fontRef idx="minor">
+            <a:schemeClr val="lt1"/>
+          </a:fontRef>
+        </p:style>
+      </p:sp>
+      <p:sp>
+        <p:nvSpPr>
+          <p:cNvPr id="4" name="Title 3">
+            <a:extLst>
+              <a:ext uri="{FF2B5EF4-FFF2-40B4-BE49-F238E27FC236}">
+                <a16:creationId xmlns:a16="http://schemas.microsoft.com/office/drawing/2014/main" id="{7ADD91E4-27B8-4A16-B7FF-80B133C2B5C2}"/>
+              </a:ext>
+            </a:extLst>
+          </p:cNvPr>
+          <p:cNvSpPr>
+            <a:spLocks noGrp="1"/>
+          </p:cNvSpPr>
+          <p:nvPr>
+            <p:ph type="title"/>
+          </p:nvPr>
+        </p:nvSpPr>
+        <p:spPr>
+          <a:xfrm>
+            <a:off x="252919" y="1123837"/>
+            <a:ext cx="2947482" cy="1283461"/>
+          </a:xfrm>
+        </p:spPr>
+        <p:txBody>
+          <a:bodyPr vert="horz" lIns="91440" tIns="45720" rIns="91440" bIns="45720" rtlCol="0" anchor="b">
+            <a:normAutofit/>
+          </a:bodyPr>
+          <a:lstStyle/>
+          <a:p>
+            <a:r>
+              <a:rPr lang="en-US" sz="2400" dirty="0"/>
+              <a:t>Who we are</a:t>
+            </a:r>
+          </a:p>
+        </p:txBody>
+      </p:sp>
+      <p:sp>
+        <p:nvSpPr>
+          <p:cNvPr id="6" name="Text Placeholder 5">
+            <a:extLst>
+              <a:ext uri="{FF2B5EF4-FFF2-40B4-BE49-F238E27FC236}">
+                <a16:creationId xmlns:a16="http://schemas.microsoft.com/office/drawing/2014/main" id="{4DC15765-CAFD-4702-9836-6CB6EB861F51}"/>
+              </a:ext>
+            </a:extLst>
+          </p:cNvPr>
+          <p:cNvSpPr>
+            <a:spLocks noGrp="1"/>
+          </p:cNvSpPr>
+          <p:nvPr>
+            <p:ph type="body" sz="half" idx="2"/>
+          </p:nvPr>
+        </p:nvSpPr>
+        <p:spPr>
+          <a:xfrm>
+            <a:off x="84969" y="2743200"/>
+            <a:ext cx="2947482" cy="3346703"/>
+          </a:xfrm>
+        </p:spPr>
+        <p:txBody>
+          <a:bodyPr vert="horz" lIns="91440" tIns="45720" rIns="91440" bIns="45720" rtlCol="0" anchor="t">
+            <a:normAutofit/>
+          </a:bodyPr>
+          <a:lstStyle/>
+          <a:p>
+            <a:pPr indent="-182880">
+              <a:buFont typeface="Wingdings 2" pitchFamily="18" charset="2"/>
+              <a:buChar char=""/>
+            </a:pPr>
+            <a:endParaRPr lang="en-US" sz="1600" dirty="0">
+              <a:solidFill>
+                <a:schemeClr val="bg1"/>
+              </a:solidFill>
+            </a:endParaRPr>
+          </a:p>
+          <a:p>
+            <a:pPr indent="-182880">
+              <a:buFont typeface="Wingdings 2" pitchFamily="18" charset="2"/>
+              <a:buChar char=""/>
+            </a:pPr>
+            <a:r>
+              <a:rPr lang="en-US" sz="1600" b="1" dirty="0">
+                <a:solidFill>
+                  <a:schemeClr val="bg1"/>
+                </a:solidFill>
+              </a:rPr>
+              <a:t>Orders Management</a:t>
+            </a:r>
+          </a:p>
+          <a:p>
+            <a:pPr indent="-182880">
+              <a:buFont typeface="Wingdings 2" pitchFamily="18" charset="2"/>
+              <a:buChar char=""/>
+            </a:pPr>
+            <a:r>
+              <a:rPr lang="en-US" sz="1200" dirty="0">
+                <a:solidFill>
+                  <a:schemeClr val="bg1"/>
+                </a:solidFill>
+              </a:rPr>
+              <a:t>Pablo Rodriguez </a:t>
+            </a:r>
+          </a:p>
+          <a:p>
+            <a:pPr indent="-182880">
+              <a:buFont typeface="Wingdings 2" pitchFamily="18" charset="2"/>
+              <a:buChar char=""/>
+            </a:pPr>
+            <a:r>
+              <a:rPr lang="en-US" sz="1200" dirty="0">
+                <a:solidFill>
+                  <a:schemeClr val="bg1"/>
+                </a:solidFill>
+              </a:rPr>
+              <a:t>Lewis Jackson</a:t>
+            </a:r>
+          </a:p>
+        </p:txBody>
+      </p:sp>
+      <p:pic>
+        <p:nvPicPr>
+          <p:cNvPr id="1026" name="Picture 2" descr="https://cdn2.iconfinder.com/data/icons/picons-basic-2/57/basic2-011_shopping_cart-512.png">
+            <a:extLst>
+              <a:ext uri="{FF2B5EF4-FFF2-40B4-BE49-F238E27FC236}">
+                <a16:creationId xmlns:a16="http://schemas.microsoft.com/office/drawing/2014/main" id="{93957B2D-D1CC-4BBD-870F-364D7CEBB82C}"/>
+              </a:ext>
+            </a:extLst>
+          </p:cNvPr>
+          <p:cNvPicPr>
+            <a:picLocks noChangeAspect="1" noChangeArrowheads="1"/>
+          </p:cNvPicPr>
+          <p:nvPr/>
+        </p:nvPicPr>
+        <p:blipFill>
+          <a:blip r:embed="rId3" cstate="print">
+            <a:extLst>
+              <a:ext uri="{28A0092B-C50C-407E-A947-70E740481C1C}">
+                <a14:useLocalDpi xmlns:a14="http://schemas.microsoft.com/office/drawing/2010/main" val="0"/>
+              </a:ext>
+            </a:extLst>
+          </a:blip>
+          <a:srcRect/>
+          <a:stretch>
+            <a:fillRect/>
+          </a:stretch>
+        </p:blipFill>
+        <p:spPr bwMode="auto">
+          <a:xfrm>
+            <a:off x="3732679" y="3123507"/>
+            <a:ext cx="601842" cy="601842"/>
+          </a:xfrm>
+          <a:prstGeom prst="rect">
+            <a:avLst/>
+          </a:prstGeom>
+          <a:noFill/>
+          <a:extLst>
+            <a:ext uri="{909E8E84-426E-40DD-AFC4-6F175D3DCCD1}">
+              <a14:hiddenFill xmlns:a14="http://schemas.microsoft.com/office/drawing/2010/main">
+                <a:solidFill>
+                  <a:srgbClr val="FFFFFF"/>
+                </a:solidFill>
+              </a14:hiddenFill>
+            </a:ext>
+          </a:extLst>
+        </p:spPr>
+      </p:pic>
+      <p:pic>
+        <p:nvPicPr>
+          <p:cNvPr id="1028" name="Picture 4" descr="https://cdn2.iconfinder.com/data/icons/picons-essentials/71/mobile-512.png">
+            <a:extLst>
+              <a:ext uri="{FF2B5EF4-FFF2-40B4-BE49-F238E27FC236}">
+                <a16:creationId xmlns:a16="http://schemas.microsoft.com/office/drawing/2014/main" id="{7982D27E-0A33-47F1-92A5-C5DA1EF52C97}"/>
+              </a:ext>
+            </a:extLst>
+          </p:cNvPr>
+          <p:cNvPicPr>
+            <a:picLocks noChangeAspect="1" noChangeArrowheads="1"/>
+          </p:cNvPicPr>
+          <p:nvPr/>
+        </p:nvPicPr>
+        <p:blipFill>
+          <a:blip r:embed="rId4" cstate="print">
+            <a:extLst>
+              <a:ext uri="{28A0092B-C50C-407E-A947-70E740481C1C}">
+                <a14:useLocalDpi xmlns:a14="http://schemas.microsoft.com/office/drawing/2010/main" val="0"/>
+              </a:ext>
+            </a:extLst>
+          </a:blip>
+          <a:srcRect/>
+          <a:stretch>
+            <a:fillRect/>
+          </a:stretch>
+        </p:blipFill>
+        <p:spPr bwMode="auto">
+          <a:xfrm>
+            <a:off x="3750139" y="2455698"/>
+            <a:ext cx="643599" cy="516639"/>
+          </a:xfrm>
+          <a:prstGeom prst="rect">
+            <a:avLst/>
+          </a:prstGeom>
+          <a:noFill/>
+          <a:extLst>
+            <a:ext uri="{909E8E84-426E-40DD-AFC4-6F175D3DCCD1}">
+              <a14:hiddenFill xmlns:a14="http://schemas.microsoft.com/office/drawing/2010/main">
+                <a:solidFill>
+                  <a:srgbClr val="FFFFFF"/>
+                </a:solidFill>
+              </a14:hiddenFill>
+            </a:ext>
+          </a:extLst>
+        </p:spPr>
+      </p:pic>
+      <p:sp>
+        <p:nvSpPr>
+          <p:cNvPr id="11" name="Arrow: Down 10">
+            <a:extLst>
+              <a:ext uri="{FF2B5EF4-FFF2-40B4-BE49-F238E27FC236}">
+                <a16:creationId xmlns:a16="http://schemas.microsoft.com/office/drawing/2014/main" id="{AD5A4714-2EE0-4CE5-BEB2-E7F3EDA42F63}"/>
+              </a:ext>
+            </a:extLst>
+          </p:cNvPr>
+          <p:cNvSpPr/>
+          <p:nvPr/>
+        </p:nvSpPr>
+        <p:spPr>
+          <a:xfrm rot="16200000">
+            <a:off x="4607220" y="2978589"/>
+            <a:ext cx="382566" cy="243378"/>
+          </a:xfrm>
+          <a:prstGeom prst="downArrow">
+            <a:avLst/>
+          </a:prstGeom>
+        </p:spPr>
+        <p:style>
+          <a:lnRef idx="2">
+            <a:schemeClr val="accent1">
+              <a:shade val="50000"/>
+            </a:schemeClr>
+          </a:lnRef>
+          <a:fillRef idx="1">
+            <a:schemeClr val="accent1"/>
+          </a:fillRef>
+          <a:effectRef idx="0">
+            <a:schemeClr val="accent1"/>
+          </a:effectRef>
+          <a:fontRef idx="minor">
+            <a:schemeClr val="lt1"/>
+          </a:fontRef>
+        </p:style>
+        <p:txBody>
+          <a:bodyPr rtlCol="0" anchor="ctr"/>
+          <a:lstStyle/>
+          <a:p>
+            <a:pPr algn="ctr"/>
+            <a:endParaRPr lang="en-GB"/>
+          </a:p>
+        </p:txBody>
+      </p:sp>
+      <p:sp>
+        <p:nvSpPr>
+          <p:cNvPr id="12" name="Rectangle 11">
+            <a:extLst>
+              <a:ext uri="{FF2B5EF4-FFF2-40B4-BE49-F238E27FC236}">
+                <a16:creationId xmlns:a16="http://schemas.microsoft.com/office/drawing/2014/main" id="{0EBDA813-56B2-43DB-B6BF-DEC798B1DC6D}"/>
+              </a:ext>
+            </a:extLst>
+          </p:cNvPr>
+          <p:cNvSpPr/>
+          <p:nvPr/>
+        </p:nvSpPr>
+        <p:spPr>
+          <a:xfrm>
+            <a:off x="3686781" y="2339560"/>
+            <a:ext cx="779445" cy="1622839"/>
+          </a:xfrm>
+          <a:prstGeom prst="rect">
+            <a:avLst/>
+          </a:prstGeom>
+          <a:noFill/>
+        </p:spPr>
+        <p:style>
+          <a:lnRef idx="2">
+            <a:schemeClr val="accent1">
+              <a:shade val="50000"/>
+            </a:schemeClr>
+          </a:lnRef>
+          <a:fillRef idx="1">
+            <a:schemeClr val="accent1"/>
+          </a:fillRef>
+          <a:effectRef idx="0">
+            <a:schemeClr val="accent1"/>
+          </a:effectRef>
+          <a:fontRef idx="minor">
+            <a:schemeClr val="lt1"/>
+          </a:fontRef>
+        </p:style>
+        <p:txBody>
+          <a:bodyPr rtlCol="0" anchor="ctr"/>
+          <a:lstStyle/>
+          <a:p>
+            <a:pPr algn="ctr"/>
+            <a:endParaRPr lang="en-GB"/>
+          </a:p>
+        </p:txBody>
+      </p:sp>
+      <p:sp>
+        <p:nvSpPr>
+          <p:cNvPr id="29" name="Rectangle 28">
+            <a:extLst>
+              <a:ext uri="{FF2B5EF4-FFF2-40B4-BE49-F238E27FC236}">
+                <a16:creationId xmlns:a16="http://schemas.microsoft.com/office/drawing/2014/main" id="{040D8B4A-CA03-4D7A-8953-C7134F110214}"/>
+              </a:ext>
+            </a:extLst>
+          </p:cNvPr>
+          <p:cNvSpPr/>
+          <p:nvPr/>
+        </p:nvSpPr>
+        <p:spPr>
+          <a:xfrm>
+            <a:off x="10131531" y="1266073"/>
+            <a:ext cx="1093569" cy="369332"/>
+          </a:xfrm>
+          <a:prstGeom prst="rect">
+            <a:avLst/>
+          </a:prstGeom>
+        </p:spPr>
+        <p:txBody>
+          <a:bodyPr wrap="none">
+            <a:spAutoFit/>
+          </a:bodyPr>
+          <a:lstStyle/>
+          <a:p>
+            <a:r>
+              <a:rPr lang="en-US" dirty="0">
+                <a:solidFill>
+                  <a:schemeClr val="accent1"/>
+                </a:solidFill>
+              </a:rPr>
+              <a:t>discounts</a:t>
+            </a:r>
+            <a:endParaRPr lang="en-GB" dirty="0">
+              <a:solidFill>
+                <a:schemeClr val="accent1"/>
+              </a:solidFill>
+            </a:endParaRPr>
+          </a:p>
+        </p:txBody>
+      </p:sp>
+      <p:pic>
+        <p:nvPicPr>
+          <p:cNvPr id="18" name="Picture 17">
+            <a:extLst>
+              <a:ext uri="{FF2B5EF4-FFF2-40B4-BE49-F238E27FC236}">
+                <a16:creationId xmlns:a16="http://schemas.microsoft.com/office/drawing/2014/main" id="{58C73F1A-558D-4AA5-A2A9-1856F89B326C}"/>
+              </a:ext>
+            </a:extLst>
+          </p:cNvPr>
+          <p:cNvPicPr>
+            <a:picLocks noChangeAspect="1"/>
+          </p:cNvPicPr>
+          <p:nvPr/>
+        </p:nvPicPr>
+        <p:blipFill>
+          <a:blip r:embed="rId5"/>
+          <a:stretch>
+            <a:fillRect/>
+          </a:stretch>
+        </p:blipFill>
+        <p:spPr>
+          <a:xfrm>
+            <a:off x="5085921" y="125931"/>
+            <a:ext cx="4562904" cy="6409155"/>
+          </a:xfrm>
+          <a:prstGeom prst="rect">
+            <a:avLst/>
+          </a:prstGeom>
+        </p:spPr>
+      </p:pic>
+      <p:sp>
+        <p:nvSpPr>
+          <p:cNvPr id="22" name="Arrow: Down 21">
+            <a:extLst>
+              <a:ext uri="{FF2B5EF4-FFF2-40B4-BE49-F238E27FC236}">
+                <a16:creationId xmlns:a16="http://schemas.microsoft.com/office/drawing/2014/main" id="{6B04C28E-E3FD-49B2-AD3C-390DD3A5BC3F}"/>
+              </a:ext>
+            </a:extLst>
+          </p:cNvPr>
+          <p:cNvSpPr/>
+          <p:nvPr/>
+        </p:nvSpPr>
+        <p:spPr>
+          <a:xfrm rot="16200000">
+            <a:off x="9722552" y="1340245"/>
+            <a:ext cx="382566" cy="243378"/>
+          </a:xfrm>
+          <a:prstGeom prst="downArrow">
+            <a:avLst/>
+          </a:prstGeom>
+        </p:spPr>
+        <p:style>
+          <a:lnRef idx="2">
+            <a:schemeClr val="accent1">
+              <a:shade val="50000"/>
+            </a:schemeClr>
+          </a:lnRef>
+          <a:fillRef idx="1">
+            <a:schemeClr val="accent1"/>
+          </a:fillRef>
+          <a:effectRef idx="0">
+            <a:schemeClr val="accent1"/>
+          </a:effectRef>
+          <a:fontRef idx="minor">
+            <a:schemeClr val="lt1"/>
+          </a:fontRef>
+        </p:style>
+        <p:txBody>
+          <a:bodyPr rtlCol="0" anchor="ctr"/>
+          <a:lstStyle/>
+          <a:p>
+            <a:pPr algn="ctr"/>
+            <a:endParaRPr lang="en-GB"/>
+          </a:p>
+        </p:txBody>
+      </p:sp>
+      <p:sp>
+        <p:nvSpPr>
+          <p:cNvPr id="23" name="Rectangle 22">
+            <a:extLst>
+              <a:ext uri="{FF2B5EF4-FFF2-40B4-BE49-F238E27FC236}">
+                <a16:creationId xmlns:a16="http://schemas.microsoft.com/office/drawing/2014/main" id="{723093A4-27E6-42E2-9550-A0C71C3F2148}"/>
+              </a:ext>
+            </a:extLst>
+          </p:cNvPr>
+          <p:cNvSpPr/>
+          <p:nvPr/>
+        </p:nvSpPr>
+        <p:spPr>
+          <a:xfrm>
+            <a:off x="10108983" y="2465223"/>
+            <a:ext cx="1045479" cy="369332"/>
+          </a:xfrm>
+          <a:prstGeom prst="rect">
+            <a:avLst/>
+          </a:prstGeom>
+        </p:spPr>
+        <p:txBody>
+          <a:bodyPr wrap="none">
+            <a:spAutoFit/>
+          </a:bodyPr>
+          <a:lstStyle/>
+          <a:p>
+            <a:r>
+              <a:rPr lang="en-US" dirty="0">
+                <a:solidFill>
+                  <a:schemeClr val="accent1"/>
+                </a:solidFill>
+              </a:rPr>
+              <a:t>vouchers</a:t>
+            </a:r>
+            <a:endParaRPr lang="en-GB" dirty="0">
+              <a:solidFill>
+                <a:schemeClr val="accent1"/>
+              </a:solidFill>
+            </a:endParaRPr>
+          </a:p>
+        </p:txBody>
+      </p:sp>
+      <p:sp>
+        <p:nvSpPr>
+          <p:cNvPr id="24" name="Arrow: Down 23">
+            <a:extLst>
+              <a:ext uri="{FF2B5EF4-FFF2-40B4-BE49-F238E27FC236}">
+                <a16:creationId xmlns:a16="http://schemas.microsoft.com/office/drawing/2014/main" id="{82394A35-687D-4DDD-BD93-4717497E8822}"/>
+              </a:ext>
+            </a:extLst>
+          </p:cNvPr>
+          <p:cNvSpPr/>
+          <p:nvPr/>
+        </p:nvSpPr>
+        <p:spPr>
+          <a:xfrm rot="16200000">
+            <a:off x="9700004" y="2539395"/>
+            <a:ext cx="382566" cy="243378"/>
+          </a:xfrm>
+          <a:prstGeom prst="downArrow">
+            <a:avLst/>
+          </a:prstGeom>
+        </p:spPr>
+        <p:style>
+          <a:lnRef idx="2">
+            <a:schemeClr val="accent1">
+              <a:shade val="50000"/>
+            </a:schemeClr>
+          </a:lnRef>
+          <a:fillRef idx="1">
+            <a:schemeClr val="accent1"/>
+          </a:fillRef>
+          <a:effectRef idx="0">
+            <a:schemeClr val="accent1"/>
+          </a:effectRef>
+          <a:fontRef idx="minor">
+            <a:schemeClr val="lt1"/>
+          </a:fontRef>
+        </p:style>
+        <p:txBody>
+          <a:bodyPr rtlCol="0" anchor="ctr"/>
+          <a:lstStyle/>
+          <a:p>
+            <a:pPr algn="ctr"/>
+            <a:endParaRPr lang="en-GB"/>
+          </a:p>
+        </p:txBody>
+      </p:sp>
+      <p:sp>
+        <p:nvSpPr>
+          <p:cNvPr id="25" name="Rectangle 24">
+            <a:extLst>
+              <a:ext uri="{FF2B5EF4-FFF2-40B4-BE49-F238E27FC236}">
+                <a16:creationId xmlns:a16="http://schemas.microsoft.com/office/drawing/2014/main" id="{E595EFD2-1FAB-4794-AC53-911C92432270}"/>
+              </a:ext>
+            </a:extLst>
+          </p:cNvPr>
+          <p:cNvSpPr/>
+          <p:nvPr/>
+        </p:nvSpPr>
+        <p:spPr>
+          <a:xfrm>
+            <a:off x="10107874" y="3754807"/>
+            <a:ext cx="1132041" cy="369332"/>
+          </a:xfrm>
+          <a:prstGeom prst="rect">
+            <a:avLst/>
+          </a:prstGeom>
+        </p:spPr>
+        <p:txBody>
+          <a:bodyPr wrap="none">
+            <a:spAutoFit/>
+          </a:bodyPr>
+          <a:lstStyle/>
+          <a:p>
+            <a:r>
+              <a:rPr lang="en-US" dirty="0">
+                <a:solidFill>
+                  <a:schemeClr val="accent1"/>
+                </a:solidFill>
+              </a:rPr>
+              <a:t>payments</a:t>
+            </a:r>
+            <a:endParaRPr lang="en-GB" dirty="0">
+              <a:solidFill>
+                <a:schemeClr val="accent1"/>
+              </a:solidFill>
+            </a:endParaRPr>
+          </a:p>
+        </p:txBody>
+      </p:sp>
+      <p:sp>
+        <p:nvSpPr>
+          <p:cNvPr id="26" name="Arrow: Down 25">
+            <a:extLst>
+              <a:ext uri="{FF2B5EF4-FFF2-40B4-BE49-F238E27FC236}">
+                <a16:creationId xmlns:a16="http://schemas.microsoft.com/office/drawing/2014/main" id="{3C949A05-B299-4D10-B0D3-8368C6EB6B85}"/>
+              </a:ext>
+            </a:extLst>
+          </p:cNvPr>
+          <p:cNvSpPr/>
+          <p:nvPr/>
+        </p:nvSpPr>
+        <p:spPr>
+          <a:xfrm rot="16200000">
+            <a:off x="9698895" y="3828979"/>
+            <a:ext cx="382566" cy="243378"/>
+          </a:xfrm>
+          <a:prstGeom prst="downArrow">
+            <a:avLst/>
+          </a:prstGeom>
+        </p:spPr>
+        <p:style>
+          <a:lnRef idx="2">
+            <a:schemeClr val="accent1">
+              <a:shade val="50000"/>
+            </a:schemeClr>
+          </a:lnRef>
+          <a:fillRef idx="1">
+            <a:schemeClr val="accent1"/>
+          </a:fillRef>
+          <a:effectRef idx="0">
+            <a:schemeClr val="accent1"/>
+          </a:effectRef>
+          <a:fontRef idx="minor">
+            <a:schemeClr val="lt1"/>
+          </a:fontRef>
+        </p:style>
+        <p:txBody>
+          <a:bodyPr rtlCol="0" anchor="ctr"/>
+          <a:lstStyle/>
+          <a:p>
+            <a:pPr algn="ctr"/>
+            <a:endParaRPr lang="en-GB"/>
+          </a:p>
+        </p:txBody>
+      </p:sp>
+      <p:sp>
+        <p:nvSpPr>
+          <p:cNvPr id="27" name="Rectangle 26">
+            <a:extLst>
+              <a:ext uri="{FF2B5EF4-FFF2-40B4-BE49-F238E27FC236}">
+                <a16:creationId xmlns:a16="http://schemas.microsoft.com/office/drawing/2014/main" id="{2943E853-9889-4E4D-9986-541C7A228DC2}"/>
+              </a:ext>
+            </a:extLst>
+          </p:cNvPr>
+          <p:cNvSpPr/>
+          <p:nvPr/>
+        </p:nvSpPr>
+        <p:spPr>
+          <a:xfrm>
+            <a:off x="10107874" y="4827534"/>
+            <a:ext cx="694421" cy="369332"/>
+          </a:xfrm>
+          <a:prstGeom prst="rect">
+            <a:avLst/>
+          </a:prstGeom>
+        </p:spPr>
+        <p:txBody>
+          <a:bodyPr wrap="none">
+            <a:spAutoFit/>
+          </a:bodyPr>
+          <a:lstStyle/>
+          <a:p>
+            <a:r>
+              <a:rPr lang="en-US" dirty="0">
+                <a:solidFill>
+                  <a:schemeClr val="accent1"/>
+                </a:solidFill>
+              </a:rPr>
+              <a:t>stock</a:t>
+            </a:r>
+            <a:endParaRPr lang="en-GB" dirty="0">
+              <a:solidFill>
+                <a:schemeClr val="accent1"/>
+              </a:solidFill>
+            </a:endParaRPr>
+          </a:p>
+        </p:txBody>
+      </p:sp>
+      <p:sp>
+        <p:nvSpPr>
+          <p:cNvPr id="31" name="Arrow: Down 30">
+            <a:extLst>
+              <a:ext uri="{FF2B5EF4-FFF2-40B4-BE49-F238E27FC236}">
+                <a16:creationId xmlns:a16="http://schemas.microsoft.com/office/drawing/2014/main" id="{7DB2D1BD-3CF0-48E5-9F33-3C6EBDC5EA8F}"/>
+              </a:ext>
+            </a:extLst>
+          </p:cNvPr>
+          <p:cNvSpPr/>
+          <p:nvPr/>
+        </p:nvSpPr>
+        <p:spPr>
+          <a:xfrm rot="16200000">
+            <a:off x="9698895" y="4901706"/>
+            <a:ext cx="382566" cy="243378"/>
+          </a:xfrm>
+          <a:prstGeom prst="downArrow">
+            <a:avLst/>
+          </a:prstGeom>
+        </p:spPr>
+        <p:style>
+          <a:lnRef idx="2">
+            <a:schemeClr val="accent1">
+              <a:shade val="50000"/>
+            </a:schemeClr>
+          </a:lnRef>
+          <a:fillRef idx="1">
+            <a:schemeClr val="accent1"/>
+          </a:fillRef>
+          <a:effectRef idx="0">
+            <a:schemeClr val="accent1"/>
+          </a:effectRef>
+          <a:fontRef idx="minor">
+            <a:schemeClr val="lt1"/>
+          </a:fontRef>
+        </p:style>
+        <p:txBody>
+          <a:bodyPr rtlCol="0" anchor="ctr"/>
+          <a:lstStyle/>
+          <a:p>
+            <a:pPr algn="ctr"/>
+            <a:endParaRPr lang="en-GB"/>
+          </a:p>
+        </p:txBody>
+      </p:sp>
+      <p:sp>
+        <p:nvSpPr>
+          <p:cNvPr id="32" name="Rectangle 31">
+            <a:extLst>
+              <a:ext uri="{FF2B5EF4-FFF2-40B4-BE49-F238E27FC236}">
+                <a16:creationId xmlns:a16="http://schemas.microsoft.com/office/drawing/2014/main" id="{8B8C7781-806C-4BAB-BF79-1C8CAE6D6AE7}"/>
+              </a:ext>
+            </a:extLst>
+          </p:cNvPr>
+          <p:cNvSpPr/>
+          <p:nvPr/>
+        </p:nvSpPr>
+        <p:spPr>
+          <a:xfrm>
+            <a:off x="10131531" y="5923475"/>
+            <a:ext cx="386644" cy="369332"/>
+          </a:xfrm>
+          <a:prstGeom prst="rect">
+            <a:avLst/>
+          </a:prstGeom>
+        </p:spPr>
+        <p:txBody>
+          <a:bodyPr wrap="none">
+            <a:spAutoFit/>
+          </a:bodyPr>
+          <a:lstStyle/>
+          <a:p>
+            <a:r>
+              <a:rPr lang="en-US" b="1" dirty="0">
+                <a:solidFill>
+                  <a:schemeClr val="accent1"/>
+                </a:solidFill>
+              </a:rPr>
+              <a:t>…</a:t>
+            </a:r>
+            <a:endParaRPr lang="en-GB" b="1" dirty="0">
+              <a:solidFill>
+                <a:schemeClr val="accent1"/>
+              </a:solidFill>
+            </a:endParaRPr>
+          </a:p>
+        </p:txBody>
+      </p:sp>
+      <p:sp>
+        <p:nvSpPr>
+          <p:cNvPr id="33" name="Arrow: Down 32">
+            <a:extLst>
+              <a:ext uri="{FF2B5EF4-FFF2-40B4-BE49-F238E27FC236}">
+                <a16:creationId xmlns:a16="http://schemas.microsoft.com/office/drawing/2014/main" id="{8CD7BE1D-1501-4D57-98FD-F3BB959E087C}"/>
+              </a:ext>
+            </a:extLst>
+          </p:cNvPr>
+          <p:cNvSpPr/>
+          <p:nvPr/>
+        </p:nvSpPr>
+        <p:spPr>
+          <a:xfrm rot="16200000">
+            <a:off x="9722552" y="5997647"/>
+            <a:ext cx="382566" cy="243378"/>
+          </a:xfrm>
+          <a:prstGeom prst="downArrow">
+            <a:avLst/>
+          </a:prstGeom>
+        </p:spPr>
+        <p:style>
+          <a:lnRef idx="2">
+            <a:schemeClr val="accent1">
+              <a:shade val="50000"/>
+            </a:schemeClr>
+          </a:lnRef>
+          <a:fillRef idx="1">
+            <a:schemeClr val="accent1"/>
+          </a:fillRef>
+          <a:effectRef idx="0">
+            <a:schemeClr val="accent1"/>
+          </a:effectRef>
+          <a:fontRef idx="minor">
+            <a:schemeClr val="lt1"/>
+          </a:fontRef>
+        </p:style>
+        <p:txBody>
+          <a:bodyPr rtlCol="0" anchor="ctr"/>
+          <a:lstStyle/>
+          <a:p>
+            <a:pPr algn="ctr"/>
+            <a:endParaRPr lang="en-GB"/>
+          </a:p>
+        </p:txBody>
+      </p:sp>
+    </p:spTree>
+    <p:extLst>
+      <p:ext uri="{BB962C8B-B14F-4D97-AF65-F5344CB8AC3E}">
+        <p14:creationId xmlns:p14="http://schemas.microsoft.com/office/powerpoint/2010/main" val="1465111496"/>
+      </p:ext>
+    </p:extLst>
+  </p:cSld>
+  <p:clrMapOvr>
+    <a:masterClrMapping/>
+  </p:clrMapOvr>
+</p:sld>
+</file>
+
+<file path=ppt/slides/slide20.xml><?xml version="1.0" encoding="utf-8"?>
 <p:sld xmlns:a="http://schemas.openxmlformats.org/drawingml/2006/main" xmlns:r="http://schemas.openxmlformats.org/officeDocument/2006/relationships" xmlns:p="http://schemas.openxmlformats.org/presentationml/2006/main">
   <p:cSld>
     <p:spTree>
@@ -43360,941 +45894,7 @@
 </p:sld>
 </file>
 
-<file path=ppt/slides/slide2.xml><?xml version="1.0" encoding="utf-8"?>
-<p:sld xmlns:a="http://schemas.openxmlformats.org/drawingml/2006/main" xmlns:r="http://schemas.openxmlformats.org/officeDocument/2006/relationships" xmlns:p="http://schemas.openxmlformats.org/presentationml/2006/main">
-  <p:cSld>
-    <p:spTree>
-      <p:nvGrpSpPr>
-        <p:cNvPr id="1" name=""/>
-        <p:cNvGrpSpPr/>
-        <p:nvPr/>
-      </p:nvGrpSpPr>
-      <p:grpSpPr>
-        <a:xfrm>
-          <a:off x="0" y="0"/>
-          <a:ext cx="0" cy="0"/>
-          <a:chOff x="0" y="0"/>
-          <a:chExt cx="0" cy="0"/>
-        </a:xfrm>
-      </p:grpSpPr>
-      <p:sp>
-        <p:nvSpPr>
-          <p:cNvPr id="13" name="Rectangle 12"/>
-          <p:cNvSpPr>
-            <a:spLocks noGrp="1" noRot="1" noChangeAspect="1" noMove="1" noResize="1" noEditPoints="1" noAdjustHandles="1" noChangeArrowheads="1" noChangeShapeType="1" noTextEdit="1"/>
-          </p:cNvSpPr>
-          <p:nvPr>
-            <p:extLst>
-              <p:ext uri="{386F3935-93C4-4BCD-93E2-E3B085C9AB24}">
-                <p16:designElem xmlns:p16="http://schemas.microsoft.com/office/powerpoint/2015/main" val="1"/>
-              </p:ext>
-            </p:extLst>
-          </p:nvPr>
-        </p:nvSpPr>
-        <p:spPr bwMode="white">
-          <a:xfrm>
-            <a:off x="0" y="0"/>
-            <a:ext cx="12192000" cy="6858000"/>
-          </a:xfrm>
-          <a:prstGeom prst="rect">
-            <a:avLst/>
-          </a:prstGeom>
-          <a:solidFill>
-            <a:schemeClr val="bg1"/>
-          </a:solidFill>
-          <a:ln>
-            <a:noFill/>
-          </a:ln>
-          <a:effectLst/>
-        </p:spPr>
-      </p:sp>
-      <p:sp>
-        <p:nvSpPr>
-          <p:cNvPr id="15" name="Rectangle 14"/>
-          <p:cNvSpPr>
-            <a:spLocks noGrp="1" noRot="1" noChangeAspect="1" noMove="1" noResize="1" noEditPoints="1" noAdjustHandles="1" noChangeArrowheads="1" noChangeShapeType="1" noTextEdit="1"/>
-          </p:cNvSpPr>
-          <p:nvPr>
-            <p:extLst>
-              <p:ext uri="{386F3935-93C4-4BCD-93E2-E3B085C9AB24}">
-                <p16:designElem xmlns:p16="http://schemas.microsoft.com/office/powerpoint/2015/main" val="1"/>
-              </p:ext>
-            </p:extLst>
-          </p:nvPr>
-        </p:nvSpPr>
-        <p:spPr>
-          <a:xfrm>
-            <a:off x="1" y="758952"/>
-            <a:ext cx="3443590" cy="5330952"/>
-          </a:xfrm>
-          <a:prstGeom prst="rect">
-            <a:avLst/>
-          </a:prstGeom>
-          <a:solidFill>
-            <a:schemeClr val="accent1"/>
-          </a:solidFill>
-          <a:ln>
-            <a:noFill/>
-          </a:ln>
-        </p:spPr>
-        <p:style>
-          <a:lnRef idx="2">
-            <a:schemeClr val="accent1">
-              <a:shade val="50000"/>
-            </a:schemeClr>
-          </a:lnRef>
-          <a:fillRef idx="1">
-            <a:schemeClr val="accent1"/>
-          </a:fillRef>
-          <a:effectRef idx="0">
-            <a:schemeClr val="accent1"/>
-          </a:effectRef>
-          <a:fontRef idx="minor">
-            <a:schemeClr val="lt1"/>
-          </a:fontRef>
-        </p:style>
-      </p:sp>
-      <p:sp>
-        <p:nvSpPr>
-          <p:cNvPr id="17" name="Rectangle 16"/>
-          <p:cNvSpPr>
-            <a:spLocks noGrp="1" noRot="1" noChangeAspect="1" noMove="1" noResize="1" noEditPoints="1" noAdjustHandles="1" noChangeArrowheads="1" noChangeShapeType="1" noTextEdit="1"/>
-          </p:cNvSpPr>
-          <p:nvPr>
-            <p:extLst>
-              <p:ext uri="{386F3935-93C4-4BCD-93E2-E3B085C9AB24}">
-                <p16:designElem xmlns:p16="http://schemas.microsoft.com/office/powerpoint/2015/main" val="1"/>
-              </p:ext>
-            </p:extLst>
-          </p:nvPr>
-        </p:nvSpPr>
-        <p:spPr>
-          <a:xfrm>
-            <a:off x="11815864" y="758952"/>
-            <a:ext cx="384048" cy="5330952"/>
-          </a:xfrm>
-          <a:prstGeom prst="rect">
-            <a:avLst/>
-          </a:prstGeom>
-          <a:solidFill>
-            <a:srgbClr val="C8C8C8">
-              <a:alpha val="49804"/>
-            </a:srgbClr>
-          </a:solidFill>
-          <a:ln>
-            <a:noFill/>
-          </a:ln>
-        </p:spPr>
-        <p:style>
-          <a:lnRef idx="2">
-            <a:schemeClr val="accent1">
-              <a:shade val="50000"/>
-            </a:schemeClr>
-          </a:lnRef>
-          <a:fillRef idx="1">
-            <a:schemeClr val="accent1"/>
-          </a:fillRef>
-          <a:effectRef idx="0">
-            <a:schemeClr val="accent1"/>
-          </a:effectRef>
-          <a:fontRef idx="minor">
-            <a:schemeClr val="lt1"/>
-          </a:fontRef>
-        </p:style>
-      </p:sp>
-      <p:sp>
-        <p:nvSpPr>
-          <p:cNvPr id="4" name="Title 3">
-            <a:extLst>
-              <a:ext uri="{FF2B5EF4-FFF2-40B4-BE49-F238E27FC236}">
-                <a16:creationId xmlns:a16="http://schemas.microsoft.com/office/drawing/2014/main" id="{7ADD91E4-27B8-4A16-B7FF-80B133C2B5C2}"/>
-              </a:ext>
-            </a:extLst>
-          </p:cNvPr>
-          <p:cNvSpPr>
-            <a:spLocks noGrp="1"/>
-          </p:cNvSpPr>
-          <p:nvPr>
-            <p:ph type="title"/>
-          </p:nvPr>
-        </p:nvSpPr>
-        <p:spPr>
-          <a:xfrm>
-            <a:off x="252919" y="1123837"/>
-            <a:ext cx="2947482" cy="1283461"/>
-          </a:xfrm>
-        </p:spPr>
-        <p:txBody>
-          <a:bodyPr vert="horz" lIns="91440" tIns="45720" rIns="91440" bIns="45720" rtlCol="0" anchor="b">
-            <a:normAutofit/>
-          </a:bodyPr>
-          <a:lstStyle/>
-          <a:p>
-            <a:r>
-              <a:rPr lang="en-US" sz="2400" dirty="0"/>
-              <a:t>Who we are</a:t>
-            </a:r>
-          </a:p>
-        </p:txBody>
-      </p:sp>
-      <p:sp>
-        <p:nvSpPr>
-          <p:cNvPr id="6" name="Text Placeholder 5">
-            <a:extLst>
-              <a:ext uri="{FF2B5EF4-FFF2-40B4-BE49-F238E27FC236}">
-                <a16:creationId xmlns:a16="http://schemas.microsoft.com/office/drawing/2014/main" id="{4DC15765-CAFD-4702-9836-6CB6EB861F51}"/>
-              </a:ext>
-            </a:extLst>
-          </p:cNvPr>
-          <p:cNvSpPr>
-            <a:spLocks noGrp="1"/>
-          </p:cNvSpPr>
-          <p:nvPr>
-            <p:ph type="body" sz="half" idx="2"/>
-          </p:nvPr>
-        </p:nvSpPr>
-        <p:spPr>
-          <a:xfrm>
-            <a:off x="84969" y="2743200"/>
-            <a:ext cx="2947482" cy="3346703"/>
-          </a:xfrm>
-        </p:spPr>
-        <p:txBody>
-          <a:bodyPr vert="horz" lIns="91440" tIns="45720" rIns="91440" bIns="45720" rtlCol="0" anchor="t">
-            <a:normAutofit/>
-          </a:bodyPr>
-          <a:lstStyle/>
-          <a:p>
-            <a:pPr indent="-182880">
-              <a:buFont typeface="Wingdings 2" pitchFamily="18" charset="2"/>
-              <a:buChar char=""/>
-            </a:pPr>
-            <a:endParaRPr lang="en-US" sz="1600" dirty="0">
-              <a:solidFill>
-                <a:schemeClr val="bg1"/>
-              </a:solidFill>
-            </a:endParaRPr>
-          </a:p>
-          <a:p>
-            <a:pPr indent="-182880">
-              <a:buFont typeface="Wingdings 2" pitchFamily="18" charset="2"/>
-              <a:buChar char=""/>
-            </a:pPr>
-            <a:r>
-              <a:rPr lang="en-US" sz="1600" b="1" dirty="0">
-                <a:solidFill>
-                  <a:schemeClr val="bg1"/>
-                </a:solidFill>
-              </a:rPr>
-              <a:t>Orders Management</a:t>
-            </a:r>
-          </a:p>
-          <a:p>
-            <a:pPr indent="-182880">
-              <a:buFont typeface="Wingdings 2" pitchFamily="18" charset="2"/>
-              <a:buChar char=""/>
-            </a:pPr>
-            <a:r>
-              <a:rPr lang="en-US" sz="1200" dirty="0">
-                <a:solidFill>
-                  <a:schemeClr val="bg1"/>
-                </a:solidFill>
-              </a:rPr>
-              <a:t>Pablo Rodriguez </a:t>
-            </a:r>
-          </a:p>
-          <a:p>
-            <a:pPr indent="-182880">
-              <a:buFont typeface="Wingdings 2" pitchFamily="18" charset="2"/>
-              <a:buChar char=""/>
-            </a:pPr>
-            <a:r>
-              <a:rPr lang="en-US" sz="1200" dirty="0">
-                <a:solidFill>
-                  <a:schemeClr val="bg1"/>
-                </a:solidFill>
-              </a:rPr>
-              <a:t>Lewis Jackson</a:t>
-            </a:r>
-          </a:p>
-        </p:txBody>
-      </p:sp>
-      <p:pic>
-        <p:nvPicPr>
-          <p:cNvPr id="1026" name="Picture 2" descr="https://cdn2.iconfinder.com/data/icons/picons-basic-2/57/basic2-011_shopping_cart-512.png">
-            <a:extLst>
-              <a:ext uri="{FF2B5EF4-FFF2-40B4-BE49-F238E27FC236}">
-                <a16:creationId xmlns:a16="http://schemas.microsoft.com/office/drawing/2014/main" id="{93957B2D-D1CC-4BBD-870F-364D7CEBB82C}"/>
-              </a:ext>
-            </a:extLst>
-          </p:cNvPr>
-          <p:cNvPicPr>
-            <a:picLocks noChangeAspect="1" noChangeArrowheads="1"/>
-          </p:cNvPicPr>
-          <p:nvPr/>
-        </p:nvPicPr>
-        <p:blipFill>
-          <a:blip r:embed="rId3" cstate="print">
-            <a:extLst>
-              <a:ext uri="{28A0092B-C50C-407E-A947-70E740481C1C}">
-                <a14:useLocalDpi xmlns:a14="http://schemas.microsoft.com/office/drawing/2010/main" val="0"/>
-              </a:ext>
-            </a:extLst>
-          </a:blip>
-          <a:srcRect/>
-          <a:stretch>
-            <a:fillRect/>
-          </a:stretch>
-        </p:blipFill>
-        <p:spPr bwMode="auto">
-          <a:xfrm>
-            <a:off x="3732679" y="3123507"/>
-            <a:ext cx="601842" cy="601842"/>
-          </a:xfrm>
-          <a:prstGeom prst="rect">
-            <a:avLst/>
-          </a:prstGeom>
-          <a:noFill/>
-          <a:extLst>
-            <a:ext uri="{909E8E84-426E-40DD-AFC4-6F175D3DCCD1}">
-              <a14:hiddenFill xmlns:a14="http://schemas.microsoft.com/office/drawing/2010/main">
-                <a:solidFill>
-                  <a:srgbClr val="FFFFFF"/>
-                </a:solidFill>
-              </a14:hiddenFill>
-            </a:ext>
-          </a:extLst>
-        </p:spPr>
-      </p:pic>
-      <p:pic>
-        <p:nvPicPr>
-          <p:cNvPr id="1028" name="Picture 4" descr="https://cdn2.iconfinder.com/data/icons/picons-essentials/71/mobile-512.png">
-            <a:extLst>
-              <a:ext uri="{FF2B5EF4-FFF2-40B4-BE49-F238E27FC236}">
-                <a16:creationId xmlns:a16="http://schemas.microsoft.com/office/drawing/2014/main" id="{7982D27E-0A33-47F1-92A5-C5DA1EF52C97}"/>
-              </a:ext>
-            </a:extLst>
-          </p:cNvPr>
-          <p:cNvPicPr>
-            <a:picLocks noChangeAspect="1" noChangeArrowheads="1"/>
-          </p:cNvPicPr>
-          <p:nvPr/>
-        </p:nvPicPr>
-        <p:blipFill>
-          <a:blip r:embed="rId4" cstate="print">
-            <a:extLst>
-              <a:ext uri="{28A0092B-C50C-407E-A947-70E740481C1C}">
-                <a14:useLocalDpi xmlns:a14="http://schemas.microsoft.com/office/drawing/2010/main" val="0"/>
-              </a:ext>
-            </a:extLst>
-          </a:blip>
-          <a:srcRect/>
-          <a:stretch>
-            <a:fillRect/>
-          </a:stretch>
-        </p:blipFill>
-        <p:spPr bwMode="auto">
-          <a:xfrm>
-            <a:off x="3750139" y="2455698"/>
-            <a:ext cx="643599" cy="516639"/>
-          </a:xfrm>
-          <a:prstGeom prst="rect">
-            <a:avLst/>
-          </a:prstGeom>
-          <a:noFill/>
-          <a:extLst>
-            <a:ext uri="{909E8E84-426E-40DD-AFC4-6F175D3DCCD1}">
-              <a14:hiddenFill xmlns:a14="http://schemas.microsoft.com/office/drawing/2010/main">
-                <a:solidFill>
-                  <a:srgbClr val="FFFFFF"/>
-                </a:solidFill>
-              </a14:hiddenFill>
-            </a:ext>
-          </a:extLst>
-        </p:spPr>
-      </p:pic>
-      <p:sp>
-        <p:nvSpPr>
-          <p:cNvPr id="11" name="Arrow: Down 10">
-            <a:extLst>
-              <a:ext uri="{FF2B5EF4-FFF2-40B4-BE49-F238E27FC236}">
-                <a16:creationId xmlns:a16="http://schemas.microsoft.com/office/drawing/2014/main" id="{AD5A4714-2EE0-4CE5-BEB2-E7F3EDA42F63}"/>
-              </a:ext>
-            </a:extLst>
-          </p:cNvPr>
-          <p:cNvSpPr/>
-          <p:nvPr/>
-        </p:nvSpPr>
-        <p:spPr>
-          <a:xfrm rot="16200000">
-            <a:off x="4607220" y="2978589"/>
-            <a:ext cx="382566" cy="243378"/>
-          </a:xfrm>
-          <a:prstGeom prst="downArrow">
-            <a:avLst/>
-          </a:prstGeom>
-        </p:spPr>
-        <p:style>
-          <a:lnRef idx="2">
-            <a:schemeClr val="accent1">
-              <a:shade val="50000"/>
-            </a:schemeClr>
-          </a:lnRef>
-          <a:fillRef idx="1">
-            <a:schemeClr val="accent1"/>
-          </a:fillRef>
-          <a:effectRef idx="0">
-            <a:schemeClr val="accent1"/>
-          </a:effectRef>
-          <a:fontRef idx="minor">
-            <a:schemeClr val="lt1"/>
-          </a:fontRef>
-        </p:style>
-        <p:txBody>
-          <a:bodyPr rtlCol="0" anchor="ctr"/>
-          <a:lstStyle/>
-          <a:p>
-            <a:pPr algn="ctr"/>
-            <a:endParaRPr lang="en-GB"/>
-          </a:p>
-        </p:txBody>
-      </p:sp>
-      <p:sp>
-        <p:nvSpPr>
-          <p:cNvPr id="12" name="Rectangle 11">
-            <a:extLst>
-              <a:ext uri="{FF2B5EF4-FFF2-40B4-BE49-F238E27FC236}">
-                <a16:creationId xmlns:a16="http://schemas.microsoft.com/office/drawing/2014/main" id="{0EBDA813-56B2-43DB-B6BF-DEC798B1DC6D}"/>
-              </a:ext>
-            </a:extLst>
-          </p:cNvPr>
-          <p:cNvSpPr/>
-          <p:nvPr/>
-        </p:nvSpPr>
-        <p:spPr>
-          <a:xfrm>
-            <a:off x="3686781" y="2339560"/>
-            <a:ext cx="779445" cy="1622839"/>
-          </a:xfrm>
-          <a:prstGeom prst="rect">
-            <a:avLst/>
-          </a:prstGeom>
-          <a:noFill/>
-        </p:spPr>
-        <p:style>
-          <a:lnRef idx="2">
-            <a:schemeClr val="accent1">
-              <a:shade val="50000"/>
-            </a:schemeClr>
-          </a:lnRef>
-          <a:fillRef idx="1">
-            <a:schemeClr val="accent1"/>
-          </a:fillRef>
-          <a:effectRef idx="0">
-            <a:schemeClr val="accent1"/>
-          </a:effectRef>
-          <a:fontRef idx="minor">
-            <a:schemeClr val="lt1"/>
-          </a:fontRef>
-        </p:style>
-        <p:txBody>
-          <a:bodyPr rtlCol="0" anchor="ctr"/>
-          <a:lstStyle/>
-          <a:p>
-            <a:pPr algn="ctr"/>
-            <a:endParaRPr lang="en-GB"/>
-          </a:p>
-        </p:txBody>
-      </p:sp>
-      <p:sp>
-        <p:nvSpPr>
-          <p:cNvPr id="29" name="Rectangle 28">
-            <a:extLst>
-              <a:ext uri="{FF2B5EF4-FFF2-40B4-BE49-F238E27FC236}">
-                <a16:creationId xmlns:a16="http://schemas.microsoft.com/office/drawing/2014/main" id="{040D8B4A-CA03-4D7A-8953-C7134F110214}"/>
-              </a:ext>
-            </a:extLst>
-          </p:cNvPr>
-          <p:cNvSpPr/>
-          <p:nvPr/>
-        </p:nvSpPr>
-        <p:spPr>
-          <a:xfrm>
-            <a:off x="10131531" y="1266073"/>
-            <a:ext cx="1093569" cy="369332"/>
-          </a:xfrm>
-          <a:prstGeom prst="rect">
-            <a:avLst/>
-          </a:prstGeom>
-        </p:spPr>
-        <p:txBody>
-          <a:bodyPr wrap="none">
-            <a:spAutoFit/>
-          </a:bodyPr>
-          <a:lstStyle/>
-          <a:p>
-            <a:r>
-              <a:rPr lang="en-US" dirty="0">
-                <a:solidFill>
-                  <a:schemeClr val="accent1"/>
-                </a:solidFill>
-              </a:rPr>
-              <a:t>discounts</a:t>
-            </a:r>
-            <a:endParaRPr lang="en-GB" dirty="0">
-              <a:solidFill>
-                <a:schemeClr val="accent1"/>
-              </a:solidFill>
-            </a:endParaRPr>
-          </a:p>
-        </p:txBody>
-      </p:sp>
-      <p:pic>
-        <p:nvPicPr>
-          <p:cNvPr id="18" name="Picture 17">
-            <a:extLst>
-              <a:ext uri="{FF2B5EF4-FFF2-40B4-BE49-F238E27FC236}">
-                <a16:creationId xmlns:a16="http://schemas.microsoft.com/office/drawing/2014/main" id="{58C73F1A-558D-4AA5-A2A9-1856F89B326C}"/>
-              </a:ext>
-            </a:extLst>
-          </p:cNvPr>
-          <p:cNvPicPr>
-            <a:picLocks noChangeAspect="1"/>
-          </p:cNvPicPr>
-          <p:nvPr/>
-        </p:nvPicPr>
-        <p:blipFill>
-          <a:blip r:embed="rId5"/>
-          <a:stretch>
-            <a:fillRect/>
-          </a:stretch>
-        </p:blipFill>
-        <p:spPr>
-          <a:xfrm>
-            <a:off x="5085921" y="125931"/>
-            <a:ext cx="4562904" cy="6409155"/>
-          </a:xfrm>
-          <a:prstGeom prst="rect">
-            <a:avLst/>
-          </a:prstGeom>
-        </p:spPr>
-      </p:pic>
-      <p:sp>
-        <p:nvSpPr>
-          <p:cNvPr id="22" name="Arrow: Down 21">
-            <a:extLst>
-              <a:ext uri="{FF2B5EF4-FFF2-40B4-BE49-F238E27FC236}">
-                <a16:creationId xmlns:a16="http://schemas.microsoft.com/office/drawing/2014/main" id="{6B04C28E-E3FD-49B2-AD3C-390DD3A5BC3F}"/>
-              </a:ext>
-            </a:extLst>
-          </p:cNvPr>
-          <p:cNvSpPr/>
-          <p:nvPr/>
-        </p:nvSpPr>
-        <p:spPr>
-          <a:xfrm rot="16200000">
-            <a:off x="9722552" y="1340245"/>
-            <a:ext cx="382566" cy="243378"/>
-          </a:xfrm>
-          <a:prstGeom prst="downArrow">
-            <a:avLst/>
-          </a:prstGeom>
-        </p:spPr>
-        <p:style>
-          <a:lnRef idx="2">
-            <a:schemeClr val="accent1">
-              <a:shade val="50000"/>
-            </a:schemeClr>
-          </a:lnRef>
-          <a:fillRef idx="1">
-            <a:schemeClr val="accent1"/>
-          </a:fillRef>
-          <a:effectRef idx="0">
-            <a:schemeClr val="accent1"/>
-          </a:effectRef>
-          <a:fontRef idx="minor">
-            <a:schemeClr val="lt1"/>
-          </a:fontRef>
-        </p:style>
-        <p:txBody>
-          <a:bodyPr rtlCol="0" anchor="ctr"/>
-          <a:lstStyle/>
-          <a:p>
-            <a:pPr algn="ctr"/>
-            <a:endParaRPr lang="en-GB"/>
-          </a:p>
-        </p:txBody>
-      </p:sp>
-      <p:sp>
-        <p:nvSpPr>
-          <p:cNvPr id="23" name="Rectangle 22">
-            <a:extLst>
-              <a:ext uri="{FF2B5EF4-FFF2-40B4-BE49-F238E27FC236}">
-                <a16:creationId xmlns:a16="http://schemas.microsoft.com/office/drawing/2014/main" id="{723093A4-27E6-42E2-9550-A0C71C3F2148}"/>
-              </a:ext>
-            </a:extLst>
-          </p:cNvPr>
-          <p:cNvSpPr/>
-          <p:nvPr/>
-        </p:nvSpPr>
-        <p:spPr>
-          <a:xfrm>
-            <a:off x="10108983" y="2465223"/>
-            <a:ext cx="1045479" cy="369332"/>
-          </a:xfrm>
-          <a:prstGeom prst="rect">
-            <a:avLst/>
-          </a:prstGeom>
-        </p:spPr>
-        <p:txBody>
-          <a:bodyPr wrap="none">
-            <a:spAutoFit/>
-          </a:bodyPr>
-          <a:lstStyle/>
-          <a:p>
-            <a:r>
-              <a:rPr lang="en-US" dirty="0">
-                <a:solidFill>
-                  <a:schemeClr val="accent1"/>
-                </a:solidFill>
-              </a:rPr>
-              <a:t>vouchers</a:t>
-            </a:r>
-            <a:endParaRPr lang="en-GB" dirty="0">
-              <a:solidFill>
-                <a:schemeClr val="accent1"/>
-              </a:solidFill>
-            </a:endParaRPr>
-          </a:p>
-        </p:txBody>
-      </p:sp>
-      <p:sp>
-        <p:nvSpPr>
-          <p:cNvPr id="24" name="Arrow: Down 23">
-            <a:extLst>
-              <a:ext uri="{FF2B5EF4-FFF2-40B4-BE49-F238E27FC236}">
-                <a16:creationId xmlns:a16="http://schemas.microsoft.com/office/drawing/2014/main" id="{82394A35-687D-4DDD-BD93-4717497E8822}"/>
-              </a:ext>
-            </a:extLst>
-          </p:cNvPr>
-          <p:cNvSpPr/>
-          <p:nvPr/>
-        </p:nvSpPr>
-        <p:spPr>
-          <a:xfrm rot="16200000">
-            <a:off x="9700004" y="2539395"/>
-            <a:ext cx="382566" cy="243378"/>
-          </a:xfrm>
-          <a:prstGeom prst="downArrow">
-            <a:avLst/>
-          </a:prstGeom>
-        </p:spPr>
-        <p:style>
-          <a:lnRef idx="2">
-            <a:schemeClr val="accent1">
-              <a:shade val="50000"/>
-            </a:schemeClr>
-          </a:lnRef>
-          <a:fillRef idx="1">
-            <a:schemeClr val="accent1"/>
-          </a:fillRef>
-          <a:effectRef idx="0">
-            <a:schemeClr val="accent1"/>
-          </a:effectRef>
-          <a:fontRef idx="minor">
-            <a:schemeClr val="lt1"/>
-          </a:fontRef>
-        </p:style>
-        <p:txBody>
-          <a:bodyPr rtlCol="0" anchor="ctr"/>
-          <a:lstStyle/>
-          <a:p>
-            <a:pPr algn="ctr"/>
-            <a:endParaRPr lang="en-GB"/>
-          </a:p>
-        </p:txBody>
-      </p:sp>
-      <p:sp>
-        <p:nvSpPr>
-          <p:cNvPr id="25" name="Rectangle 24">
-            <a:extLst>
-              <a:ext uri="{FF2B5EF4-FFF2-40B4-BE49-F238E27FC236}">
-                <a16:creationId xmlns:a16="http://schemas.microsoft.com/office/drawing/2014/main" id="{E595EFD2-1FAB-4794-AC53-911C92432270}"/>
-              </a:ext>
-            </a:extLst>
-          </p:cNvPr>
-          <p:cNvSpPr/>
-          <p:nvPr/>
-        </p:nvSpPr>
-        <p:spPr>
-          <a:xfrm>
-            <a:off x="10107874" y="3754807"/>
-            <a:ext cx="1132041" cy="369332"/>
-          </a:xfrm>
-          <a:prstGeom prst="rect">
-            <a:avLst/>
-          </a:prstGeom>
-        </p:spPr>
-        <p:txBody>
-          <a:bodyPr wrap="none">
-            <a:spAutoFit/>
-          </a:bodyPr>
-          <a:lstStyle/>
-          <a:p>
-            <a:r>
-              <a:rPr lang="en-US" dirty="0">
-                <a:solidFill>
-                  <a:schemeClr val="accent1"/>
-                </a:solidFill>
-              </a:rPr>
-              <a:t>payments</a:t>
-            </a:r>
-            <a:endParaRPr lang="en-GB" dirty="0">
-              <a:solidFill>
-                <a:schemeClr val="accent1"/>
-              </a:solidFill>
-            </a:endParaRPr>
-          </a:p>
-        </p:txBody>
-      </p:sp>
-      <p:sp>
-        <p:nvSpPr>
-          <p:cNvPr id="26" name="Arrow: Down 25">
-            <a:extLst>
-              <a:ext uri="{FF2B5EF4-FFF2-40B4-BE49-F238E27FC236}">
-                <a16:creationId xmlns:a16="http://schemas.microsoft.com/office/drawing/2014/main" id="{3C949A05-B299-4D10-B0D3-8368C6EB6B85}"/>
-              </a:ext>
-            </a:extLst>
-          </p:cNvPr>
-          <p:cNvSpPr/>
-          <p:nvPr/>
-        </p:nvSpPr>
-        <p:spPr>
-          <a:xfrm rot="16200000">
-            <a:off x="9698895" y="3828979"/>
-            <a:ext cx="382566" cy="243378"/>
-          </a:xfrm>
-          <a:prstGeom prst="downArrow">
-            <a:avLst/>
-          </a:prstGeom>
-        </p:spPr>
-        <p:style>
-          <a:lnRef idx="2">
-            <a:schemeClr val="accent1">
-              <a:shade val="50000"/>
-            </a:schemeClr>
-          </a:lnRef>
-          <a:fillRef idx="1">
-            <a:schemeClr val="accent1"/>
-          </a:fillRef>
-          <a:effectRef idx="0">
-            <a:schemeClr val="accent1"/>
-          </a:effectRef>
-          <a:fontRef idx="minor">
-            <a:schemeClr val="lt1"/>
-          </a:fontRef>
-        </p:style>
-        <p:txBody>
-          <a:bodyPr rtlCol="0" anchor="ctr"/>
-          <a:lstStyle/>
-          <a:p>
-            <a:pPr algn="ctr"/>
-            <a:endParaRPr lang="en-GB"/>
-          </a:p>
-        </p:txBody>
-      </p:sp>
-      <p:sp>
-        <p:nvSpPr>
-          <p:cNvPr id="27" name="Rectangle 26">
-            <a:extLst>
-              <a:ext uri="{FF2B5EF4-FFF2-40B4-BE49-F238E27FC236}">
-                <a16:creationId xmlns:a16="http://schemas.microsoft.com/office/drawing/2014/main" id="{2943E853-9889-4E4D-9986-541C7A228DC2}"/>
-              </a:ext>
-            </a:extLst>
-          </p:cNvPr>
-          <p:cNvSpPr/>
-          <p:nvPr/>
-        </p:nvSpPr>
-        <p:spPr>
-          <a:xfrm>
-            <a:off x="10107874" y="4827534"/>
-            <a:ext cx="694421" cy="369332"/>
-          </a:xfrm>
-          <a:prstGeom prst="rect">
-            <a:avLst/>
-          </a:prstGeom>
-        </p:spPr>
-        <p:txBody>
-          <a:bodyPr wrap="none">
-            <a:spAutoFit/>
-          </a:bodyPr>
-          <a:lstStyle/>
-          <a:p>
-            <a:r>
-              <a:rPr lang="en-US" dirty="0">
-                <a:solidFill>
-                  <a:schemeClr val="accent1"/>
-                </a:solidFill>
-              </a:rPr>
-              <a:t>stock</a:t>
-            </a:r>
-            <a:endParaRPr lang="en-GB" dirty="0">
-              <a:solidFill>
-                <a:schemeClr val="accent1"/>
-              </a:solidFill>
-            </a:endParaRPr>
-          </a:p>
-        </p:txBody>
-      </p:sp>
-      <p:sp>
-        <p:nvSpPr>
-          <p:cNvPr id="31" name="Arrow: Down 30">
-            <a:extLst>
-              <a:ext uri="{FF2B5EF4-FFF2-40B4-BE49-F238E27FC236}">
-                <a16:creationId xmlns:a16="http://schemas.microsoft.com/office/drawing/2014/main" id="{7DB2D1BD-3CF0-48E5-9F33-3C6EBDC5EA8F}"/>
-              </a:ext>
-            </a:extLst>
-          </p:cNvPr>
-          <p:cNvSpPr/>
-          <p:nvPr/>
-        </p:nvSpPr>
-        <p:spPr>
-          <a:xfrm rot="16200000">
-            <a:off x="9698895" y="4901706"/>
-            <a:ext cx="382566" cy="243378"/>
-          </a:xfrm>
-          <a:prstGeom prst="downArrow">
-            <a:avLst/>
-          </a:prstGeom>
-        </p:spPr>
-        <p:style>
-          <a:lnRef idx="2">
-            <a:schemeClr val="accent1">
-              <a:shade val="50000"/>
-            </a:schemeClr>
-          </a:lnRef>
-          <a:fillRef idx="1">
-            <a:schemeClr val="accent1"/>
-          </a:fillRef>
-          <a:effectRef idx="0">
-            <a:schemeClr val="accent1"/>
-          </a:effectRef>
-          <a:fontRef idx="minor">
-            <a:schemeClr val="lt1"/>
-          </a:fontRef>
-        </p:style>
-        <p:txBody>
-          <a:bodyPr rtlCol="0" anchor="ctr"/>
-          <a:lstStyle/>
-          <a:p>
-            <a:pPr algn="ctr"/>
-            <a:endParaRPr lang="en-GB"/>
-          </a:p>
-        </p:txBody>
-      </p:sp>
-      <p:sp>
-        <p:nvSpPr>
-          <p:cNvPr id="32" name="Rectangle 31">
-            <a:extLst>
-              <a:ext uri="{FF2B5EF4-FFF2-40B4-BE49-F238E27FC236}">
-                <a16:creationId xmlns:a16="http://schemas.microsoft.com/office/drawing/2014/main" id="{8B8C7781-806C-4BAB-BF79-1C8CAE6D6AE7}"/>
-              </a:ext>
-            </a:extLst>
-          </p:cNvPr>
-          <p:cNvSpPr/>
-          <p:nvPr/>
-        </p:nvSpPr>
-        <p:spPr>
-          <a:xfrm>
-            <a:off x="10131531" y="5923475"/>
-            <a:ext cx="386644" cy="369332"/>
-          </a:xfrm>
-          <a:prstGeom prst="rect">
-            <a:avLst/>
-          </a:prstGeom>
-        </p:spPr>
-        <p:txBody>
-          <a:bodyPr wrap="none">
-            <a:spAutoFit/>
-          </a:bodyPr>
-          <a:lstStyle/>
-          <a:p>
-            <a:r>
-              <a:rPr lang="en-US" b="1" dirty="0">
-                <a:solidFill>
-                  <a:schemeClr val="accent1"/>
-                </a:solidFill>
-              </a:rPr>
-              <a:t>…</a:t>
-            </a:r>
-            <a:endParaRPr lang="en-GB" b="1" dirty="0">
-              <a:solidFill>
-                <a:schemeClr val="accent1"/>
-              </a:solidFill>
-            </a:endParaRPr>
-          </a:p>
-        </p:txBody>
-      </p:sp>
-      <p:sp>
-        <p:nvSpPr>
-          <p:cNvPr id="33" name="Arrow: Down 32">
-            <a:extLst>
-              <a:ext uri="{FF2B5EF4-FFF2-40B4-BE49-F238E27FC236}">
-                <a16:creationId xmlns:a16="http://schemas.microsoft.com/office/drawing/2014/main" id="{8CD7BE1D-1501-4D57-98FD-F3BB959E087C}"/>
-              </a:ext>
-            </a:extLst>
-          </p:cNvPr>
-          <p:cNvSpPr/>
-          <p:nvPr/>
-        </p:nvSpPr>
-        <p:spPr>
-          <a:xfrm rot="16200000">
-            <a:off x="9722552" y="5997647"/>
-            <a:ext cx="382566" cy="243378"/>
-          </a:xfrm>
-          <a:prstGeom prst="downArrow">
-            <a:avLst/>
-          </a:prstGeom>
-        </p:spPr>
-        <p:style>
-          <a:lnRef idx="2">
-            <a:schemeClr val="accent1">
-              <a:shade val="50000"/>
-            </a:schemeClr>
-          </a:lnRef>
-          <a:fillRef idx="1">
-            <a:schemeClr val="accent1"/>
-          </a:fillRef>
-          <a:effectRef idx="0">
-            <a:schemeClr val="accent1"/>
-          </a:effectRef>
-          <a:fontRef idx="minor">
-            <a:schemeClr val="lt1"/>
-          </a:fontRef>
-        </p:style>
-        <p:txBody>
-          <a:bodyPr rtlCol="0" anchor="ctr"/>
-          <a:lstStyle/>
-          <a:p>
-            <a:pPr algn="ctr"/>
-            <a:endParaRPr lang="en-GB"/>
-          </a:p>
-        </p:txBody>
-      </p:sp>
-    </p:spTree>
-    <p:extLst>
-      <p:ext uri="{BB962C8B-B14F-4D97-AF65-F5344CB8AC3E}">
-        <p14:creationId xmlns:p14="http://schemas.microsoft.com/office/powerpoint/2010/main" val="1465111496"/>
-      </p:ext>
-    </p:extLst>
-  </p:cSld>
-  <p:clrMapOvr>
-    <a:masterClrMapping/>
-  </p:clrMapOvr>
-</p:sld>
-</file>
-
-<file path=ppt/slides/slide20.xml><?xml version="1.0" encoding="utf-8"?>
+<file path=ppt/slides/slide21.xml><?xml version="1.0" encoding="utf-8"?>
 <p:sld xmlns:a="http://schemas.openxmlformats.org/drawingml/2006/main" xmlns:r="http://schemas.openxmlformats.org/officeDocument/2006/relationships" xmlns:p="http://schemas.openxmlformats.org/presentationml/2006/main">
   <p:cSld>
     <p:spTree>
@@ -44559,7 +46159,7 @@
 </p:sld>
 </file>
 
-<file path=ppt/slides/slide21.xml><?xml version="1.0" encoding="utf-8"?>
+<file path=ppt/slides/slide22.xml><?xml version="1.0" encoding="utf-8"?>
 <p:sld xmlns:a="http://schemas.openxmlformats.org/drawingml/2006/main" xmlns:r="http://schemas.openxmlformats.org/officeDocument/2006/relationships" xmlns:p="http://schemas.openxmlformats.org/presentationml/2006/main">
   <p:cSld>
     <p:spTree>
@@ -44660,7 +46260,7 @@
 </p:sld>
 </file>
 
-<file path=ppt/slides/slide22.xml><?xml version="1.0" encoding="utf-8"?>
+<file path=ppt/slides/slide23.xml><?xml version="1.0" encoding="utf-8"?>
 <p:sld xmlns:a="http://schemas.openxmlformats.org/drawingml/2006/main" xmlns:r="http://schemas.openxmlformats.org/officeDocument/2006/relationships" xmlns:p="http://schemas.openxmlformats.org/presentationml/2006/main">
   <p:cSld>
     <p:spTree>
@@ -44960,7 +46560,7 @@
 </p:sld>
 </file>
 
-<file path=ppt/slides/slide23.xml><?xml version="1.0" encoding="utf-8"?>
+<file path=ppt/slides/slide24.xml><?xml version="1.0" encoding="utf-8"?>
 <p:sld xmlns:a="http://schemas.openxmlformats.org/drawingml/2006/main" xmlns:r="http://schemas.openxmlformats.org/officeDocument/2006/relationships" xmlns:p="http://schemas.openxmlformats.org/presentationml/2006/main">
   <p:cSld>
     <p:spTree>
@@ -45312,7 +46912,7 @@
 </p:sld>
 </file>
 
-<file path=ppt/slides/slide24.xml><?xml version="1.0" encoding="utf-8"?>
+<file path=ppt/slides/slide25.xml><?xml version="1.0" encoding="utf-8"?>
 <p:sld xmlns:a="http://schemas.openxmlformats.org/drawingml/2006/main" xmlns:r="http://schemas.openxmlformats.org/officeDocument/2006/relationships" xmlns:p="http://schemas.openxmlformats.org/presentationml/2006/main">
   <p:cSld>
     <p:spTree>
@@ -45664,7 +47264,7 @@
 </p:sld>
 </file>
 
-<file path=ppt/slides/slide25.xml><?xml version="1.0" encoding="utf-8"?>
+<file path=ppt/slides/slide26.xml><?xml version="1.0" encoding="utf-8"?>
 <p:sld xmlns:a="http://schemas.openxmlformats.org/drawingml/2006/main" xmlns:r="http://schemas.openxmlformats.org/officeDocument/2006/relationships" xmlns:p="http://schemas.openxmlformats.org/presentationml/2006/main">
   <p:cSld>
     <p:spTree>
@@ -46047,7 +47647,7 @@
 </p:sld>
 </file>
 
-<file path=ppt/slides/slide26.xml><?xml version="1.0" encoding="utf-8"?>
+<file path=ppt/slides/slide27.xml><?xml version="1.0" encoding="utf-8"?>
 <p:sld xmlns:a="http://schemas.openxmlformats.org/drawingml/2006/main" xmlns:r="http://schemas.openxmlformats.org/officeDocument/2006/relationships" xmlns:p="http://schemas.openxmlformats.org/presentationml/2006/main">
   <p:cSld>
     <p:spTree>
@@ -46381,7 +47981,7 @@
 </p:sld>
 </file>
 
-<file path=ppt/slides/slide27.xml><?xml version="1.0" encoding="utf-8"?>
+<file path=ppt/slides/slide28.xml><?xml version="1.0" encoding="utf-8"?>
 <p:sld xmlns:a="http://schemas.openxmlformats.org/drawingml/2006/main" xmlns:r="http://schemas.openxmlformats.org/officeDocument/2006/relationships" xmlns:p="http://schemas.openxmlformats.org/presentationml/2006/main">
   <p:cSld>
     <p:spTree>
@@ -46800,7 +48400,7 @@
 </p:sld>
 </file>
 
-<file path=ppt/slides/slide28.xml><?xml version="1.0" encoding="utf-8"?>
+<file path=ppt/slides/slide29.xml><?xml version="1.0" encoding="utf-8"?>
 <p:sld xmlns:a="http://schemas.openxmlformats.org/drawingml/2006/main" xmlns:r="http://schemas.openxmlformats.org/officeDocument/2006/relationships" xmlns:p="http://schemas.openxmlformats.org/presentationml/2006/main">
   <p:cSld>
     <p:spTree>
@@ -47293,244 +48893,6 @@
 </p:sld>
 </file>
 
-<file path=ppt/slides/slide29.xml><?xml version="1.0" encoding="utf-8"?>
-<p:sld xmlns:a="http://schemas.openxmlformats.org/drawingml/2006/main" xmlns:r="http://schemas.openxmlformats.org/officeDocument/2006/relationships" xmlns:p="http://schemas.openxmlformats.org/presentationml/2006/main">
-  <p:cSld>
-    <p:spTree>
-      <p:nvGrpSpPr>
-        <p:cNvPr id="1" name=""/>
-        <p:cNvGrpSpPr/>
-        <p:nvPr/>
-      </p:nvGrpSpPr>
-      <p:grpSpPr>
-        <a:xfrm>
-          <a:off x="0" y="0"/>
-          <a:ext cx="0" cy="0"/>
-          <a:chOff x="0" y="0"/>
-          <a:chExt cx="0" cy="0"/>
-        </a:xfrm>
-      </p:grpSpPr>
-      <p:sp>
-        <p:nvSpPr>
-          <p:cNvPr id="2" name="Title 1"/>
-          <p:cNvSpPr>
-            <a:spLocks noGrp="1"/>
-          </p:cNvSpPr>
-          <p:nvPr>
-            <p:ph type="title"/>
-          </p:nvPr>
-        </p:nvSpPr>
-        <p:spPr/>
-        <p:txBody>
-          <a:bodyPr/>
-          <a:lstStyle/>
-          <a:p>
-            <a:r>
-              <a:rPr lang="en-GB" dirty="0"/>
-              <a:t>Continuous delivery (ii)</a:t>
-            </a:r>
-          </a:p>
-        </p:txBody>
-      </p:sp>
-      <p:sp>
-        <p:nvSpPr>
-          <p:cNvPr id="8" name="Text Placeholder 7">
-            <a:extLst>
-              <a:ext uri="{FF2B5EF4-FFF2-40B4-BE49-F238E27FC236}">
-                <a16:creationId xmlns:a16="http://schemas.microsoft.com/office/drawing/2014/main" id="{72FF4E8F-2A05-4704-A724-BE2932E4FDEF}"/>
-              </a:ext>
-            </a:extLst>
-          </p:cNvPr>
-          <p:cNvSpPr>
-            <a:spLocks noGrp="1"/>
-          </p:cNvSpPr>
-          <p:nvPr>
-            <p:ph type="body" sz="half" idx="2"/>
-          </p:nvPr>
-        </p:nvSpPr>
-        <p:spPr/>
-        <p:txBody>
-          <a:bodyPr/>
-          <a:lstStyle/>
-          <a:p>
-            <a:endParaRPr lang="en-GB" dirty="0">
-              <a:latin typeface="CamingoDosPro-Regular"/>
-            </a:endParaRPr>
-          </a:p>
-          <a:p>
-            <a:r>
-              <a:rPr lang="en-GB" dirty="0">
-                <a:latin typeface="CamingoDosPro-Regular"/>
-              </a:rPr>
-              <a:t>Software always </a:t>
-            </a:r>
-            <a:r>
-              <a:rPr lang="en-GB" b="1" dirty="0">
-                <a:latin typeface="CamingoDosPro-Regular"/>
-              </a:rPr>
-              <a:t>production ready</a:t>
-            </a:r>
-          </a:p>
-          <a:p>
-            <a:endParaRPr lang="en-GB" b="1" dirty="0">
-              <a:latin typeface="CamingoDosPro-Regular"/>
-            </a:endParaRPr>
-          </a:p>
-          <a:p>
-            <a:r>
-              <a:rPr lang="en-GB" dirty="0">
-                <a:latin typeface="CamingoDosPro-Regular"/>
-              </a:rPr>
-              <a:t>Releases tied to business needs, not</a:t>
-            </a:r>
-          </a:p>
-          <a:p>
-            <a:r>
-              <a:rPr lang="en-GB" dirty="0">
-                <a:latin typeface="CamingoDosPro-Regular"/>
-              </a:rPr>
-              <a:t>operational constraints</a:t>
-            </a:r>
-            <a:endParaRPr lang="en-GB" dirty="0"/>
-          </a:p>
-          <a:p>
-            <a:endParaRPr lang="en-GB" dirty="0"/>
-          </a:p>
-        </p:txBody>
-      </p:sp>
-      <p:sp>
-        <p:nvSpPr>
-          <p:cNvPr id="16" name="Content Placeholder 2">
-            <a:extLst>
-              <a:ext uri="{FF2B5EF4-FFF2-40B4-BE49-F238E27FC236}">
-                <a16:creationId xmlns:a16="http://schemas.microsoft.com/office/drawing/2014/main" id="{544998FD-9E59-4A3B-A063-DEDAEEBDA017}"/>
-              </a:ext>
-            </a:extLst>
-          </p:cNvPr>
-          <p:cNvSpPr>
-            <a:spLocks noGrp="1"/>
-          </p:cNvSpPr>
-          <p:nvPr>
-            <p:ph idx="1"/>
-          </p:nvPr>
-        </p:nvSpPr>
-        <p:spPr>
-          <a:xfrm>
-            <a:off x="3869268" y="864108"/>
-            <a:ext cx="7315200" cy="5120640"/>
-          </a:xfrm>
-        </p:spPr>
-        <p:txBody>
-          <a:bodyPr/>
-          <a:lstStyle/>
-          <a:p>
-            <a:pPr marL="0" indent="0">
-              <a:buNone/>
-            </a:pPr>
-            <a:r>
-              <a:rPr lang="en-GB" i="1" dirty="0"/>
-              <a:t>We want…</a:t>
-            </a:r>
-          </a:p>
-          <a:p>
-            <a:pPr marL="0" indent="0">
-              <a:buNone/>
-            </a:pPr>
-            <a:endParaRPr lang="en-GB" dirty="0"/>
-          </a:p>
-          <a:p>
-            <a:pPr marL="0" indent="0">
-              <a:buNone/>
-            </a:pPr>
-            <a:r>
-              <a:rPr lang="en-GB" dirty="0"/>
-              <a:t>Fast, automated feedback on the production readiness of the applications every time there is a change in:</a:t>
-            </a:r>
-          </a:p>
-          <a:p>
-            <a:r>
-              <a:rPr lang="en-GB" dirty="0"/>
-              <a:t>Code</a:t>
-            </a:r>
-          </a:p>
-          <a:p>
-            <a:r>
-              <a:rPr lang="en-GB" dirty="0"/>
-              <a:t>Infrastructure</a:t>
-            </a:r>
-          </a:p>
-          <a:p>
-            <a:r>
-              <a:rPr lang="en-GB" dirty="0"/>
-              <a:t>Configuration</a:t>
-            </a:r>
-          </a:p>
-          <a:p>
-            <a:endParaRPr lang="en-GB" dirty="0"/>
-          </a:p>
-          <a:p>
-            <a:pPr marL="0" indent="0">
-              <a:buNone/>
-            </a:pPr>
-            <a:r>
-              <a:rPr lang="en-GB" b="1" dirty="0">
-                <a:solidFill>
-                  <a:schemeClr val="accent1"/>
-                </a:solidFill>
-              </a:rPr>
-              <a:t>Deploy</a:t>
-            </a:r>
-            <a:r>
-              <a:rPr lang="en-GB" dirty="0">
-                <a:solidFill>
-                  <a:schemeClr val="accent1"/>
-                </a:solidFill>
-              </a:rPr>
-              <a:t> N times</a:t>
-            </a:r>
-          </a:p>
-          <a:p>
-            <a:pPr marL="0" indent="0">
-              <a:buNone/>
-            </a:pPr>
-            <a:r>
-              <a:rPr lang="en-GB" b="1" dirty="0">
-                <a:solidFill>
-                  <a:schemeClr val="accent1"/>
-                </a:solidFill>
-              </a:rPr>
-              <a:t>Release</a:t>
-            </a:r>
-            <a:r>
-              <a:rPr lang="en-GB" dirty="0">
-                <a:solidFill>
-                  <a:schemeClr val="accent1"/>
-                </a:solidFill>
-              </a:rPr>
-              <a:t> by simply “enabling a flag”</a:t>
-            </a:r>
-          </a:p>
-          <a:p>
-            <a:pPr marL="0" indent="0">
-              <a:buNone/>
-            </a:pPr>
-            <a:endParaRPr lang="en-GB" dirty="0"/>
-          </a:p>
-        </p:txBody>
-      </p:sp>
-    </p:spTree>
-    <p:extLst>
-      <p:ext uri="{BB962C8B-B14F-4D97-AF65-F5344CB8AC3E}">
-        <p14:creationId xmlns:p14="http://schemas.microsoft.com/office/powerpoint/2010/main" val="85691741"/>
-      </p:ext>
-    </p:extLst>
-  </p:cSld>
-  <p:clrMapOvr>
-    <a:masterClrMapping/>
-  </p:clrMapOvr>
-</p:sld>
-</file>
-
 <file path=ppt/slides/slide3.xml><?xml version="1.0" encoding="utf-8"?>
 <p:sld xmlns:a="http://schemas.openxmlformats.org/drawingml/2006/main" xmlns:r="http://schemas.openxmlformats.org/officeDocument/2006/relationships" xmlns:p="http://schemas.openxmlformats.org/presentationml/2006/main">
   <p:cSld>
@@ -47635,6 +48997,244 @@
 </file>
 
 <file path=ppt/slides/slide30.xml><?xml version="1.0" encoding="utf-8"?>
+<p:sld xmlns:a="http://schemas.openxmlformats.org/drawingml/2006/main" xmlns:r="http://schemas.openxmlformats.org/officeDocument/2006/relationships" xmlns:p="http://schemas.openxmlformats.org/presentationml/2006/main">
+  <p:cSld>
+    <p:spTree>
+      <p:nvGrpSpPr>
+        <p:cNvPr id="1" name=""/>
+        <p:cNvGrpSpPr/>
+        <p:nvPr/>
+      </p:nvGrpSpPr>
+      <p:grpSpPr>
+        <a:xfrm>
+          <a:off x="0" y="0"/>
+          <a:ext cx="0" cy="0"/>
+          <a:chOff x="0" y="0"/>
+          <a:chExt cx="0" cy="0"/>
+        </a:xfrm>
+      </p:grpSpPr>
+      <p:sp>
+        <p:nvSpPr>
+          <p:cNvPr id="2" name="Title 1"/>
+          <p:cNvSpPr>
+            <a:spLocks noGrp="1"/>
+          </p:cNvSpPr>
+          <p:nvPr>
+            <p:ph type="title"/>
+          </p:nvPr>
+        </p:nvSpPr>
+        <p:spPr/>
+        <p:txBody>
+          <a:bodyPr/>
+          <a:lstStyle/>
+          <a:p>
+            <a:r>
+              <a:rPr lang="en-GB" dirty="0"/>
+              <a:t>Continuous delivery (ii)</a:t>
+            </a:r>
+          </a:p>
+        </p:txBody>
+      </p:sp>
+      <p:sp>
+        <p:nvSpPr>
+          <p:cNvPr id="8" name="Text Placeholder 7">
+            <a:extLst>
+              <a:ext uri="{FF2B5EF4-FFF2-40B4-BE49-F238E27FC236}">
+                <a16:creationId xmlns:a16="http://schemas.microsoft.com/office/drawing/2014/main" id="{72FF4E8F-2A05-4704-A724-BE2932E4FDEF}"/>
+              </a:ext>
+            </a:extLst>
+          </p:cNvPr>
+          <p:cNvSpPr>
+            <a:spLocks noGrp="1"/>
+          </p:cNvSpPr>
+          <p:nvPr>
+            <p:ph type="body" sz="half" idx="2"/>
+          </p:nvPr>
+        </p:nvSpPr>
+        <p:spPr/>
+        <p:txBody>
+          <a:bodyPr/>
+          <a:lstStyle/>
+          <a:p>
+            <a:endParaRPr lang="en-GB" dirty="0">
+              <a:latin typeface="CamingoDosPro-Regular"/>
+            </a:endParaRPr>
+          </a:p>
+          <a:p>
+            <a:r>
+              <a:rPr lang="en-GB" dirty="0">
+                <a:latin typeface="CamingoDosPro-Regular"/>
+              </a:rPr>
+              <a:t>Software always </a:t>
+            </a:r>
+            <a:r>
+              <a:rPr lang="en-GB" b="1" dirty="0">
+                <a:latin typeface="CamingoDosPro-Regular"/>
+              </a:rPr>
+              <a:t>production ready</a:t>
+            </a:r>
+          </a:p>
+          <a:p>
+            <a:endParaRPr lang="en-GB" b="1" dirty="0">
+              <a:latin typeface="CamingoDosPro-Regular"/>
+            </a:endParaRPr>
+          </a:p>
+          <a:p>
+            <a:r>
+              <a:rPr lang="en-GB" dirty="0">
+                <a:latin typeface="CamingoDosPro-Regular"/>
+              </a:rPr>
+              <a:t>Releases tied to business needs, not</a:t>
+            </a:r>
+          </a:p>
+          <a:p>
+            <a:r>
+              <a:rPr lang="en-GB" dirty="0">
+                <a:latin typeface="CamingoDosPro-Regular"/>
+              </a:rPr>
+              <a:t>operational constraints</a:t>
+            </a:r>
+            <a:endParaRPr lang="en-GB" dirty="0"/>
+          </a:p>
+          <a:p>
+            <a:endParaRPr lang="en-GB" dirty="0"/>
+          </a:p>
+        </p:txBody>
+      </p:sp>
+      <p:sp>
+        <p:nvSpPr>
+          <p:cNvPr id="16" name="Content Placeholder 2">
+            <a:extLst>
+              <a:ext uri="{FF2B5EF4-FFF2-40B4-BE49-F238E27FC236}">
+                <a16:creationId xmlns:a16="http://schemas.microsoft.com/office/drawing/2014/main" id="{544998FD-9E59-4A3B-A063-DEDAEEBDA017}"/>
+              </a:ext>
+            </a:extLst>
+          </p:cNvPr>
+          <p:cNvSpPr>
+            <a:spLocks noGrp="1"/>
+          </p:cNvSpPr>
+          <p:nvPr>
+            <p:ph idx="1"/>
+          </p:nvPr>
+        </p:nvSpPr>
+        <p:spPr>
+          <a:xfrm>
+            <a:off x="3869268" y="864108"/>
+            <a:ext cx="7315200" cy="5120640"/>
+          </a:xfrm>
+        </p:spPr>
+        <p:txBody>
+          <a:bodyPr/>
+          <a:lstStyle/>
+          <a:p>
+            <a:pPr marL="0" indent="0">
+              <a:buNone/>
+            </a:pPr>
+            <a:r>
+              <a:rPr lang="en-GB" i="1" dirty="0"/>
+              <a:t>We want…</a:t>
+            </a:r>
+          </a:p>
+          <a:p>
+            <a:pPr marL="0" indent="0">
+              <a:buNone/>
+            </a:pPr>
+            <a:endParaRPr lang="en-GB" dirty="0"/>
+          </a:p>
+          <a:p>
+            <a:pPr marL="0" indent="0">
+              <a:buNone/>
+            </a:pPr>
+            <a:r>
+              <a:rPr lang="en-GB" dirty="0"/>
+              <a:t>Fast, automated feedback on the production readiness of the applications every time there is a change in:</a:t>
+            </a:r>
+          </a:p>
+          <a:p>
+            <a:r>
+              <a:rPr lang="en-GB" dirty="0"/>
+              <a:t>Code</a:t>
+            </a:r>
+          </a:p>
+          <a:p>
+            <a:r>
+              <a:rPr lang="en-GB" dirty="0"/>
+              <a:t>Infrastructure</a:t>
+            </a:r>
+          </a:p>
+          <a:p>
+            <a:r>
+              <a:rPr lang="en-GB" dirty="0"/>
+              <a:t>Configuration</a:t>
+            </a:r>
+          </a:p>
+          <a:p>
+            <a:endParaRPr lang="en-GB" dirty="0"/>
+          </a:p>
+          <a:p>
+            <a:pPr marL="0" indent="0">
+              <a:buNone/>
+            </a:pPr>
+            <a:r>
+              <a:rPr lang="en-GB" b="1" dirty="0">
+                <a:solidFill>
+                  <a:schemeClr val="accent1"/>
+                </a:solidFill>
+              </a:rPr>
+              <a:t>Deploy</a:t>
+            </a:r>
+            <a:r>
+              <a:rPr lang="en-GB" dirty="0">
+                <a:solidFill>
+                  <a:schemeClr val="accent1"/>
+                </a:solidFill>
+              </a:rPr>
+              <a:t> N times</a:t>
+            </a:r>
+          </a:p>
+          <a:p>
+            <a:pPr marL="0" indent="0">
+              <a:buNone/>
+            </a:pPr>
+            <a:r>
+              <a:rPr lang="en-GB" b="1" dirty="0">
+                <a:solidFill>
+                  <a:schemeClr val="accent1"/>
+                </a:solidFill>
+              </a:rPr>
+              <a:t>Release</a:t>
+            </a:r>
+            <a:r>
+              <a:rPr lang="en-GB" dirty="0">
+                <a:solidFill>
+                  <a:schemeClr val="accent1"/>
+                </a:solidFill>
+              </a:rPr>
+              <a:t> by simply “enabling a flag”</a:t>
+            </a:r>
+          </a:p>
+          <a:p>
+            <a:pPr marL="0" indent="0">
+              <a:buNone/>
+            </a:pPr>
+            <a:endParaRPr lang="en-GB" dirty="0"/>
+          </a:p>
+        </p:txBody>
+      </p:sp>
+    </p:spTree>
+    <p:extLst>
+      <p:ext uri="{BB962C8B-B14F-4D97-AF65-F5344CB8AC3E}">
+        <p14:creationId xmlns:p14="http://schemas.microsoft.com/office/powerpoint/2010/main" val="85691741"/>
+      </p:ext>
+    </p:extLst>
+  </p:cSld>
+  <p:clrMapOvr>
+    <a:masterClrMapping/>
+  </p:clrMapOvr>
+</p:sld>
+</file>
+
+<file path=ppt/slides/slide31.xml><?xml version="1.0" encoding="utf-8"?>
 <p:sld xmlns:a="http://schemas.openxmlformats.org/drawingml/2006/main" xmlns:r="http://schemas.openxmlformats.org/officeDocument/2006/relationships" xmlns:p="http://schemas.openxmlformats.org/presentationml/2006/main">
   <p:cSld>
     <p:spTree>
@@ -47711,7 +49311,7 @@
 </p:sld>
 </file>
 
-<file path=ppt/slides/slide31.xml><?xml version="1.0" encoding="utf-8"?>
+<file path=ppt/slides/slide32.xml><?xml version="1.0" encoding="utf-8"?>
 <p:sld xmlns:a="http://schemas.openxmlformats.org/drawingml/2006/main" xmlns:r="http://schemas.openxmlformats.org/officeDocument/2006/relationships" xmlns:p="http://schemas.openxmlformats.org/presentationml/2006/main">
   <p:cSld>
     <p:spTree>
@@ -48017,7 +49617,7 @@
 </p:sld>
 </file>
 
-<file path=ppt/slides/slide32.xml><?xml version="1.0" encoding="utf-8"?>
+<file path=ppt/slides/slide33.xml><?xml version="1.0" encoding="utf-8"?>
 <p:sld xmlns:a="http://schemas.openxmlformats.org/drawingml/2006/main" xmlns:r="http://schemas.openxmlformats.org/officeDocument/2006/relationships" xmlns:p="http://schemas.openxmlformats.org/presentationml/2006/main">
   <p:cSld>
     <p:spTree>
@@ -48588,7 +50188,7 @@
 </p:sld>
 </file>
 
-<file path=ppt/slides/slide33.xml><?xml version="1.0" encoding="utf-8"?>
+<file path=ppt/slides/slide34.xml><?xml version="1.0" encoding="utf-8"?>
 <p:sld xmlns:a="http://schemas.openxmlformats.org/drawingml/2006/main" xmlns:r="http://schemas.openxmlformats.org/officeDocument/2006/relationships" xmlns:p="http://schemas.openxmlformats.org/presentationml/2006/main">
   <p:cSld>
     <p:spTree>
@@ -49073,7 +50673,7 @@
 </p:sld>
 </file>
 
-<file path=ppt/slides/slide34.xml><?xml version="1.0" encoding="utf-8"?>
+<file path=ppt/slides/slide35.xml><?xml version="1.0" encoding="utf-8"?>
 <p:sld xmlns:a="http://schemas.openxmlformats.org/drawingml/2006/main" xmlns:r="http://schemas.openxmlformats.org/officeDocument/2006/relationships" xmlns:p="http://schemas.openxmlformats.org/presentationml/2006/main">
   <p:cSld>
     <p:spTree>
@@ -49436,7 +51036,7 @@
 </p:sld>
 </file>
 
-<file path=ppt/slides/slide35.xml><?xml version="1.0" encoding="utf-8"?>
+<file path=ppt/slides/slide36.xml><?xml version="1.0" encoding="utf-8"?>
 <p:sld xmlns:a="http://schemas.openxmlformats.org/drawingml/2006/main" xmlns:r="http://schemas.openxmlformats.org/officeDocument/2006/relationships" xmlns:p="http://schemas.openxmlformats.org/presentationml/2006/main">
   <p:cSld>
     <p:spTree>
@@ -49851,7 +51451,7 @@
 </p:sld>
 </file>
 
-<file path=ppt/slides/slide36.xml><?xml version="1.0" encoding="utf-8"?>
+<file path=ppt/slides/slide37.xml><?xml version="1.0" encoding="utf-8"?>
 <p:sld xmlns:a="http://schemas.openxmlformats.org/drawingml/2006/main" xmlns:r="http://schemas.openxmlformats.org/officeDocument/2006/relationships" xmlns:p="http://schemas.openxmlformats.org/presentationml/2006/main">
   <p:cSld>
     <p:spTree>
@@ -50063,7 +51663,7 @@
 </p:sld>
 </file>
 
-<file path=ppt/slides/slide37.xml><?xml version="1.0" encoding="utf-8"?>
+<file path=ppt/slides/slide38.xml><?xml version="1.0" encoding="utf-8"?>
 <p:sld xmlns:a="http://schemas.openxmlformats.org/drawingml/2006/main" xmlns:r="http://schemas.openxmlformats.org/officeDocument/2006/relationships" xmlns:p="http://schemas.openxmlformats.org/presentationml/2006/main">
   <p:cSld>
     <p:spTree>
@@ -50442,6 +52042,521 @@
 </p:sld>
 </file>
 
+<file path=ppt/slides/slide39.xml><?xml version="1.0" encoding="utf-8"?>
+<p:sld xmlns:a="http://schemas.openxmlformats.org/drawingml/2006/main" xmlns:r="http://schemas.openxmlformats.org/officeDocument/2006/relationships" xmlns:p="http://schemas.openxmlformats.org/presentationml/2006/main">
+  <p:cSld>
+    <p:spTree>
+      <p:nvGrpSpPr>
+        <p:cNvPr id="1" name=""/>
+        <p:cNvGrpSpPr/>
+        <p:nvPr/>
+      </p:nvGrpSpPr>
+      <p:grpSpPr>
+        <a:xfrm>
+          <a:off x="0" y="0"/>
+          <a:ext cx="0" cy="0"/>
+          <a:chOff x="0" y="0"/>
+          <a:chExt cx="0" cy="0"/>
+        </a:xfrm>
+      </p:grpSpPr>
+      <p:sp>
+        <p:nvSpPr>
+          <p:cNvPr id="12297" name="Rectangle 12296"/>
+          <p:cNvSpPr>
+            <a:spLocks noGrp="1" noRot="1" noChangeAspect="1" noMove="1" noResize="1" noEditPoints="1" noAdjustHandles="1" noChangeArrowheads="1" noChangeShapeType="1" noTextEdit="1"/>
+          </p:cNvSpPr>
+          <p:nvPr>
+            <p:extLst>
+              <p:ext uri="{386F3935-93C4-4BCD-93E2-E3B085C9AB24}">
+                <p16:designElem xmlns:p16="http://schemas.microsoft.com/office/powerpoint/2015/main" val="1"/>
+              </p:ext>
+            </p:extLst>
+          </p:nvPr>
+        </p:nvSpPr>
+        <p:spPr bwMode="white">
+          <a:xfrm>
+            <a:off x="0" y="0"/>
+            <a:ext cx="12192000" cy="6858000"/>
+          </a:xfrm>
+          <a:prstGeom prst="rect">
+            <a:avLst/>
+          </a:prstGeom>
+          <a:solidFill>
+            <a:schemeClr val="bg1"/>
+          </a:solidFill>
+          <a:ln>
+            <a:noFill/>
+          </a:ln>
+          <a:effectLst/>
+        </p:spPr>
+      </p:sp>
+      <p:sp>
+        <p:nvSpPr>
+          <p:cNvPr id="75" name="Rectangle 74"/>
+          <p:cNvSpPr>
+            <a:spLocks noGrp="1" noRot="1" noChangeAspect="1" noMove="1" noResize="1" noEditPoints="1" noAdjustHandles="1" noChangeArrowheads="1" noChangeShapeType="1" noTextEdit="1"/>
+          </p:cNvSpPr>
+          <p:nvPr>
+            <p:extLst>
+              <p:ext uri="{386F3935-93C4-4BCD-93E2-E3B085C9AB24}">
+                <p16:designElem xmlns:p16="http://schemas.microsoft.com/office/powerpoint/2015/main" val="1"/>
+              </p:ext>
+            </p:extLst>
+          </p:nvPr>
+        </p:nvSpPr>
+        <p:spPr>
+          <a:xfrm>
+            <a:off x="0" y="761999"/>
+            <a:ext cx="9141619" cy="5334001"/>
+          </a:xfrm>
+          <a:prstGeom prst="rect">
+            <a:avLst/>
+          </a:prstGeom>
+          <a:solidFill>
+            <a:schemeClr val="accent1"/>
+          </a:solidFill>
+          <a:ln>
+            <a:noFill/>
+          </a:ln>
+        </p:spPr>
+        <p:style>
+          <a:lnRef idx="2">
+            <a:schemeClr val="accent1">
+              <a:shade val="50000"/>
+            </a:schemeClr>
+          </a:lnRef>
+          <a:fillRef idx="1">
+            <a:schemeClr val="accent1"/>
+          </a:fillRef>
+          <a:effectRef idx="0">
+            <a:schemeClr val="accent1"/>
+          </a:effectRef>
+          <a:fontRef idx="minor">
+            <a:schemeClr val="lt1"/>
+          </a:fontRef>
+        </p:style>
+      </p:sp>
+      <p:sp>
+        <p:nvSpPr>
+          <p:cNvPr id="77" name="Rectangle 76"/>
+          <p:cNvSpPr>
+            <a:spLocks noGrp="1" noRot="1" noChangeAspect="1" noMove="1" noResize="1" noEditPoints="1" noAdjustHandles="1" noChangeArrowheads="1" noChangeShapeType="1" noTextEdit="1"/>
+          </p:cNvSpPr>
+          <p:nvPr>
+            <p:extLst>
+              <p:ext uri="{386F3935-93C4-4BCD-93E2-E3B085C9AB24}">
+                <p16:designElem xmlns:p16="http://schemas.microsoft.com/office/powerpoint/2015/main" val="1"/>
+              </p:ext>
+            </p:extLst>
+          </p:nvPr>
+        </p:nvSpPr>
+        <p:spPr>
+          <a:xfrm>
+            <a:off x="9270263" y="761999"/>
+            <a:ext cx="2925318" cy="5334001"/>
+          </a:xfrm>
+          <a:prstGeom prst="rect">
+            <a:avLst/>
+          </a:prstGeom>
+          <a:solidFill>
+            <a:srgbClr val="C8C8C8">
+              <a:alpha val="49804"/>
+            </a:srgbClr>
+          </a:solidFill>
+          <a:ln>
+            <a:noFill/>
+          </a:ln>
+        </p:spPr>
+        <p:style>
+          <a:lnRef idx="2">
+            <a:schemeClr val="accent1">
+              <a:shade val="50000"/>
+            </a:schemeClr>
+          </a:lnRef>
+          <a:fillRef idx="1">
+            <a:schemeClr val="accent1"/>
+          </a:fillRef>
+          <a:effectRef idx="0">
+            <a:schemeClr val="accent1"/>
+          </a:effectRef>
+          <a:fontRef idx="minor">
+            <a:schemeClr val="lt1"/>
+          </a:fontRef>
+        </p:style>
+      </p:sp>
+      <p:sp useBgFill="1">
+        <p:nvSpPr>
+          <p:cNvPr id="79" name="Rectangle 78"/>
+          <p:cNvSpPr>
+            <a:spLocks noGrp="1" noRot="1" noChangeAspect="1" noMove="1" noResize="1" noEditPoints="1" noAdjustHandles="1" noChangeArrowheads="1" noChangeShapeType="1" noTextEdit="1"/>
+          </p:cNvSpPr>
+          <p:nvPr>
+            <p:extLst>
+              <p:ext uri="{386F3935-93C4-4BCD-93E2-E3B085C9AB24}">
+                <p16:designElem xmlns:p16="http://schemas.microsoft.com/office/powerpoint/2015/main" val="1"/>
+              </p:ext>
+            </p:extLst>
+          </p:nvPr>
+        </p:nvSpPr>
+        <p:spPr>
+          <a:xfrm>
+            <a:off x="0" y="0"/>
+            <a:ext cx="12191999" cy="6858000"/>
+          </a:xfrm>
+          <a:prstGeom prst="rect">
+            <a:avLst/>
+          </a:prstGeom>
+          <a:ln>
+            <a:noFill/>
+          </a:ln>
+        </p:spPr>
+        <p:style>
+          <a:lnRef idx="2">
+            <a:schemeClr val="accent1">
+              <a:shade val="50000"/>
+            </a:schemeClr>
+          </a:lnRef>
+          <a:fillRef idx="1">
+            <a:schemeClr val="accent1"/>
+          </a:fillRef>
+          <a:effectRef idx="0">
+            <a:schemeClr val="accent1"/>
+          </a:effectRef>
+          <a:fontRef idx="minor">
+            <a:schemeClr val="lt1"/>
+          </a:fontRef>
+        </p:style>
+        <p:txBody>
+          <a:bodyPr rtlCol="0" anchor="ctr"/>
+          <a:lstStyle/>
+          <a:p>
+            <a:pPr algn="ctr"/>
+            <a:endParaRPr lang="en-US"/>
+          </a:p>
+        </p:txBody>
+      </p:sp>
+      <p:sp>
+        <p:nvSpPr>
+          <p:cNvPr id="81" name="Rectangle 80"/>
+          <p:cNvSpPr>
+            <a:spLocks noGrp="1" noRot="1" noChangeAspect="1" noMove="1" noResize="1" noEditPoints="1" noAdjustHandles="1" noChangeArrowheads="1" noChangeShapeType="1" noTextEdit="1"/>
+          </p:cNvSpPr>
+          <p:nvPr>
+            <p:extLst>
+              <p:ext uri="{386F3935-93C4-4BCD-93E2-E3B085C9AB24}">
+                <p16:designElem xmlns:p16="http://schemas.microsoft.com/office/powerpoint/2015/main" val="1"/>
+              </p:ext>
+            </p:extLst>
+          </p:nvPr>
+        </p:nvSpPr>
+        <p:spPr>
+          <a:xfrm>
+            <a:off x="0" y="4367639"/>
+            <a:ext cx="11707367" cy="1852186"/>
+          </a:xfrm>
+          <a:prstGeom prst="rect">
+            <a:avLst/>
+          </a:prstGeom>
+          <a:solidFill>
+            <a:schemeClr val="accent1"/>
+          </a:solidFill>
+          <a:ln>
+            <a:noFill/>
+          </a:ln>
+        </p:spPr>
+        <p:style>
+          <a:lnRef idx="2">
+            <a:schemeClr val="accent1">
+              <a:shade val="50000"/>
+            </a:schemeClr>
+          </a:lnRef>
+          <a:fillRef idx="1">
+            <a:schemeClr val="accent1"/>
+          </a:fillRef>
+          <a:effectRef idx="0">
+            <a:schemeClr val="accent1"/>
+          </a:effectRef>
+          <a:fontRef idx="minor">
+            <a:schemeClr val="lt1"/>
+          </a:fontRef>
+        </p:style>
+      </p:sp>
+      <p:pic>
+        <p:nvPicPr>
+          <p:cNvPr id="12290" name="Picture 2" descr="https://martinfowler.com/books/continuousDelivery.jpg">
+            <a:extLst>
+              <a:ext uri="{FF2B5EF4-FFF2-40B4-BE49-F238E27FC236}">
+                <a16:creationId xmlns:a16="http://schemas.microsoft.com/office/drawing/2014/main" id="{9A36478D-521A-41E0-B5B1-8E76B060524B}"/>
+              </a:ext>
+            </a:extLst>
+          </p:cNvPr>
+          <p:cNvPicPr>
+            <a:picLocks noChangeAspect="1" noChangeArrowheads="1"/>
+          </p:cNvPicPr>
+          <p:nvPr/>
+        </p:nvPicPr>
+        <p:blipFill>
+          <a:blip r:embed="rId2">
+            <a:extLst>
+              <a:ext uri="{28A0092B-C50C-407E-A947-70E740481C1C}">
+                <a14:useLocalDpi xmlns:a14="http://schemas.microsoft.com/office/drawing/2010/main" val="0"/>
+              </a:ext>
+            </a:extLst>
+          </a:blip>
+          <a:srcRect/>
+          <a:stretch>
+            <a:fillRect/>
+          </a:stretch>
+        </p:blipFill>
+        <p:spPr bwMode="auto">
+          <a:xfrm>
+            <a:off x="7704835" y="484632"/>
+            <a:ext cx="2694241" cy="3556755"/>
+          </a:xfrm>
+          <a:prstGeom prst="rect">
+            <a:avLst/>
+          </a:prstGeom>
+          <a:solidFill>
+            <a:srgbClr val="FFFFFF">
+              <a:shade val="85000"/>
+            </a:srgbClr>
+          </a:solidFill>
+          <a:ln w="88900" cap="sq">
+            <a:solidFill>
+              <a:srgbClr val="FFFFFF"/>
+            </a:solidFill>
+            <a:miter lim="800000"/>
+          </a:ln>
+          <a:effectLst>
+            <a:outerShdw blurRad="55000" dist="18000" dir="5400000" algn="tl" rotWithShape="0">
+              <a:srgbClr val="000000">
+                <a:alpha val="40000"/>
+              </a:srgbClr>
+            </a:outerShdw>
+          </a:effectLst>
+          <a:scene3d>
+            <a:camera prst="orthographicFront"/>
+            <a:lightRig rig="twoPt" dir="t">
+              <a:rot lat="0" lon="0" rev="7200000"/>
+            </a:lightRig>
+          </a:scene3d>
+          <a:sp3d>
+            <a:bevelT w="25400" h="19050"/>
+            <a:contourClr>
+              <a:srgbClr val="FFFFFF"/>
+            </a:contourClr>
+          </a:sp3d>
+          <a:extLst>
+            <a:ext uri="{909E8E84-426E-40DD-AFC4-6F175D3DCCD1}">
+              <a14:hiddenFill xmlns:a14="http://schemas.microsoft.com/office/drawing/2010/main">
+                <a:solidFill>
+                  <a:srgbClr val="FFFFFF"/>
+                </a:solidFill>
+              </a14:hiddenFill>
+            </a:ext>
+          </a:extLst>
+        </p:spPr>
+      </p:pic>
+      <p:pic>
+        <p:nvPicPr>
+          <p:cNvPr id="12292" name="Picture 4" descr="https://images-na.ssl-images-amazon.com/images/I/914-sUgELZL.jpg">
+            <a:extLst>
+              <a:ext uri="{FF2B5EF4-FFF2-40B4-BE49-F238E27FC236}">
+                <a16:creationId xmlns:a16="http://schemas.microsoft.com/office/drawing/2014/main" id="{52C15230-B929-4403-BE7B-A8F448F88749}"/>
+              </a:ext>
+            </a:extLst>
+          </p:cNvPr>
+          <p:cNvPicPr>
+            <a:picLocks noChangeAspect="1" noChangeArrowheads="1"/>
+          </p:cNvPicPr>
+          <p:nvPr/>
+        </p:nvPicPr>
+        <p:blipFill>
+          <a:blip r:embed="rId3" cstate="print">
+            <a:extLst>
+              <a:ext uri="{28A0092B-C50C-407E-A947-70E740481C1C}">
+                <a14:useLocalDpi xmlns:a14="http://schemas.microsoft.com/office/drawing/2010/main" val="0"/>
+              </a:ext>
+            </a:extLst>
+          </a:blip>
+          <a:srcRect/>
+          <a:stretch>
+            <a:fillRect/>
+          </a:stretch>
+        </p:blipFill>
+        <p:spPr bwMode="auto">
+          <a:xfrm>
+            <a:off x="1853524" y="484632"/>
+            <a:ext cx="2383025" cy="3556755"/>
+          </a:xfrm>
+          <a:prstGeom prst="rect">
+            <a:avLst/>
+          </a:prstGeom>
+          <a:solidFill>
+            <a:srgbClr val="FFFFFF">
+              <a:shade val="85000"/>
+            </a:srgbClr>
+          </a:solidFill>
+          <a:ln w="88900" cap="sq">
+            <a:solidFill>
+              <a:srgbClr val="FFFFFF"/>
+            </a:solidFill>
+            <a:miter lim="800000"/>
+          </a:ln>
+          <a:effectLst>
+            <a:outerShdw blurRad="55000" dist="18000" dir="5400000" algn="tl" rotWithShape="0">
+              <a:srgbClr val="000000">
+                <a:alpha val="40000"/>
+              </a:srgbClr>
+            </a:outerShdw>
+          </a:effectLst>
+          <a:scene3d>
+            <a:camera prst="orthographicFront"/>
+            <a:lightRig rig="twoPt" dir="t">
+              <a:rot lat="0" lon="0" rev="7200000"/>
+            </a:lightRig>
+          </a:scene3d>
+          <a:sp3d>
+            <a:bevelT w="25400" h="19050"/>
+            <a:contourClr>
+              <a:srgbClr val="FFFFFF"/>
+            </a:contourClr>
+          </a:sp3d>
+          <a:extLst>
+            <a:ext uri="{909E8E84-426E-40DD-AFC4-6F175D3DCCD1}">
+              <a14:hiddenFill xmlns:a14="http://schemas.microsoft.com/office/drawing/2010/main">
+                <a:solidFill>
+                  <a:srgbClr val="FFFFFF"/>
+                </a:solidFill>
+              </a14:hiddenFill>
+            </a:ext>
+          </a:extLst>
+        </p:spPr>
+      </p:pic>
+      <p:sp>
+        <p:nvSpPr>
+          <p:cNvPr id="2" name="Title 1">
+            <a:extLst>
+              <a:ext uri="{FF2B5EF4-FFF2-40B4-BE49-F238E27FC236}">
+                <a16:creationId xmlns:a16="http://schemas.microsoft.com/office/drawing/2014/main" id="{ABF5C7E4-9568-4877-8483-16F6749A275E}"/>
+              </a:ext>
+            </a:extLst>
+          </p:cNvPr>
+          <p:cNvSpPr>
+            <a:spLocks noGrp="1"/>
+          </p:cNvSpPr>
+          <p:nvPr>
+            <p:ph type="title"/>
+          </p:nvPr>
+        </p:nvSpPr>
+        <p:spPr>
+          <a:xfrm>
+            <a:off x="1069848" y="4590661"/>
+            <a:ext cx="10210862" cy="1065690"/>
+          </a:xfrm>
+        </p:spPr>
+        <p:txBody>
+          <a:bodyPr vert="horz" lIns="91440" tIns="45720" rIns="91440" bIns="45720" rtlCol="0" anchor="b">
+            <a:normAutofit/>
+          </a:bodyPr>
+          <a:lstStyle/>
+          <a:p>
+            <a:r>
+              <a:rPr lang="en-US" sz="5900" spc="-100"/>
+              <a:t>Further reading</a:t>
+            </a:r>
+          </a:p>
+        </p:txBody>
+      </p:sp>
+      <p:pic>
+        <p:nvPicPr>
+          <p:cNvPr id="12" name="Picture 6" descr="https://4.bp.blogspot.com/-YdNm_OPHk2I/WCpmV7huzXI/AAAAAAAAAgc/JNOPD35kp6EK_dwG7wT4yKVzGeI_8BELQCLcB/s1600/DevOpsHandbook.png">
+            <a:extLst>
+              <a:ext uri="{FF2B5EF4-FFF2-40B4-BE49-F238E27FC236}">
+                <a16:creationId xmlns:a16="http://schemas.microsoft.com/office/drawing/2014/main" id="{11A74233-476F-4E6D-9567-B57AA2315C4F}"/>
+              </a:ext>
+            </a:extLst>
+          </p:cNvPr>
+          <p:cNvPicPr>
+            <a:picLocks noChangeAspect="1" noChangeArrowheads="1"/>
+          </p:cNvPicPr>
+          <p:nvPr/>
+        </p:nvPicPr>
+        <p:blipFill>
+          <a:blip r:embed="rId4" cstate="print">
+            <a:extLst>
+              <a:ext uri="{28A0092B-C50C-407E-A947-70E740481C1C}">
+                <a14:useLocalDpi xmlns:a14="http://schemas.microsoft.com/office/drawing/2010/main" val="0"/>
+              </a:ext>
+            </a:extLst>
+          </a:blip>
+          <a:srcRect/>
+          <a:stretch>
+            <a:fillRect/>
+          </a:stretch>
+        </p:blipFill>
+        <p:spPr bwMode="auto">
+          <a:xfrm>
+            <a:off x="4821392" y="482579"/>
+            <a:ext cx="2351943" cy="3558807"/>
+          </a:xfrm>
+          <a:prstGeom prst="rect">
+            <a:avLst/>
+          </a:prstGeom>
+          <a:solidFill>
+            <a:srgbClr val="FFFFFF">
+              <a:shade val="85000"/>
+            </a:srgbClr>
+          </a:solidFill>
+          <a:ln w="88900" cap="sq">
+            <a:solidFill>
+              <a:srgbClr val="FFFFFF"/>
+            </a:solidFill>
+            <a:miter lim="800000"/>
+          </a:ln>
+          <a:effectLst>
+            <a:outerShdw blurRad="55000" dist="18000" dir="5400000" algn="tl" rotWithShape="0">
+              <a:srgbClr val="000000">
+                <a:alpha val="40000"/>
+              </a:srgbClr>
+            </a:outerShdw>
+          </a:effectLst>
+          <a:scene3d>
+            <a:camera prst="orthographicFront"/>
+            <a:lightRig rig="twoPt" dir="t">
+              <a:rot lat="0" lon="0" rev="7200000"/>
+            </a:lightRig>
+          </a:scene3d>
+          <a:sp3d>
+            <a:bevelT w="25400" h="19050"/>
+            <a:contourClr>
+              <a:srgbClr val="FFFFFF"/>
+            </a:contourClr>
+          </a:sp3d>
+          <a:extLst>
+            <a:ext uri="{909E8E84-426E-40DD-AFC4-6F175D3DCCD1}">
+              <a14:hiddenFill xmlns:a14="http://schemas.microsoft.com/office/drawing/2010/main">
+                <a:solidFill>
+                  <a:srgbClr val="FFFFFF"/>
+                </a:solidFill>
+              </a14:hiddenFill>
+            </a:ext>
+          </a:extLst>
+        </p:spPr>
+      </p:pic>
+    </p:spTree>
+    <p:extLst>
+      <p:ext uri="{BB962C8B-B14F-4D97-AF65-F5344CB8AC3E}">
+        <p14:creationId xmlns:p14="http://schemas.microsoft.com/office/powerpoint/2010/main" val="3202249171"/>
+      </p:ext>
+    </p:extLst>
+  </p:cSld>
+  <p:clrMapOvr>
+    <a:masterClrMapping/>
+  </p:clrMapOvr>
+</p:sld>
+</file>
+
 <file path=ppt/slides/slide4.xml><?xml version="1.0" encoding="utf-8"?>
 <p:sld xmlns:a="http://schemas.openxmlformats.org/drawingml/2006/main" xmlns:r="http://schemas.openxmlformats.org/officeDocument/2006/relationships" xmlns:p="http://schemas.openxmlformats.org/presentationml/2006/main">
   <p:cSld>
@@ -50476,7 +52591,7 @@
           <p:nvPr/>
         </p:nvPicPr>
         <p:blipFill>
-          <a:blip r:embed="rId2">
+          <a:blip r:embed="rId3">
             <a:extLst>
               <a:ext uri="{28A0092B-C50C-407E-A947-70E740481C1C}">
                 <a14:useLocalDpi xmlns:a14="http://schemas.microsoft.com/office/drawing/2010/main" val="0"/>
@@ -50522,6 +52637,292 @@
 </file>
 
 <file path=ppt/slides/slide5.xml><?xml version="1.0" encoding="utf-8"?>
+<p:sld xmlns:a="http://schemas.openxmlformats.org/drawingml/2006/main" xmlns:r="http://schemas.openxmlformats.org/officeDocument/2006/relationships" xmlns:p="http://schemas.openxmlformats.org/presentationml/2006/main">
+  <p:cSld>
+    <p:spTree>
+      <p:nvGrpSpPr>
+        <p:cNvPr id="1" name=""/>
+        <p:cNvGrpSpPr/>
+        <p:nvPr/>
+      </p:nvGrpSpPr>
+      <p:grpSpPr>
+        <a:xfrm>
+          <a:off x="0" y="0"/>
+          <a:ext cx="0" cy="0"/>
+          <a:chOff x="0" y="0"/>
+          <a:chExt cx="0" cy="0"/>
+        </a:xfrm>
+      </p:grpSpPr>
+      <p:sp>
+        <p:nvSpPr>
+          <p:cNvPr id="8" name="Rectangle 7"/>
+          <p:cNvSpPr>
+            <a:spLocks noGrp="1" noRot="1" noChangeAspect="1" noMove="1" noResize="1" noEditPoints="1" noAdjustHandles="1" noChangeArrowheads="1" noChangeShapeType="1" noTextEdit="1"/>
+          </p:cNvSpPr>
+          <p:nvPr>
+            <p:extLst>
+              <p:ext uri="{386F3935-93C4-4BCD-93E2-E3B085C9AB24}">
+                <p16:designElem xmlns:p16="http://schemas.microsoft.com/office/powerpoint/2015/main" val="1"/>
+              </p:ext>
+            </p:extLst>
+          </p:nvPr>
+        </p:nvSpPr>
+        <p:spPr>
+          <a:xfrm>
+            <a:off x="1" y="758952"/>
+            <a:ext cx="3443590" cy="5330952"/>
+          </a:xfrm>
+          <a:prstGeom prst="rect">
+            <a:avLst/>
+          </a:prstGeom>
+          <a:solidFill>
+            <a:schemeClr val="accent1"/>
+          </a:solidFill>
+          <a:ln>
+            <a:noFill/>
+          </a:ln>
+        </p:spPr>
+        <p:style>
+          <a:lnRef idx="2">
+            <a:schemeClr val="accent1">
+              <a:shade val="50000"/>
+            </a:schemeClr>
+          </a:lnRef>
+          <a:fillRef idx="1">
+            <a:schemeClr val="accent1"/>
+          </a:fillRef>
+          <a:effectRef idx="0">
+            <a:schemeClr val="accent1"/>
+          </a:effectRef>
+          <a:fontRef idx="minor">
+            <a:schemeClr val="lt1"/>
+          </a:fontRef>
+        </p:style>
+      </p:sp>
+      <p:sp>
+        <p:nvSpPr>
+          <p:cNvPr id="10" name="Rectangle 9"/>
+          <p:cNvSpPr>
+            <a:spLocks noGrp="1" noRot="1" noChangeAspect="1" noMove="1" noResize="1" noEditPoints="1" noAdjustHandles="1" noChangeArrowheads="1" noChangeShapeType="1" noTextEdit="1"/>
+          </p:cNvSpPr>
+          <p:nvPr>
+            <p:extLst>
+              <p:ext uri="{386F3935-93C4-4BCD-93E2-E3B085C9AB24}">
+                <p16:designElem xmlns:p16="http://schemas.microsoft.com/office/powerpoint/2015/main" val="1"/>
+              </p:ext>
+            </p:extLst>
+          </p:nvPr>
+        </p:nvSpPr>
+        <p:spPr>
+          <a:xfrm>
+            <a:off x="11815864" y="758952"/>
+            <a:ext cx="384048" cy="5330952"/>
+          </a:xfrm>
+          <a:prstGeom prst="rect">
+            <a:avLst/>
+          </a:prstGeom>
+          <a:solidFill>
+            <a:srgbClr val="C8C8C8">
+              <a:alpha val="49804"/>
+            </a:srgbClr>
+          </a:solidFill>
+          <a:ln>
+            <a:noFill/>
+          </a:ln>
+        </p:spPr>
+        <p:style>
+          <a:lnRef idx="2">
+            <a:schemeClr val="accent1">
+              <a:shade val="50000"/>
+            </a:schemeClr>
+          </a:lnRef>
+          <a:fillRef idx="1">
+            <a:schemeClr val="accent1"/>
+          </a:fillRef>
+          <a:effectRef idx="0">
+            <a:schemeClr val="accent1"/>
+          </a:effectRef>
+          <a:fontRef idx="minor">
+            <a:schemeClr val="lt1"/>
+          </a:fontRef>
+        </p:style>
+      </p:sp>
+      <p:sp>
+        <p:nvSpPr>
+          <p:cNvPr id="9" name="Title 1">
+            <a:extLst>
+              <a:ext uri="{FF2B5EF4-FFF2-40B4-BE49-F238E27FC236}">
+                <a16:creationId xmlns:a16="http://schemas.microsoft.com/office/drawing/2014/main" id="{519F807E-5958-4995-A227-C4835B3B6E7D}"/>
+              </a:ext>
+            </a:extLst>
+          </p:cNvPr>
+          <p:cNvSpPr txBox="1">
+            <a:spLocks/>
+          </p:cNvSpPr>
+          <p:nvPr/>
+        </p:nvSpPr>
+        <p:spPr>
+          <a:xfrm>
+            <a:off x="252919" y="1123837"/>
+            <a:ext cx="2947482" cy="4601183"/>
+          </a:xfrm>
+          <a:prstGeom prst="rect">
+            <a:avLst/>
+          </a:prstGeom>
+        </p:spPr>
+        <p:txBody>
+          <a:bodyPr>
+            <a:normAutofit/>
+          </a:bodyPr>
+          <a:lstStyle>
+            <a:lvl1pPr algn="l" defTabSz="914400" rtl="0" eaLnBrk="1" latinLnBrk="0" hangingPunct="1">
+              <a:lnSpc>
+                <a:spcPct val="90000"/>
+              </a:lnSpc>
+              <a:spcBef>
+                <a:spcPct val="0"/>
+              </a:spcBef>
+              <a:buNone/>
+              <a:defRPr sz="3600" kern="1200" spc="-60" baseline="0">
+                <a:solidFill>
+                  <a:srgbClr val="FFFFFF"/>
+                </a:solidFill>
+                <a:latin typeface="+mj-lt"/>
+                <a:ea typeface="+mj-ea"/>
+                <a:cs typeface="+mj-cs"/>
+              </a:defRPr>
+            </a:lvl1pPr>
+          </a:lstStyle>
+          <a:p>
+            <a:endParaRPr lang="en-GB" sz="2000" dirty="0"/>
+          </a:p>
+          <a:p>
+            <a:endParaRPr lang="en-GB" sz="2000" dirty="0"/>
+          </a:p>
+          <a:p>
+            <a:endParaRPr lang="en-GB" sz="2000" dirty="0"/>
+          </a:p>
+          <a:p>
+            <a:endParaRPr lang="en-GB" sz="2000" dirty="0"/>
+          </a:p>
+          <a:p>
+            <a:pPr marL="342900" indent="-342900">
+              <a:buFont typeface="Arial" panose="020B0604020202020204" pitchFamily="34" charset="0"/>
+              <a:buChar char="•"/>
+            </a:pPr>
+            <a:endParaRPr lang="en-GB" sz="2000" dirty="0"/>
+          </a:p>
+          <a:p>
+            <a:r>
+              <a:rPr lang="en-GB" sz="2000" dirty="0"/>
+              <a:t>1 idea</a:t>
+            </a:r>
+          </a:p>
+          <a:p>
+            <a:pPr marL="342900" indent="-342900">
+              <a:buFont typeface="Arial" panose="020B0604020202020204" pitchFamily="34" charset="0"/>
+              <a:buChar char="•"/>
+            </a:pPr>
+            <a:endParaRPr lang="en-GB" sz="2000" dirty="0"/>
+          </a:p>
+        </p:txBody>
+      </p:sp>
+      <p:pic>
+        <p:nvPicPr>
+          <p:cNvPr id="3" name="Picture 2">
+            <a:extLst>
+              <a:ext uri="{FF2B5EF4-FFF2-40B4-BE49-F238E27FC236}">
+                <a16:creationId xmlns:a16="http://schemas.microsoft.com/office/drawing/2014/main" id="{6FB08E16-8F40-48AA-98FD-37185E364268}"/>
+              </a:ext>
+            </a:extLst>
+          </p:cNvPr>
+          <p:cNvPicPr>
+            <a:picLocks noChangeAspect="1"/>
+          </p:cNvPicPr>
+          <p:nvPr/>
+        </p:nvPicPr>
+        <p:blipFill rotWithShape="1">
+          <a:blip r:embed="rId3">
+            <a:extLst>
+              <a:ext uri="{28A0092B-C50C-407E-A947-70E740481C1C}">
+                <a14:useLocalDpi xmlns:a14="http://schemas.microsoft.com/office/drawing/2010/main" val="0"/>
+              </a:ext>
+            </a:extLst>
+          </a:blip>
+          <a:srcRect l="29936" t="4876" r="64066" b="71646"/>
+          <a:stretch/>
+        </p:blipFill>
+        <p:spPr>
+          <a:xfrm>
+            <a:off x="6457950" y="2670467"/>
+            <a:ext cx="423864" cy="1028662"/>
+          </a:xfrm>
+          <a:prstGeom prst="rect">
+            <a:avLst/>
+          </a:prstGeom>
+        </p:spPr>
+      </p:pic>
+      <p:pic>
+        <p:nvPicPr>
+          <p:cNvPr id="11266" name="Picture 2" descr="http://www.corpstore.in/img/com.png">
+            <a:extLst>
+              <a:ext uri="{FF2B5EF4-FFF2-40B4-BE49-F238E27FC236}">
+                <a16:creationId xmlns:a16="http://schemas.microsoft.com/office/drawing/2014/main" id="{01BE6B10-137C-44CF-B5D7-DEC4DE86C92A}"/>
+              </a:ext>
+            </a:extLst>
+          </p:cNvPr>
+          <p:cNvPicPr>
+            <a:picLocks noChangeAspect="1" noChangeArrowheads="1"/>
+          </p:cNvPicPr>
+          <p:nvPr/>
+        </p:nvPicPr>
+        <p:blipFill>
+          <a:blip r:embed="rId4">
+            <a:extLst>
+              <a:ext uri="{28A0092B-C50C-407E-A947-70E740481C1C}">
+                <a14:useLocalDpi xmlns:a14="http://schemas.microsoft.com/office/drawing/2010/main" val="0"/>
+              </a:ext>
+            </a:extLst>
+          </a:blip>
+          <a:srcRect/>
+          <a:stretch>
+            <a:fillRect/>
+          </a:stretch>
+        </p:blipFill>
+        <p:spPr bwMode="auto">
+          <a:xfrm>
+            <a:off x="7853248" y="4014787"/>
+            <a:ext cx="3810000" cy="2381250"/>
+          </a:xfrm>
+          <a:prstGeom prst="rect">
+            <a:avLst/>
+          </a:prstGeom>
+          <a:noFill/>
+          <a:extLst>
+            <a:ext uri="{909E8E84-426E-40DD-AFC4-6F175D3DCCD1}">
+              <a14:hiddenFill xmlns:a14="http://schemas.microsoft.com/office/drawing/2010/main">
+                <a:solidFill>
+                  <a:srgbClr val="FFFFFF"/>
+                </a:solidFill>
+              </a14:hiddenFill>
+            </a:ext>
+          </a:extLst>
+        </p:spPr>
+      </p:pic>
+    </p:spTree>
+    <p:extLst>
+      <p:ext uri="{BB962C8B-B14F-4D97-AF65-F5344CB8AC3E}">
+        <p14:creationId xmlns:p14="http://schemas.microsoft.com/office/powerpoint/2010/main" val="3680544804"/>
+      </p:ext>
+    </p:extLst>
+  </p:cSld>
+  <p:clrMapOvr>
+    <a:masterClrMapping/>
+  </p:clrMapOvr>
+</p:sld>
+</file>
+
+<file path=ppt/slides/slide6.xml><?xml version="1.0" encoding="utf-8"?>
 <p:sld xmlns:a="http://schemas.openxmlformats.org/drawingml/2006/main" xmlns:r="http://schemas.openxmlformats.org/officeDocument/2006/relationships" xmlns:p="http://schemas.openxmlformats.org/presentationml/2006/main">
   <p:cSld>
     <p:spTree>
@@ -50980,53 +53381,6 @@
           </p:txBody>
         </p:sp>
       </p:grpSp>
-      <p:pic>
-        <p:nvPicPr>
-          <p:cNvPr id="11266" name="Picture 2" descr="http://www.corpstore.in/img/com.png">
-            <a:extLst>
-              <a:ext uri="{FF2B5EF4-FFF2-40B4-BE49-F238E27FC236}">
-                <a16:creationId xmlns:a16="http://schemas.microsoft.com/office/drawing/2014/main" id="{01BE6B10-137C-44CF-B5D7-DEC4DE86C92A}"/>
-              </a:ext>
-            </a:extLst>
-          </p:cNvPr>
-          <p:cNvPicPr>
-            <a:picLocks noChangeAspect="1" noChangeArrowheads="1"/>
-          </p:cNvPicPr>
-          <p:nvPr/>
-        </p:nvPicPr>
-        <p:blipFill>
-          <a:blip r:embed="rId6">
-            <a:extLst>
-              <a:ext uri="{28A0092B-C50C-407E-A947-70E740481C1C}">
-                <a14:useLocalDpi xmlns:a14="http://schemas.microsoft.com/office/drawing/2010/main" val="0"/>
-              </a:ext>
-            </a:extLst>
-          </a:blip>
-          <a:srcRect/>
-          <a:stretch>
-            <a:fillRect/>
-          </a:stretch>
-        </p:blipFill>
-        <p:spPr bwMode="auto">
-          <a:xfrm>
-            <a:off x="7853248" y="4014787"/>
-            <a:ext cx="3810000" cy="2381250"/>
-          </a:xfrm>
-          <a:prstGeom prst="rect">
-            <a:avLst/>
-          </a:prstGeom>
-          <a:noFill/>
-          <a:extLst>
-            <a:ext uri="{909E8E84-426E-40DD-AFC4-6F175D3DCCD1}">
-              <a14:hiddenFill xmlns:a14="http://schemas.microsoft.com/office/drawing/2010/main">
-                <a:solidFill>
-                  <a:srgbClr val="FFFFFF"/>
-                </a:solidFill>
-              </a14:hiddenFill>
-            </a:ext>
-          </a:extLst>
-        </p:spPr>
-      </p:pic>
     </p:spTree>
     <p:extLst>
       <p:ext uri="{BB962C8B-B14F-4D97-AF65-F5344CB8AC3E}">
@@ -51040,7 +53394,7 @@
 </p:sld>
 </file>
 
-<file path=ppt/slides/slide6.xml><?xml version="1.0" encoding="utf-8"?>
+<file path=ppt/slides/slide7.xml><?xml version="1.0" encoding="utf-8"?>
 <p:sld xmlns:a="http://schemas.openxmlformats.org/drawingml/2006/main" xmlns:r="http://schemas.openxmlformats.org/officeDocument/2006/relationships" xmlns:p="http://schemas.openxmlformats.org/presentationml/2006/main">
   <p:cSld>
     <p:spTree>
@@ -51512,7 +53866,7 @@
 </p:sld>
 </file>
 
-<file path=ppt/slides/slide7.xml><?xml version="1.0" encoding="utf-8"?>
+<file path=ppt/slides/slide8.xml><?xml version="1.0" encoding="utf-8"?>
 <p:sld xmlns:a="http://schemas.openxmlformats.org/drawingml/2006/main" xmlns:r="http://schemas.openxmlformats.org/officeDocument/2006/relationships" xmlns:p="http://schemas.openxmlformats.org/presentationml/2006/main">
   <p:cSld>
     <p:spTree>
@@ -52059,7 +54413,7 @@
 </p:sld>
 </file>
 
-<file path=ppt/slides/slide8.xml><?xml version="1.0" encoding="utf-8"?>
+<file path=ppt/slides/slide9.xml><?xml version="1.0" encoding="utf-8"?>
 <p:sld xmlns:a="http://schemas.openxmlformats.org/drawingml/2006/main" xmlns:r="http://schemas.openxmlformats.org/officeDocument/2006/relationships" xmlns:p="http://schemas.openxmlformats.org/presentationml/2006/main">
   <p:cSld>
     <p:spTree>
@@ -52758,1212 +55112,6 @@
     <p:extLst>
       <p:ext uri="{BB962C8B-B14F-4D97-AF65-F5344CB8AC3E}">
         <p14:creationId xmlns:p14="http://schemas.microsoft.com/office/powerpoint/2010/main" val="2465242037"/>
-      </p:ext>
-    </p:extLst>
-  </p:cSld>
-  <p:clrMapOvr>
-    <a:masterClrMapping/>
-  </p:clrMapOvr>
-</p:sld>
-</file>
-
-<file path=ppt/slides/slide9.xml><?xml version="1.0" encoding="utf-8"?>
-<p:sld xmlns:a="http://schemas.openxmlformats.org/drawingml/2006/main" xmlns:r="http://schemas.openxmlformats.org/officeDocument/2006/relationships" xmlns:p="http://schemas.openxmlformats.org/presentationml/2006/main">
-  <p:cSld>
-    <p:spTree>
-      <p:nvGrpSpPr>
-        <p:cNvPr id="1" name=""/>
-        <p:cNvGrpSpPr/>
-        <p:nvPr/>
-      </p:nvGrpSpPr>
-      <p:grpSpPr>
-        <a:xfrm>
-          <a:off x="0" y="0"/>
-          <a:ext cx="0" cy="0"/>
-          <a:chOff x="0" y="0"/>
-          <a:chExt cx="0" cy="0"/>
-        </a:xfrm>
-      </p:grpSpPr>
-      <p:sp>
-        <p:nvSpPr>
-          <p:cNvPr id="8" name="Rectangle 7"/>
-          <p:cNvSpPr>
-            <a:spLocks noGrp="1" noRot="1" noChangeAspect="1" noMove="1" noResize="1" noEditPoints="1" noAdjustHandles="1" noChangeArrowheads="1" noChangeShapeType="1" noTextEdit="1"/>
-          </p:cNvSpPr>
-          <p:nvPr>
-            <p:extLst>
-              <p:ext uri="{386F3935-93C4-4BCD-93E2-E3B085C9AB24}">
-                <p16:designElem xmlns:p16="http://schemas.microsoft.com/office/powerpoint/2015/main" val="1"/>
-              </p:ext>
-            </p:extLst>
-          </p:nvPr>
-        </p:nvSpPr>
-        <p:spPr>
-          <a:xfrm>
-            <a:off x="1" y="758952"/>
-            <a:ext cx="3443590" cy="5330952"/>
-          </a:xfrm>
-          <a:prstGeom prst="rect">
-            <a:avLst/>
-          </a:prstGeom>
-          <a:solidFill>
-            <a:schemeClr val="accent1"/>
-          </a:solidFill>
-          <a:ln>
-            <a:noFill/>
-          </a:ln>
-        </p:spPr>
-        <p:style>
-          <a:lnRef idx="2">
-            <a:schemeClr val="accent1">
-              <a:shade val="50000"/>
-            </a:schemeClr>
-          </a:lnRef>
-          <a:fillRef idx="1">
-            <a:schemeClr val="accent1"/>
-          </a:fillRef>
-          <a:effectRef idx="0">
-            <a:schemeClr val="accent1"/>
-          </a:effectRef>
-          <a:fontRef idx="minor">
-            <a:schemeClr val="lt1"/>
-          </a:fontRef>
-        </p:style>
-      </p:sp>
-      <p:sp>
-        <p:nvSpPr>
-          <p:cNvPr id="10" name="Rectangle 9"/>
-          <p:cNvSpPr>
-            <a:spLocks noGrp="1" noRot="1" noChangeAspect="1" noMove="1" noResize="1" noEditPoints="1" noAdjustHandles="1" noChangeArrowheads="1" noChangeShapeType="1" noTextEdit="1"/>
-          </p:cNvSpPr>
-          <p:nvPr>
-            <p:extLst>
-              <p:ext uri="{386F3935-93C4-4BCD-93E2-E3B085C9AB24}">
-                <p16:designElem xmlns:p16="http://schemas.microsoft.com/office/powerpoint/2015/main" val="1"/>
-              </p:ext>
-            </p:extLst>
-          </p:nvPr>
-        </p:nvSpPr>
-        <p:spPr>
-          <a:xfrm>
-            <a:off x="11815864" y="758952"/>
-            <a:ext cx="384048" cy="5330952"/>
-          </a:xfrm>
-          <a:prstGeom prst="rect">
-            <a:avLst/>
-          </a:prstGeom>
-          <a:solidFill>
-            <a:srgbClr val="C8C8C8">
-              <a:alpha val="49804"/>
-            </a:srgbClr>
-          </a:solidFill>
-          <a:ln>
-            <a:noFill/>
-          </a:ln>
-        </p:spPr>
-        <p:style>
-          <a:lnRef idx="2">
-            <a:schemeClr val="accent1">
-              <a:shade val="50000"/>
-            </a:schemeClr>
-          </a:lnRef>
-          <a:fillRef idx="1">
-            <a:schemeClr val="accent1"/>
-          </a:fillRef>
-          <a:effectRef idx="0">
-            <a:schemeClr val="accent1"/>
-          </a:effectRef>
-          <a:fontRef idx="minor">
-            <a:schemeClr val="lt1"/>
-          </a:fontRef>
-        </p:style>
-      </p:sp>
-      <p:sp>
-        <p:nvSpPr>
-          <p:cNvPr id="9" name="Title 1">
-            <a:extLst>
-              <a:ext uri="{FF2B5EF4-FFF2-40B4-BE49-F238E27FC236}">
-                <a16:creationId xmlns:a16="http://schemas.microsoft.com/office/drawing/2014/main" id="{519F807E-5958-4995-A227-C4835B3B6E7D}"/>
-              </a:ext>
-            </a:extLst>
-          </p:cNvPr>
-          <p:cNvSpPr txBox="1">
-            <a:spLocks/>
-          </p:cNvSpPr>
-          <p:nvPr/>
-        </p:nvSpPr>
-        <p:spPr>
-          <a:xfrm>
-            <a:off x="252919" y="1123837"/>
-            <a:ext cx="2947482" cy="4601183"/>
-          </a:xfrm>
-          <a:prstGeom prst="rect">
-            <a:avLst/>
-          </a:prstGeom>
-        </p:spPr>
-        <p:txBody>
-          <a:bodyPr>
-            <a:normAutofit/>
-          </a:bodyPr>
-          <a:lstStyle>
-            <a:lvl1pPr algn="l" defTabSz="914400" rtl="0" eaLnBrk="1" latinLnBrk="0" hangingPunct="1">
-              <a:lnSpc>
-                <a:spcPct val="90000"/>
-              </a:lnSpc>
-              <a:spcBef>
-                <a:spcPct val="0"/>
-              </a:spcBef>
-              <a:buNone/>
-              <a:defRPr sz="3600" kern="1200" spc="-60" baseline="0">
-                <a:solidFill>
-                  <a:srgbClr val="FFFFFF"/>
-                </a:solidFill>
-                <a:latin typeface="+mj-lt"/>
-                <a:ea typeface="+mj-ea"/>
-                <a:cs typeface="+mj-cs"/>
-              </a:defRPr>
-            </a:lvl1pPr>
-          </a:lstStyle>
-          <a:p>
-            <a:endParaRPr lang="en-GB" sz="2000" dirty="0"/>
-          </a:p>
-          <a:p>
-            <a:endParaRPr lang="en-GB" sz="2000" dirty="0"/>
-          </a:p>
-          <a:p>
-            <a:endParaRPr lang="en-GB" sz="2000" dirty="0"/>
-          </a:p>
-          <a:p>
-            <a:endParaRPr lang="en-GB" sz="2000" dirty="0"/>
-          </a:p>
-          <a:p>
-            <a:pPr marL="342900" indent="-342900">
-              <a:buFont typeface="Arial" panose="020B0604020202020204" pitchFamily="34" charset="0"/>
-              <a:buChar char="•"/>
-            </a:pPr>
-            <a:endParaRPr lang="en-GB" sz="2000" dirty="0"/>
-          </a:p>
-          <a:p>
-            <a:r>
-              <a:rPr lang="en-GB" sz="2000" dirty="0"/>
-              <a:t>2 teams: red &amp; green</a:t>
-            </a:r>
-          </a:p>
-          <a:p>
-            <a:pPr marL="342900" indent="-342900">
-              <a:buFont typeface="Arial" panose="020B0604020202020204" pitchFamily="34" charset="0"/>
-              <a:buChar char="•"/>
-            </a:pPr>
-            <a:endParaRPr lang="en-GB" sz="2000" dirty="0"/>
-          </a:p>
-          <a:p>
-            <a:r>
-              <a:rPr lang="en-GB" sz="2000" dirty="0"/>
-              <a:t>1 prod server </a:t>
-            </a:r>
-          </a:p>
-          <a:p>
-            <a:r>
-              <a:rPr lang="en-GB" sz="2000" dirty="0"/>
-              <a:t>   (accessible to </a:t>
-            </a:r>
-            <a:r>
-              <a:rPr lang="en-GB" sz="2000" dirty="0" err="1"/>
-              <a:t>devs</a:t>
-            </a:r>
-            <a:r>
-              <a:rPr lang="en-GB" sz="2000" dirty="0"/>
-              <a:t>)</a:t>
-            </a:r>
-          </a:p>
-          <a:p>
-            <a:r>
-              <a:rPr lang="en-GB" sz="2000" dirty="0"/>
-              <a:t>1 test server</a:t>
-            </a:r>
-          </a:p>
-          <a:p>
-            <a:pPr marL="342900" indent="-342900">
-              <a:buFont typeface="Arial" panose="020B0604020202020204" pitchFamily="34" charset="0"/>
-              <a:buChar char="•"/>
-            </a:pPr>
-            <a:endParaRPr lang="en-GB" sz="2000" dirty="0"/>
-          </a:p>
-          <a:p>
-            <a:r>
-              <a:rPr lang="en-GB" sz="2000" dirty="0"/>
-              <a:t>1 source control</a:t>
-            </a:r>
-          </a:p>
-          <a:p>
-            <a:pPr marL="342900" indent="-342900">
-              <a:buFont typeface="Arial" panose="020B0604020202020204" pitchFamily="34" charset="0"/>
-              <a:buChar char="•"/>
-            </a:pPr>
-            <a:endParaRPr lang="en-GB" sz="2000" dirty="0"/>
-          </a:p>
-        </p:txBody>
-      </p:sp>
-      <p:grpSp>
-        <p:nvGrpSpPr>
-          <p:cNvPr id="6" name="Group 5">
-            <a:extLst>
-              <a:ext uri="{FF2B5EF4-FFF2-40B4-BE49-F238E27FC236}">
-                <a16:creationId xmlns:a16="http://schemas.microsoft.com/office/drawing/2014/main" id="{B1B203F3-BC9C-4BCA-98ED-F6C8DD644EA6}"/>
-              </a:ext>
-            </a:extLst>
-          </p:cNvPr>
-          <p:cNvGrpSpPr/>
-          <p:nvPr/>
-        </p:nvGrpSpPr>
-        <p:grpSpPr>
-          <a:xfrm>
-            <a:off x="4000500" y="952500"/>
-            <a:ext cx="5391150" cy="5137404"/>
-            <a:chOff x="4000500" y="952500"/>
-            <a:chExt cx="5391150" cy="5137404"/>
-          </a:xfrm>
-        </p:grpSpPr>
-        <p:pic>
-          <p:nvPicPr>
-            <p:cNvPr id="3076" name="Picture 4" descr="Image result for github icon">
-              <a:extLst>
-                <a:ext uri="{FF2B5EF4-FFF2-40B4-BE49-F238E27FC236}">
-                  <a16:creationId xmlns:a16="http://schemas.microsoft.com/office/drawing/2014/main" id="{60D83C29-A459-4599-905C-713F3437308E}"/>
-                </a:ext>
-              </a:extLst>
-            </p:cNvPr>
-            <p:cNvPicPr>
-              <a:picLocks noChangeAspect="1" noChangeArrowheads="1"/>
-            </p:cNvPicPr>
-            <p:nvPr/>
-          </p:nvPicPr>
-          <p:blipFill>
-            <a:blip r:embed="rId3" cstate="print">
-              <a:extLst>
-                <a:ext uri="{28A0092B-C50C-407E-A947-70E740481C1C}">
-                  <a14:useLocalDpi xmlns:a14="http://schemas.microsoft.com/office/drawing/2010/main" val="0"/>
-                </a:ext>
-              </a:extLst>
-            </a:blip>
-            <a:srcRect/>
-            <a:stretch>
-              <a:fillRect/>
-            </a:stretch>
-          </p:blipFill>
-          <p:spPr bwMode="auto">
-            <a:xfrm>
-              <a:off x="6380630" y="5547146"/>
-              <a:ext cx="542758" cy="542758"/>
-            </a:xfrm>
-            <a:prstGeom prst="rect">
-              <a:avLst/>
-            </a:prstGeom>
-            <a:noFill/>
-            <a:extLst>
-              <a:ext uri="{909E8E84-426E-40DD-AFC4-6F175D3DCCD1}">
-                <a14:hiddenFill xmlns:a14="http://schemas.microsoft.com/office/drawing/2010/main">
-                  <a:solidFill>
-                    <a:srgbClr val="FFFFFF"/>
-                  </a:solidFill>
-                </a14:hiddenFill>
-              </a:ext>
-            </a:extLst>
-          </p:spPr>
-        </p:pic>
-        <p:pic>
-          <p:nvPicPr>
-            <p:cNvPr id="3" name="Picture 2">
-              <a:extLst>
-                <a:ext uri="{FF2B5EF4-FFF2-40B4-BE49-F238E27FC236}">
-                  <a16:creationId xmlns:a16="http://schemas.microsoft.com/office/drawing/2014/main" id="{6FB08E16-8F40-48AA-98FD-37185E364268}"/>
-                </a:ext>
-              </a:extLst>
-            </p:cNvPr>
-            <p:cNvPicPr>
-              <a:picLocks noChangeAspect="1"/>
-            </p:cNvPicPr>
-            <p:nvPr/>
-          </p:nvPicPr>
-          <p:blipFill rotWithShape="1">
-            <a:blip r:embed="rId4">
-              <a:duotone>
-                <a:prstClr val="black"/>
-                <a:srgbClr val="FF0000">
-                  <a:tint val="45000"/>
-                  <a:satMod val="400000"/>
-                </a:srgbClr>
-              </a:duotone>
-              <a:extLst>
-                <a:ext uri="{28A0092B-C50C-407E-A947-70E740481C1C}">
-                  <a14:useLocalDpi xmlns:a14="http://schemas.microsoft.com/office/drawing/2010/main" val="0"/>
-                </a:ext>
-              </a:extLst>
-            </a:blip>
-            <a:srcRect l="29936" t="4876" r="64066" b="71646"/>
-            <a:stretch/>
-          </p:blipFill>
-          <p:spPr>
-            <a:xfrm>
-              <a:off x="4656684" y="3642017"/>
-              <a:ext cx="423864" cy="1028662"/>
-            </a:xfrm>
-            <a:prstGeom prst="rect">
-              <a:avLst/>
-            </a:prstGeom>
-          </p:spPr>
-        </p:pic>
-        <p:pic>
-          <p:nvPicPr>
-            <p:cNvPr id="1026" name="Picture 2" descr="http://www.clipartsfree.net/vector/medium/ServerCabinet_Clip_Art.png">
-              <a:extLst>
-                <a:ext uri="{FF2B5EF4-FFF2-40B4-BE49-F238E27FC236}">
-                  <a16:creationId xmlns:a16="http://schemas.microsoft.com/office/drawing/2014/main" id="{C47F773F-8CE8-4557-8618-0F1B2052791D}"/>
-                </a:ext>
-              </a:extLst>
-            </p:cNvPr>
-            <p:cNvPicPr>
-              <a:picLocks noChangeAspect="1" noChangeArrowheads="1"/>
-            </p:cNvPicPr>
-            <p:nvPr/>
-          </p:nvPicPr>
-          <p:blipFill>
-            <a:blip r:embed="rId5" cstate="print">
-              <a:extLst>
-                <a:ext uri="{28A0092B-C50C-407E-A947-70E740481C1C}">
-                  <a14:useLocalDpi xmlns:a14="http://schemas.microsoft.com/office/drawing/2010/main" val="0"/>
-                </a:ext>
-              </a:extLst>
-            </a:blip>
-            <a:srcRect/>
-            <a:stretch>
-              <a:fillRect/>
-            </a:stretch>
-          </p:blipFill>
-          <p:spPr bwMode="auto">
-            <a:xfrm>
-              <a:off x="6424041" y="952500"/>
-              <a:ext cx="491681" cy="847725"/>
-            </a:xfrm>
-            <a:prstGeom prst="rect">
-              <a:avLst/>
-            </a:prstGeom>
-            <a:noFill/>
-            <a:extLst>
-              <a:ext uri="{909E8E84-426E-40DD-AFC4-6F175D3DCCD1}">
-                <a14:hiddenFill xmlns:a14="http://schemas.microsoft.com/office/drawing/2010/main">
-                  <a:solidFill>
-                    <a:srgbClr val="FFFFFF"/>
-                  </a:solidFill>
-                </a14:hiddenFill>
-              </a:ext>
-            </a:extLst>
-          </p:spPr>
-        </p:pic>
-        <p:pic>
-          <p:nvPicPr>
-            <p:cNvPr id="11" name="Picture 10">
-              <a:extLst>
-                <a:ext uri="{FF2B5EF4-FFF2-40B4-BE49-F238E27FC236}">
-                  <a16:creationId xmlns:a16="http://schemas.microsoft.com/office/drawing/2014/main" id="{4F6083DD-422D-4276-9581-DBF80E5D6C36}"/>
-                </a:ext>
-              </a:extLst>
-            </p:cNvPr>
-            <p:cNvPicPr>
-              <a:picLocks noChangeAspect="1"/>
-            </p:cNvPicPr>
-            <p:nvPr/>
-          </p:nvPicPr>
-          <p:blipFill rotWithShape="1">
-            <a:blip r:embed="rId4">
-              <a:duotone>
-                <a:prstClr val="black"/>
-                <a:srgbClr val="FF0000">
-                  <a:tint val="45000"/>
-                  <a:satMod val="400000"/>
-                </a:srgbClr>
-              </a:duotone>
-              <a:extLst>
-                <a:ext uri="{28A0092B-C50C-407E-A947-70E740481C1C}">
-                  <a14:useLocalDpi xmlns:a14="http://schemas.microsoft.com/office/drawing/2010/main" val="0"/>
-                </a:ext>
-              </a:extLst>
-            </a:blip>
-            <a:srcRect l="53065" t="6374" r="41247" b="72099"/>
-            <a:stretch/>
-          </p:blipFill>
-          <p:spPr>
-            <a:xfrm>
-              <a:off x="5071023" y="3702196"/>
-              <a:ext cx="404811" cy="951527"/>
-            </a:xfrm>
-            <a:prstGeom prst="rect">
-              <a:avLst/>
-            </a:prstGeom>
-          </p:spPr>
-        </p:pic>
-        <p:pic>
-          <p:nvPicPr>
-            <p:cNvPr id="12" name="Picture 11">
-              <a:extLst>
-                <a:ext uri="{FF2B5EF4-FFF2-40B4-BE49-F238E27FC236}">
-                  <a16:creationId xmlns:a16="http://schemas.microsoft.com/office/drawing/2014/main" id="{5107AFEA-9D34-477F-BFD1-951C643E67CA}"/>
-                </a:ext>
-              </a:extLst>
-            </p:cNvPr>
-            <p:cNvPicPr>
-              <a:picLocks noChangeAspect="1"/>
-            </p:cNvPicPr>
-            <p:nvPr/>
-          </p:nvPicPr>
-          <p:blipFill rotWithShape="1">
-            <a:blip r:embed="rId4">
-              <a:duotone>
-                <a:prstClr val="black"/>
-                <a:srgbClr val="FF0000">
-                  <a:tint val="45000"/>
-                  <a:satMod val="400000"/>
-                </a:srgbClr>
-              </a:duotone>
-              <a:extLst>
-                <a:ext uri="{28A0092B-C50C-407E-A947-70E740481C1C}">
-                  <a14:useLocalDpi xmlns:a14="http://schemas.microsoft.com/office/drawing/2010/main" val="0"/>
-                </a:ext>
-              </a:extLst>
-            </a:blip>
-            <a:srcRect l="24352" t="29140" r="70270" b="50452"/>
-            <a:stretch/>
-          </p:blipFill>
-          <p:spPr>
-            <a:xfrm>
-              <a:off x="4249572" y="3812484"/>
-              <a:ext cx="376239" cy="886770"/>
-            </a:xfrm>
-            <a:prstGeom prst="rect">
-              <a:avLst/>
-            </a:prstGeom>
-          </p:spPr>
-        </p:pic>
-        <p:pic>
-          <p:nvPicPr>
-            <p:cNvPr id="13" name="Picture 12">
-              <a:extLst>
-                <a:ext uri="{FF2B5EF4-FFF2-40B4-BE49-F238E27FC236}">
-                  <a16:creationId xmlns:a16="http://schemas.microsoft.com/office/drawing/2014/main" id="{66A1D874-7B97-4808-97B8-402A46A5E9FC}"/>
-                </a:ext>
-              </a:extLst>
-            </p:cNvPr>
-            <p:cNvPicPr>
-              <a:picLocks noChangeAspect="1"/>
-            </p:cNvPicPr>
-            <p:nvPr/>
-          </p:nvPicPr>
-          <p:blipFill rotWithShape="1">
-            <a:blip r:embed="rId4">
-              <a:duotone>
-                <a:prstClr val="black"/>
-                <a:srgbClr val="FF0000">
-                  <a:tint val="45000"/>
-                  <a:satMod val="400000"/>
-                </a:srgbClr>
-              </a:duotone>
-              <a:extLst>
-                <a:ext uri="{28A0092B-C50C-407E-A947-70E740481C1C}">
-                  <a14:useLocalDpi xmlns:a14="http://schemas.microsoft.com/office/drawing/2010/main" val="0"/>
-                </a:ext>
-              </a:extLst>
-            </a:blip>
-            <a:srcRect l="69896" t="48548" r="23588" b="31327"/>
-            <a:stretch/>
-          </p:blipFill>
-          <p:spPr>
-            <a:xfrm>
-              <a:off x="4813684" y="4156348"/>
-              <a:ext cx="452931" cy="868908"/>
-            </a:xfrm>
-            <a:prstGeom prst="rect">
-              <a:avLst/>
-            </a:prstGeom>
-          </p:spPr>
-        </p:pic>
-        <p:pic>
-          <p:nvPicPr>
-            <p:cNvPr id="14" name="Picture 2" descr="http://www.clipartsfree.net/vector/medium/ServerCabinet_Clip_Art.png">
-              <a:extLst>
-                <a:ext uri="{FF2B5EF4-FFF2-40B4-BE49-F238E27FC236}">
-                  <a16:creationId xmlns:a16="http://schemas.microsoft.com/office/drawing/2014/main" id="{5A6666B4-D0A9-441C-95E1-55B336661432}"/>
-                </a:ext>
-              </a:extLst>
-            </p:cNvPr>
-            <p:cNvPicPr>
-              <a:picLocks noChangeAspect="1" noChangeArrowheads="1"/>
-            </p:cNvPicPr>
-            <p:nvPr/>
-          </p:nvPicPr>
-          <p:blipFill>
-            <a:blip r:embed="rId5" cstate="print">
-              <a:duotone>
-                <a:schemeClr val="accent4">
-                  <a:shade val="45000"/>
-                  <a:satMod val="135000"/>
-                </a:schemeClr>
-                <a:prstClr val="white"/>
-              </a:duotone>
-              <a:extLst>
-                <a:ext uri="{28A0092B-C50C-407E-A947-70E740481C1C}">
-                  <a14:useLocalDpi xmlns:a14="http://schemas.microsoft.com/office/drawing/2010/main" val="0"/>
-                </a:ext>
-              </a:extLst>
-            </a:blip>
-            <a:srcRect/>
-            <a:stretch>
-              <a:fillRect/>
-            </a:stretch>
-          </p:blipFill>
-          <p:spPr bwMode="auto">
-            <a:xfrm>
-              <a:off x="6424041" y="2356058"/>
-              <a:ext cx="491681" cy="847725"/>
-            </a:xfrm>
-            <a:prstGeom prst="rect">
-              <a:avLst/>
-            </a:prstGeom>
-            <a:noFill/>
-            <a:extLst>
-              <a:ext uri="{909E8E84-426E-40DD-AFC4-6F175D3DCCD1}">
-                <a14:hiddenFill xmlns:a14="http://schemas.microsoft.com/office/drawing/2010/main">
-                  <a:solidFill>
-                    <a:srgbClr val="FFFFFF"/>
-                  </a:solidFill>
-                </a14:hiddenFill>
-              </a:ext>
-            </a:extLst>
-          </p:spPr>
-        </p:pic>
-        <p:sp>
-          <p:nvSpPr>
-            <p:cNvPr id="2" name="Arrow: Up 1">
-              <a:extLst>
-                <a:ext uri="{FF2B5EF4-FFF2-40B4-BE49-F238E27FC236}">
-                  <a16:creationId xmlns:a16="http://schemas.microsoft.com/office/drawing/2014/main" id="{7A494C9E-03B9-47FF-B144-94E42122C5ED}"/>
-                </a:ext>
-              </a:extLst>
-            </p:cNvPr>
-            <p:cNvSpPr/>
-            <p:nvPr/>
-          </p:nvSpPr>
-          <p:spPr>
-            <a:xfrm>
-              <a:off x="6535491" y="1950108"/>
-              <a:ext cx="209550" cy="222123"/>
-            </a:xfrm>
-            <a:prstGeom prst="upArrow">
-              <a:avLst/>
-            </a:prstGeom>
-          </p:spPr>
-          <p:style>
-            <a:lnRef idx="2">
-              <a:schemeClr val="accent1">
-                <a:shade val="50000"/>
-              </a:schemeClr>
-            </a:lnRef>
-            <a:fillRef idx="1">
-              <a:schemeClr val="accent1"/>
-            </a:fillRef>
-            <a:effectRef idx="0">
-              <a:schemeClr val="accent1"/>
-            </a:effectRef>
-            <a:fontRef idx="minor">
-              <a:schemeClr val="lt1"/>
-            </a:fontRef>
-          </p:style>
-          <p:txBody>
-            <a:bodyPr rtlCol="0" anchor="ctr"/>
-            <a:lstStyle/>
-            <a:p>
-              <a:pPr algn="ctr"/>
-              <a:endParaRPr lang="en-GB"/>
-            </a:p>
-          </p:txBody>
-        </p:sp>
-        <p:sp>
-          <p:nvSpPr>
-            <p:cNvPr id="15" name="Arrow: Up 14">
-              <a:extLst>
-                <a:ext uri="{FF2B5EF4-FFF2-40B4-BE49-F238E27FC236}">
-                  <a16:creationId xmlns:a16="http://schemas.microsoft.com/office/drawing/2014/main" id="{5F4322E5-8A60-499B-9EB3-E7F3212D9EFB}"/>
-                </a:ext>
-              </a:extLst>
-            </p:cNvPr>
-            <p:cNvSpPr/>
-            <p:nvPr/>
-          </p:nvSpPr>
-          <p:spPr>
-            <a:xfrm>
-              <a:off x="6547234" y="3353666"/>
-              <a:ext cx="209550" cy="222123"/>
-            </a:xfrm>
-            <a:prstGeom prst="upArrow">
-              <a:avLst/>
-            </a:prstGeom>
-          </p:spPr>
-          <p:style>
-            <a:lnRef idx="2">
-              <a:schemeClr val="accent1">
-                <a:shade val="50000"/>
-              </a:schemeClr>
-            </a:lnRef>
-            <a:fillRef idx="1">
-              <a:schemeClr val="accent1"/>
-            </a:fillRef>
-            <a:effectRef idx="0">
-              <a:schemeClr val="accent1"/>
-            </a:effectRef>
-            <a:fontRef idx="minor">
-              <a:schemeClr val="lt1"/>
-            </a:fontRef>
-          </p:style>
-          <p:txBody>
-            <a:bodyPr rtlCol="0" anchor="ctr"/>
-            <a:lstStyle/>
-            <a:p>
-              <a:pPr algn="ctr"/>
-              <a:endParaRPr lang="en-GB"/>
-            </a:p>
-          </p:txBody>
-        </p:sp>
-        <p:sp>
-          <p:nvSpPr>
-            <p:cNvPr id="4" name="Arrow: Up-Down 3">
-              <a:extLst>
-                <a:ext uri="{FF2B5EF4-FFF2-40B4-BE49-F238E27FC236}">
-                  <a16:creationId xmlns:a16="http://schemas.microsoft.com/office/drawing/2014/main" id="{CE645A06-4630-4A09-B561-67003B5AFB89}"/>
-                </a:ext>
-              </a:extLst>
-            </p:cNvPr>
-            <p:cNvSpPr/>
-            <p:nvPr/>
-          </p:nvSpPr>
-          <p:spPr>
-            <a:xfrm>
-              <a:off x="6532916" y="5124831"/>
-              <a:ext cx="214700" cy="314325"/>
-            </a:xfrm>
-            <a:prstGeom prst="upDownArrow">
-              <a:avLst/>
-            </a:prstGeom>
-          </p:spPr>
-          <p:style>
-            <a:lnRef idx="2">
-              <a:schemeClr val="accent1">
-                <a:shade val="50000"/>
-              </a:schemeClr>
-            </a:lnRef>
-            <a:fillRef idx="1">
-              <a:schemeClr val="accent1"/>
-            </a:fillRef>
-            <a:effectRef idx="0">
-              <a:schemeClr val="accent1"/>
-            </a:effectRef>
-            <a:fontRef idx="minor">
-              <a:schemeClr val="lt1"/>
-            </a:fontRef>
-          </p:style>
-          <p:txBody>
-            <a:bodyPr rtlCol="0" anchor="ctr"/>
-            <a:lstStyle/>
-            <a:p>
-              <a:pPr algn="ctr"/>
-              <a:endParaRPr lang="en-GB"/>
-            </a:p>
-          </p:txBody>
-        </p:sp>
-        <p:pic>
-          <p:nvPicPr>
-            <p:cNvPr id="16" name="Picture 15">
-              <a:extLst>
-                <a:ext uri="{FF2B5EF4-FFF2-40B4-BE49-F238E27FC236}">
-                  <a16:creationId xmlns:a16="http://schemas.microsoft.com/office/drawing/2014/main" id="{889735D2-3C61-4999-894A-6D16CBB4D265}"/>
-                </a:ext>
-              </a:extLst>
-            </p:cNvPr>
-            <p:cNvPicPr>
-              <a:picLocks noChangeAspect="1"/>
-            </p:cNvPicPr>
-            <p:nvPr/>
-          </p:nvPicPr>
-          <p:blipFill rotWithShape="1">
-            <a:blip r:embed="rId4">
-              <a:duotone>
-                <a:prstClr val="black"/>
-                <a:srgbClr val="FF0000">
-                  <a:tint val="45000"/>
-                  <a:satMod val="400000"/>
-                </a:srgbClr>
-              </a:duotone>
-              <a:extLst>
-                <a:ext uri="{28A0092B-C50C-407E-A947-70E740481C1C}">
-                  <a14:useLocalDpi xmlns:a14="http://schemas.microsoft.com/office/drawing/2010/main" val="0"/>
-                </a:ext>
-              </a:extLst>
-            </a:blip>
-            <a:srcRect l="29936" t="4876" r="64066" b="71646"/>
-            <a:stretch/>
-          </p:blipFill>
-          <p:spPr>
-            <a:xfrm>
-              <a:off x="5475834" y="3642017"/>
-              <a:ext cx="423864" cy="1028662"/>
-            </a:xfrm>
-            <a:prstGeom prst="rect">
-              <a:avLst/>
-            </a:prstGeom>
-          </p:spPr>
-        </p:pic>
-        <p:pic>
-          <p:nvPicPr>
-            <p:cNvPr id="17" name="Picture 16">
-              <a:extLst>
-                <a:ext uri="{FF2B5EF4-FFF2-40B4-BE49-F238E27FC236}">
-                  <a16:creationId xmlns:a16="http://schemas.microsoft.com/office/drawing/2014/main" id="{FD99AF84-8CD9-4CFA-A79C-BF44DDEE746C}"/>
-                </a:ext>
-              </a:extLst>
-            </p:cNvPr>
-            <p:cNvPicPr>
-              <a:picLocks noChangeAspect="1"/>
-            </p:cNvPicPr>
-            <p:nvPr/>
-          </p:nvPicPr>
-          <p:blipFill rotWithShape="1">
-            <a:blip r:embed="rId4">
-              <a:duotone>
-                <a:prstClr val="black"/>
-                <a:srgbClr val="FF0000">
-                  <a:tint val="45000"/>
-                  <a:satMod val="400000"/>
-                </a:srgbClr>
-              </a:duotone>
-              <a:extLst>
-                <a:ext uri="{28A0092B-C50C-407E-A947-70E740481C1C}">
-                  <a14:useLocalDpi xmlns:a14="http://schemas.microsoft.com/office/drawing/2010/main" val="0"/>
-                </a:ext>
-              </a:extLst>
-            </a:blip>
-            <a:srcRect l="24352" t="29140" r="70270" b="50452"/>
-            <a:stretch/>
-          </p:blipFill>
-          <p:spPr>
-            <a:xfrm>
-              <a:off x="5270172" y="4127155"/>
-              <a:ext cx="376239" cy="886770"/>
-            </a:xfrm>
-            <a:prstGeom prst="rect">
-              <a:avLst/>
-            </a:prstGeom>
-          </p:spPr>
-        </p:pic>
-        <p:pic>
-          <p:nvPicPr>
-            <p:cNvPr id="18" name="Picture 17">
-              <a:extLst>
-                <a:ext uri="{FF2B5EF4-FFF2-40B4-BE49-F238E27FC236}">
-                  <a16:creationId xmlns:a16="http://schemas.microsoft.com/office/drawing/2014/main" id="{ECD5E561-73A9-43F2-AB70-4592557FE73B}"/>
-                </a:ext>
-              </a:extLst>
-            </p:cNvPr>
-            <p:cNvPicPr>
-              <a:picLocks noChangeAspect="1"/>
-            </p:cNvPicPr>
-            <p:nvPr/>
-          </p:nvPicPr>
-          <p:blipFill rotWithShape="1">
-            <a:blip r:embed="rId4">
-              <a:duotone>
-                <a:prstClr val="black"/>
-                <a:srgbClr val="FF0000">
-                  <a:tint val="45000"/>
-                  <a:satMod val="400000"/>
-                </a:srgbClr>
-              </a:duotone>
-              <a:extLst>
-                <a:ext uri="{28A0092B-C50C-407E-A947-70E740481C1C}">
-                  <a14:useLocalDpi xmlns:a14="http://schemas.microsoft.com/office/drawing/2010/main" val="0"/>
-                </a:ext>
-              </a:extLst>
-            </a:blip>
-            <a:srcRect l="53065" t="6374" r="41247" b="72099"/>
-            <a:stretch/>
-          </p:blipFill>
-          <p:spPr>
-            <a:xfrm>
-              <a:off x="4478745" y="4022337"/>
-              <a:ext cx="404811" cy="951527"/>
-            </a:xfrm>
-            <a:prstGeom prst="rect">
-              <a:avLst/>
-            </a:prstGeom>
-          </p:spPr>
-        </p:pic>
-        <p:pic>
-          <p:nvPicPr>
-            <p:cNvPr id="19" name="Picture 18">
-              <a:extLst>
-                <a:ext uri="{FF2B5EF4-FFF2-40B4-BE49-F238E27FC236}">
-                  <a16:creationId xmlns:a16="http://schemas.microsoft.com/office/drawing/2014/main" id="{D5EECA9C-AF40-4F40-A7F5-6C43BE6FEB7E}"/>
-                </a:ext>
-              </a:extLst>
-            </p:cNvPr>
-            <p:cNvPicPr>
-              <a:picLocks noChangeAspect="1"/>
-            </p:cNvPicPr>
-            <p:nvPr/>
-          </p:nvPicPr>
-          <p:blipFill rotWithShape="1">
-            <a:blip r:embed="rId4">
-              <a:duotone>
-                <a:prstClr val="black"/>
-                <a:schemeClr val="accent6">
-                  <a:lumMod val="60000"/>
-                  <a:lumOff val="40000"/>
-                  <a:tint val="45000"/>
-                  <a:satMod val="400000"/>
-                </a:schemeClr>
-              </a:duotone>
-              <a:extLst>
-                <a:ext uri="{28A0092B-C50C-407E-A947-70E740481C1C}">
-                  <a14:useLocalDpi xmlns:a14="http://schemas.microsoft.com/office/drawing/2010/main" val="0"/>
-                </a:ext>
-              </a:extLst>
-            </a:blip>
-            <a:srcRect l="29936" t="4876" r="64066" b="71646"/>
-            <a:stretch/>
-          </p:blipFill>
-          <p:spPr>
-            <a:xfrm>
-              <a:off x="7829520" y="3642017"/>
-              <a:ext cx="423864" cy="1028662"/>
-            </a:xfrm>
-            <a:prstGeom prst="rect">
-              <a:avLst/>
-            </a:prstGeom>
-          </p:spPr>
-        </p:pic>
-        <p:pic>
-          <p:nvPicPr>
-            <p:cNvPr id="20" name="Picture 19">
-              <a:extLst>
-                <a:ext uri="{FF2B5EF4-FFF2-40B4-BE49-F238E27FC236}">
-                  <a16:creationId xmlns:a16="http://schemas.microsoft.com/office/drawing/2014/main" id="{BA2D4956-59FA-4BB0-AC83-FBD5916DE624}"/>
-                </a:ext>
-              </a:extLst>
-            </p:cNvPr>
-            <p:cNvPicPr>
-              <a:picLocks noChangeAspect="1"/>
-            </p:cNvPicPr>
-            <p:nvPr/>
-          </p:nvPicPr>
-          <p:blipFill rotWithShape="1">
-            <a:blip r:embed="rId4">
-              <a:duotone>
-                <a:prstClr val="black"/>
-                <a:schemeClr val="accent6">
-                  <a:lumMod val="60000"/>
-                  <a:lumOff val="40000"/>
-                  <a:tint val="45000"/>
-                  <a:satMod val="400000"/>
-                </a:schemeClr>
-              </a:duotone>
-              <a:extLst>
-                <a:ext uri="{28A0092B-C50C-407E-A947-70E740481C1C}">
-                  <a14:useLocalDpi xmlns:a14="http://schemas.microsoft.com/office/drawing/2010/main" val="0"/>
-                </a:ext>
-              </a:extLst>
-            </a:blip>
-            <a:srcRect l="53065" t="6374" r="41247" b="72099"/>
-            <a:stretch/>
-          </p:blipFill>
-          <p:spPr>
-            <a:xfrm>
-              <a:off x="8243859" y="3702196"/>
-              <a:ext cx="404811" cy="951527"/>
-            </a:xfrm>
-            <a:prstGeom prst="rect">
-              <a:avLst/>
-            </a:prstGeom>
-          </p:spPr>
-        </p:pic>
-        <p:pic>
-          <p:nvPicPr>
-            <p:cNvPr id="21" name="Picture 20">
-              <a:extLst>
-                <a:ext uri="{FF2B5EF4-FFF2-40B4-BE49-F238E27FC236}">
-                  <a16:creationId xmlns:a16="http://schemas.microsoft.com/office/drawing/2014/main" id="{66C5A5D8-5F6D-4AAD-BB47-3CC0D6BC3A6A}"/>
-                </a:ext>
-              </a:extLst>
-            </p:cNvPr>
-            <p:cNvPicPr>
-              <a:picLocks noChangeAspect="1"/>
-            </p:cNvPicPr>
-            <p:nvPr/>
-          </p:nvPicPr>
-          <p:blipFill rotWithShape="1">
-            <a:blip r:embed="rId4">
-              <a:duotone>
-                <a:prstClr val="black"/>
-                <a:schemeClr val="accent6">
-                  <a:lumMod val="60000"/>
-                  <a:lumOff val="40000"/>
-                  <a:tint val="45000"/>
-                  <a:satMod val="400000"/>
-                </a:schemeClr>
-              </a:duotone>
-              <a:extLst>
-                <a:ext uri="{28A0092B-C50C-407E-A947-70E740481C1C}">
-                  <a14:useLocalDpi xmlns:a14="http://schemas.microsoft.com/office/drawing/2010/main" val="0"/>
-                </a:ext>
-              </a:extLst>
-            </a:blip>
-            <a:srcRect l="24352" t="29140" r="70270" b="50452"/>
-            <a:stretch/>
-          </p:blipFill>
-          <p:spPr>
-            <a:xfrm>
-              <a:off x="7422408" y="3812484"/>
-              <a:ext cx="376239" cy="886770"/>
-            </a:xfrm>
-            <a:prstGeom prst="rect">
-              <a:avLst/>
-            </a:prstGeom>
-          </p:spPr>
-        </p:pic>
-        <p:pic>
-          <p:nvPicPr>
-            <p:cNvPr id="22" name="Picture 21">
-              <a:extLst>
-                <a:ext uri="{FF2B5EF4-FFF2-40B4-BE49-F238E27FC236}">
-                  <a16:creationId xmlns:a16="http://schemas.microsoft.com/office/drawing/2014/main" id="{9AE1449F-E512-4B91-A061-A1A972CA1D19}"/>
-                </a:ext>
-              </a:extLst>
-            </p:cNvPr>
-            <p:cNvPicPr>
-              <a:picLocks noChangeAspect="1"/>
-            </p:cNvPicPr>
-            <p:nvPr/>
-          </p:nvPicPr>
-          <p:blipFill rotWithShape="1">
-            <a:blip r:embed="rId4">
-              <a:duotone>
-                <a:prstClr val="black"/>
-                <a:schemeClr val="accent6">
-                  <a:lumMod val="60000"/>
-                  <a:lumOff val="40000"/>
-                  <a:tint val="45000"/>
-                  <a:satMod val="400000"/>
-                </a:schemeClr>
-              </a:duotone>
-              <a:extLst>
-                <a:ext uri="{28A0092B-C50C-407E-A947-70E740481C1C}">
-                  <a14:useLocalDpi xmlns:a14="http://schemas.microsoft.com/office/drawing/2010/main" val="0"/>
-                </a:ext>
-              </a:extLst>
-            </a:blip>
-            <a:srcRect l="69896" t="48548" r="23588" b="31327"/>
-            <a:stretch/>
-          </p:blipFill>
-          <p:spPr>
-            <a:xfrm>
-              <a:off x="7986520" y="4156348"/>
-              <a:ext cx="452931" cy="868908"/>
-            </a:xfrm>
-            <a:prstGeom prst="rect">
-              <a:avLst/>
-            </a:prstGeom>
-          </p:spPr>
-        </p:pic>
-        <p:pic>
-          <p:nvPicPr>
-            <p:cNvPr id="23" name="Picture 22">
-              <a:extLst>
-                <a:ext uri="{FF2B5EF4-FFF2-40B4-BE49-F238E27FC236}">
-                  <a16:creationId xmlns:a16="http://schemas.microsoft.com/office/drawing/2014/main" id="{6177C58A-D87A-495A-8672-270402A2A4AA}"/>
-                </a:ext>
-              </a:extLst>
-            </p:cNvPr>
-            <p:cNvPicPr>
-              <a:picLocks noChangeAspect="1"/>
-            </p:cNvPicPr>
-            <p:nvPr/>
-          </p:nvPicPr>
-          <p:blipFill rotWithShape="1">
-            <a:blip r:embed="rId4">
-              <a:duotone>
-                <a:prstClr val="black"/>
-                <a:schemeClr val="accent6">
-                  <a:lumMod val="60000"/>
-                  <a:lumOff val="40000"/>
-                  <a:tint val="45000"/>
-                  <a:satMod val="400000"/>
-                </a:schemeClr>
-              </a:duotone>
-              <a:extLst>
-                <a:ext uri="{28A0092B-C50C-407E-A947-70E740481C1C}">
-                  <a14:useLocalDpi xmlns:a14="http://schemas.microsoft.com/office/drawing/2010/main" val="0"/>
-                </a:ext>
-              </a:extLst>
-            </a:blip>
-            <a:srcRect l="29936" t="4876" r="64066" b="71646"/>
-            <a:stretch/>
-          </p:blipFill>
-          <p:spPr>
-            <a:xfrm>
-              <a:off x="8648670" y="3642017"/>
-              <a:ext cx="423864" cy="1028662"/>
-            </a:xfrm>
-            <a:prstGeom prst="rect">
-              <a:avLst/>
-            </a:prstGeom>
-          </p:spPr>
-        </p:pic>
-        <p:pic>
-          <p:nvPicPr>
-            <p:cNvPr id="25" name="Picture 24">
-              <a:extLst>
-                <a:ext uri="{FF2B5EF4-FFF2-40B4-BE49-F238E27FC236}">
-                  <a16:creationId xmlns:a16="http://schemas.microsoft.com/office/drawing/2014/main" id="{35D38012-80A6-4062-AE39-A777B0BEC04B}"/>
-                </a:ext>
-              </a:extLst>
-            </p:cNvPr>
-            <p:cNvPicPr>
-              <a:picLocks noChangeAspect="1"/>
-            </p:cNvPicPr>
-            <p:nvPr/>
-          </p:nvPicPr>
-          <p:blipFill rotWithShape="1">
-            <a:blip r:embed="rId4">
-              <a:duotone>
-                <a:prstClr val="black"/>
-                <a:schemeClr val="accent6">
-                  <a:lumMod val="60000"/>
-                  <a:lumOff val="40000"/>
-                  <a:tint val="45000"/>
-                  <a:satMod val="400000"/>
-                </a:schemeClr>
-              </a:duotone>
-              <a:extLst>
-                <a:ext uri="{28A0092B-C50C-407E-A947-70E740481C1C}">
-                  <a14:useLocalDpi xmlns:a14="http://schemas.microsoft.com/office/drawing/2010/main" val="0"/>
-                </a:ext>
-              </a:extLst>
-            </a:blip>
-            <a:srcRect l="53065" t="6374" r="41247" b="72099"/>
-            <a:stretch/>
-          </p:blipFill>
-          <p:spPr>
-            <a:xfrm>
-              <a:off x="7651581" y="4022337"/>
-              <a:ext cx="404811" cy="951527"/>
-            </a:xfrm>
-            <a:prstGeom prst="rect">
-              <a:avLst/>
-            </a:prstGeom>
-          </p:spPr>
-        </p:pic>
-        <p:pic>
-          <p:nvPicPr>
-            <p:cNvPr id="26" name="Picture 25">
-              <a:extLst>
-                <a:ext uri="{FF2B5EF4-FFF2-40B4-BE49-F238E27FC236}">
-                  <a16:creationId xmlns:a16="http://schemas.microsoft.com/office/drawing/2014/main" id="{6EF34A72-C7F7-43BB-AEF0-DF1FFC738560}"/>
-                </a:ext>
-              </a:extLst>
-            </p:cNvPr>
-            <p:cNvPicPr>
-              <a:picLocks noChangeAspect="1"/>
-            </p:cNvPicPr>
-            <p:nvPr/>
-          </p:nvPicPr>
-          <p:blipFill rotWithShape="1">
-            <a:blip r:embed="rId4">
-              <a:duotone>
-                <a:prstClr val="black"/>
-                <a:schemeClr val="accent6">
-                  <a:lumMod val="60000"/>
-                  <a:lumOff val="40000"/>
-                  <a:tint val="45000"/>
-                  <a:satMod val="400000"/>
-                </a:schemeClr>
-              </a:duotone>
-              <a:extLst>
-                <a:ext uri="{28A0092B-C50C-407E-A947-70E740481C1C}">
-                  <a14:useLocalDpi xmlns:a14="http://schemas.microsoft.com/office/drawing/2010/main" val="0"/>
-                </a:ext>
-              </a:extLst>
-            </a:blip>
-            <a:srcRect l="53065" t="6374" r="41247" b="72099"/>
-            <a:stretch/>
-          </p:blipFill>
-          <p:spPr>
-            <a:xfrm>
-              <a:off x="8435732" y="4022337"/>
-              <a:ext cx="404811" cy="951527"/>
-            </a:xfrm>
-            <a:prstGeom prst="rect">
-              <a:avLst/>
-            </a:prstGeom>
-          </p:spPr>
-        </p:pic>
-        <p:sp>
-          <p:nvSpPr>
-            <p:cNvPr id="5" name="Rectangle 4">
-              <a:extLst>
-                <a:ext uri="{FF2B5EF4-FFF2-40B4-BE49-F238E27FC236}">
-                  <a16:creationId xmlns:a16="http://schemas.microsoft.com/office/drawing/2014/main" id="{D4CB9234-D470-4EE3-A8C6-8B01A65528B8}"/>
-                </a:ext>
-              </a:extLst>
-            </p:cNvPr>
-            <p:cNvSpPr/>
-            <p:nvPr/>
-          </p:nvSpPr>
-          <p:spPr>
-            <a:xfrm>
-              <a:off x="4000500" y="3642017"/>
-              <a:ext cx="5391150" cy="1383239"/>
-            </a:xfrm>
-            <a:prstGeom prst="rect">
-              <a:avLst/>
-            </a:prstGeom>
-            <a:noFill/>
-          </p:spPr>
-          <p:style>
-            <a:lnRef idx="2">
-              <a:schemeClr val="accent1">
-                <a:shade val="50000"/>
-              </a:schemeClr>
-            </a:lnRef>
-            <a:fillRef idx="1">
-              <a:schemeClr val="accent1"/>
-            </a:fillRef>
-            <a:effectRef idx="0">
-              <a:schemeClr val="accent1"/>
-            </a:effectRef>
-            <a:fontRef idx="minor">
-              <a:schemeClr val="lt1"/>
-            </a:fontRef>
-          </p:style>
-          <p:txBody>
-            <a:bodyPr rtlCol="0" anchor="ctr"/>
-            <a:lstStyle/>
-            <a:p>
-              <a:pPr algn="ctr"/>
-              <a:endParaRPr lang="en-GB"/>
-            </a:p>
-          </p:txBody>
-        </p:sp>
-      </p:grpSp>
-    </p:spTree>
-    <p:extLst>
-      <p:ext uri="{BB962C8B-B14F-4D97-AF65-F5344CB8AC3E}">
-        <p14:creationId xmlns:p14="http://schemas.microsoft.com/office/powerpoint/2010/main" val="829145627"/>
       </p:ext>
     </p:extLst>
   </p:cSld>

--- a/Bootcamp-ContinuousDelivery.pptx
+++ b/Bootcamp-ContinuousDelivery.pptx
@@ -15919,7 +15919,22 @@
           <a:p>
             <a:r>
               <a:rPr lang="en-GB" dirty="0"/>
-              <a:t>Both teams are making changes in the configuration of the environments manually</a:t>
+              <a:t>The red team makes their change and push it all the way up to Prod and it works</a:t>
+            </a:r>
+          </a:p>
+          <a:p>
+            <a:r>
+              <a:rPr lang="en-GB" dirty="0"/>
+              <a:t>The green team does the same, and since the change doesn’t clash with the other team’s changes, it works fine as well</a:t>
+            </a:r>
+          </a:p>
+          <a:p>
+            <a:endParaRPr lang="en-GB" dirty="0"/>
+          </a:p>
+          <a:p>
+            <a:r>
+              <a:rPr lang="en-GB" dirty="0"/>
+              <a:t>But both teams are making changes in the configuration of the environments manually</a:t>
             </a:r>
           </a:p>
           <a:p>
@@ -15929,7 +15944,7 @@
             </a:pPr>
             <a:r>
               <a:rPr lang="en-GB" dirty="0"/>
-              <a:t>Environments start to differ</a:t>
+              <a:t>So they are not keeping the environments in sync</a:t>
             </a:r>
           </a:p>
           <a:p>
@@ -16005,23 +16020,23 @@
               <a:buNone/>
             </a:pPr>
             <a:r>
-              <a:rPr lang="en-GB" dirty="0"/>
+              <a:rPr lang="en-GB" i="1" dirty="0"/>
               <a:t>“This </a:t>
             </a:r>
             <a:r>
-              <a:rPr lang="en-GB" dirty="0" err="1"/>
+              <a:rPr lang="en-GB" i="1" dirty="0" err="1"/>
               <a:t>ain’t</a:t>
             </a:r>
             <a:r>
-              <a:rPr lang="en-GB" dirty="0"/>
+              <a:rPr lang="en-GB" i="1" dirty="0"/>
               <a:t> </a:t>
             </a:r>
             <a:r>
-              <a:rPr lang="en-GB" dirty="0" err="1"/>
+              <a:rPr lang="en-GB" i="1" dirty="0" err="1"/>
               <a:t>gonna</a:t>
             </a:r>
             <a:r>
-              <a:rPr lang="en-GB" dirty="0"/>
+              <a:rPr lang="en-GB" i="1" dirty="0"/>
               <a:t> end well…”</a:t>
             </a:r>
           </a:p>
@@ -21124,7 +21139,7 @@
           <a:p>
             <a:r>
               <a:rPr lang="en-GB" b="0" dirty="0"/>
-              <a:t>And the QA says that before going to Prod, the release has to go to the test environment, where he’ll run some tests</a:t>
+              <a:t>And the QA says that before going to Prod, the release has to go to the test environment, where he’ll run some regression tests</a:t>
             </a:r>
           </a:p>
           <a:p>
@@ -21146,13 +21161,8 @@
           <a:p>
             <a:r>
               <a:rPr lang="en-GB" dirty="0"/>
-              <a:t>But… there’s more stuff to do, they </a:t>
+              <a:t>But… there’s more stuff to do, they need more hands</a:t>
             </a:r>
-            <a:r>
-              <a:rPr lang="en-GB"/>
-              <a:t>need more hands</a:t>
-            </a:r>
-            <a:endParaRPr lang="en-GB" dirty="0"/>
           </a:p>
         </p:txBody>
       </p:sp>
@@ -27414,238 +27424,12 @@
           <a:chExt cx="0" cy="0"/>
         </a:xfrm>
       </p:grpSpPr>
-      <p:sp>
-        <p:nvSpPr>
-          <p:cNvPr id="8" name="Rectangle 7"/>
-          <p:cNvSpPr>
-            <a:spLocks noGrp="1" noRot="1" noChangeAspect="1" noMove="1" noResize="1" noEditPoints="1" noAdjustHandles="1" noChangeArrowheads="1" noChangeShapeType="1" noTextEdit="1"/>
-          </p:cNvSpPr>
-          <p:nvPr>
-            <p:extLst>
-              <p:ext uri="{386F3935-93C4-4BCD-93E2-E3B085C9AB24}">
-                <p16:designElem xmlns:p16="http://schemas.microsoft.com/office/powerpoint/2015/main" val="1"/>
-              </p:ext>
-            </p:extLst>
-          </p:nvPr>
-        </p:nvSpPr>
-        <p:spPr>
-          <a:xfrm>
-            <a:off x="1" y="758952"/>
-            <a:ext cx="3443590" cy="5330952"/>
-          </a:xfrm>
-          <a:prstGeom prst="rect">
-            <a:avLst/>
-          </a:prstGeom>
-          <a:solidFill>
-            <a:schemeClr val="accent1"/>
-          </a:solidFill>
-          <a:ln>
-            <a:noFill/>
-          </a:ln>
-        </p:spPr>
-        <p:style>
-          <a:lnRef idx="2">
-            <a:schemeClr val="accent1">
-              <a:shade val="50000"/>
-            </a:schemeClr>
-          </a:lnRef>
-          <a:fillRef idx="1">
-            <a:schemeClr val="accent1"/>
-          </a:fillRef>
-          <a:effectRef idx="0">
-            <a:schemeClr val="accent1"/>
-          </a:effectRef>
-          <a:fontRef idx="minor">
-            <a:schemeClr val="lt1"/>
-          </a:fontRef>
-        </p:style>
-      </p:sp>
-      <p:sp>
-        <p:nvSpPr>
-          <p:cNvPr id="10" name="Rectangle 9"/>
-          <p:cNvSpPr>
-            <a:spLocks noGrp="1" noRot="1" noChangeAspect="1" noMove="1" noResize="1" noEditPoints="1" noAdjustHandles="1" noChangeArrowheads="1" noChangeShapeType="1" noTextEdit="1"/>
-          </p:cNvSpPr>
-          <p:nvPr>
-            <p:extLst>
-              <p:ext uri="{386F3935-93C4-4BCD-93E2-E3B085C9AB24}">
-                <p16:designElem xmlns:p16="http://schemas.microsoft.com/office/powerpoint/2015/main" val="1"/>
-              </p:ext>
-            </p:extLst>
-          </p:nvPr>
-        </p:nvSpPr>
-        <p:spPr>
-          <a:xfrm>
-            <a:off x="11815864" y="758952"/>
-            <a:ext cx="384048" cy="5330952"/>
-          </a:xfrm>
-          <a:prstGeom prst="rect">
-            <a:avLst/>
-          </a:prstGeom>
-          <a:solidFill>
-            <a:srgbClr val="C8C8C8">
-              <a:alpha val="49804"/>
-            </a:srgbClr>
-          </a:solidFill>
-          <a:ln>
-            <a:noFill/>
-          </a:ln>
-        </p:spPr>
-        <p:style>
-          <a:lnRef idx="2">
-            <a:schemeClr val="accent1">
-              <a:shade val="50000"/>
-            </a:schemeClr>
-          </a:lnRef>
-          <a:fillRef idx="1">
-            <a:schemeClr val="accent1"/>
-          </a:fillRef>
-          <a:effectRef idx="0">
-            <a:schemeClr val="accent1"/>
-          </a:effectRef>
-          <a:fontRef idx="minor">
-            <a:schemeClr val="lt1"/>
-          </a:fontRef>
-        </p:style>
-      </p:sp>
-      <p:sp>
-        <p:nvSpPr>
-          <p:cNvPr id="9" name="Title 1">
+      <p:grpSp>
+        <p:nvGrpSpPr>
+          <p:cNvPr id="48" name="Group 47">
             <a:extLst>
               <a:ext uri="{FF2B5EF4-FFF2-40B4-BE49-F238E27FC236}">
-                <a16:creationId xmlns:a16="http://schemas.microsoft.com/office/drawing/2014/main" id="{519F807E-5958-4995-A227-C4835B3B6E7D}"/>
-              </a:ext>
-            </a:extLst>
-          </p:cNvPr>
-          <p:cNvSpPr txBox="1">
-            <a:spLocks/>
-          </p:cNvSpPr>
-          <p:nvPr/>
-        </p:nvSpPr>
-        <p:spPr>
-          <a:xfrm>
-            <a:off x="252919" y="1123837"/>
-            <a:ext cx="2947482" cy="4601183"/>
-          </a:xfrm>
-          <a:prstGeom prst="rect">
-            <a:avLst/>
-          </a:prstGeom>
-        </p:spPr>
-        <p:txBody>
-          <a:bodyPr>
-            <a:normAutofit/>
-          </a:bodyPr>
-          <a:lstStyle>
-            <a:lvl1pPr algn="l" defTabSz="914400" rtl="0" eaLnBrk="1" latinLnBrk="0" hangingPunct="1">
-              <a:lnSpc>
-                <a:spcPct val="90000"/>
-              </a:lnSpc>
-              <a:spcBef>
-                <a:spcPct val="0"/>
-              </a:spcBef>
-              <a:buNone/>
-              <a:defRPr sz="3600" kern="1200" spc="-60" baseline="0">
-                <a:solidFill>
-                  <a:srgbClr val="FFFFFF"/>
-                </a:solidFill>
-                <a:latin typeface="+mj-lt"/>
-                <a:ea typeface="+mj-ea"/>
-                <a:cs typeface="+mj-cs"/>
-              </a:defRPr>
-            </a:lvl1pPr>
-          </a:lstStyle>
-          <a:p>
-            <a:endParaRPr lang="en-GB" sz="2000" dirty="0"/>
-          </a:p>
-          <a:p>
-            <a:endParaRPr lang="en-GB" sz="2000" dirty="0"/>
-          </a:p>
-          <a:p>
-            <a:endParaRPr lang="en-GB" sz="2000" dirty="0"/>
-          </a:p>
-          <a:p>
-            <a:endParaRPr lang="en-GB" sz="2000" dirty="0"/>
-          </a:p>
-          <a:p>
-            <a:pPr marL="342900" indent="-342900">
-              <a:buFont typeface="Arial" panose="020B0604020202020204" pitchFamily="34" charset="0"/>
-              <a:buChar char="•"/>
-            </a:pPr>
-            <a:endParaRPr lang="en-GB" sz="2000" dirty="0"/>
-          </a:p>
-          <a:p>
-            <a:r>
-              <a:rPr lang="en-GB" sz="2000" dirty="0"/>
-              <a:t>2 teams: red &amp; green</a:t>
-            </a:r>
-          </a:p>
-          <a:p>
-            <a:pPr marL="342900" indent="-342900">
-              <a:buFont typeface="Arial" panose="020B0604020202020204" pitchFamily="34" charset="0"/>
-              <a:buChar char="•"/>
-            </a:pPr>
-            <a:endParaRPr lang="en-GB" sz="2000" dirty="0"/>
-          </a:p>
-          <a:p>
-            <a:r>
-              <a:rPr lang="en-GB" sz="2000" dirty="0"/>
-              <a:t>2 dev servers</a:t>
-            </a:r>
-          </a:p>
-          <a:p>
-            <a:r>
-              <a:rPr lang="en-GB" sz="2000" dirty="0"/>
-              <a:t>2 test server</a:t>
-            </a:r>
-          </a:p>
-          <a:p>
-            <a:r>
-              <a:rPr lang="en-GB" sz="2000" dirty="0"/>
-              <a:t>1 prod server </a:t>
-            </a:r>
-          </a:p>
-          <a:p>
-            <a:r>
-              <a:rPr lang="en-GB" sz="2000" dirty="0"/>
-              <a:t>   (still accessible to </a:t>
-            </a:r>
-            <a:r>
-              <a:rPr lang="en-GB" sz="2000" dirty="0" err="1"/>
-              <a:t>devs</a:t>
-            </a:r>
-            <a:r>
-              <a:rPr lang="en-GB" sz="2000" dirty="0"/>
-              <a:t>)</a:t>
-            </a:r>
-          </a:p>
-          <a:p>
-            <a:pPr marL="342900" indent="-342900">
-              <a:buFont typeface="Arial" panose="020B0604020202020204" pitchFamily="34" charset="0"/>
-              <a:buChar char="•"/>
-            </a:pPr>
-            <a:endParaRPr lang="en-GB" sz="2000" dirty="0"/>
-          </a:p>
-          <a:p>
-            <a:r>
-              <a:rPr lang="en-GB" sz="2000" dirty="0"/>
-              <a:t>1 source control</a:t>
-            </a:r>
-          </a:p>
-          <a:p>
-            <a:pPr marL="342900" indent="-342900">
-              <a:buFont typeface="Arial" panose="020B0604020202020204" pitchFamily="34" charset="0"/>
-              <a:buChar char="•"/>
-            </a:pPr>
-            <a:endParaRPr lang="en-GB" sz="2000" dirty="0"/>
-          </a:p>
-        </p:txBody>
-      </p:sp>
-      <p:grpSp>
-        <p:nvGrpSpPr>
-          <p:cNvPr id="15" name="Group 14">
-            <a:extLst>
-              <a:ext uri="{FF2B5EF4-FFF2-40B4-BE49-F238E27FC236}">
-                <a16:creationId xmlns:a16="http://schemas.microsoft.com/office/drawing/2014/main" id="{7E1A4E4E-93AD-4FAC-9DF9-4B8433B0FFF4}"/>
+                <a16:creationId xmlns:a16="http://schemas.microsoft.com/office/drawing/2014/main" id="{0E67137E-755C-493A-A620-386ECAEC3C29}"/>
               </a:ext>
             </a:extLst>
           </p:cNvPr>
@@ -28613,58 +28397,6 @@
         </p:sp>
         <p:sp>
           <p:nvSpPr>
-            <p:cNvPr id="31" name="Arrow: Up 30">
-              <a:extLst>
-                <a:ext uri="{FF2B5EF4-FFF2-40B4-BE49-F238E27FC236}">
-                  <a16:creationId xmlns:a16="http://schemas.microsoft.com/office/drawing/2014/main" id="{3AA873C2-F0BA-48B9-AF87-DA2E69846E86}"/>
-                </a:ext>
-              </a:extLst>
-            </p:cNvPr>
-            <p:cNvSpPr/>
-            <p:nvPr/>
-          </p:nvSpPr>
-          <p:spPr>
-            <a:xfrm>
-              <a:off x="8235691" y="2916837"/>
-              <a:ext cx="209550" cy="222123"/>
-            </a:xfrm>
-            <a:prstGeom prst="upArrow">
-              <a:avLst/>
-            </a:prstGeom>
-            <a:solidFill>
-              <a:schemeClr val="accent6"/>
-            </a:solidFill>
-            <a:ln>
-              <a:noFill/>
-            </a:ln>
-          </p:spPr>
-          <p:style>
-            <a:lnRef idx="2">
-              <a:schemeClr val="accent1">
-                <a:shade val="50000"/>
-              </a:schemeClr>
-            </a:lnRef>
-            <a:fillRef idx="1">
-              <a:schemeClr val="accent1"/>
-            </a:fillRef>
-            <a:effectRef idx="0">
-              <a:schemeClr val="accent1"/>
-            </a:effectRef>
-            <a:fontRef idx="minor">
-              <a:schemeClr val="lt1"/>
-            </a:fontRef>
-          </p:style>
-          <p:txBody>
-            <a:bodyPr rtlCol="0" anchor="ctr"/>
-            <a:lstStyle/>
-            <a:p>
-              <a:pPr algn="ctr"/>
-              <a:endParaRPr lang="en-GB"/>
-            </a:p>
-          </p:txBody>
-        </p:sp>
-        <p:sp>
-          <p:nvSpPr>
             <p:cNvPr id="34" name="Arrow: Up 33">
               <a:extLst>
                 <a:ext uri="{FF2B5EF4-FFF2-40B4-BE49-F238E27FC236}">
@@ -28740,220 +28472,6 @@
             </a:solidFill>
             <a:ln>
               <a:noFill/>
-            </a:ln>
-          </p:spPr>
-          <p:style>
-            <a:lnRef idx="2">
-              <a:schemeClr val="accent1">
-                <a:shade val="50000"/>
-              </a:schemeClr>
-            </a:lnRef>
-            <a:fillRef idx="1">
-              <a:schemeClr val="accent1"/>
-            </a:fillRef>
-            <a:effectRef idx="0">
-              <a:schemeClr val="accent1"/>
-            </a:effectRef>
-            <a:fontRef idx="minor">
-              <a:schemeClr val="lt1"/>
-            </a:fontRef>
-          </p:style>
-          <p:txBody>
-            <a:bodyPr rtlCol="0" anchor="ctr"/>
-            <a:lstStyle/>
-            <a:p>
-              <a:pPr algn="ctr"/>
-              <a:endParaRPr lang="en-GB"/>
-            </a:p>
-          </p:txBody>
-        </p:sp>
-        <p:sp>
-          <p:nvSpPr>
-            <p:cNvPr id="36" name="Rectangle 35">
-              <a:extLst>
-                <a:ext uri="{FF2B5EF4-FFF2-40B4-BE49-F238E27FC236}">
-                  <a16:creationId xmlns:a16="http://schemas.microsoft.com/office/drawing/2014/main" id="{26FEF1A7-33E7-4A10-A076-AA78678CC593}"/>
-                </a:ext>
-              </a:extLst>
-            </p:cNvPr>
-            <p:cNvSpPr/>
-            <p:nvPr/>
-          </p:nvSpPr>
-          <p:spPr>
-            <a:xfrm>
-              <a:off x="6425702" y="1192375"/>
-              <a:ext cx="498258" cy="45719"/>
-            </a:xfrm>
-            <a:prstGeom prst="rect">
-              <a:avLst/>
-            </a:prstGeom>
-            <a:solidFill>
-              <a:srgbClr val="FF0000"/>
-            </a:solidFill>
-            <a:ln>
-              <a:noFill/>
-            </a:ln>
-          </p:spPr>
-          <p:style>
-            <a:lnRef idx="2">
-              <a:schemeClr val="accent1">
-                <a:shade val="50000"/>
-              </a:schemeClr>
-            </a:lnRef>
-            <a:fillRef idx="1">
-              <a:schemeClr val="accent1"/>
-            </a:fillRef>
-            <a:effectRef idx="0">
-              <a:schemeClr val="accent1"/>
-            </a:effectRef>
-            <a:fontRef idx="minor">
-              <a:schemeClr val="lt1"/>
-            </a:fontRef>
-          </p:style>
-          <p:txBody>
-            <a:bodyPr rtlCol="0" anchor="ctr"/>
-            <a:lstStyle/>
-            <a:p>
-              <a:pPr algn="ctr"/>
-              <a:endParaRPr lang="en-GB"/>
-            </a:p>
-          </p:txBody>
-        </p:sp>
-        <p:sp>
-          <p:nvSpPr>
-            <p:cNvPr id="37" name="Rectangle 36">
-              <a:extLst>
-                <a:ext uri="{FF2B5EF4-FFF2-40B4-BE49-F238E27FC236}">
-                  <a16:creationId xmlns:a16="http://schemas.microsoft.com/office/drawing/2014/main" id="{D437877E-9A7B-4B80-A91B-3EB94FC37399}"/>
-                </a:ext>
-              </a:extLst>
-            </p:cNvPr>
-            <p:cNvSpPr/>
-            <p:nvPr/>
-          </p:nvSpPr>
-          <p:spPr>
-            <a:xfrm flipH="1">
-              <a:off x="6441569" y="789099"/>
-              <a:ext cx="163892" cy="238083"/>
-            </a:xfrm>
-            <a:prstGeom prst="rect">
-              <a:avLst/>
-            </a:prstGeom>
-            <a:solidFill>
-              <a:schemeClr val="accent6"/>
-            </a:solidFill>
-            <a:ln>
-              <a:noFill/>
-            </a:ln>
-          </p:spPr>
-          <p:style>
-            <a:lnRef idx="2">
-              <a:schemeClr val="accent1">
-                <a:shade val="50000"/>
-              </a:schemeClr>
-            </a:lnRef>
-            <a:fillRef idx="1">
-              <a:schemeClr val="accent1"/>
-            </a:fillRef>
-            <a:effectRef idx="0">
-              <a:schemeClr val="accent1"/>
-            </a:effectRef>
-            <a:fontRef idx="minor">
-              <a:schemeClr val="lt1"/>
-            </a:fontRef>
-          </p:style>
-          <p:txBody>
-            <a:bodyPr rtlCol="0" anchor="ctr"/>
-            <a:lstStyle/>
-            <a:p>
-              <a:pPr algn="ctr"/>
-              <a:endParaRPr lang="en-GB"/>
-            </a:p>
-          </p:txBody>
-        </p:sp>
-        <p:sp>
-          <p:nvSpPr>
-            <p:cNvPr id="39" name="Rectangle 38">
-              <a:extLst>
-                <a:ext uri="{FF2B5EF4-FFF2-40B4-BE49-F238E27FC236}">
-                  <a16:creationId xmlns:a16="http://schemas.microsoft.com/office/drawing/2014/main" id="{D1D89E2E-3804-492C-9382-6F7B4663602C}"/>
-                </a:ext>
-              </a:extLst>
-            </p:cNvPr>
-            <p:cNvSpPr/>
-            <p:nvPr/>
-          </p:nvSpPr>
-          <p:spPr>
-            <a:xfrm>
-              <a:off x="4833661" y="3820582"/>
-              <a:ext cx="498258" cy="45719"/>
-            </a:xfrm>
-            <a:prstGeom prst="rect">
-              <a:avLst/>
-            </a:prstGeom>
-            <a:solidFill>
-              <a:srgbClr val="FF0000"/>
-            </a:solidFill>
-            <a:ln>
-              <a:solidFill>
-                <a:srgbClr val="C00000"/>
-              </a:solidFill>
-            </a:ln>
-          </p:spPr>
-          <p:style>
-            <a:lnRef idx="2">
-              <a:schemeClr val="accent1">
-                <a:shade val="50000"/>
-              </a:schemeClr>
-            </a:lnRef>
-            <a:fillRef idx="1">
-              <a:schemeClr val="accent1"/>
-            </a:fillRef>
-            <a:effectRef idx="0">
-              <a:schemeClr val="accent1"/>
-            </a:effectRef>
-            <a:fontRef idx="minor">
-              <a:schemeClr val="lt1"/>
-            </a:fontRef>
-          </p:style>
-          <p:txBody>
-            <a:bodyPr rtlCol="0" anchor="ctr"/>
-            <a:lstStyle/>
-            <a:p>
-              <a:pPr algn="ctr"/>
-              <a:endParaRPr lang="en-GB"/>
-            </a:p>
-          </p:txBody>
-        </p:sp>
-        <p:sp>
-          <p:nvSpPr>
-            <p:cNvPr id="40" name="Rectangle 39">
-              <a:extLst>
-                <a:ext uri="{FF2B5EF4-FFF2-40B4-BE49-F238E27FC236}">
-                  <a16:creationId xmlns:a16="http://schemas.microsoft.com/office/drawing/2014/main" id="{6D7472CB-9226-4B5F-840C-9F9D00298009}"/>
-                </a:ext>
-              </a:extLst>
-            </p:cNvPr>
-            <p:cNvSpPr/>
-            <p:nvPr/>
-          </p:nvSpPr>
-          <p:spPr>
-            <a:xfrm flipH="1">
-              <a:off x="8143043" y="3379448"/>
-              <a:ext cx="163892" cy="238083"/>
-            </a:xfrm>
-            <a:prstGeom prst="rect">
-              <a:avLst/>
-            </a:prstGeom>
-            <a:solidFill>
-              <a:schemeClr val="accent6"/>
-            </a:solidFill>
-            <a:ln>
-              <a:solidFill>
-                <a:schemeClr val="accent6">
-                  <a:lumMod val="50000"/>
-                </a:schemeClr>
-              </a:solidFill>
             </a:ln>
           </p:spPr>
           <p:style>
@@ -29242,116 +28760,6 @@
             </a:p>
           </p:txBody>
         </p:sp>
-        <p:sp>
-          <p:nvSpPr>
-            <p:cNvPr id="46" name="Rectangle 45">
-              <a:extLst>
-                <a:ext uri="{FF2B5EF4-FFF2-40B4-BE49-F238E27FC236}">
-                  <a16:creationId xmlns:a16="http://schemas.microsoft.com/office/drawing/2014/main" id="{1BE1D9BF-FE28-4BBB-9EF4-29B23762B696}"/>
-                </a:ext>
-              </a:extLst>
-            </p:cNvPr>
-            <p:cNvSpPr/>
-            <p:nvPr/>
-          </p:nvSpPr>
-          <p:spPr>
-            <a:xfrm>
-              <a:off x="4807871" y="2643713"/>
-              <a:ext cx="498258" cy="45719"/>
-            </a:xfrm>
-            <a:prstGeom prst="rect">
-              <a:avLst/>
-            </a:prstGeom>
-            <a:solidFill>
-              <a:srgbClr val="FF0000"/>
-            </a:solidFill>
-            <a:ln>
-              <a:solidFill>
-                <a:srgbClr val="C00000"/>
-              </a:solidFill>
-            </a:ln>
-          </p:spPr>
-          <p:style>
-            <a:lnRef idx="2">
-              <a:schemeClr val="accent1">
-                <a:shade val="50000"/>
-              </a:schemeClr>
-            </a:lnRef>
-            <a:fillRef idx="1">
-              <a:schemeClr val="accent1"/>
-            </a:fillRef>
-            <a:effectRef idx="0">
-              <a:schemeClr val="accent1"/>
-            </a:effectRef>
-            <a:fontRef idx="minor">
-              <a:schemeClr val="lt1"/>
-            </a:fontRef>
-          </p:style>
-          <p:txBody>
-            <a:bodyPr rtlCol="0" anchor="ctr"/>
-            <a:lstStyle/>
-            <a:p>
-              <a:pPr algn="ctr"/>
-              <a:endParaRPr lang="en-GB"/>
-            </a:p>
-          </p:txBody>
-        </p:sp>
-        <p:sp>
-          <p:nvSpPr>
-            <p:cNvPr id="47" name="Rectangle 46">
-              <a:extLst>
-                <a:ext uri="{FF2B5EF4-FFF2-40B4-BE49-F238E27FC236}">
-                  <a16:creationId xmlns:a16="http://schemas.microsoft.com/office/drawing/2014/main" id="{087C8057-2037-4BE9-A0DC-7B5C46BBFCA7}"/>
-                </a:ext>
-              </a:extLst>
-            </p:cNvPr>
-            <p:cNvSpPr/>
-            <p:nvPr/>
-          </p:nvSpPr>
-          <p:spPr>
-            <a:xfrm flipH="1">
-              <a:off x="8145413" y="2216000"/>
-              <a:ext cx="163892" cy="238083"/>
-            </a:xfrm>
-            <a:prstGeom prst="rect">
-              <a:avLst/>
-            </a:prstGeom>
-            <a:solidFill>
-              <a:schemeClr val="accent6"/>
-            </a:solidFill>
-            <a:ln>
-              <a:solidFill>
-                <a:schemeClr val="accent6">
-                  <a:lumMod val="50000"/>
-                </a:schemeClr>
-              </a:solidFill>
-            </a:ln>
-          </p:spPr>
-          <p:style>
-            <a:lnRef idx="2">
-              <a:schemeClr val="accent1">
-                <a:shade val="50000"/>
-              </a:schemeClr>
-            </a:lnRef>
-            <a:fillRef idx="1">
-              <a:schemeClr val="accent1"/>
-            </a:fillRef>
-            <a:effectRef idx="0">
-              <a:schemeClr val="accent1"/>
-            </a:effectRef>
-            <a:fontRef idx="minor">
-              <a:schemeClr val="lt1"/>
-            </a:fontRef>
-          </p:style>
-          <p:txBody>
-            <a:bodyPr rtlCol="0" anchor="ctr"/>
-            <a:lstStyle/>
-            <a:p>
-              <a:pPr algn="ctr"/>
-              <a:endParaRPr lang="en-GB"/>
-            </a:p>
-          </p:txBody>
-        </p:sp>
         <p:pic>
           <p:nvPicPr>
             <p:cNvPr id="2054" name="Picture 6" descr="https://d30y9cdsu7xlg0.cloudfront.net/png/140329-200.png">
@@ -29400,36 +28808,62 @@
           </p:spPr>
         </p:pic>
       </p:grpSp>
-    </p:spTree>
-    <p:extLst>
-      <p:ext uri="{BB962C8B-B14F-4D97-AF65-F5344CB8AC3E}">
-        <p14:creationId xmlns:p14="http://schemas.microsoft.com/office/powerpoint/2010/main" val="4040140057"/>
-      </p:ext>
-    </p:extLst>
-  </p:cSld>
-  <p:clrMapOvr>
-    <a:masterClrMapping/>
-  </p:clrMapOvr>
-</p:sld>
-</file>
-
-<file path=ppt/slides/slide13.xml><?xml version="1.0" encoding="utf-8"?>
-<p:sld xmlns:a="http://schemas.openxmlformats.org/drawingml/2006/main" xmlns:r="http://schemas.openxmlformats.org/officeDocument/2006/relationships" xmlns:p="http://schemas.openxmlformats.org/presentationml/2006/main">
-  <p:cSld>
-    <p:spTree>
-      <p:nvGrpSpPr>
-        <p:cNvPr id="1" name=""/>
-        <p:cNvGrpSpPr/>
-        <p:nvPr/>
-      </p:nvGrpSpPr>
-      <p:grpSpPr>
-        <a:xfrm>
-          <a:off x="0" y="0"/>
-          <a:ext cx="0" cy="0"/>
-          <a:chOff x="0" y="0"/>
-          <a:chExt cx="0" cy="0"/>
-        </a:xfrm>
-      </p:grpSpPr>
+      <p:sp>
+        <p:nvSpPr>
+          <p:cNvPr id="40" name="Rectangle 39">
+            <a:extLst>
+              <a:ext uri="{FF2B5EF4-FFF2-40B4-BE49-F238E27FC236}">
+                <a16:creationId xmlns:a16="http://schemas.microsoft.com/office/drawing/2014/main" id="{6D7472CB-9226-4B5F-840C-9F9D00298009}"/>
+              </a:ext>
+            </a:extLst>
+          </p:cNvPr>
+          <p:cNvSpPr/>
+          <p:nvPr/>
+        </p:nvSpPr>
+        <p:spPr>
+          <a:xfrm flipH="1">
+            <a:off x="8143043" y="3379448"/>
+            <a:ext cx="163892" cy="238083"/>
+          </a:xfrm>
+          <a:prstGeom prst="rect">
+            <a:avLst/>
+          </a:prstGeom>
+          <a:solidFill>
+            <a:schemeClr val="accent6"/>
+          </a:solidFill>
+          <a:ln>
+            <a:solidFill>
+              <a:schemeClr val="accent6">
+                <a:lumMod val="50000"/>
+              </a:schemeClr>
+            </a:solidFill>
+          </a:ln>
+        </p:spPr>
+        <p:style>
+          <a:lnRef idx="2">
+            <a:schemeClr val="accent1">
+              <a:shade val="50000"/>
+            </a:schemeClr>
+          </a:lnRef>
+          <a:fillRef idx="1">
+            <a:schemeClr val="accent1"/>
+          </a:fillRef>
+          <a:effectRef idx="0">
+            <a:schemeClr val="accent1"/>
+          </a:effectRef>
+          <a:fontRef idx="minor">
+            <a:schemeClr val="lt1"/>
+          </a:fontRef>
+        </p:style>
+        <p:txBody>
+          <a:bodyPr rtlCol="0" anchor="ctr"/>
+          <a:lstStyle/>
+          <a:p>
+            <a:pPr algn="ctr"/>
+            <a:endParaRPr lang="en-GB"/>
+          </a:p>
+        </p:txBody>
+      </p:sp>
       <p:sp>
         <p:nvSpPr>
           <p:cNvPr id="8" name="Rectangle 7"/>
@@ -29656,12 +29090,670 @@
           </a:p>
         </p:txBody>
       </p:sp>
+      <p:sp>
+        <p:nvSpPr>
+          <p:cNvPr id="31" name="Arrow: Up 30">
+            <a:extLst>
+              <a:ext uri="{FF2B5EF4-FFF2-40B4-BE49-F238E27FC236}">
+                <a16:creationId xmlns:a16="http://schemas.microsoft.com/office/drawing/2014/main" id="{3AA873C2-F0BA-48B9-AF87-DA2E69846E86}"/>
+              </a:ext>
+            </a:extLst>
+          </p:cNvPr>
+          <p:cNvSpPr/>
+          <p:nvPr/>
+        </p:nvSpPr>
+        <p:spPr>
+          <a:xfrm>
+            <a:off x="8235691" y="2916837"/>
+            <a:ext cx="209550" cy="222123"/>
+          </a:xfrm>
+          <a:prstGeom prst="upArrow">
+            <a:avLst/>
+          </a:prstGeom>
+          <a:solidFill>
+            <a:schemeClr val="accent6"/>
+          </a:solidFill>
+          <a:ln>
+            <a:noFill/>
+          </a:ln>
+        </p:spPr>
+        <p:style>
+          <a:lnRef idx="2">
+            <a:schemeClr val="accent1">
+              <a:shade val="50000"/>
+            </a:schemeClr>
+          </a:lnRef>
+          <a:fillRef idx="1">
+            <a:schemeClr val="accent1"/>
+          </a:fillRef>
+          <a:effectRef idx="0">
+            <a:schemeClr val="accent1"/>
+          </a:effectRef>
+          <a:fontRef idx="minor">
+            <a:schemeClr val="lt1"/>
+          </a:fontRef>
+        </p:style>
+        <p:txBody>
+          <a:bodyPr rtlCol="0" anchor="ctr"/>
+          <a:lstStyle/>
+          <a:p>
+            <a:pPr algn="ctr"/>
+            <a:endParaRPr lang="en-GB"/>
+          </a:p>
+        </p:txBody>
+      </p:sp>
+      <p:sp>
+        <p:nvSpPr>
+          <p:cNvPr id="36" name="Rectangle 35">
+            <a:extLst>
+              <a:ext uri="{FF2B5EF4-FFF2-40B4-BE49-F238E27FC236}">
+                <a16:creationId xmlns:a16="http://schemas.microsoft.com/office/drawing/2014/main" id="{26FEF1A7-33E7-4A10-A076-AA78678CC593}"/>
+              </a:ext>
+            </a:extLst>
+          </p:cNvPr>
+          <p:cNvSpPr/>
+          <p:nvPr/>
+        </p:nvSpPr>
+        <p:spPr>
+          <a:xfrm>
+            <a:off x="6425702" y="1192375"/>
+            <a:ext cx="498258" cy="45719"/>
+          </a:xfrm>
+          <a:prstGeom prst="rect">
+            <a:avLst/>
+          </a:prstGeom>
+          <a:solidFill>
+            <a:srgbClr val="FF0000"/>
+          </a:solidFill>
+          <a:ln>
+            <a:noFill/>
+          </a:ln>
+        </p:spPr>
+        <p:style>
+          <a:lnRef idx="2">
+            <a:schemeClr val="accent1">
+              <a:shade val="50000"/>
+            </a:schemeClr>
+          </a:lnRef>
+          <a:fillRef idx="1">
+            <a:schemeClr val="accent1"/>
+          </a:fillRef>
+          <a:effectRef idx="0">
+            <a:schemeClr val="accent1"/>
+          </a:effectRef>
+          <a:fontRef idx="minor">
+            <a:schemeClr val="lt1"/>
+          </a:fontRef>
+        </p:style>
+        <p:txBody>
+          <a:bodyPr rtlCol="0" anchor="ctr"/>
+          <a:lstStyle/>
+          <a:p>
+            <a:pPr algn="ctr"/>
+            <a:endParaRPr lang="en-GB"/>
+          </a:p>
+        </p:txBody>
+      </p:sp>
+      <p:sp>
+        <p:nvSpPr>
+          <p:cNvPr id="37" name="Rectangle 36">
+            <a:extLst>
+              <a:ext uri="{FF2B5EF4-FFF2-40B4-BE49-F238E27FC236}">
+                <a16:creationId xmlns:a16="http://schemas.microsoft.com/office/drawing/2014/main" id="{D437877E-9A7B-4B80-A91B-3EB94FC37399}"/>
+              </a:ext>
+            </a:extLst>
+          </p:cNvPr>
+          <p:cNvSpPr/>
+          <p:nvPr/>
+        </p:nvSpPr>
+        <p:spPr>
+          <a:xfrm flipH="1">
+            <a:off x="6441569" y="789099"/>
+            <a:ext cx="163892" cy="238083"/>
+          </a:xfrm>
+          <a:prstGeom prst="rect">
+            <a:avLst/>
+          </a:prstGeom>
+          <a:solidFill>
+            <a:schemeClr val="accent6"/>
+          </a:solidFill>
+          <a:ln>
+            <a:noFill/>
+          </a:ln>
+        </p:spPr>
+        <p:style>
+          <a:lnRef idx="2">
+            <a:schemeClr val="accent1">
+              <a:shade val="50000"/>
+            </a:schemeClr>
+          </a:lnRef>
+          <a:fillRef idx="1">
+            <a:schemeClr val="accent1"/>
+          </a:fillRef>
+          <a:effectRef idx="0">
+            <a:schemeClr val="accent1"/>
+          </a:effectRef>
+          <a:fontRef idx="minor">
+            <a:schemeClr val="lt1"/>
+          </a:fontRef>
+        </p:style>
+        <p:txBody>
+          <a:bodyPr rtlCol="0" anchor="ctr"/>
+          <a:lstStyle/>
+          <a:p>
+            <a:pPr algn="ctr"/>
+            <a:endParaRPr lang="en-GB"/>
+          </a:p>
+        </p:txBody>
+      </p:sp>
+      <p:sp>
+        <p:nvSpPr>
+          <p:cNvPr id="39" name="Rectangle 38">
+            <a:extLst>
+              <a:ext uri="{FF2B5EF4-FFF2-40B4-BE49-F238E27FC236}">
+                <a16:creationId xmlns:a16="http://schemas.microsoft.com/office/drawing/2014/main" id="{D1D89E2E-3804-492C-9382-6F7B4663602C}"/>
+              </a:ext>
+            </a:extLst>
+          </p:cNvPr>
+          <p:cNvSpPr/>
+          <p:nvPr/>
+        </p:nvSpPr>
+        <p:spPr>
+          <a:xfrm>
+            <a:off x="4833661" y="3820582"/>
+            <a:ext cx="498258" cy="45719"/>
+          </a:xfrm>
+          <a:prstGeom prst="rect">
+            <a:avLst/>
+          </a:prstGeom>
+          <a:solidFill>
+            <a:srgbClr val="FF0000"/>
+          </a:solidFill>
+          <a:ln>
+            <a:solidFill>
+              <a:srgbClr val="C00000"/>
+            </a:solidFill>
+          </a:ln>
+        </p:spPr>
+        <p:style>
+          <a:lnRef idx="2">
+            <a:schemeClr val="accent1">
+              <a:shade val="50000"/>
+            </a:schemeClr>
+          </a:lnRef>
+          <a:fillRef idx="1">
+            <a:schemeClr val="accent1"/>
+          </a:fillRef>
+          <a:effectRef idx="0">
+            <a:schemeClr val="accent1"/>
+          </a:effectRef>
+          <a:fontRef idx="minor">
+            <a:schemeClr val="lt1"/>
+          </a:fontRef>
+        </p:style>
+        <p:txBody>
+          <a:bodyPr rtlCol="0" anchor="ctr"/>
+          <a:lstStyle/>
+          <a:p>
+            <a:pPr algn="ctr"/>
+            <a:endParaRPr lang="en-GB"/>
+          </a:p>
+        </p:txBody>
+      </p:sp>
+      <p:sp>
+        <p:nvSpPr>
+          <p:cNvPr id="46" name="Rectangle 45">
+            <a:extLst>
+              <a:ext uri="{FF2B5EF4-FFF2-40B4-BE49-F238E27FC236}">
+                <a16:creationId xmlns:a16="http://schemas.microsoft.com/office/drawing/2014/main" id="{1BE1D9BF-FE28-4BBB-9EF4-29B23762B696}"/>
+              </a:ext>
+            </a:extLst>
+          </p:cNvPr>
+          <p:cNvSpPr/>
+          <p:nvPr/>
+        </p:nvSpPr>
+        <p:spPr>
+          <a:xfrm>
+            <a:off x="4807871" y="2643713"/>
+            <a:ext cx="498258" cy="45719"/>
+          </a:xfrm>
+          <a:prstGeom prst="rect">
+            <a:avLst/>
+          </a:prstGeom>
+          <a:solidFill>
+            <a:srgbClr val="FF0000"/>
+          </a:solidFill>
+          <a:ln>
+            <a:solidFill>
+              <a:srgbClr val="C00000"/>
+            </a:solidFill>
+          </a:ln>
+        </p:spPr>
+        <p:style>
+          <a:lnRef idx="2">
+            <a:schemeClr val="accent1">
+              <a:shade val="50000"/>
+            </a:schemeClr>
+          </a:lnRef>
+          <a:fillRef idx="1">
+            <a:schemeClr val="accent1"/>
+          </a:fillRef>
+          <a:effectRef idx="0">
+            <a:schemeClr val="accent1"/>
+          </a:effectRef>
+          <a:fontRef idx="minor">
+            <a:schemeClr val="lt1"/>
+          </a:fontRef>
+        </p:style>
+        <p:txBody>
+          <a:bodyPr rtlCol="0" anchor="ctr"/>
+          <a:lstStyle/>
+          <a:p>
+            <a:pPr algn="ctr"/>
+            <a:endParaRPr lang="en-GB"/>
+          </a:p>
+        </p:txBody>
+      </p:sp>
+      <p:sp>
+        <p:nvSpPr>
+          <p:cNvPr id="47" name="Rectangle 46">
+            <a:extLst>
+              <a:ext uri="{FF2B5EF4-FFF2-40B4-BE49-F238E27FC236}">
+                <a16:creationId xmlns:a16="http://schemas.microsoft.com/office/drawing/2014/main" id="{087C8057-2037-4BE9-A0DC-7B5C46BBFCA7}"/>
+              </a:ext>
+            </a:extLst>
+          </p:cNvPr>
+          <p:cNvSpPr/>
+          <p:nvPr/>
+        </p:nvSpPr>
+        <p:spPr>
+          <a:xfrm flipH="1">
+            <a:off x="8145413" y="2216000"/>
+            <a:ext cx="163892" cy="238083"/>
+          </a:xfrm>
+          <a:prstGeom prst="rect">
+            <a:avLst/>
+          </a:prstGeom>
+          <a:solidFill>
+            <a:schemeClr val="accent6"/>
+          </a:solidFill>
+          <a:ln>
+            <a:solidFill>
+              <a:schemeClr val="accent6">
+                <a:lumMod val="50000"/>
+              </a:schemeClr>
+            </a:solidFill>
+          </a:ln>
+        </p:spPr>
+        <p:style>
+          <a:lnRef idx="2">
+            <a:schemeClr val="accent1">
+              <a:shade val="50000"/>
+            </a:schemeClr>
+          </a:lnRef>
+          <a:fillRef idx="1">
+            <a:schemeClr val="accent1"/>
+          </a:fillRef>
+          <a:effectRef idx="0">
+            <a:schemeClr val="accent1"/>
+          </a:effectRef>
+          <a:fontRef idx="minor">
+            <a:schemeClr val="lt1"/>
+          </a:fontRef>
+        </p:style>
+        <p:txBody>
+          <a:bodyPr rtlCol="0" anchor="ctr"/>
+          <a:lstStyle/>
+          <a:p>
+            <a:pPr algn="ctr"/>
+            <a:endParaRPr lang="en-GB"/>
+          </a:p>
+        </p:txBody>
+      </p:sp>
+    </p:spTree>
+    <p:extLst>
+      <p:ext uri="{BB962C8B-B14F-4D97-AF65-F5344CB8AC3E}">
+        <p14:creationId xmlns:p14="http://schemas.microsoft.com/office/powerpoint/2010/main" val="4040140057"/>
+      </p:ext>
+    </p:extLst>
+  </p:cSld>
+  <p:clrMapOvr>
+    <a:masterClrMapping/>
+  </p:clrMapOvr>
+  <p:timing>
+    <p:tnLst>
+      <p:par>
+        <p:cTn id="1" dur="indefinite" restart="never" nodeType="tmRoot">
+          <p:childTnLst>
+            <p:seq concurrent="1" nextAc="seek">
+              <p:cTn id="2" dur="indefinite" nodeType="mainSeq">
+                <p:childTnLst>
+                  <p:par>
+                    <p:cTn id="3" fill="hold">
+                      <p:stCondLst>
+                        <p:cond delay="indefinite"/>
+                      </p:stCondLst>
+                      <p:childTnLst>
+                        <p:par>
+                          <p:cTn id="4" fill="hold">
+                            <p:stCondLst>
+                              <p:cond delay="0"/>
+                            </p:stCondLst>
+                            <p:childTnLst>
+                              <p:par>
+                                <p:cTn id="5" presetID="1" presetClass="entr" presetSubtype="0" fill="hold" grpId="0" nodeType="clickEffect">
+                                  <p:stCondLst>
+                                    <p:cond delay="0"/>
+                                  </p:stCondLst>
+                                  <p:childTnLst>
+                                    <p:set>
+                                      <p:cBhvr>
+                                        <p:cTn id="6" dur="1" fill="hold">
+                                          <p:stCondLst>
+                                            <p:cond delay="0"/>
+                                          </p:stCondLst>
+                                        </p:cTn>
+                                        <p:tgtEl>
+                                          <p:spTgt spid="39"/>
+                                        </p:tgtEl>
+                                        <p:attrNameLst>
+                                          <p:attrName>style.visibility</p:attrName>
+                                        </p:attrNameLst>
+                                      </p:cBhvr>
+                                      <p:to>
+                                        <p:strVal val="visible"/>
+                                      </p:to>
+                                    </p:set>
+                                  </p:childTnLst>
+                                </p:cTn>
+                              </p:par>
+                            </p:childTnLst>
+                          </p:cTn>
+                        </p:par>
+                      </p:childTnLst>
+                    </p:cTn>
+                  </p:par>
+                  <p:par>
+                    <p:cTn id="7" fill="hold">
+                      <p:stCondLst>
+                        <p:cond delay="indefinite"/>
+                      </p:stCondLst>
+                      <p:childTnLst>
+                        <p:par>
+                          <p:cTn id="8" fill="hold">
+                            <p:stCondLst>
+                              <p:cond delay="0"/>
+                            </p:stCondLst>
+                            <p:childTnLst>
+                              <p:par>
+                                <p:cTn id="9" presetID="1" presetClass="entr" presetSubtype="0" fill="hold" grpId="0" nodeType="clickEffect">
+                                  <p:stCondLst>
+                                    <p:cond delay="0"/>
+                                  </p:stCondLst>
+                                  <p:childTnLst>
+                                    <p:set>
+                                      <p:cBhvr>
+                                        <p:cTn id="10" dur="1" fill="hold">
+                                          <p:stCondLst>
+                                            <p:cond delay="0"/>
+                                          </p:stCondLst>
+                                        </p:cTn>
+                                        <p:tgtEl>
+                                          <p:spTgt spid="46"/>
+                                        </p:tgtEl>
+                                        <p:attrNameLst>
+                                          <p:attrName>style.visibility</p:attrName>
+                                        </p:attrNameLst>
+                                      </p:cBhvr>
+                                      <p:to>
+                                        <p:strVal val="visible"/>
+                                      </p:to>
+                                    </p:set>
+                                  </p:childTnLst>
+                                </p:cTn>
+                              </p:par>
+                            </p:childTnLst>
+                          </p:cTn>
+                        </p:par>
+                      </p:childTnLst>
+                    </p:cTn>
+                  </p:par>
+                  <p:par>
+                    <p:cTn id="11" fill="hold">
+                      <p:stCondLst>
+                        <p:cond delay="indefinite"/>
+                      </p:stCondLst>
+                      <p:childTnLst>
+                        <p:par>
+                          <p:cTn id="12" fill="hold">
+                            <p:stCondLst>
+                              <p:cond delay="0"/>
+                            </p:stCondLst>
+                            <p:childTnLst>
+                              <p:par>
+                                <p:cTn id="13" presetID="1" presetClass="entr" presetSubtype="0" fill="hold" grpId="0" nodeType="clickEffect">
+                                  <p:stCondLst>
+                                    <p:cond delay="0"/>
+                                  </p:stCondLst>
+                                  <p:childTnLst>
+                                    <p:set>
+                                      <p:cBhvr>
+                                        <p:cTn id="14" dur="1" fill="hold">
+                                          <p:stCondLst>
+                                            <p:cond delay="0"/>
+                                          </p:stCondLst>
+                                        </p:cTn>
+                                        <p:tgtEl>
+                                          <p:spTgt spid="36"/>
+                                        </p:tgtEl>
+                                        <p:attrNameLst>
+                                          <p:attrName>style.visibility</p:attrName>
+                                        </p:attrNameLst>
+                                      </p:cBhvr>
+                                      <p:to>
+                                        <p:strVal val="visible"/>
+                                      </p:to>
+                                    </p:set>
+                                  </p:childTnLst>
+                                </p:cTn>
+                              </p:par>
+                            </p:childTnLst>
+                          </p:cTn>
+                        </p:par>
+                      </p:childTnLst>
+                    </p:cTn>
+                  </p:par>
+                  <p:par>
+                    <p:cTn id="15" fill="hold">
+                      <p:stCondLst>
+                        <p:cond delay="indefinite"/>
+                      </p:stCondLst>
+                      <p:childTnLst>
+                        <p:par>
+                          <p:cTn id="16" fill="hold">
+                            <p:stCondLst>
+                              <p:cond delay="0"/>
+                            </p:stCondLst>
+                            <p:childTnLst>
+                              <p:par>
+                                <p:cTn id="17" presetID="1" presetClass="entr" presetSubtype="0" fill="hold" grpId="0" nodeType="clickEffect">
+                                  <p:stCondLst>
+                                    <p:cond delay="0"/>
+                                  </p:stCondLst>
+                                  <p:childTnLst>
+                                    <p:set>
+                                      <p:cBhvr>
+                                        <p:cTn id="18" dur="1" fill="hold">
+                                          <p:stCondLst>
+                                            <p:cond delay="0"/>
+                                          </p:stCondLst>
+                                        </p:cTn>
+                                        <p:tgtEl>
+                                          <p:spTgt spid="40"/>
+                                        </p:tgtEl>
+                                        <p:attrNameLst>
+                                          <p:attrName>style.visibility</p:attrName>
+                                        </p:attrNameLst>
+                                      </p:cBhvr>
+                                      <p:to>
+                                        <p:strVal val="visible"/>
+                                      </p:to>
+                                    </p:set>
+                                  </p:childTnLst>
+                                </p:cTn>
+                              </p:par>
+                            </p:childTnLst>
+                          </p:cTn>
+                        </p:par>
+                      </p:childTnLst>
+                    </p:cTn>
+                  </p:par>
+                  <p:par>
+                    <p:cTn id="19" fill="hold">
+                      <p:stCondLst>
+                        <p:cond delay="indefinite"/>
+                      </p:stCondLst>
+                      <p:childTnLst>
+                        <p:par>
+                          <p:cTn id="20" fill="hold">
+                            <p:stCondLst>
+                              <p:cond delay="0"/>
+                            </p:stCondLst>
+                            <p:childTnLst>
+                              <p:par>
+                                <p:cTn id="21" presetID="1" presetClass="entr" presetSubtype="0" fill="hold" grpId="0" nodeType="clickEffect">
+                                  <p:stCondLst>
+                                    <p:cond delay="0"/>
+                                  </p:stCondLst>
+                                  <p:childTnLst>
+                                    <p:set>
+                                      <p:cBhvr>
+                                        <p:cTn id="22" dur="1" fill="hold">
+                                          <p:stCondLst>
+                                            <p:cond delay="0"/>
+                                          </p:stCondLst>
+                                        </p:cTn>
+                                        <p:tgtEl>
+                                          <p:spTgt spid="47"/>
+                                        </p:tgtEl>
+                                        <p:attrNameLst>
+                                          <p:attrName>style.visibility</p:attrName>
+                                        </p:attrNameLst>
+                                      </p:cBhvr>
+                                      <p:to>
+                                        <p:strVal val="visible"/>
+                                      </p:to>
+                                    </p:set>
+                                  </p:childTnLst>
+                                </p:cTn>
+                              </p:par>
+                            </p:childTnLst>
+                          </p:cTn>
+                        </p:par>
+                      </p:childTnLst>
+                    </p:cTn>
+                  </p:par>
+                  <p:par>
+                    <p:cTn id="23" fill="hold">
+                      <p:stCondLst>
+                        <p:cond delay="indefinite"/>
+                      </p:stCondLst>
+                      <p:childTnLst>
+                        <p:par>
+                          <p:cTn id="24" fill="hold">
+                            <p:stCondLst>
+                              <p:cond delay="0"/>
+                            </p:stCondLst>
+                            <p:childTnLst>
+                              <p:par>
+                                <p:cTn id="25" presetID="1" presetClass="entr" presetSubtype="0" fill="hold" grpId="0" nodeType="clickEffect">
+                                  <p:stCondLst>
+                                    <p:cond delay="0"/>
+                                  </p:stCondLst>
+                                  <p:childTnLst>
+                                    <p:set>
+                                      <p:cBhvr>
+                                        <p:cTn id="26" dur="1" fill="hold">
+                                          <p:stCondLst>
+                                            <p:cond delay="0"/>
+                                          </p:stCondLst>
+                                        </p:cTn>
+                                        <p:tgtEl>
+                                          <p:spTgt spid="37"/>
+                                        </p:tgtEl>
+                                        <p:attrNameLst>
+                                          <p:attrName>style.visibility</p:attrName>
+                                        </p:attrNameLst>
+                                      </p:cBhvr>
+                                      <p:to>
+                                        <p:strVal val="visible"/>
+                                      </p:to>
+                                    </p:set>
+                                  </p:childTnLst>
+                                </p:cTn>
+                              </p:par>
+                            </p:childTnLst>
+                          </p:cTn>
+                        </p:par>
+                      </p:childTnLst>
+                    </p:cTn>
+                  </p:par>
+                </p:childTnLst>
+              </p:cTn>
+              <p:prevCondLst>
+                <p:cond evt="onPrev" delay="0">
+                  <p:tgtEl>
+                    <p:sldTgt/>
+                  </p:tgtEl>
+                </p:cond>
+              </p:prevCondLst>
+              <p:nextCondLst>
+                <p:cond evt="onNext" delay="0">
+                  <p:tgtEl>
+                    <p:sldTgt/>
+                  </p:tgtEl>
+                </p:cond>
+              </p:nextCondLst>
+            </p:seq>
+          </p:childTnLst>
+        </p:cTn>
+      </p:par>
+    </p:tnLst>
+    <p:bldLst>
+      <p:bldP spid="40" grpId="0" animBg="1"/>
+      <p:bldP spid="36" grpId="0" animBg="1"/>
+      <p:bldP spid="37" grpId="0" animBg="1"/>
+      <p:bldP spid="39" grpId="0" animBg="1"/>
+      <p:bldP spid="46" grpId="0" animBg="1"/>
+      <p:bldP spid="47" grpId="0" animBg="1"/>
+    </p:bldLst>
+  </p:timing>
+</p:sld>
+</file>
+
+<file path=ppt/slides/slide13.xml><?xml version="1.0" encoding="utf-8"?>
+<p:sld xmlns:a="http://schemas.openxmlformats.org/drawingml/2006/main" xmlns:r="http://schemas.openxmlformats.org/officeDocument/2006/relationships" xmlns:p="http://schemas.openxmlformats.org/presentationml/2006/main">
+  <p:cSld>
+    <p:spTree>
+      <p:nvGrpSpPr>
+        <p:cNvPr id="1" name=""/>
+        <p:cNvGrpSpPr/>
+        <p:nvPr/>
+      </p:nvGrpSpPr>
+      <p:grpSpPr>
+        <a:xfrm>
+          <a:off x="0" y="0"/>
+          <a:ext cx="0" cy="0"/>
+          <a:chOff x="0" y="0"/>
+          <a:chExt cx="0" cy="0"/>
+        </a:xfrm>
+      </p:grpSpPr>
       <p:grpSp>
         <p:nvGrpSpPr>
-          <p:cNvPr id="6" name="Group 5">
+          <p:cNvPr id="14" name="Group 13">
             <a:extLst>
               <a:ext uri="{FF2B5EF4-FFF2-40B4-BE49-F238E27FC236}">
-                <a16:creationId xmlns:a16="http://schemas.microsoft.com/office/drawing/2014/main" id="{36429ECC-C4B3-493B-A843-22EB33D390F0}"/>
+                <a16:creationId xmlns:a16="http://schemas.microsoft.com/office/drawing/2014/main" id="{82B6FD19-4998-48E3-AD9D-92ABF05029DB}"/>
               </a:ext>
             </a:extLst>
           </p:cNvPr>
@@ -30577,58 +30669,6 @@
         </p:pic>
         <p:sp>
           <p:nvSpPr>
-            <p:cNvPr id="30" name="Arrow: Up 29">
-              <a:extLst>
-                <a:ext uri="{FF2B5EF4-FFF2-40B4-BE49-F238E27FC236}">
-                  <a16:creationId xmlns:a16="http://schemas.microsoft.com/office/drawing/2014/main" id="{0104FFDB-1F58-4F47-949E-E0F9C14441C6}"/>
-                </a:ext>
-              </a:extLst>
-            </p:cNvPr>
-            <p:cNvSpPr/>
-            <p:nvPr/>
-          </p:nvSpPr>
-          <p:spPr>
-            <a:xfrm>
-              <a:off x="4950636" y="2924294"/>
-              <a:ext cx="209550" cy="222123"/>
-            </a:xfrm>
-            <a:prstGeom prst="upArrow">
-              <a:avLst/>
-            </a:prstGeom>
-            <a:solidFill>
-              <a:srgbClr val="FF0000"/>
-            </a:solidFill>
-            <a:ln>
-              <a:noFill/>
-            </a:ln>
-          </p:spPr>
-          <p:style>
-            <a:lnRef idx="2">
-              <a:schemeClr val="accent1">
-                <a:shade val="50000"/>
-              </a:schemeClr>
-            </a:lnRef>
-            <a:fillRef idx="1">
-              <a:schemeClr val="accent1"/>
-            </a:fillRef>
-            <a:effectRef idx="0">
-              <a:schemeClr val="accent1"/>
-            </a:effectRef>
-            <a:fontRef idx="minor">
-              <a:schemeClr val="lt1"/>
-            </a:fontRef>
-          </p:style>
-          <p:txBody>
-            <a:bodyPr rtlCol="0" anchor="ctr"/>
-            <a:lstStyle/>
-            <a:p>
-              <a:pPr algn="ctr"/>
-              <a:endParaRPr lang="en-GB"/>
-            </a:p>
-          </p:txBody>
-        </p:sp>
-        <p:sp>
-          <p:nvSpPr>
             <p:cNvPr id="31" name="Arrow: Up 30">
               <a:extLst>
                 <a:ext uri="{FF2B5EF4-FFF2-40B4-BE49-F238E27FC236}">
@@ -30805,58 +30845,6 @@
             </a:prstGeom>
             <a:solidFill>
               <a:srgbClr val="FF0000"/>
-            </a:solidFill>
-            <a:ln>
-              <a:noFill/>
-            </a:ln>
-          </p:spPr>
-          <p:style>
-            <a:lnRef idx="2">
-              <a:schemeClr val="accent1">
-                <a:shade val="50000"/>
-              </a:schemeClr>
-            </a:lnRef>
-            <a:fillRef idx="1">
-              <a:schemeClr val="accent1"/>
-            </a:fillRef>
-            <a:effectRef idx="0">
-              <a:schemeClr val="accent1"/>
-            </a:effectRef>
-            <a:fontRef idx="minor">
-              <a:schemeClr val="lt1"/>
-            </a:fontRef>
-          </p:style>
-          <p:txBody>
-            <a:bodyPr rtlCol="0" anchor="ctr"/>
-            <a:lstStyle/>
-            <a:p>
-              <a:pPr algn="ctr"/>
-              <a:endParaRPr lang="en-GB"/>
-            </a:p>
-          </p:txBody>
-        </p:sp>
-        <p:sp>
-          <p:nvSpPr>
-            <p:cNvPr id="37" name="Rectangle 36">
-              <a:extLst>
-                <a:ext uri="{FF2B5EF4-FFF2-40B4-BE49-F238E27FC236}">
-                  <a16:creationId xmlns:a16="http://schemas.microsoft.com/office/drawing/2014/main" id="{D437877E-9A7B-4B80-A91B-3EB94FC37399}"/>
-                </a:ext>
-              </a:extLst>
-            </p:cNvPr>
-            <p:cNvSpPr/>
-            <p:nvPr/>
-          </p:nvSpPr>
-          <p:spPr>
-            <a:xfrm flipH="1">
-              <a:off x="6441569" y="789099"/>
-              <a:ext cx="163892" cy="238083"/>
-            </a:xfrm>
-            <a:prstGeom prst="rect">
-              <a:avLst/>
-            </a:prstGeom>
-            <a:solidFill>
-              <a:schemeClr val="accent6"/>
             </a:solidFill>
             <a:ln>
               <a:noFill/>
@@ -31156,58 +31144,6 @@
         </p:pic>
         <p:sp>
           <p:nvSpPr>
-            <p:cNvPr id="44" name="Arrow: Up 43">
-              <a:extLst>
-                <a:ext uri="{FF2B5EF4-FFF2-40B4-BE49-F238E27FC236}">
-                  <a16:creationId xmlns:a16="http://schemas.microsoft.com/office/drawing/2014/main" id="{FB18C0AB-3CF6-4038-BBD1-1D0380B1C3FA}"/>
-                </a:ext>
-              </a:extLst>
-            </p:cNvPr>
-            <p:cNvSpPr/>
-            <p:nvPr/>
-          </p:nvSpPr>
-          <p:spPr>
-            <a:xfrm>
-              <a:off x="4966406" y="1773418"/>
-              <a:ext cx="209550" cy="222123"/>
-            </a:xfrm>
-            <a:prstGeom prst="upArrow">
-              <a:avLst/>
-            </a:prstGeom>
-            <a:solidFill>
-              <a:srgbClr val="FF0000"/>
-            </a:solidFill>
-            <a:ln>
-              <a:noFill/>
-            </a:ln>
-          </p:spPr>
-          <p:style>
-            <a:lnRef idx="2">
-              <a:schemeClr val="accent1">
-                <a:shade val="50000"/>
-              </a:schemeClr>
-            </a:lnRef>
-            <a:fillRef idx="1">
-              <a:schemeClr val="accent1"/>
-            </a:fillRef>
-            <a:effectRef idx="0">
-              <a:schemeClr val="accent1"/>
-            </a:effectRef>
-            <a:fontRef idx="minor">
-              <a:schemeClr val="lt1"/>
-            </a:fontRef>
-          </p:style>
-          <p:txBody>
-            <a:bodyPr rtlCol="0" anchor="ctr"/>
-            <a:lstStyle/>
-            <a:p>
-              <a:pPr algn="ctr"/>
-              <a:endParaRPr lang="en-GB"/>
-            </a:p>
-          </p:txBody>
-        </p:sp>
-        <p:sp>
-          <p:nvSpPr>
             <p:cNvPr id="45" name="Arrow: Up 44">
               <a:extLst>
                 <a:ext uri="{FF2B5EF4-FFF2-40B4-BE49-F238E27FC236}">
@@ -31368,169 +31304,551 @@
             </a:p>
           </p:txBody>
         </p:sp>
-        <p:sp>
-          <p:nvSpPr>
-            <p:cNvPr id="48" name="Rectangle 47">
-              <a:extLst>
-                <a:ext uri="{FF2B5EF4-FFF2-40B4-BE49-F238E27FC236}">
-                  <a16:creationId xmlns:a16="http://schemas.microsoft.com/office/drawing/2014/main" id="{4F450AF6-0ED9-49AB-954F-32F63C68547B}"/>
-                </a:ext>
-              </a:extLst>
-            </p:cNvPr>
-            <p:cNvSpPr/>
-            <p:nvPr/>
-          </p:nvSpPr>
-          <p:spPr>
-            <a:xfrm rot="5400000">
-              <a:off x="4860313" y="3486470"/>
-              <a:ext cx="325072" cy="257339"/>
-            </a:xfrm>
-            <a:prstGeom prst="rect">
-              <a:avLst/>
-            </a:prstGeom>
+      </p:grpSp>
+      <p:sp>
+        <p:nvSpPr>
+          <p:cNvPr id="48" name="Rectangle 47">
+            <a:extLst>
+              <a:ext uri="{FF2B5EF4-FFF2-40B4-BE49-F238E27FC236}">
+                <a16:creationId xmlns:a16="http://schemas.microsoft.com/office/drawing/2014/main" id="{4F450AF6-0ED9-49AB-954F-32F63C68547B}"/>
+              </a:ext>
+            </a:extLst>
+          </p:cNvPr>
+          <p:cNvSpPr/>
+          <p:nvPr/>
+        </p:nvSpPr>
+        <p:spPr>
+          <a:xfrm rot="5400000">
+            <a:off x="4860313" y="3486470"/>
+            <a:ext cx="325072" cy="257339"/>
+          </a:xfrm>
+          <a:prstGeom prst="rect">
+            <a:avLst/>
+          </a:prstGeom>
+          <a:solidFill>
+            <a:srgbClr val="FF0000"/>
+          </a:solidFill>
+          <a:ln>
             <a:solidFill>
-              <a:srgbClr val="FF0000"/>
+              <a:srgbClr val="C00000"/>
             </a:solidFill>
-            <a:ln>
-              <a:solidFill>
-                <a:srgbClr val="C00000"/>
-              </a:solidFill>
-            </a:ln>
-          </p:spPr>
-          <p:style>
-            <a:lnRef idx="2">
-              <a:schemeClr val="accent1">
-                <a:shade val="50000"/>
-              </a:schemeClr>
-            </a:lnRef>
-            <a:fillRef idx="1">
-              <a:schemeClr val="accent1"/>
-            </a:fillRef>
-            <a:effectRef idx="0">
-              <a:schemeClr val="accent1"/>
-            </a:effectRef>
-            <a:fontRef idx="minor">
-              <a:schemeClr val="lt1"/>
-            </a:fontRef>
-          </p:style>
-          <p:txBody>
-            <a:bodyPr rtlCol="0" anchor="ctr"/>
-            <a:lstStyle/>
-            <a:p>
-              <a:pPr algn="ctr"/>
-              <a:endParaRPr lang="en-GB"/>
-            </a:p>
-          </p:txBody>
-        </p:sp>
-        <p:sp>
-          <p:nvSpPr>
-            <p:cNvPr id="49" name="Rectangle 48">
-              <a:extLst>
-                <a:ext uri="{FF2B5EF4-FFF2-40B4-BE49-F238E27FC236}">
-                  <a16:creationId xmlns:a16="http://schemas.microsoft.com/office/drawing/2014/main" id="{6CC78781-269A-4CE7-8326-D315CE12A8A9}"/>
-                </a:ext>
-              </a:extLst>
-            </p:cNvPr>
-            <p:cNvSpPr/>
-            <p:nvPr/>
-          </p:nvSpPr>
-          <p:spPr>
-            <a:xfrm rot="5400000">
-              <a:off x="4838308" y="2281959"/>
-              <a:ext cx="325072" cy="257339"/>
-            </a:xfrm>
-            <a:prstGeom prst="rect">
-              <a:avLst/>
-            </a:prstGeom>
+          </a:ln>
+        </p:spPr>
+        <p:style>
+          <a:lnRef idx="2">
+            <a:schemeClr val="accent1">
+              <a:shade val="50000"/>
+            </a:schemeClr>
+          </a:lnRef>
+          <a:fillRef idx="1">
+            <a:schemeClr val="accent1"/>
+          </a:fillRef>
+          <a:effectRef idx="0">
+            <a:schemeClr val="accent1"/>
+          </a:effectRef>
+          <a:fontRef idx="minor">
+            <a:schemeClr val="lt1"/>
+          </a:fontRef>
+        </p:style>
+        <p:txBody>
+          <a:bodyPr rtlCol="0" anchor="ctr"/>
+          <a:lstStyle/>
+          <a:p>
+            <a:pPr algn="ctr"/>
+            <a:endParaRPr lang="en-GB"/>
+          </a:p>
+        </p:txBody>
+      </p:sp>
+      <p:sp>
+        <p:nvSpPr>
+          <p:cNvPr id="49" name="Rectangle 48">
+            <a:extLst>
+              <a:ext uri="{FF2B5EF4-FFF2-40B4-BE49-F238E27FC236}">
+                <a16:creationId xmlns:a16="http://schemas.microsoft.com/office/drawing/2014/main" id="{6CC78781-269A-4CE7-8326-D315CE12A8A9}"/>
+              </a:ext>
+            </a:extLst>
+          </p:cNvPr>
+          <p:cNvSpPr/>
+          <p:nvPr/>
+        </p:nvSpPr>
+        <p:spPr>
+          <a:xfrm rot="5400000">
+            <a:off x="4838308" y="2281959"/>
+            <a:ext cx="325072" cy="257339"/>
+          </a:xfrm>
+          <a:prstGeom prst="rect">
+            <a:avLst/>
+          </a:prstGeom>
+          <a:solidFill>
+            <a:srgbClr val="FF0000"/>
+          </a:solidFill>
+          <a:ln>
             <a:solidFill>
-              <a:srgbClr val="FF0000"/>
+              <a:srgbClr val="C00000"/>
             </a:solidFill>
-            <a:ln>
-              <a:solidFill>
-                <a:srgbClr val="C00000"/>
-              </a:solidFill>
-            </a:ln>
-          </p:spPr>
-          <p:style>
-            <a:lnRef idx="2">
-              <a:schemeClr val="accent1">
-                <a:shade val="50000"/>
-              </a:schemeClr>
-            </a:lnRef>
-            <a:fillRef idx="1">
-              <a:schemeClr val="accent1"/>
-            </a:fillRef>
-            <a:effectRef idx="0">
-              <a:schemeClr val="accent1"/>
-            </a:effectRef>
-            <a:fontRef idx="minor">
-              <a:schemeClr val="lt1"/>
-            </a:fontRef>
-          </p:style>
-          <p:txBody>
-            <a:bodyPr rtlCol="0" anchor="ctr"/>
-            <a:lstStyle/>
-            <a:p>
-              <a:pPr algn="ctr"/>
-              <a:endParaRPr lang="en-GB"/>
-            </a:p>
-          </p:txBody>
-        </p:sp>
-        <p:sp>
-          <p:nvSpPr>
-            <p:cNvPr id="50" name="Rectangle 49">
-              <a:extLst>
-                <a:ext uri="{FF2B5EF4-FFF2-40B4-BE49-F238E27FC236}">
-                  <a16:creationId xmlns:a16="http://schemas.microsoft.com/office/drawing/2014/main" id="{B95838F6-5D69-4387-8A5B-DAE1DE25FC64}"/>
-                </a:ext>
-              </a:extLst>
-            </p:cNvPr>
-            <p:cNvSpPr/>
-            <p:nvPr/>
-          </p:nvSpPr>
-          <p:spPr>
-            <a:xfrm rot="5400000">
-              <a:off x="6452654" y="874826"/>
-              <a:ext cx="325072" cy="257339"/>
-            </a:xfrm>
-            <a:prstGeom prst="rect">
-              <a:avLst/>
-            </a:prstGeom>
+          </a:ln>
+        </p:spPr>
+        <p:style>
+          <a:lnRef idx="2">
+            <a:schemeClr val="accent1">
+              <a:shade val="50000"/>
+            </a:schemeClr>
+          </a:lnRef>
+          <a:fillRef idx="1">
+            <a:schemeClr val="accent1"/>
+          </a:fillRef>
+          <a:effectRef idx="0">
+            <a:schemeClr val="accent1"/>
+          </a:effectRef>
+          <a:fontRef idx="minor">
+            <a:schemeClr val="lt1"/>
+          </a:fontRef>
+        </p:style>
+        <p:txBody>
+          <a:bodyPr rtlCol="0" anchor="ctr"/>
+          <a:lstStyle/>
+          <a:p>
+            <a:pPr algn="ctr"/>
+            <a:endParaRPr lang="en-GB"/>
+          </a:p>
+        </p:txBody>
+      </p:sp>
+      <p:sp>
+        <p:nvSpPr>
+          <p:cNvPr id="50" name="Rectangle 49">
+            <a:extLst>
+              <a:ext uri="{FF2B5EF4-FFF2-40B4-BE49-F238E27FC236}">
+                <a16:creationId xmlns:a16="http://schemas.microsoft.com/office/drawing/2014/main" id="{B95838F6-5D69-4387-8A5B-DAE1DE25FC64}"/>
+              </a:ext>
+            </a:extLst>
+          </p:cNvPr>
+          <p:cNvSpPr/>
+          <p:nvPr/>
+        </p:nvSpPr>
+        <p:spPr>
+          <a:xfrm rot="5400000">
+            <a:off x="6452654" y="874826"/>
+            <a:ext cx="325072" cy="257339"/>
+          </a:xfrm>
+          <a:prstGeom prst="rect">
+            <a:avLst/>
+          </a:prstGeom>
+          <a:solidFill>
+            <a:srgbClr val="FF0000"/>
+          </a:solidFill>
+          <a:ln>
             <a:solidFill>
-              <a:srgbClr val="FF0000"/>
+              <a:srgbClr val="C00000"/>
             </a:solidFill>
-            <a:ln>
-              <a:solidFill>
-                <a:srgbClr val="C00000"/>
-              </a:solidFill>
-            </a:ln>
-          </p:spPr>
-          <p:style>
-            <a:lnRef idx="2">
-              <a:schemeClr val="accent1">
-                <a:shade val="50000"/>
-              </a:schemeClr>
-            </a:lnRef>
-            <a:fillRef idx="1">
-              <a:schemeClr val="accent1"/>
-            </a:fillRef>
-            <a:effectRef idx="0">
-              <a:schemeClr val="accent1"/>
-            </a:effectRef>
-            <a:fontRef idx="minor">
-              <a:schemeClr val="lt1"/>
-            </a:fontRef>
-          </p:style>
-          <p:txBody>
-            <a:bodyPr rtlCol="0" anchor="ctr"/>
-            <a:lstStyle/>
-            <a:p>
-              <a:pPr algn="ctr"/>
-              <a:endParaRPr lang="en-GB"/>
-            </a:p>
-          </p:txBody>
-        </p:sp>
-      </p:grpSp>
+          </a:ln>
+        </p:spPr>
+        <p:style>
+          <a:lnRef idx="2">
+            <a:schemeClr val="accent1">
+              <a:shade val="50000"/>
+            </a:schemeClr>
+          </a:lnRef>
+          <a:fillRef idx="1">
+            <a:schemeClr val="accent1"/>
+          </a:fillRef>
+          <a:effectRef idx="0">
+            <a:schemeClr val="accent1"/>
+          </a:effectRef>
+          <a:fontRef idx="minor">
+            <a:schemeClr val="lt1"/>
+          </a:fontRef>
+        </p:style>
+        <p:txBody>
+          <a:bodyPr rtlCol="0" anchor="ctr"/>
+          <a:lstStyle/>
+          <a:p>
+            <a:pPr algn="ctr"/>
+            <a:endParaRPr lang="en-GB"/>
+          </a:p>
+        </p:txBody>
+      </p:sp>
+      <p:sp>
+        <p:nvSpPr>
+          <p:cNvPr id="8" name="Rectangle 7"/>
+          <p:cNvSpPr>
+            <a:spLocks noGrp="1" noRot="1" noChangeAspect="1" noMove="1" noResize="1" noEditPoints="1" noAdjustHandles="1" noChangeArrowheads="1" noChangeShapeType="1" noTextEdit="1"/>
+          </p:cNvSpPr>
+          <p:nvPr>
+            <p:extLst>
+              <p:ext uri="{386F3935-93C4-4BCD-93E2-E3B085C9AB24}">
+                <p16:designElem xmlns:p16="http://schemas.microsoft.com/office/powerpoint/2015/main" val="1"/>
+              </p:ext>
+            </p:extLst>
+          </p:nvPr>
+        </p:nvSpPr>
+        <p:spPr>
+          <a:xfrm>
+            <a:off x="1" y="758952"/>
+            <a:ext cx="3443590" cy="5330952"/>
+          </a:xfrm>
+          <a:prstGeom prst="rect">
+            <a:avLst/>
+          </a:prstGeom>
+          <a:solidFill>
+            <a:schemeClr val="accent1"/>
+          </a:solidFill>
+          <a:ln>
+            <a:noFill/>
+          </a:ln>
+        </p:spPr>
+        <p:style>
+          <a:lnRef idx="2">
+            <a:schemeClr val="accent1">
+              <a:shade val="50000"/>
+            </a:schemeClr>
+          </a:lnRef>
+          <a:fillRef idx="1">
+            <a:schemeClr val="accent1"/>
+          </a:fillRef>
+          <a:effectRef idx="0">
+            <a:schemeClr val="accent1"/>
+          </a:effectRef>
+          <a:fontRef idx="minor">
+            <a:schemeClr val="lt1"/>
+          </a:fontRef>
+        </p:style>
+      </p:sp>
+      <p:sp>
+        <p:nvSpPr>
+          <p:cNvPr id="10" name="Rectangle 9"/>
+          <p:cNvSpPr>
+            <a:spLocks noGrp="1" noRot="1" noChangeAspect="1" noMove="1" noResize="1" noEditPoints="1" noAdjustHandles="1" noChangeArrowheads="1" noChangeShapeType="1" noTextEdit="1"/>
+          </p:cNvSpPr>
+          <p:nvPr>
+            <p:extLst>
+              <p:ext uri="{386F3935-93C4-4BCD-93E2-E3B085C9AB24}">
+                <p16:designElem xmlns:p16="http://schemas.microsoft.com/office/powerpoint/2015/main" val="1"/>
+              </p:ext>
+            </p:extLst>
+          </p:nvPr>
+        </p:nvSpPr>
+        <p:spPr>
+          <a:xfrm>
+            <a:off x="11815864" y="758952"/>
+            <a:ext cx="384048" cy="5330952"/>
+          </a:xfrm>
+          <a:prstGeom prst="rect">
+            <a:avLst/>
+          </a:prstGeom>
+          <a:solidFill>
+            <a:srgbClr val="C8C8C8">
+              <a:alpha val="49804"/>
+            </a:srgbClr>
+          </a:solidFill>
+          <a:ln>
+            <a:noFill/>
+          </a:ln>
+        </p:spPr>
+        <p:style>
+          <a:lnRef idx="2">
+            <a:schemeClr val="accent1">
+              <a:shade val="50000"/>
+            </a:schemeClr>
+          </a:lnRef>
+          <a:fillRef idx="1">
+            <a:schemeClr val="accent1"/>
+          </a:fillRef>
+          <a:effectRef idx="0">
+            <a:schemeClr val="accent1"/>
+          </a:effectRef>
+          <a:fontRef idx="minor">
+            <a:schemeClr val="lt1"/>
+          </a:fontRef>
+        </p:style>
+      </p:sp>
+      <p:sp>
+        <p:nvSpPr>
+          <p:cNvPr id="9" name="Title 1">
+            <a:extLst>
+              <a:ext uri="{FF2B5EF4-FFF2-40B4-BE49-F238E27FC236}">
+                <a16:creationId xmlns:a16="http://schemas.microsoft.com/office/drawing/2014/main" id="{519F807E-5958-4995-A227-C4835B3B6E7D}"/>
+              </a:ext>
+            </a:extLst>
+          </p:cNvPr>
+          <p:cNvSpPr txBox="1">
+            <a:spLocks/>
+          </p:cNvSpPr>
+          <p:nvPr/>
+        </p:nvSpPr>
+        <p:spPr>
+          <a:xfrm>
+            <a:off x="252919" y="1123837"/>
+            <a:ext cx="2947482" cy="4601183"/>
+          </a:xfrm>
+          <a:prstGeom prst="rect">
+            <a:avLst/>
+          </a:prstGeom>
+        </p:spPr>
+        <p:txBody>
+          <a:bodyPr>
+            <a:normAutofit/>
+          </a:bodyPr>
+          <a:lstStyle>
+            <a:lvl1pPr algn="l" defTabSz="914400" rtl="0" eaLnBrk="1" latinLnBrk="0" hangingPunct="1">
+              <a:lnSpc>
+                <a:spcPct val="90000"/>
+              </a:lnSpc>
+              <a:spcBef>
+                <a:spcPct val="0"/>
+              </a:spcBef>
+              <a:buNone/>
+              <a:defRPr sz="3600" kern="1200" spc="-60" baseline="0">
+                <a:solidFill>
+                  <a:srgbClr val="FFFFFF"/>
+                </a:solidFill>
+                <a:latin typeface="+mj-lt"/>
+                <a:ea typeface="+mj-ea"/>
+                <a:cs typeface="+mj-cs"/>
+              </a:defRPr>
+            </a:lvl1pPr>
+          </a:lstStyle>
+          <a:p>
+            <a:endParaRPr lang="en-GB" sz="2000" dirty="0"/>
+          </a:p>
+          <a:p>
+            <a:endParaRPr lang="en-GB" sz="2000" dirty="0"/>
+          </a:p>
+          <a:p>
+            <a:endParaRPr lang="en-GB" sz="2000" dirty="0"/>
+          </a:p>
+          <a:p>
+            <a:endParaRPr lang="en-GB" sz="2000" dirty="0"/>
+          </a:p>
+          <a:p>
+            <a:pPr marL="342900" indent="-342900">
+              <a:buFont typeface="Arial" panose="020B0604020202020204" pitchFamily="34" charset="0"/>
+              <a:buChar char="•"/>
+            </a:pPr>
+            <a:endParaRPr lang="en-GB" sz="2000" dirty="0"/>
+          </a:p>
+          <a:p>
+            <a:r>
+              <a:rPr lang="en-GB" sz="2000" dirty="0"/>
+              <a:t>2 teams: red &amp; green</a:t>
+            </a:r>
+          </a:p>
+          <a:p>
+            <a:pPr marL="342900" indent="-342900">
+              <a:buFont typeface="Arial" panose="020B0604020202020204" pitchFamily="34" charset="0"/>
+              <a:buChar char="•"/>
+            </a:pPr>
+            <a:endParaRPr lang="en-GB" sz="2000" dirty="0"/>
+          </a:p>
+          <a:p>
+            <a:r>
+              <a:rPr lang="en-GB" sz="2000" dirty="0"/>
+              <a:t>2 dev servers</a:t>
+            </a:r>
+          </a:p>
+          <a:p>
+            <a:r>
+              <a:rPr lang="en-GB" sz="2000" dirty="0"/>
+              <a:t>2 test server</a:t>
+            </a:r>
+          </a:p>
+          <a:p>
+            <a:r>
+              <a:rPr lang="en-GB" sz="2000" dirty="0"/>
+              <a:t>1 prod server </a:t>
+            </a:r>
+          </a:p>
+          <a:p>
+            <a:r>
+              <a:rPr lang="en-GB" sz="2000" dirty="0"/>
+              <a:t>   (still accessible to </a:t>
+            </a:r>
+            <a:r>
+              <a:rPr lang="en-GB" sz="2000" dirty="0" err="1"/>
+              <a:t>devs</a:t>
+            </a:r>
+            <a:r>
+              <a:rPr lang="en-GB" sz="2000" dirty="0"/>
+              <a:t>)</a:t>
+            </a:r>
+          </a:p>
+          <a:p>
+            <a:pPr marL="342900" indent="-342900">
+              <a:buFont typeface="Arial" panose="020B0604020202020204" pitchFamily="34" charset="0"/>
+              <a:buChar char="•"/>
+            </a:pPr>
+            <a:endParaRPr lang="en-GB" sz="2000" dirty="0"/>
+          </a:p>
+          <a:p>
+            <a:r>
+              <a:rPr lang="en-GB" sz="2000" dirty="0"/>
+              <a:t>1 source control</a:t>
+            </a:r>
+          </a:p>
+          <a:p>
+            <a:pPr marL="342900" indent="-342900">
+              <a:buFont typeface="Arial" panose="020B0604020202020204" pitchFamily="34" charset="0"/>
+              <a:buChar char="•"/>
+            </a:pPr>
+            <a:endParaRPr lang="en-GB" sz="2000" dirty="0"/>
+          </a:p>
+        </p:txBody>
+      </p:sp>
+      <p:sp>
+        <p:nvSpPr>
+          <p:cNvPr id="30" name="Arrow: Up 29">
+            <a:extLst>
+              <a:ext uri="{FF2B5EF4-FFF2-40B4-BE49-F238E27FC236}">
+                <a16:creationId xmlns:a16="http://schemas.microsoft.com/office/drawing/2014/main" id="{0104FFDB-1F58-4F47-949E-E0F9C14441C6}"/>
+              </a:ext>
+            </a:extLst>
+          </p:cNvPr>
+          <p:cNvSpPr/>
+          <p:nvPr/>
+        </p:nvSpPr>
+        <p:spPr>
+          <a:xfrm>
+            <a:off x="4950636" y="2924294"/>
+            <a:ext cx="209550" cy="222123"/>
+          </a:xfrm>
+          <a:prstGeom prst="upArrow">
+            <a:avLst/>
+          </a:prstGeom>
+          <a:solidFill>
+            <a:srgbClr val="FF0000"/>
+          </a:solidFill>
+          <a:ln>
+            <a:noFill/>
+          </a:ln>
+        </p:spPr>
+        <p:style>
+          <a:lnRef idx="2">
+            <a:schemeClr val="accent1">
+              <a:shade val="50000"/>
+            </a:schemeClr>
+          </a:lnRef>
+          <a:fillRef idx="1">
+            <a:schemeClr val="accent1"/>
+          </a:fillRef>
+          <a:effectRef idx="0">
+            <a:schemeClr val="accent1"/>
+          </a:effectRef>
+          <a:fontRef idx="minor">
+            <a:schemeClr val="lt1"/>
+          </a:fontRef>
+        </p:style>
+        <p:txBody>
+          <a:bodyPr rtlCol="0" anchor="ctr"/>
+          <a:lstStyle/>
+          <a:p>
+            <a:pPr algn="ctr"/>
+            <a:endParaRPr lang="en-GB"/>
+          </a:p>
+        </p:txBody>
+      </p:sp>
+      <p:sp>
+        <p:nvSpPr>
+          <p:cNvPr id="37" name="Rectangle 36">
+            <a:extLst>
+              <a:ext uri="{FF2B5EF4-FFF2-40B4-BE49-F238E27FC236}">
+                <a16:creationId xmlns:a16="http://schemas.microsoft.com/office/drawing/2014/main" id="{D437877E-9A7B-4B80-A91B-3EB94FC37399}"/>
+              </a:ext>
+            </a:extLst>
+          </p:cNvPr>
+          <p:cNvSpPr/>
+          <p:nvPr/>
+        </p:nvSpPr>
+        <p:spPr>
+          <a:xfrm flipH="1">
+            <a:off x="6441569" y="789099"/>
+            <a:ext cx="163892" cy="238083"/>
+          </a:xfrm>
+          <a:prstGeom prst="rect">
+            <a:avLst/>
+          </a:prstGeom>
+          <a:solidFill>
+            <a:schemeClr val="accent6"/>
+          </a:solidFill>
+          <a:ln>
+            <a:noFill/>
+          </a:ln>
+        </p:spPr>
+        <p:style>
+          <a:lnRef idx="2">
+            <a:schemeClr val="accent1">
+              <a:shade val="50000"/>
+            </a:schemeClr>
+          </a:lnRef>
+          <a:fillRef idx="1">
+            <a:schemeClr val="accent1"/>
+          </a:fillRef>
+          <a:effectRef idx="0">
+            <a:schemeClr val="accent1"/>
+          </a:effectRef>
+          <a:fontRef idx="minor">
+            <a:schemeClr val="lt1"/>
+          </a:fontRef>
+        </p:style>
+        <p:txBody>
+          <a:bodyPr rtlCol="0" anchor="ctr"/>
+          <a:lstStyle/>
+          <a:p>
+            <a:pPr algn="ctr"/>
+            <a:endParaRPr lang="en-GB"/>
+          </a:p>
+        </p:txBody>
+      </p:sp>
+      <p:sp>
+        <p:nvSpPr>
+          <p:cNvPr id="44" name="Arrow: Up 43">
+            <a:extLst>
+              <a:ext uri="{FF2B5EF4-FFF2-40B4-BE49-F238E27FC236}">
+                <a16:creationId xmlns:a16="http://schemas.microsoft.com/office/drawing/2014/main" id="{FB18C0AB-3CF6-4038-BBD1-1D0380B1C3FA}"/>
+              </a:ext>
+            </a:extLst>
+          </p:cNvPr>
+          <p:cNvSpPr/>
+          <p:nvPr/>
+        </p:nvSpPr>
+        <p:spPr>
+          <a:xfrm>
+            <a:off x="4966406" y="1773418"/>
+            <a:ext cx="209550" cy="222123"/>
+          </a:xfrm>
+          <a:prstGeom prst="upArrow">
+            <a:avLst/>
+          </a:prstGeom>
+          <a:solidFill>
+            <a:srgbClr val="FF0000"/>
+          </a:solidFill>
+          <a:ln>
+            <a:noFill/>
+          </a:ln>
+        </p:spPr>
+        <p:style>
+          <a:lnRef idx="2">
+            <a:schemeClr val="accent1">
+              <a:shade val="50000"/>
+            </a:schemeClr>
+          </a:lnRef>
+          <a:fillRef idx="1">
+            <a:schemeClr val="accent1"/>
+          </a:fillRef>
+          <a:effectRef idx="0">
+            <a:schemeClr val="accent1"/>
+          </a:effectRef>
+          <a:fontRef idx="minor">
+            <a:schemeClr val="lt1"/>
+          </a:fontRef>
+        </p:style>
+        <p:txBody>
+          <a:bodyPr rtlCol="0" anchor="ctr"/>
+          <a:lstStyle/>
+          <a:p>
+            <a:pPr algn="ctr"/>
+            <a:endParaRPr lang="en-GB"/>
+          </a:p>
+        </p:txBody>
+      </p:sp>
       <p:pic>
         <p:nvPicPr>
           <p:cNvPr id="2" name="Picture 2" descr="https://www.shareicon.net/data/512x512/2015/11/13/671415_sound_512x512.png">
@@ -31595,6 +31913,203 @@
   <p:clrMapOvr>
     <a:masterClrMapping/>
   </p:clrMapOvr>
+  <p:timing>
+    <p:tnLst>
+      <p:par>
+        <p:cTn id="1" dur="indefinite" restart="never" nodeType="tmRoot">
+          <p:childTnLst>
+            <p:seq concurrent="1" nextAc="seek">
+              <p:cTn id="2" dur="indefinite" nodeType="mainSeq">
+                <p:childTnLst>
+                  <p:par>
+                    <p:cTn id="3" fill="hold">
+                      <p:stCondLst>
+                        <p:cond delay="indefinite"/>
+                      </p:stCondLst>
+                      <p:childTnLst>
+                        <p:par>
+                          <p:cTn id="4" fill="hold">
+                            <p:stCondLst>
+                              <p:cond delay="0"/>
+                            </p:stCondLst>
+                            <p:childTnLst>
+                              <p:par>
+                                <p:cTn id="5" presetID="1" presetClass="entr" presetSubtype="0" fill="hold" grpId="0" nodeType="clickEffect">
+                                  <p:stCondLst>
+                                    <p:cond delay="0"/>
+                                  </p:stCondLst>
+                                  <p:childTnLst>
+                                    <p:set>
+                                      <p:cBhvr>
+                                        <p:cTn id="6" dur="1" fill="hold">
+                                          <p:stCondLst>
+                                            <p:cond delay="0"/>
+                                          </p:stCondLst>
+                                        </p:cTn>
+                                        <p:tgtEl>
+                                          <p:spTgt spid="48"/>
+                                        </p:tgtEl>
+                                        <p:attrNameLst>
+                                          <p:attrName>style.visibility</p:attrName>
+                                        </p:attrNameLst>
+                                      </p:cBhvr>
+                                      <p:to>
+                                        <p:strVal val="visible"/>
+                                      </p:to>
+                                    </p:set>
+                                  </p:childTnLst>
+                                </p:cTn>
+                              </p:par>
+                            </p:childTnLst>
+                          </p:cTn>
+                        </p:par>
+                      </p:childTnLst>
+                    </p:cTn>
+                  </p:par>
+                  <p:par>
+                    <p:cTn id="7" fill="hold">
+                      <p:stCondLst>
+                        <p:cond delay="indefinite"/>
+                      </p:stCondLst>
+                      <p:childTnLst>
+                        <p:par>
+                          <p:cTn id="8" fill="hold">
+                            <p:stCondLst>
+                              <p:cond delay="0"/>
+                            </p:stCondLst>
+                            <p:childTnLst>
+                              <p:par>
+                                <p:cTn id="9" presetID="1" presetClass="entr" presetSubtype="0" fill="hold" grpId="0" nodeType="clickEffect">
+                                  <p:stCondLst>
+                                    <p:cond delay="0"/>
+                                  </p:stCondLst>
+                                  <p:childTnLst>
+                                    <p:set>
+                                      <p:cBhvr>
+                                        <p:cTn id="10" dur="1" fill="hold">
+                                          <p:stCondLst>
+                                            <p:cond delay="0"/>
+                                          </p:stCondLst>
+                                        </p:cTn>
+                                        <p:tgtEl>
+                                          <p:spTgt spid="49"/>
+                                        </p:tgtEl>
+                                        <p:attrNameLst>
+                                          <p:attrName>style.visibility</p:attrName>
+                                        </p:attrNameLst>
+                                      </p:cBhvr>
+                                      <p:to>
+                                        <p:strVal val="visible"/>
+                                      </p:to>
+                                    </p:set>
+                                  </p:childTnLst>
+                                </p:cTn>
+                              </p:par>
+                            </p:childTnLst>
+                          </p:cTn>
+                        </p:par>
+                      </p:childTnLst>
+                    </p:cTn>
+                  </p:par>
+                  <p:par>
+                    <p:cTn id="11" fill="hold">
+                      <p:stCondLst>
+                        <p:cond delay="indefinite"/>
+                      </p:stCondLst>
+                      <p:childTnLst>
+                        <p:par>
+                          <p:cTn id="12" fill="hold">
+                            <p:stCondLst>
+                              <p:cond delay="0"/>
+                            </p:stCondLst>
+                            <p:childTnLst>
+                              <p:par>
+                                <p:cTn id="13" presetID="1" presetClass="entr" presetSubtype="0" fill="hold" nodeType="clickEffect">
+                                  <p:stCondLst>
+                                    <p:cond delay="0"/>
+                                  </p:stCondLst>
+                                  <p:childTnLst>
+                                    <p:set>
+                                      <p:cBhvr>
+                                        <p:cTn id="14" dur="1" fill="hold">
+                                          <p:stCondLst>
+                                            <p:cond delay="0"/>
+                                          </p:stCondLst>
+                                        </p:cTn>
+                                        <p:tgtEl>
+                                          <p:spTgt spid="2"/>
+                                        </p:tgtEl>
+                                        <p:attrNameLst>
+                                          <p:attrName>style.visibility</p:attrName>
+                                        </p:attrNameLst>
+                                      </p:cBhvr>
+                                      <p:to>
+                                        <p:strVal val="visible"/>
+                                      </p:to>
+                                    </p:set>
+                                  </p:childTnLst>
+                                </p:cTn>
+                              </p:par>
+                              <p:par>
+                                <p:cTn id="15" presetID="1" presetClass="entr" presetSubtype="0" fill="hold" grpId="0" nodeType="withEffect">
+                                  <p:stCondLst>
+                                    <p:cond delay="0"/>
+                                  </p:stCondLst>
+                                  <p:childTnLst>
+                                    <p:set>
+                                      <p:cBhvr>
+                                        <p:cTn id="16" dur="1" fill="hold">
+                                          <p:stCondLst>
+                                            <p:cond delay="0"/>
+                                          </p:stCondLst>
+                                        </p:cTn>
+                                        <p:tgtEl>
+                                          <p:spTgt spid="50"/>
+                                        </p:tgtEl>
+                                        <p:attrNameLst>
+                                          <p:attrName>style.visibility</p:attrName>
+                                        </p:attrNameLst>
+                                      </p:cBhvr>
+                                      <p:to>
+                                        <p:strVal val="visible"/>
+                                      </p:to>
+                                    </p:set>
+                                  </p:childTnLst>
+                                </p:cTn>
+                              </p:par>
+                            </p:childTnLst>
+                          </p:cTn>
+                        </p:par>
+                      </p:childTnLst>
+                    </p:cTn>
+                  </p:par>
+                </p:childTnLst>
+              </p:cTn>
+              <p:prevCondLst>
+                <p:cond evt="onPrev" delay="0">
+                  <p:tgtEl>
+                    <p:sldTgt/>
+                  </p:tgtEl>
+                </p:cond>
+              </p:prevCondLst>
+              <p:nextCondLst>
+                <p:cond evt="onNext" delay="0">
+                  <p:tgtEl>
+                    <p:sldTgt/>
+                  </p:tgtEl>
+                </p:cond>
+              </p:nextCondLst>
+            </p:seq>
+          </p:childTnLst>
+        </p:cTn>
+      </p:par>
+    </p:tnLst>
+    <p:bldLst>
+      <p:bldP spid="48" grpId="0" animBg="1"/>
+      <p:bldP spid="49" grpId="0" animBg="1"/>
+      <p:bldP spid="50" grpId="0" animBg="1"/>
+    </p:bldLst>
+  </p:timing>
 </p:sld>
 </file>
 

--- a/Bootcamp-ContinuousDelivery.pptx
+++ b/Bootcamp-ContinuousDelivery.pptx
@@ -5,7 +5,7 @@
     <p:sldMasterId id="2147483840" r:id="rId1"/>
   </p:sldMasterIdLst>
   <p:notesMasterIdLst>
-    <p:notesMasterId r:id="rId40"/>
+    <p:notesMasterId r:id="rId37"/>
   </p:notesMasterIdLst>
   <p:sldIdLst>
     <p:sldId id="267" r:id="rId2"/>
@@ -25,27 +25,24 @@
     <p:sldId id="300" r:id="rId16"/>
     <p:sldId id="301" r:id="rId17"/>
     <p:sldId id="302" r:id="rId18"/>
-    <p:sldId id="307" r:id="rId19"/>
-    <p:sldId id="304" r:id="rId20"/>
-    <p:sldId id="258" r:id="rId21"/>
-    <p:sldId id="265" r:id="rId22"/>
-    <p:sldId id="272" r:id="rId23"/>
-    <p:sldId id="273" r:id="rId24"/>
-    <p:sldId id="274" r:id="rId25"/>
-    <p:sldId id="256" r:id="rId26"/>
-    <p:sldId id="257" r:id="rId27"/>
-    <p:sldId id="262" r:id="rId28"/>
-    <p:sldId id="286" r:id="rId29"/>
-    <p:sldId id="287" r:id="rId30"/>
-    <p:sldId id="283" r:id="rId31"/>
-    <p:sldId id="277" r:id="rId32"/>
-    <p:sldId id="279" r:id="rId33"/>
-    <p:sldId id="280" r:id="rId34"/>
-    <p:sldId id="281" r:id="rId35"/>
-    <p:sldId id="282" r:id="rId36"/>
-    <p:sldId id="284" r:id="rId37"/>
-    <p:sldId id="263" r:id="rId38"/>
-    <p:sldId id="306" r:id="rId39"/>
+    <p:sldId id="304" r:id="rId19"/>
+    <p:sldId id="258" r:id="rId20"/>
+    <p:sldId id="265" r:id="rId21"/>
+    <p:sldId id="272" r:id="rId22"/>
+    <p:sldId id="256" r:id="rId23"/>
+    <p:sldId id="257" r:id="rId24"/>
+    <p:sldId id="262" r:id="rId25"/>
+    <p:sldId id="286" r:id="rId26"/>
+    <p:sldId id="287" r:id="rId27"/>
+    <p:sldId id="283" r:id="rId28"/>
+    <p:sldId id="277" r:id="rId29"/>
+    <p:sldId id="279" r:id="rId30"/>
+    <p:sldId id="280" r:id="rId31"/>
+    <p:sldId id="281" r:id="rId32"/>
+    <p:sldId id="282" r:id="rId33"/>
+    <p:sldId id="284" r:id="rId34"/>
+    <p:sldId id="263" r:id="rId35"/>
+    <p:sldId id="306" r:id="rId36"/>
   </p:sldIdLst>
   <p:sldSz cx="12192000" cy="6858000"/>
   <p:notesSz cx="6858000" cy="9144000"/>
@@ -15834,7 +15831,7 @@
           <a:p>
             <a:r>
               <a:rPr lang="en-GB" dirty="0"/>
-              <a:t>The red team makes their change and push it all the way up to Prod and it works</a:t>
+              <a:t>The red team makes their change and pushes it all the way up to Prod and it works</a:t>
             </a:r>
           </a:p>
           <a:p>
@@ -16388,7 +16385,7 @@
           <a:p>
             <a:r>
               <a:rPr lang="en-GB" dirty="0"/>
-              <a:t>The solution the companies find is always the same… throw more people. Problem solved. Right?</a:t>
+              <a:t>The solution the companies find is always the same… throw more people at the problem. Solved. Right?</a:t>
             </a:r>
           </a:p>
           <a:p>
@@ -16415,11 +16412,26 @@
           <a:p>
             <a:r>
               <a:rPr lang="en-GB" dirty="0"/>
-              <a:t>Remember that all these environments are still being manually configured, so the differences between what each team has are becoming nearly impossible to manually handle</a:t>
+              <a:t>Remember that all these environments are very out of sync, so the differences between what each team has are becoming nearly impossible to manually handle</a:t>
             </a:r>
           </a:p>
           <a:p>
             <a:endParaRPr lang="en-GB" dirty="0"/>
+          </a:p>
+          <a:p>
+            <a:r>
+              <a:rPr lang="en-GB" dirty="0"/>
+              <a:t>Ops people miss one of the steps in the, now long, deployment process. </a:t>
+            </a:r>
+          </a:p>
+          <a:p>
+            <a:endParaRPr lang="en-GB" dirty="0"/>
+          </a:p>
+          <a:p>
+            <a:r>
+              <a:rPr lang="en-GB" dirty="0"/>
+              <a:t>Or there were two changes from 2 teams, in the batch of 10 changes to release today, that clashed and…</a:t>
+            </a:r>
           </a:p>
         </p:txBody>
       </p:sp>
@@ -16505,24 +16517,6 @@
           <a:p>
             <a:r>
               <a:rPr lang="en-GB" dirty="0"/>
-              <a:t>Ops people miss one of the steps in the, now long, deployment process. </a:t>
-            </a:r>
-          </a:p>
-          <a:p>
-            <a:endParaRPr lang="en-GB" dirty="0"/>
-          </a:p>
-          <a:p>
-            <a:r>
-              <a:rPr lang="en-GB" dirty="0"/>
-              <a:t>Or there were two changes from 2 teams, in the batch of 10 changes to release today, that clashed</a:t>
-            </a:r>
-          </a:p>
-          <a:p>
-            <a:endParaRPr lang="en-GB" dirty="0"/>
-          </a:p>
-          <a:p>
-            <a:r>
-              <a:rPr lang="en-GB" dirty="0"/>
               <a:t>Now the consequences and the downtime are even worse</a:t>
             </a:r>
           </a:p>
@@ -16753,64 +16747,8 @@
           <a:p>
             <a:r>
               <a:rPr lang="en-GB" dirty="0"/>
-              <a:t>So the company hires Release Managers, to coordinate the releases and the dependencies between them</a:t>
+              <a:t>With 50 teams producing features it’s game over…</a:t>
             </a:r>
-          </a:p>
-          <a:p>
-            <a:endParaRPr lang="en-GB" dirty="0"/>
-          </a:p>
-          <a:p>
-            <a:r>
-              <a:rPr lang="en-GB" dirty="0"/>
-              <a:t>This makes the process slower again</a:t>
-            </a:r>
-          </a:p>
-          <a:p>
-            <a:endParaRPr lang="en-GB" dirty="0"/>
-          </a:p>
-          <a:p>
-            <a:r>
-              <a:rPr lang="en-GB" dirty="0"/>
-              <a:t>So what does the company to go faster?</a:t>
-            </a:r>
-          </a:p>
-          <a:p>
-            <a:endParaRPr lang="en-GB" dirty="0"/>
-          </a:p>
-          <a:p>
-            <a:r>
-              <a:rPr lang="en-GB" dirty="0"/>
-              <a:t>Again, throw more people at the problem</a:t>
-            </a:r>
-          </a:p>
-          <a:p>
-            <a:endParaRPr lang="en-GB" dirty="0"/>
-          </a:p>
-          <a:p>
-            <a:r>
-              <a:rPr lang="en-GB" dirty="0"/>
-              <a:t>The result? The codebase is now huge, also the differences between environments, the deployment process has now many </a:t>
-            </a:r>
-            <a:r>
-              <a:rPr lang="en-GB" dirty="0" err="1"/>
-              <a:t>many</a:t>
-            </a:r>
-            <a:r>
-              <a:rPr lang="en-GB" dirty="0"/>
-              <a:t> steps that have to be done in rigorous order…</a:t>
-            </a:r>
-          </a:p>
-          <a:p>
-            <a:endParaRPr lang="en-GB" dirty="0"/>
-          </a:p>
-          <a:p>
-            <a:r>
-              <a:rPr lang="en-GB" dirty="0"/>
-              <a:t>Release managers try to deal with the risk, but as dependencies get bigger, the slots to go to Prod with a release become more strict</a:t>
-            </a:r>
-          </a:p>
-          <a:p>
-            <a:endParaRPr lang="en-GB" dirty="0"/>
           </a:p>
         </p:txBody>
       </p:sp>
@@ -16840,7 +16778,7 @@
     </p:spTree>
     <p:extLst>
       <p:ext uri="{BB962C8B-B14F-4D97-AF65-F5344CB8AC3E}">
-        <p14:creationId xmlns:p14="http://schemas.microsoft.com/office/powerpoint/2010/main" val="1698505237"/>
+        <p14:creationId xmlns:p14="http://schemas.microsoft.com/office/powerpoint/2010/main" val="3786841829"/>
       </p:ext>
     </p:extLst>
   </p:cSld>
@@ -17244,7 +17182,7 @@
           <a:p>
             <a:fld id="{CD07EBF8-396F-4315-AE4D-1B4415FB8D2D}" type="slidenum">
               <a:rPr lang="en-GB" smtClean="0"/>
-              <a:t>20</a:t>
+              <a:t>19</a:t>
             </a:fld>
             <a:endParaRPr lang="en-GB"/>
           </a:p>
@@ -17554,7 +17492,7 @@
           <a:p>
             <a:fld id="{CD07EBF8-396F-4315-AE4D-1B4415FB8D2D}" type="slidenum">
               <a:rPr lang="en-GB" smtClean="0"/>
-              <a:t>21</a:t>
+              <a:t>20</a:t>
             </a:fld>
             <a:endParaRPr lang="en-GB"/>
           </a:p>
@@ -17617,9 +17555,69 @@
           <a:bodyPr/>
           <a:lstStyle/>
           <a:p>
+            <a:pPr marL="0" marR="0" lvl="0" indent="0" algn="l" defTabSz="914400" rtl="0" eaLnBrk="1" fontAlgn="auto" latinLnBrk="0" hangingPunct="1">
+              <a:lnSpc>
+                <a:spcPct val="100000"/>
+              </a:lnSpc>
+              <a:spcBef>
+                <a:spcPts val="0"/>
+              </a:spcBef>
+              <a:spcAft>
+                <a:spcPts val="0"/>
+              </a:spcAft>
+              <a:buClrTx/>
+              <a:buSzTx/>
+              <a:buFontTx/>
+              <a:buNone/>
+              <a:tabLst/>
+              <a:defRPr/>
+            </a:pPr>
             <a:r>
               <a:rPr lang="en-GB" dirty="0"/>
-              <a:t>Agile methodologies applied </a:t>
+              <a:t>Agile says that you need to iterate</a:t>
+            </a:r>
+          </a:p>
+          <a:p>
+            <a:pPr marL="0" marR="0" lvl="0" indent="0" algn="l" defTabSz="914400" rtl="0" eaLnBrk="1" fontAlgn="auto" latinLnBrk="0" hangingPunct="1">
+              <a:lnSpc>
+                <a:spcPct val="100000"/>
+              </a:lnSpc>
+              <a:spcBef>
+                <a:spcPts val="0"/>
+              </a:spcBef>
+              <a:spcAft>
+                <a:spcPts val="0"/>
+              </a:spcAft>
+              <a:buClrTx/>
+              <a:buSzTx/>
+              <a:buFontTx/>
+              <a:buNone/>
+              <a:tabLst/>
+              <a:defRPr/>
+            </a:pPr>
+            <a:endParaRPr lang="en-GB" dirty="0"/>
+          </a:p>
+          <a:p>
+            <a:pPr marL="0" marR="0" lvl="0" indent="0" algn="l" defTabSz="914400" rtl="0" eaLnBrk="1" fontAlgn="auto" latinLnBrk="0" hangingPunct="1">
+              <a:lnSpc>
+                <a:spcPct val="100000"/>
+              </a:lnSpc>
+              <a:spcBef>
+                <a:spcPts val="0"/>
+              </a:spcBef>
+              <a:spcAft>
+                <a:spcPts val="0"/>
+              </a:spcAft>
+              <a:buClrTx/>
+              <a:buSzTx/>
+              <a:buFontTx/>
+              <a:buNone/>
+              <a:tabLst/>
+              <a:defRPr/>
+            </a:pPr>
+            <a:r>
+              <a:rPr lang="en-GB" dirty="0"/>
+              <a:t>But agile methodologies applied </a:t>
             </a:r>
             <a:r>
               <a:rPr lang="en-GB" b="1" dirty="0"/>
@@ -17633,6 +17631,116 @@
               <a:rPr lang="en-GB" dirty="0"/>
               <a:t>iterate, yes… to some extent</a:t>
             </a:r>
+          </a:p>
+          <a:p>
+            <a:endParaRPr lang="en-GB" dirty="0"/>
+          </a:p>
+          <a:p>
+            <a:r>
+              <a:rPr lang="en-GB" dirty="0"/>
+              <a:t>But problems usually arise </a:t>
+            </a:r>
+            <a:r>
+              <a:rPr lang="en-GB" b="1" dirty="0"/>
+              <a:t>when the code is released. </a:t>
+            </a:r>
+            <a:r>
+              <a:rPr lang="en-GB" b="0" dirty="0"/>
+              <a:t>Operations</a:t>
+            </a:r>
+            <a:r>
+              <a:rPr lang="en-GB" b="0" baseline="0" dirty="0"/>
+              <a:t> hasn’t developed the code, they struggle to support it</a:t>
+            </a:r>
+            <a:endParaRPr lang="en-GB" b="1" dirty="0"/>
+          </a:p>
+          <a:p>
+            <a:endParaRPr lang="en-GB" dirty="0"/>
+          </a:p>
+          <a:p>
+            <a:r>
+              <a:rPr lang="en-GB" dirty="0"/>
+              <a:t>Until the code is deployed, we have provided </a:t>
+            </a:r>
+            <a:r>
+              <a:rPr lang="en-GB" b="1" dirty="0"/>
+              <a:t>NO value</a:t>
+            </a:r>
+          </a:p>
+          <a:p>
+            <a:r>
+              <a:rPr lang="en-GB" b="0" dirty="0"/>
+              <a:t>It’s accessible to nobody, and we don’t know if it actually works where we want it to work: th</a:t>
+            </a:r>
+            <a:r>
+              <a:rPr lang="en-GB" b="0" baseline="0" dirty="0"/>
+              <a:t>e </a:t>
+            </a:r>
+            <a:r>
+              <a:rPr lang="en-GB" b="1" dirty="0"/>
+              <a:t>Production </a:t>
+            </a:r>
+            <a:r>
+              <a:rPr lang="en-GB" b="0" dirty="0"/>
+              <a:t>environment</a:t>
+            </a:r>
+            <a:endParaRPr lang="en-GB" b="1" dirty="0"/>
+          </a:p>
+          <a:p>
+            <a:r>
+              <a:rPr lang="en-GB" b="0" dirty="0"/>
+              <a:t> - Heavy load</a:t>
+            </a:r>
+          </a:p>
+          <a:p>
+            <a:r>
+              <a:rPr lang="en-GB" b="0" dirty="0"/>
+              <a:t> - Restrictive conditions</a:t>
+            </a:r>
+          </a:p>
+          <a:p>
+            <a:r>
+              <a:rPr lang="en-GB" b="0" dirty="0"/>
+              <a:t> - Real customers interacting with it</a:t>
+            </a:r>
+          </a:p>
+          <a:p>
+            <a:r>
+              <a:rPr lang="en-GB" b="0" dirty="0"/>
+              <a:t> - 3</a:t>
+            </a:r>
+            <a:r>
+              <a:rPr lang="en-GB" b="0" baseline="30000" dirty="0"/>
+              <a:t>rd</a:t>
+            </a:r>
+            <a:r>
+              <a:rPr lang="en-GB" b="0" dirty="0"/>
+              <a:t> party dependencies</a:t>
+            </a:r>
+          </a:p>
+          <a:p>
+            <a:r>
+              <a:rPr lang="en-GB" dirty="0"/>
+              <a:t> </a:t>
+            </a:r>
+          </a:p>
+          <a:p>
+            <a:r>
+              <a:rPr lang="en-GB" dirty="0"/>
+              <a:t>The life of the product/feature </a:t>
+            </a:r>
+            <a:r>
+              <a:rPr lang="en-GB" b="1" dirty="0"/>
+              <a:t>starts</a:t>
+            </a:r>
+            <a:r>
+              <a:rPr lang="en-GB" b="0" dirty="0"/>
+              <a:t> at this point, it doesn’t end here</a:t>
+            </a:r>
+            <a:endParaRPr lang="en-GB" dirty="0"/>
+          </a:p>
+          <a:p>
+            <a:endParaRPr lang="en-GB" dirty="0"/>
           </a:p>
         </p:txBody>
       </p:sp>
@@ -17653,7 +17761,7 @@
           <a:p>
             <a:fld id="{CD07EBF8-396F-4315-AE4D-1B4415FB8D2D}" type="slidenum">
               <a:rPr lang="en-GB" smtClean="0"/>
-              <a:t>23</a:t>
+              <a:t>21</a:t>
             </a:fld>
             <a:endParaRPr lang="en-GB"/>
           </a:p>
@@ -17662,7 +17770,7 @@
     </p:spTree>
     <p:extLst>
       <p:ext uri="{BB962C8B-B14F-4D97-AF65-F5344CB8AC3E}">
-        <p14:creationId xmlns:p14="http://schemas.microsoft.com/office/powerpoint/2010/main" val="1992259821"/>
+        <p14:creationId xmlns:p14="http://schemas.microsoft.com/office/powerpoint/2010/main" val="1953300349"/>
       </p:ext>
     </p:extLst>
   </p:cSld>
@@ -17718,105 +17826,47 @@
           <a:p>
             <a:r>
               <a:rPr lang="en-GB" dirty="0"/>
-              <a:t>But problems usually arise </a:t>
+              <a:t>Some definitions: deployment and release</a:t>
+            </a:r>
+          </a:p>
+          <a:p>
+            <a:endParaRPr lang="en-GB" dirty="0"/>
+          </a:p>
+          <a:p>
+            <a:r>
+              <a:rPr lang="en-GB"/>
+              <a:t>Now, what’s </a:t>
             </a:r>
             <a:r>
-              <a:rPr lang="en-GB" b="1" dirty="0"/>
-              <a:t>here. </a:t>
+              <a:rPr lang="en-GB" dirty="0"/>
+              <a:t>less risky? </a:t>
             </a:r>
-            <a:r>
-              <a:rPr lang="en-GB" b="0" dirty="0"/>
-              <a:t>Operations</a:t>
-            </a:r>
-            <a:r>
-              <a:rPr lang="en-GB" b="0" baseline="0" dirty="0"/>
-              <a:t> hasn’t developed the code, they struggle to support it</a:t>
-            </a:r>
-            <a:endParaRPr lang="en-GB" b="1" dirty="0"/>
-          </a:p>
-          <a:p>
-            <a:endParaRPr lang="en-GB" dirty="0"/>
           </a:p>
           <a:p>
             <a:r>
               <a:rPr lang="en-GB" dirty="0"/>
-              <a:t>Until the code is deployed, we have provided </a:t>
-            </a:r>
-            <a:r>
-              <a:rPr lang="en-GB" b="1" dirty="0"/>
-              <a:t>NO value</a:t>
-            </a:r>
-          </a:p>
-          <a:p>
-            <a:r>
-              <a:rPr lang="en-GB" b="0" dirty="0"/>
-              <a:t>It’s accessible to nobody, and we don’t know if it actually works where we want it to work: th</a:t>
-            </a:r>
-            <a:r>
-              <a:rPr lang="en-GB" b="0" baseline="0" dirty="0"/>
-              <a:t>e </a:t>
-            </a:r>
-            <a:r>
-              <a:rPr lang="en-GB" b="1" dirty="0"/>
-              <a:t>Production </a:t>
-            </a:r>
-            <a:r>
-              <a:rPr lang="en-GB" b="0" dirty="0"/>
-              <a:t>environment</a:t>
-            </a:r>
-            <a:endParaRPr lang="en-GB" b="1" dirty="0"/>
-          </a:p>
-          <a:p>
-            <a:r>
-              <a:rPr lang="en-GB" b="0" dirty="0"/>
-              <a:t> - Heavy load</a:t>
-            </a:r>
-          </a:p>
-          <a:p>
-            <a:r>
-              <a:rPr lang="en-GB" b="0" dirty="0"/>
-              <a:t> - Restrictive conditions</a:t>
-            </a:r>
-          </a:p>
-          <a:p>
-            <a:r>
-              <a:rPr lang="en-GB" b="0" dirty="0"/>
-              <a:t> - Real customers interacting with it</a:t>
-            </a:r>
-          </a:p>
-          <a:p>
-            <a:r>
-              <a:rPr lang="en-GB" b="0" dirty="0"/>
-              <a:t> - 3</a:t>
-            </a:r>
-            <a:r>
-              <a:rPr lang="en-GB" b="0" baseline="30000" dirty="0"/>
-              <a:t>rd</a:t>
-            </a:r>
-            <a:r>
-              <a:rPr lang="en-GB" b="0" dirty="0"/>
-              <a:t> party dependencies</a:t>
+              <a:t>A deployment every 2 months with 200 commits with code changes</a:t>
             </a:r>
           </a:p>
           <a:p>
             <a:r>
               <a:rPr lang="en-GB" dirty="0"/>
-              <a:t> </a:t>
+              <a:t>A deployment every hour with 1 commit with code changes</a:t>
             </a:r>
+          </a:p>
+          <a:p>
+            <a:endParaRPr lang="en-GB" dirty="0"/>
           </a:p>
           <a:p>
             <a:r>
               <a:rPr lang="en-GB" dirty="0"/>
-              <a:t>The life of the product/feature </a:t>
+              <a:t>In case there’s a problem: technical or operational, in which one we’ll be able to spot where the problem is and revert it or apply a solution</a:t>
             </a:r>
-            <a:r>
-              <a:rPr lang="en-GB" b="1" dirty="0"/>
-              <a:t>starts</a:t>
-            </a:r>
-            <a:r>
-              <a:rPr lang="en-GB" b="0" dirty="0"/>
-              <a:t> at this point, it doesn’t end here</a:t>
-            </a:r>
+          </a:p>
+          <a:p>
+            <a:endParaRPr lang="en-GB" dirty="0"/>
+          </a:p>
+          <a:p>
             <a:endParaRPr lang="en-GB" dirty="0"/>
           </a:p>
         </p:txBody>
@@ -17838,7 +17888,7 @@
           <a:p>
             <a:fld id="{CD07EBF8-396F-4315-AE4D-1B4415FB8D2D}" type="slidenum">
               <a:rPr lang="en-GB" smtClean="0"/>
-              <a:t>24</a:t>
+              <a:t>22</a:t>
             </a:fld>
             <a:endParaRPr lang="en-GB"/>
           </a:p>
@@ -17847,7 +17897,7 @@
     </p:spTree>
     <p:extLst>
       <p:ext uri="{BB962C8B-B14F-4D97-AF65-F5344CB8AC3E}">
-        <p14:creationId xmlns:p14="http://schemas.microsoft.com/office/powerpoint/2010/main" val="2457008700"/>
+        <p14:creationId xmlns:p14="http://schemas.microsoft.com/office/powerpoint/2010/main" val="3269436878"/>
       </p:ext>
     </p:extLst>
   </p:cSld>
@@ -17901,36 +17951,6 @@
           <a:bodyPr/>
           <a:lstStyle/>
           <a:p>
-            <a:r>
-              <a:rPr lang="en-GB" dirty="0"/>
-              <a:t>What’s less risky? </a:t>
-            </a:r>
-          </a:p>
-          <a:p>
-            <a:r>
-              <a:rPr lang="en-GB" dirty="0"/>
-              <a:t>A deployment every 2 months with 200 commits with code changes</a:t>
-            </a:r>
-          </a:p>
-          <a:p>
-            <a:r>
-              <a:rPr lang="en-GB" dirty="0"/>
-              <a:t>A deployment every hour with 1 commit with code changes</a:t>
-            </a:r>
-          </a:p>
-          <a:p>
-            <a:endParaRPr lang="en-GB" dirty="0"/>
-          </a:p>
-          <a:p>
-            <a:r>
-              <a:rPr lang="en-GB" dirty="0"/>
-              <a:t>In case there’s a problem: technical or operational, in which one we’ll be able to spot where the problem is and revert it or apply a solution</a:t>
-            </a:r>
-          </a:p>
-          <a:p>
-            <a:endParaRPr lang="en-GB" dirty="0"/>
-          </a:p>
-          <a:p>
             <a:endParaRPr lang="en-GB" dirty="0"/>
           </a:p>
         </p:txBody>
@@ -17952,7 +17972,7 @@
           <a:p>
             <a:fld id="{CD07EBF8-396F-4315-AE4D-1B4415FB8D2D}" type="slidenum">
               <a:rPr lang="en-GB" smtClean="0"/>
-              <a:t>25</a:t>
+              <a:t>23</a:t>
             </a:fld>
             <a:endParaRPr lang="en-GB"/>
           </a:p>
@@ -17961,7 +17981,7 @@
     </p:spTree>
     <p:extLst>
       <p:ext uri="{BB962C8B-B14F-4D97-AF65-F5344CB8AC3E}">
-        <p14:creationId xmlns:p14="http://schemas.microsoft.com/office/powerpoint/2010/main" val="3269436878"/>
+        <p14:creationId xmlns:p14="http://schemas.microsoft.com/office/powerpoint/2010/main" val="3247085236"/>
       </p:ext>
     </p:extLst>
   </p:cSld>
@@ -18015,6 +18035,158 @@
           <a:bodyPr/>
           <a:lstStyle/>
           <a:p>
+            <a:pPr marL="0" marR="0" lvl="0" indent="0" algn="l" defTabSz="914400" rtl="0" eaLnBrk="1" fontAlgn="auto" latinLnBrk="0" hangingPunct="1">
+              <a:lnSpc>
+                <a:spcPct val="100000"/>
+              </a:lnSpc>
+              <a:spcBef>
+                <a:spcPts val="0"/>
+              </a:spcBef>
+              <a:spcAft>
+                <a:spcPts val="0"/>
+              </a:spcAft>
+              <a:buClrTx/>
+              <a:buSzTx/>
+              <a:buFontTx/>
+              <a:buNone/>
+              <a:tabLst/>
+              <a:defRPr/>
+            </a:pPr>
+            <a:r>
+              <a:rPr lang="en-GB" dirty="0"/>
+              <a:t>Eternal business complaint: IT is slow</a:t>
+            </a:r>
+          </a:p>
+          <a:p>
+            <a:pPr marL="0" marR="0" lvl="0" indent="0" algn="l" defTabSz="914400" rtl="0" eaLnBrk="1" fontAlgn="auto" latinLnBrk="0" hangingPunct="1">
+              <a:lnSpc>
+                <a:spcPct val="100000"/>
+              </a:lnSpc>
+              <a:spcBef>
+                <a:spcPts val="0"/>
+              </a:spcBef>
+              <a:spcAft>
+                <a:spcPts val="0"/>
+              </a:spcAft>
+              <a:buClrTx/>
+              <a:buSzTx/>
+              <a:buFontTx/>
+              <a:buNone/>
+              <a:tabLst/>
+              <a:defRPr/>
+            </a:pPr>
+            <a:r>
+              <a:rPr lang="en-GB" dirty="0"/>
+              <a:t>Customers</a:t>
+            </a:r>
+            <a:r>
+              <a:rPr lang="en-GB" baseline="0" dirty="0"/>
+              <a:t> not necessarily end-users: example of our client -&gt; </a:t>
+            </a:r>
+            <a:r>
+              <a:rPr lang="en-GB" baseline="0" dirty="0" err="1"/>
+              <a:t>MyAccount</a:t>
+            </a:r>
+            <a:r>
+              <a:rPr lang="en-GB" baseline="0" dirty="0"/>
+              <a:t> team</a:t>
+            </a:r>
+          </a:p>
+          <a:p>
+            <a:pPr marL="0" marR="0" lvl="0" indent="0" algn="l" defTabSz="914400" rtl="0" eaLnBrk="1" fontAlgn="auto" latinLnBrk="0" hangingPunct="1">
+              <a:lnSpc>
+                <a:spcPct val="100000"/>
+              </a:lnSpc>
+              <a:spcBef>
+                <a:spcPts val="0"/>
+              </a:spcBef>
+              <a:spcAft>
+                <a:spcPts val="0"/>
+              </a:spcAft>
+              <a:buClrTx/>
+              <a:buSzTx/>
+              <a:buFontTx/>
+              <a:buNone/>
+              <a:tabLst/>
+              <a:defRPr/>
+            </a:pPr>
+            <a:endParaRPr lang="en-GB" baseline="0" dirty="0"/>
+          </a:p>
+          <a:p>
+            <a:pPr marL="0" marR="0" lvl="0" indent="0" algn="l" defTabSz="914400" rtl="0" eaLnBrk="1" fontAlgn="auto" latinLnBrk="0" hangingPunct="1">
+              <a:lnSpc>
+                <a:spcPct val="100000"/>
+              </a:lnSpc>
+              <a:spcBef>
+                <a:spcPts val="0"/>
+              </a:spcBef>
+              <a:spcAft>
+                <a:spcPts val="0"/>
+              </a:spcAft>
+              <a:buClrTx/>
+              <a:buSzTx/>
+              <a:buFontTx/>
+              <a:buNone/>
+              <a:tabLst/>
+              <a:defRPr/>
+            </a:pPr>
+            <a:r>
+              <a:rPr lang="en-GB" dirty="0"/>
+              <a:t>Remember that until the code is deployed to the Production </a:t>
+            </a:r>
+            <a:r>
+              <a:rPr lang="en-GB" dirty="0" err="1"/>
+              <a:t>environement</a:t>
+            </a:r>
+            <a:r>
+              <a:rPr lang="en-GB" dirty="0"/>
+              <a:t>, we have provided </a:t>
+            </a:r>
+            <a:r>
+              <a:rPr lang="en-GB" b="1" dirty="0"/>
+              <a:t>NO value</a:t>
+            </a:r>
+          </a:p>
+          <a:p>
+            <a:pPr marL="0" marR="0" lvl="0" indent="0" algn="l" defTabSz="914400" rtl="0" eaLnBrk="1" fontAlgn="auto" latinLnBrk="0" hangingPunct="1">
+              <a:lnSpc>
+                <a:spcPct val="100000"/>
+              </a:lnSpc>
+              <a:spcBef>
+                <a:spcPts val="0"/>
+              </a:spcBef>
+              <a:spcAft>
+                <a:spcPts val="0"/>
+              </a:spcAft>
+              <a:buClrTx/>
+              <a:buSzTx/>
+              <a:buFontTx/>
+              <a:buNone/>
+              <a:tabLst/>
+              <a:defRPr/>
+            </a:pPr>
+            <a:r>
+              <a:rPr lang="en-GB" b="0" dirty="0"/>
+              <a:t>The problem then is the </a:t>
+            </a:r>
+            <a:r>
+              <a:rPr lang="en-GB" b="1" dirty="0"/>
+              <a:t>lead time </a:t>
+            </a:r>
+            <a:r>
+              <a:rPr lang="en-GB" b="0" dirty="0"/>
+              <a:t>(“</a:t>
+            </a:r>
+            <a:r>
+              <a:rPr lang="en-GB" b="1" dirty="0"/>
+              <a:t>from concept to production”</a:t>
+            </a:r>
+            <a:r>
+              <a:rPr lang="en-GB" b="0" dirty="0"/>
+              <a:t>) is too big</a:t>
+            </a:r>
+          </a:p>
+          <a:p>
             <a:endParaRPr lang="en-GB" dirty="0"/>
           </a:p>
         </p:txBody>
@@ -18036,7 +18208,7 @@
           <a:p>
             <a:fld id="{CD07EBF8-396F-4315-AE4D-1B4415FB8D2D}" type="slidenum">
               <a:rPr lang="en-GB" smtClean="0"/>
-              <a:t>26</a:t>
+              <a:t>24</a:t>
             </a:fld>
             <a:endParaRPr lang="en-GB"/>
           </a:p>
@@ -18045,7 +18217,7 @@
     </p:spTree>
     <p:extLst>
       <p:ext uri="{BB962C8B-B14F-4D97-AF65-F5344CB8AC3E}">
-        <p14:creationId xmlns:p14="http://schemas.microsoft.com/office/powerpoint/2010/main" val="3247085236"/>
+        <p14:creationId xmlns:p14="http://schemas.microsoft.com/office/powerpoint/2010/main" val="3796568599"/>
       </p:ext>
     </p:extLst>
   </p:cSld>
@@ -18118,242 +18290,6 @@
             </a:pPr>
             <a:r>
               <a:rPr lang="en-GB" dirty="0"/>
-              <a:t>Eternal business complaint: IT is slow</a:t>
-            </a:r>
-          </a:p>
-          <a:p>
-            <a:pPr marL="0" marR="0" lvl="0" indent="0" algn="l" defTabSz="914400" rtl="0" eaLnBrk="1" fontAlgn="auto" latinLnBrk="0" hangingPunct="1">
-              <a:lnSpc>
-                <a:spcPct val="100000"/>
-              </a:lnSpc>
-              <a:spcBef>
-                <a:spcPts val="0"/>
-              </a:spcBef>
-              <a:spcAft>
-                <a:spcPts val="0"/>
-              </a:spcAft>
-              <a:buClrTx/>
-              <a:buSzTx/>
-              <a:buFontTx/>
-              <a:buNone/>
-              <a:tabLst/>
-              <a:defRPr/>
-            </a:pPr>
-            <a:r>
-              <a:rPr lang="en-GB" dirty="0"/>
-              <a:t>Customers</a:t>
-            </a:r>
-            <a:r>
-              <a:rPr lang="en-GB" baseline="0" dirty="0"/>
-              <a:t> not necessarily end-users: example of our client -&gt; </a:t>
-            </a:r>
-            <a:r>
-              <a:rPr lang="en-GB" baseline="0" dirty="0" err="1"/>
-              <a:t>MyAccount</a:t>
-            </a:r>
-            <a:r>
-              <a:rPr lang="en-GB" baseline="0" dirty="0"/>
-              <a:t> team</a:t>
-            </a:r>
-          </a:p>
-          <a:p>
-            <a:pPr marL="0" marR="0" lvl="0" indent="0" algn="l" defTabSz="914400" rtl="0" eaLnBrk="1" fontAlgn="auto" latinLnBrk="0" hangingPunct="1">
-              <a:lnSpc>
-                <a:spcPct val="100000"/>
-              </a:lnSpc>
-              <a:spcBef>
-                <a:spcPts val="0"/>
-              </a:spcBef>
-              <a:spcAft>
-                <a:spcPts val="0"/>
-              </a:spcAft>
-              <a:buClrTx/>
-              <a:buSzTx/>
-              <a:buFontTx/>
-              <a:buNone/>
-              <a:tabLst/>
-              <a:defRPr/>
-            </a:pPr>
-            <a:endParaRPr lang="en-GB" baseline="0" dirty="0"/>
-          </a:p>
-          <a:p>
-            <a:pPr marL="0" marR="0" lvl="0" indent="0" algn="l" defTabSz="914400" rtl="0" eaLnBrk="1" fontAlgn="auto" latinLnBrk="0" hangingPunct="1">
-              <a:lnSpc>
-                <a:spcPct val="100000"/>
-              </a:lnSpc>
-              <a:spcBef>
-                <a:spcPts val="0"/>
-              </a:spcBef>
-              <a:spcAft>
-                <a:spcPts val="0"/>
-              </a:spcAft>
-              <a:buClrTx/>
-              <a:buSzTx/>
-              <a:buFontTx/>
-              <a:buNone/>
-              <a:tabLst/>
-              <a:defRPr/>
-            </a:pPr>
-            <a:r>
-              <a:rPr lang="en-GB" dirty="0"/>
-              <a:t>Remember that until the code is deployed to the Production </a:t>
-            </a:r>
-            <a:r>
-              <a:rPr lang="en-GB" dirty="0" err="1"/>
-              <a:t>environement</a:t>
-            </a:r>
-            <a:r>
-              <a:rPr lang="en-GB" dirty="0"/>
-              <a:t>, we have provided </a:t>
-            </a:r>
-            <a:r>
-              <a:rPr lang="en-GB" b="1" dirty="0"/>
-              <a:t>NO value</a:t>
-            </a:r>
-          </a:p>
-          <a:p>
-            <a:pPr marL="0" marR="0" lvl="0" indent="0" algn="l" defTabSz="914400" rtl="0" eaLnBrk="1" fontAlgn="auto" latinLnBrk="0" hangingPunct="1">
-              <a:lnSpc>
-                <a:spcPct val="100000"/>
-              </a:lnSpc>
-              <a:spcBef>
-                <a:spcPts val="0"/>
-              </a:spcBef>
-              <a:spcAft>
-                <a:spcPts val="0"/>
-              </a:spcAft>
-              <a:buClrTx/>
-              <a:buSzTx/>
-              <a:buFontTx/>
-              <a:buNone/>
-              <a:tabLst/>
-              <a:defRPr/>
-            </a:pPr>
-            <a:r>
-              <a:rPr lang="en-GB" b="0" dirty="0"/>
-              <a:t>The problem then is the </a:t>
-            </a:r>
-            <a:r>
-              <a:rPr lang="en-GB" b="1" dirty="0"/>
-              <a:t>lead time </a:t>
-            </a:r>
-            <a:r>
-              <a:rPr lang="en-GB" b="0" dirty="0"/>
-              <a:t>(“</a:t>
-            </a:r>
-            <a:r>
-              <a:rPr lang="en-GB" b="1" dirty="0"/>
-              <a:t>from concept to production”</a:t>
-            </a:r>
-            <a:r>
-              <a:rPr lang="en-GB" b="0" dirty="0"/>
-              <a:t>) is too big</a:t>
-            </a:r>
-          </a:p>
-          <a:p>
-            <a:endParaRPr lang="en-GB" dirty="0"/>
-          </a:p>
-        </p:txBody>
-      </p:sp>
-      <p:sp>
-        <p:nvSpPr>
-          <p:cNvPr id="4" name="Slide Number Placeholder 3"/>
-          <p:cNvSpPr>
-            <a:spLocks noGrp="1"/>
-          </p:cNvSpPr>
-          <p:nvPr>
-            <p:ph type="sldNum" sz="quarter" idx="10"/>
-          </p:nvPr>
-        </p:nvSpPr>
-        <p:spPr/>
-        <p:txBody>
-          <a:bodyPr/>
-          <a:lstStyle/>
-          <a:p>
-            <a:fld id="{CD07EBF8-396F-4315-AE4D-1B4415FB8D2D}" type="slidenum">
-              <a:rPr lang="en-GB" smtClean="0"/>
-              <a:t>27</a:t>
-            </a:fld>
-            <a:endParaRPr lang="en-GB"/>
-          </a:p>
-        </p:txBody>
-      </p:sp>
-    </p:spTree>
-    <p:extLst>
-      <p:ext uri="{BB962C8B-B14F-4D97-AF65-F5344CB8AC3E}">
-        <p14:creationId xmlns:p14="http://schemas.microsoft.com/office/powerpoint/2010/main" val="3796568599"/>
-      </p:ext>
-    </p:extLst>
-  </p:cSld>
-  <p:clrMapOvr>
-    <a:masterClrMapping/>
-  </p:clrMapOvr>
-</p:notes>
-</file>
-
-<file path=ppt/notesSlides/notesSlide26.xml><?xml version="1.0" encoding="utf-8"?>
-<p:notes xmlns:a="http://schemas.openxmlformats.org/drawingml/2006/main" xmlns:r="http://schemas.openxmlformats.org/officeDocument/2006/relationships" xmlns:p="http://schemas.openxmlformats.org/presentationml/2006/main">
-  <p:cSld>
-    <p:spTree>
-      <p:nvGrpSpPr>
-        <p:cNvPr id="1" name=""/>
-        <p:cNvGrpSpPr/>
-        <p:nvPr/>
-      </p:nvGrpSpPr>
-      <p:grpSpPr>
-        <a:xfrm>
-          <a:off x="0" y="0"/>
-          <a:ext cx="0" cy="0"/>
-          <a:chOff x="0" y="0"/>
-          <a:chExt cx="0" cy="0"/>
-        </a:xfrm>
-      </p:grpSpPr>
-      <p:sp>
-        <p:nvSpPr>
-          <p:cNvPr id="2" name="Slide Image Placeholder 1"/>
-          <p:cNvSpPr>
-            <a:spLocks noGrp="1" noRot="1" noChangeAspect="1"/>
-          </p:cNvSpPr>
-          <p:nvPr>
-            <p:ph type="sldImg"/>
-          </p:nvPr>
-        </p:nvSpPr>
-        <p:spPr/>
-      </p:sp>
-      <p:sp>
-        <p:nvSpPr>
-          <p:cNvPr id="3" name="Notes Placeholder 2"/>
-          <p:cNvSpPr>
-            <a:spLocks noGrp="1"/>
-          </p:cNvSpPr>
-          <p:nvPr>
-            <p:ph type="body" idx="1"/>
-          </p:nvPr>
-        </p:nvSpPr>
-        <p:spPr/>
-        <p:txBody>
-          <a:bodyPr/>
-          <a:lstStyle/>
-          <a:p>
-            <a:pPr marL="0" marR="0" lvl="0" indent="0" algn="l" defTabSz="914400" rtl="0" eaLnBrk="1" fontAlgn="auto" latinLnBrk="0" hangingPunct="1">
-              <a:lnSpc>
-                <a:spcPct val="100000"/>
-              </a:lnSpc>
-              <a:spcBef>
-                <a:spcPts val="0"/>
-              </a:spcBef>
-              <a:spcAft>
-                <a:spcPts val="0"/>
-              </a:spcAft>
-              <a:buClrTx/>
-              <a:buSzTx/>
-              <a:buFontTx/>
-              <a:buNone/>
-              <a:tabLst/>
-              <a:defRPr/>
-            </a:pPr>
-            <a:r>
-              <a:rPr lang="en-GB" dirty="0"/>
               <a:t>What we have to do is taking this whole cycle, and making it an iteration, a loop</a:t>
             </a:r>
           </a:p>
@@ -18517,7 +18453,7 @@
           <a:p>
             <a:fld id="{CD07EBF8-396F-4315-AE4D-1B4415FB8D2D}" type="slidenum">
               <a:rPr lang="en-GB" smtClean="0"/>
-              <a:t>28</a:t>
+              <a:t>25</a:t>
             </a:fld>
             <a:endParaRPr lang="en-GB"/>
           </a:p>
@@ -18536,7 +18472,7 @@
 </p:notes>
 </file>
 
-<file path=ppt/notesSlides/notesSlide27.xml><?xml version="1.0" encoding="utf-8"?>
+<file path=ppt/notesSlides/notesSlide26.xml><?xml version="1.0" encoding="utf-8"?>
 <p:notes xmlns:a="http://schemas.openxmlformats.org/drawingml/2006/main" xmlns:r="http://schemas.openxmlformats.org/officeDocument/2006/relationships" xmlns:p="http://schemas.openxmlformats.org/presentationml/2006/main">
   <p:cSld>
     <p:spTree>
@@ -18664,7 +18600,7 @@
           <a:p>
             <a:fld id="{CD07EBF8-396F-4315-AE4D-1B4415FB8D2D}" type="slidenum">
               <a:rPr lang="en-GB" smtClean="0"/>
-              <a:t>29</a:t>
+              <a:t>26</a:t>
             </a:fld>
             <a:endParaRPr lang="en-GB"/>
           </a:p>
@@ -18674,6 +18610,93 @@
     <p:extLst>
       <p:ext uri="{BB962C8B-B14F-4D97-AF65-F5344CB8AC3E}">
         <p14:creationId xmlns:p14="http://schemas.microsoft.com/office/powerpoint/2010/main" val="3305511814"/>
+      </p:ext>
+    </p:extLst>
+  </p:cSld>
+  <p:clrMapOvr>
+    <a:masterClrMapping/>
+  </p:clrMapOvr>
+</p:notes>
+</file>
+
+<file path=ppt/notesSlides/notesSlide27.xml><?xml version="1.0" encoding="utf-8"?>
+<p:notes xmlns:a="http://schemas.openxmlformats.org/drawingml/2006/main" xmlns:r="http://schemas.openxmlformats.org/officeDocument/2006/relationships" xmlns:p="http://schemas.openxmlformats.org/presentationml/2006/main">
+  <p:cSld>
+    <p:spTree>
+      <p:nvGrpSpPr>
+        <p:cNvPr id="1" name=""/>
+        <p:cNvGrpSpPr/>
+        <p:nvPr/>
+      </p:nvGrpSpPr>
+      <p:grpSpPr>
+        <a:xfrm>
+          <a:off x="0" y="0"/>
+          <a:ext cx="0" cy="0"/>
+          <a:chOff x="0" y="0"/>
+          <a:chExt cx="0" cy="0"/>
+        </a:xfrm>
+      </p:grpSpPr>
+      <p:sp>
+        <p:nvSpPr>
+          <p:cNvPr id="2" name="Slide Image Placeholder 1"/>
+          <p:cNvSpPr>
+            <a:spLocks noGrp="1" noRot="1" noChangeAspect="1"/>
+          </p:cNvSpPr>
+          <p:nvPr>
+            <p:ph type="sldImg"/>
+          </p:nvPr>
+        </p:nvSpPr>
+        <p:spPr/>
+      </p:sp>
+      <p:sp>
+        <p:nvSpPr>
+          <p:cNvPr id="3" name="Notes Placeholder 2"/>
+          <p:cNvSpPr>
+            <a:spLocks noGrp="1"/>
+          </p:cNvSpPr>
+          <p:nvPr>
+            <p:ph type="body" idx="1"/>
+          </p:nvPr>
+        </p:nvSpPr>
+        <p:spPr/>
+        <p:txBody>
+          <a:bodyPr/>
+          <a:lstStyle/>
+          <a:p>
+            <a:r>
+              <a:rPr lang="en-GB" dirty="0"/>
+              <a:t>So how do we do all this?</a:t>
+            </a:r>
+          </a:p>
+        </p:txBody>
+      </p:sp>
+      <p:sp>
+        <p:nvSpPr>
+          <p:cNvPr id="4" name="Slide Number Placeholder 3"/>
+          <p:cNvSpPr>
+            <a:spLocks noGrp="1"/>
+          </p:cNvSpPr>
+          <p:nvPr>
+            <p:ph type="sldNum" sz="quarter" idx="10"/>
+          </p:nvPr>
+        </p:nvSpPr>
+        <p:spPr/>
+        <p:txBody>
+          <a:bodyPr/>
+          <a:lstStyle/>
+          <a:p>
+            <a:fld id="{CD07EBF8-396F-4315-AE4D-1B4415FB8D2D}" type="slidenum">
+              <a:rPr lang="en-GB" smtClean="0"/>
+              <a:t>27</a:t>
+            </a:fld>
+            <a:endParaRPr lang="en-GB"/>
+          </a:p>
+        </p:txBody>
+      </p:sp>
+    </p:spTree>
+    <p:extLst>
+      <p:ext uri="{BB962C8B-B14F-4D97-AF65-F5344CB8AC3E}">
+        <p14:creationId xmlns:p14="http://schemas.microsoft.com/office/powerpoint/2010/main" val="1191449557"/>
       </p:ext>
     </p:extLst>
   </p:cSld>
@@ -18728,8 +18751,66 @@
           <a:lstStyle/>
           <a:p>
             <a:r>
-              <a:rPr lang="en-GB" dirty="0"/>
-              <a:t>So how do we do all this?</a:t>
+              <a:rPr lang="en-GB" sz="1200" b="1" i="0" kern="1200" dirty="0">
+                <a:solidFill>
+                  <a:schemeClr val="tx1"/>
+                </a:solidFill>
+                <a:effectLst/>
+                <a:latin typeface="+mn-lt"/>
+                <a:ea typeface="+mn-ea"/>
+                <a:cs typeface="+mn-cs"/>
+              </a:rPr>
+              <a:t>Continuous Integration</a:t>
+            </a:r>
+            <a:r>
+              <a:rPr lang="en-GB" sz="1200" b="0" i="0" kern="1200" dirty="0">
+                <a:solidFill>
+                  <a:schemeClr val="tx1"/>
+                </a:solidFill>
+                <a:effectLst/>
+                <a:latin typeface="+mn-lt"/>
+                <a:ea typeface="+mn-ea"/>
+                <a:cs typeface="+mn-cs"/>
+              </a:rPr>
+              <a:t> (CI) is a development practice that requires developers to </a:t>
+            </a:r>
+            <a:r>
+              <a:rPr lang="en-GB" sz="1200" b="1" i="0" kern="1200" dirty="0">
+                <a:solidFill>
+                  <a:schemeClr val="tx1"/>
+                </a:solidFill>
+                <a:effectLst/>
+                <a:latin typeface="+mn-lt"/>
+                <a:ea typeface="+mn-ea"/>
+                <a:cs typeface="+mn-cs"/>
+              </a:rPr>
+              <a:t>integrate</a:t>
+            </a:r>
+            <a:r>
+              <a:rPr lang="en-GB" sz="1200" b="0" i="0" kern="1200" dirty="0">
+                <a:solidFill>
+                  <a:schemeClr val="tx1"/>
+                </a:solidFill>
+                <a:effectLst/>
+                <a:latin typeface="+mn-lt"/>
+                <a:ea typeface="+mn-ea"/>
+                <a:cs typeface="+mn-cs"/>
+              </a:rPr>
+              <a:t> code into a shared repository (like git -&gt; the remote server, not the local one)</a:t>
+            </a:r>
+          </a:p>
+          <a:p>
+            <a:r>
+              <a:rPr lang="en-GB" sz="1200" b="0" i="0" kern="1200" dirty="0">
+                <a:solidFill>
+                  <a:schemeClr val="tx1"/>
+                </a:solidFill>
+                <a:effectLst/>
+                <a:latin typeface="+mn-lt"/>
+                <a:ea typeface="+mn-ea"/>
+                <a:cs typeface="+mn-cs"/>
+              </a:rPr>
+              <a:t>several times a day. </a:t>
             </a:r>
           </a:p>
         </p:txBody>
@@ -18751,7 +18832,7 @@
           <a:p>
             <a:fld id="{CD07EBF8-396F-4315-AE4D-1B4415FB8D2D}" type="slidenum">
               <a:rPr lang="en-GB" smtClean="0"/>
-              <a:t>30</a:t>
+              <a:t>28</a:t>
             </a:fld>
             <a:endParaRPr lang="en-GB"/>
           </a:p>
@@ -18760,7 +18841,7 @@
     </p:spTree>
     <p:extLst>
       <p:ext uri="{BB962C8B-B14F-4D97-AF65-F5344CB8AC3E}">
-        <p14:creationId xmlns:p14="http://schemas.microsoft.com/office/powerpoint/2010/main" val="1191449557"/>
+        <p14:creationId xmlns:p14="http://schemas.microsoft.com/office/powerpoint/2010/main" val="117246581"/>
       </p:ext>
     </p:extLst>
   </p:cSld>
@@ -18815,6 +18896,18 @@
           <a:lstStyle/>
           <a:p>
             <a:r>
+              <a:rPr lang="en-GB" sz="1200" b="0" i="0" kern="1200" dirty="0">
+                <a:solidFill>
+                  <a:schemeClr val="tx1"/>
+                </a:solidFill>
+                <a:effectLst/>
+                <a:latin typeface="+mn-lt"/>
+                <a:ea typeface="+mn-ea"/>
+                <a:cs typeface="+mn-cs"/>
+              </a:rPr>
+              <a:t>Each check-in or </a:t>
+            </a:r>
+            <a:r>
               <a:rPr lang="en-GB" sz="1200" b="1" i="0" kern="1200" dirty="0">
                 <a:solidFill>
                   <a:schemeClr val="tx1"/>
@@ -18824,7 +18917,7 @@
                 <a:ea typeface="+mn-ea"/>
                 <a:cs typeface="+mn-cs"/>
               </a:rPr>
-              <a:t>Continuous Integration</a:t>
+              <a:t>commit </a:t>
             </a:r>
             <a:r>
               <a:rPr lang="en-GB" sz="1200" b="0" i="0" kern="1200" dirty="0">
@@ -18836,20 +18929,21 @@
                 <a:ea typeface="+mn-ea"/>
                 <a:cs typeface="+mn-cs"/>
               </a:rPr>
-              <a:t> (CI) is a development practice that requires developers to </a:t>
+              <a:t>is then captured by a CI server connected to the source control</a:t>
             </a:r>
-            <a:r>
-              <a:rPr lang="en-GB" sz="1200" b="1" i="0" kern="1200" dirty="0">
-                <a:solidFill>
-                  <a:schemeClr val="tx1"/>
-                </a:solidFill>
-                <a:effectLst/>
-                <a:latin typeface="+mn-lt"/>
-                <a:ea typeface="+mn-ea"/>
-                <a:cs typeface="+mn-cs"/>
-              </a:rPr>
-              <a:t>integrate</a:t>
-            </a:r>
+          </a:p>
+          <a:p>
+            <a:endParaRPr lang="en-GB" sz="1200" b="0" i="0" kern="1200" dirty="0">
+              <a:solidFill>
+                <a:schemeClr val="tx1"/>
+              </a:solidFill>
+              <a:effectLst/>
+              <a:latin typeface="+mn-lt"/>
+              <a:ea typeface="+mn-ea"/>
+              <a:cs typeface="+mn-cs"/>
+            </a:endParaRPr>
+          </a:p>
+          <a:p>
             <a:r>
               <a:rPr lang="en-GB" sz="1200" b="0" i="0" kern="1200" dirty="0">
                 <a:solidFill>
@@ -18860,8 +18954,19 @@
                 <a:ea typeface="+mn-ea"/>
                 <a:cs typeface="+mn-cs"/>
               </a:rPr>
-              <a:t> code into a shared repository (like git -&gt; the remote server, not the local one)</a:t>
+              <a:t>In the case of ASOS, the CI server is Team City</a:t>
             </a:r>
+          </a:p>
+          <a:p>
+            <a:endParaRPr lang="en-GB" sz="1200" b="0" i="0" kern="1200" dirty="0">
+              <a:solidFill>
+                <a:schemeClr val="tx1"/>
+              </a:solidFill>
+              <a:effectLst/>
+              <a:latin typeface="+mn-lt"/>
+              <a:ea typeface="+mn-ea"/>
+              <a:cs typeface="+mn-cs"/>
+            </a:endParaRPr>
           </a:p>
           <a:p>
             <a:r>
@@ -18874,8 +18979,9 @@
                 <a:ea typeface="+mn-ea"/>
                 <a:cs typeface="+mn-cs"/>
               </a:rPr>
-              <a:t>several times a day. </a:t>
+              <a:t>The CI server fetches the contents of the commit</a:t>
             </a:r>
+            <a:endParaRPr lang="en-GB" dirty="0"/>
           </a:p>
         </p:txBody>
       </p:sp>
@@ -18896,7 +19002,7 @@
           <a:p>
             <a:fld id="{CD07EBF8-396F-4315-AE4D-1B4415FB8D2D}" type="slidenum">
               <a:rPr lang="en-GB" smtClean="0"/>
-              <a:t>31</a:t>
+              <a:t>29</a:t>
             </a:fld>
             <a:endParaRPr lang="en-GB"/>
           </a:p>
@@ -18905,7 +19011,7 @@
     </p:spTree>
     <p:extLst>
       <p:ext uri="{BB962C8B-B14F-4D97-AF65-F5344CB8AC3E}">
-        <p14:creationId xmlns:p14="http://schemas.microsoft.com/office/powerpoint/2010/main" val="117246581"/>
+        <p14:creationId xmlns:p14="http://schemas.microsoft.com/office/powerpoint/2010/main" val="3027935257"/>
       </p:ext>
     </p:extLst>
   </p:cSld>
@@ -19089,176 +19195,6 @@
 </file>
 
 <file path=ppt/notesSlides/notesSlide30.xml><?xml version="1.0" encoding="utf-8"?>
-<p:notes xmlns:a="http://schemas.openxmlformats.org/drawingml/2006/main" xmlns:r="http://schemas.openxmlformats.org/officeDocument/2006/relationships" xmlns:p="http://schemas.openxmlformats.org/presentationml/2006/main">
-  <p:cSld>
-    <p:spTree>
-      <p:nvGrpSpPr>
-        <p:cNvPr id="1" name=""/>
-        <p:cNvGrpSpPr/>
-        <p:nvPr/>
-      </p:nvGrpSpPr>
-      <p:grpSpPr>
-        <a:xfrm>
-          <a:off x="0" y="0"/>
-          <a:ext cx="0" cy="0"/>
-          <a:chOff x="0" y="0"/>
-          <a:chExt cx="0" cy="0"/>
-        </a:xfrm>
-      </p:grpSpPr>
-      <p:sp>
-        <p:nvSpPr>
-          <p:cNvPr id="2" name="Slide Image Placeholder 1"/>
-          <p:cNvSpPr>
-            <a:spLocks noGrp="1" noRot="1" noChangeAspect="1"/>
-          </p:cNvSpPr>
-          <p:nvPr>
-            <p:ph type="sldImg"/>
-          </p:nvPr>
-        </p:nvSpPr>
-        <p:spPr/>
-      </p:sp>
-      <p:sp>
-        <p:nvSpPr>
-          <p:cNvPr id="3" name="Notes Placeholder 2"/>
-          <p:cNvSpPr>
-            <a:spLocks noGrp="1"/>
-          </p:cNvSpPr>
-          <p:nvPr>
-            <p:ph type="body" idx="1"/>
-          </p:nvPr>
-        </p:nvSpPr>
-        <p:spPr/>
-        <p:txBody>
-          <a:bodyPr/>
-          <a:lstStyle/>
-          <a:p>
-            <a:r>
-              <a:rPr lang="en-GB" sz="1200" b="0" i="0" kern="1200" dirty="0">
-                <a:solidFill>
-                  <a:schemeClr val="tx1"/>
-                </a:solidFill>
-                <a:effectLst/>
-                <a:latin typeface="+mn-lt"/>
-                <a:ea typeface="+mn-ea"/>
-                <a:cs typeface="+mn-cs"/>
-              </a:rPr>
-              <a:t>Each check-in or </a:t>
-            </a:r>
-            <a:r>
-              <a:rPr lang="en-GB" sz="1200" b="1" i="0" kern="1200" dirty="0">
-                <a:solidFill>
-                  <a:schemeClr val="tx1"/>
-                </a:solidFill>
-                <a:effectLst/>
-                <a:latin typeface="+mn-lt"/>
-                <a:ea typeface="+mn-ea"/>
-                <a:cs typeface="+mn-cs"/>
-              </a:rPr>
-              <a:t>commit </a:t>
-            </a:r>
-            <a:r>
-              <a:rPr lang="en-GB" sz="1200" b="0" i="0" kern="1200" dirty="0">
-                <a:solidFill>
-                  <a:schemeClr val="tx1"/>
-                </a:solidFill>
-                <a:effectLst/>
-                <a:latin typeface="+mn-lt"/>
-                <a:ea typeface="+mn-ea"/>
-                <a:cs typeface="+mn-cs"/>
-              </a:rPr>
-              <a:t>is then captured by a CI server connected to the source control</a:t>
-            </a:r>
-          </a:p>
-          <a:p>
-            <a:endParaRPr lang="en-GB" sz="1200" b="0" i="0" kern="1200" dirty="0">
-              <a:solidFill>
-                <a:schemeClr val="tx1"/>
-              </a:solidFill>
-              <a:effectLst/>
-              <a:latin typeface="+mn-lt"/>
-              <a:ea typeface="+mn-ea"/>
-              <a:cs typeface="+mn-cs"/>
-            </a:endParaRPr>
-          </a:p>
-          <a:p>
-            <a:r>
-              <a:rPr lang="en-GB" sz="1200" b="0" i="0" kern="1200" dirty="0">
-                <a:solidFill>
-                  <a:schemeClr val="tx1"/>
-                </a:solidFill>
-                <a:effectLst/>
-                <a:latin typeface="+mn-lt"/>
-                <a:ea typeface="+mn-ea"/>
-                <a:cs typeface="+mn-cs"/>
-              </a:rPr>
-              <a:t>In the case of ASOS, the CI server is Team City</a:t>
-            </a:r>
-          </a:p>
-          <a:p>
-            <a:endParaRPr lang="en-GB" sz="1200" b="0" i="0" kern="1200" dirty="0">
-              <a:solidFill>
-                <a:schemeClr val="tx1"/>
-              </a:solidFill>
-              <a:effectLst/>
-              <a:latin typeface="+mn-lt"/>
-              <a:ea typeface="+mn-ea"/>
-              <a:cs typeface="+mn-cs"/>
-            </a:endParaRPr>
-          </a:p>
-          <a:p>
-            <a:r>
-              <a:rPr lang="en-GB" sz="1200" b="0" i="0" kern="1200" dirty="0">
-                <a:solidFill>
-                  <a:schemeClr val="tx1"/>
-                </a:solidFill>
-                <a:effectLst/>
-                <a:latin typeface="+mn-lt"/>
-                <a:ea typeface="+mn-ea"/>
-                <a:cs typeface="+mn-cs"/>
-              </a:rPr>
-              <a:t>The CI server fetches the contents of the commit</a:t>
-            </a:r>
-            <a:endParaRPr lang="en-GB" dirty="0"/>
-          </a:p>
-        </p:txBody>
-      </p:sp>
-      <p:sp>
-        <p:nvSpPr>
-          <p:cNvPr id="4" name="Slide Number Placeholder 3"/>
-          <p:cNvSpPr>
-            <a:spLocks noGrp="1"/>
-          </p:cNvSpPr>
-          <p:nvPr>
-            <p:ph type="sldNum" sz="quarter" idx="10"/>
-          </p:nvPr>
-        </p:nvSpPr>
-        <p:spPr/>
-        <p:txBody>
-          <a:bodyPr/>
-          <a:lstStyle/>
-          <a:p>
-            <a:fld id="{CD07EBF8-396F-4315-AE4D-1B4415FB8D2D}" type="slidenum">
-              <a:rPr lang="en-GB" smtClean="0"/>
-              <a:t>32</a:t>
-            </a:fld>
-            <a:endParaRPr lang="en-GB"/>
-          </a:p>
-        </p:txBody>
-      </p:sp>
-    </p:spTree>
-    <p:extLst>
-      <p:ext uri="{BB962C8B-B14F-4D97-AF65-F5344CB8AC3E}">
-        <p14:creationId xmlns:p14="http://schemas.microsoft.com/office/powerpoint/2010/main" val="3027935257"/>
-      </p:ext>
-    </p:extLst>
-  </p:cSld>
-  <p:clrMapOvr>
-    <a:masterClrMapping/>
-  </p:clrMapOvr>
-</p:notes>
-</file>
-
-<file path=ppt/notesSlides/notesSlide31.xml><?xml version="1.0" encoding="utf-8"?>
 <p:notes xmlns:a="http://schemas.openxmlformats.org/drawingml/2006/main" xmlns:r="http://schemas.openxmlformats.org/officeDocument/2006/relationships" xmlns:p="http://schemas.openxmlformats.org/presentationml/2006/main">
   <p:cSld>
     <p:spTree>
@@ -19745,7 +19681,7 @@
           <a:p>
             <a:fld id="{CD07EBF8-396F-4315-AE4D-1B4415FB8D2D}" type="slidenum">
               <a:rPr lang="en-GB" smtClean="0"/>
-              <a:t>33</a:t>
+              <a:t>30</a:t>
             </a:fld>
             <a:endParaRPr lang="en-GB"/>
           </a:p>
@@ -19755,6 +19691,142 @@
     <p:extLst>
       <p:ext uri="{BB962C8B-B14F-4D97-AF65-F5344CB8AC3E}">
         <p14:creationId xmlns:p14="http://schemas.microsoft.com/office/powerpoint/2010/main" val="3479167027"/>
+      </p:ext>
+    </p:extLst>
+  </p:cSld>
+  <p:clrMapOvr>
+    <a:masterClrMapping/>
+  </p:clrMapOvr>
+</p:notes>
+</file>
+
+<file path=ppt/notesSlides/notesSlide31.xml><?xml version="1.0" encoding="utf-8"?>
+<p:notes xmlns:a="http://schemas.openxmlformats.org/drawingml/2006/main" xmlns:r="http://schemas.openxmlformats.org/officeDocument/2006/relationships" xmlns:p="http://schemas.openxmlformats.org/presentationml/2006/main">
+  <p:cSld>
+    <p:spTree>
+      <p:nvGrpSpPr>
+        <p:cNvPr id="1" name=""/>
+        <p:cNvGrpSpPr/>
+        <p:nvPr/>
+      </p:nvGrpSpPr>
+      <p:grpSpPr>
+        <a:xfrm>
+          <a:off x="0" y="0"/>
+          <a:ext cx="0" cy="0"/>
+          <a:chOff x="0" y="0"/>
+          <a:chExt cx="0" cy="0"/>
+        </a:xfrm>
+      </p:grpSpPr>
+      <p:sp>
+        <p:nvSpPr>
+          <p:cNvPr id="2" name="Slide Image Placeholder 1"/>
+          <p:cNvSpPr>
+            <a:spLocks noGrp="1" noRot="1" noChangeAspect="1"/>
+          </p:cNvSpPr>
+          <p:nvPr>
+            <p:ph type="sldImg"/>
+          </p:nvPr>
+        </p:nvSpPr>
+        <p:spPr/>
+      </p:sp>
+      <p:sp>
+        <p:nvSpPr>
+          <p:cNvPr id="3" name="Notes Placeholder 2"/>
+          <p:cNvSpPr>
+            <a:spLocks noGrp="1"/>
+          </p:cNvSpPr>
+          <p:nvPr>
+            <p:ph type="body" idx="1"/>
+          </p:nvPr>
+        </p:nvSpPr>
+        <p:spPr/>
+        <p:txBody>
+          <a:bodyPr/>
+          <a:lstStyle/>
+          <a:p>
+            <a:r>
+              <a:rPr lang="en-GB" dirty="0"/>
+              <a:t>Let’s imagine that the Unit Tests pass, but the Integration Tests fail, because there’s something wrong with the way we communicate with the DB in the code</a:t>
+            </a:r>
+          </a:p>
+          <a:p>
+            <a:endParaRPr lang="en-GB" dirty="0"/>
+          </a:p>
+          <a:p>
+            <a:r>
+              <a:rPr lang="en-GB" dirty="0"/>
+              <a:t>The Acceptance Tests won’t even execute, there’s no point in doing it</a:t>
+            </a:r>
+          </a:p>
+          <a:p>
+            <a:endParaRPr lang="en-GB" dirty="0"/>
+          </a:p>
+          <a:p>
+            <a:r>
+              <a:rPr lang="en-GB" dirty="0"/>
+              <a:t>At this point all the team is notified that the build is </a:t>
+            </a:r>
+            <a:r>
+              <a:rPr lang="en-GB" b="1" dirty="0"/>
+              <a:t>“broken”</a:t>
+            </a:r>
+            <a:r>
+              <a:rPr lang="en-GB" b="0" dirty="0"/>
+              <a:t>, and what they need to do </a:t>
+            </a:r>
+            <a:r>
+              <a:rPr lang="en-GB" b="1" dirty="0"/>
+              <a:t>asap</a:t>
+            </a:r>
+            <a:r>
+              <a:rPr lang="en-GB" b="0" dirty="0"/>
+              <a:t> is </a:t>
+            </a:r>
+            <a:r>
+              <a:rPr lang="en-GB" b="1" dirty="0"/>
+              <a:t>fix it</a:t>
+            </a:r>
+            <a:r>
+              <a:rPr lang="en-GB" b="0" dirty="0"/>
+              <a:t>. </a:t>
+            </a:r>
+          </a:p>
+          <a:p>
+            <a:r>
+              <a:rPr lang="en-GB" b="0" dirty="0"/>
+              <a:t>IMPORTANT: You don’t commit anything on a broken build (it only makes the problem harder to fix)</a:t>
+            </a:r>
+            <a:endParaRPr lang="en-GB" b="1" dirty="0"/>
+          </a:p>
+        </p:txBody>
+      </p:sp>
+      <p:sp>
+        <p:nvSpPr>
+          <p:cNvPr id="4" name="Slide Number Placeholder 3"/>
+          <p:cNvSpPr>
+            <a:spLocks noGrp="1"/>
+          </p:cNvSpPr>
+          <p:nvPr>
+            <p:ph type="sldNum" sz="quarter" idx="10"/>
+          </p:nvPr>
+        </p:nvSpPr>
+        <p:spPr/>
+        <p:txBody>
+          <a:bodyPr/>
+          <a:lstStyle/>
+          <a:p>
+            <a:fld id="{CD07EBF8-396F-4315-AE4D-1B4415FB8D2D}" type="slidenum">
+              <a:rPr lang="en-GB" smtClean="0"/>
+              <a:t>31</a:t>
+            </a:fld>
+            <a:endParaRPr lang="en-GB"/>
+          </a:p>
+        </p:txBody>
+      </p:sp>
+    </p:spTree>
+    <p:extLst>
+      <p:ext uri="{BB962C8B-B14F-4D97-AF65-F5344CB8AC3E}">
+        <p14:creationId xmlns:p14="http://schemas.microsoft.com/office/powerpoint/2010/main" val="2968933578"/>
       </p:ext>
     </p:extLst>
   </p:cSld>
@@ -19808,59 +19880,120 @@
           <a:bodyPr/>
           <a:lstStyle/>
           <a:p>
+            <a:pPr marL="228600" indent="-228600">
+              <a:buFont typeface="+mj-lt"/>
+              <a:buAutoNum type="arabicPeriod"/>
+            </a:pPr>
             <a:r>
-              <a:rPr lang="en-GB" dirty="0"/>
-              <a:t>Let’s imagine that the Unit Tests pass, but the Integration Tests fail, because there’s something wrong with the way we communicate with the DB in the code</a:t>
+              <a:rPr lang="en-GB" sz="1200" b="0" i="0" kern="1200" dirty="0">
+                <a:solidFill>
+                  <a:schemeClr val="tx1"/>
+                </a:solidFill>
+                <a:effectLst/>
+                <a:latin typeface="+mn-lt"/>
+                <a:ea typeface="+mn-ea"/>
+                <a:cs typeface="+mn-cs"/>
+              </a:rPr>
+              <a:t>We fix the problem in the code</a:t>
             </a:r>
           </a:p>
           <a:p>
+            <a:pPr marL="228600" indent="-228600">
+              <a:buFont typeface="+mj-lt"/>
+              <a:buAutoNum type="arabicPeriod"/>
+            </a:pPr>
+            <a:r>
+              <a:rPr lang="en-GB" sz="1200" b="0" i="0" kern="1200" dirty="0">
+                <a:solidFill>
+                  <a:schemeClr val="tx1"/>
+                </a:solidFill>
+                <a:effectLst/>
+                <a:latin typeface="+mn-lt"/>
+                <a:ea typeface="+mn-ea"/>
+                <a:cs typeface="+mn-cs"/>
+              </a:rPr>
+              <a:t>Make the tests pass locally and commit them</a:t>
+            </a:r>
+          </a:p>
+          <a:p>
+            <a:pPr marL="228600" indent="-228600">
+              <a:buFont typeface="+mj-lt"/>
+              <a:buAutoNum type="arabicPeriod"/>
+            </a:pPr>
+            <a:r>
+              <a:rPr lang="en-GB" sz="1200" b="0" i="0" kern="1200" dirty="0">
+                <a:solidFill>
+                  <a:schemeClr val="tx1"/>
+                </a:solidFill>
+                <a:effectLst/>
+                <a:latin typeface="+mn-lt"/>
+                <a:ea typeface="+mn-ea"/>
+                <a:cs typeface="+mn-cs"/>
+              </a:rPr>
+              <a:t>Push the code the git remote</a:t>
+            </a:r>
+          </a:p>
+          <a:p>
+            <a:pPr marL="228600" indent="-228600">
+              <a:buFont typeface="+mj-lt"/>
+              <a:buAutoNum type="arabicPeriod"/>
+            </a:pPr>
+            <a:r>
+              <a:rPr lang="en-GB" sz="1200" b="0" i="0" kern="1200" dirty="0">
+                <a:solidFill>
+                  <a:schemeClr val="tx1"/>
+                </a:solidFill>
+                <a:effectLst/>
+                <a:latin typeface="+mn-lt"/>
+                <a:ea typeface="+mn-ea"/>
+                <a:cs typeface="+mn-cs"/>
+              </a:rPr>
+              <a:t>A new version is created: #1.0.2</a:t>
+            </a:r>
+          </a:p>
+          <a:p>
+            <a:pPr marL="228600" indent="-228600">
+              <a:buFont typeface="+mj-lt"/>
+              <a:buAutoNum type="arabicPeriod"/>
+            </a:pPr>
+            <a:r>
+              <a:rPr lang="en-GB" sz="1200" b="0" i="0" kern="1200" dirty="0">
+                <a:solidFill>
+                  <a:schemeClr val="tx1"/>
+                </a:solidFill>
+                <a:effectLst/>
+                <a:latin typeface="+mn-lt"/>
+                <a:ea typeface="+mn-ea"/>
+                <a:cs typeface="+mn-cs"/>
+              </a:rPr>
+              <a:t>The tests pass on the build now, and the CI server confirm everybody that there’s a new version ready to deploy</a:t>
+            </a:r>
+          </a:p>
+          <a:p>
+            <a:endParaRPr lang="en-GB" sz="1200" b="0" i="0" kern="1200" dirty="0">
+              <a:solidFill>
+                <a:schemeClr val="tx1"/>
+              </a:solidFill>
+              <a:effectLst/>
+              <a:latin typeface="+mn-lt"/>
+              <a:ea typeface="+mn-ea"/>
+              <a:cs typeface="+mn-cs"/>
+            </a:endParaRPr>
+          </a:p>
+          <a:p>
+            <a:r>
+              <a:rPr lang="en-GB" sz="1200" b="0" i="0" kern="1200" dirty="0">
+                <a:solidFill>
+                  <a:schemeClr val="tx1"/>
+                </a:solidFill>
+                <a:effectLst/>
+                <a:latin typeface="+mn-lt"/>
+                <a:ea typeface="+mn-ea"/>
+                <a:cs typeface="+mn-cs"/>
+              </a:rPr>
+              <a:t>And that’s is essentially what we mean by “continuous integration”</a:t>
+            </a:r>
             <a:endParaRPr lang="en-GB" dirty="0"/>
-          </a:p>
-          <a:p>
-            <a:r>
-              <a:rPr lang="en-GB" dirty="0"/>
-              <a:t>The Acceptance Tests won’t even execute, there’s no point in doing it</a:t>
-            </a:r>
-          </a:p>
-          <a:p>
-            <a:endParaRPr lang="en-GB" dirty="0"/>
-          </a:p>
-          <a:p>
-            <a:r>
-              <a:rPr lang="en-GB" dirty="0"/>
-              <a:t>At this point all the team is notified that the build is </a:t>
-            </a:r>
-            <a:r>
-              <a:rPr lang="en-GB" b="1" dirty="0"/>
-              <a:t>“broken”</a:t>
-            </a:r>
-            <a:r>
-              <a:rPr lang="en-GB" b="0" dirty="0"/>
-              <a:t>, and what they need to do </a:t>
-            </a:r>
-            <a:r>
-              <a:rPr lang="en-GB" b="1" dirty="0"/>
-              <a:t>asap</a:t>
-            </a:r>
-            <a:r>
-              <a:rPr lang="en-GB" b="0" dirty="0"/>
-              <a:t> is </a:t>
-            </a:r>
-            <a:r>
-              <a:rPr lang="en-GB" b="1" dirty="0"/>
-              <a:t>fix it</a:t>
-            </a:r>
-            <a:r>
-              <a:rPr lang="en-GB" b="0" dirty="0"/>
-              <a:t>. </a:t>
-            </a:r>
-          </a:p>
-          <a:p>
-            <a:r>
-              <a:rPr lang="en-GB" b="0" dirty="0"/>
-              <a:t>IMPORTANT: You don’t commit anything on a broken build (it only makes the problem harder to fix)</a:t>
-            </a:r>
-            <a:endParaRPr lang="en-GB" b="1" dirty="0"/>
           </a:p>
         </p:txBody>
       </p:sp>
@@ -19881,204 +20014,7 @@
           <a:p>
             <a:fld id="{CD07EBF8-396F-4315-AE4D-1B4415FB8D2D}" type="slidenum">
               <a:rPr lang="en-GB" smtClean="0"/>
-              <a:t>34</a:t>
-            </a:fld>
-            <a:endParaRPr lang="en-GB"/>
-          </a:p>
-        </p:txBody>
-      </p:sp>
-    </p:spTree>
-    <p:extLst>
-      <p:ext uri="{BB962C8B-B14F-4D97-AF65-F5344CB8AC3E}">
-        <p14:creationId xmlns:p14="http://schemas.microsoft.com/office/powerpoint/2010/main" val="2968933578"/>
-      </p:ext>
-    </p:extLst>
-  </p:cSld>
-  <p:clrMapOvr>
-    <a:masterClrMapping/>
-  </p:clrMapOvr>
-</p:notes>
-</file>
-
-<file path=ppt/notesSlides/notesSlide33.xml><?xml version="1.0" encoding="utf-8"?>
-<p:notes xmlns:a="http://schemas.openxmlformats.org/drawingml/2006/main" xmlns:r="http://schemas.openxmlformats.org/officeDocument/2006/relationships" xmlns:p="http://schemas.openxmlformats.org/presentationml/2006/main">
-  <p:cSld>
-    <p:spTree>
-      <p:nvGrpSpPr>
-        <p:cNvPr id="1" name=""/>
-        <p:cNvGrpSpPr/>
-        <p:nvPr/>
-      </p:nvGrpSpPr>
-      <p:grpSpPr>
-        <a:xfrm>
-          <a:off x="0" y="0"/>
-          <a:ext cx="0" cy="0"/>
-          <a:chOff x="0" y="0"/>
-          <a:chExt cx="0" cy="0"/>
-        </a:xfrm>
-      </p:grpSpPr>
-      <p:sp>
-        <p:nvSpPr>
-          <p:cNvPr id="2" name="Slide Image Placeholder 1"/>
-          <p:cNvSpPr>
-            <a:spLocks noGrp="1" noRot="1" noChangeAspect="1"/>
-          </p:cNvSpPr>
-          <p:nvPr>
-            <p:ph type="sldImg"/>
-          </p:nvPr>
-        </p:nvSpPr>
-        <p:spPr/>
-      </p:sp>
-      <p:sp>
-        <p:nvSpPr>
-          <p:cNvPr id="3" name="Notes Placeholder 2"/>
-          <p:cNvSpPr>
-            <a:spLocks noGrp="1"/>
-          </p:cNvSpPr>
-          <p:nvPr>
-            <p:ph type="body" idx="1"/>
-          </p:nvPr>
-        </p:nvSpPr>
-        <p:spPr/>
-        <p:txBody>
-          <a:bodyPr/>
-          <a:lstStyle/>
-          <a:p>
-            <a:pPr marL="228600" indent="-228600">
-              <a:buFont typeface="+mj-lt"/>
-              <a:buAutoNum type="arabicPeriod"/>
-            </a:pPr>
-            <a:r>
-              <a:rPr lang="en-GB" sz="1200" b="0" i="0" kern="1200" dirty="0">
-                <a:solidFill>
-                  <a:schemeClr val="tx1"/>
-                </a:solidFill>
-                <a:effectLst/>
-                <a:latin typeface="+mn-lt"/>
-                <a:ea typeface="+mn-ea"/>
-                <a:cs typeface="+mn-cs"/>
-              </a:rPr>
-              <a:t>We fix the problem in the code</a:t>
-            </a:r>
-          </a:p>
-          <a:p>
-            <a:pPr marL="228600" indent="-228600">
-              <a:buFont typeface="+mj-lt"/>
-              <a:buAutoNum type="arabicPeriod"/>
-            </a:pPr>
-            <a:r>
-              <a:rPr lang="en-GB" sz="1200" b="0" i="0" kern="1200" dirty="0">
-                <a:solidFill>
-                  <a:schemeClr val="tx1"/>
-                </a:solidFill>
-                <a:effectLst/>
-                <a:latin typeface="+mn-lt"/>
-                <a:ea typeface="+mn-ea"/>
-                <a:cs typeface="+mn-cs"/>
-              </a:rPr>
-              <a:t>Make the tests pass locally and commit them</a:t>
-            </a:r>
-          </a:p>
-          <a:p>
-            <a:pPr marL="228600" indent="-228600">
-              <a:buFont typeface="+mj-lt"/>
-              <a:buAutoNum type="arabicPeriod"/>
-            </a:pPr>
-            <a:r>
-              <a:rPr lang="en-GB" sz="1200" b="0" i="0" kern="1200" dirty="0">
-                <a:solidFill>
-                  <a:schemeClr val="tx1"/>
-                </a:solidFill>
-                <a:effectLst/>
-                <a:latin typeface="+mn-lt"/>
-                <a:ea typeface="+mn-ea"/>
-                <a:cs typeface="+mn-cs"/>
-              </a:rPr>
-              <a:t>Push the code the git remote</a:t>
-            </a:r>
-          </a:p>
-          <a:p>
-            <a:pPr marL="228600" indent="-228600">
-              <a:buFont typeface="+mj-lt"/>
-              <a:buAutoNum type="arabicPeriod"/>
-            </a:pPr>
-            <a:r>
-              <a:rPr lang="en-GB" sz="1200" b="0" i="0" kern="1200" dirty="0">
-                <a:solidFill>
-                  <a:schemeClr val="tx1"/>
-                </a:solidFill>
-                <a:effectLst/>
-                <a:latin typeface="+mn-lt"/>
-                <a:ea typeface="+mn-ea"/>
-                <a:cs typeface="+mn-cs"/>
-              </a:rPr>
-              <a:t>A new version is created: #1.0.2</a:t>
-            </a:r>
-          </a:p>
-          <a:p>
-            <a:pPr marL="228600" indent="-228600">
-              <a:buFont typeface="+mj-lt"/>
-              <a:buAutoNum type="arabicPeriod"/>
-            </a:pPr>
-            <a:r>
-              <a:rPr lang="en-GB" sz="1200" b="0" i="0" kern="1200" dirty="0">
-                <a:solidFill>
-                  <a:schemeClr val="tx1"/>
-                </a:solidFill>
-                <a:effectLst/>
-                <a:latin typeface="+mn-lt"/>
-                <a:ea typeface="+mn-ea"/>
-                <a:cs typeface="+mn-cs"/>
-              </a:rPr>
-              <a:t>The tests pass on the build now, and the CI server confirm everybody that there’s a new version ready to deploy</a:t>
-            </a:r>
-          </a:p>
-          <a:p>
-            <a:endParaRPr lang="en-GB" sz="1200" b="0" i="0" kern="1200" dirty="0">
-              <a:solidFill>
-                <a:schemeClr val="tx1"/>
-              </a:solidFill>
-              <a:effectLst/>
-              <a:latin typeface="+mn-lt"/>
-              <a:ea typeface="+mn-ea"/>
-              <a:cs typeface="+mn-cs"/>
-            </a:endParaRPr>
-          </a:p>
-          <a:p>
-            <a:r>
-              <a:rPr lang="en-GB" sz="1200" b="0" i="0" kern="1200" dirty="0">
-                <a:solidFill>
-                  <a:schemeClr val="tx1"/>
-                </a:solidFill>
-                <a:effectLst/>
-                <a:latin typeface="+mn-lt"/>
-                <a:ea typeface="+mn-ea"/>
-                <a:cs typeface="+mn-cs"/>
-              </a:rPr>
-              <a:t>And that’s is essentially what we mean by “continuous integration”</a:t>
-            </a:r>
-            <a:endParaRPr lang="en-GB" dirty="0"/>
-          </a:p>
-        </p:txBody>
-      </p:sp>
-      <p:sp>
-        <p:nvSpPr>
-          <p:cNvPr id="4" name="Slide Number Placeholder 3"/>
-          <p:cNvSpPr>
-            <a:spLocks noGrp="1"/>
-          </p:cNvSpPr>
-          <p:nvPr>
-            <p:ph type="sldNum" sz="quarter" idx="10"/>
-          </p:nvPr>
-        </p:nvSpPr>
-        <p:spPr/>
-        <p:txBody>
-          <a:bodyPr/>
-          <a:lstStyle/>
-          <a:p>
-            <a:fld id="{CD07EBF8-396F-4315-AE4D-1B4415FB8D2D}" type="slidenum">
-              <a:rPr lang="en-GB" smtClean="0"/>
-              <a:t>35</a:t>
+              <a:t>32</a:t>
             </a:fld>
             <a:endParaRPr lang="en-GB"/>
           </a:p>
@@ -20097,7 +20033,7 @@
 </p:notes>
 </file>
 
-<file path=ppt/notesSlides/notesSlide34.xml><?xml version="1.0" encoding="utf-8"?>
+<file path=ppt/notesSlides/notesSlide33.xml><?xml version="1.0" encoding="utf-8"?>
 <p:notes xmlns:a="http://schemas.openxmlformats.org/drawingml/2006/main" xmlns:r="http://schemas.openxmlformats.org/officeDocument/2006/relationships" xmlns:p="http://schemas.openxmlformats.org/presentationml/2006/main">
   <p:cSld>
     <p:spTree>
@@ -20480,7 +20416,7 @@
           <a:p>
             <a:fld id="{CD07EBF8-396F-4315-AE4D-1B4415FB8D2D}" type="slidenum">
               <a:rPr lang="en-GB" smtClean="0"/>
-              <a:t>36</a:t>
+              <a:t>33</a:t>
             </a:fld>
             <a:endParaRPr lang="en-GB"/>
           </a:p>
@@ -20499,7 +20435,7 @@
 </p:notes>
 </file>
 
-<file path=ppt/notesSlides/notesSlide35.xml><?xml version="1.0" encoding="utf-8"?>
+<file path=ppt/notesSlides/notesSlide34.xml><?xml version="1.0" encoding="utf-8"?>
 <p:notes xmlns:a="http://schemas.openxmlformats.org/drawingml/2006/main" xmlns:r="http://schemas.openxmlformats.org/officeDocument/2006/relationships" xmlns:p="http://schemas.openxmlformats.org/presentationml/2006/main">
   <p:cSld>
     <p:spTree>
@@ -20564,7 +20500,7 @@
           <a:p>
             <a:fld id="{CD07EBF8-396F-4315-AE4D-1B4415FB8D2D}" type="slidenum">
               <a:rPr lang="en-GB" smtClean="0"/>
-              <a:t>37</a:t>
+              <a:t>34</a:t>
             </a:fld>
             <a:endParaRPr lang="en-GB"/>
           </a:p>
@@ -32717,10 +32653,10 @@
       </p:sp>
       <p:grpSp>
         <p:nvGrpSpPr>
-          <p:cNvPr id="24" name="Group 23">
+          <p:cNvPr id="32" name="Group 31">
             <a:extLst>
               <a:ext uri="{FF2B5EF4-FFF2-40B4-BE49-F238E27FC236}">
-                <a16:creationId xmlns:a16="http://schemas.microsoft.com/office/drawing/2014/main" id="{2E4C8247-F828-420B-B0DB-421468779E17}"/>
+                <a16:creationId xmlns:a16="http://schemas.microsoft.com/office/drawing/2014/main" id="{9CEACDE7-C68C-4D0C-AA17-A0F3DA19C706}"/>
               </a:ext>
             </a:extLst>
           </p:cNvPr>
@@ -32729,10 +32665,10 @@
         </p:nvGrpSpPr>
         <p:grpSpPr>
           <a:xfrm>
-            <a:off x="4049465" y="168185"/>
-            <a:ext cx="7144051" cy="6123864"/>
-            <a:chOff x="4049465" y="168185"/>
-            <a:chExt cx="7144051" cy="6123864"/>
+            <a:off x="4049465" y="329832"/>
+            <a:ext cx="7144051" cy="5962217"/>
+            <a:chOff x="4049465" y="329832"/>
+            <a:chExt cx="7144051" cy="5962217"/>
           </a:xfrm>
         </p:grpSpPr>
         <p:pic>
@@ -35495,701 +35431,701 @@
             </a:p>
           </p:txBody>
         </p:sp>
-        <p:grpSp>
-          <p:nvGrpSpPr>
-            <p:cNvPr id="15" name="Group 14">
+      </p:grpSp>
+      <p:grpSp>
+        <p:nvGrpSpPr>
+          <p:cNvPr id="15" name="Group 14">
+            <a:extLst>
+              <a:ext uri="{FF2B5EF4-FFF2-40B4-BE49-F238E27FC236}">
+                <a16:creationId xmlns:a16="http://schemas.microsoft.com/office/drawing/2014/main" id="{6B59B301-BBD8-44F0-83F7-BAA610C5A26A}"/>
+              </a:ext>
+            </a:extLst>
+          </p:cNvPr>
+          <p:cNvGrpSpPr/>
+          <p:nvPr/>
+        </p:nvGrpSpPr>
+        <p:grpSpPr>
+          <a:xfrm>
+            <a:off x="7544393" y="758952"/>
+            <a:ext cx="527498" cy="438689"/>
+            <a:chOff x="7039546" y="721644"/>
+            <a:chExt cx="790975" cy="612000"/>
+          </a:xfrm>
+        </p:grpSpPr>
+        <p:sp>
+          <p:nvSpPr>
+            <p:cNvPr id="6" name="Rectangle 5">
               <a:extLst>
                 <a:ext uri="{FF2B5EF4-FFF2-40B4-BE49-F238E27FC236}">
-                  <a16:creationId xmlns:a16="http://schemas.microsoft.com/office/drawing/2014/main" id="{6B59B301-BBD8-44F0-83F7-BAA610C5A26A}"/>
+                  <a16:creationId xmlns:a16="http://schemas.microsoft.com/office/drawing/2014/main" id="{927E2640-189B-4CB1-97C3-68368209A45E}"/>
                 </a:ext>
               </a:extLst>
             </p:cNvPr>
-            <p:cNvGrpSpPr/>
+            <p:cNvSpPr/>
             <p:nvPr/>
-          </p:nvGrpSpPr>
-          <p:grpSpPr>
+          </p:nvSpPr>
+          <p:spPr>
             <a:xfrm>
-              <a:off x="7544393" y="758952"/>
-              <a:ext cx="527498" cy="438689"/>
-              <a:chOff x="7039546" y="721644"/>
-              <a:chExt cx="790975" cy="612000"/>
-            </a:xfrm>
-          </p:grpSpPr>
-          <p:sp>
-            <p:nvSpPr>
-              <p:cNvPr id="6" name="Rectangle 5">
-                <a:extLst>
-                  <a:ext uri="{FF2B5EF4-FFF2-40B4-BE49-F238E27FC236}">
-                    <a16:creationId xmlns:a16="http://schemas.microsoft.com/office/drawing/2014/main" id="{927E2640-189B-4CB1-97C3-68368209A45E}"/>
-                  </a:ext>
-                </a:extLst>
-              </p:cNvPr>
-              <p:cNvSpPr/>
-              <p:nvPr/>
-            </p:nvSpPr>
-            <p:spPr>
-              <a:xfrm>
-                <a:off x="7039546" y="869156"/>
-                <a:ext cx="82433" cy="316800"/>
-              </a:xfrm>
-              <a:prstGeom prst="rect">
-                <a:avLst/>
-              </a:prstGeom>
-              <a:ln>
-                <a:noFill/>
-              </a:ln>
-            </p:spPr>
-            <p:style>
-              <a:lnRef idx="2">
-                <a:schemeClr val="accent1">
-                  <a:shade val="50000"/>
-                </a:schemeClr>
-              </a:lnRef>
-              <a:fillRef idx="1">
-                <a:schemeClr val="accent1"/>
-              </a:fillRef>
-              <a:effectRef idx="0">
-                <a:schemeClr val="accent1"/>
-              </a:effectRef>
-              <a:fontRef idx="minor">
-                <a:schemeClr val="lt1"/>
-              </a:fontRef>
-            </p:style>
-            <p:txBody>
-              <a:bodyPr rtlCol="0" anchor="ctr"/>
-              <a:lstStyle/>
-              <a:p>
-                <a:pPr algn="ctr"/>
-                <a:endParaRPr lang="en-GB"/>
-              </a:p>
-            </p:txBody>
-          </p:sp>
-          <p:sp>
-            <p:nvSpPr>
-              <p:cNvPr id="72" name="Rectangle 71">
-                <a:extLst>
-                  <a:ext uri="{FF2B5EF4-FFF2-40B4-BE49-F238E27FC236}">
-                    <a16:creationId xmlns:a16="http://schemas.microsoft.com/office/drawing/2014/main" id="{3ECC6A51-C51C-494D-A809-78CE9ADE5D3F}"/>
-                  </a:ext>
-                </a:extLst>
-              </p:cNvPr>
-              <p:cNvSpPr/>
-              <p:nvPr/>
-            </p:nvSpPr>
-            <p:spPr>
-              <a:xfrm>
-                <a:off x="7123033" y="869156"/>
-                <a:ext cx="82433" cy="316800"/>
-              </a:xfrm>
-              <a:prstGeom prst="rect">
-                <a:avLst/>
-              </a:prstGeom>
-              <a:ln>
-                <a:noFill/>
-              </a:ln>
-            </p:spPr>
-            <p:style>
-              <a:lnRef idx="2">
-                <a:schemeClr val="accent2">
-                  <a:shade val="50000"/>
-                </a:schemeClr>
-              </a:lnRef>
-              <a:fillRef idx="1">
-                <a:schemeClr val="accent2"/>
-              </a:fillRef>
-              <a:effectRef idx="0">
-                <a:schemeClr val="accent2"/>
-              </a:effectRef>
-              <a:fontRef idx="minor">
-                <a:schemeClr val="lt1"/>
-              </a:fontRef>
-            </p:style>
-            <p:txBody>
-              <a:bodyPr rtlCol="0" anchor="ctr"/>
-              <a:lstStyle/>
-              <a:p>
-                <a:pPr algn="ctr"/>
-                <a:endParaRPr lang="en-GB"/>
-              </a:p>
-            </p:txBody>
-          </p:sp>
-          <p:sp>
-            <p:nvSpPr>
-              <p:cNvPr id="73" name="Rectangle 72">
-                <a:extLst>
-                  <a:ext uri="{FF2B5EF4-FFF2-40B4-BE49-F238E27FC236}">
-                    <a16:creationId xmlns:a16="http://schemas.microsoft.com/office/drawing/2014/main" id="{A6F54378-86E9-461F-910B-0AD4CD3D1E67}"/>
-                  </a:ext>
-                </a:extLst>
-              </p:cNvPr>
-              <p:cNvSpPr/>
-              <p:nvPr/>
-            </p:nvSpPr>
-            <p:spPr>
-              <a:xfrm>
-                <a:off x="7169945" y="869156"/>
-                <a:ext cx="117644" cy="316800"/>
-              </a:xfrm>
-              <a:prstGeom prst="rect">
-                <a:avLst/>
-              </a:prstGeom>
-              <a:solidFill>
-                <a:schemeClr val="accent6"/>
-              </a:solidFill>
-              <a:ln>
-                <a:noFill/>
-              </a:ln>
-            </p:spPr>
-            <p:style>
-              <a:lnRef idx="2">
-                <a:schemeClr val="accent2">
-                  <a:shade val="50000"/>
-                </a:schemeClr>
-              </a:lnRef>
-              <a:fillRef idx="1">
-                <a:schemeClr val="accent2"/>
-              </a:fillRef>
-              <a:effectRef idx="0">
-                <a:schemeClr val="accent2"/>
-              </a:effectRef>
-              <a:fontRef idx="minor">
-                <a:schemeClr val="lt1"/>
-              </a:fontRef>
-            </p:style>
-            <p:txBody>
-              <a:bodyPr rtlCol="0" anchor="ctr"/>
-              <a:lstStyle/>
-              <a:p>
-                <a:pPr algn="ctr"/>
-                <a:endParaRPr lang="en-GB"/>
-              </a:p>
-            </p:txBody>
-          </p:sp>
-          <p:sp>
-            <p:nvSpPr>
-              <p:cNvPr id="74" name="Rectangle 73">
-                <a:extLst>
-                  <a:ext uri="{FF2B5EF4-FFF2-40B4-BE49-F238E27FC236}">
-                    <a16:creationId xmlns:a16="http://schemas.microsoft.com/office/drawing/2014/main" id="{C7232DBA-44B1-46F9-9705-18F5BC034FCA}"/>
-                  </a:ext>
-                </a:extLst>
-              </p:cNvPr>
-              <p:cNvSpPr/>
-              <p:nvPr/>
-            </p:nvSpPr>
-            <p:spPr>
-              <a:xfrm>
-                <a:off x="7282486" y="869156"/>
-                <a:ext cx="196093" cy="316800"/>
-              </a:xfrm>
-              <a:prstGeom prst="rect">
-                <a:avLst/>
-              </a:prstGeom>
-              <a:ln>
-                <a:noFill/>
-              </a:ln>
-            </p:spPr>
-            <p:style>
-              <a:lnRef idx="2">
-                <a:schemeClr val="accent1">
-                  <a:shade val="50000"/>
-                </a:schemeClr>
-              </a:lnRef>
-              <a:fillRef idx="1">
-                <a:schemeClr val="accent1"/>
-              </a:fillRef>
-              <a:effectRef idx="0">
-                <a:schemeClr val="accent1"/>
-              </a:effectRef>
-              <a:fontRef idx="minor">
-                <a:schemeClr val="lt1"/>
-              </a:fontRef>
-            </p:style>
-            <p:txBody>
-              <a:bodyPr rtlCol="0" anchor="ctr"/>
-              <a:lstStyle/>
-              <a:p>
-                <a:pPr algn="ctr"/>
-                <a:endParaRPr lang="en-GB"/>
-              </a:p>
-            </p:txBody>
-          </p:sp>
-          <p:sp>
-            <p:nvSpPr>
-              <p:cNvPr id="75" name="Rectangle 74">
-                <a:extLst>
-                  <a:ext uri="{FF2B5EF4-FFF2-40B4-BE49-F238E27FC236}">
-                    <a16:creationId xmlns:a16="http://schemas.microsoft.com/office/drawing/2014/main" id="{889BC74F-73DF-4760-A6FA-3E65816BFEB3}"/>
-                  </a:ext>
-                </a:extLst>
-              </p:cNvPr>
-              <p:cNvSpPr/>
-              <p:nvPr/>
-            </p:nvSpPr>
-            <p:spPr>
-              <a:xfrm>
-                <a:off x="7477547" y="869156"/>
-                <a:ext cx="125784" cy="316800"/>
-              </a:xfrm>
-              <a:prstGeom prst="rect">
-                <a:avLst/>
-              </a:prstGeom>
-              <a:ln>
-                <a:noFill/>
-              </a:ln>
-            </p:spPr>
-            <p:style>
-              <a:lnRef idx="2">
-                <a:schemeClr val="accent2">
-                  <a:shade val="50000"/>
-                </a:schemeClr>
-              </a:lnRef>
-              <a:fillRef idx="1">
-                <a:schemeClr val="accent2"/>
-              </a:fillRef>
-              <a:effectRef idx="0">
-                <a:schemeClr val="accent2"/>
-              </a:effectRef>
-              <a:fontRef idx="minor">
-                <a:schemeClr val="lt1"/>
-              </a:fontRef>
-            </p:style>
-            <p:txBody>
-              <a:bodyPr rtlCol="0" anchor="ctr"/>
-              <a:lstStyle/>
-              <a:p>
-                <a:pPr algn="ctr"/>
-                <a:endParaRPr lang="en-GB"/>
-              </a:p>
-            </p:txBody>
-          </p:sp>
-          <p:sp>
-            <p:nvSpPr>
-              <p:cNvPr id="7" name="Arrow: Right 6">
-                <a:extLst>
-                  <a:ext uri="{FF2B5EF4-FFF2-40B4-BE49-F238E27FC236}">
-                    <a16:creationId xmlns:a16="http://schemas.microsoft.com/office/drawing/2014/main" id="{248DC978-612C-4978-B53B-FBF08659A45F}"/>
-                  </a:ext>
-                </a:extLst>
-              </p:cNvPr>
-              <p:cNvSpPr/>
-              <p:nvPr/>
-            </p:nvSpPr>
-            <p:spPr>
-              <a:xfrm>
-                <a:off x="7603331" y="721644"/>
-                <a:ext cx="227190" cy="612000"/>
-              </a:xfrm>
-              <a:prstGeom prst="rightArrow">
-                <a:avLst>
-                  <a:gd name="adj1" fmla="val 51621"/>
-                  <a:gd name="adj2" fmla="val 50000"/>
-                </a:avLst>
-              </a:prstGeom>
-              <a:solidFill>
-                <a:srgbClr val="FF0000"/>
-              </a:solidFill>
-              <a:ln>
-                <a:noFill/>
-              </a:ln>
-            </p:spPr>
-            <p:style>
-              <a:lnRef idx="2">
-                <a:schemeClr val="accent1">
-                  <a:shade val="50000"/>
-                </a:schemeClr>
-              </a:lnRef>
-              <a:fillRef idx="1">
-                <a:schemeClr val="accent1"/>
-              </a:fillRef>
-              <a:effectRef idx="0">
-                <a:schemeClr val="accent1"/>
-              </a:effectRef>
-              <a:fontRef idx="minor">
-                <a:schemeClr val="lt1"/>
-              </a:fontRef>
-            </p:style>
-            <p:txBody>
-              <a:bodyPr rtlCol="0" anchor="ctr"/>
-              <a:lstStyle/>
-              <a:p>
-                <a:pPr algn="ctr"/>
-                <a:endParaRPr lang="en-GB"/>
-              </a:p>
-            </p:txBody>
-          </p:sp>
-        </p:grpSp>
-        <p:pic>
-          <p:nvPicPr>
-            <p:cNvPr id="79" name="Picture 6" descr="https://d30y9cdsu7xlg0.cloudfront.net/png/140329-200.png">
-              <a:extLst>
-                <a:ext uri="{FF2B5EF4-FFF2-40B4-BE49-F238E27FC236}">
-                  <a16:creationId xmlns:a16="http://schemas.microsoft.com/office/drawing/2014/main" id="{9B23E846-C254-4B9E-ACD3-EFA0AFE21785}"/>
-                </a:ext>
-              </a:extLst>
-            </p:cNvPr>
-            <p:cNvPicPr>
-              <a:picLocks noChangeAspect="1" noChangeArrowheads="1"/>
-            </p:cNvPicPr>
-            <p:nvPr/>
-          </p:nvPicPr>
-          <p:blipFill>
-            <a:blip r:embed="rId7">
-              <a:extLst>
-                <a:ext uri="{28A0092B-C50C-407E-A947-70E740481C1C}">
-                  <a14:useLocalDpi xmlns:a14="http://schemas.microsoft.com/office/drawing/2010/main" val="0"/>
-                </a:ext>
-              </a:extLst>
-            </a:blip>
-            <a:srcRect/>
-            <a:stretch>
-              <a:fillRect/>
-            </a:stretch>
-          </p:blipFill>
-          <p:spPr bwMode="auto">
-            <a:xfrm>
-              <a:off x="9010980" y="168185"/>
-              <a:ext cx="1245590" cy="1245590"/>
+              <a:off x="7039546" y="869156"/>
+              <a:ext cx="82433" cy="316800"/>
             </a:xfrm>
             <a:prstGeom prst="rect">
               <a:avLst/>
             </a:prstGeom>
-            <a:noFill/>
-            <a:extLst>
-              <a:ext uri="{909E8E84-426E-40DD-AFC4-6F175D3DCCD1}">
-                <a14:hiddenFill xmlns:a14="http://schemas.microsoft.com/office/drawing/2010/main">
-                  <a:solidFill>
-                    <a:srgbClr val="FFFFFF"/>
-                  </a:solidFill>
-                </a14:hiddenFill>
-              </a:ext>
-            </a:extLst>
+            <a:ln>
+              <a:noFill/>
+            </a:ln>
           </p:spPr>
-        </p:pic>
-        <p:grpSp>
-          <p:nvGrpSpPr>
-            <p:cNvPr id="88" name="Group 87">
+          <p:style>
+            <a:lnRef idx="2">
+              <a:schemeClr val="accent1">
+                <a:shade val="50000"/>
+              </a:schemeClr>
+            </a:lnRef>
+            <a:fillRef idx="1">
+              <a:schemeClr val="accent1"/>
+            </a:fillRef>
+            <a:effectRef idx="0">
+              <a:schemeClr val="accent1"/>
+            </a:effectRef>
+            <a:fontRef idx="minor">
+              <a:schemeClr val="lt1"/>
+            </a:fontRef>
+          </p:style>
+          <p:txBody>
+            <a:bodyPr rtlCol="0" anchor="ctr"/>
+            <a:lstStyle/>
+            <a:p>
+              <a:pPr algn="ctr"/>
+              <a:endParaRPr lang="en-GB"/>
+            </a:p>
+          </p:txBody>
+        </p:sp>
+        <p:sp>
+          <p:nvSpPr>
+            <p:cNvPr id="72" name="Rectangle 71">
               <a:extLst>
                 <a:ext uri="{FF2B5EF4-FFF2-40B4-BE49-F238E27FC236}">
-                  <a16:creationId xmlns:a16="http://schemas.microsoft.com/office/drawing/2014/main" id="{75B0268C-9D0F-420C-B73F-DFA3A5F5D736}"/>
+                  <a16:creationId xmlns:a16="http://schemas.microsoft.com/office/drawing/2014/main" id="{3ECC6A51-C51C-494D-A809-78CE9ADE5D3F}"/>
                 </a:ext>
               </a:extLst>
             </p:cNvPr>
-            <p:cNvGrpSpPr/>
+            <p:cNvSpPr/>
             <p:nvPr/>
-          </p:nvGrpSpPr>
-          <p:grpSpPr>
+          </p:nvSpPr>
+          <p:spPr>
             <a:xfrm>
-              <a:off x="7006373" y="758952"/>
-              <a:ext cx="527498" cy="438689"/>
-              <a:chOff x="7039546" y="721644"/>
-              <a:chExt cx="790975" cy="612000"/>
+              <a:off x="7123033" y="869156"/>
+              <a:ext cx="82433" cy="316800"/>
             </a:xfrm>
-          </p:grpSpPr>
-          <p:sp>
-            <p:nvSpPr>
-              <p:cNvPr id="89" name="Rectangle 88">
-                <a:extLst>
-                  <a:ext uri="{FF2B5EF4-FFF2-40B4-BE49-F238E27FC236}">
-                    <a16:creationId xmlns:a16="http://schemas.microsoft.com/office/drawing/2014/main" id="{2FA6F840-DD44-4590-BE74-5D03139BDEFA}"/>
-                  </a:ext>
-                </a:extLst>
-              </p:cNvPr>
-              <p:cNvSpPr/>
-              <p:nvPr/>
-            </p:nvSpPr>
-            <p:spPr>
-              <a:xfrm>
-                <a:off x="7039546" y="869156"/>
-                <a:ext cx="82433" cy="316800"/>
-              </a:xfrm>
-              <a:prstGeom prst="rect">
-                <a:avLst/>
-              </a:prstGeom>
-              <a:ln>
-                <a:noFill/>
-              </a:ln>
-            </p:spPr>
-            <p:style>
-              <a:lnRef idx="2">
-                <a:schemeClr val="accent1">
-                  <a:shade val="50000"/>
-                </a:schemeClr>
-              </a:lnRef>
-              <a:fillRef idx="1">
-                <a:schemeClr val="accent1"/>
-              </a:fillRef>
-              <a:effectRef idx="0">
-                <a:schemeClr val="accent1"/>
-              </a:effectRef>
-              <a:fontRef idx="minor">
-                <a:schemeClr val="lt1"/>
-              </a:fontRef>
-            </p:style>
-            <p:txBody>
-              <a:bodyPr rtlCol="0" anchor="ctr"/>
-              <a:lstStyle/>
-              <a:p>
-                <a:pPr algn="ctr"/>
-                <a:endParaRPr lang="en-GB"/>
-              </a:p>
-            </p:txBody>
-          </p:sp>
-          <p:sp>
-            <p:nvSpPr>
-              <p:cNvPr id="90" name="Rectangle 89">
-                <a:extLst>
-                  <a:ext uri="{FF2B5EF4-FFF2-40B4-BE49-F238E27FC236}">
-                    <a16:creationId xmlns:a16="http://schemas.microsoft.com/office/drawing/2014/main" id="{367F38C8-4B76-47A6-A7BF-487A1F07F3B8}"/>
-                  </a:ext>
-                </a:extLst>
-              </p:cNvPr>
-              <p:cNvSpPr/>
-              <p:nvPr/>
-            </p:nvSpPr>
-            <p:spPr>
-              <a:xfrm>
-                <a:off x="7123033" y="869156"/>
-                <a:ext cx="82433" cy="316800"/>
-              </a:xfrm>
-              <a:prstGeom prst="rect">
-                <a:avLst/>
-              </a:prstGeom>
-              <a:ln>
-                <a:noFill/>
-              </a:ln>
-            </p:spPr>
-            <p:style>
-              <a:lnRef idx="2">
-                <a:schemeClr val="accent2">
-                  <a:shade val="50000"/>
-                </a:schemeClr>
-              </a:lnRef>
-              <a:fillRef idx="1">
-                <a:schemeClr val="accent2"/>
-              </a:fillRef>
-              <a:effectRef idx="0">
-                <a:schemeClr val="accent2"/>
-              </a:effectRef>
-              <a:fontRef idx="minor">
-                <a:schemeClr val="lt1"/>
-              </a:fontRef>
-            </p:style>
-            <p:txBody>
-              <a:bodyPr rtlCol="0" anchor="ctr"/>
-              <a:lstStyle/>
-              <a:p>
-                <a:pPr algn="ctr"/>
-                <a:endParaRPr lang="en-GB"/>
-              </a:p>
-            </p:txBody>
-          </p:sp>
-          <p:sp>
-            <p:nvSpPr>
-              <p:cNvPr id="91" name="Rectangle 90">
-                <a:extLst>
-                  <a:ext uri="{FF2B5EF4-FFF2-40B4-BE49-F238E27FC236}">
-                    <a16:creationId xmlns:a16="http://schemas.microsoft.com/office/drawing/2014/main" id="{8A77DA19-E54B-4957-8DD3-F3E3A6A1F5E9}"/>
-                  </a:ext>
-                </a:extLst>
-              </p:cNvPr>
-              <p:cNvSpPr/>
-              <p:nvPr/>
-            </p:nvSpPr>
-            <p:spPr>
-              <a:xfrm>
-                <a:off x="7169945" y="869156"/>
-                <a:ext cx="117644" cy="316800"/>
-              </a:xfrm>
-              <a:prstGeom prst="rect">
-                <a:avLst/>
-              </a:prstGeom>
-              <a:solidFill>
-                <a:schemeClr val="accent6"/>
-              </a:solidFill>
-              <a:ln>
-                <a:noFill/>
-              </a:ln>
-            </p:spPr>
-            <p:style>
-              <a:lnRef idx="2">
-                <a:schemeClr val="accent2">
-                  <a:shade val="50000"/>
-                </a:schemeClr>
-              </a:lnRef>
-              <a:fillRef idx="1">
-                <a:schemeClr val="accent2"/>
-              </a:fillRef>
-              <a:effectRef idx="0">
-                <a:schemeClr val="accent2"/>
-              </a:effectRef>
-              <a:fontRef idx="minor">
-                <a:schemeClr val="lt1"/>
-              </a:fontRef>
-            </p:style>
-            <p:txBody>
-              <a:bodyPr rtlCol="0" anchor="ctr"/>
-              <a:lstStyle/>
-              <a:p>
-                <a:pPr algn="ctr"/>
-                <a:endParaRPr lang="en-GB"/>
-              </a:p>
-            </p:txBody>
-          </p:sp>
-          <p:sp>
-            <p:nvSpPr>
-              <p:cNvPr id="92" name="Rectangle 91">
-                <a:extLst>
-                  <a:ext uri="{FF2B5EF4-FFF2-40B4-BE49-F238E27FC236}">
-                    <a16:creationId xmlns:a16="http://schemas.microsoft.com/office/drawing/2014/main" id="{C674752F-9B0B-4FD5-9FA2-060593EE46C6}"/>
-                  </a:ext>
-                </a:extLst>
-              </p:cNvPr>
-              <p:cNvSpPr/>
-              <p:nvPr/>
-            </p:nvSpPr>
-            <p:spPr>
-              <a:xfrm>
-                <a:off x="7282486" y="869156"/>
-                <a:ext cx="196093" cy="316800"/>
-              </a:xfrm>
-              <a:prstGeom prst="rect">
-                <a:avLst/>
-              </a:prstGeom>
-              <a:ln>
-                <a:noFill/>
-              </a:ln>
-            </p:spPr>
-            <p:style>
-              <a:lnRef idx="2">
-                <a:schemeClr val="accent1">
-                  <a:shade val="50000"/>
-                </a:schemeClr>
-              </a:lnRef>
-              <a:fillRef idx="1">
-                <a:schemeClr val="accent1"/>
-              </a:fillRef>
-              <a:effectRef idx="0">
-                <a:schemeClr val="accent1"/>
-              </a:effectRef>
-              <a:fontRef idx="minor">
-                <a:schemeClr val="lt1"/>
-              </a:fontRef>
-            </p:style>
-            <p:txBody>
-              <a:bodyPr rtlCol="0" anchor="ctr"/>
-              <a:lstStyle/>
-              <a:p>
-                <a:pPr algn="ctr"/>
-                <a:endParaRPr lang="en-GB"/>
-              </a:p>
-            </p:txBody>
-          </p:sp>
-          <p:sp>
-            <p:nvSpPr>
-              <p:cNvPr id="93" name="Rectangle 92">
-                <a:extLst>
-                  <a:ext uri="{FF2B5EF4-FFF2-40B4-BE49-F238E27FC236}">
-                    <a16:creationId xmlns:a16="http://schemas.microsoft.com/office/drawing/2014/main" id="{040780E1-96C7-40E7-9CC1-04BE4AAB9B3A}"/>
-                  </a:ext>
-                </a:extLst>
-              </p:cNvPr>
-              <p:cNvSpPr/>
-              <p:nvPr/>
-            </p:nvSpPr>
-            <p:spPr>
-              <a:xfrm>
-                <a:off x="7477547" y="869156"/>
-                <a:ext cx="125784" cy="316800"/>
-              </a:xfrm>
-              <a:prstGeom prst="rect">
-                <a:avLst/>
-              </a:prstGeom>
-              <a:ln>
-                <a:noFill/>
-              </a:ln>
-            </p:spPr>
-            <p:style>
-              <a:lnRef idx="2">
-                <a:schemeClr val="accent2">
-                  <a:shade val="50000"/>
-                </a:schemeClr>
-              </a:lnRef>
-              <a:fillRef idx="1">
-                <a:schemeClr val="accent2"/>
-              </a:fillRef>
-              <a:effectRef idx="0">
-                <a:schemeClr val="accent2"/>
-              </a:effectRef>
-              <a:fontRef idx="minor">
-                <a:schemeClr val="lt1"/>
-              </a:fontRef>
-            </p:style>
-            <p:txBody>
-              <a:bodyPr rtlCol="0" anchor="ctr"/>
-              <a:lstStyle/>
-              <a:p>
-                <a:pPr algn="ctr"/>
-                <a:endParaRPr lang="en-GB"/>
-              </a:p>
-            </p:txBody>
-          </p:sp>
-          <p:sp>
-            <p:nvSpPr>
-              <p:cNvPr id="94" name="Arrow: Right 93">
-                <a:extLst>
-                  <a:ext uri="{FF2B5EF4-FFF2-40B4-BE49-F238E27FC236}">
-                    <a16:creationId xmlns:a16="http://schemas.microsoft.com/office/drawing/2014/main" id="{B00EB055-5A00-4F47-A5C0-6CBBD0096B47}"/>
-                  </a:ext>
-                </a:extLst>
-              </p:cNvPr>
-              <p:cNvSpPr/>
-              <p:nvPr/>
-            </p:nvSpPr>
-            <p:spPr>
-              <a:xfrm>
-                <a:off x="7603331" y="721644"/>
-                <a:ext cx="227190" cy="612000"/>
-              </a:xfrm>
-              <a:prstGeom prst="rightArrow">
-                <a:avLst>
-                  <a:gd name="adj1" fmla="val 51621"/>
-                  <a:gd name="adj2" fmla="val 50000"/>
-                </a:avLst>
-              </a:prstGeom>
-              <a:solidFill>
-                <a:srgbClr val="FF0000"/>
-              </a:solidFill>
-              <a:ln>
-                <a:noFill/>
-              </a:ln>
-            </p:spPr>
-            <p:style>
-              <a:lnRef idx="2">
-                <a:schemeClr val="accent1">
-                  <a:shade val="50000"/>
-                </a:schemeClr>
-              </a:lnRef>
-              <a:fillRef idx="1">
-                <a:schemeClr val="accent1"/>
-              </a:fillRef>
-              <a:effectRef idx="0">
-                <a:schemeClr val="accent1"/>
-              </a:effectRef>
-              <a:fontRef idx="minor">
-                <a:schemeClr val="lt1"/>
-              </a:fontRef>
-            </p:style>
-            <p:txBody>
-              <a:bodyPr rtlCol="0" anchor="ctr"/>
-              <a:lstStyle/>
-              <a:p>
-                <a:pPr algn="ctr"/>
-                <a:endParaRPr lang="en-GB"/>
-              </a:p>
-            </p:txBody>
-          </p:sp>
-        </p:grpSp>
+            <a:prstGeom prst="rect">
+              <a:avLst/>
+            </a:prstGeom>
+            <a:ln>
+              <a:noFill/>
+            </a:ln>
+          </p:spPr>
+          <p:style>
+            <a:lnRef idx="2">
+              <a:schemeClr val="accent2">
+                <a:shade val="50000"/>
+              </a:schemeClr>
+            </a:lnRef>
+            <a:fillRef idx="1">
+              <a:schemeClr val="accent2"/>
+            </a:fillRef>
+            <a:effectRef idx="0">
+              <a:schemeClr val="accent2"/>
+            </a:effectRef>
+            <a:fontRef idx="minor">
+              <a:schemeClr val="lt1"/>
+            </a:fontRef>
+          </p:style>
+          <p:txBody>
+            <a:bodyPr rtlCol="0" anchor="ctr"/>
+            <a:lstStyle/>
+            <a:p>
+              <a:pPr algn="ctr"/>
+              <a:endParaRPr lang="en-GB"/>
+            </a:p>
+          </p:txBody>
+        </p:sp>
+        <p:sp>
+          <p:nvSpPr>
+            <p:cNvPr id="73" name="Rectangle 72">
+              <a:extLst>
+                <a:ext uri="{FF2B5EF4-FFF2-40B4-BE49-F238E27FC236}">
+                  <a16:creationId xmlns:a16="http://schemas.microsoft.com/office/drawing/2014/main" id="{A6F54378-86E9-461F-910B-0AD4CD3D1E67}"/>
+                </a:ext>
+              </a:extLst>
+            </p:cNvPr>
+            <p:cNvSpPr/>
+            <p:nvPr/>
+          </p:nvSpPr>
+          <p:spPr>
+            <a:xfrm>
+              <a:off x="7169945" y="869156"/>
+              <a:ext cx="117644" cy="316800"/>
+            </a:xfrm>
+            <a:prstGeom prst="rect">
+              <a:avLst/>
+            </a:prstGeom>
+            <a:solidFill>
+              <a:schemeClr val="accent6"/>
+            </a:solidFill>
+            <a:ln>
+              <a:noFill/>
+            </a:ln>
+          </p:spPr>
+          <p:style>
+            <a:lnRef idx="2">
+              <a:schemeClr val="accent2">
+                <a:shade val="50000"/>
+              </a:schemeClr>
+            </a:lnRef>
+            <a:fillRef idx="1">
+              <a:schemeClr val="accent2"/>
+            </a:fillRef>
+            <a:effectRef idx="0">
+              <a:schemeClr val="accent2"/>
+            </a:effectRef>
+            <a:fontRef idx="minor">
+              <a:schemeClr val="lt1"/>
+            </a:fontRef>
+          </p:style>
+          <p:txBody>
+            <a:bodyPr rtlCol="0" anchor="ctr"/>
+            <a:lstStyle/>
+            <a:p>
+              <a:pPr algn="ctr"/>
+              <a:endParaRPr lang="en-GB"/>
+            </a:p>
+          </p:txBody>
+        </p:sp>
+        <p:sp>
+          <p:nvSpPr>
+            <p:cNvPr id="74" name="Rectangle 73">
+              <a:extLst>
+                <a:ext uri="{FF2B5EF4-FFF2-40B4-BE49-F238E27FC236}">
+                  <a16:creationId xmlns:a16="http://schemas.microsoft.com/office/drawing/2014/main" id="{C7232DBA-44B1-46F9-9705-18F5BC034FCA}"/>
+                </a:ext>
+              </a:extLst>
+            </p:cNvPr>
+            <p:cNvSpPr/>
+            <p:nvPr/>
+          </p:nvSpPr>
+          <p:spPr>
+            <a:xfrm>
+              <a:off x="7282486" y="869156"/>
+              <a:ext cx="196093" cy="316800"/>
+            </a:xfrm>
+            <a:prstGeom prst="rect">
+              <a:avLst/>
+            </a:prstGeom>
+            <a:ln>
+              <a:noFill/>
+            </a:ln>
+          </p:spPr>
+          <p:style>
+            <a:lnRef idx="2">
+              <a:schemeClr val="accent1">
+                <a:shade val="50000"/>
+              </a:schemeClr>
+            </a:lnRef>
+            <a:fillRef idx="1">
+              <a:schemeClr val="accent1"/>
+            </a:fillRef>
+            <a:effectRef idx="0">
+              <a:schemeClr val="accent1"/>
+            </a:effectRef>
+            <a:fontRef idx="minor">
+              <a:schemeClr val="lt1"/>
+            </a:fontRef>
+          </p:style>
+          <p:txBody>
+            <a:bodyPr rtlCol="0" anchor="ctr"/>
+            <a:lstStyle/>
+            <a:p>
+              <a:pPr algn="ctr"/>
+              <a:endParaRPr lang="en-GB"/>
+            </a:p>
+          </p:txBody>
+        </p:sp>
+        <p:sp>
+          <p:nvSpPr>
+            <p:cNvPr id="75" name="Rectangle 74">
+              <a:extLst>
+                <a:ext uri="{FF2B5EF4-FFF2-40B4-BE49-F238E27FC236}">
+                  <a16:creationId xmlns:a16="http://schemas.microsoft.com/office/drawing/2014/main" id="{889BC74F-73DF-4760-A6FA-3E65816BFEB3}"/>
+                </a:ext>
+              </a:extLst>
+            </p:cNvPr>
+            <p:cNvSpPr/>
+            <p:nvPr/>
+          </p:nvSpPr>
+          <p:spPr>
+            <a:xfrm>
+              <a:off x="7477547" y="869156"/>
+              <a:ext cx="125784" cy="316800"/>
+            </a:xfrm>
+            <a:prstGeom prst="rect">
+              <a:avLst/>
+            </a:prstGeom>
+            <a:ln>
+              <a:noFill/>
+            </a:ln>
+          </p:spPr>
+          <p:style>
+            <a:lnRef idx="2">
+              <a:schemeClr val="accent2">
+                <a:shade val="50000"/>
+              </a:schemeClr>
+            </a:lnRef>
+            <a:fillRef idx="1">
+              <a:schemeClr val="accent2"/>
+            </a:fillRef>
+            <a:effectRef idx="0">
+              <a:schemeClr val="accent2"/>
+            </a:effectRef>
+            <a:fontRef idx="minor">
+              <a:schemeClr val="lt1"/>
+            </a:fontRef>
+          </p:style>
+          <p:txBody>
+            <a:bodyPr rtlCol="0" anchor="ctr"/>
+            <a:lstStyle/>
+            <a:p>
+              <a:pPr algn="ctr"/>
+              <a:endParaRPr lang="en-GB"/>
+            </a:p>
+          </p:txBody>
+        </p:sp>
+        <p:sp>
+          <p:nvSpPr>
+            <p:cNvPr id="7" name="Arrow: Right 6">
+              <a:extLst>
+                <a:ext uri="{FF2B5EF4-FFF2-40B4-BE49-F238E27FC236}">
+                  <a16:creationId xmlns:a16="http://schemas.microsoft.com/office/drawing/2014/main" id="{248DC978-612C-4978-B53B-FBF08659A45F}"/>
+                </a:ext>
+              </a:extLst>
+            </p:cNvPr>
+            <p:cNvSpPr/>
+            <p:nvPr/>
+          </p:nvSpPr>
+          <p:spPr>
+            <a:xfrm>
+              <a:off x="7603331" y="721644"/>
+              <a:ext cx="227190" cy="612000"/>
+            </a:xfrm>
+            <a:prstGeom prst="rightArrow">
+              <a:avLst>
+                <a:gd name="adj1" fmla="val 51621"/>
+                <a:gd name="adj2" fmla="val 50000"/>
+              </a:avLst>
+            </a:prstGeom>
+            <a:solidFill>
+              <a:srgbClr val="FF0000"/>
+            </a:solidFill>
+            <a:ln>
+              <a:noFill/>
+            </a:ln>
+          </p:spPr>
+          <p:style>
+            <a:lnRef idx="2">
+              <a:schemeClr val="accent1">
+                <a:shade val="50000"/>
+              </a:schemeClr>
+            </a:lnRef>
+            <a:fillRef idx="1">
+              <a:schemeClr val="accent1"/>
+            </a:fillRef>
+            <a:effectRef idx="0">
+              <a:schemeClr val="accent1"/>
+            </a:effectRef>
+            <a:fontRef idx="minor">
+              <a:schemeClr val="lt1"/>
+            </a:fontRef>
+          </p:style>
+          <p:txBody>
+            <a:bodyPr rtlCol="0" anchor="ctr"/>
+            <a:lstStyle/>
+            <a:p>
+              <a:pPr algn="ctr"/>
+              <a:endParaRPr lang="en-GB"/>
+            </a:p>
+          </p:txBody>
+        </p:sp>
+      </p:grpSp>
+      <p:pic>
+        <p:nvPicPr>
+          <p:cNvPr id="79" name="Picture 6" descr="https://d30y9cdsu7xlg0.cloudfront.net/png/140329-200.png">
+            <a:extLst>
+              <a:ext uri="{FF2B5EF4-FFF2-40B4-BE49-F238E27FC236}">
+                <a16:creationId xmlns:a16="http://schemas.microsoft.com/office/drawing/2014/main" id="{9B23E846-C254-4B9E-ACD3-EFA0AFE21785}"/>
+              </a:ext>
+            </a:extLst>
+          </p:cNvPr>
+          <p:cNvPicPr>
+            <a:picLocks noChangeAspect="1" noChangeArrowheads="1"/>
+          </p:cNvPicPr>
+          <p:nvPr/>
+        </p:nvPicPr>
+        <p:blipFill>
+          <a:blip r:embed="rId7">
+            <a:extLst>
+              <a:ext uri="{28A0092B-C50C-407E-A947-70E740481C1C}">
+                <a14:useLocalDpi xmlns:a14="http://schemas.microsoft.com/office/drawing/2010/main" val="0"/>
+              </a:ext>
+            </a:extLst>
+          </a:blip>
+          <a:srcRect/>
+          <a:stretch>
+            <a:fillRect/>
+          </a:stretch>
+        </p:blipFill>
+        <p:spPr bwMode="auto">
+          <a:xfrm>
+            <a:off x="9010980" y="168185"/>
+            <a:ext cx="1245590" cy="1245590"/>
+          </a:xfrm>
+          <a:prstGeom prst="rect">
+            <a:avLst/>
+          </a:prstGeom>
+          <a:noFill/>
+          <a:extLst>
+            <a:ext uri="{909E8E84-426E-40DD-AFC4-6F175D3DCCD1}">
+              <a14:hiddenFill xmlns:a14="http://schemas.microsoft.com/office/drawing/2010/main">
+                <a:solidFill>
+                  <a:srgbClr val="FFFFFF"/>
+                </a:solidFill>
+              </a14:hiddenFill>
+            </a:ext>
+          </a:extLst>
+        </p:spPr>
+      </p:pic>
+      <p:grpSp>
+        <p:nvGrpSpPr>
+          <p:cNvPr id="88" name="Group 87">
+            <a:extLst>
+              <a:ext uri="{FF2B5EF4-FFF2-40B4-BE49-F238E27FC236}">
+                <a16:creationId xmlns:a16="http://schemas.microsoft.com/office/drawing/2014/main" id="{75B0268C-9D0F-420C-B73F-DFA3A5F5D736}"/>
+              </a:ext>
+            </a:extLst>
+          </p:cNvPr>
+          <p:cNvGrpSpPr/>
+          <p:nvPr/>
+        </p:nvGrpSpPr>
+        <p:grpSpPr>
+          <a:xfrm>
+            <a:off x="7006373" y="758952"/>
+            <a:ext cx="527498" cy="438689"/>
+            <a:chOff x="7039546" y="721644"/>
+            <a:chExt cx="790975" cy="612000"/>
+          </a:xfrm>
+        </p:grpSpPr>
+        <p:sp>
+          <p:nvSpPr>
+            <p:cNvPr id="89" name="Rectangle 88">
+              <a:extLst>
+                <a:ext uri="{FF2B5EF4-FFF2-40B4-BE49-F238E27FC236}">
+                  <a16:creationId xmlns:a16="http://schemas.microsoft.com/office/drawing/2014/main" id="{2FA6F840-DD44-4590-BE74-5D03139BDEFA}"/>
+                </a:ext>
+              </a:extLst>
+            </p:cNvPr>
+            <p:cNvSpPr/>
+            <p:nvPr/>
+          </p:nvSpPr>
+          <p:spPr>
+            <a:xfrm>
+              <a:off x="7039546" y="869156"/>
+              <a:ext cx="82433" cy="316800"/>
+            </a:xfrm>
+            <a:prstGeom prst="rect">
+              <a:avLst/>
+            </a:prstGeom>
+            <a:ln>
+              <a:noFill/>
+            </a:ln>
+          </p:spPr>
+          <p:style>
+            <a:lnRef idx="2">
+              <a:schemeClr val="accent1">
+                <a:shade val="50000"/>
+              </a:schemeClr>
+            </a:lnRef>
+            <a:fillRef idx="1">
+              <a:schemeClr val="accent1"/>
+            </a:fillRef>
+            <a:effectRef idx="0">
+              <a:schemeClr val="accent1"/>
+            </a:effectRef>
+            <a:fontRef idx="minor">
+              <a:schemeClr val="lt1"/>
+            </a:fontRef>
+          </p:style>
+          <p:txBody>
+            <a:bodyPr rtlCol="0" anchor="ctr"/>
+            <a:lstStyle/>
+            <a:p>
+              <a:pPr algn="ctr"/>
+              <a:endParaRPr lang="en-GB"/>
+            </a:p>
+          </p:txBody>
+        </p:sp>
+        <p:sp>
+          <p:nvSpPr>
+            <p:cNvPr id="90" name="Rectangle 89">
+              <a:extLst>
+                <a:ext uri="{FF2B5EF4-FFF2-40B4-BE49-F238E27FC236}">
+                  <a16:creationId xmlns:a16="http://schemas.microsoft.com/office/drawing/2014/main" id="{367F38C8-4B76-47A6-A7BF-487A1F07F3B8}"/>
+                </a:ext>
+              </a:extLst>
+            </p:cNvPr>
+            <p:cNvSpPr/>
+            <p:nvPr/>
+          </p:nvSpPr>
+          <p:spPr>
+            <a:xfrm>
+              <a:off x="7123033" y="869156"/>
+              <a:ext cx="82433" cy="316800"/>
+            </a:xfrm>
+            <a:prstGeom prst="rect">
+              <a:avLst/>
+            </a:prstGeom>
+            <a:ln>
+              <a:noFill/>
+            </a:ln>
+          </p:spPr>
+          <p:style>
+            <a:lnRef idx="2">
+              <a:schemeClr val="accent2">
+                <a:shade val="50000"/>
+              </a:schemeClr>
+            </a:lnRef>
+            <a:fillRef idx="1">
+              <a:schemeClr val="accent2"/>
+            </a:fillRef>
+            <a:effectRef idx="0">
+              <a:schemeClr val="accent2"/>
+            </a:effectRef>
+            <a:fontRef idx="minor">
+              <a:schemeClr val="lt1"/>
+            </a:fontRef>
+          </p:style>
+          <p:txBody>
+            <a:bodyPr rtlCol="0" anchor="ctr"/>
+            <a:lstStyle/>
+            <a:p>
+              <a:pPr algn="ctr"/>
+              <a:endParaRPr lang="en-GB"/>
+            </a:p>
+          </p:txBody>
+        </p:sp>
+        <p:sp>
+          <p:nvSpPr>
+            <p:cNvPr id="91" name="Rectangle 90">
+              <a:extLst>
+                <a:ext uri="{FF2B5EF4-FFF2-40B4-BE49-F238E27FC236}">
+                  <a16:creationId xmlns:a16="http://schemas.microsoft.com/office/drawing/2014/main" id="{8A77DA19-E54B-4957-8DD3-F3E3A6A1F5E9}"/>
+                </a:ext>
+              </a:extLst>
+            </p:cNvPr>
+            <p:cNvSpPr/>
+            <p:nvPr/>
+          </p:nvSpPr>
+          <p:spPr>
+            <a:xfrm>
+              <a:off x="7169945" y="869156"/>
+              <a:ext cx="117644" cy="316800"/>
+            </a:xfrm>
+            <a:prstGeom prst="rect">
+              <a:avLst/>
+            </a:prstGeom>
+            <a:solidFill>
+              <a:schemeClr val="accent6"/>
+            </a:solidFill>
+            <a:ln>
+              <a:noFill/>
+            </a:ln>
+          </p:spPr>
+          <p:style>
+            <a:lnRef idx="2">
+              <a:schemeClr val="accent2">
+                <a:shade val="50000"/>
+              </a:schemeClr>
+            </a:lnRef>
+            <a:fillRef idx="1">
+              <a:schemeClr val="accent2"/>
+            </a:fillRef>
+            <a:effectRef idx="0">
+              <a:schemeClr val="accent2"/>
+            </a:effectRef>
+            <a:fontRef idx="minor">
+              <a:schemeClr val="lt1"/>
+            </a:fontRef>
+          </p:style>
+          <p:txBody>
+            <a:bodyPr rtlCol="0" anchor="ctr"/>
+            <a:lstStyle/>
+            <a:p>
+              <a:pPr algn="ctr"/>
+              <a:endParaRPr lang="en-GB"/>
+            </a:p>
+          </p:txBody>
+        </p:sp>
+        <p:sp>
+          <p:nvSpPr>
+            <p:cNvPr id="92" name="Rectangle 91">
+              <a:extLst>
+                <a:ext uri="{FF2B5EF4-FFF2-40B4-BE49-F238E27FC236}">
+                  <a16:creationId xmlns:a16="http://schemas.microsoft.com/office/drawing/2014/main" id="{C674752F-9B0B-4FD5-9FA2-060593EE46C6}"/>
+                </a:ext>
+              </a:extLst>
+            </p:cNvPr>
+            <p:cNvSpPr/>
+            <p:nvPr/>
+          </p:nvSpPr>
+          <p:spPr>
+            <a:xfrm>
+              <a:off x="7282486" y="869156"/>
+              <a:ext cx="196093" cy="316800"/>
+            </a:xfrm>
+            <a:prstGeom prst="rect">
+              <a:avLst/>
+            </a:prstGeom>
+            <a:ln>
+              <a:noFill/>
+            </a:ln>
+          </p:spPr>
+          <p:style>
+            <a:lnRef idx="2">
+              <a:schemeClr val="accent1">
+                <a:shade val="50000"/>
+              </a:schemeClr>
+            </a:lnRef>
+            <a:fillRef idx="1">
+              <a:schemeClr val="accent1"/>
+            </a:fillRef>
+            <a:effectRef idx="0">
+              <a:schemeClr val="accent1"/>
+            </a:effectRef>
+            <a:fontRef idx="minor">
+              <a:schemeClr val="lt1"/>
+            </a:fontRef>
+          </p:style>
+          <p:txBody>
+            <a:bodyPr rtlCol="0" anchor="ctr"/>
+            <a:lstStyle/>
+            <a:p>
+              <a:pPr algn="ctr"/>
+              <a:endParaRPr lang="en-GB"/>
+            </a:p>
+          </p:txBody>
+        </p:sp>
+        <p:sp>
+          <p:nvSpPr>
+            <p:cNvPr id="93" name="Rectangle 92">
+              <a:extLst>
+                <a:ext uri="{FF2B5EF4-FFF2-40B4-BE49-F238E27FC236}">
+                  <a16:creationId xmlns:a16="http://schemas.microsoft.com/office/drawing/2014/main" id="{040780E1-96C7-40E7-9CC1-04BE4AAB9B3A}"/>
+                </a:ext>
+              </a:extLst>
+            </p:cNvPr>
+            <p:cNvSpPr/>
+            <p:nvPr/>
+          </p:nvSpPr>
+          <p:spPr>
+            <a:xfrm>
+              <a:off x="7477547" y="869156"/>
+              <a:ext cx="125784" cy="316800"/>
+            </a:xfrm>
+            <a:prstGeom prst="rect">
+              <a:avLst/>
+            </a:prstGeom>
+            <a:ln>
+              <a:noFill/>
+            </a:ln>
+          </p:spPr>
+          <p:style>
+            <a:lnRef idx="2">
+              <a:schemeClr val="accent2">
+                <a:shade val="50000"/>
+              </a:schemeClr>
+            </a:lnRef>
+            <a:fillRef idx="1">
+              <a:schemeClr val="accent2"/>
+            </a:fillRef>
+            <a:effectRef idx="0">
+              <a:schemeClr val="accent2"/>
+            </a:effectRef>
+            <a:fontRef idx="minor">
+              <a:schemeClr val="lt1"/>
+            </a:fontRef>
+          </p:style>
+          <p:txBody>
+            <a:bodyPr rtlCol="0" anchor="ctr"/>
+            <a:lstStyle/>
+            <a:p>
+              <a:pPr algn="ctr"/>
+              <a:endParaRPr lang="en-GB"/>
+            </a:p>
+          </p:txBody>
+        </p:sp>
+        <p:sp>
+          <p:nvSpPr>
+            <p:cNvPr id="94" name="Arrow: Right 93">
+              <a:extLst>
+                <a:ext uri="{FF2B5EF4-FFF2-40B4-BE49-F238E27FC236}">
+                  <a16:creationId xmlns:a16="http://schemas.microsoft.com/office/drawing/2014/main" id="{B00EB055-5A00-4F47-A5C0-6CBBD0096B47}"/>
+                </a:ext>
+              </a:extLst>
+            </p:cNvPr>
+            <p:cNvSpPr/>
+            <p:nvPr/>
+          </p:nvSpPr>
+          <p:spPr>
+            <a:xfrm>
+              <a:off x="7603331" y="721644"/>
+              <a:ext cx="227190" cy="612000"/>
+            </a:xfrm>
+            <a:prstGeom prst="rightArrow">
+              <a:avLst>
+                <a:gd name="adj1" fmla="val 51621"/>
+                <a:gd name="adj2" fmla="val 50000"/>
+              </a:avLst>
+            </a:prstGeom>
+            <a:solidFill>
+              <a:srgbClr val="FF0000"/>
+            </a:solidFill>
+            <a:ln>
+              <a:noFill/>
+            </a:ln>
+          </p:spPr>
+          <p:style>
+            <a:lnRef idx="2">
+              <a:schemeClr val="accent1">
+                <a:shade val="50000"/>
+              </a:schemeClr>
+            </a:lnRef>
+            <a:fillRef idx="1">
+              <a:schemeClr val="accent1"/>
+            </a:fillRef>
+            <a:effectRef idx="0">
+              <a:schemeClr val="accent1"/>
+            </a:effectRef>
+            <a:fontRef idx="minor">
+              <a:schemeClr val="lt1"/>
+            </a:fontRef>
+          </p:style>
+          <p:txBody>
+            <a:bodyPr rtlCol="0" anchor="ctr"/>
+            <a:lstStyle/>
+            <a:p>
+              <a:pPr algn="ctr"/>
+              <a:endParaRPr lang="en-GB"/>
+            </a:p>
+          </p:txBody>
+        </p:sp>
       </p:grpSp>
     </p:spTree>
     <p:extLst>
@@ -36201,6 +36137,153 @@
   <p:clrMapOvr>
     <a:masterClrMapping/>
   </p:clrMapOvr>
+  <p:timing>
+    <p:tnLst>
+      <p:par>
+        <p:cTn id="1" dur="indefinite" restart="never" nodeType="tmRoot">
+          <p:childTnLst>
+            <p:seq concurrent="1" nextAc="seek">
+              <p:cTn id="2" dur="indefinite" nodeType="mainSeq">
+                <p:childTnLst>
+                  <p:par>
+                    <p:cTn id="3" fill="hold">
+                      <p:stCondLst>
+                        <p:cond delay="indefinite"/>
+                      </p:stCondLst>
+                      <p:childTnLst>
+                        <p:par>
+                          <p:cTn id="4" fill="hold">
+                            <p:stCondLst>
+                              <p:cond delay="0"/>
+                            </p:stCondLst>
+                            <p:childTnLst>
+                              <p:par>
+                                <p:cTn id="5" presetID="1" presetClass="entr" presetSubtype="0" fill="hold" nodeType="clickEffect">
+                                  <p:stCondLst>
+                                    <p:cond delay="0"/>
+                                  </p:stCondLst>
+                                  <p:childTnLst>
+                                    <p:set>
+                                      <p:cBhvr>
+                                        <p:cTn id="6" dur="1" fill="hold">
+                                          <p:stCondLst>
+                                            <p:cond delay="0"/>
+                                          </p:stCondLst>
+                                        </p:cTn>
+                                        <p:tgtEl>
+                                          <p:spTgt spid="88"/>
+                                        </p:tgtEl>
+                                        <p:attrNameLst>
+                                          <p:attrName>style.visibility</p:attrName>
+                                        </p:attrNameLst>
+                                      </p:cBhvr>
+                                      <p:to>
+                                        <p:strVal val="visible"/>
+                                      </p:to>
+                                    </p:set>
+                                  </p:childTnLst>
+                                </p:cTn>
+                              </p:par>
+                              <p:par>
+                                <p:cTn id="7" presetID="1" presetClass="entr" presetSubtype="0" fill="hold" nodeType="withEffect">
+                                  <p:stCondLst>
+                                    <p:cond delay="0"/>
+                                  </p:stCondLst>
+                                  <p:childTnLst>
+                                    <p:set>
+                                      <p:cBhvr>
+                                        <p:cTn id="8" dur="1" fill="hold">
+                                          <p:stCondLst>
+                                            <p:cond delay="0"/>
+                                          </p:stCondLst>
+                                        </p:cTn>
+                                        <p:tgtEl>
+                                          <p:spTgt spid="15"/>
+                                        </p:tgtEl>
+                                        <p:attrNameLst>
+                                          <p:attrName>style.visibility</p:attrName>
+                                        </p:attrNameLst>
+                                      </p:cBhvr>
+                                      <p:to>
+                                        <p:strVal val="visible"/>
+                                      </p:to>
+                                    </p:set>
+                                  </p:childTnLst>
+                                </p:cTn>
+                              </p:par>
+                            </p:childTnLst>
+                          </p:cTn>
+                        </p:par>
+                      </p:childTnLst>
+                    </p:cTn>
+                  </p:par>
+                  <p:par>
+                    <p:cTn id="9" fill="hold">
+                      <p:stCondLst>
+                        <p:cond delay="indefinite"/>
+                      </p:stCondLst>
+                      <p:childTnLst>
+                        <p:par>
+                          <p:cTn id="10" fill="hold">
+                            <p:stCondLst>
+                              <p:cond delay="0"/>
+                            </p:stCondLst>
+                            <p:childTnLst>
+                              <p:par>
+                                <p:cTn id="11" presetID="1" presetClass="entr" presetSubtype="0" fill="hold" nodeType="clickEffect">
+                                  <p:stCondLst>
+                                    <p:cond delay="0"/>
+                                  </p:stCondLst>
+                                  <p:childTnLst>
+                                    <p:set>
+                                      <p:cBhvr>
+                                        <p:cTn id="12" dur="1" fill="hold">
+                                          <p:stCondLst>
+                                            <p:cond delay="0"/>
+                                          </p:stCondLst>
+                                        </p:cTn>
+                                        <p:tgtEl>
+                                          <p:spTgt spid="79"/>
+                                        </p:tgtEl>
+                                        <p:attrNameLst>
+                                          <p:attrName>style.visibility</p:attrName>
+                                        </p:attrNameLst>
+                                      </p:cBhvr>
+                                      <p:to>
+                                        <p:strVal val="visible"/>
+                                      </p:to>
+                                    </p:set>
+                                  </p:childTnLst>
+                                </p:cTn>
+                              </p:par>
+                            </p:childTnLst>
+                          </p:cTn>
+                        </p:par>
+                      </p:childTnLst>
+                    </p:cTn>
+                  </p:par>
+                </p:childTnLst>
+              </p:cTn>
+              <p:prevCondLst>
+                <p:cond evt="onPrev" delay="0">
+                  <p:tgtEl>
+                    <p:sldTgt/>
+                  </p:tgtEl>
+                </p:cond>
+              </p:prevCondLst>
+              <p:nextCondLst>
+                <p:cond evt="onNext" delay="0">
+                  <p:tgtEl>
+                    <p:sldTgt/>
+                  </p:tgtEl>
+                </p:cond>
+              </p:nextCondLst>
+            </p:seq>
+          </p:childTnLst>
+        </p:cTn>
+      </p:par>
+    </p:tnLst>
+  </p:timing>
 </p:sld>
 </file>
 
@@ -40205,3780 +40288,6 @@
       </p:grpSpPr>
       <p:sp>
         <p:nvSpPr>
-          <p:cNvPr id="8" name="Rectangle 7"/>
-          <p:cNvSpPr>
-            <a:spLocks noGrp="1" noRot="1" noChangeAspect="1" noMove="1" noResize="1" noEditPoints="1" noAdjustHandles="1" noChangeArrowheads="1" noChangeShapeType="1" noTextEdit="1"/>
-          </p:cNvSpPr>
-          <p:nvPr>
-            <p:extLst>
-              <p:ext uri="{386F3935-93C4-4BCD-93E2-E3B085C9AB24}">
-                <p16:designElem xmlns:p16="http://schemas.microsoft.com/office/powerpoint/2015/main" val="1"/>
-              </p:ext>
-            </p:extLst>
-          </p:nvPr>
-        </p:nvSpPr>
-        <p:spPr>
-          <a:xfrm>
-            <a:off x="1" y="758952"/>
-            <a:ext cx="3443590" cy="5330952"/>
-          </a:xfrm>
-          <a:prstGeom prst="rect">
-            <a:avLst/>
-          </a:prstGeom>
-          <a:solidFill>
-            <a:schemeClr val="accent1"/>
-          </a:solidFill>
-          <a:ln>
-            <a:noFill/>
-          </a:ln>
-        </p:spPr>
-        <p:style>
-          <a:lnRef idx="2">
-            <a:schemeClr val="accent1">
-              <a:shade val="50000"/>
-            </a:schemeClr>
-          </a:lnRef>
-          <a:fillRef idx="1">
-            <a:schemeClr val="accent1"/>
-          </a:fillRef>
-          <a:effectRef idx="0">
-            <a:schemeClr val="accent1"/>
-          </a:effectRef>
-          <a:fontRef idx="minor">
-            <a:schemeClr val="lt1"/>
-          </a:fontRef>
-        </p:style>
-      </p:sp>
-      <p:sp>
-        <p:nvSpPr>
-          <p:cNvPr id="10" name="Rectangle 9"/>
-          <p:cNvSpPr>
-            <a:spLocks noGrp="1" noRot="1" noChangeAspect="1" noMove="1" noResize="1" noEditPoints="1" noAdjustHandles="1" noChangeArrowheads="1" noChangeShapeType="1" noTextEdit="1"/>
-          </p:cNvSpPr>
-          <p:nvPr>
-            <p:extLst>
-              <p:ext uri="{386F3935-93C4-4BCD-93E2-E3B085C9AB24}">
-                <p16:designElem xmlns:p16="http://schemas.microsoft.com/office/powerpoint/2015/main" val="1"/>
-              </p:ext>
-            </p:extLst>
-          </p:nvPr>
-        </p:nvSpPr>
-        <p:spPr>
-          <a:xfrm>
-            <a:off x="11815864" y="758952"/>
-            <a:ext cx="384048" cy="5330952"/>
-          </a:xfrm>
-          <a:prstGeom prst="rect">
-            <a:avLst/>
-          </a:prstGeom>
-          <a:solidFill>
-            <a:srgbClr val="C8C8C8">
-              <a:alpha val="49804"/>
-            </a:srgbClr>
-          </a:solidFill>
-          <a:ln>
-            <a:noFill/>
-          </a:ln>
-        </p:spPr>
-        <p:style>
-          <a:lnRef idx="2">
-            <a:schemeClr val="accent1">
-              <a:shade val="50000"/>
-            </a:schemeClr>
-          </a:lnRef>
-          <a:fillRef idx="1">
-            <a:schemeClr val="accent1"/>
-          </a:fillRef>
-          <a:effectRef idx="0">
-            <a:schemeClr val="accent1"/>
-          </a:effectRef>
-          <a:fontRef idx="minor">
-            <a:schemeClr val="lt1"/>
-          </a:fontRef>
-        </p:style>
-      </p:sp>
-      <p:sp>
-        <p:nvSpPr>
-          <p:cNvPr id="9" name="Title 1">
-            <a:extLst>
-              <a:ext uri="{FF2B5EF4-FFF2-40B4-BE49-F238E27FC236}">
-                <a16:creationId xmlns:a16="http://schemas.microsoft.com/office/drawing/2014/main" id="{519F807E-5958-4995-A227-C4835B3B6E7D}"/>
-              </a:ext>
-            </a:extLst>
-          </p:cNvPr>
-          <p:cNvSpPr txBox="1">
-            <a:spLocks/>
-          </p:cNvSpPr>
-          <p:nvPr/>
-        </p:nvSpPr>
-        <p:spPr>
-          <a:xfrm>
-            <a:off x="252919" y="1123837"/>
-            <a:ext cx="2947482" cy="4601183"/>
-          </a:xfrm>
-          <a:prstGeom prst="rect">
-            <a:avLst/>
-          </a:prstGeom>
-        </p:spPr>
-        <p:txBody>
-          <a:bodyPr>
-            <a:normAutofit/>
-          </a:bodyPr>
-          <a:lstStyle>
-            <a:lvl1pPr algn="l" defTabSz="914400" rtl="0" eaLnBrk="1" latinLnBrk="0" hangingPunct="1">
-              <a:lnSpc>
-                <a:spcPct val="90000"/>
-              </a:lnSpc>
-              <a:spcBef>
-                <a:spcPct val="0"/>
-              </a:spcBef>
-              <a:buNone/>
-              <a:defRPr sz="3600" kern="1200" spc="-60" baseline="0">
-                <a:solidFill>
-                  <a:srgbClr val="FFFFFF"/>
-                </a:solidFill>
-                <a:latin typeface="+mj-lt"/>
-                <a:ea typeface="+mj-ea"/>
-                <a:cs typeface="+mj-cs"/>
-              </a:defRPr>
-            </a:lvl1pPr>
-          </a:lstStyle>
-          <a:p>
-            <a:endParaRPr lang="en-GB" sz="2000" dirty="0"/>
-          </a:p>
-          <a:p>
-            <a:endParaRPr lang="en-GB" sz="2000" dirty="0"/>
-          </a:p>
-          <a:p>
-            <a:endParaRPr lang="en-GB" sz="2000" dirty="0"/>
-          </a:p>
-          <a:p>
-            <a:endParaRPr lang="en-GB" sz="2000" dirty="0"/>
-          </a:p>
-          <a:p>
-            <a:pPr marL="342900" indent="-342900">
-              <a:buFont typeface="Arial" panose="020B0604020202020204" pitchFamily="34" charset="0"/>
-              <a:buChar char="•"/>
-            </a:pPr>
-            <a:endParaRPr lang="en-GB" sz="2000" dirty="0"/>
-          </a:p>
-          <a:p>
-            <a:r>
-              <a:rPr lang="en-GB" sz="2000" dirty="0"/>
-              <a:t>4 feature teams</a:t>
-            </a:r>
-          </a:p>
-          <a:p>
-            <a:r>
-              <a:rPr lang="en-GB" sz="2000" dirty="0"/>
-              <a:t>1 ops team</a:t>
-            </a:r>
-          </a:p>
-          <a:p>
-            <a:r>
-              <a:rPr lang="en-GB" sz="2000" dirty="0"/>
-              <a:t>1 </a:t>
-            </a:r>
-            <a:r>
-              <a:rPr lang="en-GB" sz="2000" dirty="0" err="1"/>
-              <a:t>rel</a:t>
-            </a:r>
-            <a:r>
-              <a:rPr lang="en-GB" sz="2000" dirty="0"/>
-              <a:t> management team</a:t>
-            </a:r>
-          </a:p>
-          <a:p>
-            <a:pPr marL="342900" indent="-342900">
-              <a:buFont typeface="Arial" panose="020B0604020202020204" pitchFamily="34" charset="0"/>
-              <a:buChar char="•"/>
-            </a:pPr>
-            <a:endParaRPr lang="en-GB" sz="2000" dirty="0"/>
-          </a:p>
-          <a:p>
-            <a:r>
-              <a:rPr lang="en-GB" sz="2000" dirty="0"/>
-              <a:t>4 dev servers</a:t>
-            </a:r>
-          </a:p>
-          <a:p>
-            <a:r>
-              <a:rPr lang="en-GB" sz="2000" dirty="0"/>
-              <a:t>4 test server</a:t>
-            </a:r>
-          </a:p>
-          <a:p>
-            <a:r>
-              <a:rPr lang="en-GB" sz="2000" dirty="0"/>
-              <a:t>1 prod server </a:t>
-            </a:r>
-          </a:p>
-          <a:p>
-            <a:r>
-              <a:rPr lang="en-GB" sz="2000" dirty="0"/>
-              <a:t>   (only accessible to Ops)</a:t>
-            </a:r>
-          </a:p>
-          <a:p>
-            <a:pPr marL="342900" indent="-342900">
-              <a:buFont typeface="Arial" panose="020B0604020202020204" pitchFamily="34" charset="0"/>
-              <a:buChar char="•"/>
-            </a:pPr>
-            <a:endParaRPr lang="en-GB" sz="2000" dirty="0"/>
-          </a:p>
-          <a:p>
-            <a:r>
-              <a:rPr lang="en-GB" sz="2000" dirty="0"/>
-              <a:t>1 source control</a:t>
-            </a:r>
-          </a:p>
-          <a:p>
-            <a:pPr marL="342900" indent="-342900">
-              <a:buFont typeface="Arial" panose="020B0604020202020204" pitchFamily="34" charset="0"/>
-              <a:buChar char="•"/>
-            </a:pPr>
-            <a:endParaRPr lang="en-GB" sz="2000" dirty="0"/>
-          </a:p>
-        </p:txBody>
-      </p:sp>
-      <p:grpSp>
-        <p:nvGrpSpPr>
-          <p:cNvPr id="33" name="Group 32">
-            <a:extLst>
-              <a:ext uri="{FF2B5EF4-FFF2-40B4-BE49-F238E27FC236}">
-                <a16:creationId xmlns:a16="http://schemas.microsoft.com/office/drawing/2014/main" id="{59508D3E-B251-45BD-95F3-102411C3EBEC}"/>
-              </a:ext>
-            </a:extLst>
-          </p:cNvPr>
-          <p:cNvGrpSpPr/>
-          <p:nvPr/>
-        </p:nvGrpSpPr>
-        <p:grpSpPr>
-          <a:xfrm>
-            <a:off x="8101035" y="374042"/>
-            <a:ext cx="729695" cy="1033294"/>
-            <a:chOff x="6303777" y="374042"/>
-            <a:chExt cx="729695" cy="1033294"/>
-          </a:xfrm>
-        </p:grpSpPr>
-        <p:pic>
-          <p:nvPicPr>
-            <p:cNvPr id="78" name="Picture 77">
-              <a:extLst>
-                <a:ext uri="{FF2B5EF4-FFF2-40B4-BE49-F238E27FC236}">
-                  <a16:creationId xmlns:a16="http://schemas.microsoft.com/office/drawing/2014/main" id="{2115F1AC-6610-415E-B703-F8C55F8DD4E9}"/>
-                </a:ext>
-              </a:extLst>
-            </p:cNvPr>
-            <p:cNvPicPr>
-              <a:picLocks noChangeAspect="1"/>
-            </p:cNvPicPr>
-            <p:nvPr/>
-          </p:nvPicPr>
-          <p:blipFill rotWithShape="1">
-            <a:blip r:embed="rId3">
-              <a:extLst>
-                <a:ext uri="{28A0092B-C50C-407E-A947-70E740481C1C}">
-                  <a14:useLocalDpi xmlns:a14="http://schemas.microsoft.com/office/drawing/2010/main" val="0"/>
-                </a:ext>
-              </a:extLst>
-            </a:blip>
-            <a:srcRect t="6041" r="93107" b="72145"/>
-            <a:stretch/>
-          </p:blipFill>
-          <p:spPr>
-            <a:xfrm>
-              <a:off x="6303777" y="374042"/>
-              <a:ext cx="455883" cy="895989"/>
-            </a:xfrm>
-            <a:prstGeom prst="rect">
-              <a:avLst/>
-            </a:prstGeom>
-          </p:spPr>
-        </p:pic>
-        <p:pic>
-          <p:nvPicPr>
-            <p:cNvPr id="77" name="Picture 76">
-              <a:extLst>
-                <a:ext uri="{FF2B5EF4-FFF2-40B4-BE49-F238E27FC236}">
-                  <a16:creationId xmlns:a16="http://schemas.microsoft.com/office/drawing/2014/main" id="{602D73FE-5357-4EA1-864F-A1660222A8B8}"/>
-                </a:ext>
-              </a:extLst>
-            </p:cNvPr>
-            <p:cNvPicPr>
-              <a:picLocks noChangeAspect="1"/>
-            </p:cNvPicPr>
-            <p:nvPr/>
-          </p:nvPicPr>
-          <p:blipFill rotWithShape="1">
-            <a:blip r:embed="rId3">
-              <a:extLst>
-                <a:ext uri="{28A0092B-C50C-407E-A947-70E740481C1C}">
-                  <a14:useLocalDpi xmlns:a14="http://schemas.microsoft.com/office/drawing/2010/main" val="0"/>
-                </a:ext>
-              </a:extLst>
-            </a:blip>
-            <a:srcRect t="6041" r="93107" b="72145"/>
-            <a:stretch/>
-          </p:blipFill>
-          <p:spPr>
-            <a:xfrm>
-              <a:off x="6577589" y="396255"/>
-              <a:ext cx="455883" cy="895989"/>
-            </a:xfrm>
-            <a:prstGeom prst="rect">
-              <a:avLst/>
-            </a:prstGeom>
-          </p:spPr>
-        </p:pic>
-        <p:pic>
-          <p:nvPicPr>
-            <p:cNvPr id="39" name="Picture 38">
-              <a:extLst>
-                <a:ext uri="{FF2B5EF4-FFF2-40B4-BE49-F238E27FC236}">
-                  <a16:creationId xmlns:a16="http://schemas.microsoft.com/office/drawing/2014/main" id="{097AA44A-FD5C-4FE4-ACC2-924CA0150726}"/>
-                </a:ext>
-              </a:extLst>
-            </p:cNvPr>
-            <p:cNvPicPr>
-              <a:picLocks noChangeAspect="1"/>
-            </p:cNvPicPr>
-            <p:nvPr/>
-          </p:nvPicPr>
-          <p:blipFill rotWithShape="1">
-            <a:blip r:embed="rId3">
-              <a:extLst>
-                <a:ext uri="{28A0092B-C50C-407E-A947-70E740481C1C}">
-                  <a14:useLocalDpi xmlns:a14="http://schemas.microsoft.com/office/drawing/2010/main" val="0"/>
-                </a:ext>
-              </a:extLst>
-            </a:blip>
-            <a:srcRect t="6041" r="93107" b="72145"/>
-            <a:stretch/>
-          </p:blipFill>
-          <p:spPr>
-            <a:xfrm>
-              <a:off x="6376317" y="511347"/>
-              <a:ext cx="455883" cy="895989"/>
-            </a:xfrm>
-            <a:prstGeom prst="rect">
-              <a:avLst/>
-            </a:prstGeom>
-          </p:spPr>
-        </p:pic>
-      </p:grpSp>
-      <p:grpSp>
-        <p:nvGrpSpPr>
-          <p:cNvPr id="2" name="Group 1">
-            <a:extLst>
-              <a:ext uri="{FF2B5EF4-FFF2-40B4-BE49-F238E27FC236}">
-                <a16:creationId xmlns:a16="http://schemas.microsoft.com/office/drawing/2014/main" id="{5EFFC9DB-D3C4-41B3-8C51-90F03D05C4F1}"/>
-              </a:ext>
-            </a:extLst>
-          </p:cNvPr>
-          <p:cNvGrpSpPr/>
-          <p:nvPr/>
-        </p:nvGrpSpPr>
-        <p:grpSpPr>
-          <a:xfrm>
-            <a:off x="9966803" y="329832"/>
-            <a:ext cx="792355" cy="1051570"/>
-            <a:chOff x="7543712" y="404091"/>
-            <a:chExt cx="792355" cy="1051570"/>
-          </a:xfrm>
-        </p:grpSpPr>
-        <p:pic>
-          <p:nvPicPr>
-            <p:cNvPr id="1026" name="Picture 2" descr="http://www.clipartsfree.net/vector/medium/ServerCabinet_Clip_Art.png">
-              <a:extLst>
-                <a:ext uri="{FF2B5EF4-FFF2-40B4-BE49-F238E27FC236}">
-                  <a16:creationId xmlns:a16="http://schemas.microsoft.com/office/drawing/2014/main" id="{C47F773F-8CE8-4557-8618-0F1B2052791D}"/>
-                </a:ext>
-              </a:extLst>
-            </p:cNvPr>
-            <p:cNvPicPr>
-              <a:picLocks noChangeAspect="1" noChangeArrowheads="1"/>
-            </p:cNvPicPr>
-            <p:nvPr/>
-          </p:nvPicPr>
-          <p:blipFill>
-            <a:blip r:embed="rId4" cstate="print">
-              <a:extLst>
-                <a:ext uri="{28A0092B-C50C-407E-A947-70E740481C1C}">
-                  <a14:useLocalDpi xmlns:a14="http://schemas.microsoft.com/office/drawing/2010/main" val="0"/>
-                </a:ext>
-              </a:extLst>
-            </a:blip>
-            <a:srcRect/>
-            <a:stretch>
-              <a:fillRect/>
-            </a:stretch>
-          </p:blipFill>
-          <p:spPr bwMode="auto">
-            <a:xfrm>
-              <a:off x="7543712" y="607936"/>
-              <a:ext cx="491681" cy="847725"/>
-            </a:xfrm>
-            <a:prstGeom prst="rect">
-              <a:avLst/>
-            </a:prstGeom>
-            <a:noFill/>
-            <a:extLst>
-              <a:ext uri="{909E8E84-426E-40DD-AFC4-6F175D3DCCD1}">
-                <a14:hiddenFill xmlns:a14="http://schemas.microsoft.com/office/drawing/2010/main">
-                  <a:solidFill>
-                    <a:srgbClr val="FFFFFF"/>
-                  </a:solidFill>
-                </a14:hiddenFill>
-              </a:ext>
-            </a:extLst>
-          </p:spPr>
-        </p:pic>
-        <p:pic>
-          <p:nvPicPr>
-            <p:cNvPr id="4100" name="Picture 4" descr="Image result for lock icon">
-              <a:extLst>
-                <a:ext uri="{FF2B5EF4-FFF2-40B4-BE49-F238E27FC236}">
-                  <a16:creationId xmlns:a16="http://schemas.microsoft.com/office/drawing/2014/main" id="{69572CD1-8765-44A6-87F5-EDC7DFB5AE1F}"/>
-                </a:ext>
-              </a:extLst>
-            </p:cNvPr>
-            <p:cNvPicPr>
-              <a:picLocks noChangeAspect="1" noChangeArrowheads="1"/>
-            </p:cNvPicPr>
-            <p:nvPr/>
-          </p:nvPicPr>
-          <p:blipFill>
-            <a:blip r:embed="rId5" cstate="print">
-              <a:duotone>
-                <a:schemeClr val="accent4">
-                  <a:shade val="45000"/>
-                  <a:satMod val="135000"/>
-                </a:schemeClr>
-                <a:prstClr val="white"/>
-              </a:duotone>
-              <a:extLst>
-                <a:ext uri="{28A0092B-C50C-407E-A947-70E740481C1C}">
-                  <a14:useLocalDpi xmlns:a14="http://schemas.microsoft.com/office/drawing/2010/main" val="0"/>
-                </a:ext>
-              </a:extLst>
-            </a:blip>
-            <a:srcRect/>
-            <a:stretch>
-              <a:fillRect/>
-            </a:stretch>
-          </p:blipFill>
-          <p:spPr bwMode="auto">
-            <a:xfrm>
-              <a:off x="7802643" y="404091"/>
-              <a:ext cx="533424" cy="533424"/>
-            </a:xfrm>
-            <a:prstGeom prst="rect">
-              <a:avLst/>
-            </a:prstGeom>
-            <a:noFill/>
-            <a:extLst>
-              <a:ext uri="{909E8E84-426E-40DD-AFC4-6F175D3DCCD1}">
-                <a14:hiddenFill xmlns:a14="http://schemas.microsoft.com/office/drawing/2010/main">
-                  <a:solidFill>
-                    <a:srgbClr val="FFFFFF"/>
-                  </a:solidFill>
-                </a14:hiddenFill>
-              </a:ext>
-            </a:extLst>
-          </p:spPr>
-        </p:pic>
-      </p:grpSp>
-      <p:pic>
-        <p:nvPicPr>
-          <p:cNvPr id="3076" name="Picture 4" descr="Image result for github icon">
-            <a:extLst>
-              <a:ext uri="{FF2B5EF4-FFF2-40B4-BE49-F238E27FC236}">
-                <a16:creationId xmlns:a16="http://schemas.microsoft.com/office/drawing/2014/main" id="{60D83C29-A459-4599-905C-713F3437308E}"/>
-              </a:ext>
-            </a:extLst>
-          </p:cNvPr>
-          <p:cNvPicPr>
-            <a:picLocks noChangeAspect="1" noChangeArrowheads="1"/>
-          </p:cNvPicPr>
-          <p:nvPr/>
-        </p:nvPicPr>
-        <p:blipFill>
-          <a:blip r:embed="rId6" cstate="print">
-            <a:extLst>
-              <a:ext uri="{28A0092B-C50C-407E-A947-70E740481C1C}">
-                <a14:useLocalDpi xmlns:a14="http://schemas.microsoft.com/office/drawing/2010/main" val="0"/>
-              </a:ext>
-            </a:extLst>
-          </a:blip>
-          <a:srcRect/>
-          <a:stretch>
-            <a:fillRect/>
-          </a:stretch>
-        </p:blipFill>
-        <p:spPr bwMode="auto">
-          <a:xfrm>
-            <a:off x="7257850" y="5749291"/>
-            <a:ext cx="542758" cy="542758"/>
-          </a:xfrm>
-          <a:prstGeom prst="rect">
-            <a:avLst/>
-          </a:prstGeom>
-          <a:noFill/>
-          <a:extLst>
-            <a:ext uri="{909E8E84-426E-40DD-AFC4-6F175D3DCCD1}">
-              <a14:hiddenFill xmlns:a14="http://schemas.microsoft.com/office/drawing/2010/main">
-                <a:solidFill>
-                  <a:srgbClr val="FFFFFF"/>
-                </a:solidFill>
-              </a14:hiddenFill>
-            </a:ext>
-          </a:extLst>
-        </p:spPr>
-      </p:pic>
-      <p:pic>
-        <p:nvPicPr>
-          <p:cNvPr id="3" name="Picture 2">
-            <a:extLst>
-              <a:ext uri="{FF2B5EF4-FFF2-40B4-BE49-F238E27FC236}">
-                <a16:creationId xmlns:a16="http://schemas.microsoft.com/office/drawing/2014/main" id="{6FB08E16-8F40-48AA-98FD-37185E364268}"/>
-              </a:ext>
-            </a:extLst>
-          </p:cNvPr>
-          <p:cNvPicPr>
-            <a:picLocks noChangeAspect="1"/>
-          </p:cNvPicPr>
-          <p:nvPr/>
-        </p:nvPicPr>
-        <p:blipFill rotWithShape="1">
-          <a:blip r:embed="rId3">
-            <a:duotone>
-              <a:prstClr val="black"/>
-              <a:srgbClr val="FF0000">
-                <a:tint val="45000"/>
-                <a:satMod val="400000"/>
-              </a:srgbClr>
-            </a:duotone>
-            <a:extLst>
-              <a:ext uri="{28A0092B-C50C-407E-A947-70E740481C1C}">
-                <a14:useLocalDpi xmlns:a14="http://schemas.microsoft.com/office/drawing/2010/main" val="0"/>
-              </a:ext>
-            </a:extLst>
-          </a:blip>
-          <a:srcRect l="29936" t="4876" r="64066" b="71646"/>
-          <a:stretch/>
-        </p:blipFill>
-        <p:spPr>
-          <a:xfrm>
-            <a:off x="4705650" y="3918529"/>
-            <a:ext cx="423864" cy="1028662"/>
-          </a:xfrm>
-          <a:prstGeom prst="rect">
-            <a:avLst/>
-          </a:prstGeom>
-        </p:spPr>
-      </p:pic>
-      <p:pic>
-        <p:nvPicPr>
-          <p:cNvPr id="11" name="Picture 10">
-            <a:extLst>
-              <a:ext uri="{FF2B5EF4-FFF2-40B4-BE49-F238E27FC236}">
-                <a16:creationId xmlns:a16="http://schemas.microsoft.com/office/drawing/2014/main" id="{4F6083DD-422D-4276-9581-DBF80E5D6C36}"/>
-              </a:ext>
-            </a:extLst>
-          </p:cNvPr>
-          <p:cNvPicPr>
-            <a:picLocks noChangeAspect="1"/>
-          </p:cNvPicPr>
-          <p:nvPr/>
-        </p:nvPicPr>
-        <p:blipFill rotWithShape="1">
-          <a:blip r:embed="rId3">
-            <a:duotone>
-              <a:prstClr val="black"/>
-              <a:srgbClr val="FF0000">
-                <a:tint val="45000"/>
-                <a:satMod val="400000"/>
-              </a:srgbClr>
-            </a:duotone>
-            <a:extLst>
-              <a:ext uri="{28A0092B-C50C-407E-A947-70E740481C1C}">
-                <a14:useLocalDpi xmlns:a14="http://schemas.microsoft.com/office/drawing/2010/main" val="0"/>
-              </a:ext>
-            </a:extLst>
-          </a:blip>
-          <a:srcRect l="53065" t="6374" r="41247" b="72099"/>
-          <a:stretch/>
-        </p:blipFill>
-        <p:spPr>
-          <a:xfrm>
-            <a:off x="5119989" y="3978708"/>
-            <a:ext cx="404811" cy="951527"/>
-          </a:xfrm>
-          <a:prstGeom prst="rect">
-            <a:avLst/>
-          </a:prstGeom>
-        </p:spPr>
-      </p:pic>
-      <p:pic>
-        <p:nvPicPr>
-          <p:cNvPr id="12" name="Picture 11">
-            <a:extLst>
-              <a:ext uri="{FF2B5EF4-FFF2-40B4-BE49-F238E27FC236}">
-                <a16:creationId xmlns:a16="http://schemas.microsoft.com/office/drawing/2014/main" id="{5107AFEA-9D34-477F-BFD1-951C643E67CA}"/>
-              </a:ext>
-            </a:extLst>
-          </p:cNvPr>
-          <p:cNvPicPr>
-            <a:picLocks noChangeAspect="1"/>
-          </p:cNvPicPr>
-          <p:nvPr/>
-        </p:nvPicPr>
-        <p:blipFill rotWithShape="1">
-          <a:blip r:embed="rId3">
-            <a:duotone>
-              <a:prstClr val="black"/>
-              <a:srgbClr val="FF0000">
-                <a:tint val="45000"/>
-                <a:satMod val="400000"/>
-              </a:srgbClr>
-            </a:duotone>
-            <a:extLst>
-              <a:ext uri="{28A0092B-C50C-407E-A947-70E740481C1C}">
-                <a14:useLocalDpi xmlns:a14="http://schemas.microsoft.com/office/drawing/2010/main" val="0"/>
-              </a:ext>
-            </a:extLst>
-          </a:blip>
-          <a:srcRect l="24352" t="29140" r="70270" b="50452"/>
-          <a:stretch/>
-        </p:blipFill>
-        <p:spPr>
-          <a:xfrm>
-            <a:off x="4298538" y="4088996"/>
-            <a:ext cx="376239" cy="886770"/>
-          </a:xfrm>
-          <a:prstGeom prst="rect">
-            <a:avLst/>
-          </a:prstGeom>
-        </p:spPr>
-      </p:pic>
-      <p:pic>
-        <p:nvPicPr>
-          <p:cNvPr id="13" name="Picture 12">
-            <a:extLst>
-              <a:ext uri="{FF2B5EF4-FFF2-40B4-BE49-F238E27FC236}">
-                <a16:creationId xmlns:a16="http://schemas.microsoft.com/office/drawing/2014/main" id="{66A1D874-7B97-4808-97B8-402A46A5E9FC}"/>
-              </a:ext>
-            </a:extLst>
-          </p:cNvPr>
-          <p:cNvPicPr>
-            <a:picLocks noChangeAspect="1"/>
-          </p:cNvPicPr>
-          <p:nvPr/>
-        </p:nvPicPr>
-        <p:blipFill rotWithShape="1">
-          <a:blip r:embed="rId3">
-            <a:duotone>
-              <a:prstClr val="black"/>
-              <a:srgbClr val="FF0000">
-                <a:tint val="45000"/>
-                <a:satMod val="400000"/>
-              </a:srgbClr>
-            </a:duotone>
-            <a:extLst>
-              <a:ext uri="{28A0092B-C50C-407E-A947-70E740481C1C}">
-                <a14:useLocalDpi xmlns:a14="http://schemas.microsoft.com/office/drawing/2010/main" val="0"/>
-              </a:ext>
-            </a:extLst>
-          </a:blip>
-          <a:srcRect l="69896" t="48548" r="23588" b="31327"/>
-          <a:stretch/>
-        </p:blipFill>
-        <p:spPr>
-          <a:xfrm>
-            <a:off x="4862650" y="4432860"/>
-            <a:ext cx="452931" cy="868908"/>
-          </a:xfrm>
-          <a:prstGeom prst="rect">
-            <a:avLst/>
-          </a:prstGeom>
-        </p:spPr>
-      </p:pic>
-      <p:pic>
-        <p:nvPicPr>
-          <p:cNvPr id="14" name="Picture 2" descr="http://www.clipartsfree.net/vector/medium/ServerCabinet_Clip_Art.png">
-            <a:extLst>
-              <a:ext uri="{FF2B5EF4-FFF2-40B4-BE49-F238E27FC236}">
-                <a16:creationId xmlns:a16="http://schemas.microsoft.com/office/drawing/2014/main" id="{5A6666B4-D0A9-441C-95E1-55B336661432}"/>
-              </a:ext>
-            </a:extLst>
-          </p:cNvPr>
-          <p:cNvPicPr>
-            <a:picLocks noChangeAspect="1" noChangeArrowheads="1"/>
-          </p:cNvPicPr>
-          <p:nvPr/>
-        </p:nvPicPr>
-        <p:blipFill>
-          <a:blip r:embed="rId4" cstate="print">
-            <a:duotone>
-              <a:schemeClr val="accent4">
-                <a:shade val="45000"/>
-                <a:satMod val="135000"/>
-              </a:schemeClr>
-              <a:prstClr val="white"/>
-            </a:duotone>
-            <a:extLst>
-              <a:ext uri="{28A0092B-C50C-407E-A947-70E740481C1C}">
-                <a14:useLocalDpi xmlns:a14="http://schemas.microsoft.com/office/drawing/2010/main" val="0"/>
-              </a:ext>
-            </a:extLst>
-          </a:blip>
-          <a:srcRect/>
-          <a:stretch>
-            <a:fillRect/>
-          </a:stretch>
-        </p:blipFill>
-        <p:spPr bwMode="auto">
-          <a:xfrm>
-            <a:off x="4825718" y="2040980"/>
-            <a:ext cx="491681" cy="847725"/>
-          </a:xfrm>
-          <a:prstGeom prst="rect">
-            <a:avLst/>
-          </a:prstGeom>
-          <a:noFill/>
-          <a:extLst>
-            <a:ext uri="{909E8E84-426E-40DD-AFC4-6F175D3DCCD1}">
-              <a14:hiddenFill xmlns:a14="http://schemas.microsoft.com/office/drawing/2010/main">
-                <a:solidFill>
-                  <a:srgbClr val="FFFFFF"/>
-                </a:solidFill>
-              </a14:hiddenFill>
-            </a:ext>
-          </a:extLst>
-        </p:spPr>
-      </p:pic>
-      <p:sp>
-        <p:nvSpPr>
-          <p:cNvPr id="4" name="Arrow: Up-Down 3">
-            <a:extLst>
-              <a:ext uri="{FF2B5EF4-FFF2-40B4-BE49-F238E27FC236}">
-                <a16:creationId xmlns:a16="http://schemas.microsoft.com/office/drawing/2014/main" id="{CE645A06-4630-4A09-B561-67003B5AFB89}"/>
-              </a:ext>
-            </a:extLst>
-          </p:cNvPr>
-          <p:cNvSpPr/>
-          <p:nvPr/>
-        </p:nvSpPr>
-        <p:spPr>
-          <a:xfrm>
-            <a:off x="7407561" y="5387748"/>
-            <a:ext cx="214700" cy="314325"/>
-          </a:xfrm>
-          <a:prstGeom prst="upDownArrow">
-            <a:avLst/>
-          </a:prstGeom>
-        </p:spPr>
-        <p:style>
-          <a:lnRef idx="2">
-            <a:schemeClr val="accent1">
-              <a:shade val="50000"/>
-            </a:schemeClr>
-          </a:lnRef>
-          <a:fillRef idx="1">
-            <a:schemeClr val="accent1"/>
-          </a:fillRef>
-          <a:effectRef idx="0">
-            <a:schemeClr val="accent1"/>
-          </a:effectRef>
-          <a:fontRef idx="minor">
-            <a:schemeClr val="lt1"/>
-          </a:fontRef>
-        </p:style>
-        <p:txBody>
-          <a:bodyPr rtlCol="0" anchor="ctr"/>
-          <a:lstStyle/>
-          <a:p>
-            <a:pPr algn="ctr"/>
-            <a:endParaRPr lang="en-GB"/>
-          </a:p>
-        </p:txBody>
-      </p:sp>
-      <p:pic>
-        <p:nvPicPr>
-          <p:cNvPr id="16" name="Picture 15">
-            <a:extLst>
-              <a:ext uri="{FF2B5EF4-FFF2-40B4-BE49-F238E27FC236}">
-                <a16:creationId xmlns:a16="http://schemas.microsoft.com/office/drawing/2014/main" id="{889735D2-3C61-4999-894A-6D16CBB4D265}"/>
-              </a:ext>
-            </a:extLst>
-          </p:cNvPr>
-          <p:cNvPicPr>
-            <a:picLocks noChangeAspect="1"/>
-          </p:cNvPicPr>
-          <p:nvPr/>
-        </p:nvPicPr>
-        <p:blipFill rotWithShape="1">
-          <a:blip r:embed="rId3">
-            <a:duotone>
-              <a:prstClr val="black"/>
-              <a:srgbClr val="FF0000">
-                <a:tint val="45000"/>
-                <a:satMod val="400000"/>
-              </a:srgbClr>
-            </a:duotone>
-            <a:extLst>
-              <a:ext uri="{28A0092B-C50C-407E-A947-70E740481C1C}">
-                <a14:useLocalDpi xmlns:a14="http://schemas.microsoft.com/office/drawing/2010/main" val="0"/>
-              </a:ext>
-            </a:extLst>
-          </a:blip>
-          <a:srcRect l="29936" t="4876" r="64066" b="71646"/>
-          <a:stretch/>
-        </p:blipFill>
-        <p:spPr>
-          <a:xfrm>
-            <a:off x="5524800" y="3918529"/>
-            <a:ext cx="423864" cy="1028662"/>
-          </a:xfrm>
-          <a:prstGeom prst="rect">
-            <a:avLst/>
-          </a:prstGeom>
-        </p:spPr>
-      </p:pic>
-      <p:pic>
-        <p:nvPicPr>
-          <p:cNvPr id="17" name="Picture 16">
-            <a:extLst>
-              <a:ext uri="{FF2B5EF4-FFF2-40B4-BE49-F238E27FC236}">
-                <a16:creationId xmlns:a16="http://schemas.microsoft.com/office/drawing/2014/main" id="{FD99AF84-8CD9-4CFA-A79C-BF44DDEE746C}"/>
-              </a:ext>
-            </a:extLst>
-          </p:cNvPr>
-          <p:cNvPicPr>
-            <a:picLocks noChangeAspect="1"/>
-          </p:cNvPicPr>
-          <p:nvPr/>
-        </p:nvPicPr>
-        <p:blipFill rotWithShape="1">
-          <a:blip r:embed="rId3">
-            <a:duotone>
-              <a:prstClr val="black"/>
-              <a:srgbClr val="FF0000">
-                <a:tint val="45000"/>
-                <a:satMod val="400000"/>
-              </a:srgbClr>
-            </a:duotone>
-            <a:extLst>
-              <a:ext uri="{28A0092B-C50C-407E-A947-70E740481C1C}">
-                <a14:useLocalDpi xmlns:a14="http://schemas.microsoft.com/office/drawing/2010/main" val="0"/>
-              </a:ext>
-            </a:extLst>
-          </a:blip>
-          <a:srcRect l="24352" t="29140" r="70270" b="50452"/>
-          <a:stretch/>
-        </p:blipFill>
-        <p:spPr>
-          <a:xfrm>
-            <a:off x="5319138" y="4403667"/>
-            <a:ext cx="376239" cy="886770"/>
-          </a:xfrm>
-          <a:prstGeom prst="rect">
-            <a:avLst/>
-          </a:prstGeom>
-        </p:spPr>
-      </p:pic>
-      <p:pic>
-        <p:nvPicPr>
-          <p:cNvPr id="18" name="Picture 17">
-            <a:extLst>
-              <a:ext uri="{FF2B5EF4-FFF2-40B4-BE49-F238E27FC236}">
-                <a16:creationId xmlns:a16="http://schemas.microsoft.com/office/drawing/2014/main" id="{ECD5E561-73A9-43F2-AB70-4592557FE73B}"/>
-              </a:ext>
-            </a:extLst>
-          </p:cNvPr>
-          <p:cNvPicPr>
-            <a:picLocks noChangeAspect="1"/>
-          </p:cNvPicPr>
-          <p:nvPr/>
-        </p:nvPicPr>
-        <p:blipFill rotWithShape="1">
-          <a:blip r:embed="rId3">
-            <a:duotone>
-              <a:prstClr val="black"/>
-              <a:srgbClr val="FF0000">
-                <a:tint val="45000"/>
-                <a:satMod val="400000"/>
-              </a:srgbClr>
-            </a:duotone>
-            <a:extLst>
-              <a:ext uri="{28A0092B-C50C-407E-A947-70E740481C1C}">
-                <a14:useLocalDpi xmlns:a14="http://schemas.microsoft.com/office/drawing/2010/main" val="0"/>
-              </a:ext>
-            </a:extLst>
-          </a:blip>
-          <a:srcRect l="53065" t="6374" r="41247" b="72099"/>
-          <a:stretch/>
-        </p:blipFill>
-        <p:spPr>
-          <a:xfrm>
-            <a:off x="4527711" y="4298849"/>
-            <a:ext cx="404811" cy="951527"/>
-          </a:xfrm>
-          <a:prstGeom prst="rect">
-            <a:avLst/>
-          </a:prstGeom>
-        </p:spPr>
-      </p:pic>
-      <p:pic>
-        <p:nvPicPr>
-          <p:cNvPr id="19" name="Picture 18">
-            <a:extLst>
-              <a:ext uri="{FF2B5EF4-FFF2-40B4-BE49-F238E27FC236}">
-                <a16:creationId xmlns:a16="http://schemas.microsoft.com/office/drawing/2014/main" id="{D5EECA9C-AF40-4F40-A7F5-6C43BE6FEB7E}"/>
-              </a:ext>
-            </a:extLst>
-          </p:cNvPr>
-          <p:cNvPicPr>
-            <a:picLocks noChangeAspect="1"/>
-          </p:cNvPicPr>
-          <p:nvPr/>
-        </p:nvPicPr>
-        <p:blipFill rotWithShape="1">
-          <a:blip r:embed="rId3">
-            <a:duotone>
-              <a:prstClr val="black"/>
-              <a:schemeClr val="accent6">
-                <a:lumMod val="60000"/>
-                <a:lumOff val="40000"/>
-                <a:tint val="45000"/>
-                <a:satMod val="400000"/>
-              </a:schemeClr>
-            </a:duotone>
-            <a:extLst>
-              <a:ext uri="{28A0092B-C50C-407E-A947-70E740481C1C}">
-                <a14:useLocalDpi xmlns:a14="http://schemas.microsoft.com/office/drawing/2010/main" val="0"/>
-              </a:ext>
-            </a:extLst>
-          </a:blip>
-          <a:srcRect l="29936" t="4876" r="64066" b="71646"/>
-          <a:stretch/>
-        </p:blipFill>
-        <p:spPr>
-          <a:xfrm>
-            <a:off x="6396538" y="3918529"/>
-            <a:ext cx="423864" cy="1028662"/>
-          </a:xfrm>
-          <a:prstGeom prst="rect">
-            <a:avLst/>
-          </a:prstGeom>
-        </p:spPr>
-      </p:pic>
-      <p:pic>
-        <p:nvPicPr>
-          <p:cNvPr id="20" name="Picture 19">
-            <a:extLst>
-              <a:ext uri="{FF2B5EF4-FFF2-40B4-BE49-F238E27FC236}">
-                <a16:creationId xmlns:a16="http://schemas.microsoft.com/office/drawing/2014/main" id="{BA2D4956-59FA-4BB0-AC83-FBD5916DE624}"/>
-              </a:ext>
-            </a:extLst>
-          </p:cNvPr>
-          <p:cNvPicPr>
-            <a:picLocks noChangeAspect="1"/>
-          </p:cNvPicPr>
-          <p:nvPr/>
-        </p:nvPicPr>
-        <p:blipFill rotWithShape="1">
-          <a:blip r:embed="rId3">
-            <a:duotone>
-              <a:prstClr val="black"/>
-              <a:schemeClr val="accent6">
-                <a:lumMod val="60000"/>
-                <a:lumOff val="40000"/>
-                <a:tint val="45000"/>
-                <a:satMod val="400000"/>
-              </a:schemeClr>
-            </a:duotone>
-            <a:extLst>
-              <a:ext uri="{28A0092B-C50C-407E-A947-70E740481C1C}">
-                <a14:useLocalDpi xmlns:a14="http://schemas.microsoft.com/office/drawing/2010/main" val="0"/>
-              </a:ext>
-            </a:extLst>
-          </a:blip>
-          <a:srcRect l="53065" t="6374" r="41247" b="72099"/>
-          <a:stretch/>
-        </p:blipFill>
-        <p:spPr>
-          <a:xfrm>
-            <a:off x="6810877" y="3978708"/>
-            <a:ext cx="404811" cy="951527"/>
-          </a:xfrm>
-          <a:prstGeom prst="rect">
-            <a:avLst/>
-          </a:prstGeom>
-        </p:spPr>
-      </p:pic>
-      <p:pic>
-        <p:nvPicPr>
-          <p:cNvPr id="21" name="Picture 20">
-            <a:extLst>
-              <a:ext uri="{FF2B5EF4-FFF2-40B4-BE49-F238E27FC236}">
-                <a16:creationId xmlns:a16="http://schemas.microsoft.com/office/drawing/2014/main" id="{66C5A5D8-5F6D-4AAD-BB47-3CC0D6BC3A6A}"/>
-              </a:ext>
-            </a:extLst>
-          </p:cNvPr>
-          <p:cNvPicPr>
-            <a:picLocks noChangeAspect="1"/>
-          </p:cNvPicPr>
-          <p:nvPr/>
-        </p:nvPicPr>
-        <p:blipFill rotWithShape="1">
-          <a:blip r:embed="rId3">
-            <a:duotone>
-              <a:prstClr val="black"/>
-              <a:schemeClr val="accent6">
-                <a:lumMod val="60000"/>
-                <a:lumOff val="40000"/>
-                <a:tint val="45000"/>
-                <a:satMod val="400000"/>
-              </a:schemeClr>
-            </a:duotone>
-            <a:extLst>
-              <a:ext uri="{28A0092B-C50C-407E-A947-70E740481C1C}">
-                <a14:useLocalDpi xmlns:a14="http://schemas.microsoft.com/office/drawing/2010/main" val="0"/>
-              </a:ext>
-            </a:extLst>
-          </a:blip>
-          <a:srcRect l="24352" t="29140" r="70270" b="50452"/>
-          <a:stretch/>
-        </p:blipFill>
-        <p:spPr>
-          <a:xfrm>
-            <a:off x="5989426" y="4088996"/>
-            <a:ext cx="376239" cy="886770"/>
-          </a:xfrm>
-          <a:prstGeom prst="rect">
-            <a:avLst/>
-          </a:prstGeom>
-        </p:spPr>
-      </p:pic>
-      <p:pic>
-        <p:nvPicPr>
-          <p:cNvPr id="22" name="Picture 21">
-            <a:extLst>
-              <a:ext uri="{FF2B5EF4-FFF2-40B4-BE49-F238E27FC236}">
-                <a16:creationId xmlns:a16="http://schemas.microsoft.com/office/drawing/2014/main" id="{9AE1449F-E512-4B91-A061-A1A972CA1D19}"/>
-              </a:ext>
-            </a:extLst>
-          </p:cNvPr>
-          <p:cNvPicPr>
-            <a:picLocks noChangeAspect="1"/>
-          </p:cNvPicPr>
-          <p:nvPr/>
-        </p:nvPicPr>
-        <p:blipFill rotWithShape="1">
-          <a:blip r:embed="rId3">
-            <a:duotone>
-              <a:prstClr val="black"/>
-              <a:schemeClr val="accent6">
-                <a:lumMod val="60000"/>
-                <a:lumOff val="40000"/>
-                <a:tint val="45000"/>
-                <a:satMod val="400000"/>
-              </a:schemeClr>
-            </a:duotone>
-            <a:extLst>
-              <a:ext uri="{28A0092B-C50C-407E-A947-70E740481C1C}">
-                <a14:useLocalDpi xmlns:a14="http://schemas.microsoft.com/office/drawing/2010/main" val="0"/>
-              </a:ext>
-            </a:extLst>
-          </a:blip>
-          <a:srcRect l="69896" t="48548" r="23588" b="31327"/>
-          <a:stretch/>
-        </p:blipFill>
-        <p:spPr>
-          <a:xfrm>
-            <a:off x="6586615" y="4412043"/>
-            <a:ext cx="452931" cy="868908"/>
-          </a:xfrm>
-          <a:prstGeom prst="rect">
-            <a:avLst/>
-          </a:prstGeom>
-        </p:spPr>
-      </p:pic>
-      <p:pic>
-        <p:nvPicPr>
-          <p:cNvPr id="23" name="Picture 22">
-            <a:extLst>
-              <a:ext uri="{FF2B5EF4-FFF2-40B4-BE49-F238E27FC236}">
-                <a16:creationId xmlns:a16="http://schemas.microsoft.com/office/drawing/2014/main" id="{6177C58A-D87A-495A-8672-270402A2A4AA}"/>
-              </a:ext>
-            </a:extLst>
-          </p:cNvPr>
-          <p:cNvPicPr>
-            <a:picLocks noChangeAspect="1"/>
-          </p:cNvPicPr>
-          <p:nvPr/>
-        </p:nvPicPr>
-        <p:blipFill rotWithShape="1">
-          <a:blip r:embed="rId3">
-            <a:duotone>
-              <a:prstClr val="black"/>
-              <a:schemeClr val="accent6">
-                <a:lumMod val="60000"/>
-                <a:lumOff val="40000"/>
-                <a:tint val="45000"/>
-                <a:satMod val="400000"/>
-              </a:schemeClr>
-            </a:duotone>
-            <a:extLst>
-              <a:ext uri="{28A0092B-C50C-407E-A947-70E740481C1C}">
-                <a14:useLocalDpi xmlns:a14="http://schemas.microsoft.com/office/drawing/2010/main" val="0"/>
-              </a:ext>
-            </a:extLst>
-          </a:blip>
-          <a:srcRect l="29936" t="4876" r="64066" b="71646"/>
-          <a:stretch/>
-        </p:blipFill>
-        <p:spPr>
-          <a:xfrm>
-            <a:off x="7215688" y="3918529"/>
-            <a:ext cx="423864" cy="1028662"/>
-          </a:xfrm>
-          <a:prstGeom prst="rect">
-            <a:avLst/>
-          </a:prstGeom>
-        </p:spPr>
-      </p:pic>
-      <p:pic>
-        <p:nvPicPr>
-          <p:cNvPr id="25" name="Picture 24">
-            <a:extLst>
-              <a:ext uri="{FF2B5EF4-FFF2-40B4-BE49-F238E27FC236}">
-                <a16:creationId xmlns:a16="http://schemas.microsoft.com/office/drawing/2014/main" id="{35D38012-80A6-4062-AE39-A777B0BEC04B}"/>
-              </a:ext>
-            </a:extLst>
-          </p:cNvPr>
-          <p:cNvPicPr>
-            <a:picLocks noChangeAspect="1"/>
-          </p:cNvPicPr>
-          <p:nvPr/>
-        </p:nvPicPr>
-        <p:blipFill rotWithShape="1">
-          <a:blip r:embed="rId3">
-            <a:duotone>
-              <a:prstClr val="black"/>
-              <a:schemeClr val="accent6">
-                <a:lumMod val="60000"/>
-                <a:lumOff val="40000"/>
-                <a:tint val="45000"/>
-                <a:satMod val="400000"/>
-              </a:schemeClr>
-            </a:duotone>
-            <a:extLst>
-              <a:ext uri="{28A0092B-C50C-407E-A947-70E740481C1C}">
-                <a14:useLocalDpi xmlns:a14="http://schemas.microsoft.com/office/drawing/2010/main" val="0"/>
-              </a:ext>
-            </a:extLst>
-          </a:blip>
-          <a:srcRect l="53065" t="6374" r="41247" b="72099"/>
-          <a:stretch/>
-        </p:blipFill>
-        <p:spPr>
-          <a:xfrm>
-            <a:off x="6218599" y="4298849"/>
-            <a:ext cx="404811" cy="951527"/>
-          </a:xfrm>
-          <a:prstGeom prst="rect">
-            <a:avLst/>
-          </a:prstGeom>
-        </p:spPr>
-      </p:pic>
-      <p:pic>
-        <p:nvPicPr>
-          <p:cNvPr id="26" name="Picture 25">
-            <a:extLst>
-              <a:ext uri="{FF2B5EF4-FFF2-40B4-BE49-F238E27FC236}">
-                <a16:creationId xmlns:a16="http://schemas.microsoft.com/office/drawing/2014/main" id="{6EF34A72-C7F7-43BB-AEF0-DF1FFC738560}"/>
-              </a:ext>
-            </a:extLst>
-          </p:cNvPr>
-          <p:cNvPicPr>
-            <a:picLocks noChangeAspect="1"/>
-          </p:cNvPicPr>
-          <p:nvPr/>
-        </p:nvPicPr>
-        <p:blipFill rotWithShape="1">
-          <a:blip r:embed="rId3">
-            <a:duotone>
-              <a:prstClr val="black"/>
-              <a:schemeClr val="accent6">
-                <a:lumMod val="60000"/>
-                <a:lumOff val="40000"/>
-                <a:tint val="45000"/>
-                <a:satMod val="400000"/>
-              </a:schemeClr>
-            </a:duotone>
-            <a:extLst>
-              <a:ext uri="{28A0092B-C50C-407E-A947-70E740481C1C}">
-                <a14:useLocalDpi xmlns:a14="http://schemas.microsoft.com/office/drawing/2010/main" val="0"/>
-              </a:ext>
-            </a:extLst>
-          </a:blip>
-          <a:srcRect l="53065" t="6374" r="41247" b="72099"/>
-          <a:stretch/>
-        </p:blipFill>
-        <p:spPr>
-          <a:xfrm>
-            <a:off x="7002750" y="4298849"/>
-            <a:ext cx="404811" cy="951527"/>
-          </a:xfrm>
-          <a:prstGeom prst="rect">
-            <a:avLst/>
-          </a:prstGeom>
-        </p:spPr>
-      </p:pic>
-      <p:sp>
-        <p:nvSpPr>
-          <p:cNvPr id="5" name="Rectangle 4">
-            <a:extLst>
-              <a:ext uri="{FF2B5EF4-FFF2-40B4-BE49-F238E27FC236}">
-                <a16:creationId xmlns:a16="http://schemas.microsoft.com/office/drawing/2014/main" id="{D4CB9234-D470-4EE3-A8C6-8B01A65528B8}"/>
-              </a:ext>
-            </a:extLst>
-          </p:cNvPr>
-          <p:cNvSpPr/>
-          <p:nvPr/>
-        </p:nvSpPr>
-        <p:spPr>
-          <a:xfrm flipV="1">
-            <a:off x="4049465" y="5311490"/>
-            <a:ext cx="7144051" cy="45719"/>
-          </a:xfrm>
-          <a:prstGeom prst="rect">
-            <a:avLst/>
-          </a:prstGeom>
-          <a:solidFill>
-            <a:schemeClr val="accent1"/>
-          </a:solidFill>
-        </p:spPr>
-        <p:style>
-          <a:lnRef idx="2">
-            <a:schemeClr val="accent1">
-              <a:shade val="50000"/>
-            </a:schemeClr>
-          </a:lnRef>
-          <a:fillRef idx="1">
-            <a:schemeClr val="accent1"/>
-          </a:fillRef>
-          <a:effectRef idx="0">
-            <a:schemeClr val="accent1"/>
-          </a:effectRef>
-          <a:fontRef idx="minor">
-            <a:schemeClr val="lt1"/>
-          </a:fontRef>
-        </p:style>
-        <p:txBody>
-          <a:bodyPr rtlCol="0" anchor="ctr"/>
-          <a:lstStyle/>
-          <a:p>
-            <a:pPr algn="ctr"/>
-            <a:endParaRPr lang="en-GB"/>
-          </a:p>
-        </p:txBody>
-      </p:sp>
-      <p:pic>
-        <p:nvPicPr>
-          <p:cNvPr id="27" name="Picture 2" descr="http://www.clipartsfree.net/vector/medium/ServerCabinet_Clip_Art.png">
-            <a:extLst>
-              <a:ext uri="{FF2B5EF4-FFF2-40B4-BE49-F238E27FC236}">
-                <a16:creationId xmlns:a16="http://schemas.microsoft.com/office/drawing/2014/main" id="{D222FCD1-FC71-44F9-89AE-A89A0D5E17B6}"/>
-              </a:ext>
-            </a:extLst>
-          </p:cNvPr>
-          <p:cNvPicPr>
-            <a:picLocks noChangeAspect="1" noChangeArrowheads="1"/>
-          </p:cNvPicPr>
-          <p:nvPr/>
-        </p:nvPicPr>
-        <p:blipFill>
-          <a:blip r:embed="rId4" cstate="print">
-            <a:duotone>
-              <a:prstClr val="black"/>
-              <a:srgbClr val="FF0000">
-                <a:tint val="45000"/>
-                <a:satMod val="400000"/>
-              </a:srgbClr>
-            </a:duotone>
-            <a:extLst>
-              <a:ext uri="{28A0092B-C50C-407E-A947-70E740481C1C}">
-                <a14:useLocalDpi xmlns:a14="http://schemas.microsoft.com/office/drawing/2010/main" val="0"/>
-              </a:ext>
-            </a:extLst>
-          </a:blip>
-          <a:srcRect/>
-          <a:stretch>
-            <a:fillRect/>
-          </a:stretch>
-        </p:blipFill>
-        <p:spPr bwMode="auto">
-          <a:xfrm>
-            <a:off x="4843274" y="3205154"/>
-            <a:ext cx="491681" cy="847725"/>
-          </a:xfrm>
-          <a:prstGeom prst="rect">
-            <a:avLst/>
-          </a:prstGeom>
-          <a:noFill/>
-          <a:extLst>
-            <a:ext uri="{909E8E84-426E-40DD-AFC4-6F175D3DCCD1}">
-              <a14:hiddenFill xmlns:a14="http://schemas.microsoft.com/office/drawing/2010/main">
-                <a:solidFill>
-                  <a:srgbClr val="FFFFFF"/>
-                </a:solidFill>
-              </a14:hiddenFill>
-            </a:ext>
-          </a:extLst>
-        </p:spPr>
-      </p:pic>
-      <p:pic>
-        <p:nvPicPr>
-          <p:cNvPr id="28" name="Picture 2" descr="http://www.clipartsfree.net/vector/medium/ServerCabinet_Clip_Art.png">
-            <a:extLst>
-              <a:ext uri="{FF2B5EF4-FFF2-40B4-BE49-F238E27FC236}">
-                <a16:creationId xmlns:a16="http://schemas.microsoft.com/office/drawing/2014/main" id="{46620789-EB91-4A71-B783-6EF7D977F48F}"/>
-              </a:ext>
-            </a:extLst>
-          </p:cNvPr>
-          <p:cNvPicPr>
-            <a:picLocks noChangeAspect="1" noChangeArrowheads="1"/>
-          </p:cNvPicPr>
-          <p:nvPr/>
-        </p:nvPicPr>
-        <p:blipFill>
-          <a:blip r:embed="rId4" cstate="print">
-            <a:duotone>
-              <a:schemeClr val="accent6">
-                <a:shade val="45000"/>
-                <a:satMod val="135000"/>
-              </a:schemeClr>
-              <a:prstClr val="white"/>
-            </a:duotone>
-            <a:extLst>
-              <a:ext uri="{28A0092B-C50C-407E-A947-70E740481C1C}">
-                <a14:useLocalDpi xmlns:a14="http://schemas.microsoft.com/office/drawing/2010/main" val="0"/>
-              </a:ext>
-            </a:extLst>
-          </a:blip>
-          <a:srcRect/>
-          <a:stretch>
-            <a:fillRect/>
-          </a:stretch>
-        </p:blipFill>
-        <p:spPr bwMode="auto">
-          <a:xfrm>
-            <a:off x="6618595" y="3205153"/>
-            <a:ext cx="491681" cy="847725"/>
-          </a:xfrm>
-          <a:prstGeom prst="rect">
-            <a:avLst/>
-          </a:prstGeom>
-          <a:noFill/>
-          <a:extLst>
-            <a:ext uri="{909E8E84-426E-40DD-AFC4-6F175D3DCCD1}">
-              <a14:hiddenFill xmlns:a14="http://schemas.microsoft.com/office/drawing/2010/main">
-                <a:solidFill>
-                  <a:srgbClr val="FFFFFF"/>
-                </a:solidFill>
-              </a14:hiddenFill>
-            </a:ext>
-          </a:extLst>
-        </p:spPr>
-      </p:pic>
-      <p:sp>
-        <p:nvSpPr>
-          <p:cNvPr id="29" name="Rectangle 28">
-            <a:extLst>
-              <a:ext uri="{FF2B5EF4-FFF2-40B4-BE49-F238E27FC236}">
-                <a16:creationId xmlns:a16="http://schemas.microsoft.com/office/drawing/2014/main" id="{14C23B28-7A31-4BF3-984C-D5932A019243}"/>
-              </a:ext>
-            </a:extLst>
-          </p:cNvPr>
-          <p:cNvSpPr/>
-          <p:nvPr/>
-        </p:nvSpPr>
-        <p:spPr>
-          <a:xfrm flipV="1">
-            <a:off x="4049465" y="1706318"/>
-            <a:ext cx="7144051" cy="45719"/>
-          </a:xfrm>
-          <a:prstGeom prst="rect">
-            <a:avLst/>
-          </a:prstGeom>
-          <a:solidFill>
-            <a:schemeClr val="accent1"/>
-          </a:solidFill>
-        </p:spPr>
-        <p:style>
-          <a:lnRef idx="2">
-            <a:schemeClr val="accent1">
-              <a:shade val="50000"/>
-            </a:schemeClr>
-          </a:lnRef>
-          <a:fillRef idx="1">
-            <a:schemeClr val="accent1"/>
-          </a:fillRef>
-          <a:effectRef idx="0">
-            <a:schemeClr val="accent1"/>
-          </a:effectRef>
-          <a:fontRef idx="minor">
-            <a:schemeClr val="lt1"/>
-          </a:fontRef>
-        </p:style>
-        <p:txBody>
-          <a:bodyPr rtlCol="0" anchor="ctr"/>
-          <a:lstStyle/>
-          <a:p>
-            <a:pPr algn="ctr"/>
-            <a:endParaRPr lang="en-GB"/>
-          </a:p>
-        </p:txBody>
-      </p:sp>
-      <p:sp>
-        <p:nvSpPr>
-          <p:cNvPr id="30" name="Arrow: Up 29">
-            <a:extLst>
-              <a:ext uri="{FF2B5EF4-FFF2-40B4-BE49-F238E27FC236}">
-                <a16:creationId xmlns:a16="http://schemas.microsoft.com/office/drawing/2014/main" id="{0104FFDB-1F58-4F47-949E-E0F9C14441C6}"/>
-              </a:ext>
-            </a:extLst>
-          </p:cNvPr>
-          <p:cNvSpPr/>
-          <p:nvPr/>
-        </p:nvSpPr>
-        <p:spPr>
-          <a:xfrm>
-            <a:off x="4950636" y="2924294"/>
-            <a:ext cx="209550" cy="222123"/>
-          </a:xfrm>
-          <a:prstGeom prst="upArrow">
-            <a:avLst/>
-          </a:prstGeom>
-          <a:solidFill>
-            <a:srgbClr val="FF0000"/>
-          </a:solidFill>
-          <a:ln>
-            <a:noFill/>
-          </a:ln>
-        </p:spPr>
-        <p:style>
-          <a:lnRef idx="2">
-            <a:schemeClr val="accent1">
-              <a:shade val="50000"/>
-            </a:schemeClr>
-          </a:lnRef>
-          <a:fillRef idx="1">
-            <a:schemeClr val="accent1"/>
-          </a:fillRef>
-          <a:effectRef idx="0">
-            <a:schemeClr val="accent1"/>
-          </a:effectRef>
-          <a:fontRef idx="minor">
-            <a:schemeClr val="lt1"/>
-          </a:fontRef>
-        </p:style>
-        <p:txBody>
-          <a:bodyPr rtlCol="0" anchor="ctr"/>
-          <a:lstStyle/>
-          <a:p>
-            <a:pPr algn="ctr"/>
-            <a:endParaRPr lang="en-GB"/>
-          </a:p>
-        </p:txBody>
-      </p:sp>
-      <p:sp>
-        <p:nvSpPr>
-          <p:cNvPr id="31" name="Arrow: Up 30">
-            <a:extLst>
-              <a:ext uri="{FF2B5EF4-FFF2-40B4-BE49-F238E27FC236}">
-                <a16:creationId xmlns:a16="http://schemas.microsoft.com/office/drawing/2014/main" id="{3AA873C2-F0BA-48B9-AF87-DA2E69846E86}"/>
-              </a:ext>
-            </a:extLst>
-          </p:cNvPr>
-          <p:cNvSpPr/>
-          <p:nvPr/>
-        </p:nvSpPr>
-        <p:spPr>
-          <a:xfrm>
-            <a:off x="6753743" y="2916837"/>
-            <a:ext cx="209550" cy="222123"/>
-          </a:xfrm>
-          <a:prstGeom prst="upArrow">
-            <a:avLst/>
-          </a:prstGeom>
-          <a:solidFill>
-            <a:schemeClr val="accent6"/>
-          </a:solidFill>
-          <a:ln>
-            <a:noFill/>
-          </a:ln>
-        </p:spPr>
-        <p:style>
-          <a:lnRef idx="2">
-            <a:schemeClr val="accent1">
-              <a:shade val="50000"/>
-            </a:schemeClr>
-          </a:lnRef>
-          <a:fillRef idx="1">
-            <a:schemeClr val="accent1"/>
-          </a:fillRef>
-          <a:effectRef idx="0">
-            <a:schemeClr val="accent1"/>
-          </a:effectRef>
-          <a:fontRef idx="minor">
-            <a:schemeClr val="lt1"/>
-          </a:fontRef>
-        </p:style>
-        <p:txBody>
-          <a:bodyPr rtlCol="0" anchor="ctr"/>
-          <a:lstStyle/>
-          <a:p>
-            <a:pPr algn="ctr"/>
-            <a:endParaRPr lang="en-GB"/>
-          </a:p>
-        </p:txBody>
-      </p:sp>
-      <p:sp>
-        <p:nvSpPr>
-          <p:cNvPr id="34" name="Arrow: Up 33">
-            <a:extLst>
-              <a:ext uri="{FF2B5EF4-FFF2-40B4-BE49-F238E27FC236}">
-                <a16:creationId xmlns:a16="http://schemas.microsoft.com/office/drawing/2014/main" id="{7C9346C7-F12B-467C-BA06-F24F4F3EE0A0}"/>
-              </a:ext>
-            </a:extLst>
-          </p:cNvPr>
-          <p:cNvSpPr/>
-          <p:nvPr/>
-        </p:nvSpPr>
-        <p:spPr>
-          <a:xfrm>
-            <a:off x="6418740" y="1445852"/>
-            <a:ext cx="209550" cy="222123"/>
-          </a:xfrm>
-          <a:prstGeom prst="upArrow">
-            <a:avLst/>
-          </a:prstGeom>
-          <a:solidFill>
-            <a:srgbClr val="FF0000"/>
-          </a:solidFill>
-          <a:ln>
-            <a:noFill/>
-          </a:ln>
-        </p:spPr>
-        <p:style>
-          <a:lnRef idx="2">
-            <a:schemeClr val="accent1">
-              <a:shade val="50000"/>
-            </a:schemeClr>
-          </a:lnRef>
-          <a:fillRef idx="1">
-            <a:schemeClr val="accent1"/>
-          </a:fillRef>
-          <a:effectRef idx="0">
-            <a:schemeClr val="accent1"/>
-          </a:effectRef>
-          <a:fontRef idx="minor">
-            <a:schemeClr val="lt1"/>
-          </a:fontRef>
-        </p:style>
-        <p:txBody>
-          <a:bodyPr rtlCol="0" anchor="ctr"/>
-          <a:lstStyle/>
-          <a:p>
-            <a:pPr algn="ctr"/>
-            <a:endParaRPr lang="en-GB"/>
-          </a:p>
-        </p:txBody>
-      </p:sp>
-      <p:sp>
-        <p:nvSpPr>
-          <p:cNvPr id="35" name="Arrow: Up 34">
-            <a:extLst>
-              <a:ext uri="{FF2B5EF4-FFF2-40B4-BE49-F238E27FC236}">
-                <a16:creationId xmlns:a16="http://schemas.microsoft.com/office/drawing/2014/main" id="{4634039C-F1C6-4010-9ECE-B7344B907C93}"/>
-              </a:ext>
-            </a:extLst>
-          </p:cNvPr>
-          <p:cNvSpPr/>
-          <p:nvPr/>
-        </p:nvSpPr>
-        <p:spPr>
-          <a:xfrm>
-            <a:off x="6667231" y="1446735"/>
-            <a:ext cx="209550" cy="222123"/>
-          </a:xfrm>
-          <a:prstGeom prst="upArrow">
-            <a:avLst/>
-          </a:prstGeom>
-          <a:solidFill>
-            <a:schemeClr val="accent6"/>
-          </a:solidFill>
-          <a:ln>
-            <a:noFill/>
-          </a:ln>
-        </p:spPr>
-        <p:style>
-          <a:lnRef idx="2">
-            <a:schemeClr val="accent1">
-              <a:shade val="50000"/>
-            </a:schemeClr>
-          </a:lnRef>
-          <a:fillRef idx="1">
-            <a:schemeClr val="accent1"/>
-          </a:fillRef>
-          <a:effectRef idx="0">
-            <a:schemeClr val="accent1"/>
-          </a:effectRef>
-          <a:fontRef idx="minor">
-            <a:schemeClr val="lt1"/>
-          </a:fontRef>
-        </p:style>
-        <p:txBody>
-          <a:bodyPr rtlCol="0" anchor="ctr"/>
-          <a:lstStyle/>
-          <a:p>
-            <a:pPr algn="ctr"/>
-            <a:endParaRPr lang="en-GB"/>
-          </a:p>
-        </p:txBody>
-      </p:sp>
-      <p:pic>
-        <p:nvPicPr>
-          <p:cNvPr id="36" name="Picture 2" descr="http://www.clipartsfree.net/vector/medium/ServerCabinet_Clip_Art.png">
-            <a:extLst>
-              <a:ext uri="{FF2B5EF4-FFF2-40B4-BE49-F238E27FC236}">
-                <a16:creationId xmlns:a16="http://schemas.microsoft.com/office/drawing/2014/main" id="{7CE21441-F917-4940-A48A-97A539ADD267}"/>
-              </a:ext>
-            </a:extLst>
-          </p:cNvPr>
-          <p:cNvPicPr>
-            <a:picLocks noChangeAspect="1" noChangeArrowheads="1"/>
-          </p:cNvPicPr>
-          <p:nvPr/>
-        </p:nvPicPr>
-        <p:blipFill>
-          <a:blip r:embed="rId4" cstate="print">
-            <a:duotone>
-              <a:schemeClr val="accent4">
-                <a:shade val="45000"/>
-                <a:satMod val="135000"/>
-              </a:schemeClr>
-              <a:prstClr val="white"/>
-            </a:duotone>
-            <a:extLst>
-              <a:ext uri="{28A0092B-C50C-407E-A947-70E740481C1C}">
-                <a14:useLocalDpi xmlns:a14="http://schemas.microsoft.com/office/drawing/2010/main" val="0"/>
-              </a:ext>
-            </a:extLst>
-          </a:blip>
-          <a:srcRect/>
-          <a:stretch>
-            <a:fillRect/>
-          </a:stretch>
-        </p:blipFill>
-        <p:spPr bwMode="auto">
-          <a:xfrm>
-            <a:off x="6618595" y="2047128"/>
-            <a:ext cx="491681" cy="847725"/>
-          </a:xfrm>
-          <a:prstGeom prst="rect">
-            <a:avLst/>
-          </a:prstGeom>
-          <a:noFill/>
-          <a:extLst>
-            <a:ext uri="{909E8E84-426E-40DD-AFC4-6F175D3DCCD1}">
-              <a14:hiddenFill xmlns:a14="http://schemas.microsoft.com/office/drawing/2010/main">
-                <a:solidFill>
-                  <a:srgbClr val="FFFFFF"/>
-                </a:solidFill>
-              </a14:hiddenFill>
-            </a:ext>
-          </a:extLst>
-        </p:spPr>
-      </p:pic>
-      <p:sp>
-        <p:nvSpPr>
-          <p:cNvPr id="37" name="Arrow: Up 36">
-            <a:extLst>
-              <a:ext uri="{FF2B5EF4-FFF2-40B4-BE49-F238E27FC236}">
-                <a16:creationId xmlns:a16="http://schemas.microsoft.com/office/drawing/2014/main" id="{967C269A-FC3F-4D82-96FA-E5F523C70711}"/>
-              </a:ext>
-            </a:extLst>
-          </p:cNvPr>
-          <p:cNvSpPr/>
-          <p:nvPr/>
-        </p:nvSpPr>
-        <p:spPr>
-          <a:xfrm>
-            <a:off x="4966406" y="1773418"/>
-            <a:ext cx="209550" cy="222123"/>
-          </a:xfrm>
-          <a:prstGeom prst="upArrow">
-            <a:avLst/>
-          </a:prstGeom>
-          <a:solidFill>
-            <a:srgbClr val="FF0000"/>
-          </a:solidFill>
-          <a:ln>
-            <a:noFill/>
-          </a:ln>
-        </p:spPr>
-        <p:style>
-          <a:lnRef idx="2">
-            <a:schemeClr val="accent1">
-              <a:shade val="50000"/>
-            </a:schemeClr>
-          </a:lnRef>
-          <a:fillRef idx="1">
-            <a:schemeClr val="accent1"/>
-          </a:fillRef>
-          <a:effectRef idx="0">
-            <a:schemeClr val="accent1"/>
-          </a:effectRef>
-          <a:fontRef idx="minor">
-            <a:schemeClr val="lt1"/>
-          </a:fontRef>
-        </p:style>
-        <p:txBody>
-          <a:bodyPr rtlCol="0" anchor="ctr"/>
-          <a:lstStyle/>
-          <a:p>
-            <a:pPr algn="ctr"/>
-            <a:endParaRPr lang="en-GB"/>
-          </a:p>
-        </p:txBody>
-      </p:sp>
-      <p:sp>
-        <p:nvSpPr>
-          <p:cNvPr id="38" name="Arrow: Up 37">
-            <a:extLst>
-              <a:ext uri="{FF2B5EF4-FFF2-40B4-BE49-F238E27FC236}">
-                <a16:creationId xmlns:a16="http://schemas.microsoft.com/office/drawing/2014/main" id="{808865A4-555C-4E39-9BF6-F1B960DB0A12}"/>
-              </a:ext>
-            </a:extLst>
-          </p:cNvPr>
-          <p:cNvSpPr/>
-          <p:nvPr/>
-        </p:nvSpPr>
-        <p:spPr>
-          <a:xfrm>
-            <a:off x="6759660" y="1784526"/>
-            <a:ext cx="209550" cy="222123"/>
-          </a:xfrm>
-          <a:prstGeom prst="upArrow">
-            <a:avLst/>
-          </a:prstGeom>
-          <a:solidFill>
-            <a:schemeClr val="accent6"/>
-          </a:solidFill>
-          <a:ln>
-            <a:noFill/>
-          </a:ln>
-        </p:spPr>
-        <p:style>
-          <a:lnRef idx="2">
-            <a:schemeClr val="accent1">
-              <a:shade val="50000"/>
-            </a:schemeClr>
-          </a:lnRef>
-          <a:fillRef idx="1">
-            <a:schemeClr val="accent1"/>
-          </a:fillRef>
-          <a:effectRef idx="0">
-            <a:schemeClr val="accent1"/>
-          </a:effectRef>
-          <a:fontRef idx="minor">
-            <a:schemeClr val="lt1"/>
-          </a:fontRef>
-        </p:style>
-        <p:txBody>
-          <a:bodyPr rtlCol="0" anchor="ctr"/>
-          <a:lstStyle/>
-          <a:p>
-            <a:pPr algn="ctr"/>
-            <a:endParaRPr lang="en-GB"/>
-          </a:p>
-        </p:txBody>
-      </p:sp>
-      <p:pic>
-        <p:nvPicPr>
-          <p:cNvPr id="42" name="Picture 41">
-            <a:extLst>
-              <a:ext uri="{FF2B5EF4-FFF2-40B4-BE49-F238E27FC236}">
-                <a16:creationId xmlns:a16="http://schemas.microsoft.com/office/drawing/2014/main" id="{694860D7-82A5-4DE3-A6F5-BF0D1ED16AD0}"/>
-              </a:ext>
-            </a:extLst>
-          </p:cNvPr>
-          <p:cNvPicPr>
-            <a:picLocks noChangeAspect="1"/>
-          </p:cNvPicPr>
-          <p:nvPr/>
-        </p:nvPicPr>
-        <p:blipFill rotWithShape="1">
-          <a:blip r:embed="rId3">
-            <a:duotone>
-              <a:prstClr val="black"/>
-              <a:schemeClr val="accent1">
-                <a:tint val="45000"/>
-                <a:satMod val="400000"/>
-              </a:schemeClr>
-            </a:duotone>
-            <a:extLst>
-              <a:ext uri="{28A0092B-C50C-407E-A947-70E740481C1C}">
-                <a14:useLocalDpi xmlns:a14="http://schemas.microsoft.com/office/drawing/2010/main" val="0"/>
-              </a:ext>
-            </a:extLst>
-          </a:blip>
-          <a:srcRect l="29936" t="4876" r="64066" b="71646"/>
-          <a:stretch/>
-        </p:blipFill>
-        <p:spPr>
-          <a:xfrm>
-            <a:off x="8054267" y="3913050"/>
-            <a:ext cx="423864" cy="1028662"/>
-          </a:xfrm>
-          <a:prstGeom prst="rect">
-            <a:avLst/>
-          </a:prstGeom>
-        </p:spPr>
-      </p:pic>
-      <p:pic>
-        <p:nvPicPr>
-          <p:cNvPr id="43" name="Picture 42">
-            <a:extLst>
-              <a:ext uri="{FF2B5EF4-FFF2-40B4-BE49-F238E27FC236}">
-                <a16:creationId xmlns:a16="http://schemas.microsoft.com/office/drawing/2014/main" id="{E865A319-9C68-401C-91DE-D4EE2F0DF7A2}"/>
-              </a:ext>
-            </a:extLst>
-          </p:cNvPr>
-          <p:cNvPicPr>
-            <a:picLocks noChangeAspect="1"/>
-          </p:cNvPicPr>
-          <p:nvPr/>
-        </p:nvPicPr>
-        <p:blipFill rotWithShape="1">
-          <a:blip r:embed="rId3">
-            <a:duotone>
-              <a:prstClr val="black"/>
-              <a:schemeClr val="accent1">
-                <a:tint val="45000"/>
-                <a:satMod val="400000"/>
-              </a:schemeClr>
-            </a:duotone>
-            <a:extLst>
-              <a:ext uri="{28A0092B-C50C-407E-A947-70E740481C1C}">
-                <a14:useLocalDpi xmlns:a14="http://schemas.microsoft.com/office/drawing/2010/main" val="0"/>
-              </a:ext>
-            </a:extLst>
-          </a:blip>
-          <a:srcRect l="53065" t="6374" r="41247" b="72099"/>
-          <a:stretch/>
-        </p:blipFill>
-        <p:spPr>
-          <a:xfrm>
-            <a:off x="8468606" y="3973229"/>
-            <a:ext cx="404811" cy="951527"/>
-          </a:xfrm>
-          <a:prstGeom prst="rect">
-            <a:avLst/>
-          </a:prstGeom>
-        </p:spPr>
-      </p:pic>
-      <p:pic>
-        <p:nvPicPr>
-          <p:cNvPr id="44" name="Picture 43">
-            <a:extLst>
-              <a:ext uri="{FF2B5EF4-FFF2-40B4-BE49-F238E27FC236}">
-                <a16:creationId xmlns:a16="http://schemas.microsoft.com/office/drawing/2014/main" id="{999A0C1E-725C-4DD2-918C-92450482972A}"/>
-              </a:ext>
-            </a:extLst>
-          </p:cNvPr>
-          <p:cNvPicPr>
-            <a:picLocks noChangeAspect="1"/>
-          </p:cNvPicPr>
-          <p:nvPr/>
-        </p:nvPicPr>
-        <p:blipFill rotWithShape="1">
-          <a:blip r:embed="rId3">
-            <a:duotone>
-              <a:prstClr val="black"/>
-              <a:schemeClr val="accent1">
-                <a:tint val="45000"/>
-                <a:satMod val="400000"/>
-              </a:schemeClr>
-            </a:duotone>
-            <a:extLst>
-              <a:ext uri="{28A0092B-C50C-407E-A947-70E740481C1C}">
-                <a14:useLocalDpi xmlns:a14="http://schemas.microsoft.com/office/drawing/2010/main" val="0"/>
-              </a:ext>
-            </a:extLst>
-          </a:blip>
-          <a:srcRect l="24352" t="29140" r="70270" b="50452"/>
-          <a:stretch/>
-        </p:blipFill>
-        <p:spPr>
-          <a:xfrm>
-            <a:off x="7647155" y="4083517"/>
-            <a:ext cx="376239" cy="886770"/>
-          </a:xfrm>
-          <a:prstGeom prst="rect">
-            <a:avLst/>
-          </a:prstGeom>
-        </p:spPr>
-      </p:pic>
-      <p:pic>
-        <p:nvPicPr>
-          <p:cNvPr id="45" name="Picture 44">
-            <a:extLst>
-              <a:ext uri="{FF2B5EF4-FFF2-40B4-BE49-F238E27FC236}">
-                <a16:creationId xmlns:a16="http://schemas.microsoft.com/office/drawing/2014/main" id="{62C948A8-D7E7-4AF5-AC20-EEF0FD52D52C}"/>
-              </a:ext>
-            </a:extLst>
-          </p:cNvPr>
-          <p:cNvPicPr>
-            <a:picLocks noChangeAspect="1"/>
-          </p:cNvPicPr>
-          <p:nvPr/>
-        </p:nvPicPr>
-        <p:blipFill rotWithShape="1">
-          <a:blip r:embed="rId3">
-            <a:duotone>
-              <a:prstClr val="black"/>
-              <a:schemeClr val="accent1">
-                <a:tint val="45000"/>
-                <a:satMod val="400000"/>
-              </a:schemeClr>
-            </a:duotone>
-            <a:extLst>
-              <a:ext uri="{28A0092B-C50C-407E-A947-70E740481C1C}">
-                <a14:useLocalDpi xmlns:a14="http://schemas.microsoft.com/office/drawing/2010/main" val="0"/>
-              </a:ext>
-            </a:extLst>
-          </a:blip>
-          <a:srcRect l="69896" t="48548" r="23588" b="31327"/>
-          <a:stretch/>
-        </p:blipFill>
-        <p:spPr>
-          <a:xfrm>
-            <a:off x="8244344" y="4406564"/>
-            <a:ext cx="452931" cy="868908"/>
-          </a:xfrm>
-          <a:prstGeom prst="rect">
-            <a:avLst/>
-          </a:prstGeom>
-        </p:spPr>
-      </p:pic>
-      <p:pic>
-        <p:nvPicPr>
-          <p:cNvPr id="46" name="Picture 45">
-            <a:extLst>
-              <a:ext uri="{FF2B5EF4-FFF2-40B4-BE49-F238E27FC236}">
-                <a16:creationId xmlns:a16="http://schemas.microsoft.com/office/drawing/2014/main" id="{C15016CA-2C0F-49AA-A553-2F1557F17AB7}"/>
-              </a:ext>
-            </a:extLst>
-          </p:cNvPr>
-          <p:cNvPicPr>
-            <a:picLocks noChangeAspect="1"/>
-          </p:cNvPicPr>
-          <p:nvPr/>
-        </p:nvPicPr>
-        <p:blipFill rotWithShape="1">
-          <a:blip r:embed="rId3">
-            <a:duotone>
-              <a:prstClr val="black"/>
-              <a:schemeClr val="accent1">
-                <a:tint val="45000"/>
-                <a:satMod val="400000"/>
-              </a:schemeClr>
-            </a:duotone>
-            <a:extLst>
-              <a:ext uri="{28A0092B-C50C-407E-A947-70E740481C1C}">
-                <a14:useLocalDpi xmlns:a14="http://schemas.microsoft.com/office/drawing/2010/main" val="0"/>
-              </a:ext>
-            </a:extLst>
-          </a:blip>
-          <a:srcRect l="29936" t="4876" r="64066" b="71646"/>
-          <a:stretch/>
-        </p:blipFill>
-        <p:spPr>
-          <a:xfrm>
-            <a:off x="8873417" y="3913050"/>
-            <a:ext cx="423864" cy="1028662"/>
-          </a:xfrm>
-          <a:prstGeom prst="rect">
-            <a:avLst/>
-          </a:prstGeom>
-        </p:spPr>
-      </p:pic>
-      <p:pic>
-        <p:nvPicPr>
-          <p:cNvPr id="47" name="Picture 46">
-            <a:extLst>
-              <a:ext uri="{FF2B5EF4-FFF2-40B4-BE49-F238E27FC236}">
-                <a16:creationId xmlns:a16="http://schemas.microsoft.com/office/drawing/2014/main" id="{15152B55-8F0D-4800-B14A-D18E36FD480C}"/>
-              </a:ext>
-            </a:extLst>
-          </p:cNvPr>
-          <p:cNvPicPr>
-            <a:picLocks noChangeAspect="1"/>
-          </p:cNvPicPr>
-          <p:nvPr/>
-        </p:nvPicPr>
-        <p:blipFill rotWithShape="1">
-          <a:blip r:embed="rId3">
-            <a:duotone>
-              <a:prstClr val="black"/>
-              <a:schemeClr val="accent1">
-                <a:tint val="45000"/>
-                <a:satMod val="400000"/>
-              </a:schemeClr>
-            </a:duotone>
-            <a:extLst>
-              <a:ext uri="{28A0092B-C50C-407E-A947-70E740481C1C}">
-                <a14:useLocalDpi xmlns:a14="http://schemas.microsoft.com/office/drawing/2010/main" val="0"/>
-              </a:ext>
-            </a:extLst>
-          </a:blip>
-          <a:srcRect l="53065" t="6374" r="41247" b="72099"/>
-          <a:stretch/>
-        </p:blipFill>
-        <p:spPr>
-          <a:xfrm>
-            <a:off x="7876328" y="4293370"/>
-            <a:ext cx="404811" cy="951527"/>
-          </a:xfrm>
-          <a:prstGeom prst="rect">
-            <a:avLst/>
-          </a:prstGeom>
-        </p:spPr>
-      </p:pic>
-      <p:pic>
-        <p:nvPicPr>
-          <p:cNvPr id="48" name="Picture 47">
-            <a:extLst>
-              <a:ext uri="{FF2B5EF4-FFF2-40B4-BE49-F238E27FC236}">
-                <a16:creationId xmlns:a16="http://schemas.microsoft.com/office/drawing/2014/main" id="{E6B3998A-C7EC-434A-B97B-08DA73092D11}"/>
-              </a:ext>
-            </a:extLst>
-          </p:cNvPr>
-          <p:cNvPicPr>
-            <a:picLocks noChangeAspect="1"/>
-          </p:cNvPicPr>
-          <p:nvPr/>
-        </p:nvPicPr>
-        <p:blipFill rotWithShape="1">
-          <a:blip r:embed="rId3">
-            <a:duotone>
-              <a:prstClr val="black"/>
-              <a:schemeClr val="accent1">
-                <a:tint val="45000"/>
-                <a:satMod val="400000"/>
-              </a:schemeClr>
-            </a:duotone>
-            <a:extLst>
-              <a:ext uri="{28A0092B-C50C-407E-A947-70E740481C1C}">
-                <a14:useLocalDpi xmlns:a14="http://schemas.microsoft.com/office/drawing/2010/main" val="0"/>
-              </a:ext>
-            </a:extLst>
-          </a:blip>
-          <a:srcRect l="53065" t="6374" r="41247" b="72099"/>
-          <a:stretch/>
-        </p:blipFill>
-        <p:spPr>
-          <a:xfrm>
-            <a:off x="8660479" y="4293370"/>
-            <a:ext cx="404811" cy="951527"/>
-          </a:xfrm>
-          <a:prstGeom prst="rect">
-            <a:avLst/>
-          </a:prstGeom>
-        </p:spPr>
-      </p:pic>
-      <p:pic>
-        <p:nvPicPr>
-          <p:cNvPr id="49" name="Picture 2" descr="http://www.clipartsfree.net/vector/medium/ServerCabinet_Clip_Art.png">
-            <a:extLst>
-              <a:ext uri="{FF2B5EF4-FFF2-40B4-BE49-F238E27FC236}">
-                <a16:creationId xmlns:a16="http://schemas.microsoft.com/office/drawing/2014/main" id="{ED3FA6B0-252E-44BE-AD13-FEE93B769A34}"/>
-              </a:ext>
-            </a:extLst>
-          </p:cNvPr>
-          <p:cNvPicPr>
-            <a:picLocks noChangeAspect="1" noChangeArrowheads="1"/>
-          </p:cNvPicPr>
-          <p:nvPr/>
-        </p:nvPicPr>
-        <p:blipFill>
-          <a:blip r:embed="rId4" cstate="print">
-            <a:duotone>
-              <a:prstClr val="black"/>
-              <a:schemeClr val="accent1">
-                <a:tint val="45000"/>
-                <a:satMod val="400000"/>
-              </a:schemeClr>
-            </a:duotone>
-            <a:extLst>
-              <a:ext uri="{28A0092B-C50C-407E-A947-70E740481C1C}">
-                <a14:useLocalDpi xmlns:a14="http://schemas.microsoft.com/office/drawing/2010/main" val="0"/>
-              </a:ext>
-            </a:extLst>
-          </a:blip>
-          <a:srcRect/>
-          <a:stretch>
-            <a:fillRect/>
-          </a:stretch>
-        </p:blipFill>
-        <p:spPr bwMode="auto">
-          <a:xfrm>
-            <a:off x="8276324" y="3199674"/>
-            <a:ext cx="491681" cy="847725"/>
-          </a:xfrm>
-          <a:prstGeom prst="rect">
-            <a:avLst/>
-          </a:prstGeom>
-          <a:noFill/>
-          <a:extLst>
-            <a:ext uri="{909E8E84-426E-40DD-AFC4-6F175D3DCCD1}">
-              <a14:hiddenFill xmlns:a14="http://schemas.microsoft.com/office/drawing/2010/main">
-                <a:solidFill>
-                  <a:srgbClr val="FFFFFF"/>
-                </a:solidFill>
-              </a14:hiddenFill>
-            </a:ext>
-          </a:extLst>
-        </p:spPr>
-      </p:pic>
-      <p:sp>
-        <p:nvSpPr>
-          <p:cNvPr id="50" name="Arrow: Up 49">
-            <a:extLst>
-              <a:ext uri="{FF2B5EF4-FFF2-40B4-BE49-F238E27FC236}">
-                <a16:creationId xmlns:a16="http://schemas.microsoft.com/office/drawing/2014/main" id="{7F6B2186-272B-427C-BCB2-0F05FF5B8C72}"/>
-              </a:ext>
-            </a:extLst>
-          </p:cNvPr>
-          <p:cNvSpPr/>
-          <p:nvPr/>
-        </p:nvSpPr>
-        <p:spPr>
-          <a:xfrm>
-            <a:off x="8411472" y="2911358"/>
-            <a:ext cx="209550" cy="222123"/>
-          </a:xfrm>
-          <a:prstGeom prst="upArrow">
-            <a:avLst/>
-          </a:prstGeom>
-          <a:solidFill>
-            <a:schemeClr val="accent1"/>
-          </a:solidFill>
-          <a:ln>
-            <a:noFill/>
-          </a:ln>
-        </p:spPr>
-        <p:style>
-          <a:lnRef idx="2">
-            <a:schemeClr val="accent1">
-              <a:shade val="50000"/>
-            </a:schemeClr>
-          </a:lnRef>
-          <a:fillRef idx="1">
-            <a:schemeClr val="accent1"/>
-          </a:fillRef>
-          <a:effectRef idx="0">
-            <a:schemeClr val="accent1"/>
-          </a:effectRef>
-          <a:fontRef idx="minor">
-            <a:schemeClr val="lt1"/>
-          </a:fontRef>
-        </p:style>
-        <p:txBody>
-          <a:bodyPr rtlCol="0" anchor="ctr"/>
-          <a:lstStyle/>
-          <a:p>
-            <a:pPr algn="ctr"/>
-            <a:endParaRPr lang="en-GB"/>
-          </a:p>
-        </p:txBody>
-      </p:sp>
-      <p:pic>
-        <p:nvPicPr>
-          <p:cNvPr id="51" name="Picture 2" descr="http://www.clipartsfree.net/vector/medium/ServerCabinet_Clip_Art.png">
-            <a:extLst>
-              <a:ext uri="{FF2B5EF4-FFF2-40B4-BE49-F238E27FC236}">
-                <a16:creationId xmlns:a16="http://schemas.microsoft.com/office/drawing/2014/main" id="{187D0594-04E5-4F47-BBC3-70BDDB01ED5C}"/>
-              </a:ext>
-            </a:extLst>
-          </p:cNvPr>
-          <p:cNvPicPr>
-            <a:picLocks noChangeAspect="1" noChangeArrowheads="1"/>
-          </p:cNvPicPr>
-          <p:nvPr/>
-        </p:nvPicPr>
-        <p:blipFill>
-          <a:blip r:embed="rId4" cstate="print">
-            <a:duotone>
-              <a:schemeClr val="accent4">
-                <a:shade val="45000"/>
-                <a:satMod val="135000"/>
-              </a:schemeClr>
-              <a:prstClr val="white"/>
-            </a:duotone>
-            <a:extLst>
-              <a:ext uri="{28A0092B-C50C-407E-A947-70E740481C1C}">
-                <a14:useLocalDpi xmlns:a14="http://schemas.microsoft.com/office/drawing/2010/main" val="0"/>
-              </a:ext>
-            </a:extLst>
-          </a:blip>
-          <a:srcRect/>
-          <a:stretch>
-            <a:fillRect/>
-          </a:stretch>
-        </p:blipFill>
-        <p:spPr bwMode="auto">
-          <a:xfrm>
-            <a:off x="8276324" y="2041649"/>
-            <a:ext cx="491681" cy="847725"/>
-          </a:xfrm>
-          <a:prstGeom prst="rect">
-            <a:avLst/>
-          </a:prstGeom>
-          <a:noFill/>
-          <a:extLst>
-            <a:ext uri="{909E8E84-426E-40DD-AFC4-6F175D3DCCD1}">
-              <a14:hiddenFill xmlns:a14="http://schemas.microsoft.com/office/drawing/2010/main">
-                <a:solidFill>
-                  <a:srgbClr val="FFFFFF"/>
-                </a:solidFill>
-              </a14:hiddenFill>
-            </a:ext>
-          </a:extLst>
-        </p:spPr>
-      </p:pic>
-      <p:sp>
-        <p:nvSpPr>
-          <p:cNvPr id="52" name="Arrow: Up 51">
-            <a:extLst>
-              <a:ext uri="{FF2B5EF4-FFF2-40B4-BE49-F238E27FC236}">
-                <a16:creationId xmlns:a16="http://schemas.microsoft.com/office/drawing/2014/main" id="{A921A745-C389-44CD-8DFE-2EA03A7E3FF8}"/>
-              </a:ext>
-            </a:extLst>
-          </p:cNvPr>
-          <p:cNvSpPr/>
-          <p:nvPr/>
-        </p:nvSpPr>
-        <p:spPr>
-          <a:xfrm>
-            <a:off x="8417389" y="1779047"/>
-            <a:ext cx="209550" cy="222123"/>
-          </a:xfrm>
-          <a:prstGeom prst="upArrow">
-            <a:avLst/>
-          </a:prstGeom>
-          <a:solidFill>
-            <a:schemeClr val="accent1"/>
-          </a:solidFill>
-          <a:ln>
-            <a:noFill/>
-          </a:ln>
-        </p:spPr>
-        <p:style>
-          <a:lnRef idx="2">
-            <a:schemeClr val="accent1">
-              <a:shade val="50000"/>
-            </a:schemeClr>
-          </a:lnRef>
-          <a:fillRef idx="1">
-            <a:schemeClr val="accent1"/>
-          </a:fillRef>
-          <a:effectRef idx="0">
-            <a:schemeClr val="accent1"/>
-          </a:effectRef>
-          <a:fontRef idx="minor">
-            <a:schemeClr val="lt1"/>
-          </a:fontRef>
-        </p:style>
-        <p:txBody>
-          <a:bodyPr rtlCol="0" anchor="ctr"/>
-          <a:lstStyle/>
-          <a:p>
-            <a:pPr algn="ctr"/>
-            <a:endParaRPr lang="en-GB"/>
-          </a:p>
-        </p:txBody>
-      </p:sp>
-      <p:pic>
-        <p:nvPicPr>
-          <p:cNvPr id="53" name="Picture 52">
-            <a:extLst>
-              <a:ext uri="{FF2B5EF4-FFF2-40B4-BE49-F238E27FC236}">
-                <a16:creationId xmlns:a16="http://schemas.microsoft.com/office/drawing/2014/main" id="{5B98CD67-A7FE-40BA-BDB3-7C813541E80B}"/>
-              </a:ext>
-            </a:extLst>
-          </p:cNvPr>
-          <p:cNvPicPr>
-            <a:picLocks noChangeAspect="1"/>
-          </p:cNvPicPr>
-          <p:nvPr/>
-        </p:nvPicPr>
-        <p:blipFill rotWithShape="1">
-          <a:blip r:embed="rId3">
-            <a:duotone>
-              <a:prstClr val="black"/>
-              <a:schemeClr val="accent2">
-                <a:tint val="45000"/>
-                <a:satMod val="400000"/>
-              </a:schemeClr>
-            </a:duotone>
-            <a:extLst>
-              <a:ext uri="{28A0092B-C50C-407E-A947-70E740481C1C}">
-                <a14:useLocalDpi xmlns:a14="http://schemas.microsoft.com/office/drawing/2010/main" val="0"/>
-              </a:ext>
-            </a:extLst>
-          </a:blip>
-          <a:srcRect l="29936" t="4876" r="64066" b="71646"/>
-          <a:stretch/>
-        </p:blipFill>
-        <p:spPr>
-          <a:xfrm>
-            <a:off x="9702072" y="3902611"/>
-            <a:ext cx="423864" cy="1028662"/>
-          </a:xfrm>
-          <a:prstGeom prst="rect">
-            <a:avLst/>
-          </a:prstGeom>
-        </p:spPr>
-      </p:pic>
-      <p:pic>
-        <p:nvPicPr>
-          <p:cNvPr id="54" name="Picture 53">
-            <a:extLst>
-              <a:ext uri="{FF2B5EF4-FFF2-40B4-BE49-F238E27FC236}">
-                <a16:creationId xmlns:a16="http://schemas.microsoft.com/office/drawing/2014/main" id="{62875C51-6198-457A-BC1D-2F438AB9956D}"/>
-              </a:ext>
-            </a:extLst>
-          </p:cNvPr>
-          <p:cNvPicPr>
-            <a:picLocks noChangeAspect="1"/>
-          </p:cNvPicPr>
-          <p:nvPr/>
-        </p:nvPicPr>
-        <p:blipFill rotWithShape="1">
-          <a:blip r:embed="rId3">
-            <a:duotone>
-              <a:prstClr val="black"/>
-              <a:schemeClr val="accent2">
-                <a:tint val="45000"/>
-                <a:satMod val="400000"/>
-              </a:schemeClr>
-            </a:duotone>
-            <a:extLst>
-              <a:ext uri="{28A0092B-C50C-407E-A947-70E740481C1C}">
-                <a14:useLocalDpi xmlns:a14="http://schemas.microsoft.com/office/drawing/2010/main" val="0"/>
-              </a:ext>
-            </a:extLst>
-          </a:blip>
-          <a:srcRect l="53065" t="6374" r="41247" b="72099"/>
-          <a:stretch/>
-        </p:blipFill>
-        <p:spPr>
-          <a:xfrm>
-            <a:off x="10116411" y="3962790"/>
-            <a:ext cx="404811" cy="951527"/>
-          </a:xfrm>
-          <a:prstGeom prst="rect">
-            <a:avLst/>
-          </a:prstGeom>
-        </p:spPr>
-      </p:pic>
-      <p:pic>
-        <p:nvPicPr>
-          <p:cNvPr id="55" name="Picture 54">
-            <a:extLst>
-              <a:ext uri="{FF2B5EF4-FFF2-40B4-BE49-F238E27FC236}">
-                <a16:creationId xmlns:a16="http://schemas.microsoft.com/office/drawing/2014/main" id="{15F17327-B13F-47FF-813D-77CDFB7192B6}"/>
-              </a:ext>
-            </a:extLst>
-          </p:cNvPr>
-          <p:cNvPicPr>
-            <a:picLocks noChangeAspect="1"/>
-          </p:cNvPicPr>
-          <p:nvPr/>
-        </p:nvPicPr>
-        <p:blipFill rotWithShape="1">
-          <a:blip r:embed="rId3">
-            <a:duotone>
-              <a:prstClr val="black"/>
-              <a:schemeClr val="accent2">
-                <a:tint val="45000"/>
-                <a:satMod val="400000"/>
-              </a:schemeClr>
-            </a:duotone>
-            <a:extLst>
-              <a:ext uri="{28A0092B-C50C-407E-A947-70E740481C1C}">
-                <a14:useLocalDpi xmlns:a14="http://schemas.microsoft.com/office/drawing/2010/main" val="0"/>
-              </a:ext>
-            </a:extLst>
-          </a:blip>
-          <a:srcRect l="24352" t="29140" r="70270" b="50452"/>
-          <a:stretch/>
-        </p:blipFill>
-        <p:spPr>
-          <a:xfrm>
-            <a:off x="9294960" y="4073078"/>
-            <a:ext cx="376239" cy="886770"/>
-          </a:xfrm>
-          <a:prstGeom prst="rect">
-            <a:avLst/>
-          </a:prstGeom>
-        </p:spPr>
-      </p:pic>
-      <p:pic>
-        <p:nvPicPr>
-          <p:cNvPr id="56" name="Picture 55">
-            <a:extLst>
-              <a:ext uri="{FF2B5EF4-FFF2-40B4-BE49-F238E27FC236}">
-                <a16:creationId xmlns:a16="http://schemas.microsoft.com/office/drawing/2014/main" id="{86DAFBF4-F7C8-493C-96B6-FB7A7B346F81}"/>
-              </a:ext>
-            </a:extLst>
-          </p:cNvPr>
-          <p:cNvPicPr>
-            <a:picLocks noChangeAspect="1"/>
-          </p:cNvPicPr>
-          <p:nvPr/>
-        </p:nvPicPr>
-        <p:blipFill rotWithShape="1">
-          <a:blip r:embed="rId3">
-            <a:duotone>
-              <a:prstClr val="black"/>
-              <a:schemeClr val="accent2">
-                <a:tint val="45000"/>
-                <a:satMod val="400000"/>
-              </a:schemeClr>
-            </a:duotone>
-            <a:extLst>
-              <a:ext uri="{28A0092B-C50C-407E-A947-70E740481C1C}">
-                <a14:useLocalDpi xmlns:a14="http://schemas.microsoft.com/office/drawing/2010/main" val="0"/>
-              </a:ext>
-            </a:extLst>
-          </a:blip>
-          <a:srcRect l="69896" t="48548" r="23588" b="31327"/>
-          <a:stretch/>
-        </p:blipFill>
-        <p:spPr>
-          <a:xfrm>
-            <a:off x="9892149" y="4396125"/>
-            <a:ext cx="452931" cy="868908"/>
-          </a:xfrm>
-          <a:prstGeom prst="rect">
-            <a:avLst/>
-          </a:prstGeom>
-        </p:spPr>
-      </p:pic>
-      <p:pic>
-        <p:nvPicPr>
-          <p:cNvPr id="57" name="Picture 56">
-            <a:extLst>
-              <a:ext uri="{FF2B5EF4-FFF2-40B4-BE49-F238E27FC236}">
-                <a16:creationId xmlns:a16="http://schemas.microsoft.com/office/drawing/2014/main" id="{800C7589-9B0B-43DB-B39B-03E32257B501}"/>
-              </a:ext>
-            </a:extLst>
-          </p:cNvPr>
-          <p:cNvPicPr>
-            <a:picLocks noChangeAspect="1"/>
-          </p:cNvPicPr>
-          <p:nvPr/>
-        </p:nvPicPr>
-        <p:blipFill rotWithShape="1">
-          <a:blip r:embed="rId3">
-            <a:duotone>
-              <a:prstClr val="black"/>
-              <a:schemeClr val="accent2">
-                <a:tint val="45000"/>
-                <a:satMod val="400000"/>
-              </a:schemeClr>
-            </a:duotone>
-            <a:extLst>
-              <a:ext uri="{28A0092B-C50C-407E-A947-70E740481C1C}">
-                <a14:useLocalDpi xmlns:a14="http://schemas.microsoft.com/office/drawing/2010/main" val="0"/>
-              </a:ext>
-            </a:extLst>
-          </a:blip>
-          <a:srcRect l="29936" t="4876" r="64066" b="71646"/>
-          <a:stretch/>
-        </p:blipFill>
-        <p:spPr>
-          <a:xfrm>
-            <a:off x="10521222" y="3902611"/>
-            <a:ext cx="423864" cy="1028662"/>
-          </a:xfrm>
-          <a:prstGeom prst="rect">
-            <a:avLst/>
-          </a:prstGeom>
-        </p:spPr>
-      </p:pic>
-      <p:pic>
-        <p:nvPicPr>
-          <p:cNvPr id="58" name="Picture 57">
-            <a:extLst>
-              <a:ext uri="{FF2B5EF4-FFF2-40B4-BE49-F238E27FC236}">
-                <a16:creationId xmlns:a16="http://schemas.microsoft.com/office/drawing/2014/main" id="{FFEFD760-5498-4D62-8FC9-AD750F1417BE}"/>
-              </a:ext>
-            </a:extLst>
-          </p:cNvPr>
-          <p:cNvPicPr>
-            <a:picLocks noChangeAspect="1"/>
-          </p:cNvPicPr>
-          <p:nvPr/>
-        </p:nvPicPr>
-        <p:blipFill rotWithShape="1">
-          <a:blip r:embed="rId3">
-            <a:duotone>
-              <a:prstClr val="black"/>
-              <a:schemeClr val="accent2">
-                <a:tint val="45000"/>
-                <a:satMod val="400000"/>
-              </a:schemeClr>
-            </a:duotone>
-            <a:extLst>
-              <a:ext uri="{28A0092B-C50C-407E-A947-70E740481C1C}">
-                <a14:useLocalDpi xmlns:a14="http://schemas.microsoft.com/office/drawing/2010/main" val="0"/>
-              </a:ext>
-            </a:extLst>
-          </a:blip>
-          <a:srcRect l="53065" t="6374" r="41247" b="72099"/>
-          <a:stretch/>
-        </p:blipFill>
-        <p:spPr>
-          <a:xfrm>
-            <a:off x="9524133" y="4282931"/>
-            <a:ext cx="404811" cy="951527"/>
-          </a:xfrm>
-          <a:prstGeom prst="rect">
-            <a:avLst/>
-          </a:prstGeom>
-        </p:spPr>
-      </p:pic>
-      <p:pic>
-        <p:nvPicPr>
-          <p:cNvPr id="59" name="Picture 58">
-            <a:extLst>
-              <a:ext uri="{FF2B5EF4-FFF2-40B4-BE49-F238E27FC236}">
-                <a16:creationId xmlns:a16="http://schemas.microsoft.com/office/drawing/2014/main" id="{B5F4549E-BCF8-4E83-B903-A597007449D9}"/>
-              </a:ext>
-            </a:extLst>
-          </p:cNvPr>
-          <p:cNvPicPr>
-            <a:picLocks noChangeAspect="1"/>
-          </p:cNvPicPr>
-          <p:nvPr/>
-        </p:nvPicPr>
-        <p:blipFill rotWithShape="1">
-          <a:blip r:embed="rId3">
-            <a:duotone>
-              <a:prstClr val="black"/>
-              <a:schemeClr val="accent2">
-                <a:tint val="45000"/>
-                <a:satMod val="400000"/>
-              </a:schemeClr>
-            </a:duotone>
-            <a:extLst>
-              <a:ext uri="{28A0092B-C50C-407E-A947-70E740481C1C}">
-                <a14:useLocalDpi xmlns:a14="http://schemas.microsoft.com/office/drawing/2010/main" val="0"/>
-              </a:ext>
-            </a:extLst>
-          </a:blip>
-          <a:srcRect l="53065" t="6374" r="41247" b="72099"/>
-          <a:stretch/>
-        </p:blipFill>
-        <p:spPr>
-          <a:xfrm>
-            <a:off x="10308284" y="4282931"/>
-            <a:ext cx="404811" cy="951527"/>
-          </a:xfrm>
-          <a:prstGeom prst="rect">
-            <a:avLst/>
-          </a:prstGeom>
-        </p:spPr>
-      </p:pic>
-      <p:pic>
-        <p:nvPicPr>
-          <p:cNvPr id="60" name="Picture 2" descr="http://www.clipartsfree.net/vector/medium/ServerCabinet_Clip_Art.png">
-            <a:extLst>
-              <a:ext uri="{FF2B5EF4-FFF2-40B4-BE49-F238E27FC236}">
-                <a16:creationId xmlns:a16="http://schemas.microsoft.com/office/drawing/2014/main" id="{1EDCB5A5-DC08-4DDE-B143-AEFB58BF17F7}"/>
-              </a:ext>
-            </a:extLst>
-          </p:cNvPr>
-          <p:cNvPicPr>
-            <a:picLocks noChangeAspect="1" noChangeArrowheads="1"/>
-          </p:cNvPicPr>
-          <p:nvPr/>
-        </p:nvPicPr>
-        <p:blipFill>
-          <a:blip r:embed="rId4" cstate="print">
-            <a:duotone>
-              <a:prstClr val="black"/>
-              <a:schemeClr val="accent2">
-                <a:tint val="45000"/>
-                <a:satMod val="400000"/>
-              </a:schemeClr>
-            </a:duotone>
-            <a:extLst>
-              <a:ext uri="{28A0092B-C50C-407E-A947-70E740481C1C}">
-                <a14:useLocalDpi xmlns:a14="http://schemas.microsoft.com/office/drawing/2010/main" val="0"/>
-              </a:ext>
-            </a:extLst>
-          </a:blip>
-          <a:srcRect/>
-          <a:stretch>
-            <a:fillRect/>
-          </a:stretch>
-        </p:blipFill>
-        <p:spPr bwMode="auto">
-          <a:xfrm>
-            <a:off x="9924129" y="3189235"/>
-            <a:ext cx="491681" cy="847725"/>
-          </a:xfrm>
-          <a:prstGeom prst="rect">
-            <a:avLst/>
-          </a:prstGeom>
-          <a:noFill/>
-          <a:extLst>
-            <a:ext uri="{909E8E84-426E-40DD-AFC4-6F175D3DCCD1}">
-              <a14:hiddenFill xmlns:a14="http://schemas.microsoft.com/office/drawing/2010/main">
-                <a:solidFill>
-                  <a:srgbClr val="FFFFFF"/>
-                </a:solidFill>
-              </a14:hiddenFill>
-            </a:ext>
-          </a:extLst>
-        </p:spPr>
-      </p:pic>
-      <p:sp>
-        <p:nvSpPr>
-          <p:cNvPr id="61" name="Arrow: Up 60">
-            <a:extLst>
-              <a:ext uri="{FF2B5EF4-FFF2-40B4-BE49-F238E27FC236}">
-                <a16:creationId xmlns:a16="http://schemas.microsoft.com/office/drawing/2014/main" id="{CBEB6372-0545-4531-9C90-C2AE3DC20544}"/>
-              </a:ext>
-            </a:extLst>
-          </p:cNvPr>
-          <p:cNvSpPr/>
-          <p:nvPr/>
-        </p:nvSpPr>
-        <p:spPr>
-          <a:xfrm>
-            <a:off x="10059277" y="2900919"/>
-            <a:ext cx="209550" cy="222123"/>
-          </a:xfrm>
-          <a:prstGeom prst="upArrow">
-            <a:avLst/>
-          </a:prstGeom>
-          <a:solidFill>
-            <a:schemeClr val="accent2"/>
-          </a:solidFill>
-          <a:ln>
-            <a:noFill/>
-          </a:ln>
-        </p:spPr>
-        <p:style>
-          <a:lnRef idx="0">
-            <a:scrgbClr r="0" g="0" b="0"/>
-          </a:lnRef>
-          <a:fillRef idx="0">
-            <a:scrgbClr r="0" g="0" b="0"/>
-          </a:fillRef>
-          <a:effectRef idx="0">
-            <a:scrgbClr r="0" g="0" b="0"/>
-          </a:effectRef>
-          <a:fontRef idx="minor">
-            <a:schemeClr val="lt1"/>
-          </a:fontRef>
-        </p:style>
-        <p:txBody>
-          <a:bodyPr rtlCol="0" anchor="ctr"/>
-          <a:lstStyle/>
-          <a:p>
-            <a:pPr algn="ctr"/>
-            <a:endParaRPr lang="en-GB"/>
-          </a:p>
-        </p:txBody>
-      </p:sp>
-      <p:pic>
-        <p:nvPicPr>
-          <p:cNvPr id="62" name="Picture 2" descr="http://www.clipartsfree.net/vector/medium/ServerCabinet_Clip_Art.png">
-            <a:extLst>
-              <a:ext uri="{FF2B5EF4-FFF2-40B4-BE49-F238E27FC236}">
-                <a16:creationId xmlns:a16="http://schemas.microsoft.com/office/drawing/2014/main" id="{42326D39-0EC1-4A66-86C7-B7737F4AFF9F}"/>
-              </a:ext>
-            </a:extLst>
-          </p:cNvPr>
-          <p:cNvPicPr>
-            <a:picLocks noChangeAspect="1" noChangeArrowheads="1"/>
-          </p:cNvPicPr>
-          <p:nvPr/>
-        </p:nvPicPr>
-        <p:blipFill>
-          <a:blip r:embed="rId4" cstate="print">
-            <a:duotone>
-              <a:schemeClr val="accent4">
-                <a:shade val="45000"/>
-                <a:satMod val="135000"/>
-              </a:schemeClr>
-              <a:prstClr val="white"/>
-            </a:duotone>
-            <a:extLst>
-              <a:ext uri="{28A0092B-C50C-407E-A947-70E740481C1C}">
-                <a14:useLocalDpi xmlns:a14="http://schemas.microsoft.com/office/drawing/2010/main" val="0"/>
-              </a:ext>
-            </a:extLst>
-          </a:blip>
-          <a:srcRect/>
-          <a:stretch>
-            <a:fillRect/>
-          </a:stretch>
-        </p:blipFill>
-        <p:spPr bwMode="auto">
-          <a:xfrm>
-            <a:off x="9924129" y="2031210"/>
-            <a:ext cx="491681" cy="847725"/>
-          </a:xfrm>
-          <a:prstGeom prst="rect">
-            <a:avLst/>
-          </a:prstGeom>
-          <a:noFill/>
-          <a:extLst>
-            <a:ext uri="{909E8E84-426E-40DD-AFC4-6F175D3DCCD1}">
-              <a14:hiddenFill xmlns:a14="http://schemas.microsoft.com/office/drawing/2010/main">
-                <a:solidFill>
-                  <a:srgbClr val="FFFFFF"/>
-                </a:solidFill>
-              </a14:hiddenFill>
-            </a:ext>
-          </a:extLst>
-        </p:spPr>
-      </p:pic>
-      <p:sp>
-        <p:nvSpPr>
-          <p:cNvPr id="63" name="Arrow: Up 62">
-            <a:extLst>
-              <a:ext uri="{FF2B5EF4-FFF2-40B4-BE49-F238E27FC236}">
-                <a16:creationId xmlns:a16="http://schemas.microsoft.com/office/drawing/2014/main" id="{E257B3F9-4C78-4191-ADB6-7C8C7B7CCB35}"/>
-              </a:ext>
-            </a:extLst>
-          </p:cNvPr>
-          <p:cNvSpPr/>
-          <p:nvPr/>
-        </p:nvSpPr>
-        <p:spPr>
-          <a:xfrm>
-            <a:off x="10065194" y="1768608"/>
-            <a:ext cx="209550" cy="222123"/>
-          </a:xfrm>
-          <a:prstGeom prst="upArrow">
-            <a:avLst/>
-          </a:prstGeom>
-          <a:solidFill>
-            <a:schemeClr val="accent2"/>
-          </a:solidFill>
-          <a:ln>
-            <a:noFill/>
-          </a:ln>
-        </p:spPr>
-        <p:style>
-          <a:lnRef idx="0">
-            <a:scrgbClr r="0" g="0" b="0"/>
-          </a:lnRef>
-          <a:fillRef idx="0">
-            <a:scrgbClr r="0" g="0" b="0"/>
-          </a:fillRef>
-          <a:effectRef idx="0">
-            <a:scrgbClr r="0" g="0" b="0"/>
-          </a:effectRef>
-          <a:fontRef idx="minor">
-            <a:schemeClr val="lt1"/>
-          </a:fontRef>
-        </p:style>
-        <p:txBody>
-          <a:bodyPr rtlCol="0" anchor="ctr"/>
-          <a:lstStyle/>
-          <a:p>
-            <a:pPr algn="ctr"/>
-            <a:endParaRPr lang="en-GB"/>
-          </a:p>
-        </p:txBody>
-      </p:sp>
-      <p:sp>
-        <p:nvSpPr>
-          <p:cNvPr id="64" name="Arrow: Up 63">
-            <a:extLst>
-              <a:ext uri="{FF2B5EF4-FFF2-40B4-BE49-F238E27FC236}">
-                <a16:creationId xmlns:a16="http://schemas.microsoft.com/office/drawing/2014/main" id="{830F942B-A517-474E-836A-EA0BC415C689}"/>
-              </a:ext>
-            </a:extLst>
-          </p:cNvPr>
-          <p:cNvSpPr/>
-          <p:nvPr/>
-        </p:nvSpPr>
-        <p:spPr>
-          <a:xfrm>
-            <a:off x="6897975" y="1446086"/>
-            <a:ext cx="209550" cy="222123"/>
-          </a:xfrm>
-          <a:prstGeom prst="upArrow">
-            <a:avLst/>
-          </a:prstGeom>
-          <a:solidFill>
-            <a:schemeClr val="accent1"/>
-          </a:solidFill>
-          <a:ln>
-            <a:noFill/>
-          </a:ln>
-        </p:spPr>
-        <p:style>
-          <a:lnRef idx="2">
-            <a:schemeClr val="accent1">
-              <a:shade val="50000"/>
-            </a:schemeClr>
-          </a:lnRef>
-          <a:fillRef idx="1">
-            <a:schemeClr val="accent1"/>
-          </a:fillRef>
-          <a:effectRef idx="0">
-            <a:schemeClr val="accent1"/>
-          </a:effectRef>
-          <a:fontRef idx="minor">
-            <a:schemeClr val="lt1"/>
-          </a:fontRef>
-        </p:style>
-        <p:txBody>
-          <a:bodyPr rtlCol="0" anchor="ctr"/>
-          <a:lstStyle/>
-          <a:p>
-            <a:pPr algn="ctr"/>
-            <a:endParaRPr lang="en-GB"/>
-          </a:p>
-        </p:txBody>
-      </p:sp>
-      <p:sp>
-        <p:nvSpPr>
-          <p:cNvPr id="69" name="Arrow: Up 68">
-            <a:extLst>
-              <a:ext uri="{FF2B5EF4-FFF2-40B4-BE49-F238E27FC236}">
-                <a16:creationId xmlns:a16="http://schemas.microsoft.com/office/drawing/2014/main" id="{D752BBDB-D742-49A9-91F5-3DF72E4530EA}"/>
-              </a:ext>
-            </a:extLst>
-          </p:cNvPr>
-          <p:cNvSpPr/>
-          <p:nvPr/>
-        </p:nvSpPr>
-        <p:spPr>
-          <a:xfrm>
-            <a:off x="7121979" y="1444097"/>
-            <a:ext cx="209550" cy="222123"/>
-          </a:xfrm>
-          <a:prstGeom prst="upArrow">
-            <a:avLst/>
-          </a:prstGeom>
-          <a:solidFill>
-            <a:schemeClr val="accent2"/>
-          </a:solidFill>
-          <a:ln>
-            <a:noFill/>
-          </a:ln>
-        </p:spPr>
-        <p:style>
-          <a:lnRef idx="0">
-            <a:scrgbClr r="0" g="0" b="0"/>
-          </a:lnRef>
-          <a:fillRef idx="0">
-            <a:scrgbClr r="0" g="0" b="0"/>
-          </a:fillRef>
-          <a:effectRef idx="0">
-            <a:scrgbClr r="0" g="0" b="0"/>
-          </a:effectRef>
-          <a:fontRef idx="minor">
-            <a:schemeClr val="lt1"/>
-          </a:fontRef>
-        </p:style>
-        <p:txBody>
-          <a:bodyPr rtlCol="0" anchor="ctr"/>
-          <a:lstStyle/>
-          <a:p>
-            <a:pPr algn="ctr"/>
-            <a:endParaRPr lang="en-GB"/>
-          </a:p>
-        </p:txBody>
-      </p:sp>
-      <p:sp>
-        <p:nvSpPr>
-          <p:cNvPr id="70" name="Arrow: Up 69">
-            <a:extLst>
-              <a:ext uri="{FF2B5EF4-FFF2-40B4-BE49-F238E27FC236}">
-                <a16:creationId xmlns:a16="http://schemas.microsoft.com/office/drawing/2014/main" id="{D2FBC09B-5877-4540-964A-47525BCCDB40}"/>
-              </a:ext>
-            </a:extLst>
-          </p:cNvPr>
-          <p:cNvSpPr/>
-          <p:nvPr/>
-        </p:nvSpPr>
-        <p:spPr>
-          <a:xfrm>
-            <a:off x="6171495" y="1446647"/>
-            <a:ext cx="209550" cy="222123"/>
-          </a:xfrm>
-          <a:prstGeom prst="upArrow">
-            <a:avLst/>
-          </a:prstGeom>
-          <a:solidFill>
-            <a:schemeClr val="accent6"/>
-          </a:solidFill>
-          <a:ln>
-            <a:noFill/>
-          </a:ln>
-        </p:spPr>
-        <p:style>
-          <a:lnRef idx="2">
-            <a:schemeClr val="accent1">
-              <a:shade val="50000"/>
-            </a:schemeClr>
-          </a:lnRef>
-          <a:fillRef idx="1">
-            <a:schemeClr val="accent1"/>
-          </a:fillRef>
-          <a:effectRef idx="0">
-            <a:schemeClr val="accent1"/>
-          </a:effectRef>
-          <a:fontRef idx="minor">
-            <a:schemeClr val="lt1"/>
-          </a:fontRef>
-        </p:style>
-        <p:txBody>
-          <a:bodyPr rtlCol="0" anchor="ctr"/>
-          <a:lstStyle/>
-          <a:p>
-            <a:pPr algn="ctr"/>
-            <a:endParaRPr lang="en-GB"/>
-          </a:p>
-        </p:txBody>
-      </p:sp>
-      <p:sp>
-        <p:nvSpPr>
-          <p:cNvPr id="71" name="Arrow: Up 70">
-            <a:extLst>
-              <a:ext uri="{FF2B5EF4-FFF2-40B4-BE49-F238E27FC236}">
-                <a16:creationId xmlns:a16="http://schemas.microsoft.com/office/drawing/2014/main" id="{664FAC29-572E-4806-99A6-9F71CD112D8C}"/>
-              </a:ext>
-            </a:extLst>
-          </p:cNvPr>
-          <p:cNvSpPr/>
-          <p:nvPr/>
-        </p:nvSpPr>
-        <p:spPr>
-          <a:xfrm>
-            <a:off x="5939505" y="1441415"/>
-            <a:ext cx="209550" cy="222123"/>
-          </a:xfrm>
-          <a:prstGeom prst="upArrow">
-            <a:avLst/>
-          </a:prstGeom>
-          <a:solidFill>
-            <a:schemeClr val="accent2"/>
-          </a:solidFill>
-          <a:ln>
-            <a:noFill/>
-          </a:ln>
-        </p:spPr>
-        <p:style>
-          <a:lnRef idx="0">
-            <a:scrgbClr r="0" g="0" b="0"/>
-          </a:lnRef>
-          <a:fillRef idx="0">
-            <a:scrgbClr r="0" g="0" b="0"/>
-          </a:fillRef>
-          <a:effectRef idx="0">
-            <a:scrgbClr r="0" g="0" b="0"/>
-          </a:effectRef>
-          <a:fontRef idx="minor">
-            <a:schemeClr val="lt1"/>
-          </a:fontRef>
-        </p:style>
-        <p:txBody>
-          <a:bodyPr rtlCol="0" anchor="ctr"/>
-          <a:lstStyle/>
-          <a:p>
-            <a:pPr algn="ctr"/>
-            <a:endParaRPr lang="en-GB"/>
-          </a:p>
-        </p:txBody>
-      </p:sp>
-      <p:sp>
-        <p:nvSpPr>
-          <p:cNvPr id="76" name="Arrow: Up 75">
-            <a:extLst>
-              <a:ext uri="{FF2B5EF4-FFF2-40B4-BE49-F238E27FC236}">
-                <a16:creationId xmlns:a16="http://schemas.microsoft.com/office/drawing/2014/main" id="{CD7589C6-ACCB-4CA9-9453-357456299204}"/>
-              </a:ext>
-            </a:extLst>
-          </p:cNvPr>
-          <p:cNvSpPr/>
-          <p:nvPr/>
-        </p:nvSpPr>
-        <p:spPr>
-          <a:xfrm rot="5400000">
-            <a:off x="9322921" y="856970"/>
-            <a:ext cx="209550" cy="222123"/>
-          </a:xfrm>
-          <a:prstGeom prst="upArrow">
-            <a:avLst/>
-          </a:prstGeom>
-          <a:solidFill>
-            <a:schemeClr val="accent6"/>
-          </a:solidFill>
-          <a:ln>
-            <a:noFill/>
-          </a:ln>
-        </p:spPr>
-        <p:style>
-          <a:lnRef idx="2">
-            <a:schemeClr val="accent1">
-              <a:shade val="50000"/>
-            </a:schemeClr>
-          </a:lnRef>
-          <a:fillRef idx="1">
-            <a:schemeClr val="accent1"/>
-          </a:fillRef>
-          <a:effectRef idx="0">
-            <a:schemeClr val="accent1"/>
-          </a:effectRef>
-          <a:fontRef idx="minor">
-            <a:schemeClr val="lt1"/>
-          </a:fontRef>
-        </p:style>
-        <p:txBody>
-          <a:bodyPr rtlCol="0" anchor="ctr"/>
-          <a:lstStyle/>
-          <a:p>
-            <a:pPr algn="ctr"/>
-            <a:endParaRPr lang="en-GB"/>
-          </a:p>
-        </p:txBody>
-      </p:sp>
-      <p:sp>
-        <p:nvSpPr>
-          <p:cNvPr id="80" name="Arrow: Up 79">
-            <a:extLst>
-              <a:ext uri="{FF2B5EF4-FFF2-40B4-BE49-F238E27FC236}">
-                <a16:creationId xmlns:a16="http://schemas.microsoft.com/office/drawing/2014/main" id="{B25F3096-7F7F-4657-8E61-31F9F99F6DA2}"/>
-              </a:ext>
-            </a:extLst>
-          </p:cNvPr>
-          <p:cNvSpPr/>
-          <p:nvPr/>
-        </p:nvSpPr>
-        <p:spPr>
-          <a:xfrm rot="5400000">
-            <a:off x="9102598" y="863256"/>
-            <a:ext cx="209550" cy="222123"/>
-          </a:xfrm>
-          <a:prstGeom prst="upArrow">
-            <a:avLst/>
-          </a:prstGeom>
-          <a:solidFill>
-            <a:srgbClr val="FF0000"/>
-          </a:solidFill>
-          <a:ln>
-            <a:noFill/>
-          </a:ln>
-        </p:spPr>
-        <p:style>
-          <a:lnRef idx="2">
-            <a:schemeClr val="accent1">
-              <a:shade val="50000"/>
-            </a:schemeClr>
-          </a:lnRef>
-          <a:fillRef idx="1">
-            <a:schemeClr val="accent1"/>
-          </a:fillRef>
-          <a:effectRef idx="0">
-            <a:schemeClr val="accent1"/>
-          </a:effectRef>
-          <a:fontRef idx="minor">
-            <a:schemeClr val="lt1"/>
-          </a:fontRef>
-        </p:style>
-        <p:txBody>
-          <a:bodyPr rtlCol="0" anchor="ctr"/>
-          <a:lstStyle/>
-          <a:p>
-            <a:pPr algn="ctr"/>
-            <a:endParaRPr lang="en-GB"/>
-          </a:p>
-        </p:txBody>
-      </p:sp>
-      <p:pic>
-        <p:nvPicPr>
-          <p:cNvPr id="81" name="Picture 80">
-            <a:extLst>
-              <a:ext uri="{FF2B5EF4-FFF2-40B4-BE49-F238E27FC236}">
-                <a16:creationId xmlns:a16="http://schemas.microsoft.com/office/drawing/2014/main" id="{108361A3-7EBE-4995-9F37-FC1C8C16FDD9}"/>
-              </a:ext>
-            </a:extLst>
-          </p:cNvPr>
-          <p:cNvPicPr>
-            <a:picLocks noChangeAspect="1"/>
-          </p:cNvPicPr>
-          <p:nvPr/>
-        </p:nvPicPr>
-        <p:blipFill rotWithShape="1">
-          <a:blip r:embed="rId3">
-            <a:extLst>
-              <a:ext uri="{28A0092B-C50C-407E-A947-70E740481C1C}">
-                <a14:useLocalDpi xmlns:a14="http://schemas.microsoft.com/office/drawing/2010/main" val="0"/>
-              </a:ext>
-            </a:extLst>
-          </a:blip>
-          <a:srcRect l="6633" r="87355" b="72146"/>
-          <a:stretch/>
-        </p:blipFill>
-        <p:spPr>
-          <a:xfrm>
-            <a:off x="6328838" y="168166"/>
-            <a:ext cx="407557" cy="1172759"/>
-          </a:xfrm>
-          <a:prstGeom prst="rect">
-            <a:avLst/>
-          </a:prstGeom>
-        </p:spPr>
-      </p:pic>
-      <p:pic>
-        <p:nvPicPr>
-          <p:cNvPr id="82" name="Picture 81">
-            <a:extLst>
-              <a:ext uri="{FF2B5EF4-FFF2-40B4-BE49-F238E27FC236}">
-                <a16:creationId xmlns:a16="http://schemas.microsoft.com/office/drawing/2014/main" id="{A0A84215-1F7C-460C-AFBF-212EDC00B1E7}"/>
-              </a:ext>
-            </a:extLst>
-          </p:cNvPr>
-          <p:cNvPicPr>
-            <a:picLocks noChangeAspect="1"/>
-          </p:cNvPicPr>
-          <p:nvPr/>
-        </p:nvPicPr>
-        <p:blipFill rotWithShape="1">
-          <a:blip r:embed="rId3">
-            <a:extLst>
-              <a:ext uri="{28A0092B-C50C-407E-A947-70E740481C1C}">
-                <a14:useLocalDpi xmlns:a14="http://schemas.microsoft.com/office/drawing/2010/main" val="0"/>
-              </a:ext>
-            </a:extLst>
-          </a:blip>
-          <a:srcRect l="6633" r="87355" b="72146"/>
-          <a:stretch/>
-        </p:blipFill>
-        <p:spPr>
-          <a:xfrm>
-            <a:off x="6690383" y="129740"/>
-            <a:ext cx="407557" cy="1172759"/>
-          </a:xfrm>
-          <a:prstGeom prst="rect">
-            <a:avLst/>
-          </a:prstGeom>
-        </p:spPr>
-      </p:pic>
-      <p:pic>
-        <p:nvPicPr>
-          <p:cNvPr id="83" name="Picture 82">
-            <a:extLst>
-              <a:ext uri="{FF2B5EF4-FFF2-40B4-BE49-F238E27FC236}">
-                <a16:creationId xmlns:a16="http://schemas.microsoft.com/office/drawing/2014/main" id="{3F8218C9-8997-4CF6-8322-372600E00E40}"/>
-              </a:ext>
-            </a:extLst>
-          </p:cNvPr>
-          <p:cNvPicPr>
-            <a:picLocks noChangeAspect="1"/>
-          </p:cNvPicPr>
-          <p:nvPr/>
-        </p:nvPicPr>
-        <p:blipFill rotWithShape="1">
-          <a:blip r:embed="rId3">
-            <a:extLst>
-              <a:ext uri="{28A0092B-C50C-407E-A947-70E740481C1C}">
-                <a14:useLocalDpi xmlns:a14="http://schemas.microsoft.com/office/drawing/2010/main" val="0"/>
-              </a:ext>
-            </a:extLst>
-          </a:blip>
-          <a:srcRect l="6633" r="87355" b="72146"/>
-          <a:stretch/>
-        </p:blipFill>
-        <p:spPr>
-          <a:xfrm>
-            <a:off x="6570255" y="269918"/>
-            <a:ext cx="407557" cy="1172759"/>
-          </a:xfrm>
-          <a:prstGeom prst="rect">
-            <a:avLst/>
-          </a:prstGeom>
-        </p:spPr>
-      </p:pic>
-      <p:sp>
-        <p:nvSpPr>
-          <p:cNvPr id="84" name="Arrow: Up 83">
-            <a:extLst>
-              <a:ext uri="{FF2B5EF4-FFF2-40B4-BE49-F238E27FC236}">
-                <a16:creationId xmlns:a16="http://schemas.microsoft.com/office/drawing/2014/main" id="{EE1E9DA7-AC1D-44A2-AD14-823ADF819AEA}"/>
-              </a:ext>
-            </a:extLst>
-          </p:cNvPr>
-          <p:cNvSpPr/>
-          <p:nvPr/>
-        </p:nvSpPr>
-        <p:spPr>
-          <a:xfrm rot="5400000">
-            <a:off x="7655846" y="855577"/>
-            <a:ext cx="209550" cy="222123"/>
-          </a:xfrm>
-          <a:prstGeom prst="upArrow">
-            <a:avLst/>
-          </a:prstGeom>
-          <a:solidFill>
-            <a:schemeClr val="accent6"/>
-          </a:solidFill>
-          <a:ln>
-            <a:noFill/>
-          </a:ln>
-        </p:spPr>
-        <p:style>
-          <a:lnRef idx="2">
-            <a:schemeClr val="accent1">
-              <a:shade val="50000"/>
-            </a:schemeClr>
-          </a:lnRef>
-          <a:fillRef idx="1">
-            <a:schemeClr val="accent1"/>
-          </a:fillRef>
-          <a:effectRef idx="0">
-            <a:schemeClr val="accent1"/>
-          </a:effectRef>
-          <a:fontRef idx="minor">
-            <a:schemeClr val="lt1"/>
-          </a:fontRef>
-        </p:style>
-        <p:txBody>
-          <a:bodyPr rtlCol="0" anchor="ctr"/>
-          <a:lstStyle/>
-          <a:p>
-            <a:pPr algn="ctr"/>
-            <a:endParaRPr lang="en-GB"/>
-          </a:p>
-        </p:txBody>
-      </p:sp>
-      <p:sp>
-        <p:nvSpPr>
-          <p:cNvPr id="85" name="Arrow: Up 84">
-            <a:extLst>
-              <a:ext uri="{FF2B5EF4-FFF2-40B4-BE49-F238E27FC236}">
-                <a16:creationId xmlns:a16="http://schemas.microsoft.com/office/drawing/2014/main" id="{13E94A5F-1CE2-4491-8F4C-D07ACE3BC74D}"/>
-              </a:ext>
-            </a:extLst>
-          </p:cNvPr>
-          <p:cNvSpPr/>
-          <p:nvPr/>
-        </p:nvSpPr>
-        <p:spPr>
-          <a:xfrm rot="5400000">
-            <a:off x="7435523" y="861863"/>
-            <a:ext cx="209550" cy="222123"/>
-          </a:xfrm>
-          <a:prstGeom prst="upArrow">
-            <a:avLst/>
-          </a:prstGeom>
-          <a:solidFill>
-            <a:srgbClr val="FF0000"/>
-          </a:solidFill>
-          <a:ln>
-            <a:noFill/>
-          </a:ln>
-        </p:spPr>
-        <p:style>
-          <a:lnRef idx="2">
-            <a:schemeClr val="accent1">
-              <a:shade val="50000"/>
-            </a:schemeClr>
-          </a:lnRef>
-          <a:fillRef idx="1">
-            <a:schemeClr val="accent1"/>
-          </a:fillRef>
-          <a:effectRef idx="0">
-            <a:schemeClr val="accent1"/>
-          </a:effectRef>
-          <a:fontRef idx="minor">
-            <a:schemeClr val="lt1"/>
-          </a:fontRef>
-        </p:style>
-        <p:txBody>
-          <a:bodyPr rtlCol="0" anchor="ctr"/>
-          <a:lstStyle/>
-          <a:p>
-            <a:pPr algn="ctr"/>
-            <a:endParaRPr lang="en-GB"/>
-          </a:p>
-        </p:txBody>
-      </p:sp>
-      <p:sp>
-        <p:nvSpPr>
-          <p:cNvPr id="86" name="Arrow: Up 85">
-            <a:extLst>
-              <a:ext uri="{FF2B5EF4-FFF2-40B4-BE49-F238E27FC236}">
-                <a16:creationId xmlns:a16="http://schemas.microsoft.com/office/drawing/2014/main" id="{62441DB3-E0A6-43FE-9BEE-6DFAA0E1410D}"/>
-              </a:ext>
-            </a:extLst>
-          </p:cNvPr>
-          <p:cNvSpPr/>
-          <p:nvPr/>
-        </p:nvSpPr>
-        <p:spPr>
-          <a:xfrm>
-            <a:off x="5004276" y="1430132"/>
-            <a:ext cx="209550" cy="222123"/>
-          </a:xfrm>
-          <a:prstGeom prst="upArrow">
-            <a:avLst/>
-          </a:prstGeom>
-          <a:solidFill>
-            <a:srgbClr val="FF0000"/>
-          </a:solidFill>
-          <a:ln>
-            <a:noFill/>
-          </a:ln>
-        </p:spPr>
-        <p:style>
-          <a:lnRef idx="2">
-            <a:schemeClr val="accent1">
-              <a:shade val="50000"/>
-            </a:schemeClr>
-          </a:lnRef>
-          <a:fillRef idx="1">
-            <a:schemeClr val="accent1"/>
-          </a:fillRef>
-          <a:effectRef idx="0">
-            <a:schemeClr val="accent1"/>
-          </a:effectRef>
-          <a:fontRef idx="minor">
-            <a:schemeClr val="lt1"/>
-          </a:fontRef>
-        </p:style>
-        <p:txBody>
-          <a:bodyPr rtlCol="0" anchor="ctr"/>
-          <a:lstStyle/>
-          <a:p>
-            <a:pPr algn="ctr"/>
-            <a:endParaRPr lang="en-GB"/>
-          </a:p>
-        </p:txBody>
-      </p:sp>
-      <p:sp>
-        <p:nvSpPr>
-          <p:cNvPr id="87" name="Arrow: Up 86">
-            <a:extLst>
-              <a:ext uri="{FF2B5EF4-FFF2-40B4-BE49-F238E27FC236}">
-                <a16:creationId xmlns:a16="http://schemas.microsoft.com/office/drawing/2014/main" id="{C30A772F-5674-41F6-849D-D2D56806BA19}"/>
-              </a:ext>
-            </a:extLst>
-          </p:cNvPr>
-          <p:cNvSpPr/>
-          <p:nvPr/>
-        </p:nvSpPr>
-        <p:spPr>
-          <a:xfrm>
-            <a:off x="5252767" y="1431015"/>
-            <a:ext cx="209550" cy="222123"/>
-          </a:xfrm>
-          <a:prstGeom prst="upArrow">
-            <a:avLst/>
-          </a:prstGeom>
-          <a:solidFill>
-            <a:schemeClr val="accent6"/>
-          </a:solidFill>
-          <a:ln>
-            <a:noFill/>
-          </a:ln>
-        </p:spPr>
-        <p:style>
-          <a:lnRef idx="2">
-            <a:schemeClr val="accent1">
-              <a:shade val="50000"/>
-            </a:schemeClr>
-          </a:lnRef>
-          <a:fillRef idx="1">
-            <a:schemeClr val="accent1"/>
-          </a:fillRef>
-          <a:effectRef idx="0">
-            <a:schemeClr val="accent1"/>
-          </a:effectRef>
-          <a:fontRef idx="minor">
-            <a:schemeClr val="lt1"/>
-          </a:fontRef>
-        </p:style>
-        <p:txBody>
-          <a:bodyPr rtlCol="0" anchor="ctr"/>
-          <a:lstStyle/>
-          <a:p>
-            <a:pPr algn="ctr"/>
-            <a:endParaRPr lang="en-GB"/>
-          </a:p>
-        </p:txBody>
-      </p:sp>
-      <p:sp>
-        <p:nvSpPr>
-          <p:cNvPr id="88" name="Arrow: Up 87">
-            <a:extLst>
-              <a:ext uri="{FF2B5EF4-FFF2-40B4-BE49-F238E27FC236}">
-                <a16:creationId xmlns:a16="http://schemas.microsoft.com/office/drawing/2014/main" id="{426DD4FE-8B02-4842-93F9-7D54C43DD4C4}"/>
-              </a:ext>
-            </a:extLst>
-          </p:cNvPr>
-          <p:cNvSpPr/>
-          <p:nvPr/>
-        </p:nvSpPr>
-        <p:spPr>
-          <a:xfrm>
-            <a:off x="5483511" y="1430366"/>
-            <a:ext cx="209550" cy="222123"/>
-          </a:xfrm>
-          <a:prstGeom prst="upArrow">
-            <a:avLst/>
-          </a:prstGeom>
-          <a:solidFill>
-            <a:schemeClr val="accent1"/>
-          </a:solidFill>
-          <a:ln>
-            <a:noFill/>
-          </a:ln>
-        </p:spPr>
-        <p:style>
-          <a:lnRef idx="2">
-            <a:schemeClr val="accent1">
-              <a:shade val="50000"/>
-            </a:schemeClr>
-          </a:lnRef>
-          <a:fillRef idx="1">
-            <a:schemeClr val="accent1"/>
-          </a:fillRef>
-          <a:effectRef idx="0">
-            <a:schemeClr val="accent1"/>
-          </a:effectRef>
-          <a:fontRef idx="minor">
-            <a:schemeClr val="lt1"/>
-          </a:fontRef>
-        </p:style>
-        <p:txBody>
-          <a:bodyPr rtlCol="0" anchor="ctr"/>
-          <a:lstStyle/>
-          <a:p>
-            <a:pPr algn="ctr"/>
-            <a:endParaRPr lang="en-GB"/>
-          </a:p>
-        </p:txBody>
-      </p:sp>
-      <p:sp>
-        <p:nvSpPr>
-          <p:cNvPr id="89" name="Arrow: Up 88">
-            <a:extLst>
-              <a:ext uri="{FF2B5EF4-FFF2-40B4-BE49-F238E27FC236}">
-                <a16:creationId xmlns:a16="http://schemas.microsoft.com/office/drawing/2014/main" id="{7031434E-F143-40F4-B916-3F203EAF9383}"/>
-              </a:ext>
-            </a:extLst>
-          </p:cNvPr>
-          <p:cNvSpPr/>
-          <p:nvPr/>
-        </p:nvSpPr>
-        <p:spPr>
-          <a:xfrm>
-            <a:off x="5707515" y="1428377"/>
-            <a:ext cx="209550" cy="222123"/>
-          </a:xfrm>
-          <a:prstGeom prst="upArrow">
-            <a:avLst/>
-          </a:prstGeom>
-          <a:solidFill>
-            <a:schemeClr val="accent2"/>
-          </a:solidFill>
-          <a:ln>
-            <a:noFill/>
-          </a:ln>
-        </p:spPr>
-        <p:style>
-          <a:lnRef idx="0">
-            <a:scrgbClr r="0" g="0" b="0"/>
-          </a:lnRef>
-          <a:fillRef idx="0">
-            <a:scrgbClr r="0" g="0" b="0"/>
-          </a:fillRef>
-          <a:effectRef idx="0">
-            <a:scrgbClr r="0" g="0" b="0"/>
-          </a:effectRef>
-          <a:fontRef idx="minor">
-            <a:schemeClr val="lt1"/>
-          </a:fontRef>
-        </p:style>
-        <p:txBody>
-          <a:bodyPr rtlCol="0" anchor="ctr"/>
-          <a:lstStyle/>
-          <a:p>
-            <a:pPr algn="ctr"/>
-            <a:endParaRPr lang="en-GB"/>
-          </a:p>
-        </p:txBody>
-      </p:sp>
-      <p:sp>
-        <p:nvSpPr>
-          <p:cNvPr id="90" name="Arrow: Up 89">
-            <a:extLst>
-              <a:ext uri="{FF2B5EF4-FFF2-40B4-BE49-F238E27FC236}">
-                <a16:creationId xmlns:a16="http://schemas.microsoft.com/office/drawing/2014/main" id="{88AE67F5-8B14-446B-BB0E-7F02B94A7EE1}"/>
-              </a:ext>
-            </a:extLst>
-          </p:cNvPr>
-          <p:cNvSpPr/>
-          <p:nvPr/>
-        </p:nvSpPr>
-        <p:spPr>
-          <a:xfrm>
-            <a:off x="4757031" y="1430927"/>
-            <a:ext cx="209550" cy="222123"/>
-          </a:xfrm>
-          <a:prstGeom prst="upArrow">
-            <a:avLst/>
-          </a:prstGeom>
-          <a:solidFill>
-            <a:schemeClr val="accent6"/>
-          </a:solidFill>
-          <a:ln>
-            <a:noFill/>
-          </a:ln>
-        </p:spPr>
-        <p:style>
-          <a:lnRef idx="2">
-            <a:schemeClr val="accent1">
-              <a:shade val="50000"/>
-            </a:schemeClr>
-          </a:lnRef>
-          <a:fillRef idx="1">
-            <a:schemeClr val="accent1"/>
-          </a:fillRef>
-          <a:effectRef idx="0">
-            <a:schemeClr val="accent1"/>
-          </a:effectRef>
-          <a:fontRef idx="minor">
-            <a:schemeClr val="lt1"/>
-          </a:fontRef>
-        </p:style>
-        <p:txBody>
-          <a:bodyPr rtlCol="0" anchor="ctr"/>
-          <a:lstStyle/>
-          <a:p>
-            <a:pPr algn="ctr"/>
-            <a:endParaRPr lang="en-GB"/>
-          </a:p>
-        </p:txBody>
-      </p:sp>
-      <p:sp>
-        <p:nvSpPr>
-          <p:cNvPr id="91" name="Arrow: Up 90">
-            <a:extLst>
-              <a:ext uri="{FF2B5EF4-FFF2-40B4-BE49-F238E27FC236}">
-                <a16:creationId xmlns:a16="http://schemas.microsoft.com/office/drawing/2014/main" id="{EC466966-3455-4FCF-A513-AD2E8777F5C5}"/>
-              </a:ext>
-            </a:extLst>
-          </p:cNvPr>
-          <p:cNvSpPr/>
-          <p:nvPr/>
-        </p:nvSpPr>
-        <p:spPr>
-          <a:xfrm>
-            <a:off x="4525041" y="1425695"/>
-            <a:ext cx="209550" cy="222123"/>
-          </a:xfrm>
-          <a:prstGeom prst="upArrow">
-            <a:avLst/>
-          </a:prstGeom>
-          <a:solidFill>
-            <a:schemeClr val="accent2"/>
-          </a:solidFill>
-          <a:ln>
-            <a:noFill/>
-          </a:ln>
-        </p:spPr>
-        <p:style>
-          <a:lnRef idx="0">
-            <a:scrgbClr r="0" g="0" b="0"/>
-          </a:lnRef>
-          <a:fillRef idx="0">
-            <a:scrgbClr r="0" g="0" b="0"/>
-          </a:fillRef>
-          <a:effectRef idx="0">
-            <a:scrgbClr r="0" g="0" b="0"/>
-          </a:effectRef>
-          <a:fontRef idx="minor">
-            <a:schemeClr val="lt1"/>
-          </a:fontRef>
-        </p:style>
-        <p:txBody>
-          <a:bodyPr rtlCol="0" anchor="ctr"/>
-          <a:lstStyle/>
-          <a:p>
-            <a:pPr algn="ctr"/>
-            <a:endParaRPr lang="en-GB"/>
-          </a:p>
-        </p:txBody>
-      </p:sp>
-      <p:sp>
-        <p:nvSpPr>
-          <p:cNvPr id="92" name="Arrow: Up 91">
-            <a:extLst>
-              <a:ext uri="{FF2B5EF4-FFF2-40B4-BE49-F238E27FC236}">
-                <a16:creationId xmlns:a16="http://schemas.microsoft.com/office/drawing/2014/main" id="{3F541382-44E3-47D1-9AD3-4200344AA05D}"/>
-              </a:ext>
-            </a:extLst>
-          </p:cNvPr>
-          <p:cNvSpPr/>
-          <p:nvPr/>
-        </p:nvSpPr>
-        <p:spPr>
-          <a:xfrm>
-            <a:off x="4063725" y="1424361"/>
-            <a:ext cx="209550" cy="222123"/>
-          </a:xfrm>
-          <a:prstGeom prst="upArrow">
-            <a:avLst/>
-          </a:prstGeom>
-          <a:solidFill>
-            <a:srgbClr val="FF0000"/>
-          </a:solidFill>
-          <a:ln>
-            <a:noFill/>
-          </a:ln>
-        </p:spPr>
-        <p:style>
-          <a:lnRef idx="2">
-            <a:schemeClr val="accent1">
-              <a:shade val="50000"/>
-            </a:schemeClr>
-          </a:lnRef>
-          <a:fillRef idx="1">
-            <a:schemeClr val="accent1"/>
-          </a:fillRef>
-          <a:effectRef idx="0">
-            <a:schemeClr val="accent1"/>
-          </a:effectRef>
-          <a:fontRef idx="minor">
-            <a:schemeClr val="lt1"/>
-          </a:fontRef>
-        </p:style>
-        <p:txBody>
-          <a:bodyPr rtlCol="0" anchor="ctr"/>
-          <a:lstStyle/>
-          <a:p>
-            <a:pPr algn="ctr"/>
-            <a:endParaRPr lang="en-GB"/>
-          </a:p>
-        </p:txBody>
-      </p:sp>
-      <p:sp>
-        <p:nvSpPr>
-          <p:cNvPr id="93" name="Arrow: Up 92">
-            <a:extLst>
-              <a:ext uri="{FF2B5EF4-FFF2-40B4-BE49-F238E27FC236}">
-                <a16:creationId xmlns:a16="http://schemas.microsoft.com/office/drawing/2014/main" id="{066E20B3-A36F-4D2E-9CB3-3BB02CF67648}"/>
-              </a:ext>
-            </a:extLst>
-          </p:cNvPr>
-          <p:cNvSpPr/>
-          <p:nvPr/>
-        </p:nvSpPr>
-        <p:spPr>
-          <a:xfrm>
-            <a:off x="4312216" y="1425244"/>
-            <a:ext cx="209550" cy="222123"/>
-          </a:xfrm>
-          <a:prstGeom prst="upArrow">
-            <a:avLst/>
-          </a:prstGeom>
-          <a:solidFill>
-            <a:schemeClr val="accent6"/>
-          </a:solidFill>
-          <a:ln>
-            <a:noFill/>
-          </a:ln>
-        </p:spPr>
-        <p:style>
-          <a:lnRef idx="2">
-            <a:schemeClr val="accent1">
-              <a:shade val="50000"/>
-            </a:schemeClr>
-          </a:lnRef>
-          <a:fillRef idx="1">
-            <a:schemeClr val="accent1"/>
-          </a:fillRef>
-          <a:effectRef idx="0">
-            <a:schemeClr val="accent1"/>
-          </a:effectRef>
-          <a:fontRef idx="minor">
-            <a:schemeClr val="lt1"/>
-          </a:fontRef>
-        </p:style>
-        <p:txBody>
-          <a:bodyPr rtlCol="0" anchor="ctr"/>
-          <a:lstStyle/>
-          <a:p>
-            <a:pPr algn="ctr"/>
-            <a:endParaRPr lang="en-GB"/>
-          </a:p>
-        </p:txBody>
-      </p:sp>
-    </p:spTree>
-    <p:extLst>
-      <p:ext uri="{BB962C8B-B14F-4D97-AF65-F5344CB8AC3E}">
-        <p14:creationId xmlns:p14="http://schemas.microsoft.com/office/powerpoint/2010/main" val="1718621799"/>
-      </p:ext>
-    </p:extLst>
-  </p:cSld>
-  <p:clrMapOvr>
-    <a:masterClrMapping/>
-  </p:clrMapOvr>
-</p:sld>
-</file>
-
-<file path=ppt/slides/slide19.xml><?xml version="1.0" encoding="utf-8"?>
-<p:sld xmlns:a="http://schemas.openxmlformats.org/drawingml/2006/main" xmlns:r="http://schemas.openxmlformats.org/officeDocument/2006/relationships" xmlns:p="http://schemas.openxmlformats.org/presentationml/2006/main">
-  <p:cSld>
-    <p:spTree>
-      <p:nvGrpSpPr>
-        <p:cNvPr id="1" name=""/>
-        <p:cNvGrpSpPr/>
-        <p:nvPr/>
-      </p:nvGrpSpPr>
-      <p:grpSpPr>
-        <a:xfrm>
-          <a:off x="0" y="0"/>
-          <a:ext cx="0" cy="0"/>
-          <a:chOff x="0" y="0"/>
-          <a:chExt cx="0" cy="0"/>
-        </a:xfrm>
-      </p:grpSpPr>
-      <p:sp>
-        <p:nvSpPr>
           <p:cNvPr id="8196" name="Rectangle 70"/>
           <p:cNvSpPr>
             <a:spLocks noGrp="1" noRot="1" noChangeAspect="1" noMove="1" noResize="1" noEditPoints="1" noAdjustHandles="1" noChangeArrowheads="1" noChangeShapeType="1" noTextEdit="1"/>
@@ -44086,7 +40395,7 @@
           <p:nvPr/>
         </p:nvPicPr>
         <p:blipFill rotWithShape="1">
-          <a:blip r:embed="rId2">
+          <a:blip r:embed="rId3">
             <a:extLst>
               <a:ext uri="{28A0092B-C50C-407E-A947-70E740481C1C}">
                 <a14:useLocalDpi xmlns:a14="http://schemas.microsoft.com/office/drawing/2010/main" val="0"/>
@@ -44212,6 +40521,271 @@
     <p:extLst>
       <p:ext uri="{BB962C8B-B14F-4D97-AF65-F5344CB8AC3E}">
         <p14:creationId xmlns:p14="http://schemas.microsoft.com/office/powerpoint/2010/main" val="3643751233"/>
+      </p:ext>
+    </p:extLst>
+  </p:cSld>
+  <p:clrMapOvr>
+    <a:masterClrMapping/>
+  </p:clrMapOvr>
+</p:sld>
+</file>
+
+<file path=ppt/slides/slide19.xml><?xml version="1.0" encoding="utf-8"?>
+<p:sld xmlns:a="http://schemas.openxmlformats.org/drawingml/2006/main" xmlns:r="http://schemas.openxmlformats.org/officeDocument/2006/relationships" xmlns:p="http://schemas.openxmlformats.org/presentationml/2006/main">
+  <p:cSld>
+    <p:spTree>
+      <p:nvGrpSpPr>
+        <p:cNvPr id="1" name=""/>
+        <p:cNvGrpSpPr/>
+        <p:nvPr/>
+      </p:nvGrpSpPr>
+      <p:grpSpPr>
+        <a:xfrm>
+          <a:off x="0" y="0"/>
+          <a:ext cx="0" cy="0"/>
+          <a:chOff x="0" y="0"/>
+          <a:chExt cx="0" cy="0"/>
+        </a:xfrm>
+      </p:grpSpPr>
+      <p:sp>
+        <p:nvSpPr>
+          <p:cNvPr id="13" name="Rectangle 12"/>
+          <p:cNvSpPr>
+            <a:spLocks noGrp="1" noRot="1" noChangeAspect="1" noMove="1" noResize="1" noEditPoints="1" noAdjustHandles="1" noChangeArrowheads="1" noChangeShapeType="1" noTextEdit="1"/>
+          </p:cNvSpPr>
+          <p:nvPr>
+            <p:extLst>
+              <p:ext uri="{386F3935-93C4-4BCD-93E2-E3B085C9AB24}">
+                <p16:designElem xmlns:p16="http://schemas.microsoft.com/office/powerpoint/2015/main" val="1"/>
+              </p:ext>
+            </p:extLst>
+          </p:nvPr>
+        </p:nvSpPr>
+        <p:spPr>
+          <a:xfrm>
+            <a:off x="0" y="0"/>
+            <a:ext cx="12192000" cy="6858000"/>
+          </a:xfrm>
+          <a:prstGeom prst="rect">
+            <a:avLst/>
+          </a:prstGeom>
+          <a:solidFill>
+            <a:schemeClr val="bg2"/>
+          </a:solidFill>
+          <a:ln>
+            <a:noFill/>
+          </a:ln>
+        </p:spPr>
+        <p:style>
+          <a:lnRef idx="2">
+            <a:schemeClr val="accent1">
+              <a:shade val="50000"/>
+            </a:schemeClr>
+          </a:lnRef>
+          <a:fillRef idx="1">
+            <a:schemeClr val="accent1"/>
+          </a:fillRef>
+          <a:effectRef idx="0">
+            <a:schemeClr val="accent1"/>
+          </a:effectRef>
+          <a:fontRef idx="minor">
+            <a:schemeClr val="lt1"/>
+          </a:fontRef>
+        </p:style>
+        <p:txBody>
+          <a:bodyPr rtlCol="0" anchor="ctr"/>
+          <a:lstStyle/>
+          <a:p>
+            <a:pPr algn="ctr"/>
+            <a:endParaRPr lang="en-US"/>
+          </a:p>
+        </p:txBody>
+      </p:sp>
+      <p:sp>
+        <p:nvSpPr>
+          <p:cNvPr id="15" name="Rectangle 14"/>
+          <p:cNvSpPr>
+            <a:spLocks noGrp="1" noRot="1" noChangeAspect="1" noMove="1" noResize="1" noEditPoints="1" noAdjustHandles="1" noChangeArrowheads="1" noChangeShapeType="1" noTextEdit="1"/>
+          </p:cNvSpPr>
+          <p:nvPr>
+            <p:extLst>
+              <p:ext uri="{386F3935-93C4-4BCD-93E2-E3B085C9AB24}">
+                <p16:designElem xmlns:p16="http://schemas.microsoft.com/office/powerpoint/2015/main" val="1"/>
+              </p:ext>
+            </p:extLst>
+          </p:nvPr>
+        </p:nvSpPr>
+        <p:spPr>
+          <a:xfrm>
+            <a:off x="477012" y="480060"/>
+            <a:ext cx="11237976" cy="5897880"/>
+          </a:xfrm>
+          <a:prstGeom prst="rect">
+            <a:avLst/>
+          </a:prstGeom>
+          <a:solidFill>
+            <a:schemeClr val="bg1"/>
+          </a:solidFill>
+          <a:ln>
+            <a:solidFill>
+              <a:srgbClr val="81EDCD"/>
+            </a:solidFill>
+          </a:ln>
+        </p:spPr>
+        <p:style>
+          <a:lnRef idx="2">
+            <a:schemeClr val="accent1">
+              <a:shade val="50000"/>
+            </a:schemeClr>
+          </a:lnRef>
+          <a:fillRef idx="1">
+            <a:schemeClr val="accent1"/>
+          </a:fillRef>
+          <a:effectRef idx="0">
+            <a:schemeClr val="accent1"/>
+          </a:effectRef>
+          <a:fontRef idx="minor">
+            <a:schemeClr val="lt1"/>
+          </a:fontRef>
+        </p:style>
+        <p:txBody>
+          <a:bodyPr rtlCol="0" anchor="ctr"/>
+          <a:lstStyle/>
+          <a:p>
+            <a:pPr algn="ctr"/>
+            <a:endParaRPr lang="en-US"/>
+          </a:p>
+        </p:txBody>
+      </p:sp>
+      <p:pic>
+        <p:nvPicPr>
+          <p:cNvPr id="8" name="Picture 2" descr="https://i.pinimg.com/originals/68/6b/43/686b43845e562d4829ca98903638c70d.jpg">
+            <a:extLst>
+              <a:ext uri="{FF2B5EF4-FFF2-40B4-BE49-F238E27FC236}">
+                <a16:creationId xmlns:a16="http://schemas.microsoft.com/office/drawing/2014/main" id="{A65CA7B6-B42F-4731-8814-11A5F99219F4}"/>
+              </a:ext>
+            </a:extLst>
+          </p:cNvPr>
+          <p:cNvPicPr>
+            <a:picLocks noChangeAspect="1" noChangeArrowheads="1"/>
+          </p:cNvPicPr>
+          <p:nvPr/>
+        </p:nvPicPr>
+        <p:blipFill>
+          <a:blip r:embed="rId3" cstate="print">
+            <a:extLst>
+              <a:ext uri="{28A0092B-C50C-407E-A947-70E740481C1C}">
+                <a14:useLocalDpi xmlns:a14="http://schemas.microsoft.com/office/drawing/2010/main" val="0"/>
+              </a:ext>
+            </a:extLst>
+          </a:blip>
+          <a:srcRect/>
+          <a:stretch>
+            <a:fillRect/>
+          </a:stretch>
+        </p:blipFill>
+        <p:spPr bwMode="auto">
+          <a:xfrm>
+            <a:off x="2596445" y="804334"/>
+            <a:ext cx="6999109" cy="5249332"/>
+          </a:xfrm>
+          <a:prstGeom prst="rect">
+            <a:avLst/>
+          </a:prstGeom>
+          <a:noFill/>
+          <a:extLst>
+            <a:ext uri="{909E8E84-426E-40DD-AFC4-6F175D3DCCD1}">
+              <a14:hiddenFill xmlns:a14="http://schemas.microsoft.com/office/drawing/2010/main">
+                <a:solidFill>
+                  <a:srgbClr val="FFFFFF"/>
+                </a:solidFill>
+              </a14:hiddenFill>
+            </a:ext>
+          </a:extLst>
+        </p:spPr>
+      </p:pic>
+      <p:sp>
+        <p:nvSpPr>
+          <p:cNvPr id="6" name="Rectangle 5">
+            <a:extLst>
+              <a:ext uri="{FF2B5EF4-FFF2-40B4-BE49-F238E27FC236}">
+                <a16:creationId xmlns:a16="http://schemas.microsoft.com/office/drawing/2014/main" id="{595C765D-A6A8-4EAB-835F-DFD8EE8B0311}"/>
+              </a:ext>
+            </a:extLst>
+          </p:cNvPr>
+          <p:cNvSpPr/>
+          <p:nvPr/>
+        </p:nvSpPr>
+        <p:spPr>
+          <a:xfrm>
+            <a:off x="943030" y="899746"/>
+            <a:ext cx="184731" cy="369332"/>
+          </a:xfrm>
+          <a:prstGeom prst="rect">
+            <a:avLst/>
+          </a:prstGeom>
+        </p:spPr>
+        <p:txBody>
+          <a:bodyPr wrap="none">
+            <a:spAutoFit/>
+          </a:bodyPr>
+          <a:lstStyle/>
+          <a:p>
+            <a:endParaRPr lang="en-GB" dirty="0"/>
+          </a:p>
+        </p:txBody>
+      </p:sp>
+      <p:pic>
+        <p:nvPicPr>
+          <p:cNvPr id="3076" name="Picture 4" descr="http://www.projectmanage.com/files/bigstock-Hello-I-Am-Agile-Name-Tag-Stic-63135532-1024x703.jpg">
+            <a:extLst>
+              <a:ext uri="{FF2B5EF4-FFF2-40B4-BE49-F238E27FC236}">
+                <a16:creationId xmlns:a16="http://schemas.microsoft.com/office/drawing/2014/main" id="{83EC3FB9-1C54-4F3B-9F83-1F7E64ED5039}"/>
+              </a:ext>
+            </a:extLst>
+          </p:cNvPr>
+          <p:cNvPicPr>
+            <a:picLocks noChangeAspect="1" noChangeArrowheads="1"/>
+          </p:cNvPicPr>
+          <p:nvPr/>
+        </p:nvPicPr>
+        <p:blipFill>
+          <a:blip r:embed="rId4" cstate="print">
+            <a:extLst>
+              <a:ext uri="{28A0092B-C50C-407E-A947-70E740481C1C}">
+                <a14:useLocalDpi xmlns:a14="http://schemas.microsoft.com/office/drawing/2010/main" val="0"/>
+              </a:ext>
+            </a:extLst>
+          </a:blip>
+          <a:srcRect/>
+          <a:stretch>
+            <a:fillRect/>
+          </a:stretch>
+        </p:blipFill>
+        <p:spPr bwMode="auto">
+          <a:xfrm rot="1321192">
+            <a:off x="8023899" y="889472"/>
+            <a:ext cx="2520636" cy="1730476"/>
+          </a:xfrm>
+          <a:prstGeom prst="rect">
+            <a:avLst/>
+          </a:prstGeom>
+          <a:noFill/>
+          <a:extLst>
+            <a:ext uri="{909E8E84-426E-40DD-AFC4-6F175D3DCCD1}">
+              <a14:hiddenFill xmlns:a14="http://schemas.microsoft.com/office/drawing/2010/main">
+                <a:solidFill>
+                  <a:srgbClr val="FFFFFF"/>
+                </a:solidFill>
+              </a14:hiddenFill>
+            </a:ext>
+          </a:extLst>
+        </p:spPr>
+      </p:pic>
+    </p:spTree>
+    <p:extLst>
+      <p:ext uri="{BB962C8B-B14F-4D97-AF65-F5344CB8AC3E}">
+        <p14:creationId xmlns:p14="http://schemas.microsoft.com/office/powerpoint/2010/main" val="3929931085"/>
       </p:ext>
     </p:extLst>
   </p:cSld>
@@ -45174,271 +41748,6 @@
       </p:grpSpPr>
       <p:sp>
         <p:nvSpPr>
-          <p:cNvPr id="13" name="Rectangle 12"/>
-          <p:cNvSpPr>
-            <a:spLocks noGrp="1" noRot="1" noChangeAspect="1" noMove="1" noResize="1" noEditPoints="1" noAdjustHandles="1" noChangeArrowheads="1" noChangeShapeType="1" noTextEdit="1"/>
-          </p:cNvSpPr>
-          <p:nvPr>
-            <p:extLst>
-              <p:ext uri="{386F3935-93C4-4BCD-93E2-E3B085C9AB24}">
-                <p16:designElem xmlns:p16="http://schemas.microsoft.com/office/powerpoint/2015/main" val="1"/>
-              </p:ext>
-            </p:extLst>
-          </p:nvPr>
-        </p:nvSpPr>
-        <p:spPr>
-          <a:xfrm>
-            <a:off x="0" y="0"/>
-            <a:ext cx="12192000" cy="6858000"/>
-          </a:xfrm>
-          <a:prstGeom prst="rect">
-            <a:avLst/>
-          </a:prstGeom>
-          <a:solidFill>
-            <a:schemeClr val="bg2"/>
-          </a:solidFill>
-          <a:ln>
-            <a:noFill/>
-          </a:ln>
-        </p:spPr>
-        <p:style>
-          <a:lnRef idx="2">
-            <a:schemeClr val="accent1">
-              <a:shade val="50000"/>
-            </a:schemeClr>
-          </a:lnRef>
-          <a:fillRef idx="1">
-            <a:schemeClr val="accent1"/>
-          </a:fillRef>
-          <a:effectRef idx="0">
-            <a:schemeClr val="accent1"/>
-          </a:effectRef>
-          <a:fontRef idx="minor">
-            <a:schemeClr val="lt1"/>
-          </a:fontRef>
-        </p:style>
-        <p:txBody>
-          <a:bodyPr rtlCol="0" anchor="ctr"/>
-          <a:lstStyle/>
-          <a:p>
-            <a:pPr algn="ctr"/>
-            <a:endParaRPr lang="en-US"/>
-          </a:p>
-        </p:txBody>
-      </p:sp>
-      <p:sp>
-        <p:nvSpPr>
-          <p:cNvPr id="15" name="Rectangle 14"/>
-          <p:cNvSpPr>
-            <a:spLocks noGrp="1" noRot="1" noChangeAspect="1" noMove="1" noResize="1" noEditPoints="1" noAdjustHandles="1" noChangeArrowheads="1" noChangeShapeType="1" noTextEdit="1"/>
-          </p:cNvSpPr>
-          <p:nvPr>
-            <p:extLst>
-              <p:ext uri="{386F3935-93C4-4BCD-93E2-E3B085C9AB24}">
-                <p16:designElem xmlns:p16="http://schemas.microsoft.com/office/powerpoint/2015/main" val="1"/>
-              </p:ext>
-            </p:extLst>
-          </p:nvPr>
-        </p:nvSpPr>
-        <p:spPr>
-          <a:xfrm>
-            <a:off x="477012" y="480060"/>
-            <a:ext cx="11237976" cy="5897880"/>
-          </a:xfrm>
-          <a:prstGeom prst="rect">
-            <a:avLst/>
-          </a:prstGeom>
-          <a:solidFill>
-            <a:schemeClr val="bg1"/>
-          </a:solidFill>
-          <a:ln>
-            <a:solidFill>
-              <a:srgbClr val="81EDCD"/>
-            </a:solidFill>
-          </a:ln>
-        </p:spPr>
-        <p:style>
-          <a:lnRef idx="2">
-            <a:schemeClr val="accent1">
-              <a:shade val="50000"/>
-            </a:schemeClr>
-          </a:lnRef>
-          <a:fillRef idx="1">
-            <a:schemeClr val="accent1"/>
-          </a:fillRef>
-          <a:effectRef idx="0">
-            <a:schemeClr val="accent1"/>
-          </a:effectRef>
-          <a:fontRef idx="minor">
-            <a:schemeClr val="lt1"/>
-          </a:fontRef>
-        </p:style>
-        <p:txBody>
-          <a:bodyPr rtlCol="0" anchor="ctr"/>
-          <a:lstStyle/>
-          <a:p>
-            <a:pPr algn="ctr"/>
-            <a:endParaRPr lang="en-US"/>
-          </a:p>
-        </p:txBody>
-      </p:sp>
-      <p:pic>
-        <p:nvPicPr>
-          <p:cNvPr id="8" name="Picture 2" descr="https://i.pinimg.com/originals/68/6b/43/686b43845e562d4829ca98903638c70d.jpg">
-            <a:extLst>
-              <a:ext uri="{FF2B5EF4-FFF2-40B4-BE49-F238E27FC236}">
-                <a16:creationId xmlns:a16="http://schemas.microsoft.com/office/drawing/2014/main" id="{A65CA7B6-B42F-4731-8814-11A5F99219F4}"/>
-              </a:ext>
-            </a:extLst>
-          </p:cNvPr>
-          <p:cNvPicPr>
-            <a:picLocks noChangeAspect="1" noChangeArrowheads="1"/>
-          </p:cNvPicPr>
-          <p:nvPr/>
-        </p:nvPicPr>
-        <p:blipFill>
-          <a:blip r:embed="rId3" cstate="print">
-            <a:extLst>
-              <a:ext uri="{28A0092B-C50C-407E-A947-70E740481C1C}">
-                <a14:useLocalDpi xmlns:a14="http://schemas.microsoft.com/office/drawing/2010/main" val="0"/>
-              </a:ext>
-            </a:extLst>
-          </a:blip>
-          <a:srcRect/>
-          <a:stretch>
-            <a:fillRect/>
-          </a:stretch>
-        </p:blipFill>
-        <p:spPr bwMode="auto">
-          <a:xfrm>
-            <a:off x="2596445" y="804334"/>
-            <a:ext cx="6999109" cy="5249332"/>
-          </a:xfrm>
-          <a:prstGeom prst="rect">
-            <a:avLst/>
-          </a:prstGeom>
-          <a:noFill/>
-          <a:extLst>
-            <a:ext uri="{909E8E84-426E-40DD-AFC4-6F175D3DCCD1}">
-              <a14:hiddenFill xmlns:a14="http://schemas.microsoft.com/office/drawing/2010/main">
-                <a:solidFill>
-                  <a:srgbClr val="FFFFFF"/>
-                </a:solidFill>
-              </a14:hiddenFill>
-            </a:ext>
-          </a:extLst>
-        </p:spPr>
-      </p:pic>
-      <p:sp>
-        <p:nvSpPr>
-          <p:cNvPr id="6" name="Rectangle 5">
-            <a:extLst>
-              <a:ext uri="{FF2B5EF4-FFF2-40B4-BE49-F238E27FC236}">
-                <a16:creationId xmlns:a16="http://schemas.microsoft.com/office/drawing/2014/main" id="{595C765D-A6A8-4EAB-835F-DFD8EE8B0311}"/>
-              </a:ext>
-            </a:extLst>
-          </p:cNvPr>
-          <p:cNvSpPr/>
-          <p:nvPr/>
-        </p:nvSpPr>
-        <p:spPr>
-          <a:xfrm>
-            <a:off x="943030" y="899746"/>
-            <a:ext cx="184731" cy="369332"/>
-          </a:xfrm>
-          <a:prstGeom prst="rect">
-            <a:avLst/>
-          </a:prstGeom>
-        </p:spPr>
-        <p:txBody>
-          <a:bodyPr wrap="none">
-            <a:spAutoFit/>
-          </a:bodyPr>
-          <a:lstStyle/>
-          <a:p>
-            <a:endParaRPr lang="en-GB" dirty="0"/>
-          </a:p>
-        </p:txBody>
-      </p:sp>
-      <p:pic>
-        <p:nvPicPr>
-          <p:cNvPr id="3076" name="Picture 4" descr="http://www.projectmanage.com/files/bigstock-Hello-I-Am-Agile-Name-Tag-Stic-63135532-1024x703.jpg">
-            <a:extLst>
-              <a:ext uri="{FF2B5EF4-FFF2-40B4-BE49-F238E27FC236}">
-                <a16:creationId xmlns:a16="http://schemas.microsoft.com/office/drawing/2014/main" id="{83EC3FB9-1C54-4F3B-9F83-1F7E64ED5039}"/>
-              </a:ext>
-            </a:extLst>
-          </p:cNvPr>
-          <p:cNvPicPr>
-            <a:picLocks noChangeAspect="1" noChangeArrowheads="1"/>
-          </p:cNvPicPr>
-          <p:nvPr/>
-        </p:nvPicPr>
-        <p:blipFill>
-          <a:blip r:embed="rId4" cstate="print">
-            <a:extLst>
-              <a:ext uri="{28A0092B-C50C-407E-A947-70E740481C1C}">
-                <a14:useLocalDpi xmlns:a14="http://schemas.microsoft.com/office/drawing/2010/main" val="0"/>
-              </a:ext>
-            </a:extLst>
-          </a:blip>
-          <a:srcRect/>
-          <a:stretch>
-            <a:fillRect/>
-          </a:stretch>
-        </p:blipFill>
-        <p:spPr bwMode="auto">
-          <a:xfrm rot="1321192">
-            <a:off x="8023899" y="889472"/>
-            <a:ext cx="2520636" cy="1730476"/>
-          </a:xfrm>
-          <a:prstGeom prst="rect">
-            <a:avLst/>
-          </a:prstGeom>
-          <a:noFill/>
-          <a:extLst>
-            <a:ext uri="{909E8E84-426E-40DD-AFC4-6F175D3DCCD1}">
-              <a14:hiddenFill xmlns:a14="http://schemas.microsoft.com/office/drawing/2010/main">
-                <a:solidFill>
-                  <a:srgbClr val="FFFFFF"/>
-                </a:solidFill>
-              </a14:hiddenFill>
-            </a:ext>
-          </a:extLst>
-        </p:spPr>
-      </p:pic>
-    </p:spTree>
-    <p:extLst>
-      <p:ext uri="{BB962C8B-B14F-4D97-AF65-F5344CB8AC3E}">
-        <p14:creationId xmlns:p14="http://schemas.microsoft.com/office/powerpoint/2010/main" val="3929931085"/>
-      </p:ext>
-    </p:extLst>
-  </p:cSld>
-  <p:clrMapOvr>
-    <a:masterClrMapping/>
-  </p:clrMapOvr>
-</p:sld>
-</file>
-
-<file path=ppt/slides/slide21.xml><?xml version="1.0" encoding="utf-8"?>
-<p:sld xmlns:a="http://schemas.openxmlformats.org/drawingml/2006/main" xmlns:r="http://schemas.openxmlformats.org/officeDocument/2006/relationships" xmlns:p="http://schemas.openxmlformats.org/presentationml/2006/main">
-  <p:cSld>
-    <p:spTree>
-      <p:nvGrpSpPr>
-        <p:cNvPr id="1" name=""/>
-        <p:cNvGrpSpPr/>
-        <p:nvPr/>
-      </p:nvGrpSpPr>
-      <p:grpSpPr>
-        <a:xfrm>
-          <a:off x="0" y="0"/>
-          <a:ext cx="0" cy="0"/>
-          <a:chOff x="0" y="0"/>
-          <a:chExt cx="0" cy="0"/>
-        </a:xfrm>
-      </p:grpSpPr>
-      <p:sp>
-        <p:nvSpPr>
           <p:cNvPr id="5" name="Rectangle 4"/>
           <p:cNvSpPr/>
           <p:nvPr/>
@@ -45521,307 +41830,7 @@
 </p:sld>
 </file>
 
-<file path=ppt/slides/slide22.xml><?xml version="1.0" encoding="utf-8"?>
-<p:sld xmlns:a="http://schemas.openxmlformats.org/drawingml/2006/main" xmlns:r="http://schemas.openxmlformats.org/officeDocument/2006/relationships" xmlns:p="http://schemas.openxmlformats.org/presentationml/2006/main">
-  <p:cSld>
-    <p:spTree>
-      <p:nvGrpSpPr>
-        <p:cNvPr id="1" name=""/>
-        <p:cNvGrpSpPr/>
-        <p:nvPr/>
-      </p:nvGrpSpPr>
-      <p:grpSpPr>
-        <a:xfrm>
-          <a:off x="0" y="0"/>
-          <a:ext cx="0" cy="0"/>
-          <a:chOff x="0" y="0"/>
-          <a:chExt cx="0" cy="0"/>
-        </a:xfrm>
-      </p:grpSpPr>
-      <p:sp>
-        <p:nvSpPr>
-          <p:cNvPr id="5" name="Rectangle 4"/>
-          <p:cNvSpPr/>
-          <p:nvPr/>
-        </p:nvSpPr>
-        <p:spPr>
-          <a:xfrm>
-            <a:off x="2249400" y="336988"/>
-            <a:ext cx="7019661" cy="461665"/>
-          </a:xfrm>
-          <a:prstGeom prst="rect">
-            <a:avLst/>
-          </a:prstGeom>
-        </p:spPr>
-        <p:txBody>
-          <a:bodyPr wrap="square">
-            <a:spAutoFit/>
-          </a:bodyPr>
-          <a:lstStyle/>
-          <a:p>
-            <a:pPr algn="ctr"/>
-            <a:r>
-              <a:rPr lang="en-GB" sz="2400" dirty="0"/>
-              <a:t>Traditional </a:t>
-            </a:r>
-            <a:r>
-              <a:rPr lang="en-GB" sz="2400" dirty="0">
-                <a:solidFill>
-                  <a:schemeClr val="accent1"/>
-                </a:solidFill>
-              </a:rPr>
-              <a:t>value stream </a:t>
-            </a:r>
-            <a:r>
-              <a:rPr lang="en-GB" sz="2400" dirty="0"/>
-              <a:t>map for a feature or product </a:t>
-            </a:r>
-          </a:p>
-        </p:txBody>
-      </p:sp>
-      <p:pic>
-        <p:nvPicPr>
-          <p:cNvPr id="15" name="Picture 14">
-            <a:extLst>
-              <a:ext uri="{FF2B5EF4-FFF2-40B4-BE49-F238E27FC236}">
-                <a16:creationId xmlns:a16="http://schemas.microsoft.com/office/drawing/2014/main" id="{65A67A22-2AA9-4D33-B999-4B737321183A}"/>
-              </a:ext>
-            </a:extLst>
-          </p:cNvPr>
-          <p:cNvPicPr>
-            <a:picLocks noChangeAspect="1"/>
-          </p:cNvPicPr>
-          <p:nvPr/>
-        </p:nvPicPr>
-        <p:blipFill>
-          <a:blip r:embed="rId2"/>
-          <a:stretch>
-            <a:fillRect/>
-          </a:stretch>
-        </p:blipFill>
-        <p:spPr>
-          <a:xfrm>
-            <a:off x="1821008" y="798653"/>
-            <a:ext cx="7876447" cy="2257062"/>
-          </a:xfrm>
-          <a:prstGeom prst="rect">
-            <a:avLst/>
-          </a:prstGeom>
-        </p:spPr>
-      </p:pic>
-      <p:sp>
-        <p:nvSpPr>
-          <p:cNvPr id="4" name="Rectangle 3">
-            <a:extLst>
-              <a:ext uri="{FF2B5EF4-FFF2-40B4-BE49-F238E27FC236}">
-                <a16:creationId xmlns:a16="http://schemas.microsoft.com/office/drawing/2014/main" id="{E9C60BA9-F160-40F6-BB0C-F252039E7A25}"/>
-              </a:ext>
-            </a:extLst>
-          </p:cNvPr>
-          <p:cNvSpPr/>
-          <p:nvPr/>
-        </p:nvSpPr>
-        <p:spPr>
-          <a:xfrm>
-            <a:off x="5960962" y="972272"/>
-            <a:ext cx="3576577" cy="912209"/>
-          </a:xfrm>
-          <a:prstGeom prst="rect">
-            <a:avLst/>
-          </a:prstGeom>
-          <a:noFill/>
-          <a:ln w="76200"/>
-        </p:spPr>
-        <p:style>
-          <a:lnRef idx="2">
-            <a:schemeClr val="accent1">
-              <a:shade val="50000"/>
-            </a:schemeClr>
-          </a:lnRef>
-          <a:fillRef idx="1">
-            <a:schemeClr val="accent1"/>
-          </a:fillRef>
-          <a:effectRef idx="0">
-            <a:schemeClr val="accent1"/>
-          </a:effectRef>
-          <a:fontRef idx="minor">
-            <a:schemeClr val="lt1"/>
-          </a:fontRef>
-        </p:style>
-        <p:txBody>
-          <a:bodyPr rtlCol="0" anchor="ctr"/>
-          <a:lstStyle/>
-          <a:p>
-            <a:pPr algn="ctr"/>
-            <a:endParaRPr lang="en-GB"/>
-          </a:p>
-        </p:txBody>
-      </p:sp>
-      <p:grpSp>
-        <p:nvGrpSpPr>
-          <p:cNvPr id="3" name="Group 2">
-            <a:extLst>
-              <a:ext uri="{FF2B5EF4-FFF2-40B4-BE49-F238E27FC236}">
-                <a16:creationId xmlns:a16="http://schemas.microsoft.com/office/drawing/2014/main" id="{216ABFFE-825B-4550-BA47-B8F1CD8D3CAB}"/>
-              </a:ext>
-            </a:extLst>
-          </p:cNvPr>
-          <p:cNvGrpSpPr/>
-          <p:nvPr/>
-        </p:nvGrpSpPr>
-        <p:grpSpPr>
-          <a:xfrm>
-            <a:off x="4498275" y="2974692"/>
-            <a:ext cx="6736842" cy="2424523"/>
-            <a:chOff x="4498275" y="2974692"/>
-            <a:chExt cx="6736842" cy="2424523"/>
-          </a:xfrm>
-        </p:grpSpPr>
-        <p:pic>
-          <p:nvPicPr>
-            <p:cNvPr id="7" name="Picture 6">
-              <a:extLst>
-                <a:ext uri="{FF2B5EF4-FFF2-40B4-BE49-F238E27FC236}">
-                  <a16:creationId xmlns:a16="http://schemas.microsoft.com/office/drawing/2014/main" id="{B3084ECE-B917-46D2-9A1B-B59FC60501D4}"/>
-                </a:ext>
-              </a:extLst>
-            </p:cNvPr>
-            <p:cNvPicPr>
-              <a:picLocks noChangeAspect="1"/>
-            </p:cNvPicPr>
-            <p:nvPr/>
-          </p:nvPicPr>
-          <p:blipFill>
-            <a:blip r:embed="rId3"/>
-            <a:stretch>
-              <a:fillRect/>
-            </a:stretch>
-          </p:blipFill>
-          <p:spPr>
-            <a:xfrm>
-              <a:off x="4498275" y="2974692"/>
-              <a:ext cx="6736842" cy="2424523"/>
-            </a:xfrm>
-            <a:prstGeom prst="rect">
-              <a:avLst/>
-            </a:prstGeom>
-          </p:spPr>
-        </p:pic>
-        <p:sp>
-          <p:nvSpPr>
-            <p:cNvPr id="2" name="Rectangle 1">
-              <a:extLst>
-                <a:ext uri="{FF2B5EF4-FFF2-40B4-BE49-F238E27FC236}">
-                  <a16:creationId xmlns:a16="http://schemas.microsoft.com/office/drawing/2014/main" id="{AF2E5462-4BF2-4D3A-A5A3-6F0F6F543A61}"/>
-                </a:ext>
-              </a:extLst>
-            </p:cNvPr>
-            <p:cNvSpPr/>
-            <p:nvPr/>
-          </p:nvSpPr>
-          <p:spPr>
-            <a:xfrm>
-              <a:off x="7772400" y="4762500"/>
-              <a:ext cx="3400425" cy="276225"/>
-            </a:xfrm>
-            <a:prstGeom prst="rect">
-              <a:avLst/>
-            </a:prstGeom>
-            <a:solidFill>
-              <a:schemeClr val="bg1"/>
-            </a:solidFill>
-            <a:ln>
-              <a:solidFill>
-                <a:schemeClr val="bg1"/>
-              </a:solidFill>
-            </a:ln>
-          </p:spPr>
-          <p:style>
-            <a:lnRef idx="2">
-              <a:schemeClr val="accent1">
-                <a:shade val="50000"/>
-              </a:schemeClr>
-            </a:lnRef>
-            <a:fillRef idx="1">
-              <a:schemeClr val="accent1"/>
-            </a:fillRef>
-            <a:effectRef idx="0">
-              <a:schemeClr val="accent1"/>
-            </a:effectRef>
-            <a:fontRef idx="minor">
-              <a:schemeClr val="lt1"/>
-            </a:fontRef>
-          </p:style>
-          <p:txBody>
-            <a:bodyPr rtlCol="0" anchor="ctr"/>
-            <a:lstStyle/>
-            <a:p>
-              <a:pPr algn="ctr"/>
-              <a:endParaRPr lang="en-GB"/>
-            </a:p>
-          </p:txBody>
-        </p:sp>
-      </p:grpSp>
-      <p:sp>
-        <p:nvSpPr>
-          <p:cNvPr id="6" name="Up Arrow 6">
-            <a:extLst>
-              <a:ext uri="{FF2B5EF4-FFF2-40B4-BE49-F238E27FC236}">
-                <a16:creationId xmlns:a16="http://schemas.microsoft.com/office/drawing/2014/main" id="{9FD67479-507A-4403-8095-F4656844E849}"/>
-              </a:ext>
-            </a:extLst>
-          </p:cNvPr>
-          <p:cNvSpPr/>
-          <p:nvPr/>
-        </p:nvSpPr>
-        <p:spPr>
-          <a:xfrm>
-            <a:off x="7470456" y="1948535"/>
-            <a:ext cx="792480" cy="1280799"/>
-          </a:xfrm>
-          <a:prstGeom prst="upArrow">
-            <a:avLst/>
-          </a:prstGeom>
-        </p:spPr>
-        <p:style>
-          <a:lnRef idx="2">
-            <a:schemeClr val="accent1">
-              <a:shade val="50000"/>
-            </a:schemeClr>
-          </a:lnRef>
-          <a:fillRef idx="1">
-            <a:schemeClr val="accent1"/>
-          </a:fillRef>
-          <a:effectRef idx="0">
-            <a:schemeClr val="accent1"/>
-          </a:effectRef>
-          <a:fontRef idx="minor">
-            <a:schemeClr val="lt1"/>
-          </a:fontRef>
-        </p:style>
-        <p:txBody>
-          <a:bodyPr rtlCol="0" anchor="ctr"/>
-          <a:lstStyle/>
-          <a:p>
-            <a:pPr algn="ctr"/>
-            <a:endParaRPr lang="en-GB"/>
-          </a:p>
-        </p:txBody>
-      </p:sp>
-    </p:spTree>
-    <p:extLst>
-      <p:ext uri="{BB962C8B-B14F-4D97-AF65-F5344CB8AC3E}">
-        <p14:creationId xmlns:p14="http://schemas.microsoft.com/office/powerpoint/2010/main" val="4139745451"/>
-      </p:ext>
-    </p:extLst>
-  </p:cSld>
-  <p:clrMapOvr>
-    <a:masterClrMapping/>
-  </p:clrMapOvr>
-</p:sld>
-</file>
-
-<file path=ppt/slides/slide23.xml><?xml version="1.0" encoding="utf-8"?>
+<file path=ppt/slides/slide21.xml><?xml version="1.0" encoding="utf-8"?>
 <p:sld xmlns:a="http://schemas.openxmlformats.org/drawingml/2006/main" xmlns:r="http://schemas.openxmlformats.org/officeDocument/2006/relationships" xmlns:p="http://schemas.openxmlformats.org/presentationml/2006/main">
   <p:cSld>
     <p:spTree>
@@ -46110,10 +42119,10 @@
       </p:sp>
       <p:sp>
         <p:nvSpPr>
-          <p:cNvPr id="8" name="Oval 7">
+          <p:cNvPr id="9" name="Oval 8">
             <a:extLst>
               <a:ext uri="{FF2B5EF4-FFF2-40B4-BE49-F238E27FC236}">
-                <a16:creationId xmlns:a16="http://schemas.microsoft.com/office/drawing/2014/main" id="{A13FAF84-4787-46D0-BD56-3E8CD9F3202D}"/>
+                <a16:creationId xmlns:a16="http://schemas.microsoft.com/office/drawing/2014/main" id="{E73EBECD-0480-49F6-ADF0-038E69ECC8FC}"/>
               </a:ext>
             </a:extLst>
           </p:cNvPr>
@@ -46160,312 +42169,12 @@
           </a:p>
         </p:txBody>
       </p:sp>
-    </p:spTree>
-    <p:extLst>
-      <p:ext uri="{BB962C8B-B14F-4D97-AF65-F5344CB8AC3E}">
-        <p14:creationId xmlns:p14="http://schemas.microsoft.com/office/powerpoint/2010/main" val="2897884531"/>
-      </p:ext>
-    </p:extLst>
-  </p:cSld>
-  <p:clrMapOvr>
-    <a:masterClrMapping/>
-  </p:clrMapOvr>
-</p:sld>
-</file>
-
-<file path=ppt/slides/slide24.xml><?xml version="1.0" encoding="utf-8"?>
-<p:sld xmlns:a="http://schemas.openxmlformats.org/drawingml/2006/main" xmlns:r="http://schemas.openxmlformats.org/officeDocument/2006/relationships" xmlns:p="http://schemas.openxmlformats.org/presentationml/2006/main">
-  <p:cSld>
-    <p:spTree>
-      <p:nvGrpSpPr>
-        <p:cNvPr id="1" name=""/>
-        <p:cNvGrpSpPr/>
-        <p:nvPr/>
-      </p:nvGrpSpPr>
-      <p:grpSpPr>
-        <a:xfrm>
-          <a:off x="0" y="0"/>
-          <a:ext cx="0" cy="0"/>
-          <a:chOff x="0" y="0"/>
-          <a:chExt cx="0" cy="0"/>
-        </a:xfrm>
-      </p:grpSpPr>
-      <p:sp>
-        <p:nvSpPr>
-          <p:cNvPr id="5" name="Rectangle 4"/>
-          <p:cNvSpPr/>
-          <p:nvPr/>
-        </p:nvSpPr>
-        <p:spPr>
-          <a:xfrm>
-            <a:off x="2249400" y="336988"/>
-            <a:ext cx="7019661" cy="461665"/>
-          </a:xfrm>
-          <a:prstGeom prst="rect">
-            <a:avLst/>
-          </a:prstGeom>
-        </p:spPr>
-        <p:txBody>
-          <a:bodyPr wrap="square">
-            <a:spAutoFit/>
-          </a:bodyPr>
-          <a:lstStyle/>
-          <a:p>
-            <a:pPr algn="ctr"/>
-            <a:r>
-              <a:rPr lang="en-GB" sz="2400" dirty="0"/>
-              <a:t>Traditional </a:t>
-            </a:r>
-            <a:r>
-              <a:rPr lang="en-GB" sz="2400" dirty="0">
-                <a:solidFill>
-                  <a:schemeClr val="accent1"/>
-                </a:solidFill>
-              </a:rPr>
-              <a:t>value stream </a:t>
-            </a:r>
-            <a:r>
-              <a:rPr lang="en-GB" sz="2400" dirty="0"/>
-              <a:t>map for a feature or product </a:t>
-            </a:r>
-          </a:p>
-        </p:txBody>
-      </p:sp>
-      <p:pic>
-        <p:nvPicPr>
-          <p:cNvPr id="15" name="Picture 14">
-            <a:extLst>
-              <a:ext uri="{FF2B5EF4-FFF2-40B4-BE49-F238E27FC236}">
-                <a16:creationId xmlns:a16="http://schemas.microsoft.com/office/drawing/2014/main" id="{65A67A22-2AA9-4D33-B999-4B737321183A}"/>
-              </a:ext>
-            </a:extLst>
-          </p:cNvPr>
-          <p:cNvPicPr>
-            <a:picLocks noChangeAspect="1"/>
-          </p:cNvPicPr>
-          <p:nvPr/>
-        </p:nvPicPr>
-        <p:blipFill>
-          <a:blip r:embed="rId3"/>
-          <a:stretch>
-            <a:fillRect/>
-          </a:stretch>
-        </p:blipFill>
-        <p:spPr>
-          <a:xfrm>
-            <a:off x="1821008" y="798653"/>
-            <a:ext cx="7876447" cy="2257062"/>
-          </a:xfrm>
-          <a:prstGeom prst="rect">
-            <a:avLst/>
-          </a:prstGeom>
-        </p:spPr>
-      </p:pic>
-      <p:sp>
-        <p:nvSpPr>
-          <p:cNvPr id="4" name="Rectangle 3">
-            <a:extLst>
-              <a:ext uri="{FF2B5EF4-FFF2-40B4-BE49-F238E27FC236}">
-                <a16:creationId xmlns:a16="http://schemas.microsoft.com/office/drawing/2014/main" id="{E9C60BA9-F160-40F6-BB0C-F252039E7A25}"/>
-              </a:ext>
-            </a:extLst>
-          </p:cNvPr>
-          <p:cNvSpPr/>
-          <p:nvPr/>
-        </p:nvSpPr>
-        <p:spPr>
-          <a:xfrm>
-            <a:off x="5960962" y="972272"/>
-            <a:ext cx="3576577" cy="912209"/>
-          </a:xfrm>
-          <a:prstGeom prst="rect">
-            <a:avLst/>
-          </a:prstGeom>
-          <a:noFill/>
-          <a:ln w="76200"/>
-        </p:spPr>
-        <p:style>
-          <a:lnRef idx="2">
-            <a:schemeClr val="accent1">
-              <a:shade val="50000"/>
-            </a:schemeClr>
-          </a:lnRef>
-          <a:fillRef idx="1">
-            <a:schemeClr val="accent1"/>
-          </a:fillRef>
-          <a:effectRef idx="0">
-            <a:schemeClr val="accent1"/>
-          </a:effectRef>
-          <a:fontRef idx="minor">
-            <a:schemeClr val="lt1"/>
-          </a:fontRef>
-        </p:style>
-        <p:txBody>
-          <a:bodyPr rtlCol="0" anchor="ctr"/>
-          <a:lstStyle/>
-          <a:p>
-            <a:pPr algn="ctr"/>
-            <a:endParaRPr lang="en-GB"/>
-          </a:p>
-        </p:txBody>
-      </p:sp>
-      <p:grpSp>
-        <p:nvGrpSpPr>
-          <p:cNvPr id="3" name="Group 2">
-            <a:extLst>
-              <a:ext uri="{FF2B5EF4-FFF2-40B4-BE49-F238E27FC236}">
-                <a16:creationId xmlns:a16="http://schemas.microsoft.com/office/drawing/2014/main" id="{216ABFFE-825B-4550-BA47-B8F1CD8D3CAB}"/>
-              </a:ext>
-            </a:extLst>
-          </p:cNvPr>
-          <p:cNvGrpSpPr/>
-          <p:nvPr/>
-        </p:nvGrpSpPr>
-        <p:grpSpPr>
-          <a:xfrm>
-            <a:off x="4498275" y="2974692"/>
-            <a:ext cx="6736842" cy="2424523"/>
-            <a:chOff x="4498275" y="2974692"/>
-            <a:chExt cx="6736842" cy="2424523"/>
-          </a:xfrm>
-        </p:grpSpPr>
-        <p:pic>
-          <p:nvPicPr>
-            <p:cNvPr id="7" name="Picture 6">
-              <a:extLst>
-                <a:ext uri="{FF2B5EF4-FFF2-40B4-BE49-F238E27FC236}">
-                  <a16:creationId xmlns:a16="http://schemas.microsoft.com/office/drawing/2014/main" id="{B3084ECE-B917-46D2-9A1B-B59FC60501D4}"/>
-                </a:ext>
-              </a:extLst>
-            </p:cNvPr>
-            <p:cNvPicPr>
-              <a:picLocks noChangeAspect="1"/>
-            </p:cNvPicPr>
-            <p:nvPr/>
-          </p:nvPicPr>
-          <p:blipFill>
-            <a:blip r:embed="rId4"/>
-            <a:stretch>
-              <a:fillRect/>
-            </a:stretch>
-          </p:blipFill>
-          <p:spPr>
-            <a:xfrm>
-              <a:off x="4498275" y="2974692"/>
-              <a:ext cx="6736842" cy="2424523"/>
-            </a:xfrm>
-            <a:prstGeom prst="rect">
-              <a:avLst/>
-            </a:prstGeom>
-          </p:spPr>
-        </p:pic>
-        <p:sp>
-          <p:nvSpPr>
-            <p:cNvPr id="2" name="Rectangle 1">
-              <a:extLst>
-                <a:ext uri="{FF2B5EF4-FFF2-40B4-BE49-F238E27FC236}">
-                  <a16:creationId xmlns:a16="http://schemas.microsoft.com/office/drawing/2014/main" id="{AF2E5462-4BF2-4D3A-A5A3-6F0F6F543A61}"/>
-                </a:ext>
-              </a:extLst>
-            </p:cNvPr>
-            <p:cNvSpPr/>
-            <p:nvPr/>
-          </p:nvSpPr>
-          <p:spPr>
-            <a:xfrm>
-              <a:off x="7772400" y="4762500"/>
-              <a:ext cx="3400425" cy="276225"/>
-            </a:xfrm>
-            <a:prstGeom prst="rect">
-              <a:avLst/>
-            </a:prstGeom>
-            <a:solidFill>
-              <a:schemeClr val="bg1"/>
-            </a:solidFill>
-            <a:ln>
-              <a:solidFill>
-                <a:schemeClr val="bg1"/>
-              </a:solidFill>
-            </a:ln>
-          </p:spPr>
-          <p:style>
-            <a:lnRef idx="2">
-              <a:schemeClr val="accent1">
-                <a:shade val="50000"/>
-              </a:schemeClr>
-            </a:lnRef>
-            <a:fillRef idx="1">
-              <a:schemeClr val="accent1"/>
-            </a:fillRef>
-            <a:effectRef idx="0">
-              <a:schemeClr val="accent1"/>
-            </a:effectRef>
-            <a:fontRef idx="minor">
-              <a:schemeClr val="lt1"/>
-            </a:fontRef>
-          </p:style>
-          <p:txBody>
-            <a:bodyPr rtlCol="0" anchor="ctr"/>
-            <a:lstStyle/>
-            <a:p>
-              <a:pPr algn="ctr"/>
-              <a:endParaRPr lang="en-GB"/>
-            </a:p>
-          </p:txBody>
-        </p:sp>
-      </p:grpSp>
-      <p:sp>
-        <p:nvSpPr>
-          <p:cNvPr id="6" name="Up Arrow 6">
-            <a:extLst>
-              <a:ext uri="{FF2B5EF4-FFF2-40B4-BE49-F238E27FC236}">
-                <a16:creationId xmlns:a16="http://schemas.microsoft.com/office/drawing/2014/main" id="{9FD67479-507A-4403-8095-F4656844E849}"/>
-              </a:ext>
-            </a:extLst>
-          </p:cNvPr>
-          <p:cNvSpPr/>
-          <p:nvPr/>
-        </p:nvSpPr>
-        <p:spPr>
-          <a:xfrm>
-            <a:off x="7470456" y="1948535"/>
-            <a:ext cx="792480" cy="1280799"/>
-          </a:xfrm>
-          <a:prstGeom prst="upArrow">
-            <a:avLst/>
-          </a:prstGeom>
-        </p:spPr>
-        <p:style>
-          <a:lnRef idx="2">
-            <a:schemeClr val="accent1">
-              <a:shade val="50000"/>
-            </a:schemeClr>
-          </a:lnRef>
-          <a:fillRef idx="1">
-            <a:schemeClr val="accent1"/>
-          </a:fillRef>
-          <a:effectRef idx="0">
-            <a:schemeClr val="accent1"/>
-          </a:effectRef>
-          <a:fontRef idx="minor">
-            <a:schemeClr val="lt1"/>
-          </a:fontRef>
-        </p:style>
-        <p:txBody>
-          <a:bodyPr rtlCol="0" anchor="ctr"/>
-          <a:lstStyle/>
-          <a:p>
-            <a:pPr algn="ctr"/>
-            <a:endParaRPr lang="en-GB"/>
-          </a:p>
-        </p:txBody>
-      </p:sp>
       <p:sp>
         <p:nvSpPr>
           <p:cNvPr id="10" name="Oval 9">
             <a:extLst>
               <a:ext uri="{FF2B5EF4-FFF2-40B4-BE49-F238E27FC236}">
-                <a16:creationId xmlns:a16="http://schemas.microsoft.com/office/drawing/2014/main" id="{9472AD98-E19D-486A-A030-9880003218EA}"/>
+                <a16:creationId xmlns:a16="http://schemas.microsoft.com/office/drawing/2014/main" id="{63EF3447-0C0B-4548-A897-0B334D8CCEB6}"/>
               </a:ext>
             </a:extLst>
           </p:cNvPr>
@@ -46515,17 +42224,169 @@
     </p:spTree>
     <p:extLst>
       <p:ext uri="{BB962C8B-B14F-4D97-AF65-F5344CB8AC3E}">
-        <p14:creationId xmlns:p14="http://schemas.microsoft.com/office/powerpoint/2010/main" val="1939954511"/>
+        <p14:creationId xmlns:p14="http://schemas.microsoft.com/office/powerpoint/2010/main" val="4139745451"/>
       </p:ext>
     </p:extLst>
   </p:cSld>
   <p:clrMapOvr>
     <a:masterClrMapping/>
   </p:clrMapOvr>
+  <p:timing>
+    <p:tnLst>
+      <p:par>
+        <p:cTn id="1" dur="indefinite" restart="never" nodeType="tmRoot">
+          <p:childTnLst>
+            <p:seq concurrent="1" nextAc="seek">
+              <p:cTn id="2" dur="indefinite" nodeType="mainSeq">
+                <p:childTnLst>
+                  <p:par>
+                    <p:cTn id="3" fill="hold">
+                      <p:stCondLst>
+                        <p:cond delay="indefinite"/>
+                      </p:stCondLst>
+                      <p:childTnLst>
+                        <p:par>
+                          <p:cTn id="4" fill="hold">
+                            <p:stCondLst>
+                              <p:cond delay="0"/>
+                            </p:stCondLst>
+                            <p:childTnLst>
+                              <p:par>
+                                <p:cTn id="5" presetID="1" presetClass="entr" presetSubtype="0" fill="hold" grpId="0" nodeType="clickEffect">
+                                  <p:stCondLst>
+                                    <p:cond delay="0"/>
+                                  </p:stCondLst>
+                                  <p:childTnLst>
+                                    <p:set>
+                                      <p:cBhvr>
+                                        <p:cTn id="6" dur="1" fill="hold">
+                                          <p:stCondLst>
+                                            <p:cond delay="0"/>
+                                          </p:stCondLst>
+                                        </p:cTn>
+                                        <p:tgtEl>
+                                          <p:spTgt spid="9"/>
+                                        </p:tgtEl>
+                                        <p:attrNameLst>
+                                          <p:attrName>style.visibility</p:attrName>
+                                        </p:attrNameLst>
+                                      </p:cBhvr>
+                                      <p:to>
+                                        <p:strVal val="visible"/>
+                                      </p:to>
+                                    </p:set>
+                                  </p:childTnLst>
+                                </p:cTn>
+                              </p:par>
+                            </p:childTnLst>
+                          </p:cTn>
+                        </p:par>
+                      </p:childTnLst>
+                    </p:cTn>
+                  </p:par>
+                  <p:par>
+                    <p:cTn id="7" fill="hold">
+                      <p:stCondLst>
+                        <p:cond delay="indefinite"/>
+                      </p:stCondLst>
+                      <p:childTnLst>
+                        <p:par>
+                          <p:cTn id="8" fill="hold">
+                            <p:stCondLst>
+                              <p:cond delay="0"/>
+                            </p:stCondLst>
+                            <p:childTnLst>
+                              <p:par>
+                                <p:cTn id="9" presetID="1" presetClass="entr" presetSubtype="0" fill="hold" grpId="0" nodeType="clickEffect">
+                                  <p:stCondLst>
+                                    <p:cond delay="0"/>
+                                  </p:stCondLst>
+                                  <p:childTnLst>
+                                    <p:set>
+                                      <p:cBhvr>
+                                        <p:cTn id="10" dur="1" fill="hold">
+                                          <p:stCondLst>
+                                            <p:cond delay="0"/>
+                                          </p:stCondLst>
+                                        </p:cTn>
+                                        <p:tgtEl>
+                                          <p:spTgt spid="10"/>
+                                        </p:tgtEl>
+                                        <p:attrNameLst>
+                                          <p:attrName>style.visibility</p:attrName>
+                                        </p:attrNameLst>
+                                      </p:cBhvr>
+                                      <p:to>
+                                        <p:strVal val="visible"/>
+                                      </p:to>
+                                    </p:set>
+                                  </p:childTnLst>
+                                </p:cTn>
+                              </p:par>
+                              <p:par>
+                                <p:cTn id="11" presetID="1" presetClass="exit" presetSubtype="0" fill="hold" grpId="1" nodeType="withEffect">
+                                  <p:stCondLst>
+                                    <p:cond delay="0"/>
+                                  </p:stCondLst>
+                                  <p:childTnLst>
+                                    <p:set>
+                                      <p:cBhvr>
+                                        <p:cTn id="12" dur="1" fill="hold">
+                                          <p:stCondLst>
+                                            <p:cond delay="0"/>
+                                          </p:stCondLst>
+                                        </p:cTn>
+                                        <p:tgtEl>
+                                          <p:spTgt spid="9"/>
+                                        </p:tgtEl>
+                                        <p:attrNameLst>
+                                          <p:attrName>style.visibility</p:attrName>
+                                        </p:attrNameLst>
+                                      </p:cBhvr>
+                                      <p:to>
+                                        <p:strVal val="hidden"/>
+                                      </p:to>
+                                    </p:set>
+                                  </p:childTnLst>
+                                </p:cTn>
+                              </p:par>
+                            </p:childTnLst>
+                          </p:cTn>
+                        </p:par>
+                      </p:childTnLst>
+                    </p:cTn>
+                  </p:par>
+                </p:childTnLst>
+              </p:cTn>
+              <p:prevCondLst>
+                <p:cond evt="onPrev" delay="0">
+                  <p:tgtEl>
+                    <p:sldTgt/>
+                  </p:tgtEl>
+                </p:cond>
+              </p:prevCondLst>
+              <p:nextCondLst>
+                <p:cond evt="onNext" delay="0">
+                  <p:tgtEl>
+                    <p:sldTgt/>
+                  </p:tgtEl>
+                </p:cond>
+              </p:nextCondLst>
+            </p:seq>
+          </p:childTnLst>
+        </p:cTn>
+      </p:par>
+    </p:tnLst>
+    <p:bldLst>
+      <p:bldP spid="9" grpId="0" animBg="1"/>
+      <p:bldP spid="9" grpId="1" animBg="1"/>
+      <p:bldP spid="10" grpId="0" animBg="1"/>
+    </p:bldLst>
+  </p:timing>
 </p:sld>
 </file>
 
-<file path=ppt/slides/slide25.xml><?xml version="1.0" encoding="utf-8"?>
+<file path=ppt/slides/slide22.xml><?xml version="1.0" encoding="utf-8"?>
 <p:sld xmlns:a="http://schemas.openxmlformats.org/drawingml/2006/main" xmlns:r="http://schemas.openxmlformats.org/officeDocument/2006/relationships" xmlns:p="http://schemas.openxmlformats.org/presentationml/2006/main">
   <p:cSld>
     <p:spTree>
@@ -46682,41 +42543,6 @@
       </p:pic>
       <p:sp>
         <p:nvSpPr>
-          <p:cNvPr id="4" name="Title 3">
-            <a:extLst>
-              <a:ext uri="{FF2B5EF4-FFF2-40B4-BE49-F238E27FC236}">
-                <a16:creationId xmlns:a16="http://schemas.microsoft.com/office/drawing/2014/main" id="{5EA4D1AF-A8A3-43B9-BACB-8F192746D6B0}"/>
-              </a:ext>
-            </a:extLst>
-          </p:cNvPr>
-          <p:cNvSpPr>
-            <a:spLocks noGrp="1"/>
-          </p:cNvSpPr>
-          <p:nvPr>
-            <p:ph type="title"/>
-          </p:nvPr>
-        </p:nvSpPr>
-        <p:spPr>
-          <a:xfrm>
-            <a:off x="289248" y="1123837"/>
-            <a:ext cx="6451110" cy="1255469"/>
-          </a:xfrm>
-        </p:spPr>
-        <p:txBody>
-          <a:bodyPr>
-            <a:normAutofit/>
-          </a:bodyPr>
-          <a:lstStyle/>
-          <a:p>
-            <a:r>
-              <a:rPr lang="en-GB" dirty="0"/>
-              <a:t>Risk</a:t>
-            </a:r>
-          </a:p>
-        </p:txBody>
-      </p:sp>
-      <p:sp>
-        <p:nvSpPr>
           <p:cNvPr id="5" name="Content Placeholder 4">
             <a:extLst>
               <a:ext uri="{FF2B5EF4-FFF2-40B4-BE49-F238E27FC236}">
@@ -46733,8 +42559,8 @@
         </p:nvSpPr>
         <p:spPr>
           <a:xfrm>
-            <a:off x="289248" y="2510395"/>
-            <a:ext cx="6451109" cy="3274586"/>
+            <a:off x="289248" y="1496291"/>
+            <a:ext cx="6451109" cy="4288690"/>
           </a:xfrm>
         </p:spPr>
         <p:txBody>
@@ -46747,7 +42573,7 @@
               <a:buNone/>
             </a:pPr>
             <a:r>
-              <a:rPr lang="en-GB" sz="1900" b="1" dirty="0">
+              <a:rPr lang="en-GB" b="1" dirty="0">
                 <a:solidFill>
                   <a:srgbClr val="FFFFFF"/>
                 </a:solidFill>
@@ -46760,7 +42586,7 @@
               <a:buNone/>
             </a:pPr>
             <a:r>
-              <a:rPr lang="en-GB" sz="1900" dirty="0">
+              <a:rPr lang="en-GB" dirty="0">
                 <a:solidFill>
                   <a:srgbClr val="FFFFFF"/>
                 </a:solidFill>
@@ -46769,7 +42595,7 @@
             </a:r>
           </a:p>
           <a:p>
-            <a:endParaRPr lang="en-GB" sz="1900" dirty="0">
+            <a:endParaRPr lang="en-GB" dirty="0">
               <a:solidFill>
                 <a:srgbClr val="FFFFFF"/>
               </a:solidFill>
@@ -46780,7 +42606,7 @@
               <a:buNone/>
             </a:pPr>
             <a:r>
-              <a:rPr lang="en-GB" sz="1900" b="1" dirty="0">
+              <a:rPr lang="en-GB" b="1" dirty="0">
                 <a:solidFill>
                   <a:srgbClr val="FFFFFF"/>
                 </a:solidFill>
@@ -46793,7 +42619,7 @@
               <a:buNone/>
             </a:pPr>
             <a:r>
-              <a:rPr lang="en-GB" sz="1900" dirty="0">
+              <a:rPr lang="en-GB" dirty="0">
                 <a:solidFill>
                   <a:srgbClr val="FFFFFF"/>
                 </a:solidFill>
@@ -46802,7 +42628,7 @@
             </a:r>
           </a:p>
           <a:p>
-            <a:endParaRPr lang="en-GB" sz="1900" dirty="0">
+            <a:endParaRPr lang="en-GB" dirty="0">
               <a:solidFill>
                 <a:srgbClr val="FFFFFF"/>
               </a:solidFill>
@@ -46813,7 +42639,7 @@
               <a:buNone/>
             </a:pPr>
             <a:r>
-              <a:rPr lang="en-GB" sz="2400" dirty="0">
+              <a:rPr lang="en-GB" sz="2800" dirty="0">
                 <a:solidFill>
                   <a:srgbClr val="FFFFFF"/>
                 </a:solidFill>
@@ -46821,14 +42647,14 @@
               <a:t>Traditional way: </a:t>
             </a:r>
             <a:r>
-              <a:rPr lang="en-GB" sz="2400" b="1" dirty="0">
+              <a:rPr lang="en-GB" sz="2800" b="1" dirty="0">
                 <a:solidFill>
                   <a:srgbClr val="FFFFFF"/>
                 </a:solidFill>
               </a:rPr>
               <a:t>1 deployment = 1 release</a:t>
             </a:r>
-            <a:endParaRPr lang="en-GB" sz="2400" b="1" dirty="0">
+            <a:endParaRPr lang="en-GB" sz="2800" b="1" dirty="0">
               <a:solidFill>
                 <a:srgbClr val="FF0000"/>
               </a:solidFill>
@@ -46842,7 +42668,7 @@
             </a:endParaRPr>
           </a:p>
           <a:p>
-            <a:endParaRPr lang="en-GB" sz="1900" dirty="0">
+            <a:endParaRPr lang="en-GB" dirty="0">
               <a:solidFill>
                 <a:srgbClr val="FFFFFF"/>
               </a:solidFill>
@@ -46908,7 +42734,7 @@
 </p:sld>
 </file>
 
-<file path=ppt/slides/slide26.xml><?xml version="1.0" encoding="utf-8"?>
+<file path=ppt/slides/slide23.xml><?xml version="1.0" encoding="utf-8"?>
 <p:sld xmlns:a="http://schemas.openxmlformats.org/drawingml/2006/main" xmlns:r="http://schemas.openxmlformats.org/officeDocument/2006/relationships" xmlns:p="http://schemas.openxmlformats.org/presentationml/2006/main">
   <p:cSld>
     <p:spTree>
@@ -47242,7 +43068,7 @@
 </p:sld>
 </file>
 
-<file path=ppt/slides/slide27.xml><?xml version="1.0" encoding="utf-8"?>
+<file path=ppt/slides/slide24.xml><?xml version="1.0" encoding="utf-8"?>
 <p:sld xmlns:a="http://schemas.openxmlformats.org/drawingml/2006/main" xmlns:r="http://schemas.openxmlformats.org/officeDocument/2006/relationships" xmlns:p="http://schemas.openxmlformats.org/presentationml/2006/main">
   <p:cSld>
     <p:spTree>
@@ -47661,7 +43487,7 @@
 </p:sld>
 </file>
 
-<file path=ppt/slides/slide28.xml><?xml version="1.0" encoding="utf-8"?>
+<file path=ppt/slides/slide25.xml><?xml version="1.0" encoding="utf-8"?>
 <p:sld xmlns:a="http://schemas.openxmlformats.org/drawingml/2006/main" xmlns:r="http://schemas.openxmlformats.org/officeDocument/2006/relationships" xmlns:p="http://schemas.openxmlformats.org/presentationml/2006/main">
   <p:cSld>
     <p:spTree>
@@ -48154,7 +43980,7 @@
 </p:sld>
 </file>
 
-<file path=ppt/slides/slide29.xml><?xml version="1.0" encoding="utf-8"?>
+<file path=ppt/slides/slide26.xml><?xml version="1.0" encoding="utf-8"?>
 <p:sld xmlns:a="http://schemas.openxmlformats.org/drawingml/2006/main" xmlns:r="http://schemas.openxmlformats.org/officeDocument/2006/relationships" xmlns:p="http://schemas.openxmlformats.org/presentationml/2006/main">
   <p:cSld>
     <p:spTree>
@@ -48392,110 +44218,7 @@
 </p:sld>
 </file>
 
-<file path=ppt/slides/slide3.xml><?xml version="1.0" encoding="utf-8"?>
-<p:sld xmlns:a="http://schemas.openxmlformats.org/drawingml/2006/main" xmlns:r="http://schemas.openxmlformats.org/officeDocument/2006/relationships" xmlns:p="http://schemas.openxmlformats.org/presentationml/2006/main">
-  <p:cSld>
-    <p:spTree>
-      <p:nvGrpSpPr>
-        <p:cNvPr id="1" name=""/>
-        <p:cNvGrpSpPr/>
-        <p:nvPr/>
-      </p:nvGrpSpPr>
-      <p:grpSpPr>
-        <a:xfrm>
-          <a:off x="0" y="0"/>
-          <a:ext cx="0" cy="0"/>
-          <a:chOff x="0" y="0"/>
-          <a:chExt cx="0" cy="0"/>
-        </a:xfrm>
-      </p:grpSpPr>
-      <p:sp>
-        <p:nvSpPr>
-          <p:cNvPr id="2" name="Title 1"/>
-          <p:cNvSpPr>
-            <a:spLocks noGrp="1"/>
-          </p:cNvSpPr>
-          <p:nvPr>
-            <p:ph type="title"/>
-          </p:nvPr>
-        </p:nvSpPr>
-        <p:spPr/>
-        <p:txBody>
-          <a:bodyPr>
-            <a:normAutofit/>
-          </a:bodyPr>
-          <a:lstStyle/>
-          <a:p>
-            <a:r>
-              <a:rPr lang="en-GB" dirty="0"/>
-              <a:t>The problem of delivering software</a:t>
-            </a:r>
-          </a:p>
-        </p:txBody>
-      </p:sp>
-      <p:sp>
-        <p:nvSpPr>
-          <p:cNvPr id="9" name="Content Placeholder 8">
-            <a:extLst>
-              <a:ext uri="{FF2B5EF4-FFF2-40B4-BE49-F238E27FC236}">
-                <a16:creationId xmlns:a16="http://schemas.microsoft.com/office/drawing/2014/main" id="{B2B2E322-B897-433A-AC99-B470BD8E67CB}"/>
-              </a:ext>
-            </a:extLst>
-          </p:cNvPr>
-          <p:cNvSpPr>
-            <a:spLocks noGrp="1"/>
-          </p:cNvSpPr>
-          <p:nvPr>
-            <p:ph idx="1"/>
-          </p:nvPr>
-        </p:nvSpPr>
-        <p:spPr/>
-        <p:txBody>
-          <a:bodyPr/>
-          <a:lstStyle/>
-          <a:p>
-            <a:pPr marL="0" indent="0">
-              <a:buNone/>
-            </a:pPr>
-            <a:r>
-              <a:rPr lang="en-GB" dirty="0"/>
-              <a:t>The most important problem that we face as software professionals </a:t>
-            </a:r>
-          </a:p>
-          <a:p>
-            <a:pPr marL="0" indent="0">
-              <a:buNone/>
-            </a:pPr>
-            <a:endParaRPr lang="en-GB" i="1" dirty="0"/>
-          </a:p>
-          <a:p>
-            <a:pPr marL="0" indent="0">
-              <a:buNone/>
-            </a:pPr>
-            <a:r>
-              <a:rPr lang="en-GB" b="1" i="1" dirty="0"/>
-              <a:t>If somebody thinks of a good idea, how do we deliver it to users as quickly as possible?</a:t>
-            </a:r>
-          </a:p>
-          <a:p>
-            <a:endParaRPr lang="en-GB" dirty="0"/>
-          </a:p>
-        </p:txBody>
-      </p:sp>
-    </p:spTree>
-    <p:extLst>
-      <p:ext uri="{BB962C8B-B14F-4D97-AF65-F5344CB8AC3E}">
-        <p14:creationId xmlns:p14="http://schemas.microsoft.com/office/powerpoint/2010/main" val="187699628"/>
-      </p:ext>
-    </p:extLst>
-  </p:cSld>
-  <p:clrMapOvr>
-    <a:masterClrMapping/>
-  </p:clrMapOvr>
-</p:sld>
-</file>
-
-<file path=ppt/slides/slide30.xml><?xml version="1.0" encoding="utf-8"?>
+<file path=ppt/slides/slide27.xml><?xml version="1.0" encoding="utf-8"?>
 <p:sld xmlns:a="http://schemas.openxmlformats.org/drawingml/2006/main" xmlns:r="http://schemas.openxmlformats.org/officeDocument/2006/relationships" xmlns:p="http://schemas.openxmlformats.org/presentationml/2006/main">
   <p:cSld>
     <p:spTree>
@@ -48572,7 +44295,7 @@
 </p:sld>
 </file>
 
-<file path=ppt/slides/slide31.xml><?xml version="1.0" encoding="utf-8"?>
+<file path=ppt/slides/slide28.xml><?xml version="1.0" encoding="utf-8"?>
 <p:sld xmlns:a="http://schemas.openxmlformats.org/drawingml/2006/main" xmlns:r="http://schemas.openxmlformats.org/officeDocument/2006/relationships" xmlns:p="http://schemas.openxmlformats.org/presentationml/2006/main">
   <p:cSld>
     <p:spTree>
@@ -48878,7 +44601,7 @@
 </p:sld>
 </file>
 
-<file path=ppt/slides/slide32.xml><?xml version="1.0" encoding="utf-8"?>
+<file path=ppt/slides/slide29.xml><?xml version="1.0" encoding="utf-8"?>
 <p:sld xmlns:a="http://schemas.openxmlformats.org/drawingml/2006/main" xmlns:r="http://schemas.openxmlformats.org/officeDocument/2006/relationships" xmlns:p="http://schemas.openxmlformats.org/presentationml/2006/main">
   <p:cSld>
     <p:spTree>
@@ -49449,7 +45172,110 @@
 </p:sld>
 </file>
 
-<file path=ppt/slides/slide33.xml><?xml version="1.0" encoding="utf-8"?>
+<file path=ppt/slides/slide3.xml><?xml version="1.0" encoding="utf-8"?>
+<p:sld xmlns:a="http://schemas.openxmlformats.org/drawingml/2006/main" xmlns:r="http://schemas.openxmlformats.org/officeDocument/2006/relationships" xmlns:p="http://schemas.openxmlformats.org/presentationml/2006/main">
+  <p:cSld>
+    <p:spTree>
+      <p:nvGrpSpPr>
+        <p:cNvPr id="1" name=""/>
+        <p:cNvGrpSpPr/>
+        <p:nvPr/>
+      </p:nvGrpSpPr>
+      <p:grpSpPr>
+        <a:xfrm>
+          <a:off x="0" y="0"/>
+          <a:ext cx="0" cy="0"/>
+          <a:chOff x="0" y="0"/>
+          <a:chExt cx="0" cy="0"/>
+        </a:xfrm>
+      </p:grpSpPr>
+      <p:sp>
+        <p:nvSpPr>
+          <p:cNvPr id="2" name="Title 1"/>
+          <p:cNvSpPr>
+            <a:spLocks noGrp="1"/>
+          </p:cNvSpPr>
+          <p:nvPr>
+            <p:ph type="title"/>
+          </p:nvPr>
+        </p:nvSpPr>
+        <p:spPr/>
+        <p:txBody>
+          <a:bodyPr>
+            <a:normAutofit/>
+          </a:bodyPr>
+          <a:lstStyle/>
+          <a:p>
+            <a:r>
+              <a:rPr lang="en-GB" dirty="0"/>
+              <a:t>The problem of delivering software</a:t>
+            </a:r>
+          </a:p>
+        </p:txBody>
+      </p:sp>
+      <p:sp>
+        <p:nvSpPr>
+          <p:cNvPr id="9" name="Content Placeholder 8">
+            <a:extLst>
+              <a:ext uri="{FF2B5EF4-FFF2-40B4-BE49-F238E27FC236}">
+                <a16:creationId xmlns:a16="http://schemas.microsoft.com/office/drawing/2014/main" id="{B2B2E322-B897-433A-AC99-B470BD8E67CB}"/>
+              </a:ext>
+            </a:extLst>
+          </p:cNvPr>
+          <p:cNvSpPr>
+            <a:spLocks noGrp="1"/>
+          </p:cNvSpPr>
+          <p:nvPr>
+            <p:ph idx="1"/>
+          </p:nvPr>
+        </p:nvSpPr>
+        <p:spPr/>
+        <p:txBody>
+          <a:bodyPr/>
+          <a:lstStyle/>
+          <a:p>
+            <a:pPr marL="0" indent="0">
+              <a:buNone/>
+            </a:pPr>
+            <a:r>
+              <a:rPr lang="en-GB" dirty="0"/>
+              <a:t>The most important problem that we face as software professionals </a:t>
+            </a:r>
+          </a:p>
+          <a:p>
+            <a:pPr marL="0" indent="0">
+              <a:buNone/>
+            </a:pPr>
+            <a:endParaRPr lang="en-GB" i="1" dirty="0"/>
+          </a:p>
+          <a:p>
+            <a:pPr marL="0" indent="0">
+              <a:buNone/>
+            </a:pPr>
+            <a:r>
+              <a:rPr lang="en-GB" b="1" i="1" dirty="0"/>
+              <a:t>If somebody thinks of a good idea, how do we deliver it to users as quickly as possible?</a:t>
+            </a:r>
+          </a:p>
+          <a:p>
+            <a:endParaRPr lang="en-GB" dirty="0"/>
+          </a:p>
+        </p:txBody>
+      </p:sp>
+    </p:spTree>
+    <p:extLst>
+      <p:ext uri="{BB962C8B-B14F-4D97-AF65-F5344CB8AC3E}">
+        <p14:creationId xmlns:p14="http://schemas.microsoft.com/office/powerpoint/2010/main" val="187699628"/>
+      </p:ext>
+    </p:extLst>
+  </p:cSld>
+  <p:clrMapOvr>
+    <a:masterClrMapping/>
+  </p:clrMapOvr>
+</p:sld>
+</file>
+
+<file path=ppt/slides/slide30.xml><?xml version="1.0" encoding="utf-8"?>
 <p:sld xmlns:a="http://schemas.openxmlformats.org/drawingml/2006/main" xmlns:r="http://schemas.openxmlformats.org/officeDocument/2006/relationships" xmlns:p="http://schemas.openxmlformats.org/presentationml/2006/main">
   <p:cSld>
     <p:spTree>
@@ -49934,7 +45760,7 @@
 </p:sld>
 </file>
 
-<file path=ppt/slides/slide34.xml><?xml version="1.0" encoding="utf-8"?>
+<file path=ppt/slides/slide31.xml><?xml version="1.0" encoding="utf-8"?>
 <p:sld xmlns:a="http://schemas.openxmlformats.org/drawingml/2006/main" xmlns:r="http://schemas.openxmlformats.org/officeDocument/2006/relationships" xmlns:p="http://schemas.openxmlformats.org/presentationml/2006/main">
   <p:cSld>
     <p:spTree>
@@ -50297,7 +46123,7 @@
 </p:sld>
 </file>
 
-<file path=ppt/slides/slide35.xml><?xml version="1.0" encoding="utf-8"?>
+<file path=ppt/slides/slide32.xml><?xml version="1.0" encoding="utf-8"?>
 <p:sld xmlns:a="http://schemas.openxmlformats.org/drawingml/2006/main" xmlns:r="http://schemas.openxmlformats.org/officeDocument/2006/relationships" xmlns:p="http://schemas.openxmlformats.org/presentationml/2006/main">
   <p:cSld>
     <p:spTree>
@@ -50712,7 +46538,7 @@
 </p:sld>
 </file>
 
-<file path=ppt/slides/slide36.xml><?xml version="1.0" encoding="utf-8"?>
+<file path=ppt/slides/slide33.xml><?xml version="1.0" encoding="utf-8"?>
 <p:sld xmlns:a="http://schemas.openxmlformats.org/drawingml/2006/main" xmlns:r="http://schemas.openxmlformats.org/officeDocument/2006/relationships" xmlns:p="http://schemas.openxmlformats.org/presentationml/2006/main">
   <p:cSld>
     <p:spTree>
@@ -50924,7 +46750,7 @@
 </p:sld>
 </file>
 
-<file path=ppt/slides/slide37.xml><?xml version="1.0" encoding="utf-8"?>
+<file path=ppt/slides/slide34.xml><?xml version="1.0" encoding="utf-8"?>
 <p:sld xmlns:a="http://schemas.openxmlformats.org/drawingml/2006/main" xmlns:r="http://schemas.openxmlformats.org/officeDocument/2006/relationships" xmlns:p="http://schemas.openxmlformats.org/presentationml/2006/main">
   <p:cSld>
     <p:spTree>
@@ -51303,7 +47129,7 @@
 </p:sld>
 </file>
 
-<file path=ppt/slides/slide38.xml><?xml version="1.0" encoding="utf-8"?>
+<file path=ppt/slides/slide35.xml><?xml version="1.0" encoding="utf-8"?>
 <p:sld xmlns:a="http://schemas.openxmlformats.org/drawingml/2006/main" xmlns:r="http://schemas.openxmlformats.org/officeDocument/2006/relationships" xmlns:p="http://schemas.openxmlformats.org/presentationml/2006/main">
   <p:cSld>
     <p:spTree>

--- a/Bootcamp-ContinuousDelivery.pptx
+++ b/Bootcamp-ContinuousDelivery.pptx
@@ -5,7 +5,7 @@
     <p:sldMasterId id="2147483840" r:id="rId1"/>
   </p:sldMasterIdLst>
   <p:notesMasterIdLst>
-    <p:notesMasterId r:id="rId37"/>
+    <p:notesMasterId r:id="rId36"/>
   </p:notesMasterIdLst>
   <p:sldIdLst>
     <p:sldId id="267" r:id="rId2"/>
@@ -30,19 +30,18 @@
     <p:sldId id="265" r:id="rId21"/>
     <p:sldId id="272" r:id="rId22"/>
     <p:sldId id="256" r:id="rId23"/>
-    <p:sldId id="257" r:id="rId24"/>
-    <p:sldId id="262" r:id="rId25"/>
-    <p:sldId id="286" r:id="rId26"/>
-    <p:sldId id="287" r:id="rId27"/>
-    <p:sldId id="283" r:id="rId28"/>
-    <p:sldId id="277" r:id="rId29"/>
-    <p:sldId id="279" r:id="rId30"/>
-    <p:sldId id="280" r:id="rId31"/>
-    <p:sldId id="281" r:id="rId32"/>
-    <p:sldId id="282" r:id="rId33"/>
-    <p:sldId id="284" r:id="rId34"/>
-    <p:sldId id="263" r:id="rId35"/>
-    <p:sldId id="306" r:id="rId36"/>
+    <p:sldId id="262" r:id="rId24"/>
+    <p:sldId id="286" r:id="rId25"/>
+    <p:sldId id="287" r:id="rId26"/>
+    <p:sldId id="283" r:id="rId27"/>
+    <p:sldId id="277" r:id="rId28"/>
+    <p:sldId id="279" r:id="rId29"/>
+    <p:sldId id="280" r:id="rId30"/>
+    <p:sldId id="281" r:id="rId31"/>
+    <p:sldId id="282" r:id="rId32"/>
+    <p:sldId id="284" r:id="rId33"/>
+    <p:sldId id="263" r:id="rId34"/>
+    <p:sldId id="306" r:id="rId35"/>
   </p:sldIdLst>
   <p:sldSz cx="12192000" cy="6858000"/>
   <p:notesSz cx="6858000" cy="9144000"/>
@@ -6070,8 +6069,8 @@
       </dsp:nvSpPr>
       <dsp:spPr>
         <a:xfrm>
-          <a:off x="779039" y="526"/>
-          <a:ext cx="609683" cy="609683"/>
+          <a:off x="1176851" y="585"/>
+          <a:ext cx="805133" cy="805133"/>
         </a:xfrm>
         <a:prstGeom prst="ellipse">
           <a:avLst/>
@@ -6112,12 +6111,12 @@
         </a:fontRef>
       </dsp:style>
       <dsp:txBody>
-        <a:bodyPr spcFirstLastPara="0" vert="horz" wrap="square" lIns="11430" tIns="11430" rIns="11430" bIns="11430" numCol="1" spcCol="1270" anchor="ctr" anchorCtr="0">
+        <a:bodyPr spcFirstLastPara="0" vert="horz" wrap="square" lIns="13970" tIns="13970" rIns="13970" bIns="13970" numCol="1" spcCol="1270" anchor="ctr" anchorCtr="0">
           <a:noAutofit/>
         </a:bodyPr>
         <a:lstStyle/>
         <a:p>
-          <a:pPr marL="0" lvl="0" indent="0" algn="ctr" defTabSz="400050">
+          <a:pPr marL="0" lvl="0" indent="0" algn="ctr" defTabSz="488950">
             <a:lnSpc>
               <a:spcPct val="90000"/>
             </a:lnSpc>
@@ -6130,14 +6129,14 @@
             <a:buNone/>
           </a:pPr>
           <a:r>
-            <a:rPr lang="en-US" sz="900" kern="1200" dirty="0"/>
+            <a:rPr lang="en-US" sz="1100" kern="1200" dirty="0"/>
             <a:t>Build</a:t>
           </a:r>
         </a:p>
       </dsp:txBody>
       <dsp:txXfrm>
-        <a:off x="868325" y="89812"/>
-        <a:ext cx="431111" cy="431111"/>
+        <a:off x="1294760" y="118494"/>
+        <a:ext cx="569315" cy="569315"/>
       </dsp:txXfrm>
     </dsp:sp>
     <dsp:sp modelId="{FA7B59B5-FC02-4344-AC79-BB949A239074}">
@@ -6147,8 +6146,8 @@
       </dsp:nvSpPr>
       <dsp:spPr>
         <a:xfrm rot="2160000">
-          <a:off x="1369579" y="469122"/>
-          <a:ext cx="162596" cy="205768"/>
+          <a:off x="1956529" y="619011"/>
+          <a:ext cx="213994" cy="271732"/>
         </a:xfrm>
         <a:prstGeom prst="rightArrow">
           <a:avLst>
@@ -6190,7 +6189,7 @@
         </a:bodyPr>
         <a:lstStyle/>
         <a:p>
-          <a:pPr marL="0" lvl="0" indent="0" algn="ctr" defTabSz="311150">
+          <a:pPr marL="0" lvl="0" indent="0" algn="ctr" defTabSz="400050">
             <a:lnSpc>
               <a:spcPct val="90000"/>
             </a:lnSpc>
@@ -6202,12 +6201,12 @@
             </a:spcAft>
             <a:buNone/>
           </a:pPr>
-          <a:endParaRPr lang="en-US" sz="700" kern="1200"/>
+          <a:endParaRPr lang="en-US" sz="900" kern="1200"/>
         </a:p>
       </dsp:txBody>
       <dsp:txXfrm>
-        <a:off x="1374237" y="495940"/>
-        <a:ext cx="113817" cy="123460"/>
+        <a:off x="1962659" y="654490"/>
+        <a:ext cx="149796" cy="163040"/>
       </dsp:txXfrm>
     </dsp:sp>
     <dsp:sp modelId="{26E82A5F-C42E-46BE-BC85-BF125D7B11DF}">
@@ -6217,8 +6216,8 @@
       </dsp:nvSpPr>
       <dsp:spPr>
         <a:xfrm>
-          <a:off x="1520479" y="539213"/>
-          <a:ext cx="609683" cy="609683"/>
+          <a:off x="2154868" y="711156"/>
+          <a:ext cx="805133" cy="805133"/>
         </a:xfrm>
         <a:prstGeom prst="ellipse">
           <a:avLst/>
@@ -6259,12 +6258,12 @@
         </a:fontRef>
       </dsp:style>
       <dsp:txBody>
-        <a:bodyPr spcFirstLastPara="0" vert="horz" wrap="square" lIns="11430" tIns="11430" rIns="11430" bIns="11430" numCol="1" spcCol="1270" anchor="ctr" anchorCtr="0">
+        <a:bodyPr spcFirstLastPara="0" vert="horz" wrap="square" lIns="13970" tIns="13970" rIns="13970" bIns="13970" numCol="1" spcCol="1270" anchor="ctr" anchorCtr="0">
           <a:noAutofit/>
         </a:bodyPr>
         <a:lstStyle/>
         <a:p>
-          <a:pPr marL="0" lvl="0" indent="0" algn="ctr" defTabSz="400050">
+          <a:pPr marL="0" lvl="0" indent="0" algn="ctr" defTabSz="488950">
             <a:lnSpc>
               <a:spcPct val="90000"/>
             </a:lnSpc>
@@ -6277,14 +6276,14 @@
             <a:buNone/>
           </a:pPr>
           <a:r>
-            <a:rPr lang="en-US" sz="900" kern="1200" dirty="0"/>
+            <a:rPr lang="en-US" sz="1100" kern="1200" dirty="0"/>
             <a:t>Test</a:t>
           </a:r>
         </a:p>
       </dsp:txBody>
       <dsp:txXfrm>
-        <a:off x="1609765" y="628499"/>
-        <a:ext cx="431111" cy="431111"/>
+        <a:off x="2272777" y="829065"/>
+        <a:ext cx="569315" cy="569315"/>
       </dsp:txXfrm>
     </dsp:sp>
     <dsp:sp modelId="{3872CCD2-0516-45C4-AD48-9C6A7CA90B7D}">
@@ -6294,8 +6293,8 @@
       </dsp:nvSpPr>
       <dsp:spPr>
         <a:xfrm rot="6480000">
-          <a:off x="1603842" y="1172602"/>
-          <a:ext cx="162596" cy="205768"/>
+          <a:off x="2265525" y="1546960"/>
+          <a:ext cx="213994" cy="271732"/>
         </a:xfrm>
         <a:prstGeom prst="rightArrow">
           <a:avLst>
@@ -6337,7 +6336,7 @@
         </a:bodyPr>
         <a:lstStyle/>
         <a:p>
-          <a:pPr marL="0" lvl="0" indent="0" algn="ctr" defTabSz="311150">
+          <a:pPr marL="0" lvl="0" indent="0" algn="ctr" defTabSz="400050">
             <a:lnSpc>
               <a:spcPct val="90000"/>
             </a:lnSpc>
@@ -6349,12 +6348,12 @@
             </a:spcAft>
             <a:buNone/>
           </a:pPr>
-          <a:endParaRPr lang="en-US" sz="700" kern="1200"/>
+          <a:endParaRPr lang="en-US" sz="900" kern="1200"/>
         </a:p>
       </dsp:txBody>
       <dsp:txXfrm rot="10800000">
-        <a:off x="1635768" y="1190560"/>
-        <a:ext cx="113817" cy="123460"/>
+        <a:off x="2307543" y="1570778"/>
+        <a:ext cx="149796" cy="163040"/>
       </dsp:txXfrm>
     </dsp:sp>
     <dsp:sp modelId="{573E983B-764A-4772-B1A2-F269F4179211}">
@@ -6364,8 +6363,8 @@
       </dsp:nvSpPr>
       <dsp:spPr>
         <a:xfrm>
-          <a:off x="1237274" y="1410828"/>
-          <a:ext cx="609683" cy="609683"/>
+          <a:off x="1781299" y="1860884"/>
+          <a:ext cx="805133" cy="805133"/>
         </a:xfrm>
         <a:prstGeom prst="ellipse">
           <a:avLst/>
@@ -6406,12 +6405,12 @@
         </a:fontRef>
       </dsp:style>
       <dsp:txBody>
-        <a:bodyPr spcFirstLastPara="0" vert="horz" wrap="square" lIns="11430" tIns="11430" rIns="11430" bIns="11430" numCol="1" spcCol="1270" anchor="ctr" anchorCtr="0">
+        <a:bodyPr spcFirstLastPara="0" vert="horz" wrap="square" lIns="13970" tIns="13970" rIns="13970" bIns="13970" numCol="1" spcCol="1270" anchor="ctr" anchorCtr="0">
           <a:noAutofit/>
         </a:bodyPr>
         <a:lstStyle/>
         <a:p>
-          <a:pPr marL="0" lvl="0" indent="0" algn="ctr" defTabSz="400050">
+          <a:pPr marL="0" lvl="0" indent="0" algn="ctr" defTabSz="488950">
             <a:lnSpc>
               <a:spcPct val="90000"/>
             </a:lnSpc>
@@ -6424,14 +6423,14 @@
             <a:buNone/>
           </a:pPr>
           <a:r>
-            <a:rPr lang="en-US" sz="900" kern="1200" dirty="0"/>
+            <a:rPr lang="en-US" sz="1100" kern="1200" dirty="0"/>
             <a:t>Release</a:t>
           </a:r>
         </a:p>
       </dsp:txBody>
       <dsp:txXfrm>
-        <a:off x="1326560" y="1500114"/>
-        <a:ext cx="431111" cy="431111"/>
+        <a:off x="1899208" y="1978793"/>
+        <a:ext cx="569315" cy="569315"/>
       </dsp:txXfrm>
     </dsp:sp>
     <dsp:sp modelId="{8778FFBA-6EAF-4AE4-9CDD-8111001477BA}">
@@ -6441,8 +6440,8 @@
       </dsp:nvSpPr>
       <dsp:spPr>
         <a:xfrm rot="10800000">
-          <a:off x="1007184" y="1612785"/>
-          <a:ext cx="162596" cy="205768"/>
+          <a:off x="1478477" y="2127585"/>
+          <a:ext cx="213994" cy="271732"/>
         </a:xfrm>
         <a:prstGeom prst="rightArrow">
           <a:avLst>
@@ -6484,7 +6483,7 @@
         </a:bodyPr>
         <a:lstStyle/>
         <a:p>
-          <a:pPr marL="0" lvl="0" indent="0" algn="ctr" defTabSz="311150">
+          <a:pPr marL="0" lvl="0" indent="0" algn="ctr" defTabSz="400050">
             <a:lnSpc>
               <a:spcPct val="90000"/>
             </a:lnSpc>
@@ -6496,12 +6495,12 @@
             </a:spcAft>
             <a:buNone/>
           </a:pPr>
-          <a:endParaRPr lang="en-US" sz="700" kern="1200"/>
+          <a:endParaRPr lang="en-US" sz="900" kern="1200"/>
         </a:p>
       </dsp:txBody>
       <dsp:txXfrm rot="10800000">
-        <a:off x="1055963" y="1653939"/>
-        <a:ext cx="113817" cy="123460"/>
+        <a:off x="1542675" y="2181931"/>
+        <a:ext cx="149796" cy="163040"/>
       </dsp:txXfrm>
     </dsp:sp>
     <dsp:sp modelId="{FFE636CC-1D68-4F03-9766-767ACA791844}">
@@ -6511,8 +6510,8 @@
       </dsp:nvSpPr>
       <dsp:spPr>
         <a:xfrm>
-          <a:off x="320804" y="1410828"/>
-          <a:ext cx="609683" cy="609683"/>
+          <a:off x="572403" y="1860884"/>
+          <a:ext cx="805133" cy="805133"/>
         </a:xfrm>
         <a:prstGeom prst="ellipse">
           <a:avLst/>
@@ -6553,12 +6552,12 @@
         </a:fontRef>
       </dsp:style>
       <dsp:txBody>
-        <a:bodyPr spcFirstLastPara="0" vert="horz" wrap="square" lIns="11430" tIns="11430" rIns="11430" bIns="11430" numCol="1" spcCol="1270" anchor="ctr" anchorCtr="0">
+        <a:bodyPr spcFirstLastPara="0" vert="horz" wrap="square" lIns="13970" tIns="13970" rIns="13970" bIns="13970" numCol="1" spcCol="1270" anchor="ctr" anchorCtr="0">
           <a:noAutofit/>
         </a:bodyPr>
         <a:lstStyle/>
         <a:p>
-          <a:pPr marL="0" lvl="0" indent="0" algn="ctr" defTabSz="400050">
+          <a:pPr marL="0" lvl="0" indent="0" algn="ctr" defTabSz="488950">
             <a:lnSpc>
               <a:spcPct val="90000"/>
             </a:lnSpc>
@@ -6571,14 +6570,14 @@
             <a:buNone/>
           </a:pPr>
           <a:r>
-            <a:rPr lang="en-US" sz="900" kern="1200" dirty="0"/>
+            <a:rPr lang="en-US" sz="1100" kern="1200" dirty="0"/>
             <a:t>Measure</a:t>
           </a:r>
         </a:p>
       </dsp:txBody>
       <dsp:txXfrm>
-        <a:off x="410090" y="1500114"/>
-        <a:ext cx="431111" cy="431111"/>
+        <a:off x="690312" y="1978793"/>
+        <a:ext cx="569315" cy="569315"/>
       </dsp:txXfrm>
     </dsp:sp>
     <dsp:sp modelId="{7C4001D0-B375-4EC6-B48A-30B7EF199C1D}">
@@ -6588,8 +6587,8 @@
       </dsp:nvSpPr>
       <dsp:spPr>
         <a:xfrm rot="15120000">
-          <a:off x="404167" y="1181355"/>
-          <a:ext cx="162596" cy="205768"/>
+          <a:off x="683059" y="1558480"/>
+          <a:ext cx="213994" cy="271732"/>
         </a:xfrm>
         <a:prstGeom prst="rightArrow">
           <a:avLst>
@@ -6631,7 +6630,7 @@
         </a:bodyPr>
         <a:lstStyle/>
         <a:p>
-          <a:pPr marL="0" lvl="0" indent="0" algn="ctr" defTabSz="311150">
+          <a:pPr marL="0" lvl="0" indent="0" algn="ctr" defTabSz="400050">
             <a:lnSpc>
               <a:spcPct val="90000"/>
             </a:lnSpc>
@@ -6643,12 +6642,12 @@
             </a:spcAft>
             <a:buNone/>
           </a:pPr>
-          <a:endParaRPr lang="en-US" sz="700" kern="1200"/>
+          <a:endParaRPr lang="en-US" sz="900" kern="1200"/>
         </a:p>
       </dsp:txBody>
       <dsp:txXfrm rot="10800000">
-        <a:off x="436093" y="1245705"/>
-        <a:ext cx="113817" cy="123460"/>
+        <a:off x="725077" y="1643354"/>
+        <a:ext cx="149796" cy="163040"/>
       </dsp:txXfrm>
     </dsp:sp>
     <dsp:sp modelId="{7F83799A-03F8-4762-8C61-0C4EB7BC8AE0}">
@@ -6658,8 +6657,8 @@
       </dsp:nvSpPr>
       <dsp:spPr>
         <a:xfrm>
-          <a:off x="37600" y="539213"/>
-          <a:ext cx="609683" cy="609683"/>
+          <a:off x="198834" y="711156"/>
+          <a:ext cx="805133" cy="805133"/>
         </a:xfrm>
         <a:prstGeom prst="ellipse">
           <a:avLst/>
@@ -6700,12 +6699,12 @@
         </a:fontRef>
       </dsp:style>
       <dsp:txBody>
-        <a:bodyPr spcFirstLastPara="0" vert="horz" wrap="square" lIns="11430" tIns="11430" rIns="11430" bIns="11430" numCol="1" spcCol="1270" anchor="ctr" anchorCtr="0">
+        <a:bodyPr spcFirstLastPara="0" vert="horz" wrap="square" lIns="13970" tIns="13970" rIns="13970" bIns="13970" numCol="1" spcCol="1270" anchor="ctr" anchorCtr="0">
           <a:noAutofit/>
         </a:bodyPr>
         <a:lstStyle/>
         <a:p>
-          <a:pPr marL="0" lvl="0" indent="0" algn="ctr" defTabSz="400050">
+          <a:pPr marL="0" lvl="0" indent="0" algn="ctr" defTabSz="488950">
             <a:lnSpc>
               <a:spcPct val="90000"/>
             </a:lnSpc>
@@ -6718,14 +6717,14 @@
             <a:buNone/>
           </a:pPr>
           <a:r>
-            <a:rPr lang="en-US" sz="900" kern="1200" dirty="0"/>
+            <a:rPr lang="en-US" sz="1100" kern="1200" dirty="0"/>
             <a:t>Adapt</a:t>
           </a:r>
         </a:p>
       </dsp:txBody>
       <dsp:txXfrm>
-        <a:off x="126886" y="628499"/>
-        <a:ext cx="431111" cy="431111"/>
+        <a:off x="316743" y="829065"/>
+        <a:ext cx="569315" cy="569315"/>
       </dsp:txXfrm>
     </dsp:sp>
     <dsp:sp modelId="{051F7C30-9F90-4A4C-BF5D-5FFA9564171A}">
@@ -6735,8 +6734,8 @@
       </dsp:nvSpPr>
       <dsp:spPr>
         <a:xfrm rot="19440000">
-          <a:off x="628140" y="474532"/>
-          <a:ext cx="162596" cy="205768"/>
+          <a:off x="978512" y="626131"/>
+          <a:ext cx="213994" cy="271732"/>
         </a:xfrm>
         <a:prstGeom prst="rightArrow">
           <a:avLst>
@@ -6778,7 +6777,7 @@
         </a:bodyPr>
         <a:lstStyle/>
         <a:p>
-          <a:pPr marL="0" lvl="0" indent="0" algn="ctr" defTabSz="311150">
+          <a:pPr marL="0" lvl="0" indent="0" algn="ctr" defTabSz="400050">
             <a:lnSpc>
               <a:spcPct val="90000"/>
             </a:lnSpc>
@@ -6790,12 +6789,12 @@
             </a:spcAft>
             <a:buNone/>
           </a:pPr>
-          <a:endParaRPr lang="en-US" sz="700" kern="1200"/>
+          <a:endParaRPr lang="en-US" sz="900" kern="1200"/>
         </a:p>
       </dsp:txBody>
       <dsp:txXfrm>
-        <a:off x="632798" y="530022"/>
-        <a:ext cx="113817" cy="123460"/>
+        <a:off x="984642" y="699344"/>
+        <a:ext cx="149796" cy="163040"/>
       </dsp:txXfrm>
     </dsp:sp>
   </dsp:spTree>
@@ -17834,12 +17833,8 @@
           </a:p>
           <a:p>
             <a:r>
-              <a:rPr lang="en-GB"/>
-              <a:t>Now, what’s </a:t>
-            </a:r>
-            <a:r>
               <a:rPr lang="en-GB" dirty="0"/>
-              <a:t>less risky? </a:t>
+              <a:t>Now, what’s less risky? </a:t>
             </a:r>
           </a:p>
           <a:p>
@@ -17951,6 +17946,193 @@
           <a:bodyPr/>
           <a:lstStyle/>
           <a:p>
+            <a:pPr marL="0" marR="0" lvl="0" indent="0" algn="l" defTabSz="914400" rtl="0" eaLnBrk="1" fontAlgn="auto" latinLnBrk="0" hangingPunct="1">
+              <a:lnSpc>
+                <a:spcPct val="100000"/>
+              </a:lnSpc>
+              <a:spcBef>
+                <a:spcPts val="0"/>
+              </a:spcBef>
+              <a:spcAft>
+                <a:spcPts val="0"/>
+              </a:spcAft>
+              <a:buClrTx/>
+              <a:buSzTx/>
+              <a:buFontTx/>
+              <a:buNone/>
+              <a:tabLst/>
+              <a:defRPr/>
+            </a:pPr>
+            <a:r>
+              <a:rPr lang="en-GB" dirty="0"/>
+              <a:t>Eternal business complaint: IT is slow</a:t>
+            </a:r>
+          </a:p>
+          <a:p>
+            <a:pPr marL="0" marR="0" lvl="0" indent="0" algn="l" defTabSz="914400" rtl="0" eaLnBrk="1" fontAlgn="auto" latinLnBrk="0" hangingPunct="1">
+              <a:lnSpc>
+                <a:spcPct val="100000"/>
+              </a:lnSpc>
+              <a:spcBef>
+                <a:spcPts val="0"/>
+              </a:spcBef>
+              <a:spcAft>
+                <a:spcPts val="0"/>
+              </a:spcAft>
+              <a:buClrTx/>
+              <a:buSzTx/>
+              <a:buFontTx/>
+              <a:buNone/>
+              <a:tabLst/>
+              <a:defRPr/>
+            </a:pPr>
+            <a:r>
+              <a:rPr lang="en-GB" dirty="0"/>
+              <a:t>Customers</a:t>
+            </a:r>
+            <a:r>
+              <a:rPr lang="en-GB" baseline="0" dirty="0"/>
+              <a:t> not necessarily end-users: example of our client -&gt; </a:t>
+            </a:r>
+            <a:r>
+              <a:rPr lang="en-GB" baseline="0" dirty="0" err="1"/>
+              <a:t>MyAccount</a:t>
+            </a:r>
+            <a:r>
+              <a:rPr lang="en-GB" baseline="0" dirty="0"/>
+              <a:t> team</a:t>
+            </a:r>
+          </a:p>
+          <a:p>
+            <a:pPr marL="0" marR="0" lvl="0" indent="0" algn="l" defTabSz="914400" rtl="0" eaLnBrk="1" fontAlgn="auto" latinLnBrk="0" hangingPunct="1">
+              <a:lnSpc>
+                <a:spcPct val="100000"/>
+              </a:lnSpc>
+              <a:spcBef>
+                <a:spcPts val="0"/>
+              </a:spcBef>
+              <a:spcAft>
+                <a:spcPts val="0"/>
+              </a:spcAft>
+              <a:buClrTx/>
+              <a:buSzTx/>
+              <a:buFontTx/>
+              <a:buNone/>
+              <a:tabLst/>
+              <a:defRPr/>
+            </a:pPr>
+            <a:endParaRPr lang="en-GB" baseline="0" dirty="0"/>
+          </a:p>
+          <a:p>
+            <a:pPr marL="0" marR="0" lvl="0" indent="0" algn="l" defTabSz="914400" rtl="0" eaLnBrk="1" fontAlgn="auto" latinLnBrk="0" hangingPunct="1">
+              <a:lnSpc>
+                <a:spcPct val="100000"/>
+              </a:lnSpc>
+              <a:spcBef>
+                <a:spcPts val="0"/>
+              </a:spcBef>
+              <a:spcAft>
+                <a:spcPts val="0"/>
+              </a:spcAft>
+              <a:buClrTx/>
+              <a:buSzTx/>
+              <a:buFontTx/>
+              <a:buNone/>
+              <a:tabLst/>
+              <a:defRPr/>
+            </a:pPr>
+            <a:r>
+              <a:rPr lang="en-GB" b="0" dirty="0"/>
+              <a:t>No matter how many iterations, or sprints we have done</a:t>
+            </a:r>
+          </a:p>
+          <a:p>
+            <a:pPr marL="0" marR="0" lvl="0" indent="0" algn="l" defTabSz="914400" rtl="0" eaLnBrk="1" fontAlgn="auto" latinLnBrk="0" hangingPunct="1">
+              <a:lnSpc>
+                <a:spcPct val="100000"/>
+              </a:lnSpc>
+              <a:spcBef>
+                <a:spcPts val="0"/>
+              </a:spcBef>
+              <a:spcAft>
+                <a:spcPts val="0"/>
+              </a:spcAft>
+              <a:buClrTx/>
+              <a:buSzTx/>
+              <a:buFontTx/>
+              <a:buNone/>
+              <a:tabLst/>
+              <a:defRPr/>
+            </a:pPr>
+            <a:r>
+              <a:rPr lang="en-GB" dirty="0"/>
+              <a:t>Remember that until the code is deployed to the Production environment, we have provided </a:t>
+            </a:r>
+            <a:r>
+              <a:rPr lang="en-GB" b="1" dirty="0"/>
+              <a:t>NO value</a:t>
+            </a:r>
+          </a:p>
+          <a:p>
+            <a:pPr marL="0" marR="0" lvl="0" indent="0" algn="l" defTabSz="914400" rtl="0" eaLnBrk="1" fontAlgn="auto" latinLnBrk="0" hangingPunct="1">
+              <a:lnSpc>
+                <a:spcPct val="100000"/>
+              </a:lnSpc>
+              <a:spcBef>
+                <a:spcPts val="0"/>
+              </a:spcBef>
+              <a:spcAft>
+                <a:spcPts val="0"/>
+              </a:spcAft>
+              <a:buClrTx/>
+              <a:buSzTx/>
+              <a:buFontTx/>
+              <a:buNone/>
+              <a:tabLst/>
+              <a:defRPr/>
+            </a:pPr>
+            <a:endParaRPr lang="en-GB" b="1" dirty="0"/>
+          </a:p>
+          <a:p>
+            <a:pPr marL="0" marR="0" lvl="0" indent="0" algn="l" defTabSz="914400" rtl="0" eaLnBrk="1" fontAlgn="auto" latinLnBrk="0" hangingPunct="1">
+              <a:lnSpc>
+                <a:spcPct val="100000"/>
+              </a:lnSpc>
+              <a:spcBef>
+                <a:spcPts val="0"/>
+              </a:spcBef>
+              <a:spcAft>
+                <a:spcPts val="0"/>
+              </a:spcAft>
+              <a:buClrTx/>
+              <a:buSzTx/>
+              <a:buFontTx/>
+              <a:buNone/>
+              <a:tabLst/>
+              <a:defRPr/>
+            </a:pPr>
+            <a:r>
+              <a:rPr lang="en-GB" b="0" dirty="0"/>
+              <a:t>The problem is that the </a:t>
+            </a:r>
+            <a:r>
+              <a:rPr lang="en-GB" b="1" dirty="0"/>
+              <a:t>lead time </a:t>
+            </a:r>
+            <a:r>
+              <a:rPr lang="en-GB" b="0" dirty="0"/>
+              <a:t>(“</a:t>
+            </a:r>
+            <a:r>
+              <a:rPr lang="en-GB" b="1" dirty="0"/>
+              <a:t>from concept to production”</a:t>
+            </a:r>
+            <a:r>
+              <a:rPr lang="en-GB" b="0" dirty="0"/>
+              <a:t>) is too big</a:t>
+            </a:r>
+          </a:p>
+          <a:p>
             <a:endParaRPr lang="en-GB" dirty="0"/>
           </a:p>
         </p:txBody>
@@ -17981,7 +18163,7 @@
     </p:spTree>
     <p:extLst>
       <p:ext uri="{BB962C8B-B14F-4D97-AF65-F5344CB8AC3E}">
-        <p14:creationId xmlns:p14="http://schemas.microsoft.com/office/powerpoint/2010/main" val="3247085236"/>
+        <p14:creationId xmlns:p14="http://schemas.microsoft.com/office/powerpoint/2010/main" val="3796568599"/>
       </p:ext>
     </p:extLst>
   </p:cSld>
@@ -18054,243 +18236,7 @@
             </a:pPr>
             <a:r>
               <a:rPr lang="en-GB" dirty="0"/>
-              <a:t>Eternal business complaint: IT is slow</a:t>
-            </a:r>
-          </a:p>
-          <a:p>
-            <a:pPr marL="0" marR="0" lvl="0" indent="0" algn="l" defTabSz="914400" rtl="0" eaLnBrk="1" fontAlgn="auto" latinLnBrk="0" hangingPunct="1">
-              <a:lnSpc>
-                <a:spcPct val="100000"/>
-              </a:lnSpc>
-              <a:spcBef>
-                <a:spcPts val="0"/>
-              </a:spcBef>
-              <a:spcAft>
-                <a:spcPts val="0"/>
-              </a:spcAft>
-              <a:buClrTx/>
-              <a:buSzTx/>
-              <a:buFontTx/>
-              <a:buNone/>
-              <a:tabLst/>
-              <a:defRPr/>
-            </a:pPr>
-            <a:r>
-              <a:rPr lang="en-GB" dirty="0"/>
-              <a:t>Customers</a:t>
-            </a:r>
-            <a:r>
-              <a:rPr lang="en-GB" baseline="0" dirty="0"/>
-              <a:t> not necessarily end-users: example of our client -&gt; </a:t>
-            </a:r>
-            <a:r>
-              <a:rPr lang="en-GB" baseline="0" dirty="0" err="1"/>
-              <a:t>MyAccount</a:t>
-            </a:r>
-            <a:r>
-              <a:rPr lang="en-GB" baseline="0" dirty="0"/>
-              <a:t> team</a:t>
-            </a:r>
-          </a:p>
-          <a:p>
-            <a:pPr marL="0" marR="0" lvl="0" indent="0" algn="l" defTabSz="914400" rtl="0" eaLnBrk="1" fontAlgn="auto" latinLnBrk="0" hangingPunct="1">
-              <a:lnSpc>
-                <a:spcPct val="100000"/>
-              </a:lnSpc>
-              <a:spcBef>
-                <a:spcPts val="0"/>
-              </a:spcBef>
-              <a:spcAft>
-                <a:spcPts val="0"/>
-              </a:spcAft>
-              <a:buClrTx/>
-              <a:buSzTx/>
-              <a:buFontTx/>
-              <a:buNone/>
-              <a:tabLst/>
-              <a:defRPr/>
-            </a:pPr>
-            <a:endParaRPr lang="en-GB" baseline="0" dirty="0"/>
-          </a:p>
-          <a:p>
-            <a:pPr marL="0" marR="0" lvl="0" indent="0" algn="l" defTabSz="914400" rtl="0" eaLnBrk="1" fontAlgn="auto" latinLnBrk="0" hangingPunct="1">
-              <a:lnSpc>
-                <a:spcPct val="100000"/>
-              </a:lnSpc>
-              <a:spcBef>
-                <a:spcPts val="0"/>
-              </a:spcBef>
-              <a:spcAft>
-                <a:spcPts val="0"/>
-              </a:spcAft>
-              <a:buClrTx/>
-              <a:buSzTx/>
-              <a:buFontTx/>
-              <a:buNone/>
-              <a:tabLst/>
-              <a:defRPr/>
-            </a:pPr>
-            <a:r>
-              <a:rPr lang="en-GB" dirty="0"/>
-              <a:t>Remember that until the code is deployed to the Production </a:t>
-            </a:r>
-            <a:r>
-              <a:rPr lang="en-GB" dirty="0" err="1"/>
-              <a:t>environement</a:t>
-            </a:r>
-            <a:r>
-              <a:rPr lang="en-GB" dirty="0"/>
-              <a:t>, we have provided </a:t>
-            </a:r>
-            <a:r>
-              <a:rPr lang="en-GB" b="1" dirty="0"/>
-              <a:t>NO value</a:t>
-            </a:r>
-          </a:p>
-          <a:p>
-            <a:pPr marL="0" marR="0" lvl="0" indent="0" algn="l" defTabSz="914400" rtl="0" eaLnBrk="1" fontAlgn="auto" latinLnBrk="0" hangingPunct="1">
-              <a:lnSpc>
-                <a:spcPct val="100000"/>
-              </a:lnSpc>
-              <a:spcBef>
-                <a:spcPts val="0"/>
-              </a:spcBef>
-              <a:spcAft>
-                <a:spcPts val="0"/>
-              </a:spcAft>
-              <a:buClrTx/>
-              <a:buSzTx/>
-              <a:buFontTx/>
-              <a:buNone/>
-              <a:tabLst/>
-              <a:defRPr/>
-            </a:pPr>
-            <a:r>
-              <a:rPr lang="en-GB" b="0" dirty="0"/>
-              <a:t>The problem then is the </a:t>
-            </a:r>
-            <a:r>
-              <a:rPr lang="en-GB" b="1" dirty="0"/>
-              <a:t>lead time </a:t>
-            </a:r>
-            <a:r>
-              <a:rPr lang="en-GB" b="0" dirty="0"/>
-              <a:t>(“</a:t>
-            </a:r>
-            <a:r>
-              <a:rPr lang="en-GB" b="1" dirty="0"/>
-              <a:t>from concept to production”</a:t>
-            </a:r>
-            <a:r>
-              <a:rPr lang="en-GB" b="0" dirty="0"/>
-              <a:t>) is too big</a:t>
-            </a:r>
-          </a:p>
-          <a:p>
-            <a:endParaRPr lang="en-GB" dirty="0"/>
-          </a:p>
-        </p:txBody>
-      </p:sp>
-      <p:sp>
-        <p:nvSpPr>
-          <p:cNvPr id="4" name="Slide Number Placeholder 3"/>
-          <p:cNvSpPr>
-            <a:spLocks noGrp="1"/>
-          </p:cNvSpPr>
-          <p:nvPr>
-            <p:ph type="sldNum" sz="quarter" idx="10"/>
-          </p:nvPr>
-        </p:nvSpPr>
-        <p:spPr/>
-        <p:txBody>
-          <a:bodyPr/>
-          <a:lstStyle/>
-          <a:p>
-            <a:fld id="{CD07EBF8-396F-4315-AE4D-1B4415FB8D2D}" type="slidenum">
-              <a:rPr lang="en-GB" smtClean="0"/>
-              <a:t>24</a:t>
-            </a:fld>
-            <a:endParaRPr lang="en-GB"/>
-          </a:p>
-        </p:txBody>
-      </p:sp>
-    </p:spTree>
-    <p:extLst>
-      <p:ext uri="{BB962C8B-B14F-4D97-AF65-F5344CB8AC3E}">
-        <p14:creationId xmlns:p14="http://schemas.microsoft.com/office/powerpoint/2010/main" val="3796568599"/>
-      </p:ext>
-    </p:extLst>
-  </p:cSld>
-  <p:clrMapOvr>
-    <a:masterClrMapping/>
-  </p:clrMapOvr>
-</p:notes>
-</file>
-
-<file path=ppt/notesSlides/notesSlide25.xml><?xml version="1.0" encoding="utf-8"?>
-<p:notes xmlns:a="http://schemas.openxmlformats.org/drawingml/2006/main" xmlns:r="http://schemas.openxmlformats.org/officeDocument/2006/relationships" xmlns:p="http://schemas.openxmlformats.org/presentationml/2006/main">
-  <p:cSld>
-    <p:spTree>
-      <p:nvGrpSpPr>
-        <p:cNvPr id="1" name=""/>
-        <p:cNvGrpSpPr/>
-        <p:nvPr/>
-      </p:nvGrpSpPr>
-      <p:grpSpPr>
-        <a:xfrm>
-          <a:off x="0" y="0"/>
-          <a:ext cx="0" cy="0"/>
-          <a:chOff x="0" y="0"/>
-          <a:chExt cx="0" cy="0"/>
-        </a:xfrm>
-      </p:grpSpPr>
-      <p:sp>
-        <p:nvSpPr>
-          <p:cNvPr id="2" name="Slide Image Placeholder 1"/>
-          <p:cNvSpPr>
-            <a:spLocks noGrp="1" noRot="1" noChangeAspect="1"/>
-          </p:cNvSpPr>
-          <p:nvPr>
-            <p:ph type="sldImg"/>
-          </p:nvPr>
-        </p:nvSpPr>
-        <p:spPr/>
-      </p:sp>
-      <p:sp>
-        <p:nvSpPr>
-          <p:cNvPr id="3" name="Notes Placeholder 2"/>
-          <p:cNvSpPr>
-            <a:spLocks noGrp="1"/>
-          </p:cNvSpPr>
-          <p:nvPr>
-            <p:ph type="body" idx="1"/>
-          </p:nvPr>
-        </p:nvSpPr>
-        <p:spPr/>
-        <p:txBody>
-          <a:bodyPr/>
-          <a:lstStyle/>
-          <a:p>
-            <a:pPr marL="0" marR="0" lvl="0" indent="0" algn="l" defTabSz="914400" rtl="0" eaLnBrk="1" fontAlgn="auto" latinLnBrk="0" hangingPunct="1">
-              <a:lnSpc>
-                <a:spcPct val="100000"/>
-              </a:lnSpc>
-              <a:spcBef>
-                <a:spcPts val="0"/>
-              </a:spcBef>
-              <a:spcAft>
-                <a:spcPts val="0"/>
-              </a:spcAft>
-              <a:buClrTx/>
-              <a:buSzTx/>
-              <a:buFontTx/>
-              <a:buNone/>
-              <a:tabLst/>
-              <a:defRPr/>
-            </a:pPr>
-            <a:r>
-              <a:rPr lang="en-GB" dirty="0"/>
-              <a:t>What we have to do is taking this whole cycle, and making it an iteration, a loop</a:t>
+              <a:t>What we have to do is to take this whole cycle, and make it an iteration, a loop</a:t>
             </a:r>
           </a:p>
           <a:p>
@@ -18336,7 +18282,11 @@
             </a:r>
             <a:r>
               <a:rPr lang="en-GB" b="1" dirty="0"/>
-              <a:t>not by asking them</a:t>
+              <a:t>not by asking them </a:t>
+            </a:r>
+            <a:r>
+              <a:rPr lang="en-GB" b="0" dirty="0"/>
+              <a:t>(they never know what they want anyway)</a:t>
             </a:r>
           </a:p>
           <a:p>
@@ -18453,7 +18403,7 @@
           <a:p>
             <a:fld id="{CD07EBF8-396F-4315-AE4D-1B4415FB8D2D}" type="slidenum">
               <a:rPr lang="en-GB" smtClean="0"/>
-              <a:t>25</a:t>
+              <a:t>24</a:t>
             </a:fld>
             <a:endParaRPr lang="en-GB"/>
           </a:p>
@@ -18472,7 +18422,7 @@
 </p:notes>
 </file>
 
-<file path=ppt/notesSlides/notesSlide26.xml><?xml version="1.0" encoding="utf-8"?>
+<file path=ppt/notesSlides/notesSlide25.xml><?xml version="1.0" encoding="utf-8"?>
 <p:notes xmlns:a="http://schemas.openxmlformats.org/drawingml/2006/main" xmlns:r="http://schemas.openxmlformats.org/officeDocument/2006/relationships" xmlns:p="http://schemas.openxmlformats.org/presentationml/2006/main">
   <p:cSld>
     <p:spTree>
@@ -18600,7 +18550,7 @@
           <a:p>
             <a:fld id="{CD07EBF8-396F-4315-AE4D-1B4415FB8D2D}" type="slidenum">
               <a:rPr lang="en-GB" smtClean="0"/>
-              <a:t>26</a:t>
+              <a:t>25</a:t>
             </a:fld>
             <a:endParaRPr lang="en-GB"/>
           </a:p>
@@ -18610,6 +18560,93 @@
     <p:extLst>
       <p:ext uri="{BB962C8B-B14F-4D97-AF65-F5344CB8AC3E}">
         <p14:creationId xmlns:p14="http://schemas.microsoft.com/office/powerpoint/2010/main" val="3305511814"/>
+      </p:ext>
+    </p:extLst>
+  </p:cSld>
+  <p:clrMapOvr>
+    <a:masterClrMapping/>
+  </p:clrMapOvr>
+</p:notes>
+</file>
+
+<file path=ppt/notesSlides/notesSlide26.xml><?xml version="1.0" encoding="utf-8"?>
+<p:notes xmlns:a="http://schemas.openxmlformats.org/drawingml/2006/main" xmlns:r="http://schemas.openxmlformats.org/officeDocument/2006/relationships" xmlns:p="http://schemas.openxmlformats.org/presentationml/2006/main">
+  <p:cSld>
+    <p:spTree>
+      <p:nvGrpSpPr>
+        <p:cNvPr id="1" name=""/>
+        <p:cNvGrpSpPr/>
+        <p:nvPr/>
+      </p:nvGrpSpPr>
+      <p:grpSpPr>
+        <a:xfrm>
+          <a:off x="0" y="0"/>
+          <a:ext cx="0" cy="0"/>
+          <a:chOff x="0" y="0"/>
+          <a:chExt cx="0" cy="0"/>
+        </a:xfrm>
+      </p:grpSpPr>
+      <p:sp>
+        <p:nvSpPr>
+          <p:cNvPr id="2" name="Slide Image Placeholder 1"/>
+          <p:cNvSpPr>
+            <a:spLocks noGrp="1" noRot="1" noChangeAspect="1"/>
+          </p:cNvSpPr>
+          <p:nvPr>
+            <p:ph type="sldImg"/>
+          </p:nvPr>
+        </p:nvSpPr>
+        <p:spPr/>
+      </p:sp>
+      <p:sp>
+        <p:nvSpPr>
+          <p:cNvPr id="3" name="Notes Placeholder 2"/>
+          <p:cNvSpPr>
+            <a:spLocks noGrp="1"/>
+          </p:cNvSpPr>
+          <p:nvPr>
+            <p:ph type="body" idx="1"/>
+          </p:nvPr>
+        </p:nvSpPr>
+        <p:spPr/>
+        <p:txBody>
+          <a:bodyPr/>
+          <a:lstStyle/>
+          <a:p>
+            <a:r>
+              <a:rPr lang="en-GB" dirty="0"/>
+              <a:t>So how do we do all this?</a:t>
+            </a:r>
+          </a:p>
+        </p:txBody>
+      </p:sp>
+      <p:sp>
+        <p:nvSpPr>
+          <p:cNvPr id="4" name="Slide Number Placeholder 3"/>
+          <p:cNvSpPr>
+            <a:spLocks noGrp="1"/>
+          </p:cNvSpPr>
+          <p:nvPr>
+            <p:ph type="sldNum" sz="quarter" idx="10"/>
+          </p:nvPr>
+        </p:nvSpPr>
+        <p:spPr/>
+        <p:txBody>
+          <a:bodyPr/>
+          <a:lstStyle/>
+          <a:p>
+            <a:fld id="{CD07EBF8-396F-4315-AE4D-1B4415FB8D2D}" type="slidenum">
+              <a:rPr lang="en-GB" smtClean="0"/>
+              <a:t>26</a:t>
+            </a:fld>
+            <a:endParaRPr lang="en-GB"/>
+          </a:p>
+        </p:txBody>
+      </p:sp>
+    </p:spTree>
+    <p:extLst>
+      <p:ext uri="{BB962C8B-B14F-4D97-AF65-F5344CB8AC3E}">
+        <p14:creationId xmlns:p14="http://schemas.microsoft.com/office/powerpoint/2010/main" val="1191449557"/>
       </p:ext>
     </p:extLst>
   </p:cSld>
@@ -18664,8 +18701,66 @@
           <a:lstStyle/>
           <a:p>
             <a:r>
-              <a:rPr lang="en-GB" dirty="0"/>
-              <a:t>So how do we do all this?</a:t>
+              <a:rPr lang="en-GB" sz="1200" b="1" i="0" kern="1200" dirty="0">
+                <a:solidFill>
+                  <a:schemeClr val="tx1"/>
+                </a:solidFill>
+                <a:effectLst/>
+                <a:latin typeface="+mn-lt"/>
+                <a:ea typeface="+mn-ea"/>
+                <a:cs typeface="+mn-cs"/>
+              </a:rPr>
+              <a:t>Continuous Integration</a:t>
+            </a:r>
+            <a:r>
+              <a:rPr lang="en-GB" sz="1200" b="0" i="0" kern="1200" dirty="0">
+                <a:solidFill>
+                  <a:schemeClr val="tx1"/>
+                </a:solidFill>
+                <a:effectLst/>
+                <a:latin typeface="+mn-lt"/>
+                <a:ea typeface="+mn-ea"/>
+                <a:cs typeface="+mn-cs"/>
+              </a:rPr>
+              <a:t> (CI) is a development practice that requires developers to </a:t>
+            </a:r>
+            <a:r>
+              <a:rPr lang="en-GB" sz="1200" b="1" i="0" kern="1200" dirty="0">
+                <a:solidFill>
+                  <a:schemeClr val="tx1"/>
+                </a:solidFill>
+                <a:effectLst/>
+                <a:latin typeface="+mn-lt"/>
+                <a:ea typeface="+mn-ea"/>
+                <a:cs typeface="+mn-cs"/>
+              </a:rPr>
+              <a:t>integrate</a:t>
+            </a:r>
+            <a:r>
+              <a:rPr lang="en-GB" sz="1200" b="0" i="0" kern="1200" dirty="0">
+                <a:solidFill>
+                  <a:schemeClr val="tx1"/>
+                </a:solidFill>
+                <a:effectLst/>
+                <a:latin typeface="+mn-lt"/>
+                <a:ea typeface="+mn-ea"/>
+                <a:cs typeface="+mn-cs"/>
+              </a:rPr>
+              <a:t> code into a shared repository (like git -&gt; the remote server, not the local one)</a:t>
+            </a:r>
+          </a:p>
+          <a:p>
+            <a:r>
+              <a:rPr lang="en-GB" sz="1200" b="0" i="0" kern="1200" dirty="0">
+                <a:solidFill>
+                  <a:schemeClr val="tx1"/>
+                </a:solidFill>
+                <a:effectLst/>
+                <a:latin typeface="+mn-lt"/>
+                <a:ea typeface="+mn-ea"/>
+                <a:cs typeface="+mn-cs"/>
+              </a:rPr>
+              <a:t>several times a day. </a:t>
             </a:r>
           </a:p>
         </p:txBody>
@@ -18696,7 +18791,7 @@
     </p:spTree>
     <p:extLst>
       <p:ext uri="{BB962C8B-B14F-4D97-AF65-F5344CB8AC3E}">
-        <p14:creationId xmlns:p14="http://schemas.microsoft.com/office/powerpoint/2010/main" val="1191449557"/>
+        <p14:creationId xmlns:p14="http://schemas.microsoft.com/office/powerpoint/2010/main" val="117246581"/>
       </p:ext>
     </p:extLst>
   </p:cSld>
@@ -18751,151 +18846,6 @@
           <a:lstStyle/>
           <a:p>
             <a:r>
-              <a:rPr lang="en-GB" sz="1200" b="1" i="0" kern="1200" dirty="0">
-                <a:solidFill>
-                  <a:schemeClr val="tx1"/>
-                </a:solidFill>
-                <a:effectLst/>
-                <a:latin typeface="+mn-lt"/>
-                <a:ea typeface="+mn-ea"/>
-                <a:cs typeface="+mn-cs"/>
-              </a:rPr>
-              <a:t>Continuous Integration</a:t>
-            </a:r>
-            <a:r>
-              <a:rPr lang="en-GB" sz="1200" b="0" i="0" kern="1200" dirty="0">
-                <a:solidFill>
-                  <a:schemeClr val="tx1"/>
-                </a:solidFill>
-                <a:effectLst/>
-                <a:latin typeface="+mn-lt"/>
-                <a:ea typeface="+mn-ea"/>
-                <a:cs typeface="+mn-cs"/>
-              </a:rPr>
-              <a:t> (CI) is a development practice that requires developers to </a:t>
-            </a:r>
-            <a:r>
-              <a:rPr lang="en-GB" sz="1200" b="1" i="0" kern="1200" dirty="0">
-                <a:solidFill>
-                  <a:schemeClr val="tx1"/>
-                </a:solidFill>
-                <a:effectLst/>
-                <a:latin typeface="+mn-lt"/>
-                <a:ea typeface="+mn-ea"/>
-                <a:cs typeface="+mn-cs"/>
-              </a:rPr>
-              <a:t>integrate</a:t>
-            </a:r>
-            <a:r>
-              <a:rPr lang="en-GB" sz="1200" b="0" i="0" kern="1200" dirty="0">
-                <a:solidFill>
-                  <a:schemeClr val="tx1"/>
-                </a:solidFill>
-                <a:effectLst/>
-                <a:latin typeface="+mn-lt"/>
-                <a:ea typeface="+mn-ea"/>
-                <a:cs typeface="+mn-cs"/>
-              </a:rPr>
-              <a:t> code into a shared repository (like git -&gt; the remote server, not the local one)</a:t>
-            </a:r>
-          </a:p>
-          <a:p>
-            <a:r>
-              <a:rPr lang="en-GB" sz="1200" b="0" i="0" kern="1200" dirty="0">
-                <a:solidFill>
-                  <a:schemeClr val="tx1"/>
-                </a:solidFill>
-                <a:effectLst/>
-                <a:latin typeface="+mn-lt"/>
-                <a:ea typeface="+mn-ea"/>
-                <a:cs typeface="+mn-cs"/>
-              </a:rPr>
-              <a:t>several times a day. </a:t>
-            </a:r>
-          </a:p>
-        </p:txBody>
-      </p:sp>
-      <p:sp>
-        <p:nvSpPr>
-          <p:cNvPr id="4" name="Slide Number Placeholder 3"/>
-          <p:cNvSpPr>
-            <a:spLocks noGrp="1"/>
-          </p:cNvSpPr>
-          <p:nvPr>
-            <p:ph type="sldNum" sz="quarter" idx="10"/>
-          </p:nvPr>
-        </p:nvSpPr>
-        <p:spPr/>
-        <p:txBody>
-          <a:bodyPr/>
-          <a:lstStyle/>
-          <a:p>
-            <a:fld id="{CD07EBF8-396F-4315-AE4D-1B4415FB8D2D}" type="slidenum">
-              <a:rPr lang="en-GB" smtClean="0"/>
-              <a:t>28</a:t>
-            </a:fld>
-            <a:endParaRPr lang="en-GB"/>
-          </a:p>
-        </p:txBody>
-      </p:sp>
-    </p:spTree>
-    <p:extLst>
-      <p:ext uri="{BB962C8B-B14F-4D97-AF65-F5344CB8AC3E}">
-        <p14:creationId xmlns:p14="http://schemas.microsoft.com/office/powerpoint/2010/main" val="117246581"/>
-      </p:ext>
-    </p:extLst>
-  </p:cSld>
-  <p:clrMapOvr>
-    <a:masterClrMapping/>
-  </p:clrMapOvr>
-</p:notes>
-</file>
-
-<file path=ppt/notesSlides/notesSlide29.xml><?xml version="1.0" encoding="utf-8"?>
-<p:notes xmlns:a="http://schemas.openxmlformats.org/drawingml/2006/main" xmlns:r="http://schemas.openxmlformats.org/officeDocument/2006/relationships" xmlns:p="http://schemas.openxmlformats.org/presentationml/2006/main">
-  <p:cSld>
-    <p:spTree>
-      <p:nvGrpSpPr>
-        <p:cNvPr id="1" name=""/>
-        <p:cNvGrpSpPr/>
-        <p:nvPr/>
-      </p:nvGrpSpPr>
-      <p:grpSpPr>
-        <a:xfrm>
-          <a:off x="0" y="0"/>
-          <a:ext cx="0" cy="0"/>
-          <a:chOff x="0" y="0"/>
-          <a:chExt cx="0" cy="0"/>
-        </a:xfrm>
-      </p:grpSpPr>
-      <p:sp>
-        <p:nvSpPr>
-          <p:cNvPr id="2" name="Slide Image Placeholder 1"/>
-          <p:cNvSpPr>
-            <a:spLocks noGrp="1" noRot="1" noChangeAspect="1"/>
-          </p:cNvSpPr>
-          <p:nvPr>
-            <p:ph type="sldImg"/>
-          </p:nvPr>
-        </p:nvSpPr>
-        <p:spPr/>
-      </p:sp>
-      <p:sp>
-        <p:nvSpPr>
-          <p:cNvPr id="3" name="Notes Placeholder 2"/>
-          <p:cNvSpPr>
-            <a:spLocks noGrp="1"/>
-          </p:cNvSpPr>
-          <p:nvPr>
-            <p:ph type="body" idx="1"/>
-          </p:nvPr>
-        </p:nvSpPr>
-        <p:spPr/>
-        <p:txBody>
-          <a:bodyPr/>
-          <a:lstStyle/>
-          <a:p>
-            <a:r>
               <a:rPr lang="en-GB" sz="1200" b="0" i="0" kern="1200" dirty="0">
                 <a:solidFill>
                   <a:schemeClr val="tx1"/>
@@ -19002,7 +18952,7 @@
           <a:p>
             <a:fld id="{CD07EBF8-396F-4315-AE4D-1B4415FB8D2D}" type="slidenum">
               <a:rPr lang="en-GB" smtClean="0"/>
-              <a:t>29</a:t>
+              <a:t>28</a:t>
             </a:fld>
             <a:endParaRPr lang="en-GB"/>
           </a:p>
@@ -19021,180 +18971,7 @@
 </p:notes>
 </file>
 
-<file path=ppt/notesSlides/notesSlide3.xml><?xml version="1.0" encoding="utf-8"?>
-<p:notes xmlns:a="http://schemas.openxmlformats.org/drawingml/2006/main" xmlns:r="http://schemas.openxmlformats.org/officeDocument/2006/relationships" xmlns:p="http://schemas.openxmlformats.org/presentationml/2006/main">
-  <p:cSld>
-    <p:spTree>
-      <p:nvGrpSpPr>
-        <p:cNvPr id="1" name=""/>
-        <p:cNvGrpSpPr/>
-        <p:nvPr/>
-      </p:nvGrpSpPr>
-      <p:grpSpPr>
-        <a:xfrm>
-          <a:off x="0" y="0"/>
-          <a:ext cx="0" cy="0"/>
-          <a:chOff x="0" y="0"/>
-          <a:chExt cx="0" cy="0"/>
-        </a:xfrm>
-      </p:grpSpPr>
-      <p:sp>
-        <p:nvSpPr>
-          <p:cNvPr id="2" name="Slide Image Placeholder 1"/>
-          <p:cNvSpPr>
-            <a:spLocks noGrp="1" noRot="1" noChangeAspect="1"/>
-          </p:cNvSpPr>
-          <p:nvPr>
-            <p:ph type="sldImg"/>
-          </p:nvPr>
-        </p:nvSpPr>
-        <p:spPr/>
-      </p:sp>
-      <p:sp>
-        <p:nvSpPr>
-          <p:cNvPr id="3" name="Notes Placeholder 2"/>
-          <p:cNvSpPr>
-            <a:spLocks noGrp="1"/>
-          </p:cNvSpPr>
-          <p:nvPr>
-            <p:ph type="body" idx="1"/>
-          </p:nvPr>
-        </p:nvSpPr>
-        <p:spPr/>
-        <p:txBody>
-          <a:bodyPr/>
-          <a:lstStyle/>
-          <a:p>
-            <a:r>
-              <a:rPr lang="en-GB" dirty="0"/>
-              <a:t>First of all, let’s start with the </a:t>
-            </a:r>
-            <a:r>
-              <a:rPr lang="en-GB" b="1" dirty="0"/>
-              <a:t>problem</a:t>
-            </a:r>
-          </a:p>
-          <a:p>
-            <a:endParaRPr lang="en-GB" dirty="0"/>
-          </a:p>
-          <a:p>
-            <a:r>
-              <a:rPr lang="en-GB" dirty="0"/>
-              <a:t>Until now you’ve heard about:</a:t>
-            </a:r>
-          </a:p>
-          <a:p>
-            <a:pPr marL="171450" indent="-171450">
-              <a:buFontTx/>
-              <a:buChar char="-"/>
-            </a:pPr>
-            <a:r>
-              <a:rPr lang="en-GB" dirty="0"/>
-              <a:t>Design patterns and architectures</a:t>
-            </a:r>
-          </a:p>
-          <a:p>
-            <a:pPr marL="171450" indent="-171450">
-              <a:buFontTx/>
-              <a:buChar char="-"/>
-            </a:pPr>
-            <a:r>
-              <a:rPr lang="en-GB" dirty="0"/>
-              <a:t>Testing strategies</a:t>
-            </a:r>
-          </a:p>
-          <a:p>
-            <a:pPr marL="171450" indent="-171450">
-              <a:buFontTx/>
-              <a:buChar char="-"/>
-            </a:pPr>
-            <a:r>
-              <a:rPr lang="en-GB" dirty="0"/>
-              <a:t>Agile methodologies and techniques</a:t>
-            </a:r>
-          </a:p>
-          <a:p>
-            <a:pPr marL="171450" indent="-171450">
-              <a:buFontTx/>
-              <a:buChar char="-"/>
-            </a:pPr>
-            <a:endParaRPr lang="en-GB" dirty="0"/>
-          </a:p>
-          <a:p>
-            <a:pPr marL="0" indent="0">
-              <a:buFontTx/>
-              <a:buNone/>
-            </a:pPr>
-            <a:r>
-              <a:rPr lang="en-GB" dirty="0"/>
-              <a:t>But…</a:t>
-            </a:r>
-          </a:p>
-          <a:p>
-            <a:endParaRPr lang="en-GB" dirty="0"/>
-          </a:p>
-          <a:p>
-            <a:r>
-              <a:rPr lang="en-GB" dirty="0"/>
-              <a:t>What happens once requirements are identified, solutions designed, developed, and tested? </a:t>
-            </a:r>
-          </a:p>
-          <a:p>
-            <a:endParaRPr lang="en-GB" dirty="0"/>
-          </a:p>
-          <a:p>
-            <a:r>
-              <a:rPr lang="en-GB" dirty="0"/>
-              <a:t>How do we join everything, and everybody (</a:t>
-            </a:r>
-            <a:r>
-              <a:rPr lang="en-GB" dirty="0" err="1"/>
-              <a:t>devs</a:t>
-            </a:r>
-            <a:r>
-              <a:rPr lang="en-GB" dirty="0"/>
-              <a:t>, QAs, ops) to work together effectively</a:t>
-            </a:r>
-          </a:p>
-        </p:txBody>
-      </p:sp>
-      <p:sp>
-        <p:nvSpPr>
-          <p:cNvPr id="4" name="Slide Number Placeholder 3"/>
-          <p:cNvSpPr>
-            <a:spLocks noGrp="1"/>
-          </p:cNvSpPr>
-          <p:nvPr>
-            <p:ph type="sldNum" sz="quarter" idx="10"/>
-          </p:nvPr>
-        </p:nvSpPr>
-        <p:spPr/>
-        <p:txBody>
-          <a:bodyPr/>
-          <a:lstStyle/>
-          <a:p>
-            <a:fld id="{CD07EBF8-396F-4315-AE4D-1B4415FB8D2D}" type="slidenum">
-              <a:rPr lang="en-GB" smtClean="0"/>
-              <a:t>3</a:t>
-            </a:fld>
-            <a:endParaRPr lang="en-GB"/>
-          </a:p>
-        </p:txBody>
-      </p:sp>
-    </p:spTree>
-    <p:extLst>
-      <p:ext uri="{BB962C8B-B14F-4D97-AF65-F5344CB8AC3E}">
-        <p14:creationId xmlns:p14="http://schemas.microsoft.com/office/powerpoint/2010/main" val="3821268491"/>
-      </p:ext>
-    </p:extLst>
-  </p:cSld>
-  <p:clrMapOvr>
-    <a:masterClrMapping/>
-  </p:clrMapOvr>
-</p:notes>
-</file>
-
-<file path=ppt/notesSlides/notesSlide30.xml><?xml version="1.0" encoding="utf-8"?>
+<file path=ppt/notesSlides/notesSlide29.xml><?xml version="1.0" encoding="utf-8"?>
 <p:notes xmlns:a="http://schemas.openxmlformats.org/drawingml/2006/main" xmlns:r="http://schemas.openxmlformats.org/officeDocument/2006/relationships" xmlns:p="http://schemas.openxmlformats.org/presentationml/2006/main">
   <p:cSld>
     <p:spTree>
@@ -19681,7 +19458,7 @@
           <a:p>
             <a:fld id="{CD07EBF8-396F-4315-AE4D-1B4415FB8D2D}" type="slidenum">
               <a:rPr lang="en-GB" smtClean="0"/>
-              <a:t>30</a:t>
+              <a:t>29</a:t>
             </a:fld>
             <a:endParaRPr lang="en-GB"/>
           </a:p>
@@ -19691,6 +19468,315 @@
     <p:extLst>
       <p:ext uri="{BB962C8B-B14F-4D97-AF65-F5344CB8AC3E}">
         <p14:creationId xmlns:p14="http://schemas.microsoft.com/office/powerpoint/2010/main" val="3479167027"/>
+      </p:ext>
+    </p:extLst>
+  </p:cSld>
+  <p:clrMapOvr>
+    <a:masterClrMapping/>
+  </p:clrMapOvr>
+</p:notes>
+</file>
+
+<file path=ppt/notesSlides/notesSlide3.xml><?xml version="1.0" encoding="utf-8"?>
+<p:notes xmlns:a="http://schemas.openxmlformats.org/drawingml/2006/main" xmlns:r="http://schemas.openxmlformats.org/officeDocument/2006/relationships" xmlns:p="http://schemas.openxmlformats.org/presentationml/2006/main">
+  <p:cSld>
+    <p:spTree>
+      <p:nvGrpSpPr>
+        <p:cNvPr id="1" name=""/>
+        <p:cNvGrpSpPr/>
+        <p:nvPr/>
+      </p:nvGrpSpPr>
+      <p:grpSpPr>
+        <a:xfrm>
+          <a:off x="0" y="0"/>
+          <a:ext cx="0" cy="0"/>
+          <a:chOff x="0" y="0"/>
+          <a:chExt cx="0" cy="0"/>
+        </a:xfrm>
+      </p:grpSpPr>
+      <p:sp>
+        <p:nvSpPr>
+          <p:cNvPr id="2" name="Slide Image Placeholder 1"/>
+          <p:cNvSpPr>
+            <a:spLocks noGrp="1" noRot="1" noChangeAspect="1"/>
+          </p:cNvSpPr>
+          <p:nvPr>
+            <p:ph type="sldImg"/>
+          </p:nvPr>
+        </p:nvSpPr>
+        <p:spPr/>
+      </p:sp>
+      <p:sp>
+        <p:nvSpPr>
+          <p:cNvPr id="3" name="Notes Placeholder 2"/>
+          <p:cNvSpPr>
+            <a:spLocks noGrp="1"/>
+          </p:cNvSpPr>
+          <p:nvPr>
+            <p:ph type="body" idx="1"/>
+          </p:nvPr>
+        </p:nvSpPr>
+        <p:spPr/>
+        <p:txBody>
+          <a:bodyPr/>
+          <a:lstStyle/>
+          <a:p>
+            <a:r>
+              <a:rPr lang="en-GB" dirty="0"/>
+              <a:t>First of all, let’s start with the </a:t>
+            </a:r>
+            <a:r>
+              <a:rPr lang="en-GB" b="1" dirty="0"/>
+              <a:t>problem</a:t>
+            </a:r>
+          </a:p>
+          <a:p>
+            <a:endParaRPr lang="en-GB" dirty="0"/>
+          </a:p>
+          <a:p>
+            <a:r>
+              <a:rPr lang="en-GB" dirty="0"/>
+              <a:t>Until now you’ve heard about:</a:t>
+            </a:r>
+          </a:p>
+          <a:p>
+            <a:pPr marL="171450" indent="-171450">
+              <a:buFontTx/>
+              <a:buChar char="-"/>
+            </a:pPr>
+            <a:r>
+              <a:rPr lang="en-GB" dirty="0"/>
+              <a:t>Design patterns and architectures</a:t>
+            </a:r>
+          </a:p>
+          <a:p>
+            <a:pPr marL="171450" indent="-171450">
+              <a:buFontTx/>
+              <a:buChar char="-"/>
+            </a:pPr>
+            <a:r>
+              <a:rPr lang="en-GB" dirty="0"/>
+              <a:t>Testing strategies</a:t>
+            </a:r>
+          </a:p>
+          <a:p>
+            <a:pPr marL="171450" indent="-171450">
+              <a:buFontTx/>
+              <a:buChar char="-"/>
+            </a:pPr>
+            <a:r>
+              <a:rPr lang="en-GB" dirty="0"/>
+              <a:t>Agile methodologies and techniques</a:t>
+            </a:r>
+          </a:p>
+          <a:p>
+            <a:pPr marL="171450" indent="-171450">
+              <a:buFontTx/>
+              <a:buChar char="-"/>
+            </a:pPr>
+            <a:endParaRPr lang="en-GB" dirty="0"/>
+          </a:p>
+          <a:p>
+            <a:pPr marL="0" indent="0">
+              <a:buFontTx/>
+              <a:buNone/>
+            </a:pPr>
+            <a:r>
+              <a:rPr lang="en-GB" dirty="0"/>
+              <a:t>But…</a:t>
+            </a:r>
+          </a:p>
+          <a:p>
+            <a:endParaRPr lang="en-GB" dirty="0"/>
+          </a:p>
+          <a:p>
+            <a:r>
+              <a:rPr lang="en-GB" dirty="0"/>
+              <a:t>What happens once requirements are identified, solutions designed, developed, and tested? </a:t>
+            </a:r>
+          </a:p>
+          <a:p>
+            <a:endParaRPr lang="en-GB" dirty="0"/>
+          </a:p>
+          <a:p>
+            <a:r>
+              <a:rPr lang="en-GB" dirty="0"/>
+              <a:t>How do we join everything, and everybody (</a:t>
+            </a:r>
+            <a:r>
+              <a:rPr lang="en-GB" dirty="0" err="1"/>
+              <a:t>devs</a:t>
+            </a:r>
+            <a:r>
+              <a:rPr lang="en-GB" dirty="0"/>
+              <a:t>, QAs, ops) to work together effectively</a:t>
+            </a:r>
+          </a:p>
+        </p:txBody>
+      </p:sp>
+      <p:sp>
+        <p:nvSpPr>
+          <p:cNvPr id="4" name="Slide Number Placeholder 3"/>
+          <p:cNvSpPr>
+            <a:spLocks noGrp="1"/>
+          </p:cNvSpPr>
+          <p:nvPr>
+            <p:ph type="sldNum" sz="quarter" idx="10"/>
+          </p:nvPr>
+        </p:nvSpPr>
+        <p:spPr/>
+        <p:txBody>
+          <a:bodyPr/>
+          <a:lstStyle/>
+          <a:p>
+            <a:fld id="{CD07EBF8-396F-4315-AE4D-1B4415FB8D2D}" type="slidenum">
+              <a:rPr lang="en-GB" smtClean="0"/>
+              <a:t>3</a:t>
+            </a:fld>
+            <a:endParaRPr lang="en-GB"/>
+          </a:p>
+        </p:txBody>
+      </p:sp>
+    </p:spTree>
+    <p:extLst>
+      <p:ext uri="{BB962C8B-B14F-4D97-AF65-F5344CB8AC3E}">
+        <p14:creationId xmlns:p14="http://schemas.microsoft.com/office/powerpoint/2010/main" val="3821268491"/>
+      </p:ext>
+    </p:extLst>
+  </p:cSld>
+  <p:clrMapOvr>
+    <a:masterClrMapping/>
+  </p:clrMapOvr>
+</p:notes>
+</file>
+
+<file path=ppt/notesSlides/notesSlide30.xml><?xml version="1.0" encoding="utf-8"?>
+<p:notes xmlns:a="http://schemas.openxmlformats.org/drawingml/2006/main" xmlns:r="http://schemas.openxmlformats.org/officeDocument/2006/relationships" xmlns:p="http://schemas.openxmlformats.org/presentationml/2006/main">
+  <p:cSld>
+    <p:spTree>
+      <p:nvGrpSpPr>
+        <p:cNvPr id="1" name=""/>
+        <p:cNvGrpSpPr/>
+        <p:nvPr/>
+      </p:nvGrpSpPr>
+      <p:grpSpPr>
+        <a:xfrm>
+          <a:off x="0" y="0"/>
+          <a:ext cx="0" cy="0"/>
+          <a:chOff x="0" y="0"/>
+          <a:chExt cx="0" cy="0"/>
+        </a:xfrm>
+      </p:grpSpPr>
+      <p:sp>
+        <p:nvSpPr>
+          <p:cNvPr id="2" name="Slide Image Placeholder 1"/>
+          <p:cNvSpPr>
+            <a:spLocks noGrp="1" noRot="1" noChangeAspect="1"/>
+          </p:cNvSpPr>
+          <p:nvPr>
+            <p:ph type="sldImg"/>
+          </p:nvPr>
+        </p:nvSpPr>
+        <p:spPr/>
+      </p:sp>
+      <p:sp>
+        <p:nvSpPr>
+          <p:cNvPr id="3" name="Notes Placeholder 2"/>
+          <p:cNvSpPr>
+            <a:spLocks noGrp="1"/>
+          </p:cNvSpPr>
+          <p:nvPr>
+            <p:ph type="body" idx="1"/>
+          </p:nvPr>
+        </p:nvSpPr>
+        <p:spPr/>
+        <p:txBody>
+          <a:bodyPr/>
+          <a:lstStyle/>
+          <a:p>
+            <a:r>
+              <a:rPr lang="en-GB" dirty="0"/>
+              <a:t>Let’s imagine that the Unit Tests pass, but the Integration Tests fail, because there’s something wrong with the way we communicate with the DB in the code</a:t>
+            </a:r>
+          </a:p>
+          <a:p>
+            <a:endParaRPr lang="en-GB" dirty="0"/>
+          </a:p>
+          <a:p>
+            <a:r>
+              <a:rPr lang="en-GB" dirty="0"/>
+              <a:t>The Acceptance Tests won’t even execute, there’s no point in doing it</a:t>
+            </a:r>
+          </a:p>
+          <a:p>
+            <a:endParaRPr lang="en-GB" dirty="0"/>
+          </a:p>
+          <a:p>
+            <a:r>
+              <a:rPr lang="en-GB" dirty="0"/>
+              <a:t>At this point all the team is notified that the build is </a:t>
+            </a:r>
+            <a:r>
+              <a:rPr lang="en-GB" b="1" dirty="0"/>
+              <a:t>“broken”</a:t>
+            </a:r>
+            <a:r>
+              <a:rPr lang="en-GB" b="0" dirty="0"/>
+              <a:t>, and what they need to do </a:t>
+            </a:r>
+            <a:r>
+              <a:rPr lang="en-GB" b="1" dirty="0"/>
+              <a:t>asap</a:t>
+            </a:r>
+            <a:r>
+              <a:rPr lang="en-GB" b="0" dirty="0"/>
+              <a:t> is to </a:t>
+            </a:r>
+            <a:r>
+              <a:rPr lang="en-GB" b="1" dirty="0"/>
+              <a:t>fix it</a:t>
+            </a:r>
+            <a:r>
+              <a:rPr lang="en-GB" b="0" dirty="0"/>
+              <a:t>. </a:t>
+            </a:r>
+          </a:p>
+          <a:p>
+            <a:r>
+              <a:rPr lang="en-GB" b="0" dirty="0"/>
+              <a:t>IMPORTANT: You don’t commit anything on a broken build (it only makes the problem harder to fix)</a:t>
+            </a:r>
+            <a:endParaRPr lang="en-GB" b="1" dirty="0"/>
+          </a:p>
+        </p:txBody>
+      </p:sp>
+      <p:sp>
+        <p:nvSpPr>
+          <p:cNvPr id="4" name="Slide Number Placeholder 3"/>
+          <p:cNvSpPr>
+            <a:spLocks noGrp="1"/>
+          </p:cNvSpPr>
+          <p:nvPr>
+            <p:ph type="sldNum" sz="quarter" idx="10"/>
+          </p:nvPr>
+        </p:nvSpPr>
+        <p:spPr/>
+        <p:txBody>
+          <a:bodyPr/>
+          <a:lstStyle/>
+          <a:p>
+            <a:fld id="{CD07EBF8-396F-4315-AE4D-1B4415FB8D2D}" type="slidenum">
+              <a:rPr lang="en-GB" smtClean="0"/>
+              <a:t>30</a:t>
+            </a:fld>
+            <a:endParaRPr lang="en-GB"/>
+          </a:p>
+        </p:txBody>
+      </p:sp>
+    </p:spTree>
+    <p:extLst>
+      <p:ext uri="{BB962C8B-B14F-4D97-AF65-F5344CB8AC3E}">
+        <p14:creationId xmlns:p14="http://schemas.microsoft.com/office/powerpoint/2010/main" val="2968933578"/>
       </p:ext>
     </p:extLst>
   </p:cSld>
@@ -19744,59 +19830,120 @@
           <a:bodyPr/>
           <a:lstStyle/>
           <a:p>
+            <a:pPr marL="228600" indent="-228600">
+              <a:buFont typeface="+mj-lt"/>
+              <a:buAutoNum type="arabicPeriod"/>
+            </a:pPr>
             <a:r>
-              <a:rPr lang="en-GB" dirty="0"/>
-              <a:t>Let’s imagine that the Unit Tests pass, but the Integration Tests fail, because there’s something wrong with the way we communicate with the DB in the code</a:t>
+              <a:rPr lang="en-GB" sz="1200" b="0" i="0" kern="1200" dirty="0">
+                <a:solidFill>
+                  <a:schemeClr val="tx1"/>
+                </a:solidFill>
+                <a:effectLst/>
+                <a:latin typeface="+mn-lt"/>
+                <a:ea typeface="+mn-ea"/>
+                <a:cs typeface="+mn-cs"/>
+              </a:rPr>
+              <a:t>We fix the problem in the code</a:t>
             </a:r>
           </a:p>
           <a:p>
+            <a:pPr marL="228600" indent="-228600">
+              <a:buFont typeface="+mj-lt"/>
+              <a:buAutoNum type="arabicPeriod"/>
+            </a:pPr>
+            <a:r>
+              <a:rPr lang="en-GB" sz="1200" b="0" i="0" kern="1200" dirty="0">
+                <a:solidFill>
+                  <a:schemeClr val="tx1"/>
+                </a:solidFill>
+                <a:effectLst/>
+                <a:latin typeface="+mn-lt"/>
+                <a:ea typeface="+mn-ea"/>
+                <a:cs typeface="+mn-cs"/>
+              </a:rPr>
+              <a:t>Make the tests pass locally and commit them</a:t>
+            </a:r>
+          </a:p>
+          <a:p>
+            <a:pPr marL="228600" indent="-228600">
+              <a:buFont typeface="+mj-lt"/>
+              <a:buAutoNum type="arabicPeriod"/>
+            </a:pPr>
+            <a:r>
+              <a:rPr lang="en-GB" sz="1200" b="0" i="0" kern="1200" dirty="0">
+                <a:solidFill>
+                  <a:schemeClr val="tx1"/>
+                </a:solidFill>
+                <a:effectLst/>
+                <a:latin typeface="+mn-lt"/>
+                <a:ea typeface="+mn-ea"/>
+                <a:cs typeface="+mn-cs"/>
+              </a:rPr>
+              <a:t>Push the code the git remote</a:t>
+            </a:r>
+          </a:p>
+          <a:p>
+            <a:pPr marL="228600" indent="-228600">
+              <a:buFont typeface="+mj-lt"/>
+              <a:buAutoNum type="arabicPeriod"/>
+            </a:pPr>
+            <a:r>
+              <a:rPr lang="en-GB" sz="1200" b="0" i="0" kern="1200" dirty="0">
+                <a:solidFill>
+                  <a:schemeClr val="tx1"/>
+                </a:solidFill>
+                <a:effectLst/>
+                <a:latin typeface="+mn-lt"/>
+                <a:ea typeface="+mn-ea"/>
+                <a:cs typeface="+mn-cs"/>
+              </a:rPr>
+              <a:t>A new version is created: #1.0.2</a:t>
+            </a:r>
+          </a:p>
+          <a:p>
+            <a:pPr marL="228600" indent="-228600">
+              <a:buFont typeface="+mj-lt"/>
+              <a:buAutoNum type="arabicPeriod"/>
+            </a:pPr>
+            <a:r>
+              <a:rPr lang="en-GB" sz="1200" b="0" i="0" kern="1200" dirty="0">
+                <a:solidFill>
+                  <a:schemeClr val="tx1"/>
+                </a:solidFill>
+                <a:effectLst/>
+                <a:latin typeface="+mn-lt"/>
+                <a:ea typeface="+mn-ea"/>
+                <a:cs typeface="+mn-cs"/>
+              </a:rPr>
+              <a:t>The tests pass on the build now, and the CI server confirm everybody that there’s a new version ready to deploy</a:t>
+            </a:r>
+          </a:p>
+          <a:p>
+            <a:endParaRPr lang="en-GB" sz="1200" b="0" i="0" kern="1200" dirty="0">
+              <a:solidFill>
+                <a:schemeClr val="tx1"/>
+              </a:solidFill>
+              <a:effectLst/>
+              <a:latin typeface="+mn-lt"/>
+              <a:ea typeface="+mn-ea"/>
+              <a:cs typeface="+mn-cs"/>
+            </a:endParaRPr>
+          </a:p>
+          <a:p>
+            <a:r>
+              <a:rPr lang="en-GB" sz="1200" b="0" i="0" kern="1200" dirty="0">
+                <a:solidFill>
+                  <a:schemeClr val="tx1"/>
+                </a:solidFill>
+                <a:effectLst/>
+                <a:latin typeface="+mn-lt"/>
+                <a:ea typeface="+mn-ea"/>
+                <a:cs typeface="+mn-cs"/>
+              </a:rPr>
+              <a:t>And that’s is essentially what we mean by “continuous integration”</a:t>
+            </a:r>
             <a:endParaRPr lang="en-GB" dirty="0"/>
-          </a:p>
-          <a:p>
-            <a:r>
-              <a:rPr lang="en-GB" dirty="0"/>
-              <a:t>The Acceptance Tests won’t even execute, there’s no point in doing it</a:t>
-            </a:r>
-          </a:p>
-          <a:p>
-            <a:endParaRPr lang="en-GB" dirty="0"/>
-          </a:p>
-          <a:p>
-            <a:r>
-              <a:rPr lang="en-GB" dirty="0"/>
-              <a:t>At this point all the team is notified that the build is </a:t>
-            </a:r>
-            <a:r>
-              <a:rPr lang="en-GB" b="1" dirty="0"/>
-              <a:t>“broken”</a:t>
-            </a:r>
-            <a:r>
-              <a:rPr lang="en-GB" b="0" dirty="0"/>
-              <a:t>, and what they need to do </a:t>
-            </a:r>
-            <a:r>
-              <a:rPr lang="en-GB" b="1" dirty="0"/>
-              <a:t>asap</a:t>
-            </a:r>
-            <a:r>
-              <a:rPr lang="en-GB" b="0" dirty="0"/>
-              <a:t> is </a:t>
-            </a:r>
-            <a:r>
-              <a:rPr lang="en-GB" b="1" dirty="0"/>
-              <a:t>fix it</a:t>
-            </a:r>
-            <a:r>
-              <a:rPr lang="en-GB" b="0" dirty="0"/>
-              <a:t>. </a:t>
-            </a:r>
-          </a:p>
-          <a:p>
-            <a:r>
-              <a:rPr lang="en-GB" b="0" dirty="0"/>
-              <a:t>IMPORTANT: You don’t commit anything on a broken build (it only makes the problem harder to fix)</a:t>
-            </a:r>
-            <a:endParaRPr lang="en-GB" b="1" dirty="0"/>
           </a:p>
         </p:txBody>
       </p:sp>
@@ -19826,7 +19973,7 @@
     </p:spTree>
     <p:extLst>
       <p:ext uri="{BB962C8B-B14F-4D97-AF65-F5344CB8AC3E}">
-        <p14:creationId xmlns:p14="http://schemas.microsoft.com/office/powerpoint/2010/main" val="2968933578"/>
+        <p14:creationId xmlns:p14="http://schemas.microsoft.com/office/powerpoint/2010/main" val="1363734913"/>
       </p:ext>
     </p:extLst>
   </p:cSld>
@@ -19880,203 +20027,6 @@
           <a:bodyPr/>
           <a:lstStyle/>
           <a:p>
-            <a:pPr marL="228600" indent="-228600">
-              <a:buFont typeface="+mj-lt"/>
-              <a:buAutoNum type="arabicPeriod"/>
-            </a:pPr>
-            <a:r>
-              <a:rPr lang="en-GB" sz="1200" b="0" i="0" kern="1200" dirty="0">
-                <a:solidFill>
-                  <a:schemeClr val="tx1"/>
-                </a:solidFill>
-                <a:effectLst/>
-                <a:latin typeface="+mn-lt"/>
-                <a:ea typeface="+mn-ea"/>
-                <a:cs typeface="+mn-cs"/>
-              </a:rPr>
-              <a:t>We fix the problem in the code</a:t>
-            </a:r>
-          </a:p>
-          <a:p>
-            <a:pPr marL="228600" indent="-228600">
-              <a:buFont typeface="+mj-lt"/>
-              <a:buAutoNum type="arabicPeriod"/>
-            </a:pPr>
-            <a:r>
-              <a:rPr lang="en-GB" sz="1200" b="0" i="0" kern="1200" dirty="0">
-                <a:solidFill>
-                  <a:schemeClr val="tx1"/>
-                </a:solidFill>
-                <a:effectLst/>
-                <a:latin typeface="+mn-lt"/>
-                <a:ea typeface="+mn-ea"/>
-                <a:cs typeface="+mn-cs"/>
-              </a:rPr>
-              <a:t>Make the tests pass locally and commit them</a:t>
-            </a:r>
-          </a:p>
-          <a:p>
-            <a:pPr marL="228600" indent="-228600">
-              <a:buFont typeface="+mj-lt"/>
-              <a:buAutoNum type="arabicPeriod"/>
-            </a:pPr>
-            <a:r>
-              <a:rPr lang="en-GB" sz="1200" b="0" i="0" kern="1200" dirty="0">
-                <a:solidFill>
-                  <a:schemeClr val="tx1"/>
-                </a:solidFill>
-                <a:effectLst/>
-                <a:latin typeface="+mn-lt"/>
-                <a:ea typeface="+mn-ea"/>
-                <a:cs typeface="+mn-cs"/>
-              </a:rPr>
-              <a:t>Push the code the git remote</a:t>
-            </a:r>
-          </a:p>
-          <a:p>
-            <a:pPr marL="228600" indent="-228600">
-              <a:buFont typeface="+mj-lt"/>
-              <a:buAutoNum type="arabicPeriod"/>
-            </a:pPr>
-            <a:r>
-              <a:rPr lang="en-GB" sz="1200" b="0" i="0" kern="1200" dirty="0">
-                <a:solidFill>
-                  <a:schemeClr val="tx1"/>
-                </a:solidFill>
-                <a:effectLst/>
-                <a:latin typeface="+mn-lt"/>
-                <a:ea typeface="+mn-ea"/>
-                <a:cs typeface="+mn-cs"/>
-              </a:rPr>
-              <a:t>A new version is created: #1.0.2</a:t>
-            </a:r>
-          </a:p>
-          <a:p>
-            <a:pPr marL="228600" indent="-228600">
-              <a:buFont typeface="+mj-lt"/>
-              <a:buAutoNum type="arabicPeriod"/>
-            </a:pPr>
-            <a:r>
-              <a:rPr lang="en-GB" sz="1200" b="0" i="0" kern="1200" dirty="0">
-                <a:solidFill>
-                  <a:schemeClr val="tx1"/>
-                </a:solidFill>
-                <a:effectLst/>
-                <a:latin typeface="+mn-lt"/>
-                <a:ea typeface="+mn-ea"/>
-                <a:cs typeface="+mn-cs"/>
-              </a:rPr>
-              <a:t>The tests pass on the build now, and the CI server confirm everybody that there’s a new version ready to deploy</a:t>
-            </a:r>
-          </a:p>
-          <a:p>
-            <a:endParaRPr lang="en-GB" sz="1200" b="0" i="0" kern="1200" dirty="0">
-              <a:solidFill>
-                <a:schemeClr val="tx1"/>
-              </a:solidFill>
-              <a:effectLst/>
-              <a:latin typeface="+mn-lt"/>
-              <a:ea typeface="+mn-ea"/>
-              <a:cs typeface="+mn-cs"/>
-            </a:endParaRPr>
-          </a:p>
-          <a:p>
-            <a:r>
-              <a:rPr lang="en-GB" sz="1200" b="0" i="0" kern="1200" dirty="0">
-                <a:solidFill>
-                  <a:schemeClr val="tx1"/>
-                </a:solidFill>
-                <a:effectLst/>
-                <a:latin typeface="+mn-lt"/>
-                <a:ea typeface="+mn-ea"/>
-                <a:cs typeface="+mn-cs"/>
-              </a:rPr>
-              <a:t>And that’s is essentially what we mean by “continuous integration”</a:t>
-            </a:r>
-            <a:endParaRPr lang="en-GB" dirty="0"/>
-          </a:p>
-        </p:txBody>
-      </p:sp>
-      <p:sp>
-        <p:nvSpPr>
-          <p:cNvPr id="4" name="Slide Number Placeholder 3"/>
-          <p:cNvSpPr>
-            <a:spLocks noGrp="1"/>
-          </p:cNvSpPr>
-          <p:nvPr>
-            <p:ph type="sldNum" sz="quarter" idx="10"/>
-          </p:nvPr>
-        </p:nvSpPr>
-        <p:spPr/>
-        <p:txBody>
-          <a:bodyPr/>
-          <a:lstStyle/>
-          <a:p>
-            <a:fld id="{CD07EBF8-396F-4315-AE4D-1B4415FB8D2D}" type="slidenum">
-              <a:rPr lang="en-GB" smtClean="0"/>
-              <a:t>32</a:t>
-            </a:fld>
-            <a:endParaRPr lang="en-GB"/>
-          </a:p>
-        </p:txBody>
-      </p:sp>
-    </p:spTree>
-    <p:extLst>
-      <p:ext uri="{BB962C8B-B14F-4D97-AF65-F5344CB8AC3E}">
-        <p14:creationId xmlns:p14="http://schemas.microsoft.com/office/powerpoint/2010/main" val="1363734913"/>
-      </p:ext>
-    </p:extLst>
-  </p:cSld>
-  <p:clrMapOvr>
-    <a:masterClrMapping/>
-  </p:clrMapOvr>
-</p:notes>
-</file>
-
-<file path=ppt/notesSlides/notesSlide33.xml><?xml version="1.0" encoding="utf-8"?>
-<p:notes xmlns:a="http://schemas.openxmlformats.org/drawingml/2006/main" xmlns:r="http://schemas.openxmlformats.org/officeDocument/2006/relationships" xmlns:p="http://schemas.openxmlformats.org/presentationml/2006/main">
-  <p:cSld>
-    <p:spTree>
-      <p:nvGrpSpPr>
-        <p:cNvPr id="1" name=""/>
-        <p:cNvGrpSpPr/>
-        <p:nvPr/>
-      </p:nvGrpSpPr>
-      <p:grpSpPr>
-        <a:xfrm>
-          <a:off x="0" y="0"/>
-          <a:ext cx="0" cy="0"/>
-          <a:chOff x="0" y="0"/>
-          <a:chExt cx="0" cy="0"/>
-        </a:xfrm>
-      </p:grpSpPr>
-      <p:sp>
-        <p:nvSpPr>
-          <p:cNvPr id="2" name="Slide Image Placeholder 1"/>
-          <p:cNvSpPr>
-            <a:spLocks noGrp="1" noRot="1" noChangeAspect="1"/>
-          </p:cNvSpPr>
-          <p:nvPr>
-            <p:ph type="sldImg"/>
-          </p:nvPr>
-        </p:nvSpPr>
-        <p:spPr/>
-      </p:sp>
-      <p:sp>
-        <p:nvSpPr>
-          <p:cNvPr id="3" name="Notes Placeholder 2"/>
-          <p:cNvSpPr>
-            <a:spLocks noGrp="1"/>
-          </p:cNvSpPr>
-          <p:nvPr>
-            <p:ph type="body" idx="1"/>
-          </p:nvPr>
-        </p:nvSpPr>
-        <p:spPr/>
-        <p:txBody>
-          <a:bodyPr/>
-          <a:lstStyle/>
-          <a:p>
             <a:r>
               <a:rPr lang="en-GB" dirty="0"/>
               <a:t>The next essential practices that you need to do to accomplish the goal of continuous delivery are:</a:t>
@@ -20139,7 +20089,31 @@
                 <a:ea typeface="+mn-ea"/>
                 <a:cs typeface="+mn-cs"/>
               </a:rPr>
-              <a:t>It’s the whole automated process for getting software </a:t>
+              <a:t>It’s the whole </a:t>
+            </a:r>
+            <a:r>
+              <a:rPr lang="en-GB" sz="1200" b="1" i="0" kern="1200" dirty="0">
+                <a:solidFill>
+                  <a:schemeClr val="tx1"/>
+                </a:solidFill>
+                <a:effectLst/>
+                <a:latin typeface="+mn-lt"/>
+                <a:ea typeface="+mn-ea"/>
+                <a:cs typeface="+mn-cs"/>
+              </a:rPr>
+              <a:t>automated</a:t>
+            </a:r>
+            <a:r>
+              <a:rPr lang="en-GB" sz="1200" b="0" i="0" kern="1200" dirty="0">
+                <a:solidFill>
+                  <a:schemeClr val="tx1"/>
+                </a:solidFill>
+                <a:effectLst/>
+                <a:latin typeface="+mn-lt"/>
+                <a:ea typeface="+mn-ea"/>
+                <a:cs typeface="+mn-cs"/>
+              </a:rPr>
+              <a:t> process for getting software </a:t>
             </a:r>
             <a:r>
               <a:rPr lang="en-GB" sz="1200" b="1" i="0" kern="1200" dirty="0">
@@ -20416,7 +20390,7 @@
           <a:p>
             <a:fld id="{CD07EBF8-396F-4315-AE4D-1B4415FB8D2D}" type="slidenum">
               <a:rPr lang="en-GB" smtClean="0"/>
-              <a:t>33</a:t>
+              <a:t>32</a:t>
             </a:fld>
             <a:endParaRPr lang="en-GB"/>
           </a:p>
@@ -20435,7 +20409,7 @@
 </p:notes>
 </file>
 
-<file path=ppt/notesSlides/notesSlide34.xml><?xml version="1.0" encoding="utf-8"?>
+<file path=ppt/notesSlides/notesSlide33.xml><?xml version="1.0" encoding="utf-8"?>
 <p:notes xmlns:a="http://schemas.openxmlformats.org/drawingml/2006/main" xmlns:r="http://schemas.openxmlformats.org/officeDocument/2006/relationships" xmlns:p="http://schemas.openxmlformats.org/presentationml/2006/main">
   <p:cSld>
     <p:spTree>
@@ -20500,7 +20474,7 @@
           <a:p>
             <a:fld id="{CD07EBF8-396F-4315-AE4D-1B4415FB8D2D}" type="slidenum">
               <a:rPr lang="en-GB" smtClean="0"/>
-              <a:t>34</a:t>
+              <a:t>33</a:t>
             </a:fld>
             <a:endParaRPr lang="en-GB"/>
           </a:p>
@@ -42753,340 +42727,6 @@
       </p:grpSpPr>
       <p:sp>
         <p:nvSpPr>
-          <p:cNvPr id="25" name="Rectangle 12"/>
-          <p:cNvSpPr>
-            <a:spLocks noGrp="1" noRot="1" noChangeAspect="1" noMove="1" noResize="1" noEditPoints="1" noAdjustHandles="1" noChangeArrowheads="1" noChangeShapeType="1" noTextEdit="1"/>
-          </p:cNvSpPr>
-          <p:nvPr>
-            <p:extLst>
-              <p:ext uri="{386F3935-93C4-4BCD-93E2-E3B085C9AB24}">
-                <p16:designElem xmlns:p16="http://schemas.microsoft.com/office/powerpoint/2015/main" val="1"/>
-              </p:ext>
-            </p:extLst>
-          </p:nvPr>
-        </p:nvSpPr>
-        <p:spPr bwMode="white">
-          <a:xfrm>
-            <a:off x="0" y="0"/>
-            <a:ext cx="12192000" cy="6858000"/>
-          </a:xfrm>
-          <a:prstGeom prst="rect">
-            <a:avLst/>
-          </a:prstGeom>
-          <a:solidFill>
-            <a:schemeClr val="bg1"/>
-          </a:solidFill>
-          <a:ln>
-            <a:noFill/>
-          </a:ln>
-          <a:effectLst/>
-        </p:spPr>
-      </p:sp>
-      <p:sp>
-        <p:nvSpPr>
-          <p:cNvPr id="26" name="Rectangle 14"/>
-          <p:cNvSpPr>
-            <a:spLocks noGrp="1" noRot="1" noChangeAspect="1" noMove="1" noResize="1" noEditPoints="1" noAdjustHandles="1" noChangeArrowheads="1" noChangeShapeType="1" noTextEdit="1"/>
-          </p:cNvSpPr>
-          <p:nvPr>
-            <p:extLst>
-              <p:ext uri="{386F3935-93C4-4BCD-93E2-E3B085C9AB24}">
-                <p16:designElem xmlns:p16="http://schemas.microsoft.com/office/powerpoint/2015/main" val="1"/>
-              </p:ext>
-            </p:extLst>
-          </p:nvPr>
-        </p:nvSpPr>
-        <p:spPr>
-          <a:xfrm>
-            <a:off x="1" y="758952"/>
-            <a:ext cx="3443590" cy="5330952"/>
-          </a:xfrm>
-          <a:prstGeom prst="rect">
-            <a:avLst/>
-          </a:prstGeom>
-          <a:solidFill>
-            <a:schemeClr val="accent1"/>
-          </a:solidFill>
-          <a:ln>
-            <a:noFill/>
-          </a:ln>
-        </p:spPr>
-        <p:style>
-          <a:lnRef idx="2">
-            <a:schemeClr val="accent1">
-              <a:shade val="50000"/>
-            </a:schemeClr>
-          </a:lnRef>
-          <a:fillRef idx="1">
-            <a:schemeClr val="accent1"/>
-          </a:fillRef>
-          <a:effectRef idx="0">
-            <a:schemeClr val="accent1"/>
-          </a:effectRef>
-          <a:fontRef idx="minor">
-            <a:schemeClr val="lt1"/>
-          </a:fontRef>
-        </p:style>
-      </p:sp>
-      <p:sp>
-        <p:nvSpPr>
-          <p:cNvPr id="27" name="Rectangle 16"/>
-          <p:cNvSpPr>
-            <a:spLocks noGrp="1" noRot="1" noChangeAspect="1" noMove="1" noResize="1" noEditPoints="1" noAdjustHandles="1" noChangeArrowheads="1" noChangeShapeType="1" noTextEdit="1"/>
-          </p:cNvSpPr>
-          <p:nvPr>
-            <p:extLst>
-              <p:ext uri="{386F3935-93C4-4BCD-93E2-E3B085C9AB24}">
-                <p16:designElem xmlns:p16="http://schemas.microsoft.com/office/powerpoint/2015/main" val="1"/>
-              </p:ext>
-            </p:extLst>
-          </p:nvPr>
-        </p:nvSpPr>
-        <p:spPr>
-          <a:xfrm>
-            <a:off x="11815864" y="758952"/>
-            <a:ext cx="384048" cy="5330952"/>
-          </a:xfrm>
-          <a:prstGeom prst="rect">
-            <a:avLst/>
-          </a:prstGeom>
-          <a:solidFill>
-            <a:srgbClr val="C8C8C8">
-              <a:alpha val="49804"/>
-            </a:srgbClr>
-          </a:solidFill>
-          <a:ln>
-            <a:noFill/>
-          </a:ln>
-        </p:spPr>
-        <p:style>
-          <a:lnRef idx="2">
-            <a:schemeClr val="accent1">
-              <a:shade val="50000"/>
-            </a:schemeClr>
-          </a:lnRef>
-          <a:fillRef idx="1">
-            <a:schemeClr val="accent1"/>
-          </a:fillRef>
-          <a:effectRef idx="0">
-            <a:schemeClr val="accent1"/>
-          </a:effectRef>
-          <a:fontRef idx="minor">
-            <a:schemeClr val="lt1"/>
-          </a:fontRef>
-        </p:style>
-      </p:sp>
-      <p:pic>
-        <p:nvPicPr>
-          <p:cNvPr id="8" name="Picture 2" descr="http://izquotes.com/quotes-pictures/quote-you-can-t-just-ask-customers-what-they-want-and-then-try-to-give-that-to-them-by-the-time-you-get-steve-jobs-94899.jpg">
-            <a:extLst>
-              <a:ext uri="{FF2B5EF4-FFF2-40B4-BE49-F238E27FC236}">
-                <a16:creationId xmlns:a16="http://schemas.microsoft.com/office/drawing/2014/main" id="{8E1309F5-23CC-4371-B5E7-94B052F7FE21}"/>
-              </a:ext>
-            </a:extLst>
-          </p:cNvPr>
-          <p:cNvPicPr>
-            <a:picLocks noChangeAspect="1" noChangeArrowheads="1"/>
-          </p:cNvPicPr>
-          <p:nvPr/>
-        </p:nvPicPr>
-        <p:blipFill>
-          <a:blip r:embed="rId3" cstate="print">
-            <a:extLst>
-              <a:ext uri="{28A0092B-C50C-407E-A947-70E740481C1C}">
-                <a14:useLocalDpi xmlns:a14="http://schemas.microsoft.com/office/drawing/2010/main" val="0"/>
-              </a:ext>
-            </a:extLst>
-          </a:blip>
-          <a:srcRect/>
-          <a:stretch>
-            <a:fillRect/>
-          </a:stretch>
-        </p:blipFill>
-        <p:spPr bwMode="auto">
-          <a:xfrm>
-            <a:off x="7238967" y="1371600"/>
-            <a:ext cx="4196585" cy="1972395"/>
-          </a:xfrm>
-          <a:prstGeom prst="rect">
-            <a:avLst/>
-          </a:prstGeom>
-          <a:noFill/>
-          <a:extLst>
-            <a:ext uri="{909E8E84-426E-40DD-AFC4-6F175D3DCCD1}">
-              <a14:hiddenFill xmlns:a14="http://schemas.microsoft.com/office/drawing/2010/main">
-                <a:solidFill>
-                  <a:srgbClr val="FFFFFF"/>
-                </a:solidFill>
-              </a14:hiddenFill>
-            </a:ext>
-          </a:extLst>
-        </p:spPr>
-      </p:pic>
-      <p:pic>
-        <p:nvPicPr>
-          <p:cNvPr id="6" name="Picture 2" descr="http://grassrootspearland.org/wp-content/uploads/2015/08/Henry-Ford-Faster-Horse-600x282.jpeg"/>
-          <p:cNvPicPr>
-            <a:picLocks noChangeAspect="1" noChangeArrowheads="1"/>
-          </p:cNvPicPr>
-          <p:nvPr/>
-        </p:nvPicPr>
-        <p:blipFill>
-          <a:blip r:embed="rId4">
-            <a:extLst>
-              <a:ext uri="{28A0092B-C50C-407E-A947-70E740481C1C}">
-                <a14:useLocalDpi xmlns:a14="http://schemas.microsoft.com/office/drawing/2010/main" val="0"/>
-              </a:ext>
-            </a:extLst>
-          </a:blip>
-          <a:srcRect/>
-          <a:stretch>
-            <a:fillRect/>
-          </a:stretch>
-        </p:blipFill>
-        <p:spPr bwMode="auto">
-          <a:xfrm>
-            <a:off x="7238247" y="3504142"/>
-            <a:ext cx="4197305" cy="1972733"/>
-          </a:xfrm>
-          <a:prstGeom prst="rect">
-            <a:avLst/>
-          </a:prstGeom>
-          <a:noFill/>
-          <a:extLst>
-            <a:ext uri="{909E8E84-426E-40DD-AFC4-6F175D3DCCD1}">
-              <a14:hiddenFill xmlns:a14="http://schemas.microsoft.com/office/drawing/2010/main">
-                <a:solidFill>
-                  <a:srgbClr val="FFFFFF"/>
-                </a:solidFill>
-              </a14:hiddenFill>
-            </a:ext>
-          </a:extLst>
-        </p:spPr>
-      </p:pic>
-      <p:sp>
-        <p:nvSpPr>
-          <p:cNvPr id="2" name="Title 1"/>
-          <p:cNvSpPr>
-            <a:spLocks noGrp="1"/>
-          </p:cNvSpPr>
-          <p:nvPr>
-            <p:ph type="title" idx="4294967295"/>
-          </p:nvPr>
-        </p:nvSpPr>
-        <p:spPr>
-          <a:xfrm>
-            <a:off x="252919" y="1123837"/>
-            <a:ext cx="2947482" cy="4601183"/>
-          </a:xfrm>
-        </p:spPr>
-        <p:txBody>
-          <a:bodyPr vert="horz" lIns="91440" tIns="45720" rIns="91440" bIns="45720" rtlCol="0" anchor="ctr">
-            <a:normAutofit/>
-          </a:bodyPr>
-          <a:lstStyle/>
-          <a:p>
-            <a:r>
-              <a:rPr lang="en-US" b="1" dirty="0"/>
-              <a:t>Problems are not only technical</a:t>
-            </a:r>
-          </a:p>
-        </p:txBody>
-      </p:sp>
-      <p:sp>
-        <p:nvSpPr>
-          <p:cNvPr id="3" name="Content Placeholder 2"/>
-          <p:cNvSpPr>
-            <a:spLocks noGrp="1"/>
-          </p:cNvSpPr>
-          <p:nvPr>
-            <p:ph idx="4294967295"/>
-          </p:nvPr>
-        </p:nvSpPr>
-        <p:spPr>
-          <a:xfrm>
-            <a:off x="3869267" y="761999"/>
-            <a:ext cx="3585891" cy="5333999"/>
-          </a:xfrm>
-        </p:spPr>
-        <p:txBody>
-          <a:bodyPr vert="horz" lIns="91440" tIns="45720" rIns="91440" bIns="45720" rtlCol="0" anchor="ctr">
-            <a:normAutofit/>
-          </a:bodyPr>
-          <a:lstStyle/>
-          <a:p>
-            <a:pPr marL="0" indent="0">
-              <a:buNone/>
-            </a:pPr>
-            <a:r>
-              <a:rPr lang="en-US" dirty="0"/>
-              <a:t>How to build the right thing?</a:t>
-            </a:r>
-          </a:p>
-          <a:p>
-            <a:pPr marL="0"/>
-            <a:endParaRPr lang="en-US" b="1" dirty="0"/>
-          </a:p>
-          <a:p>
-            <a:pPr marL="0" indent="0">
-              <a:buNone/>
-            </a:pPr>
-            <a:r>
-              <a:rPr lang="en-US" b="1" dirty="0">
-                <a:solidFill>
-                  <a:schemeClr val="accent1"/>
-                </a:solidFill>
-              </a:rPr>
-              <a:t>Agile manifesto</a:t>
-            </a:r>
-          </a:p>
-          <a:p>
-            <a:pPr marL="0" indent="0">
-              <a:buNone/>
-            </a:pPr>
-            <a:r>
-              <a:rPr lang="en-US" b="1" i="1" dirty="0"/>
-              <a:t>Responding to change</a:t>
-            </a:r>
-            <a:r>
-              <a:rPr lang="en-US" i="1" dirty="0"/>
-              <a:t> over following a plan</a:t>
-            </a:r>
-          </a:p>
-        </p:txBody>
-      </p:sp>
-    </p:spTree>
-    <p:extLst>
-      <p:ext uri="{BB962C8B-B14F-4D97-AF65-F5344CB8AC3E}">
-        <p14:creationId xmlns:p14="http://schemas.microsoft.com/office/powerpoint/2010/main" val="2962675461"/>
-      </p:ext>
-    </p:extLst>
-  </p:cSld>
-  <p:clrMapOvr>
-    <a:masterClrMapping/>
-  </p:clrMapOvr>
-</p:sld>
-</file>
-
-<file path=ppt/slides/slide24.xml><?xml version="1.0" encoding="utf-8"?>
-<p:sld xmlns:a="http://schemas.openxmlformats.org/drawingml/2006/main" xmlns:r="http://schemas.openxmlformats.org/officeDocument/2006/relationships" xmlns:p="http://schemas.openxmlformats.org/presentationml/2006/main">
-  <p:cSld>
-    <p:spTree>
-      <p:nvGrpSpPr>
-        <p:cNvPr id="1" name=""/>
-        <p:cNvGrpSpPr/>
-        <p:nvPr/>
-      </p:nvGrpSpPr>
-      <p:grpSpPr>
-        <a:xfrm>
-          <a:off x="0" y="0"/>
-          <a:ext cx="0" cy="0"/>
-          <a:chOff x="0" y="0"/>
-          <a:chExt cx="0" cy="0"/>
-        </a:xfrm>
-      </p:grpSpPr>
-      <p:sp>
-        <p:nvSpPr>
           <p:cNvPr id="2" name="Title 1"/>
           <p:cNvSpPr>
             <a:spLocks noGrp="1"/>
@@ -43406,88 +43046,10 @@
   <p:clrMapOvr>
     <a:masterClrMapping/>
   </p:clrMapOvr>
-  <p:timing>
-    <p:tnLst>
-      <p:par>
-        <p:cTn id="1" dur="indefinite" restart="never" nodeType="tmRoot">
-          <p:childTnLst>
-            <p:seq concurrent="1" nextAc="seek">
-              <p:cTn id="2" dur="indefinite" nodeType="mainSeq">
-                <p:childTnLst>
-                  <p:par>
-                    <p:cTn id="3" fill="hold">
-                      <p:stCondLst>
-                        <p:cond delay="indefinite"/>
-                      </p:stCondLst>
-                      <p:childTnLst>
-                        <p:par>
-                          <p:cTn id="4" fill="hold">
-                            <p:stCondLst>
-                              <p:cond delay="0"/>
-                            </p:stCondLst>
-                            <p:childTnLst>
-                              <p:par>
-                                <p:cTn id="5" presetID="1" presetClass="entr" presetSubtype="0" fill="hold" grpId="0" nodeType="clickEffect">
-                                  <p:stCondLst>
-                                    <p:cond delay="0"/>
-                                  </p:stCondLst>
-                                  <p:childTnLst>
-                                    <p:set>
-                                      <p:cBhvr>
-                                        <p:cTn id="6" dur="1" fill="hold">
-                                          <p:stCondLst>
-                                            <p:cond delay="0"/>
-                                          </p:stCondLst>
-                                        </p:cTn>
-                                        <p:tgtEl>
-                                          <p:spTgt spid="15"/>
-                                        </p:tgtEl>
-                                        <p:attrNameLst>
-                                          <p:attrName>style.visibility</p:attrName>
-                                        </p:attrNameLst>
-                                      </p:cBhvr>
-                                      <p:to>
-                                        <p:strVal val="visible"/>
-                                      </p:to>
-                                    </p:set>
-                                  </p:childTnLst>
-                                </p:cTn>
-                              </p:par>
-                            </p:childTnLst>
-                          </p:cTn>
-                        </p:par>
-                      </p:childTnLst>
-                    </p:cTn>
-                  </p:par>
-                </p:childTnLst>
-              </p:cTn>
-              <p:prevCondLst>
-                <p:cond evt="onPrev" delay="0">
-                  <p:tgtEl>
-                    <p:sldTgt/>
-                  </p:tgtEl>
-                </p:cond>
-              </p:prevCondLst>
-              <p:nextCondLst>
-                <p:cond evt="onNext" delay="0">
-                  <p:tgtEl>
-                    <p:sldTgt/>
-                  </p:tgtEl>
-                </p:cond>
-              </p:nextCondLst>
-            </p:seq>
-          </p:childTnLst>
-        </p:cTn>
-      </p:par>
-    </p:tnLst>
-    <p:bldLst>
-      <p:bldP spid="15" grpId="0" animBg="1"/>
-    </p:bldLst>
-  </p:timing>
 </p:sld>
 </file>
 
-<file path=ppt/slides/slide25.xml><?xml version="1.0" encoding="utf-8"?>
+<file path=ppt/slides/slide24.xml><?xml version="1.0" encoding="utf-8"?>
 <p:sld xmlns:a="http://schemas.openxmlformats.org/drawingml/2006/main" xmlns:r="http://schemas.openxmlformats.org/officeDocument/2006/relationships" xmlns:p="http://schemas.openxmlformats.org/presentationml/2006/main">
   <p:cSld>
     <p:spTree>
@@ -43583,14 +43145,14 @@
           <p:nvPr>
             <p:extLst>
               <p:ext uri="{D42A27DB-BD31-4B8C-83A1-F6EECF244321}">
-                <p14:modId xmlns:p14="http://schemas.microsoft.com/office/powerpoint/2010/main" val="428179945"/>
+                <p14:modId xmlns:p14="http://schemas.microsoft.com/office/powerpoint/2010/main" val="3384322639"/>
               </p:ext>
             </p:extLst>
           </p:nvPr>
         </p:nvGraphicFramePr>
         <p:xfrm>
-          <a:off x="6401057" y="4169968"/>
-          <a:ext cx="2167763" cy="2021038"/>
+          <a:off x="6970817" y="3520440"/>
+          <a:ext cx="3158836" cy="2666603"/>
         </p:xfrm>
         <a:graphic>
           <a:graphicData uri="http://schemas.openxmlformats.org/drawingml/2006/diagram">
@@ -43612,7 +43174,7 @@
         </p:nvSpPr>
         <p:spPr>
           <a:xfrm>
-            <a:off x="5799652" y="3463377"/>
+            <a:off x="3602817" y="4570054"/>
             <a:ext cx="3368000" cy="584775"/>
           </a:xfrm>
           <a:prstGeom prst="rect">
@@ -43899,88 +43461,10 @@
   <p:clrMapOvr>
     <a:masterClrMapping/>
   </p:clrMapOvr>
-  <p:timing>
-    <p:tnLst>
-      <p:par>
-        <p:cTn id="1" dur="indefinite" restart="never" nodeType="tmRoot">
-          <p:childTnLst>
-            <p:seq concurrent="1" nextAc="seek">
-              <p:cTn id="2" dur="indefinite" nodeType="mainSeq">
-                <p:childTnLst>
-                  <p:par>
-                    <p:cTn id="3" fill="hold">
-                      <p:stCondLst>
-                        <p:cond delay="indefinite"/>
-                      </p:stCondLst>
-                      <p:childTnLst>
-                        <p:par>
-                          <p:cTn id="4" fill="hold">
-                            <p:stCondLst>
-                              <p:cond delay="0"/>
-                            </p:stCondLst>
-                            <p:childTnLst>
-                              <p:par>
-                                <p:cTn id="5" presetID="1" presetClass="entr" presetSubtype="0" fill="hold" grpId="0" nodeType="clickEffect">
-                                  <p:stCondLst>
-                                    <p:cond delay="0"/>
-                                  </p:stCondLst>
-                                  <p:childTnLst>
-                                    <p:set>
-                                      <p:cBhvr>
-                                        <p:cTn id="6" dur="1" fill="hold">
-                                          <p:stCondLst>
-                                            <p:cond delay="0"/>
-                                          </p:stCondLst>
-                                        </p:cTn>
-                                        <p:tgtEl>
-                                          <p:spTgt spid="27"/>
-                                        </p:tgtEl>
-                                        <p:attrNameLst>
-                                          <p:attrName>style.visibility</p:attrName>
-                                        </p:attrNameLst>
-                                      </p:cBhvr>
-                                      <p:to>
-                                        <p:strVal val="visible"/>
-                                      </p:to>
-                                    </p:set>
-                                  </p:childTnLst>
-                                </p:cTn>
-                              </p:par>
-                            </p:childTnLst>
-                          </p:cTn>
-                        </p:par>
-                      </p:childTnLst>
-                    </p:cTn>
-                  </p:par>
-                </p:childTnLst>
-              </p:cTn>
-              <p:prevCondLst>
-                <p:cond evt="onPrev" delay="0">
-                  <p:tgtEl>
-                    <p:sldTgt/>
-                  </p:tgtEl>
-                </p:cond>
-              </p:prevCondLst>
-              <p:nextCondLst>
-                <p:cond evt="onNext" delay="0">
-                  <p:tgtEl>
-                    <p:sldTgt/>
-                  </p:tgtEl>
-                </p:cond>
-              </p:nextCondLst>
-            </p:seq>
-          </p:childTnLst>
-        </p:cTn>
-      </p:par>
-    </p:tnLst>
-    <p:bldLst>
-      <p:bldP spid="27" grpId="0" animBg="1"/>
-    </p:bldLst>
-  </p:timing>
 </p:sld>
 </file>
 
-<file path=ppt/slides/slide26.xml><?xml version="1.0" encoding="utf-8"?>
+<file path=ppt/slides/slide25.xml><?xml version="1.0" encoding="utf-8"?>
 <p:sld xmlns:a="http://schemas.openxmlformats.org/drawingml/2006/main" xmlns:r="http://schemas.openxmlformats.org/officeDocument/2006/relationships" xmlns:p="http://schemas.openxmlformats.org/presentationml/2006/main">
   <p:cSld>
     <p:spTree>
@@ -44131,7 +43615,19 @@
             </a:pPr>
             <a:r>
               <a:rPr lang="en-GB" dirty="0"/>
-              <a:t>Fast, automated feedback on the production readiness of the applications every time there is a change in:</a:t>
+              <a:t>Fast, </a:t>
+            </a:r>
+            <a:r>
+              <a:rPr lang="en-GB" b="1" dirty="0">
+                <a:solidFill>
+                  <a:schemeClr val="accent1"/>
+                </a:solidFill>
+              </a:rPr>
+              <a:t>automated</a:t>
+            </a:r>
+            <a:r>
+              <a:rPr lang="en-GB" dirty="0"/>
+              <a:t> feedback on the production readiness of the applications every time we make a change in:</a:t>
             </a:r>
           </a:p>
           <a:p>
@@ -44218,7 +43714,7 @@
 </p:sld>
 </file>
 
-<file path=ppt/slides/slide27.xml><?xml version="1.0" encoding="utf-8"?>
+<file path=ppt/slides/slide26.xml><?xml version="1.0" encoding="utf-8"?>
 <p:sld xmlns:a="http://schemas.openxmlformats.org/drawingml/2006/main" xmlns:r="http://schemas.openxmlformats.org/officeDocument/2006/relationships" xmlns:p="http://schemas.openxmlformats.org/presentationml/2006/main">
   <p:cSld>
     <p:spTree>
@@ -44295,7 +43791,7 @@
 </p:sld>
 </file>
 
-<file path=ppt/slides/slide28.xml><?xml version="1.0" encoding="utf-8"?>
+<file path=ppt/slides/slide27.xml><?xml version="1.0" encoding="utf-8"?>
 <p:sld xmlns:a="http://schemas.openxmlformats.org/drawingml/2006/main" xmlns:r="http://schemas.openxmlformats.org/officeDocument/2006/relationships" xmlns:p="http://schemas.openxmlformats.org/presentationml/2006/main">
   <p:cSld>
     <p:spTree>
@@ -44601,7 +44097,7 @@
 </p:sld>
 </file>
 
-<file path=ppt/slides/slide29.xml><?xml version="1.0" encoding="utf-8"?>
+<file path=ppt/slides/slide28.xml><?xml version="1.0" encoding="utf-8"?>
 <p:sld xmlns:a="http://schemas.openxmlformats.org/drawingml/2006/main" xmlns:r="http://schemas.openxmlformats.org/officeDocument/2006/relationships" xmlns:p="http://schemas.openxmlformats.org/presentationml/2006/main">
   <p:cSld>
     <p:spTree>
@@ -45172,110 +44668,7 @@
 </p:sld>
 </file>
 
-<file path=ppt/slides/slide3.xml><?xml version="1.0" encoding="utf-8"?>
-<p:sld xmlns:a="http://schemas.openxmlformats.org/drawingml/2006/main" xmlns:r="http://schemas.openxmlformats.org/officeDocument/2006/relationships" xmlns:p="http://schemas.openxmlformats.org/presentationml/2006/main">
-  <p:cSld>
-    <p:spTree>
-      <p:nvGrpSpPr>
-        <p:cNvPr id="1" name=""/>
-        <p:cNvGrpSpPr/>
-        <p:nvPr/>
-      </p:nvGrpSpPr>
-      <p:grpSpPr>
-        <a:xfrm>
-          <a:off x="0" y="0"/>
-          <a:ext cx="0" cy="0"/>
-          <a:chOff x="0" y="0"/>
-          <a:chExt cx="0" cy="0"/>
-        </a:xfrm>
-      </p:grpSpPr>
-      <p:sp>
-        <p:nvSpPr>
-          <p:cNvPr id="2" name="Title 1"/>
-          <p:cNvSpPr>
-            <a:spLocks noGrp="1"/>
-          </p:cNvSpPr>
-          <p:nvPr>
-            <p:ph type="title"/>
-          </p:nvPr>
-        </p:nvSpPr>
-        <p:spPr/>
-        <p:txBody>
-          <a:bodyPr>
-            <a:normAutofit/>
-          </a:bodyPr>
-          <a:lstStyle/>
-          <a:p>
-            <a:r>
-              <a:rPr lang="en-GB" dirty="0"/>
-              <a:t>The problem of delivering software</a:t>
-            </a:r>
-          </a:p>
-        </p:txBody>
-      </p:sp>
-      <p:sp>
-        <p:nvSpPr>
-          <p:cNvPr id="9" name="Content Placeholder 8">
-            <a:extLst>
-              <a:ext uri="{FF2B5EF4-FFF2-40B4-BE49-F238E27FC236}">
-                <a16:creationId xmlns:a16="http://schemas.microsoft.com/office/drawing/2014/main" id="{B2B2E322-B897-433A-AC99-B470BD8E67CB}"/>
-              </a:ext>
-            </a:extLst>
-          </p:cNvPr>
-          <p:cNvSpPr>
-            <a:spLocks noGrp="1"/>
-          </p:cNvSpPr>
-          <p:nvPr>
-            <p:ph idx="1"/>
-          </p:nvPr>
-        </p:nvSpPr>
-        <p:spPr/>
-        <p:txBody>
-          <a:bodyPr/>
-          <a:lstStyle/>
-          <a:p>
-            <a:pPr marL="0" indent="0">
-              <a:buNone/>
-            </a:pPr>
-            <a:r>
-              <a:rPr lang="en-GB" dirty="0"/>
-              <a:t>The most important problem that we face as software professionals </a:t>
-            </a:r>
-          </a:p>
-          <a:p>
-            <a:pPr marL="0" indent="0">
-              <a:buNone/>
-            </a:pPr>
-            <a:endParaRPr lang="en-GB" i="1" dirty="0"/>
-          </a:p>
-          <a:p>
-            <a:pPr marL="0" indent="0">
-              <a:buNone/>
-            </a:pPr>
-            <a:r>
-              <a:rPr lang="en-GB" b="1" i="1" dirty="0"/>
-              <a:t>If somebody thinks of a good idea, how do we deliver it to users as quickly as possible?</a:t>
-            </a:r>
-          </a:p>
-          <a:p>
-            <a:endParaRPr lang="en-GB" dirty="0"/>
-          </a:p>
-        </p:txBody>
-      </p:sp>
-    </p:spTree>
-    <p:extLst>
-      <p:ext uri="{BB962C8B-B14F-4D97-AF65-F5344CB8AC3E}">
-        <p14:creationId xmlns:p14="http://schemas.microsoft.com/office/powerpoint/2010/main" val="187699628"/>
-      </p:ext>
-    </p:extLst>
-  </p:cSld>
-  <p:clrMapOvr>
-    <a:masterClrMapping/>
-  </p:clrMapOvr>
-</p:sld>
-</file>
-
-<file path=ppt/slides/slide30.xml><?xml version="1.0" encoding="utf-8"?>
+<file path=ppt/slides/slide29.xml><?xml version="1.0" encoding="utf-8"?>
 <p:sld xmlns:a="http://schemas.openxmlformats.org/drawingml/2006/main" xmlns:r="http://schemas.openxmlformats.org/officeDocument/2006/relationships" xmlns:p="http://schemas.openxmlformats.org/presentationml/2006/main">
   <p:cSld>
     <p:spTree>
@@ -45760,7 +45153,110 @@
 </p:sld>
 </file>
 
-<file path=ppt/slides/slide31.xml><?xml version="1.0" encoding="utf-8"?>
+<file path=ppt/slides/slide3.xml><?xml version="1.0" encoding="utf-8"?>
+<p:sld xmlns:a="http://schemas.openxmlformats.org/drawingml/2006/main" xmlns:r="http://schemas.openxmlformats.org/officeDocument/2006/relationships" xmlns:p="http://schemas.openxmlformats.org/presentationml/2006/main">
+  <p:cSld>
+    <p:spTree>
+      <p:nvGrpSpPr>
+        <p:cNvPr id="1" name=""/>
+        <p:cNvGrpSpPr/>
+        <p:nvPr/>
+      </p:nvGrpSpPr>
+      <p:grpSpPr>
+        <a:xfrm>
+          <a:off x="0" y="0"/>
+          <a:ext cx="0" cy="0"/>
+          <a:chOff x="0" y="0"/>
+          <a:chExt cx="0" cy="0"/>
+        </a:xfrm>
+      </p:grpSpPr>
+      <p:sp>
+        <p:nvSpPr>
+          <p:cNvPr id="2" name="Title 1"/>
+          <p:cNvSpPr>
+            <a:spLocks noGrp="1"/>
+          </p:cNvSpPr>
+          <p:nvPr>
+            <p:ph type="title"/>
+          </p:nvPr>
+        </p:nvSpPr>
+        <p:spPr/>
+        <p:txBody>
+          <a:bodyPr>
+            <a:normAutofit/>
+          </a:bodyPr>
+          <a:lstStyle/>
+          <a:p>
+            <a:r>
+              <a:rPr lang="en-GB" dirty="0"/>
+              <a:t>The problem of delivering software</a:t>
+            </a:r>
+          </a:p>
+        </p:txBody>
+      </p:sp>
+      <p:sp>
+        <p:nvSpPr>
+          <p:cNvPr id="9" name="Content Placeholder 8">
+            <a:extLst>
+              <a:ext uri="{FF2B5EF4-FFF2-40B4-BE49-F238E27FC236}">
+                <a16:creationId xmlns:a16="http://schemas.microsoft.com/office/drawing/2014/main" id="{B2B2E322-B897-433A-AC99-B470BD8E67CB}"/>
+              </a:ext>
+            </a:extLst>
+          </p:cNvPr>
+          <p:cNvSpPr>
+            <a:spLocks noGrp="1"/>
+          </p:cNvSpPr>
+          <p:nvPr>
+            <p:ph idx="1"/>
+          </p:nvPr>
+        </p:nvSpPr>
+        <p:spPr/>
+        <p:txBody>
+          <a:bodyPr/>
+          <a:lstStyle/>
+          <a:p>
+            <a:pPr marL="0" indent="0">
+              <a:buNone/>
+            </a:pPr>
+            <a:r>
+              <a:rPr lang="en-GB" dirty="0"/>
+              <a:t>The most important problem that we face as software professionals </a:t>
+            </a:r>
+          </a:p>
+          <a:p>
+            <a:pPr marL="0" indent="0">
+              <a:buNone/>
+            </a:pPr>
+            <a:endParaRPr lang="en-GB" i="1" dirty="0"/>
+          </a:p>
+          <a:p>
+            <a:pPr marL="0" indent="0">
+              <a:buNone/>
+            </a:pPr>
+            <a:r>
+              <a:rPr lang="en-GB" b="1" i="1" dirty="0"/>
+              <a:t>If somebody thinks of a good idea, how do we deliver it to users as quickly as possible?</a:t>
+            </a:r>
+          </a:p>
+          <a:p>
+            <a:endParaRPr lang="en-GB" dirty="0"/>
+          </a:p>
+        </p:txBody>
+      </p:sp>
+    </p:spTree>
+    <p:extLst>
+      <p:ext uri="{BB962C8B-B14F-4D97-AF65-F5344CB8AC3E}">
+        <p14:creationId xmlns:p14="http://schemas.microsoft.com/office/powerpoint/2010/main" val="187699628"/>
+      </p:ext>
+    </p:extLst>
+  </p:cSld>
+  <p:clrMapOvr>
+    <a:masterClrMapping/>
+  </p:clrMapOvr>
+</p:sld>
+</file>
+
+<file path=ppt/slides/slide30.xml><?xml version="1.0" encoding="utf-8"?>
 <p:sld xmlns:a="http://schemas.openxmlformats.org/drawingml/2006/main" xmlns:r="http://schemas.openxmlformats.org/officeDocument/2006/relationships" xmlns:p="http://schemas.openxmlformats.org/presentationml/2006/main">
   <p:cSld>
     <p:spTree>
@@ -46047,10 +45543,10 @@
       </p:graphicFrame>
       <p:sp>
         <p:nvSpPr>
-          <p:cNvPr id="3" name="Rectangle 2">
+          <p:cNvPr id="9" name="Rectangle 8">
             <a:extLst>
               <a:ext uri="{FF2B5EF4-FFF2-40B4-BE49-F238E27FC236}">
-                <a16:creationId xmlns:a16="http://schemas.microsoft.com/office/drawing/2014/main" id="{3A029937-D71F-4B0C-B5D9-10946BE7F178}"/>
+                <a16:creationId xmlns:a16="http://schemas.microsoft.com/office/drawing/2014/main" id="{3B0322D7-DB9B-43EB-BD49-B0F932398C0D}"/>
               </a:ext>
             </a:extLst>
           </p:cNvPr>
@@ -46123,7 +45619,7 @@
 </p:sld>
 </file>
 
-<file path=ppt/slides/slide32.xml><?xml version="1.0" encoding="utf-8"?>
+<file path=ppt/slides/slide31.xml><?xml version="1.0" encoding="utf-8"?>
 <p:sld xmlns:a="http://schemas.openxmlformats.org/drawingml/2006/main" xmlns:r="http://schemas.openxmlformats.org/officeDocument/2006/relationships" xmlns:p="http://schemas.openxmlformats.org/presentationml/2006/main">
   <p:cSld>
     <p:spTree>
@@ -46538,7 +46034,7 @@
 </p:sld>
 </file>
 
-<file path=ppt/slides/slide33.xml><?xml version="1.0" encoding="utf-8"?>
+<file path=ppt/slides/slide32.xml><?xml version="1.0" encoding="utf-8"?>
 <p:sld xmlns:a="http://schemas.openxmlformats.org/drawingml/2006/main" xmlns:r="http://schemas.openxmlformats.org/officeDocument/2006/relationships" xmlns:p="http://schemas.openxmlformats.org/presentationml/2006/main">
   <p:cSld>
     <p:spTree>
@@ -46613,35 +46109,35 @@
               <a:buNone/>
             </a:pPr>
             <a:r>
-              <a:rPr lang="en-GB" dirty="0"/>
+              <a:rPr lang="en-GB" sz="2400" dirty="0"/>
               <a:t>Configuration Management</a:t>
             </a:r>
           </a:p>
           <a:p>
             <a:pPr lvl="1"/>
             <a:r>
-              <a:rPr lang="en-GB" dirty="0"/>
+              <a:rPr lang="en-GB" sz="2000" dirty="0"/>
               <a:t>External dependencies</a:t>
             </a:r>
           </a:p>
           <a:p>
             <a:pPr lvl="1"/>
             <a:r>
-              <a:rPr lang="en-GB" dirty="0"/>
+              <a:rPr lang="en-GB" sz="2000" dirty="0"/>
               <a:t>Application configuration</a:t>
             </a:r>
           </a:p>
           <a:p>
             <a:pPr lvl="1"/>
             <a:r>
-              <a:rPr lang="en-GB" dirty="0"/>
+              <a:rPr lang="en-GB" sz="2000" dirty="0"/>
               <a:t>Environments</a:t>
             </a:r>
           </a:p>
           <a:p>
             <a:pPr lvl="1"/>
             <a:r>
-              <a:rPr lang="en-GB" dirty="0"/>
+              <a:rPr lang="en-GB" sz="2000" dirty="0"/>
               <a:t>Secrets</a:t>
             </a:r>
           </a:p>
@@ -46649,7 +46145,7 @@
             <a:pPr marL="0" indent="0">
               <a:buNone/>
             </a:pPr>
-            <a:endParaRPr lang="en-GB" dirty="0"/>
+            <a:endParaRPr lang="en-GB" sz="2400" dirty="0"/>
           </a:p>
         </p:txBody>
       </p:sp>
@@ -46696,7 +46192,7 @@
         <p:spPr>
           <a:xfrm>
             <a:off x="3869268" y="1485870"/>
-            <a:ext cx="2403222" cy="400110"/>
+            <a:ext cx="2847254" cy="461665"/>
           </a:xfrm>
           <a:prstGeom prst="rect">
             <a:avLst/>
@@ -46709,7 +46205,7 @@
           <a:lstStyle/>
           <a:p>
             <a:r>
-              <a:rPr lang="en-GB" sz="2000" dirty="0">
+              <a:rPr lang="en-GB" sz="2400" dirty="0">
                 <a:solidFill>
                   <a:schemeClr val="tx1">
                     <a:lumMod val="65000"/>
@@ -46720,11 +46216,11 @@
               <a:t>Deployment</a:t>
             </a:r>
             <a:r>
-              <a:rPr lang="en-GB" dirty="0"/>
+              <a:rPr lang="en-GB" sz="2000" dirty="0"/>
               <a:t> </a:t>
             </a:r>
             <a:r>
-              <a:rPr lang="en-GB" sz="2000" dirty="0">
+              <a:rPr lang="en-GB" sz="2400" dirty="0">
                 <a:solidFill>
                   <a:schemeClr val="tx1">
                     <a:lumMod val="65000"/>
@@ -46750,7 +46246,7 @@
 </p:sld>
 </file>
 
-<file path=ppt/slides/slide34.xml><?xml version="1.0" encoding="utf-8"?>
+<file path=ppt/slides/slide33.xml><?xml version="1.0" encoding="utf-8"?>
 <p:sld xmlns:a="http://schemas.openxmlformats.org/drawingml/2006/main" xmlns:r="http://schemas.openxmlformats.org/officeDocument/2006/relationships" xmlns:p="http://schemas.openxmlformats.org/presentationml/2006/main">
   <p:cSld>
     <p:spTree>
@@ -47129,7 +46625,7 @@
 </p:sld>
 </file>
 
-<file path=ppt/slides/slide35.xml><?xml version="1.0" encoding="utf-8"?>
+<file path=ppt/slides/slide34.xml><?xml version="1.0" encoding="utf-8"?>
 <p:sld xmlns:a="http://schemas.openxmlformats.org/drawingml/2006/main" xmlns:r="http://schemas.openxmlformats.org/officeDocument/2006/relationships" xmlns:p="http://schemas.openxmlformats.org/presentationml/2006/main">
   <p:cSld>
     <p:spTree>
